--- a/Weekly_Report/2024_poster/2024_takayama_poster.pptx
+++ b/Weekly_Report/2024_poster/2024_takayama_poster.pptx
@@ -1993,18 +1993,11 @@
               <a:t>が提供している</a:t>
             </a:r>
             <a:r>
-              <a:rPr lang="en-US" altLang="ja-JP" sz="1100" dirty="0" err="1">
-                <a:latin typeface="+mn-ea"/>
-                <a:ea typeface="+mn-ea"/>
-              </a:rPr>
-              <a:t>PLaMo</a:t>
-            </a:r>
-            <a:r>
               <a:rPr lang="en-US" altLang="ja-JP" sz="1100" dirty="0">
                 <a:latin typeface="+mn-ea"/>
                 <a:ea typeface="+mn-ea"/>
               </a:rPr>
-              <a:t> </a:t>
+              <a:t>PLaMo </a:t>
             </a:r>
             <a:r>
               <a:rPr lang="ja-JP" altLang="en-US" sz="1100" dirty="0">
@@ -4377,18 +4370,11 @@
               <a:t>が提供している</a:t>
             </a:r>
             <a:r>
-              <a:rPr lang="en-US" altLang="ja-JP" sz="1100" dirty="0" err="1">
-                <a:latin typeface="+mn-ea"/>
-                <a:ea typeface="+mn-ea"/>
-              </a:rPr>
-              <a:t>PLaMo</a:t>
-            </a:r>
-            <a:r>
               <a:rPr lang="en-US" altLang="ja-JP" sz="1100" dirty="0">
                 <a:latin typeface="+mn-ea"/>
                 <a:ea typeface="+mn-ea"/>
               </a:rPr>
-              <a:t> </a:t>
+              <a:t>PLaMo </a:t>
             </a:r>
             <a:r>
               <a:rPr lang="ja-JP" altLang="en-US" sz="1100" dirty="0">
@@ -16677,10 +16663,10 @@
       </p:grpSp>
       <p:grpSp>
         <p:nvGrpSpPr>
-          <p:cNvPr id="97" name="グループ化 96">
+          <p:cNvPr id="29" name="グループ化 28">
             <a:extLst>
               <a:ext uri="{FF2B5EF4-FFF2-40B4-BE49-F238E27FC236}">
-                <a16:creationId xmlns:a16="http://schemas.microsoft.com/office/drawing/2014/main" id="{E4BE8C2F-BAE5-6CD5-6C44-8B2F707E0E3A}"/>
+                <a16:creationId xmlns:a16="http://schemas.microsoft.com/office/drawing/2014/main" id="{7C6C8AE4-3F3F-D97E-5946-ABFBACB43008}"/>
               </a:ext>
             </a:extLst>
           </p:cNvPr>
@@ -16689,18 +16675,18 @@
         </p:nvGrpSpPr>
         <p:grpSpPr>
           <a:xfrm>
-            <a:off x="11812576" y="14362276"/>
-            <a:ext cx="16229024" cy="11363164"/>
-            <a:chOff x="11812576" y="14362276"/>
-            <a:chExt cx="16229024" cy="11363164"/>
+            <a:off x="11812576" y="13715764"/>
+            <a:ext cx="16229024" cy="12009676"/>
+            <a:chOff x="11812576" y="13715764"/>
+            <a:chExt cx="16229024" cy="12009676"/>
           </a:xfrm>
         </p:grpSpPr>
         <p:grpSp>
           <p:nvGrpSpPr>
-            <p:cNvPr id="56" name="グループ化 55">
+            <p:cNvPr id="97" name="グループ化 96">
               <a:extLst>
                 <a:ext uri="{FF2B5EF4-FFF2-40B4-BE49-F238E27FC236}">
-                  <a16:creationId xmlns:a16="http://schemas.microsoft.com/office/drawing/2014/main" id="{46DE95D5-1111-B06B-0456-8ACE2FBE8BC6}"/>
+                  <a16:creationId xmlns:a16="http://schemas.microsoft.com/office/drawing/2014/main" id="{E4BE8C2F-BAE5-6CD5-6C44-8B2F707E0E3A}"/>
                 </a:ext>
               </a:extLst>
             </p:cNvPr>
@@ -16710,17 +16696,17 @@
           <p:grpSpPr>
             <a:xfrm>
               <a:off x="11812576" y="14362276"/>
-              <a:ext cx="16229024" cy="10013557"/>
+              <a:ext cx="16229024" cy="11363164"/>
               <a:chOff x="11812576" y="14362276"/>
-              <a:chExt cx="16229024" cy="10013557"/>
+              <a:chExt cx="16229024" cy="11363164"/>
             </a:xfrm>
           </p:grpSpPr>
           <p:grpSp>
             <p:nvGrpSpPr>
-              <p:cNvPr id="81" name="グループ化 80">
+              <p:cNvPr id="56" name="グループ化 55">
                 <a:extLst>
                   <a:ext uri="{FF2B5EF4-FFF2-40B4-BE49-F238E27FC236}">
-                    <a16:creationId xmlns:a16="http://schemas.microsoft.com/office/drawing/2014/main" id="{316FC7B1-73F5-DA74-4432-E8620604DCFB}"/>
+                    <a16:creationId xmlns:a16="http://schemas.microsoft.com/office/drawing/2014/main" id="{46DE95D5-1111-B06B-0456-8ACE2FBE8BC6}"/>
                   </a:ext>
                 </a:extLst>
               </p:cNvPr>
@@ -16730,17 +16716,17 @@
             <p:grpSpPr>
               <a:xfrm>
                 <a:off x="11812576" y="14362276"/>
-                <a:ext cx="15949250" cy="9552376"/>
+                <a:ext cx="16229024" cy="10013557"/>
                 <a:chOff x="11812576" y="14362276"/>
-                <a:chExt cx="15949250" cy="9552376"/>
+                <a:chExt cx="16229024" cy="10013557"/>
               </a:xfrm>
             </p:grpSpPr>
             <p:grpSp>
               <p:nvGrpSpPr>
-                <p:cNvPr id="28" name="グループ化 27">
+                <p:cNvPr id="81" name="グループ化 80">
                   <a:extLst>
                     <a:ext uri="{FF2B5EF4-FFF2-40B4-BE49-F238E27FC236}">
-                      <a16:creationId xmlns:a16="http://schemas.microsoft.com/office/drawing/2014/main" id="{C6341E05-45C9-1458-0716-435DB34BF654}"/>
+                      <a16:creationId xmlns:a16="http://schemas.microsoft.com/office/drawing/2014/main" id="{316FC7B1-73F5-DA74-4432-E8620604DCFB}"/>
                     </a:ext>
                   </a:extLst>
                 </p:cNvPr>
@@ -16749,18 +16735,1408 @@
               </p:nvGrpSpPr>
               <p:grpSpPr>
                 <a:xfrm>
-                  <a:off x="11812577" y="17612646"/>
-                  <a:ext cx="8774726" cy="4991121"/>
-                  <a:chOff x="2409092" y="952479"/>
-                  <a:chExt cx="8774726" cy="4991121"/>
+                  <a:off x="11812576" y="14362276"/>
+                  <a:ext cx="15949250" cy="9552376"/>
+                  <a:chOff x="11812576" y="14362276"/>
+                  <a:chExt cx="15949250" cy="9552376"/>
                 </a:xfrm>
               </p:grpSpPr>
+              <p:grpSp>
+                <p:nvGrpSpPr>
+                  <p:cNvPr id="28" name="グループ化 27">
+                    <a:extLst>
+                      <a:ext uri="{FF2B5EF4-FFF2-40B4-BE49-F238E27FC236}">
+                        <a16:creationId xmlns:a16="http://schemas.microsoft.com/office/drawing/2014/main" id="{C6341E05-45C9-1458-0716-435DB34BF654}"/>
+                      </a:ext>
+                    </a:extLst>
+                  </p:cNvPr>
+                  <p:cNvGrpSpPr/>
+                  <p:nvPr/>
+                </p:nvGrpSpPr>
+                <p:grpSpPr>
+                  <a:xfrm>
+                    <a:off x="11812577" y="17612646"/>
+                    <a:ext cx="8774726" cy="4991121"/>
+                    <a:chOff x="2409092" y="952479"/>
+                    <a:chExt cx="8774726" cy="4991121"/>
+                  </a:xfrm>
+                </p:grpSpPr>
+                <p:sp>
+                  <p:nvSpPr>
+                    <p:cNvPr id="30" name="四角形: 上の 2 つの角を切り取る 29">
+                      <a:extLst>
+                        <a:ext uri="{FF2B5EF4-FFF2-40B4-BE49-F238E27FC236}">
+                          <a16:creationId xmlns:a16="http://schemas.microsoft.com/office/drawing/2014/main" id="{48E30AEE-8F22-5DD0-7850-3129B6DF6E16}"/>
+                        </a:ext>
+                      </a:extLst>
+                    </p:cNvPr>
+                    <p:cNvSpPr/>
+                    <p:nvPr/>
+                  </p:nvSpPr>
+                  <p:spPr>
+                    <a:xfrm>
+                      <a:off x="2409092" y="4923692"/>
+                      <a:ext cx="1600200" cy="1019908"/>
+                    </a:xfrm>
+                    <a:prstGeom prst="snip2SameRect">
+                      <a:avLst/>
+                    </a:prstGeom>
+                    <a:ln>
+                      <a:solidFill>
+                        <a:schemeClr val="bg2"/>
+                      </a:solidFill>
+                    </a:ln>
+                  </p:spPr>
+                  <p:style>
+                    <a:lnRef idx="2">
+                      <a:schemeClr val="accent4">
+                        <a:shade val="15000"/>
+                      </a:schemeClr>
+                    </a:lnRef>
+                    <a:fillRef idx="1">
+                      <a:schemeClr val="accent4"/>
+                    </a:fillRef>
+                    <a:effectRef idx="0">
+                      <a:schemeClr val="accent4"/>
+                    </a:effectRef>
+                    <a:fontRef idx="minor">
+                      <a:schemeClr val="lt1"/>
+                    </a:fontRef>
+                  </p:style>
+                  <p:txBody>
+                    <a:bodyPr rtlCol="0" anchor="ctr"/>
+                    <a:lstStyle/>
+                    <a:p>
+                      <a:pPr algn="ctr"/>
+                      <a:r>
+                        <a:rPr kumimoji="1" lang="en-US" altLang="ja-JP" sz="3600" dirty="0">
+                          <a:solidFill>
+                            <a:schemeClr val="tx1"/>
+                          </a:solidFill>
+                        </a:rPr>
+                        <a:t>[CLS]</a:t>
+                      </a:r>
+                      <a:endParaRPr kumimoji="1" lang="ja-JP" altLang="en-US" sz="3600" dirty="0">
+                        <a:solidFill>
+                          <a:schemeClr val="tx1"/>
+                        </a:solidFill>
+                      </a:endParaRPr>
+                    </a:p>
+                  </p:txBody>
+                </p:sp>
+                <p:sp>
+                  <p:nvSpPr>
+                    <p:cNvPr id="31" name="四角形: 上の 2 つの角を切り取る 30">
+                      <a:extLst>
+                        <a:ext uri="{FF2B5EF4-FFF2-40B4-BE49-F238E27FC236}">
+                          <a16:creationId xmlns:a16="http://schemas.microsoft.com/office/drawing/2014/main" id="{C3FC720F-7321-0731-ABE5-B9C9E7265AF1}"/>
+                        </a:ext>
+                      </a:extLst>
+                    </p:cNvPr>
+                    <p:cNvSpPr/>
+                    <p:nvPr/>
+                  </p:nvSpPr>
+                  <p:spPr>
+                    <a:xfrm>
+                      <a:off x="4202723" y="4923692"/>
+                      <a:ext cx="1600200" cy="1019908"/>
+                    </a:xfrm>
+                    <a:prstGeom prst="snip2SameRect">
+                      <a:avLst/>
+                    </a:prstGeom>
+                    <a:ln>
+                      <a:solidFill>
+                        <a:schemeClr val="bg2"/>
+                      </a:solidFill>
+                    </a:ln>
+                  </p:spPr>
+                  <p:style>
+                    <a:lnRef idx="2">
+                      <a:schemeClr val="accent4">
+                        <a:shade val="15000"/>
+                      </a:schemeClr>
+                    </a:lnRef>
+                    <a:fillRef idx="1">
+                      <a:schemeClr val="accent4"/>
+                    </a:fillRef>
+                    <a:effectRef idx="0">
+                      <a:schemeClr val="accent4"/>
+                    </a:effectRef>
+                    <a:fontRef idx="minor">
+                      <a:schemeClr val="lt1"/>
+                    </a:fontRef>
+                  </p:style>
+                  <p:txBody>
+                    <a:bodyPr rtlCol="0" anchor="ctr"/>
+                    <a:lstStyle/>
+                    <a:p>
+                      <a:pPr algn="ctr"/>
+                      <a:r>
+                        <a:rPr kumimoji="1" lang="en-US" altLang="ja-JP" sz="3600" dirty="0">
+                          <a:solidFill>
+                            <a:schemeClr val="tx1"/>
+                          </a:solidFill>
+                        </a:rPr>
+                        <a:t>Tok</a:t>
+                      </a:r>
+                      <a:r>
+                        <a:rPr kumimoji="1" lang="en-US" altLang="ja-JP" sz="3600" baseline="-25000" dirty="0">
+                          <a:solidFill>
+                            <a:schemeClr val="tx1"/>
+                          </a:solidFill>
+                        </a:rPr>
+                        <a:t>1</a:t>
+                      </a:r>
+                      <a:endParaRPr kumimoji="1" lang="ja-JP" altLang="en-US" sz="3600" dirty="0">
+                        <a:solidFill>
+                          <a:schemeClr val="tx1"/>
+                        </a:solidFill>
+                      </a:endParaRPr>
+                    </a:p>
+                  </p:txBody>
+                </p:sp>
+                <p:sp>
+                  <p:nvSpPr>
+                    <p:cNvPr id="32" name="四角形: 上の 2 つの角を切り取る 31">
+                      <a:extLst>
+                        <a:ext uri="{FF2B5EF4-FFF2-40B4-BE49-F238E27FC236}">
+                          <a16:creationId xmlns:a16="http://schemas.microsoft.com/office/drawing/2014/main" id="{ABC5503D-CBDF-7559-93EB-24F3BC12897E}"/>
+                        </a:ext>
+                      </a:extLst>
+                    </p:cNvPr>
+                    <p:cNvSpPr/>
+                    <p:nvPr/>
+                  </p:nvSpPr>
+                  <p:spPr>
+                    <a:xfrm>
+                      <a:off x="5996354" y="4923692"/>
+                      <a:ext cx="1600200" cy="1019908"/>
+                    </a:xfrm>
+                    <a:prstGeom prst="snip2SameRect">
+                      <a:avLst/>
+                    </a:prstGeom>
+                    <a:ln>
+                      <a:solidFill>
+                        <a:schemeClr val="bg2"/>
+                      </a:solidFill>
+                    </a:ln>
+                  </p:spPr>
+                  <p:style>
+                    <a:lnRef idx="2">
+                      <a:schemeClr val="accent4">
+                        <a:shade val="15000"/>
+                      </a:schemeClr>
+                    </a:lnRef>
+                    <a:fillRef idx="1">
+                      <a:schemeClr val="accent4"/>
+                    </a:fillRef>
+                    <a:effectRef idx="0">
+                      <a:schemeClr val="accent4"/>
+                    </a:effectRef>
+                    <a:fontRef idx="minor">
+                      <a:schemeClr val="lt1"/>
+                    </a:fontRef>
+                  </p:style>
+                  <p:txBody>
+                    <a:bodyPr rtlCol="0" anchor="ctr"/>
+                    <a:lstStyle/>
+                    <a:p>
+                      <a:pPr algn="ctr"/>
+                      <a:r>
+                        <a:rPr kumimoji="1" lang="en-US" altLang="ja-JP" sz="3600" dirty="0">
+                          <a:solidFill>
+                            <a:schemeClr val="tx1"/>
+                          </a:solidFill>
+                        </a:rPr>
+                        <a:t>Tok</a:t>
+                      </a:r>
+                      <a:r>
+                        <a:rPr kumimoji="1" lang="en-US" altLang="ja-JP" sz="3600" baseline="-25000" dirty="0">
+                          <a:solidFill>
+                            <a:schemeClr val="tx1"/>
+                          </a:solidFill>
+                        </a:rPr>
+                        <a:t>2</a:t>
+                      </a:r>
+                      <a:endParaRPr kumimoji="1" lang="ja-JP" altLang="en-US" sz="3600" dirty="0">
+                        <a:solidFill>
+                          <a:schemeClr val="tx1"/>
+                        </a:solidFill>
+                      </a:endParaRPr>
+                    </a:p>
+                  </p:txBody>
+                </p:sp>
+                <p:sp>
+                  <p:nvSpPr>
+                    <p:cNvPr id="33" name="四角形: 上の 2 つの角を切り取る 32">
+                      <a:extLst>
+                        <a:ext uri="{FF2B5EF4-FFF2-40B4-BE49-F238E27FC236}">
+                          <a16:creationId xmlns:a16="http://schemas.microsoft.com/office/drawing/2014/main" id="{038A94FD-C08B-6A72-8DE4-5D7D24AFF757}"/>
+                        </a:ext>
+                      </a:extLst>
+                    </p:cNvPr>
+                    <p:cNvSpPr/>
+                    <p:nvPr/>
+                  </p:nvSpPr>
+                  <p:spPr>
+                    <a:xfrm>
+                      <a:off x="9583616" y="4923692"/>
+                      <a:ext cx="1600200" cy="1019908"/>
+                    </a:xfrm>
+                    <a:prstGeom prst="snip2SameRect">
+                      <a:avLst/>
+                    </a:prstGeom>
+                    <a:ln>
+                      <a:solidFill>
+                        <a:schemeClr val="bg2"/>
+                      </a:solidFill>
+                    </a:ln>
+                  </p:spPr>
+                  <p:style>
+                    <a:lnRef idx="2">
+                      <a:schemeClr val="accent4">
+                        <a:shade val="15000"/>
+                      </a:schemeClr>
+                    </a:lnRef>
+                    <a:fillRef idx="1">
+                      <a:schemeClr val="accent4"/>
+                    </a:fillRef>
+                    <a:effectRef idx="0">
+                      <a:schemeClr val="accent4"/>
+                    </a:effectRef>
+                    <a:fontRef idx="minor">
+                      <a:schemeClr val="lt1"/>
+                    </a:fontRef>
+                  </p:style>
+                  <p:txBody>
+                    <a:bodyPr rtlCol="0" anchor="ctr"/>
+                    <a:lstStyle/>
+                    <a:p>
+                      <a:pPr algn="ctr"/>
+                      <a:r>
+                        <a:rPr kumimoji="1" lang="en-US" altLang="ja-JP" sz="3600" dirty="0" err="1">
+                          <a:solidFill>
+                            <a:schemeClr val="tx1"/>
+                          </a:solidFill>
+                        </a:rPr>
+                        <a:t>Tok</a:t>
+                      </a:r>
+                      <a:r>
+                        <a:rPr kumimoji="1" lang="en-US" altLang="ja-JP" sz="3600" baseline="-25000" dirty="0" err="1">
+                          <a:solidFill>
+                            <a:schemeClr val="tx1"/>
+                          </a:solidFill>
+                        </a:rPr>
+                        <a:t>N</a:t>
+                      </a:r>
+                      <a:endParaRPr kumimoji="1" lang="ja-JP" altLang="en-US" sz="3600" dirty="0">
+                        <a:solidFill>
+                          <a:schemeClr val="tx1"/>
+                        </a:solidFill>
+                      </a:endParaRPr>
+                    </a:p>
+                  </p:txBody>
+                </p:sp>
+                <p:sp>
+                  <p:nvSpPr>
+                    <p:cNvPr id="34" name="四角形: 上の 2 つの角を切り取る 33">
+                      <a:extLst>
+                        <a:ext uri="{FF2B5EF4-FFF2-40B4-BE49-F238E27FC236}">
+                          <a16:creationId xmlns:a16="http://schemas.microsoft.com/office/drawing/2014/main" id="{EE742B14-F0BC-2FFA-856A-6BA1B47639AC}"/>
+                        </a:ext>
+                      </a:extLst>
+                    </p:cNvPr>
+                    <p:cNvSpPr/>
+                    <p:nvPr/>
+                  </p:nvSpPr>
+                  <p:spPr>
+                    <a:xfrm>
+                      <a:off x="7789985" y="4923692"/>
+                      <a:ext cx="1600200" cy="1019908"/>
+                    </a:xfrm>
+                    <a:prstGeom prst="snip2SameRect">
+                      <a:avLst/>
+                    </a:prstGeom>
+                    <a:noFill/>
+                    <a:ln>
+                      <a:noFill/>
+                    </a:ln>
+                  </p:spPr>
+                  <p:style>
+                    <a:lnRef idx="2">
+                      <a:schemeClr val="accent4">
+                        <a:shade val="15000"/>
+                      </a:schemeClr>
+                    </a:lnRef>
+                    <a:fillRef idx="1">
+                      <a:schemeClr val="accent4"/>
+                    </a:fillRef>
+                    <a:effectRef idx="0">
+                      <a:schemeClr val="accent4"/>
+                    </a:effectRef>
+                    <a:fontRef idx="minor">
+                      <a:schemeClr val="lt1"/>
+                    </a:fontRef>
+                  </p:style>
+                  <p:txBody>
+                    <a:bodyPr rtlCol="0" anchor="ctr"/>
+                    <a:lstStyle/>
+                    <a:p>
+                      <a:pPr algn="ctr"/>
+                      <a:r>
+                        <a:rPr kumimoji="1" lang="ja-JP" altLang="en-US" sz="3600" dirty="0">
+                          <a:solidFill>
+                            <a:schemeClr val="tx1"/>
+                          </a:solidFill>
+                        </a:rPr>
+                        <a:t>・・・</a:t>
+                      </a:r>
+                    </a:p>
+                  </p:txBody>
+                </p:sp>
+                <p:sp>
+                  <p:nvSpPr>
+                    <p:cNvPr id="35" name="正方形/長方形 34">
+                      <a:extLst>
+                        <a:ext uri="{FF2B5EF4-FFF2-40B4-BE49-F238E27FC236}">
+                          <a16:creationId xmlns:a16="http://schemas.microsoft.com/office/drawing/2014/main" id="{369CA393-E4F3-C02A-E2D3-66DBA5EACB62}"/>
+                        </a:ext>
+                      </a:extLst>
+                    </p:cNvPr>
+                    <p:cNvSpPr/>
+                    <p:nvPr/>
+                  </p:nvSpPr>
+                  <p:spPr>
+                    <a:xfrm>
+                      <a:off x="2409092" y="3094892"/>
+                      <a:ext cx="8774724" cy="1459523"/>
+                    </a:xfrm>
+                    <a:prstGeom prst="rect">
+                      <a:avLst/>
+                    </a:prstGeom>
+                    <a:solidFill>
+                      <a:schemeClr val="accent1">
+                        <a:lumMod val="60000"/>
+                        <a:lumOff val="40000"/>
+                      </a:schemeClr>
+                    </a:solidFill>
+                  </p:spPr>
+                  <p:style>
+                    <a:lnRef idx="2">
+                      <a:schemeClr val="accent1">
+                        <a:shade val="15000"/>
+                      </a:schemeClr>
+                    </a:lnRef>
+                    <a:fillRef idx="1">
+                      <a:schemeClr val="accent1"/>
+                    </a:fillRef>
+                    <a:effectRef idx="0">
+                      <a:schemeClr val="accent1"/>
+                    </a:effectRef>
+                    <a:fontRef idx="minor">
+                      <a:schemeClr val="lt1"/>
+                    </a:fontRef>
+                  </p:style>
+                  <p:txBody>
+                    <a:bodyPr rtlCol="0" anchor="ctr"/>
+                    <a:lstStyle/>
+                    <a:p>
+                      <a:pPr algn="ctr"/>
+                      <a:r>
+                        <a:rPr kumimoji="1" lang="en-US" altLang="ja-JP" sz="6600" dirty="0">
+                          <a:solidFill>
+                            <a:schemeClr val="tx1"/>
+                          </a:solidFill>
+                        </a:rPr>
+                        <a:t>BERT (1)</a:t>
+                      </a:r>
+                    </a:p>
+                  </p:txBody>
+                </p:sp>
+                <p:sp>
+                  <p:nvSpPr>
+                    <p:cNvPr id="36" name="矢印: 右 35">
+                      <a:extLst>
+                        <a:ext uri="{FF2B5EF4-FFF2-40B4-BE49-F238E27FC236}">
+                          <a16:creationId xmlns:a16="http://schemas.microsoft.com/office/drawing/2014/main" id="{A9D2EA05-E155-B616-1D6E-0CAA54041947}"/>
+                        </a:ext>
+                      </a:extLst>
+                    </p:cNvPr>
+                    <p:cNvSpPr/>
+                    <p:nvPr/>
+                  </p:nvSpPr>
+                  <p:spPr>
+                    <a:xfrm rot="16200000">
+                      <a:off x="2945423" y="4510453"/>
+                      <a:ext cx="527539" cy="298938"/>
+                    </a:xfrm>
+                    <a:prstGeom prst="rightArrow">
+                      <a:avLst/>
+                    </a:prstGeom>
+                  </p:spPr>
+                  <p:style>
+                    <a:lnRef idx="2">
+                      <a:schemeClr val="accent2">
+                        <a:shade val="15000"/>
+                      </a:schemeClr>
+                    </a:lnRef>
+                    <a:fillRef idx="1">
+                      <a:schemeClr val="accent2"/>
+                    </a:fillRef>
+                    <a:effectRef idx="0">
+                      <a:schemeClr val="accent2"/>
+                    </a:effectRef>
+                    <a:fontRef idx="minor">
+                      <a:schemeClr val="lt1"/>
+                    </a:fontRef>
+                  </p:style>
+                  <p:txBody>
+                    <a:bodyPr rtlCol="0" anchor="ctr"/>
+                    <a:lstStyle/>
+                    <a:p>
+                      <a:pPr algn="ctr"/>
+                      <a:endParaRPr kumimoji="1" lang="ja-JP" altLang="en-US"/>
+                    </a:p>
+                  </p:txBody>
+                </p:sp>
+                <p:sp>
+                  <p:nvSpPr>
+                    <p:cNvPr id="37" name="矢印: 右 36">
+                      <a:extLst>
+                        <a:ext uri="{FF2B5EF4-FFF2-40B4-BE49-F238E27FC236}">
+                          <a16:creationId xmlns:a16="http://schemas.microsoft.com/office/drawing/2014/main" id="{6B879A9E-253F-1C9C-029D-FC7E6A81A9E4}"/>
+                        </a:ext>
+                      </a:extLst>
+                    </p:cNvPr>
+                    <p:cNvSpPr/>
+                    <p:nvPr/>
+                  </p:nvSpPr>
+                  <p:spPr>
+                    <a:xfrm rot="16200000">
+                      <a:off x="4739054" y="4510452"/>
+                      <a:ext cx="527539" cy="298938"/>
+                    </a:xfrm>
+                    <a:prstGeom prst="rightArrow">
+                      <a:avLst/>
+                    </a:prstGeom>
+                  </p:spPr>
+                  <p:style>
+                    <a:lnRef idx="2">
+                      <a:schemeClr val="accent2">
+                        <a:shade val="15000"/>
+                      </a:schemeClr>
+                    </a:lnRef>
+                    <a:fillRef idx="1">
+                      <a:schemeClr val="accent2"/>
+                    </a:fillRef>
+                    <a:effectRef idx="0">
+                      <a:schemeClr val="accent2"/>
+                    </a:effectRef>
+                    <a:fontRef idx="minor">
+                      <a:schemeClr val="lt1"/>
+                    </a:fontRef>
+                  </p:style>
+                  <p:txBody>
+                    <a:bodyPr rtlCol="0" anchor="ctr"/>
+                    <a:lstStyle/>
+                    <a:p>
+                      <a:pPr algn="ctr"/>
+                      <a:endParaRPr kumimoji="1" lang="ja-JP" altLang="en-US"/>
+                    </a:p>
+                  </p:txBody>
+                </p:sp>
+                <p:sp>
+                  <p:nvSpPr>
+                    <p:cNvPr id="38" name="矢印: 右 37">
+                      <a:extLst>
+                        <a:ext uri="{FF2B5EF4-FFF2-40B4-BE49-F238E27FC236}">
+                          <a16:creationId xmlns:a16="http://schemas.microsoft.com/office/drawing/2014/main" id="{64AAAE1E-6082-328C-7B01-62C996A2E4C3}"/>
+                        </a:ext>
+                      </a:extLst>
+                    </p:cNvPr>
+                    <p:cNvSpPr/>
+                    <p:nvPr/>
+                  </p:nvSpPr>
+                  <p:spPr>
+                    <a:xfrm rot="16200000">
+                      <a:off x="6532685" y="4510451"/>
+                      <a:ext cx="527539" cy="298938"/>
+                    </a:xfrm>
+                    <a:prstGeom prst="rightArrow">
+                      <a:avLst/>
+                    </a:prstGeom>
+                  </p:spPr>
+                  <p:style>
+                    <a:lnRef idx="2">
+                      <a:schemeClr val="accent2">
+                        <a:shade val="15000"/>
+                      </a:schemeClr>
+                    </a:lnRef>
+                    <a:fillRef idx="1">
+                      <a:schemeClr val="accent2"/>
+                    </a:fillRef>
+                    <a:effectRef idx="0">
+                      <a:schemeClr val="accent2"/>
+                    </a:effectRef>
+                    <a:fontRef idx="minor">
+                      <a:schemeClr val="lt1"/>
+                    </a:fontRef>
+                  </p:style>
+                  <p:txBody>
+                    <a:bodyPr rtlCol="0" anchor="ctr"/>
+                    <a:lstStyle/>
+                    <a:p>
+                      <a:pPr algn="ctr"/>
+                      <a:endParaRPr kumimoji="1" lang="ja-JP" altLang="en-US"/>
+                    </a:p>
+                  </p:txBody>
+                </p:sp>
+                <p:sp>
+                  <p:nvSpPr>
+                    <p:cNvPr id="39" name="矢印: 右 38">
+                      <a:extLst>
+                        <a:ext uri="{FF2B5EF4-FFF2-40B4-BE49-F238E27FC236}">
+                          <a16:creationId xmlns:a16="http://schemas.microsoft.com/office/drawing/2014/main" id="{0880FD83-30CF-0A7F-676A-3ECD6DCD9144}"/>
+                        </a:ext>
+                      </a:extLst>
+                    </p:cNvPr>
+                    <p:cNvSpPr/>
+                    <p:nvPr/>
+                  </p:nvSpPr>
+                  <p:spPr>
+                    <a:xfrm rot="16200000">
+                      <a:off x="10119947" y="4510451"/>
+                      <a:ext cx="527539" cy="298938"/>
+                    </a:xfrm>
+                    <a:prstGeom prst="rightArrow">
+                      <a:avLst/>
+                    </a:prstGeom>
+                  </p:spPr>
+                  <p:style>
+                    <a:lnRef idx="2">
+                      <a:schemeClr val="accent2">
+                        <a:shade val="15000"/>
+                      </a:schemeClr>
+                    </a:lnRef>
+                    <a:fillRef idx="1">
+                      <a:schemeClr val="accent2"/>
+                    </a:fillRef>
+                    <a:effectRef idx="0">
+                      <a:schemeClr val="accent2"/>
+                    </a:effectRef>
+                    <a:fontRef idx="minor">
+                      <a:schemeClr val="lt1"/>
+                    </a:fontRef>
+                  </p:style>
+                  <p:txBody>
+                    <a:bodyPr rtlCol="0" anchor="ctr"/>
+                    <a:lstStyle/>
+                    <a:p>
+                      <a:pPr algn="ctr"/>
+                      <a:endParaRPr kumimoji="1" lang="ja-JP" altLang="en-US"/>
+                    </a:p>
+                  </p:txBody>
+                </p:sp>
+                <p:sp>
+                  <p:nvSpPr>
+                    <p:cNvPr id="40" name="矢印: 右 39">
+                      <a:extLst>
+                        <a:ext uri="{FF2B5EF4-FFF2-40B4-BE49-F238E27FC236}">
+                          <a16:creationId xmlns:a16="http://schemas.microsoft.com/office/drawing/2014/main" id="{743805F7-E560-1A66-49EE-0D9A42F56710}"/>
+                        </a:ext>
+                      </a:extLst>
+                    </p:cNvPr>
+                    <p:cNvSpPr/>
+                    <p:nvPr/>
+                  </p:nvSpPr>
+                  <p:spPr>
+                    <a:xfrm rot="16200000">
+                      <a:off x="2945423" y="2945422"/>
+                      <a:ext cx="527539" cy="298938"/>
+                    </a:xfrm>
+                    <a:prstGeom prst="rightArrow">
+                      <a:avLst/>
+                    </a:prstGeom>
+                  </p:spPr>
+                  <p:style>
+                    <a:lnRef idx="2">
+                      <a:schemeClr val="accent2">
+                        <a:shade val="15000"/>
+                      </a:schemeClr>
+                    </a:lnRef>
+                    <a:fillRef idx="1">
+                      <a:schemeClr val="accent2"/>
+                    </a:fillRef>
+                    <a:effectRef idx="0">
+                      <a:schemeClr val="accent2"/>
+                    </a:effectRef>
+                    <a:fontRef idx="minor">
+                      <a:schemeClr val="lt1"/>
+                    </a:fontRef>
+                  </p:style>
+                  <p:txBody>
+                    <a:bodyPr rtlCol="0" anchor="ctr"/>
+                    <a:lstStyle/>
+                    <a:p>
+                      <a:pPr algn="ctr"/>
+                      <a:endParaRPr kumimoji="1" lang="ja-JP" altLang="en-US"/>
+                    </a:p>
+                  </p:txBody>
+                </p:sp>
+                <p:sp>
+                  <p:nvSpPr>
+                    <p:cNvPr id="41" name="矢印: 右 40">
+                      <a:extLst>
+                        <a:ext uri="{FF2B5EF4-FFF2-40B4-BE49-F238E27FC236}">
+                          <a16:creationId xmlns:a16="http://schemas.microsoft.com/office/drawing/2014/main" id="{4AABC157-09A2-475C-D749-E4A310BDCC03}"/>
+                        </a:ext>
+                      </a:extLst>
+                    </p:cNvPr>
+                    <p:cNvSpPr/>
+                    <p:nvPr/>
+                  </p:nvSpPr>
+                  <p:spPr>
+                    <a:xfrm rot="16200000">
+                      <a:off x="4739054" y="2945423"/>
+                      <a:ext cx="527539" cy="298938"/>
+                    </a:xfrm>
+                    <a:prstGeom prst="rightArrow">
+                      <a:avLst/>
+                    </a:prstGeom>
+                  </p:spPr>
+                  <p:style>
+                    <a:lnRef idx="2">
+                      <a:schemeClr val="accent2">
+                        <a:shade val="15000"/>
+                      </a:schemeClr>
+                    </a:lnRef>
+                    <a:fillRef idx="1">
+                      <a:schemeClr val="accent2"/>
+                    </a:fillRef>
+                    <a:effectRef idx="0">
+                      <a:schemeClr val="accent2"/>
+                    </a:effectRef>
+                    <a:fontRef idx="minor">
+                      <a:schemeClr val="lt1"/>
+                    </a:fontRef>
+                  </p:style>
+                  <p:txBody>
+                    <a:bodyPr rtlCol="0" anchor="ctr"/>
+                    <a:lstStyle/>
+                    <a:p>
+                      <a:pPr algn="ctr"/>
+                      <a:endParaRPr kumimoji="1" lang="ja-JP" altLang="en-US"/>
+                    </a:p>
+                  </p:txBody>
+                </p:sp>
+                <p:sp>
+                  <p:nvSpPr>
+                    <p:cNvPr id="42" name="矢印: 右 41">
+                      <a:extLst>
+                        <a:ext uri="{FF2B5EF4-FFF2-40B4-BE49-F238E27FC236}">
+                          <a16:creationId xmlns:a16="http://schemas.microsoft.com/office/drawing/2014/main" id="{CCAB55AA-A503-3E1F-9D5C-15E7F2FF43BE}"/>
+                        </a:ext>
+                      </a:extLst>
+                    </p:cNvPr>
+                    <p:cNvSpPr/>
+                    <p:nvPr/>
+                  </p:nvSpPr>
+                  <p:spPr>
+                    <a:xfrm rot="16200000">
+                      <a:off x="6532686" y="2945422"/>
+                      <a:ext cx="527539" cy="298938"/>
+                    </a:xfrm>
+                    <a:prstGeom prst="rightArrow">
+                      <a:avLst/>
+                    </a:prstGeom>
+                  </p:spPr>
+                  <p:style>
+                    <a:lnRef idx="2">
+                      <a:schemeClr val="accent2">
+                        <a:shade val="15000"/>
+                      </a:schemeClr>
+                    </a:lnRef>
+                    <a:fillRef idx="1">
+                      <a:schemeClr val="accent2"/>
+                    </a:fillRef>
+                    <a:effectRef idx="0">
+                      <a:schemeClr val="accent2"/>
+                    </a:effectRef>
+                    <a:fontRef idx="minor">
+                      <a:schemeClr val="lt1"/>
+                    </a:fontRef>
+                  </p:style>
+                  <p:txBody>
+                    <a:bodyPr rtlCol="0" anchor="ctr"/>
+                    <a:lstStyle/>
+                    <a:p>
+                      <a:pPr algn="ctr"/>
+                      <a:endParaRPr kumimoji="1" lang="ja-JP" altLang="en-US"/>
+                    </a:p>
+                  </p:txBody>
+                </p:sp>
+                <p:sp>
+                  <p:nvSpPr>
+                    <p:cNvPr id="43" name="矢印: 右 42">
+                      <a:extLst>
+                        <a:ext uri="{FF2B5EF4-FFF2-40B4-BE49-F238E27FC236}">
+                          <a16:creationId xmlns:a16="http://schemas.microsoft.com/office/drawing/2014/main" id="{E9C98677-57FD-D77E-CCE9-16DE99049E89}"/>
+                        </a:ext>
+                      </a:extLst>
+                    </p:cNvPr>
+                    <p:cNvSpPr/>
+                    <p:nvPr/>
+                  </p:nvSpPr>
+                  <p:spPr>
+                    <a:xfrm rot="16200000">
+                      <a:off x="10119947" y="2945421"/>
+                      <a:ext cx="527539" cy="298938"/>
+                    </a:xfrm>
+                    <a:prstGeom prst="rightArrow">
+                      <a:avLst/>
+                    </a:prstGeom>
+                  </p:spPr>
+                  <p:style>
+                    <a:lnRef idx="2">
+                      <a:schemeClr val="accent2">
+                        <a:shade val="15000"/>
+                      </a:schemeClr>
+                    </a:lnRef>
+                    <a:fillRef idx="1">
+                      <a:schemeClr val="accent2"/>
+                    </a:fillRef>
+                    <a:effectRef idx="0">
+                      <a:schemeClr val="accent2"/>
+                    </a:effectRef>
+                    <a:fontRef idx="minor">
+                      <a:schemeClr val="lt1"/>
+                    </a:fontRef>
+                  </p:style>
+                  <p:txBody>
+                    <a:bodyPr rtlCol="0" anchor="ctr"/>
+                    <a:lstStyle/>
+                    <a:p>
+                      <a:pPr algn="ctr"/>
+                      <a:endParaRPr kumimoji="1" lang="ja-JP" altLang="en-US"/>
+                    </a:p>
+                  </p:txBody>
+                </p:sp>
+                <p:sp>
+                  <p:nvSpPr>
+                    <p:cNvPr id="44" name="正方形/長方形 43">
+                      <a:extLst>
+                        <a:ext uri="{FF2B5EF4-FFF2-40B4-BE49-F238E27FC236}">
+                          <a16:creationId xmlns:a16="http://schemas.microsoft.com/office/drawing/2014/main" id="{795A7CAC-14B8-64B2-1599-C9CB9D6FC99F}"/>
+                        </a:ext>
+                      </a:extLst>
+                    </p:cNvPr>
+                    <p:cNvSpPr/>
+                    <p:nvPr/>
+                  </p:nvSpPr>
+                  <p:spPr>
+                    <a:xfrm>
+                      <a:off x="2409092" y="1767760"/>
+                      <a:ext cx="1600200" cy="1019908"/>
+                    </a:xfrm>
+                    <a:prstGeom prst="rect">
+                      <a:avLst/>
+                    </a:prstGeom>
+                    <a:solidFill>
+                      <a:schemeClr val="accent6">
+                        <a:lumMod val="20000"/>
+                        <a:lumOff val="80000"/>
+                      </a:schemeClr>
+                    </a:solidFill>
+                    <a:ln>
+                      <a:solidFill>
+                        <a:schemeClr val="tx1"/>
+                      </a:solidFill>
+                    </a:ln>
+                  </p:spPr>
+                  <p:style>
+                    <a:lnRef idx="2">
+                      <a:schemeClr val="accent6"/>
+                    </a:lnRef>
+                    <a:fillRef idx="1">
+                      <a:schemeClr val="lt1"/>
+                    </a:fillRef>
+                    <a:effectRef idx="0">
+                      <a:schemeClr val="accent6"/>
+                    </a:effectRef>
+                    <a:fontRef idx="minor">
+                      <a:schemeClr val="dk1"/>
+                    </a:fontRef>
+                  </p:style>
+                  <p:txBody>
+                    <a:bodyPr rtlCol="0" anchor="ctr"/>
+                    <a:lstStyle/>
+                    <a:p>
+                      <a:pPr algn="ctr"/>
+                      <a:r>
+                        <a:rPr kumimoji="1" lang="en-US" altLang="ja-JP" sz="4000" dirty="0">
+                          <a:solidFill>
+                            <a:schemeClr val="tx1"/>
+                          </a:solidFill>
+                        </a:rPr>
+                        <a:t>E</a:t>
+                      </a:r>
+                      <a:r>
+                        <a:rPr kumimoji="1" lang="en-US" altLang="ja-JP" sz="4000" baseline="-25000" dirty="0">
+                          <a:solidFill>
+                            <a:schemeClr val="tx1"/>
+                          </a:solidFill>
+                        </a:rPr>
+                        <a:t>[CLS]</a:t>
+                      </a:r>
+                      <a:endParaRPr kumimoji="1" lang="ja-JP" altLang="en-US" sz="4000" dirty="0">
+                        <a:solidFill>
+                          <a:schemeClr val="tx1"/>
+                        </a:solidFill>
+                      </a:endParaRPr>
+                    </a:p>
+                  </p:txBody>
+                </p:sp>
+                <p:sp>
+                  <p:nvSpPr>
+                    <p:cNvPr id="45" name="正方形/長方形 44">
+                      <a:extLst>
+                        <a:ext uri="{FF2B5EF4-FFF2-40B4-BE49-F238E27FC236}">
+                          <a16:creationId xmlns:a16="http://schemas.microsoft.com/office/drawing/2014/main" id="{5BD36A6B-BD79-90C1-2D29-714B96109997}"/>
+                        </a:ext>
+                      </a:extLst>
+                    </p:cNvPr>
+                    <p:cNvSpPr/>
+                    <p:nvPr/>
+                  </p:nvSpPr>
+                  <p:spPr>
+                    <a:xfrm>
+                      <a:off x="4202723" y="1767760"/>
+                      <a:ext cx="1600200" cy="1019908"/>
+                    </a:xfrm>
+                    <a:prstGeom prst="rect">
+                      <a:avLst/>
+                    </a:prstGeom>
+                    <a:solidFill>
+                      <a:schemeClr val="accent6">
+                        <a:lumMod val="20000"/>
+                        <a:lumOff val="80000"/>
+                      </a:schemeClr>
+                    </a:solidFill>
+                    <a:ln>
+                      <a:solidFill>
+                        <a:schemeClr val="tx1"/>
+                      </a:solidFill>
+                    </a:ln>
+                  </p:spPr>
+                  <p:style>
+                    <a:lnRef idx="2">
+                      <a:schemeClr val="accent6"/>
+                    </a:lnRef>
+                    <a:fillRef idx="1">
+                      <a:schemeClr val="lt1"/>
+                    </a:fillRef>
+                    <a:effectRef idx="0">
+                      <a:schemeClr val="accent6"/>
+                    </a:effectRef>
+                    <a:fontRef idx="minor">
+                      <a:schemeClr val="dk1"/>
+                    </a:fontRef>
+                  </p:style>
+                  <p:txBody>
+                    <a:bodyPr rtlCol="0" anchor="ctr"/>
+                    <a:lstStyle/>
+                    <a:p>
+                      <a:pPr algn="ctr"/>
+                      <a:r>
+                        <a:rPr kumimoji="1" lang="en-US" altLang="ja-JP" sz="4000" dirty="0">
+                          <a:solidFill>
+                            <a:schemeClr val="tx1"/>
+                          </a:solidFill>
+                        </a:rPr>
+                        <a:t>E</a:t>
+                      </a:r>
+                      <a:r>
+                        <a:rPr kumimoji="1" lang="en-US" altLang="ja-JP" sz="4000" baseline="-25000" dirty="0">
+                          <a:solidFill>
+                            <a:schemeClr val="tx1"/>
+                          </a:solidFill>
+                        </a:rPr>
+                        <a:t>1</a:t>
+                      </a:r>
+                      <a:endParaRPr kumimoji="1" lang="ja-JP" altLang="en-US" sz="4000" dirty="0">
+                        <a:solidFill>
+                          <a:schemeClr val="tx1"/>
+                        </a:solidFill>
+                      </a:endParaRPr>
+                    </a:p>
+                  </p:txBody>
+                </p:sp>
+                <p:sp>
+                  <p:nvSpPr>
+                    <p:cNvPr id="46" name="正方形/長方形 45">
+                      <a:extLst>
+                        <a:ext uri="{FF2B5EF4-FFF2-40B4-BE49-F238E27FC236}">
+                          <a16:creationId xmlns:a16="http://schemas.microsoft.com/office/drawing/2014/main" id="{A3BE1FA5-1714-3D90-D88E-42F98F4D1433}"/>
+                        </a:ext>
+                      </a:extLst>
+                    </p:cNvPr>
+                    <p:cNvSpPr/>
+                    <p:nvPr/>
+                  </p:nvSpPr>
+                  <p:spPr>
+                    <a:xfrm>
+                      <a:off x="5996354" y="1767760"/>
+                      <a:ext cx="1600200" cy="1019908"/>
+                    </a:xfrm>
+                    <a:prstGeom prst="rect">
+                      <a:avLst/>
+                    </a:prstGeom>
+                    <a:solidFill>
+                      <a:schemeClr val="accent6">
+                        <a:lumMod val="20000"/>
+                        <a:lumOff val="80000"/>
+                      </a:schemeClr>
+                    </a:solidFill>
+                    <a:ln>
+                      <a:solidFill>
+                        <a:schemeClr val="tx1"/>
+                      </a:solidFill>
+                    </a:ln>
+                  </p:spPr>
+                  <p:style>
+                    <a:lnRef idx="2">
+                      <a:schemeClr val="accent6"/>
+                    </a:lnRef>
+                    <a:fillRef idx="1">
+                      <a:schemeClr val="lt1"/>
+                    </a:fillRef>
+                    <a:effectRef idx="0">
+                      <a:schemeClr val="accent6"/>
+                    </a:effectRef>
+                    <a:fontRef idx="minor">
+                      <a:schemeClr val="dk1"/>
+                    </a:fontRef>
+                  </p:style>
+                  <p:txBody>
+                    <a:bodyPr rtlCol="0" anchor="ctr"/>
+                    <a:lstStyle/>
+                    <a:p>
+                      <a:pPr algn="ctr"/>
+                      <a:r>
+                        <a:rPr kumimoji="1" lang="en-US" altLang="ja-JP" sz="4000" dirty="0">
+                          <a:solidFill>
+                            <a:schemeClr val="tx1"/>
+                          </a:solidFill>
+                        </a:rPr>
+                        <a:t>E</a:t>
+                      </a:r>
+                      <a:r>
+                        <a:rPr kumimoji="1" lang="en-US" altLang="ja-JP" sz="4000" baseline="-25000" dirty="0">
+                          <a:solidFill>
+                            <a:schemeClr val="tx1"/>
+                          </a:solidFill>
+                        </a:rPr>
+                        <a:t>2</a:t>
+                      </a:r>
+                      <a:endParaRPr kumimoji="1" lang="ja-JP" altLang="en-US" sz="4000" dirty="0">
+                        <a:solidFill>
+                          <a:schemeClr val="tx1"/>
+                        </a:solidFill>
+                      </a:endParaRPr>
+                    </a:p>
+                  </p:txBody>
+                </p:sp>
+                <p:sp>
+                  <p:nvSpPr>
+                    <p:cNvPr id="47" name="正方形/長方形 46">
+                      <a:extLst>
+                        <a:ext uri="{FF2B5EF4-FFF2-40B4-BE49-F238E27FC236}">
+                          <a16:creationId xmlns:a16="http://schemas.microsoft.com/office/drawing/2014/main" id="{069D0023-AA21-577F-FFA3-1D035B24C13B}"/>
+                        </a:ext>
+                      </a:extLst>
+                    </p:cNvPr>
+                    <p:cNvSpPr/>
+                    <p:nvPr/>
+                  </p:nvSpPr>
+                  <p:spPr>
+                    <a:xfrm>
+                      <a:off x="9583616" y="1767760"/>
+                      <a:ext cx="1600200" cy="1019908"/>
+                    </a:xfrm>
+                    <a:prstGeom prst="rect">
+                      <a:avLst/>
+                    </a:prstGeom>
+                    <a:solidFill>
+                      <a:schemeClr val="accent6">
+                        <a:lumMod val="20000"/>
+                        <a:lumOff val="80000"/>
+                      </a:schemeClr>
+                    </a:solidFill>
+                    <a:ln>
+                      <a:solidFill>
+                        <a:schemeClr val="tx1"/>
+                      </a:solidFill>
+                    </a:ln>
+                  </p:spPr>
+                  <p:style>
+                    <a:lnRef idx="2">
+                      <a:schemeClr val="accent6"/>
+                    </a:lnRef>
+                    <a:fillRef idx="1">
+                      <a:schemeClr val="lt1"/>
+                    </a:fillRef>
+                    <a:effectRef idx="0">
+                      <a:schemeClr val="accent6"/>
+                    </a:effectRef>
+                    <a:fontRef idx="minor">
+                      <a:schemeClr val="dk1"/>
+                    </a:fontRef>
+                  </p:style>
+                  <p:txBody>
+                    <a:bodyPr rtlCol="0" anchor="ctr"/>
+                    <a:lstStyle/>
+                    <a:p>
+                      <a:pPr algn="ctr"/>
+                      <a:r>
+                        <a:rPr kumimoji="1" lang="en-US" altLang="ja-JP" sz="4000" dirty="0">
+                          <a:solidFill>
+                            <a:schemeClr val="tx1"/>
+                          </a:solidFill>
+                        </a:rPr>
+                        <a:t>E</a:t>
+                      </a:r>
+                      <a:r>
+                        <a:rPr kumimoji="1" lang="en-US" altLang="ja-JP" sz="4000" baseline="-25000" dirty="0">
+                          <a:solidFill>
+                            <a:schemeClr val="tx1"/>
+                          </a:solidFill>
+                        </a:rPr>
+                        <a:t>N</a:t>
+                      </a:r>
+                      <a:endParaRPr kumimoji="1" lang="ja-JP" altLang="en-US" sz="4000" dirty="0">
+                        <a:solidFill>
+                          <a:schemeClr val="tx1"/>
+                        </a:solidFill>
+                      </a:endParaRPr>
+                    </a:p>
+                  </p:txBody>
+                </p:sp>
+                <p:sp>
+                  <p:nvSpPr>
+                    <p:cNvPr id="48" name="四角形: 上の 2 つの角を切り取る 47">
+                      <a:extLst>
+                        <a:ext uri="{FF2B5EF4-FFF2-40B4-BE49-F238E27FC236}">
+                          <a16:creationId xmlns:a16="http://schemas.microsoft.com/office/drawing/2014/main" id="{E64ED78C-F912-418E-3E1B-A8B83A44DC93}"/>
+                        </a:ext>
+                      </a:extLst>
+                    </p:cNvPr>
+                    <p:cNvSpPr/>
+                    <p:nvPr/>
+                  </p:nvSpPr>
+                  <p:spPr>
+                    <a:xfrm>
+                      <a:off x="7789985" y="1767760"/>
+                      <a:ext cx="1600200" cy="1019908"/>
+                    </a:xfrm>
+                    <a:prstGeom prst="snip2SameRect">
+                      <a:avLst/>
+                    </a:prstGeom>
+                    <a:noFill/>
+                    <a:ln>
+                      <a:noFill/>
+                    </a:ln>
+                  </p:spPr>
+                  <p:style>
+                    <a:lnRef idx="2">
+                      <a:schemeClr val="accent4">
+                        <a:shade val="15000"/>
+                      </a:schemeClr>
+                    </a:lnRef>
+                    <a:fillRef idx="1">
+                      <a:schemeClr val="accent4"/>
+                    </a:fillRef>
+                    <a:effectRef idx="0">
+                      <a:schemeClr val="accent4"/>
+                    </a:effectRef>
+                    <a:fontRef idx="minor">
+                      <a:schemeClr val="lt1"/>
+                    </a:fontRef>
+                  </p:style>
+                  <p:txBody>
+                    <a:bodyPr rtlCol="0" anchor="ctr"/>
+                    <a:lstStyle/>
+                    <a:p>
+                      <a:pPr algn="ctr"/>
+                      <a:r>
+                        <a:rPr kumimoji="1" lang="ja-JP" altLang="en-US" sz="3600" dirty="0">
+                          <a:solidFill>
+                            <a:schemeClr val="tx1"/>
+                          </a:solidFill>
+                        </a:rPr>
+                        <a:t>・・・</a:t>
+                      </a:r>
+                    </a:p>
+                  </p:txBody>
+                </p:sp>
+                <p:sp>
+                  <p:nvSpPr>
+                    <p:cNvPr id="49" name="右中かっこ 48">
+                      <a:extLst>
+                        <a:ext uri="{FF2B5EF4-FFF2-40B4-BE49-F238E27FC236}">
+                          <a16:creationId xmlns:a16="http://schemas.microsoft.com/office/drawing/2014/main" id="{7B118F00-160C-D0EA-CA06-7F5375B2B469}"/>
+                        </a:ext>
+                      </a:extLst>
+                    </p:cNvPr>
+                    <p:cNvSpPr/>
+                    <p:nvPr/>
+                  </p:nvSpPr>
+                  <p:spPr>
+                    <a:xfrm rot="16200000">
+                      <a:off x="7327232" y="-2172030"/>
+                      <a:ext cx="732077" cy="6981095"/>
+                    </a:xfrm>
+                    <a:prstGeom prst="rightBrace">
+                      <a:avLst>
+                        <a:gd name="adj1" fmla="val 8333"/>
+                        <a:gd name="adj2" fmla="val 50026"/>
+                      </a:avLst>
+                    </a:prstGeom>
+                  </p:spPr>
+                  <p:style>
+                    <a:lnRef idx="1">
+                      <a:schemeClr val="dk1"/>
+                    </a:lnRef>
+                    <a:fillRef idx="0">
+                      <a:schemeClr val="dk1"/>
+                    </a:fillRef>
+                    <a:effectRef idx="0">
+                      <a:schemeClr val="dk1"/>
+                    </a:effectRef>
+                    <a:fontRef idx="minor">
+                      <a:schemeClr val="tx1"/>
+                    </a:fontRef>
+                  </p:style>
+                  <p:txBody>
+                    <a:bodyPr rtlCol="0" anchor="ctr"/>
+                    <a:lstStyle/>
+                    <a:p>
+                      <a:pPr algn="ctr"/>
+                      <a:endParaRPr kumimoji="1" lang="ja-JP" altLang="en-US"/>
+                    </a:p>
+                  </p:txBody>
+                </p:sp>
+              </p:grpSp>
+              <mc:AlternateContent xmlns:mc="http://schemas.openxmlformats.org/markup-compatibility/2006" xmlns:a14="http://schemas.microsoft.com/office/drawing/2010/main">
+                <mc:Choice Requires="a14">
+                  <p:sp>
+                    <p:nvSpPr>
+                      <p:cNvPr id="51" name="テキスト ボックス 50">
+                        <a:extLst>
+                          <a:ext uri="{FF2B5EF4-FFF2-40B4-BE49-F238E27FC236}">
+                            <a16:creationId xmlns:a16="http://schemas.microsoft.com/office/drawing/2014/main" id="{E957008A-D55C-F1D6-A84F-8A2C5A50053A}"/>
+                          </a:ext>
+                        </a:extLst>
+                      </p:cNvPr>
+                      <p:cNvSpPr txBox="1"/>
+                      <p:nvPr/>
+                    </p:nvSpPr>
+                    <p:spPr>
+                      <a:xfrm>
+                        <a:off x="11812577" y="23025370"/>
+                        <a:ext cx="8774724" cy="889282"/>
+                      </a:xfrm>
+                      <a:prstGeom prst="rect">
+                        <a:avLst/>
+                      </a:prstGeom>
+                      <a:noFill/>
+                    </p:spPr>
+                    <p:txBody>
+                      <a:bodyPr wrap="square" rtlCol="0">
+                        <a:spAutoFit/>
+                      </a:bodyPr>
+                      <a:lstStyle/>
+                      <a:p>
+                        <a:pPr algn="ctr"/>
+                        <a:r>
+                          <a:rPr kumimoji="1" lang="en-US" altLang="ja-JP" sz="4800" b="0" u="sng" dirty="0"/>
+                          <a:t>Input:</a:t>
+                        </a:r>
+                        <a:r>
+                          <a:rPr kumimoji="1" lang="en-US" altLang="ja-JP" sz="4800" b="0" dirty="0"/>
+                          <a:t> </a:t>
+                        </a:r>
+                        <a14:m>
+                          <m:oMath xmlns:m="http://schemas.openxmlformats.org/officeDocument/2006/math">
+                            <m:d>
+                              <m:dPr>
+                                <m:begChr m:val="["/>
+                                <m:endChr m:val="]"/>
+                                <m:ctrlPr>
+                                  <a:rPr kumimoji="1" lang="en-US" altLang="ja-JP" sz="4800" b="0" i="1" smtClean="0">
+                                    <a:latin typeface="Cambria Math" panose="02040503050406030204" pitchFamily="18" charset="0"/>
+                                  </a:rPr>
+                                </m:ctrlPr>
+                              </m:dPr>
+                              <m:e>
+                                <m:r>
+                                  <m:rPr>
+                                    <m:sty m:val="p"/>
+                                  </m:rPr>
+                                  <a:rPr kumimoji="1" lang="en-US" altLang="ja-JP" sz="4800" b="0" i="0" smtClean="0">
+                                    <a:latin typeface="Cambria Math" panose="02040503050406030204" pitchFamily="18" charset="0"/>
+                                  </a:rPr>
+                                  <m:t>CLS</m:t>
+                                </m:r>
+                              </m:e>
+                            </m:d>
+                            <m:r>
+                              <a:rPr kumimoji="1" lang="en-US" altLang="ja-JP" sz="4800" b="0" i="0" smtClean="0">
+                                <a:latin typeface="Cambria Math" panose="02040503050406030204" pitchFamily="18" charset="0"/>
+                              </a:rPr>
+                              <m:t> </m:t>
+                            </m:r>
+                            <m:sSub>
+                              <m:sSubPr>
+                                <m:ctrlPr>
+                                  <a:rPr kumimoji="1" lang="en-US" altLang="ja-JP" sz="4800" b="0" i="1" smtClean="0">
+                                    <a:latin typeface="Cambria Math" panose="02040503050406030204" pitchFamily="18" charset="0"/>
+                                  </a:rPr>
+                                </m:ctrlPr>
+                              </m:sSubPr>
+                              <m:e>
+                                <m:r>
+                                  <a:rPr kumimoji="1" lang="en-US" altLang="ja-JP" sz="4800" b="0" i="1" smtClean="0">
+                                    <a:latin typeface="Cambria Math" panose="02040503050406030204" pitchFamily="18" charset="0"/>
+                                  </a:rPr>
+                                  <m:t>𝐷</m:t>
+                                </m:r>
+                              </m:e>
+                              <m:sub>
+                                <m:r>
+                                  <a:rPr kumimoji="1" lang="en-US" altLang="ja-JP" sz="4800" b="0" i="1" smtClean="0">
+                                    <a:latin typeface="Cambria Math" panose="02040503050406030204" pitchFamily="18" charset="0"/>
+                                  </a:rPr>
+                                  <m:t>𝑡𝑖𝑡𝑙𝑒</m:t>
+                                </m:r>
+                              </m:sub>
+                            </m:sSub>
+                            <m:r>
+                              <a:rPr kumimoji="1" lang="en-US" altLang="ja-JP" sz="4800" b="0" i="1" smtClean="0">
+                                <a:latin typeface="Cambria Math" panose="02040503050406030204" pitchFamily="18" charset="0"/>
+                              </a:rPr>
+                              <m:t> </m:t>
+                            </m:r>
+                            <m:d>
+                              <m:dPr>
+                                <m:begChr m:val="["/>
+                                <m:endChr m:val="]"/>
+                                <m:ctrlPr>
+                                  <a:rPr kumimoji="1" lang="en-US" altLang="ja-JP" sz="4800" b="0" i="1" smtClean="0">
+                                    <a:latin typeface="Cambria Math" panose="02040503050406030204" pitchFamily="18" charset="0"/>
+                                  </a:rPr>
+                                </m:ctrlPr>
+                              </m:dPr>
+                              <m:e>
+                                <m:r>
+                                  <m:rPr>
+                                    <m:sty m:val="p"/>
+                                  </m:rPr>
+                                  <a:rPr kumimoji="1" lang="en-US" altLang="ja-JP" sz="4800" b="0" i="0" smtClean="0">
+                                    <a:latin typeface="Cambria Math" panose="02040503050406030204" pitchFamily="18" charset="0"/>
+                                  </a:rPr>
+                                  <m:t>SEP</m:t>
+                                </m:r>
+                              </m:e>
+                            </m:d>
+                            <m:r>
+                              <a:rPr kumimoji="1" lang="en-US" altLang="ja-JP" sz="4800" b="0" i="0" smtClean="0">
+                                <a:latin typeface="Cambria Math" panose="02040503050406030204" pitchFamily="18" charset="0"/>
+                              </a:rPr>
+                              <m:t> </m:t>
+                            </m:r>
+                            <m:sSub>
+                              <m:sSubPr>
+                                <m:ctrlPr>
+                                  <a:rPr kumimoji="1" lang="en-US" altLang="ja-JP" sz="4800" b="0" i="1" smtClean="0">
+                                    <a:latin typeface="Cambria Math" panose="02040503050406030204" pitchFamily="18" charset="0"/>
+                                  </a:rPr>
+                                </m:ctrlPr>
+                              </m:sSubPr>
+                              <m:e>
+                                <m:r>
+                                  <a:rPr kumimoji="1" lang="en-US" altLang="ja-JP" sz="4800" b="0" i="1" smtClean="0">
+                                    <a:latin typeface="Cambria Math" panose="02040503050406030204" pitchFamily="18" charset="0"/>
+                                  </a:rPr>
+                                  <m:t>𝐷</m:t>
+                                </m:r>
+                              </m:e>
+                              <m:sub>
+                                <m:r>
+                                  <a:rPr kumimoji="1" lang="en-US" altLang="ja-JP" sz="4800" b="0" i="1" smtClean="0">
+                                    <a:latin typeface="Cambria Math" panose="02040503050406030204" pitchFamily="18" charset="0"/>
+                                  </a:rPr>
+                                  <m:t>𝑏𝑜𝑑𝑦</m:t>
+                                </m:r>
+                              </m:sub>
+                            </m:sSub>
+                          </m:oMath>
+                        </a14:m>
+                        <a:endParaRPr kumimoji="1" lang="ja-JP" altLang="en-US" sz="4800" dirty="0"/>
+                      </a:p>
+                    </p:txBody>
+                  </p:sp>
+                </mc:Choice>
+                <mc:Fallback xmlns="">
+                  <p:sp>
+                    <p:nvSpPr>
+                      <p:cNvPr id="51" name="テキスト ボックス 50">
+                        <a:extLst>
+                          <a:ext uri="{FF2B5EF4-FFF2-40B4-BE49-F238E27FC236}">
+                            <a16:creationId xmlns:a16="http://schemas.microsoft.com/office/drawing/2014/main" id="{E957008A-D55C-F1D6-A84F-8A2C5A50053A}"/>
+                          </a:ext>
+                        </a:extLst>
+                      </p:cNvPr>
+                      <p:cNvSpPr txBox="1">
+                        <a:spLocks noRot="1" noChangeAspect="1" noMove="1" noResize="1" noEditPoints="1" noAdjustHandles="1" noChangeArrowheads="1" noChangeShapeType="1" noTextEdit="1"/>
+                      </p:cNvSpPr>
+                      <p:nvPr/>
+                    </p:nvSpPr>
+                    <p:spPr>
+                      <a:xfrm>
+                        <a:off x="11812577" y="23025370"/>
+                        <a:ext cx="8774724" cy="889282"/>
+                      </a:xfrm>
+                      <a:prstGeom prst="rect">
+                        <a:avLst/>
+                      </a:prstGeom>
+                      <a:blipFill>
+                        <a:blip r:embed="rId4"/>
+                        <a:stretch>
+                          <a:fillRect t="-17123" b="-27397"/>
+                        </a:stretch>
+                      </a:blipFill>
+                    </p:spPr>
+                    <p:txBody>
+                      <a:bodyPr/>
+                      <a:lstStyle/>
+                      <a:p>
+                        <a:r>
+                          <a:rPr lang="ja-JP" altLang="en-US">
+                            <a:noFill/>
+                          </a:rPr>
+                          <a:t> </a:t>
+                        </a:r>
+                      </a:p>
+                    </p:txBody>
+                  </p:sp>
+                </mc:Fallback>
+              </mc:AlternateContent>
               <p:sp>
                 <p:nvSpPr>
-                  <p:cNvPr id="30" name="四角形: 上の 2 つの角を切り取る 29">
+                  <p:cNvPr id="52" name="正方形/長方形 51">
                     <a:extLst>
                       <a:ext uri="{FF2B5EF4-FFF2-40B4-BE49-F238E27FC236}">
-                        <a16:creationId xmlns:a16="http://schemas.microsoft.com/office/drawing/2014/main" id="{48E30AEE-8F22-5DD0-7850-3129B6DF6E16}"/>
+                        <a16:creationId xmlns:a16="http://schemas.microsoft.com/office/drawing/2014/main" id="{0CCA43D9-EDA9-C81E-0085-B864591D5FE1}"/>
                       </a:ext>
                     </a:extLst>
                   </p:cNvPr>
@@ -16769,767 +18145,7 @@
                 </p:nvSpPr>
                 <p:spPr>
                   <a:xfrm>
-                    <a:off x="2409092" y="4923692"/>
-                    <a:ext cx="1600200" cy="1019908"/>
-                  </a:xfrm>
-                  <a:prstGeom prst="snip2SameRect">
-                    <a:avLst/>
-                  </a:prstGeom>
-                  <a:ln>
-                    <a:solidFill>
-                      <a:schemeClr val="bg2"/>
-                    </a:solidFill>
-                  </a:ln>
-                </p:spPr>
-                <p:style>
-                  <a:lnRef idx="2">
-                    <a:schemeClr val="accent4">
-                      <a:shade val="15000"/>
-                    </a:schemeClr>
-                  </a:lnRef>
-                  <a:fillRef idx="1">
-                    <a:schemeClr val="accent4"/>
-                  </a:fillRef>
-                  <a:effectRef idx="0">
-                    <a:schemeClr val="accent4"/>
-                  </a:effectRef>
-                  <a:fontRef idx="minor">
-                    <a:schemeClr val="lt1"/>
-                  </a:fontRef>
-                </p:style>
-                <p:txBody>
-                  <a:bodyPr rtlCol="0" anchor="ctr"/>
-                  <a:lstStyle/>
-                  <a:p>
-                    <a:pPr algn="ctr"/>
-                    <a:r>
-                      <a:rPr kumimoji="1" lang="en-US" altLang="ja-JP" sz="3600" dirty="0">
-                        <a:solidFill>
-                          <a:schemeClr val="tx1"/>
-                        </a:solidFill>
-                      </a:rPr>
-                      <a:t>[CLS]</a:t>
-                    </a:r>
-                    <a:endParaRPr kumimoji="1" lang="ja-JP" altLang="en-US" sz="3600" dirty="0">
-                      <a:solidFill>
-                        <a:schemeClr val="tx1"/>
-                      </a:solidFill>
-                    </a:endParaRPr>
-                  </a:p>
-                </p:txBody>
-              </p:sp>
-              <p:sp>
-                <p:nvSpPr>
-                  <p:cNvPr id="31" name="四角形: 上の 2 つの角を切り取る 30">
-                    <a:extLst>
-                      <a:ext uri="{FF2B5EF4-FFF2-40B4-BE49-F238E27FC236}">
-                        <a16:creationId xmlns:a16="http://schemas.microsoft.com/office/drawing/2014/main" id="{C3FC720F-7321-0731-ABE5-B9C9E7265AF1}"/>
-                      </a:ext>
-                    </a:extLst>
-                  </p:cNvPr>
-                  <p:cNvSpPr/>
-                  <p:nvPr/>
-                </p:nvSpPr>
-                <p:spPr>
-                  <a:xfrm>
-                    <a:off x="4202723" y="4923692"/>
-                    <a:ext cx="1600200" cy="1019908"/>
-                  </a:xfrm>
-                  <a:prstGeom prst="snip2SameRect">
-                    <a:avLst/>
-                  </a:prstGeom>
-                  <a:ln>
-                    <a:solidFill>
-                      <a:schemeClr val="bg2"/>
-                    </a:solidFill>
-                  </a:ln>
-                </p:spPr>
-                <p:style>
-                  <a:lnRef idx="2">
-                    <a:schemeClr val="accent4">
-                      <a:shade val="15000"/>
-                    </a:schemeClr>
-                  </a:lnRef>
-                  <a:fillRef idx="1">
-                    <a:schemeClr val="accent4"/>
-                  </a:fillRef>
-                  <a:effectRef idx="0">
-                    <a:schemeClr val="accent4"/>
-                  </a:effectRef>
-                  <a:fontRef idx="minor">
-                    <a:schemeClr val="lt1"/>
-                  </a:fontRef>
-                </p:style>
-                <p:txBody>
-                  <a:bodyPr rtlCol="0" anchor="ctr"/>
-                  <a:lstStyle/>
-                  <a:p>
-                    <a:pPr algn="ctr"/>
-                    <a:r>
-                      <a:rPr kumimoji="1" lang="en-US" altLang="ja-JP" sz="3600" dirty="0">
-                        <a:solidFill>
-                          <a:schemeClr val="tx1"/>
-                        </a:solidFill>
-                      </a:rPr>
-                      <a:t>Tok</a:t>
-                    </a:r>
-                    <a:r>
-                      <a:rPr kumimoji="1" lang="en-US" altLang="ja-JP" sz="3600" baseline="-25000" dirty="0">
-                        <a:solidFill>
-                          <a:schemeClr val="tx1"/>
-                        </a:solidFill>
-                      </a:rPr>
-                      <a:t>1</a:t>
-                    </a:r>
-                    <a:endParaRPr kumimoji="1" lang="ja-JP" altLang="en-US" sz="3600" dirty="0">
-                      <a:solidFill>
-                        <a:schemeClr val="tx1"/>
-                      </a:solidFill>
-                    </a:endParaRPr>
-                  </a:p>
-                </p:txBody>
-              </p:sp>
-              <p:sp>
-                <p:nvSpPr>
-                  <p:cNvPr id="32" name="四角形: 上の 2 つの角を切り取る 31">
-                    <a:extLst>
-                      <a:ext uri="{FF2B5EF4-FFF2-40B4-BE49-F238E27FC236}">
-                        <a16:creationId xmlns:a16="http://schemas.microsoft.com/office/drawing/2014/main" id="{ABC5503D-CBDF-7559-93EB-24F3BC12897E}"/>
-                      </a:ext>
-                    </a:extLst>
-                  </p:cNvPr>
-                  <p:cNvSpPr/>
-                  <p:nvPr/>
-                </p:nvSpPr>
-                <p:spPr>
-                  <a:xfrm>
-                    <a:off x="5996354" y="4923692"/>
-                    <a:ext cx="1600200" cy="1019908"/>
-                  </a:xfrm>
-                  <a:prstGeom prst="snip2SameRect">
-                    <a:avLst/>
-                  </a:prstGeom>
-                  <a:ln>
-                    <a:solidFill>
-                      <a:schemeClr val="bg2"/>
-                    </a:solidFill>
-                  </a:ln>
-                </p:spPr>
-                <p:style>
-                  <a:lnRef idx="2">
-                    <a:schemeClr val="accent4">
-                      <a:shade val="15000"/>
-                    </a:schemeClr>
-                  </a:lnRef>
-                  <a:fillRef idx="1">
-                    <a:schemeClr val="accent4"/>
-                  </a:fillRef>
-                  <a:effectRef idx="0">
-                    <a:schemeClr val="accent4"/>
-                  </a:effectRef>
-                  <a:fontRef idx="minor">
-                    <a:schemeClr val="lt1"/>
-                  </a:fontRef>
-                </p:style>
-                <p:txBody>
-                  <a:bodyPr rtlCol="0" anchor="ctr"/>
-                  <a:lstStyle/>
-                  <a:p>
-                    <a:pPr algn="ctr"/>
-                    <a:r>
-                      <a:rPr kumimoji="1" lang="en-US" altLang="ja-JP" sz="3600" dirty="0">
-                        <a:solidFill>
-                          <a:schemeClr val="tx1"/>
-                        </a:solidFill>
-                      </a:rPr>
-                      <a:t>Tok</a:t>
-                    </a:r>
-                    <a:r>
-                      <a:rPr kumimoji="1" lang="en-US" altLang="ja-JP" sz="3600" baseline="-25000" dirty="0">
-                        <a:solidFill>
-                          <a:schemeClr val="tx1"/>
-                        </a:solidFill>
-                      </a:rPr>
-                      <a:t>2</a:t>
-                    </a:r>
-                    <a:endParaRPr kumimoji="1" lang="ja-JP" altLang="en-US" sz="3600" dirty="0">
-                      <a:solidFill>
-                        <a:schemeClr val="tx1"/>
-                      </a:solidFill>
-                    </a:endParaRPr>
-                  </a:p>
-                </p:txBody>
-              </p:sp>
-              <p:sp>
-                <p:nvSpPr>
-                  <p:cNvPr id="33" name="四角形: 上の 2 つの角を切り取る 32">
-                    <a:extLst>
-                      <a:ext uri="{FF2B5EF4-FFF2-40B4-BE49-F238E27FC236}">
-                        <a16:creationId xmlns:a16="http://schemas.microsoft.com/office/drawing/2014/main" id="{038A94FD-C08B-6A72-8DE4-5D7D24AFF757}"/>
-                      </a:ext>
-                    </a:extLst>
-                  </p:cNvPr>
-                  <p:cNvSpPr/>
-                  <p:nvPr/>
-                </p:nvSpPr>
-                <p:spPr>
-                  <a:xfrm>
-                    <a:off x="9583616" y="4923692"/>
-                    <a:ext cx="1600200" cy="1019908"/>
-                  </a:xfrm>
-                  <a:prstGeom prst="snip2SameRect">
-                    <a:avLst/>
-                  </a:prstGeom>
-                  <a:ln>
-                    <a:solidFill>
-                      <a:schemeClr val="bg2"/>
-                    </a:solidFill>
-                  </a:ln>
-                </p:spPr>
-                <p:style>
-                  <a:lnRef idx="2">
-                    <a:schemeClr val="accent4">
-                      <a:shade val="15000"/>
-                    </a:schemeClr>
-                  </a:lnRef>
-                  <a:fillRef idx="1">
-                    <a:schemeClr val="accent4"/>
-                  </a:fillRef>
-                  <a:effectRef idx="0">
-                    <a:schemeClr val="accent4"/>
-                  </a:effectRef>
-                  <a:fontRef idx="minor">
-                    <a:schemeClr val="lt1"/>
-                  </a:fontRef>
-                </p:style>
-                <p:txBody>
-                  <a:bodyPr rtlCol="0" anchor="ctr"/>
-                  <a:lstStyle/>
-                  <a:p>
-                    <a:pPr algn="ctr"/>
-                    <a:r>
-                      <a:rPr kumimoji="1" lang="en-US" altLang="ja-JP" sz="3600" dirty="0" err="1">
-                        <a:solidFill>
-                          <a:schemeClr val="tx1"/>
-                        </a:solidFill>
-                      </a:rPr>
-                      <a:t>Tok</a:t>
-                    </a:r>
-                    <a:r>
-                      <a:rPr kumimoji="1" lang="en-US" altLang="ja-JP" sz="3600" baseline="-25000" dirty="0" err="1">
-                        <a:solidFill>
-                          <a:schemeClr val="tx1"/>
-                        </a:solidFill>
-                      </a:rPr>
-                      <a:t>N</a:t>
-                    </a:r>
-                    <a:endParaRPr kumimoji="1" lang="ja-JP" altLang="en-US" sz="3600" dirty="0">
-                      <a:solidFill>
-                        <a:schemeClr val="tx1"/>
-                      </a:solidFill>
-                    </a:endParaRPr>
-                  </a:p>
-                </p:txBody>
-              </p:sp>
-              <p:sp>
-                <p:nvSpPr>
-                  <p:cNvPr id="34" name="四角形: 上の 2 つの角を切り取る 33">
-                    <a:extLst>
-                      <a:ext uri="{FF2B5EF4-FFF2-40B4-BE49-F238E27FC236}">
-                        <a16:creationId xmlns:a16="http://schemas.microsoft.com/office/drawing/2014/main" id="{EE742B14-F0BC-2FFA-856A-6BA1B47639AC}"/>
-                      </a:ext>
-                    </a:extLst>
-                  </p:cNvPr>
-                  <p:cNvSpPr/>
-                  <p:nvPr/>
-                </p:nvSpPr>
-                <p:spPr>
-                  <a:xfrm>
-                    <a:off x="7789985" y="4923692"/>
-                    <a:ext cx="1600200" cy="1019908"/>
-                  </a:xfrm>
-                  <a:prstGeom prst="snip2SameRect">
-                    <a:avLst/>
-                  </a:prstGeom>
-                  <a:noFill/>
-                  <a:ln>
-                    <a:noFill/>
-                  </a:ln>
-                </p:spPr>
-                <p:style>
-                  <a:lnRef idx="2">
-                    <a:schemeClr val="accent4">
-                      <a:shade val="15000"/>
-                    </a:schemeClr>
-                  </a:lnRef>
-                  <a:fillRef idx="1">
-                    <a:schemeClr val="accent4"/>
-                  </a:fillRef>
-                  <a:effectRef idx="0">
-                    <a:schemeClr val="accent4"/>
-                  </a:effectRef>
-                  <a:fontRef idx="minor">
-                    <a:schemeClr val="lt1"/>
-                  </a:fontRef>
-                </p:style>
-                <p:txBody>
-                  <a:bodyPr rtlCol="0" anchor="ctr"/>
-                  <a:lstStyle/>
-                  <a:p>
-                    <a:pPr algn="ctr"/>
-                    <a:r>
-                      <a:rPr kumimoji="1" lang="ja-JP" altLang="en-US" sz="3600" dirty="0">
-                        <a:solidFill>
-                          <a:schemeClr val="tx1"/>
-                        </a:solidFill>
-                      </a:rPr>
-                      <a:t>・・・</a:t>
-                    </a:r>
-                  </a:p>
-                </p:txBody>
-              </p:sp>
-              <p:sp>
-                <p:nvSpPr>
-                  <p:cNvPr id="35" name="正方形/長方形 34">
-                    <a:extLst>
-                      <a:ext uri="{FF2B5EF4-FFF2-40B4-BE49-F238E27FC236}">
-                        <a16:creationId xmlns:a16="http://schemas.microsoft.com/office/drawing/2014/main" id="{369CA393-E4F3-C02A-E2D3-66DBA5EACB62}"/>
-                      </a:ext>
-                    </a:extLst>
-                  </p:cNvPr>
-                  <p:cNvSpPr/>
-                  <p:nvPr/>
-                </p:nvSpPr>
-                <p:spPr>
-                  <a:xfrm>
-                    <a:off x="2409092" y="3094892"/>
-                    <a:ext cx="8774724" cy="1459523"/>
-                  </a:xfrm>
-                  <a:prstGeom prst="rect">
-                    <a:avLst/>
-                  </a:prstGeom>
-                  <a:solidFill>
-                    <a:schemeClr val="accent1">
-                      <a:lumMod val="60000"/>
-                      <a:lumOff val="40000"/>
-                    </a:schemeClr>
-                  </a:solidFill>
-                </p:spPr>
-                <p:style>
-                  <a:lnRef idx="2">
-                    <a:schemeClr val="accent1">
-                      <a:shade val="15000"/>
-                    </a:schemeClr>
-                  </a:lnRef>
-                  <a:fillRef idx="1">
-                    <a:schemeClr val="accent1"/>
-                  </a:fillRef>
-                  <a:effectRef idx="0">
-                    <a:schemeClr val="accent1"/>
-                  </a:effectRef>
-                  <a:fontRef idx="minor">
-                    <a:schemeClr val="lt1"/>
-                  </a:fontRef>
-                </p:style>
-                <p:txBody>
-                  <a:bodyPr rtlCol="0" anchor="ctr"/>
-                  <a:lstStyle/>
-                  <a:p>
-                    <a:pPr algn="ctr"/>
-                    <a:r>
-                      <a:rPr kumimoji="1" lang="en-US" altLang="ja-JP" sz="6600" dirty="0">
-                        <a:solidFill>
-                          <a:schemeClr val="tx1"/>
-                        </a:solidFill>
-                      </a:rPr>
-                      <a:t>BERT (1)</a:t>
-                    </a:r>
-                  </a:p>
-                </p:txBody>
-              </p:sp>
-              <p:sp>
-                <p:nvSpPr>
-                  <p:cNvPr id="36" name="矢印: 右 35">
-                    <a:extLst>
-                      <a:ext uri="{FF2B5EF4-FFF2-40B4-BE49-F238E27FC236}">
-                        <a16:creationId xmlns:a16="http://schemas.microsoft.com/office/drawing/2014/main" id="{A9D2EA05-E155-B616-1D6E-0CAA54041947}"/>
-                      </a:ext>
-                    </a:extLst>
-                  </p:cNvPr>
-                  <p:cNvSpPr/>
-                  <p:nvPr/>
-                </p:nvSpPr>
-                <p:spPr>
-                  <a:xfrm rot="16200000">
-                    <a:off x="2945423" y="4510453"/>
-                    <a:ext cx="527539" cy="298938"/>
-                  </a:xfrm>
-                  <a:prstGeom prst="rightArrow">
-                    <a:avLst/>
-                  </a:prstGeom>
-                </p:spPr>
-                <p:style>
-                  <a:lnRef idx="2">
-                    <a:schemeClr val="accent2">
-                      <a:shade val="15000"/>
-                    </a:schemeClr>
-                  </a:lnRef>
-                  <a:fillRef idx="1">
-                    <a:schemeClr val="accent2"/>
-                  </a:fillRef>
-                  <a:effectRef idx="0">
-                    <a:schemeClr val="accent2"/>
-                  </a:effectRef>
-                  <a:fontRef idx="minor">
-                    <a:schemeClr val="lt1"/>
-                  </a:fontRef>
-                </p:style>
-                <p:txBody>
-                  <a:bodyPr rtlCol="0" anchor="ctr"/>
-                  <a:lstStyle/>
-                  <a:p>
-                    <a:pPr algn="ctr"/>
-                    <a:endParaRPr kumimoji="1" lang="ja-JP" altLang="en-US"/>
-                  </a:p>
-                </p:txBody>
-              </p:sp>
-              <p:sp>
-                <p:nvSpPr>
-                  <p:cNvPr id="37" name="矢印: 右 36">
-                    <a:extLst>
-                      <a:ext uri="{FF2B5EF4-FFF2-40B4-BE49-F238E27FC236}">
-                        <a16:creationId xmlns:a16="http://schemas.microsoft.com/office/drawing/2014/main" id="{6B879A9E-253F-1C9C-029D-FC7E6A81A9E4}"/>
-                      </a:ext>
-                    </a:extLst>
-                  </p:cNvPr>
-                  <p:cNvSpPr/>
-                  <p:nvPr/>
-                </p:nvSpPr>
-                <p:spPr>
-                  <a:xfrm rot="16200000">
-                    <a:off x="4739054" y="4510452"/>
-                    <a:ext cx="527539" cy="298938"/>
-                  </a:xfrm>
-                  <a:prstGeom prst="rightArrow">
-                    <a:avLst/>
-                  </a:prstGeom>
-                </p:spPr>
-                <p:style>
-                  <a:lnRef idx="2">
-                    <a:schemeClr val="accent2">
-                      <a:shade val="15000"/>
-                    </a:schemeClr>
-                  </a:lnRef>
-                  <a:fillRef idx="1">
-                    <a:schemeClr val="accent2"/>
-                  </a:fillRef>
-                  <a:effectRef idx="0">
-                    <a:schemeClr val="accent2"/>
-                  </a:effectRef>
-                  <a:fontRef idx="minor">
-                    <a:schemeClr val="lt1"/>
-                  </a:fontRef>
-                </p:style>
-                <p:txBody>
-                  <a:bodyPr rtlCol="0" anchor="ctr"/>
-                  <a:lstStyle/>
-                  <a:p>
-                    <a:pPr algn="ctr"/>
-                    <a:endParaRPr kumimoji="1" lang="ja-JP" altLang="en-US"/>
-                  </a:p>
-                </p:txBody>
-              </p:sp>
-              <p:sp>
-                <p:nvSpPr>
-                  <p:cNvPr id="38" name="矢印: 右 37">
-                    <a:extLst>
-                      <a:ext uri="{FF2B5EF4-FFF2-40B4-BE49-F238E27FC236}">
-                        <a16:creationId xmlns:a16="http://schemas.microsoft.com/office/drawing/2014/main" id="{64AAAE1E-6082-328C-7B01-62C996A2E4C3}"/>
-                      </a:ext>
-                    </a:extLst>
-                  </p:cNvPr>
-                  <p:cNvSpPr/>
-                  <p:nvPr/>
-                </p:nvSpPr>
-                <p:spPr>
-                  <a:xfrm rot="16200000">
-                    <a:off x="6532685" y="4510451"/>
-                    <a:ext cx="527539" cy="298938"/>
-                  </a:xfrm>
-                  <a:prstGeom prst="rightArrow">
-                    <a:avLst/>
-                  </a:prstGeom>
-                </p:spPr>
-                <p:style>
-                  <a:lnRef idx="2">
-                    <a:schemeClr val="accent2">
-                      <a:shade val="15000"/>
-                    </a:schemeClr>
-                  </a:lnRef>
-                  <a:fillRef idx="1">
-                    <a:schemeClr val="accent2"/>
-                  </a:fillRef>
-                  <a:effectRef idx="0">
-                    <a:schemeClr val="accent2"/>
-                  </a:effectRef>
-                  <a:fontRef idx="minor">
-                    <a:schemeClr val="lt1"/>
-                  </a:fontRef>
-                </p:style>
-                <p:txBody>
-                  <a:bodyPr rtlCol="0" anchor="ctr"/>
-                  <a:lstStyle/>
-                  <a:p>
-                    <a:pPr algn="ctr"/>
-                    <a:endParaRPr kumimoji="1" lang="ja-JP" altLang="en-US"/>
-                  </a:p>
-                </p:txBody>
-              </p:sp>
-              <p:sp>
-                <p:nvSpPr>
-                  <p:cNvPr id="39" name="矢印: 右 38">
-                    <a:extLst>
-                      <a:ext uri="{FF2B5EF4-FFF2-40B4-BE49-F238E27FC236}">
-                        <a16:creationId xmlns:a16="http://schemas.microsoft.com/office/drawing/2014/main" id="{0880FD83-30CF-0A7F-676A-3ECD6DCD9144}"/>
-                      </a:ext>
-                    </a:extLst>
-                  </p:cNvPr>
-                  <p:cNvSpPr/>
-                  <p:nvPr/>
-                </p:nvSpPr>
-                <p:spPr>
-                  <a:xfrm rot="16200000">
-                    <a:off x="10119947" y="4510451"/>
-                    <a:ext cx="527539" cy="298938"/>
-                  </a:xfrm>
-                  <a:prstGeom prst="rightArrow">
-                    <a:avLst/>
-                  </a:prstGeom>
-                </p:spPr>
-                <p:style>
-                  <a:lnRef idx="2">
-                    <a:schemeClr val="accent2">
-                      <a:shade val="15000"/>
-                    </a:schemeClr>
-                  </a:lnRef>
-                  <a:fillRef idx="1">
-                    <a:schemeClr val="accent2"/>
-                  </a:fillRef>
-                  <a:effectRef idx="0">
-                    <a:schemeClr val="accent2"/>
-                  </a:effectRef>
-                  <a:fontRef idx="minor">
-                    <a:schemeClr val="lt1"/>
-                  </a:fontRef>
-                </p:style>
-                <p:txBody>
-                  <a:bodyPr rtlCol="0" anchor="ctr"/>
-                  <a:lstStyle/>
-                  <a:p>
-                    <a:pPr algn="ctr"/>
-                    <a:endParaRPr kumimoji="1" lang="ja-JP" altLang="en-US"/>
-                  </a:p>
-                </p:txBody>
-              </p:sp>
-              <p:sp>
-                <p:nvSpPr>
-                  <p:cNvPr id="40" name="矢印: 右 39">
-                    <a:extLst>
-                      <a:ext uri="{FF2B5EF4-FFF2-40B4-BE49-F238E27FC236}">
-                        <a16:creationId xmlns:a16="http://schemas.microsoft.com/office/drawing/2014/main" id="{743805F7-E560-1A66-49EE-0D9A42F56710}"/>
-                      </a:ext>
-                    </a:extLst>
-                  </p:cNvPr>
-                  <p:cNvSpPr/>
-                  <p:nvPr/>
-                </p:nvSpPr>
-                <p:spPr>
-                  <a:xfrm rot="16200000">
-                    <a:off x="2945423" y="2945422"/>
-                    <a:ext cx="527539" cy="298938"/>
-                  </a:xfrm>
-                  <a:prstGeom prst="rightArrow">
-                    <a:avLst/>
-                  </a:prstGeom>
-                </p:spPr>
-                <p:style>
-                  <a:lnRef idx="2">
-                    <a:schemeClr val="accent2">
-                      <a:shade val="15000"/>
-                    </a:schemeClr>
-                  </a:lnRef>
-                  <a:fillRef idx="1">
-                    <a:schemeClr val="accent2"/>
-                  </a:fillRef>
-                  <a:effectRef idx="0">
-                    <a:schemeClr val="accent2"/>
-                  </a:effectRef>
-                  <a:fontRef idx="minor">
-                    <a:schemeClr val="lt1"/>
-                  </a:fontRef>
-                </p:style>
-                <p:txBody>
-                  <a:bodyPr rtlCol="0" anchor="ctr"/>
-                  <a:lstStyle/>
-                  <a:p>
-                    <a:pPr algn="ctr"/>
-                    <a:endParaRPr kumimoji="1" lang="ja-JP" altLang="en-US"/>
-                  </a:p>
-                </p:txBody>
-              </p:sp>
-              <p:sp>
-                <p:nvSpPr>
-                  <p:cNvPr id="41" name="矢印: 右 40">
-                    <a:extLst>
-                      <a:ext uri="{FF2B5EF4-FFF2-40B4-BE49-F238E27FC236}">
-                        <a16:creationId xmlns:a16="http://schemas.microsoft.com/office/drawing/2014/main" id="{4AABC157-09A2-475C-D749-E4A310BDCC03}"/>
-                      </a:ext>
-                    </a:extLst>
-                  </p:cNvPr>
-                  <p:cNvSpPr/>
-                  <p:nvPr/>
-                </p:nvSpPr>
-                <p:spPr>
-                  <a:xfrm rot="16200000">
-                    <a:off x="4739054" y="2945423"/>
-                    <a:ext cx="527539" cy="298938"/>
-                  </a:xfrm>
-                  <a:prstGeom prst="rightArrow">
-                    <a:avLst/>
-                  </a:prstGeom>
-                </p:spPr>
-                <p:style>
-                  <a:lnRef idx="2">
-                    <a:schemeClr val="accent2">
-                      <a:shade val="15000"/>
-                    </a:schemeClr>
-                  </a:lnRef>
-                  <a:fillRef idx="1">
-                    <a:schemeClr val="accent2"/>
-                  </a:fillRef>
-                  <a:effectRef idx="0">
-                    <a:schemeClr val="accent2"/>
-                  </a:effectRef>
-                  <a:fontRef idx="minor">
-                    <a:schemeClr val="lt1"/>
-                  </a:fontRef>
-                </p:style>
-                <p:txBody>
-                  <a:bodyPr rtlCol="0" anchor="ctr"/>
-                  <a:lstStyle/>
-                  <a:p>
-                    <a:pPr algn="ctr"/>
-                    <a:endParaRPr kumimoji="1" lang="ja-JP" altLang="en-US"/>
-                  </a:p>
-                </p:txBody>
-              </p:sp>
-              <p:sp>
-                <p:nvSpPr>
-                  <p:cNvPr id="42" name="矢印: 右 41">
-                    <a:extLst>
-                      <a:ext uri="{FF2B5EF4-FFF2-40B4-BE49-F238E27FC236}">
-                        <a16:creationId xmlns:a16="http://schemas.microsoft.com/office/drawing/2014/main" id="{CCAB55AA-A503-3E1F-9D5C-15E7F2FF43BE}"/>
-                      </a:ext>
-                    </a:extLst>
-                  </p:cNvPr>
-                  <p:cNvSpPr/>
-                  <p:nvPr/>
-                </p:nvSpPr>
-                <p:spPr>
-                  <a:xfrm rot="16200000">
-                    <a:off x="6532686" y="2945422"/>
-                    <a:ext cx="527539" cy="298938"/>
-                  </a:xfrm>
-                  <a:prstGeom prst="rightArrow">
-                    <a:avLst/>
-                  </a:prstGeom>
-                </p:spPr>
-                <p:style>
-                  <a:lnRef idx="2">
-                    <a:schemeClr val="accent2">
-                      <a:shade val="15000"/>
-                    </a:schemeClr>
-                  </a:lnRef>
-                  <a:fillRef idx="1">
-                    <a:schemeClr val="accent2"/>
-                  </a:fillRef>
-                  <a:effectRef idx="0">
-                    <a:schemeClr val="accent2"/>
-                  </a:effectRef>
-                  <a:fontRef idx="minor">
-                    <a:schemeClr val="lt1"/>
-                  </a:fontRef>
-                </p:style>
-                <p:txBody>
-                  <a:bodyPr rtlCol="0" anchor="ctr"/>
-                  <a:lstStyle/>
-                  <a:p>
-                    <a:pPr algn="ctr"/>
-                    <a:endParaRPr kumimoji="1" lang="ja-JP" altLang="en-US"/>
-                  </a:p>
-                </p:txBody>
-              </p:sp>
-              <p:sp>
-                <p:nvSpPr>
-                  <p:cNvPr id="43" name="矢印: 右 42">
-                    <a:extLst>
-                      <a:ext uri="{FF2B5EF4-FFF2-40B4-BE49-F238E27FC236}">
-                        <a16:creationId xmlns:a16="http://schemas.microsoft.com/office/drawing/2014/main" id="{E9C98677-57FD-D77E-CCE9-16DE99049E89}"/>
-                      </a:ext>
-                    </a:extLst>
-                  </p:cNvPr>
-                  <p:cNvSpPr/>
-                  <p:nvPr/>
-                </p:nvSpPr>
-                <p:spPr>
-                  <a:xfrm rot="16200000">
-                    <a:off x="10119947" y="2945421"/>
-                    <a:ext cx="527539" cy="298938"/>
-                  </a:xfrm>
-                  <a:prstGeom prst="rightArrow">
-                    <a:avLst/>
-                  </a:prstGeom>
-                </p:spPr>
-                <p:style>
-                  <a:lnRef idx="2">
-                    <a:schemeClr val="accent2">
-                      <a:shade val="15000"/>
-                    </a:schemeClr>
-                  </a:lnRef>
-                  <a:fillRef idx="1">
-                    <a:schemeClr val="accent2"/>
-                  </a:fillRef>
-                  <a:effectRef idx="0">
-                    <a:schemeClr val="accent2"/>
-                  </a:effectRef>
-                  <a:fontRef idx="minor">
-                    <a:schemeClr val="lt1"/>
-                  </a:fontRef>
-                </p:style>
-                <p:txBody>
-                  <a:bodyPr rtlCol="0" anchor="ctr"/>
-                  <a:lstStyle/>
-                  <a:p>
-                    <a:pPr algn="ctr"/>
-                    <a:endParaRPr kumimoji="1" lang="ja-JP" altLang="en-US"/>
-                  </a:p>
-                </p:txBody>
-              </p:sp>
-              <p:sp>
-                <p:nvSpPr>
-                  <p:cNvPr id="44" name="正方形/長方形 43">
-                    <a:extLst>
-                      <a:ext uri="{FF2B5EF4-FFF2-40B4-BE49-F238E27FC236}">
-                        <a16:creationId xmlns:a16="http://schemas.microsoft.com/office/drawing/2014/main" id="{795A7CAC-14B8-64B2-1599-C9CB9D6FC99F}"/>
-                      </a:ext>
-                    </a:extLst>
-                  </p:cNvPr>
-                  <p:cNvSpPr/>
-                  <p:nvPr/>
-                </p:nvSpPr>
-                <p:spPr>
-                  <a:xfrm>
-                    <a:off x="2409092" y="1767760"/>
+                    <a:off x="16296655" y="16509533"/>
                     <a:ext cx="1600200" cy="1019908"/>
                   </a:xfrm>
                   <a:prstGeom prst="rect">
@@ -17567,7 +18183,7 @@
                   <a:p>
                     <a:pPr algn="ctr"/>
                     <a:r>
-                      <a:rPr kumimoji="1" lang="en-US" altLang="ja-JP" sz="4000" dirty="0">
+                      <a:rPr kumimoji="1" lang="en-US" altLang="ja-JP" sz="4000" dirty="0" err="1">
                         <a:solidFill>
                           <a:schemeClr val="tx1"/>
                         </a:solidFill>
@@ -17575,12 +18191,12 @@
                       <a:t>E</a:t>
                     </a:r>
                     <a:r>
-                      <a:rPr kumimoji="1" lang="en-US" altLang="ja-JP" sz="4000" baseline="-25000" dirty="0">
+                      <a:rPr kumimoji="1" lang="en-US" altLang="ja-JP" sz="4000" baseline="-25000" dirty="0" err="1">
                         <a:solidFill>
                           <a:schemeClr val="tx1"/>
                         </a:solidFill>
                       </a:rPr>
-                      <a:t>[CLS]</a:t>
+                      <a:t>Avg</a:t>
                     </a:r>
                     <a:endParaRPr kumimoji="1" lang="ja-JP" altLang="en-US" sz="4000" dirty="0">
                       <a:solidFill>
@@ -17590,294 +18206,777 @@
                   </a:p>
                 </p:txBody>
               </p:sp>
-              <p:sp>
-                <p:nvSpPr>
-                  <p:cNvPr id="45" name="正方形/長方形 44">
+              <p:grpSp>
+                <p:nvGrpSpPr>
+                  <p:cNvPr id="53" name="グループ化 52">
                     <a:extLst>
                       <a:ext uri="{FF2B5EF4-FFF2-40B4-BE49-F238E27FC236}">
-                        <a16:creationId xmlns:a16="http://schemas.microsoft.com/office/drawing/2014/main" id="{5BD36A6B-BD79-90C1-2D29-714B96109997}"/>
+                        <a16:creationId xmlns:a16="http://schemas.microsoft.com/office/drawing/2014/main" id="{A38821BF-FEB0-C22A-4493-A0D830956BC1}"/>
                       </a:ext>
                     </a:extLst>
                   </p:cNvPr>
-                  <p:cNvSpPr/>
+                  <p:cNvGrpSpPr/>
                   <p:nvPr/>
-                </p:nvSpPr>
-                <p:spPr>
+                </p:nvGrpSpPr>
+                <p:grpSpPr>
                   <a:xfrm>
-                    <a:off x="4202723" y="1767760"/>
-                    <a:ext cx="1600200" cy="1019908"/>
+                    <a:off x="20780732" y="18427926"/>
+                    <a:ext cx="6981094" cy="4175840"/>
+                    <a:chOff x="2409092" y="1767760"/>
+                    <a:chExt cx="6981094" cy="4175840"/>
                   </a:xfrm>
-                  <a:prstGeom prst="rect">
-                    <a:avLst/>
-                  </a:prstGeom>
-                  <a:solidFill>
-                    <a:schemeClr val="accent6">
-                      <a:lumMod val="20000"/>
-                      <a:lumOff val="80000"/>
-                    </a:schemeClr>
-                  </a:solidFill>
-                  <a:ln>
+                </p:grpSpPr>
+                <p:sp>
+                  <p:nvSpPr>
+                    <p:cNvPr id="54" name="四角形: 上の 2 つの角を切り取る 53">
+                      <a:extLst>
+                        <a:ext uri="{FF2B5EF4-FFF2-40B4-BE49-F238E27FC236}">
+                          <a16:creationId xmlns:a16="http://schemas.microsoft.com/office/drawing/2014/main" id="{F0C70D1D-9BC2-093A-68B9-2018F4E5E601}"/>
+                        </a:ext>
+                      </a:extLst>
+                    </p:cNvPr>
+                    <p:cNvSpPr/>
+                    <p:nvPr/>
+                  </p:nvSpPr>
+                  <p:spPr>
+                    <a:xfrm>
+                      <a:off x="2409092" y="4923692"/>
+                      <a:ext cx="1600200" cy="1019908"/>
+                    </a:xfrm>
+                    <a:prstGeom prst="snip2SameRect">
+                      <a:avLst/>
+                    </a:prstGeom>
                     <a:solidFill>
-                      <a:schemeClr val="tx1"/>
+                      <a:schemeClr val="accent4">
+                        <a:lumMod val="40000"/>
+                        <a:lumOff val="60000"/>
+                      </a:schemeClr>
                     </a:solidFill>
-                  </a:ln>
-                </p:spPr>
-                <p:style>
-                  <a:lnRef idx="2">
-                    <a:schemeClr val="accent6"/>
-                  </a:lnRef>
-                  <a:fillRef idx="1">
-                    <a:schemeClr val="lt1"/>
-                  </a:fillRef>
-                  <a:effectRef idx="0">
-                    <a:schemeClr val="accent6"/>
-                  </a:effectRef>
-                  <a:fontRef idx="minor">
-                    <a:schemeClr val="dk1"/>
-                  </a:fontRef>
-                </p:style>
-                <p:txBody>
-                  <a:bodyPr rtlCol="0" anchor="ctr"/>
-                  <a:lstStyle/>
-                  <a:p>
-                    <a:pPr algn="ctr"/>
-                    <a:r>
-                      <a:rPr kumimoji="1" lang="en-US" altLang="ja-JP" sz="4000" dirty="0">
+                    <a:ln>
+                      <a:solidFill>
+                        <a:schemeClr val="bg2"/>
+                      </a:solidFill>
+                    </a:ln>
+                  </p:spPr>
+                  <p:style>
+                    <a:lnRef idx="2">
+                      <a:schemeClr val="accent4">
+                        <a:shade val="15000"/>
+                      </a:schemeClr>
+                    </a:lnRef>
+                    <a:fillRef idx="1">
+                      <a:schemeClr val="accent4"/>
+                    </a:fillRef>
+                    <a:effectRef idx="0">
+                      <a:schemeClr val="accent4"/>
+                    </a:effectRef>
+                    <a:fontRef idx="minor">
+                      <a:schemeClr val="lt1"/>
+                    </a:fontRef>
+                  </p:style>
+                  <p:txBody>
+                    <a:bodyPr rtlCol="0" anchor="ctr"/>
+                    <a:lstStyle/>
+                    <a:p>
+                      <a:pPr algn="ctr"/>
+                      <a:r>
+                        <a:rPr kumimoji="1" lang="en-US" altLang="ja-JP" sz="3600" dirty="0">
+                          <a:solidFill>
+                            <a:schemeClr val="tx1"/>
+                          </a:solidFill>
+                        </a:rPr>
+                        <a:t>[CLS]</a:t>
+                      </a:r>
+                      <a:endParaRPr kumimoji="1" lang="ja-JP" altLang="en-US" sz="3600" dirty="0">
                         <a:solidFill>
                           <a:schemeClr val="tx1"/>
                         </a:solidFill>
-                      </a:rPr>
-                      <a:t>E</a:t>
-                    </a:r>
-                    <a:r>
-                      <a:rPr kumimoji="1" lang="en-US" altLang="ja-JP" sz="4000" baseline="-25000" dirty="0">
+                      </a:endParaRPr>
+                    </a:p>
+                  </p:txBody>
+                </p:sp>
+                <p:sp>
+                  <p:nvSpPr>
+                    <p:cNvPr id="55" name="四角形: 上の 2 つの角を切り取る 54">
+                      <a:extLst>
+                        <a:ext uri="{FF2B5EF4-FFF2-40B4-BE49-F238E27FC236}">
+                          <a16:creationId xmlns:a16="http://schemas.microsoft.com/office/drawing/2014/main" id="{23F2FA83-D31A-D31B-6B6A-C8DAECB950DD}"/>
+                        </a:ext>
+                      </a:extLst>
+                    </p:cNvPr>
+                    <p:cNvSpPr/>
+                    <p:nvPr/>
+                  </p:nvSpPr>
+                  <p:spPr>
+                    <a:xfrm>
+                      <a:off x="4202723" y="4923692"/>
+                      <a:ext cx="1600200" cy="1019908"/>
+                    </a:xfrm>
+                    <a:prstGeom prst="snip2SameRect">
+                      <a:avLst/>
+                    </a:prstGeom>
+                    <a:solidFill>
+                      <a:schemeClr val="accent4">
+                        <a:lumMod val="40000"/>
+                        <a:lumOff val="60000"/>
+                      </a:schemeClr>
+                    </a:solidFill>
+                    <a:ln>
+                      <a:solidFill>
+                        <a:schemeClr val="bg2"/>
+                      </a:solidFill>
+                    </a:ln>
+                  </p:spPr>
+                  <p:style>
+                    <a:lnRef idx="2">
+                      <a:schemeClr val="accent4">
+                        <a:shade val="15000"/>
+                      </a:schemeClr>
+                    </a:lnRef>
+                    <a:fillRef idx="1">
+                      <a:schemeClr val="accent4"/>
+                    </a:fillRef>
+                    <a:effectRef idx="0">
+                      <a:schemeClr val="accent4"/>
+                    </a:effectRef>
+                    <a:fontRef idx="minor">
+                      <a:schemeClr val="lt1"/>
+                    </a:fontRef>
+                  </p:style>
+                  <p:txBody>
+                    <a:bodyPr rtlCol="0" anchor="ctr"/>
+                    <a:lstStyle/>
+                    <a:p>
+                      <a:pPr algn="ctr"/>
+                      <a:r>
+                        <a:rPr kumimoji="1" lang="en-US" altLang="ja-JP" sz="3600" dirty="0">
+                          <a:solidFill>
+                            <a:schemeClr val="tx1"/>
+                          </a:solidFill>
+                        </a:rPr>
+                        <a:t>Tok</a:t>
+                      </a:r>
+                      <a:r>
+                        <a:rPr kumimoji="1" lang="en-US" altLang="ja-JP" sz="3600" baseline="-25000" dirty="0">
+                          <a:solidFill>
+                            <a:schemeClr val="tx1"/>
+                          </a:solidFill>
+                        </a:rPr>
+                        <a:t>1</a:t>
+                      </a:r>
+                      <a:endParaRPr kumimoji="1" lang="ja-JP" altLang="en-US" sz="3600" dirty="0">
                         <a:solidFill>
                           <a:schemeClr val="tx1"/>
                         </a:solidFill>
-                      </a:rPr>
-                      <a:t>1</a:t>
-                    </a:r>
-                    <a:endParaRPr kumimoji="1" lang="ja-JP" altLang="en-US" sz="4000" dirty="0">
+                      </a:endParaRPr>
+                    </a:p>
+                  </p:txBody>
+                </p:sp>
+                <p:sp>
+                  <p:nvSpPr>
+                    <p:cNvPr id="57" name="四角形: 上の 2 つの角を切り取る 56">
+                      <a:extLst>
+                        <a:ext uri="{FF2B5EF4-FFF2-40B4-BE49-F238E27FC236}">
+                          <a16:creationId xmlns:a16="http://schemas.microsoft.com/office/drawing/2014/main" id="{DF445540-1D3B-B298-8EBE-FCA48387EE1D}"/>
+                        </a:ext>
+                      </a:extLst>
+                    </p:cNvPr>
+                    <p:cNvSpPr/>
+                    <p:nvPr/>
+                  </p:nvSpPr>
+                  <p:spPr>
+                    <a:xfrm>
+                      <a:off x="7789986" y="4923692"/>
+                      <a:ext cx="1600200" cy="1019908"/>
+                    </a:xfrm>
+                    <a:prstGeom prst="snip2SameRect">
+                      <a:avLst/>
+                    </a:prstGeom>
+                    <a:solidFill>
+                      <a:schemeClr val="accent4">
+                        <a:lumMod val="40000"/>
+                        <a:lumOff val="60000"/>
+                      </a:schemeClr>
+                    </a:solidFill>
+                    <a:ln>
+                      <a:solidFill>
+                        <a:schemeClr val="bg2"/>
+                      </a:solidFill>
+                    </a:ln>
+                  </p:spPr>
+                  <p:style>
+                    <a:lnRef idx="2">
+                      <a:schemeClr val="accent4">
+                        <a:shade val="15000"/>
+                      </a:schemeClr>
+                    </a:lnRef>
+                    <a:fillRef idx="1">
+                      <a:schemeClr val="accent4"/>
+                    </a:fillRef>
+                    <a:effectRef idx="0">
+                      <a:schemeClr val="accent4"/>
+                    </a:effectRef>
+                    <a:fontRef idx="minor">
+                      <a:schemeClr val="lt1"/>
+                    </a:fontRef>
+                  </p:style>
+                  <p:txBody>
+                    <a:bodyPr rtlCol="0" anchor="ctr"/>
+                    <a:lstStyle/>
+                    <a:p>
+                      <a:pPr algn="ctr"/>
+                      <a:r>
+                        <a:rPr kumimoji="1" lang="en-US" altLang="ja-JP" sz="3600" dirty="0" err="1">
+                          <a:solidFill>
+                            <a:schemeClr val="tx1"/>
+                          </a:solidFill>
+                        </a:rPr>
+                        <a:t>Tok</a:t>
+                      </a:r>
+                      <a:r>
+                        <a:rPr kumimoji="1" lang="en-US" altLang="ja-JP" sz="3600" baseline="-25000" dirty="0" err="1">
+                          <a:solidFill>
+                            <a:schemeClr val="tx1"/>
+                          </a:solidFill>
+                        </a:rPr>
+                        <a:t>N</a:t>
+                      </a:r>
+                      <a:endParaRPr kumimoji="1" lang="ja-JP" altLang="en-US" sz="3600" dirty="0">
+                        <a:solidFill>
+                          <a:schemeClr val="tx1"/>
+                        </a:solidFill>
+                      </a:endParaRPr>
+                    </a:p>
+                  </p:txBody>
+                </p:sp>
+                <p:sp>
+                  <p:nvSpPr>
+                    <p:cNvPr id="58" name="四角形: 上の 2 つの角を切り取る 57">
+                      <a:extLst>
+                        <a:ext uri="{FF2B5EF4-FFF2-40B4-BE49-F238E27FC236}">
+                          <a16:creationId xmlns:a16="http://schemas.microsoft.com/office/drawing/2014/main" id="{599D4B7C-6129-976D-A86E-EC2CCB130803}"/>
+                        </a:ext>
+                      </a:extLst>
+                    </p:cNvPr>
+                    <p:cNvSpPr/>
+                    <p:nvPr/>
+                  </p:nvSpPr>
+                  <p:spPr>
+                    <a:xfrm>
+                      <a:off x="5996354" y="4923692"/>
+                      <a:ext cx="1600200" cy="1019908"/>
+                    </a:xfrm>
+                    <a:prstGeom prst="snip2SameRect">
+                      <a:avLst/>
+                    </a:prstGeom>
+                    <a:noFill/>
+                    <a:ln>
+                      <a:noFill/>
+                    </a:ln>
+                  </p:spPr>
+                  <p:style>
+                    <a:lnRef idx="2">
+                      <a:schemeClr val="accent4">
+                        <a:shade val="15000"/>
+                      </a:schemeClr>
+                    </a:lnRef>
+                    <a:fillRef idx="1">
+                      <a:schemeClr val="accent4"/>
+                    </a:fillRef>
+                    <a:effectRef idx="0">
+                      <a:schemeClr val="accent4"/>
+                    </a:effectRef>
+                    <a:fontRef idx="minor">
+                      <a:schemeClr val="lt1"/>
+                    </a:fontRef>
+                  </p:style>
+                  <p:txBody>
+                    <a:bodyPr rtlCol="0" anchor="ctr"/>
+                    <a:lstStyle/>
+                    <a:p>
+                      <a:pPr algn="ctr"/>
+                      <a:r>
+                        <a:rPr kumimoji="1" lang="ja-JP" altLang="en-US" sz="3600" dirty="0">
+                          <a:solidFill>
+                            <a:schemeClr val="tx1"/>
+                          </a:solidFill>
+                        </a:rPr>
+                        <a:t>・・・</a:t>
+                      </a:r>
+                    </a:p>
+                  </p:txBody>
+                </p:sp>
+                <p:sp>
+                  <p:nvSpPr>
+                    <p:cNvPr id="59" name="正方形/長方形 58">
+                      <a:extLst>
+                        <a:ext uri="{FF2B5EF4-FFF2-40B4-BE49-F238E27FC236}">
+                          <a16:creationId xmlns:a16="http://schemas.microsoft.com/office/drawing/2014/main" id="{9526E383-795E-90D1-DD1F-6412CB0DD27A}"/>
+                        </a:ext>
+                      </a:extLst>
+                    </p:cNvPr>
+                    <p:cNvSpPr/>
+                    <p:nvPr/>
+                  </p:nvSpPr>
+                  <p:spPr>
+                    <a:xfrm>
+                      <a:off x="2409092" y="3094892"/>
+                      <a:ext cx="6981094" cy="1459523"/>
+                    </a:xfrm>
+                    <a:prstGeom prst="rect">
+                      <a:avLst/>
+                    </a:prstGeom>
+                    <a:solidFill>
+                      <a:schemeClr val="bg2">
+                        <a:lumMod val="40000"/>
+                        <a:lumOff val="60000"/>
+                      </a:schemeClr>
+                    </a:solidFill>
+                  </p:spPr>
+                  <p:style>
+                    <a:lnRef idx="2">
+                      <a:schemeClr val="accent1">
+                        <a:shade val="15000"/>
+                      </a:schemeClr>
+                    </a:lnRef>
+                    <a:fillRef idx="1">
+                      <a:schemeClr val="accent1"/>
+                    </a:fillRef>
+                    <a:effectRef idx="0">
+                      <a:schemeClr val="accent1"/>
+                    </a:effectRef>
+                    <a:fontRef idx="minor">
+                      <a:schemeClr val="lt1"/>
+                    </a:fontRef>
+                  </p:style>
+                  <p:txBody>
+                    <a:bodyPr rtlCol="0" anchor="ctr"/>
+                    <a:lstStyle/>
+                    <a:p>
+                      <a:pPr algn="ctr"/>
+                      <a:r>
+                        <a:rPr kumimoji="1" lang="en-US" altLang="ja-JP" sz="6600" dirty="0">
+                          <a:solidFill>
+                            <a:schemeClr val="tx1"/>
+                          </a:solidFill>
+                        </a:rPr>
+                        <a:t>BERT (2)</a:t>
+                      </a:r>
+                    </a:p>
+                  </p:txBody>
+                </p:sp>
+                <p:sp>
+                  <p:nvSpPr>
+                    <p:cNvPr id="60" name="矢印: 右 59">
+                      <a:extLst>
+                        <a:ext uri="{FF2B5EF4-FFF2-40B4-BE49-F238E27FC236}">
+                          <a16:creationId xmlns:a16="http://schemas.microsoft.com/office/drawing/2014/main" id="{77242BED-7336-4859-9D5B-C8D5F1CB8E4F}"/>
+                        </a:ext>
+                      </a:extLst>
+                    </p:cNvPr>
+                    <p:cNvSpPr/>
+                    <p:nvPr/>
+                  </p:nvSpPr>
+                  <p:spPr>
+                    <a:xfrm rot="16200000">
+                      <a:off x="2945423" y="4510453"/>
+                      <a:ext cx="527539" cy="298938"/>
+                    </a:xfrm>
+                    <a:prstGeom prst="rightArrow">
+                      <a:avLst/>
+                    </a:prstGeom>
+                  </p:spPr>
+                  <p:style>
+                    <a:lnRef idx="2">
+                      <a:schemeClr val="accent2">
+                        <a:shade val="15000"/>
+                      </a:schemeClr>
+                    </a:lnRef>
+                    <a:fillRef idx="1">
+                      <a:schemeClr val="accent2"/>
+                    </a:fillRef>
+                    <a:effectRef idx="0">
+                      <a:schemeClr val="accent2"/>
+                    </a:effectRef>
+                    <a:fontRef idx="minor">
+                      <a:schemeClr val="lt1"/>
+                    </a:fontRef>
+                  </p:style>
+                  <p:txBody>
+                    <a:bodyPr rtlCol="0" anchor="ctr"/>
+                    <a:lstStyle/>
+                    <a:p>
+                      <a:pPr algn="ctr"/>
+                      <a:endParaRPr kumimoji="1" lang="ja-JP" altLang="en-US"/>
+                    </a:p>
+                  </p:txBody>
+                </p:sp>
+                <p:sp>
+                  <p:nvSpPr>
+                    <p:cNvPr id="61" name="矢印: 右 60">
+                      <a:extLst>
+                        <a:ext uri="{FF2B5EF4-FFF2-40B4-BE49-F238E27FC236}">
+                          <a16:creationId xmlns:a16="http://schemas.microsoft.com/office/drawing/2014/main" id="{4260C73F-F55E-66F1-5872-54366379E9D3}"/>
+                        </a:ext>
+                      </a:extLst>
+                    </p:cNvPr>
+                    <p:cNvSpPr/>
+                    <p:nvPr/>
+                  </p:nvSpPr>
+                  <p:spPr>
+                    <a:xfrm rot="16200000">
+                      <a:off x="4739054" y="4510452"/>
+                      <a:ext cx="527539" cy="298938"/>
+                    </a:xfrm>
+                    <a:prstGeom prst="rightArrow">
+                      <a:avLst/>
+                    </a:prstGeom>
+                  </p:spPr>
+                  <p:style>
+                    <a:lnRef idx="2">
+                      <a:schemeClr val="accent2">
+                        <a:shade val="15000"/>
+                      </a:schemeClr>
+                    </a:lnRef>
+                    <a:fillRef idx="1">
+                      <a:schemeClr val="accent2"/>
+                    </a:fillRef>
+                    <a:effectRef idx="0">
+                      <a:schemeClr val="accent2"/>
+                    </a:effectRef>
+                    <a:fontRef idx="minor">
+                      <a:schemeClr val="lt1"/>
+                    </a:fontRef>
+                  </p:style>
+                  <p:txBody>
+                    <a:bodyPr rtlCol="0" anchor="ctr"/>
+                    <a:lstStyle/>
+                    <a:p>
+                      <a:pPr algn="ctr"/>
+                      <a:endParaRPr kumimoji="1" lang="ja-JP" altLang="en-US"/>
+                    </a:p>
+                  </p:txBody>
+                </p:sp>
+                <p:sp>
+                  <p:nvSpPr>
+                    <p:cNvPr id="63" name="矢印: 右 62">
+                      <a:extLst>
+                        <a:ext uri="{FF2B5EF4-FFF2-40B4-BE49-F238E27FC236}">
+                          <a16:creationId xmlns:a16="http://schemas.microsoft.com/office/drawing/2014/main" id="{5891A4C0-4E73-7B3F-C88F-7A010FF17B76}"/>
+                        </a:ext>
+                      </a:extLst>
+                    </p:cNvPr>
+                    <p:cNvSpPr/>
+                    <p:nvPr/>
+                  </p:nvSpPr>
+                  <p:spPr>
+                    <a:xfrm rot="16200000">
+                      <a:off x="8326317" y="4510451"/>
+                      <a:ext cx="527539" cy="298938"/>
+                    </a:xfrm>
+                    <a:prstGeom prst="rightArrow">
+                      <a:avLst/>
+                    </a:prstGeom>
+                  </p:spPr>
+                  <p:style>
+                    <a:lnRef idx="2">
+                      <a:schemeClr val="accent2">
+                        <a:shade val="15000"/>
+                      </a:schemeClr>
+                    </a:lnRef>
+                    <a:fillRef idx="1">
+                      <a:schemeClr val="accent2"/>
+                    </a:fillRef>
+                    <a:effectRef idx="0">
+                      <a:schemeClr val="accent2"/>
+                    </a:effectRef>
+                    <a:fontRef idx="minor">
+                      <a:schemeClr val="lt1"/>
+                    </a:fontRef>
+                  </p:style>
+                  <p:txBody>
+                    <a:bodyPr rtlCol="0" anchor="ctr"/>
+                    <a:lstStyle/>
+                    <a:p>
+                      <a:pPr algn="ctr"/>
+                      <a:endParaRPr kumimoji="1" lang="ja-JP" altLang="en-US"/>
+                    </a:p>
+                  </p:txBody>
+                </p:sp>
+                <p:sp>
+                  <p:nvSpPr>
+                    <p:cNvPr id="64" name="矢印: 右 63">
+                      <a:extLst>
+                        <a:ext uri="{FF2B5EF4-FFF2-40B4-BE49-F238E27FC236}">
+                          <a16:creationId xmlns:a16="http://schemas.microsoft.com/office/drawing/2014/main" id="{370080DF-DED9-A723-264E-F2AD9F8ED171}"/>
+                        </a:ext>
+                      </a:extLst>
+                    </p:cNvPr>
+                    <p:cNvSpPr/>
+                    <p:nvPr/>
+                  </p:nvSpPr>
+                  <p:spPr>
+                    <a:xfrm rot="16200000">
+                      <a:off x="2945423" y="2945422"/>
+                      <a:ext cx="527539" cy="298938"/>
+                    </a:xfrm>
+                    <a:prstGeom prst="rightArrow">
+                      <a:avLst/>
+                    </a:prstGeom>
+                  </p:spPr>
+                  <p:style>
+                    <a:lnRef idx="2">
+                      <a:schemeClr val="accent2">
+                        <a:shade val="15000"/>
+                      </a:schemeClr>
+                    </a:lnRef>
+                    <a:fillRef idx="1">
+                      <a:schemeClr val="accent2"/>
+                    </a:fillRef>
+                    <a:effectRef idx="0">
+                      <a:schemeClr val="accent2"/>
+                    </a:effectRef>
+                    <a:fontRef idx="minor">
+                      <a:schemeClr val="lt1"/>
+                    </a:fontRef>
+                  </p:style>
+                  <p:txBody>
+                    <a:bodyPr rtlCol="0" anchor="ctr"/>
+                    <a:lstStyle/>
+                    <a:p>
+                      <a:pPr algn="ctr"/>
+                      <a:endParaRPr kumimoji="1" lang="ja-JP" altLang="en-US"/>
+                    </a:p>
+                  </p:txBody>
+                </p:sp>
+                <p:sp>
+                  <p:nvSpPr>
+                    <p:cNvPr id="68" name="正方形/長方形 67">
+                      <a:extLst>
+                        <a:ext uri="{FF2B5EF4-FFF2-40B4-BE49-F238E27FC236}">
+                          <a16:creationId xmlns:a16="http://schemas.microsoft.com/office/drawing/2014/main" id="{5E11962B-CA7A-8548-7217-74BE22B34912}"/>
+                        </a:ext>
+                      </a:extLst>
+                    </p:cNvPr>
+                    <p:cNvSpPr/>
+                    <p:nvPr/>
+                  </p:nvSpPr>
+                  <p:spPr>
+                    <a:xfrm>
+                      <a:off x="2409092" y="1767760"/>
+                      <a:ext cx="1600200" cy="1019908"/>
+                    </a:xfrm>
+                    <a:prstGeom prst="rect">
+                      <a:avLst/>
+                    </a:prstGeom>
+                    <a:solidFill>
+                      <a:schemeClr val="accent6">
+                        <a:lumMod val="60000"/>
+                        <a:lumOff val="40000"/>
+                      </a:schemeClr>
+                    </a:solidFill>
+                    <a:ln>
                       <a:solidFill>
                         <a:schemeClr val="tx1"/>
                       </a:solidFill>
-                    </a:endParaRPr>
-                  </a:p>
-                </p:txBody>
-              </p:sp>
-              <p:sp>
-                <p:nvSpPr>
-                  <p:cNvPr id="46" name="正方形/長方形 45">
-                    <a:extLst>
-                      <a:ext uri="{FF2B5EF4-FFF2-40B4-BE49-F238E27FC236}">
-                        <a16:creationId xmlns:a16="http://schemas.microsoft.com/office/drawing/2014/main" id="{A3BE1FA5-1714-3D90-D88E-42F98F4D1433}"/>
-                      </a:ext>
-                    </a:extLst>
-                  </p:cNvPr>
-                  <p:cNvSpPr/>
-                  <p:nvPr/>
-                </p:nvSpPr>
-                <p:spPr>
-                  <a:xfrm>
-                    <a:off x="5996354" y="1767760"/>
-                    <a:ext cx="1600200" cy="1019908"/>
-                  </a:xfrm>
-                  <a:prstGeom prst="rect">
-                    <a:avLst/>
-                  </a:prstGeom>
-                  <a:solidFill>
-                    <a:schemeClr val="accent6">
-                      <a:lumMod val="20000"/>
-                      <a:lumOff val="80000"/>
-                    </a:schemeClr>
-                  </a:solidFill>
-                  <a:ln>
-                    <a:solidFill>
-                      <a:schemeClr val="tx1"/>
-                    </a:solidFill>
-                  </a:ln>
-                </p:spPr>
-                <p:style>
-                  <a:lnRef idx="2">
-                    <a:schemeClr val="accent6"/>
-                  </a:lnRef>
-                  <a:fillRef idx="1">
-                    <a:schemeClr val="lt1"/>
-                  </a:fillRef>
-                  <a:effectRef idx="0">
-                    <a:schemeClr val="accent6"/>
-                  </a:effectRef>
-                  <a:fontRef idx="minor">
-                    <a:schemeClr val="dk1"/>
-                  </a:fontRef>
-                </p:style>
-                <p:txBody>
-                  <a:bodyPr rtlCol="0" anchor="ctr"/>
-                  <a:lstStyle/>
-                  <a:p>
-                    <a:pPr algn="ctr"/>
-                    <a:r>
-                      <a:rPr kumimoji="1" lang="en-US" altLang="ja-JP" sz="4000" dirty="0">
+                    </a:ln>
+                  </p:spPr>
+                  <p:style>
+                    <a:lnRef idx="2">
+                      <a:schemeClr val="accent6"/>
+                    </a:lnRef>
+                    <a:fillRef idx="1">
+                      <a:schemeClr val="lt1"/>
+                    </a:fillRef>
+                    <a:effectRef idx="0">
+                      <a:schemeClr val="accent6"/>
+                    </a:effectRef>
+                    <a:fontRef idx="minor">
+                      <a:schemeClr val="dk1"/>
+                    </a:fontRef>
+                  </p:style>
+                  <p:txBody>
+                    <a:bodyPr rtlCol="0" anchor="ctr"/>
+                    <a:lstStyle/>
+                    <a:p>
+                      <a:pPr algn="ctr"/>
+                      <a:r>
+                        <a:rPr kumimoji="1" lang="en-US" altLang="ja-JP" sz="4000" dirty="0">
+                          <a:solidFill>
+                            <a:schemeClr val="tx1"/>
+                          </a:solidFill>
+                        </a:rPr>
+                        <a:t>E</a:t>
+                      </a:r>
+                      <a:r>
+                        <a:rPr kumimoji="1" lang="en-US" altLang="ja-JP" sz="4000" baseline="-25000" dirty="0">
+                          <a:solidFill>
+                            <a:schemeClr val="tx1"/>
+                          </a:solidFill>
+                        </a:rPr>
+                        <a:t>[CLS]</a:t>
+                      </a:r>
+                      <a:endParaRPr kumimoji="1" lang="ja-JP" altLang="en-US" sz="4000" dirty="0">
                         <a:solidFill>
                           <a:schemeClr val="tx1"/>
                         </a:solidFill>
-                      </a:rPr>
-                      <a:t>E</a:t>
-                    </a:r>
-                    <a:r>
-                      <a:rPr kumimoji="1" lang="en-US" altLang="ja-JP" sz="4000" baseline="-25000" dirty="0">
-                        <a:solidFill>
-                          <a:schemeClr val="tx1"/>
-                        </a:solidFill>
-                      </a:rPr>
-                      <a:t>2</a:t>
-                    </a:r>
-                    <a:endParaRPr kumimoji="1" lang="ja-JP" altLang="en-US" sz="4000" dirty="0">
-                      <a:solidFill>
-                        <a:schemeClr val="tx1"/>
-                      </a:solidFill>
-                    </a:endParaRPr>
-                  </a:p>
-                </p:txBody>
-              </p:sp>
+                      </a:endParaRPr>
+                    </a:p>
+                  </p:txBody>
+                </p:sp>
+              </p:grpSp>
+              <mc:AlternateContent xmlns:mc="http://schemas.openxmlformats.org/markup-compatibility/2006" xmlns:a14="http://schemas.microsoft.com/office/drawing/2010/main">
+                <mc:Choice Requires="a14">
+                  <p:sp>
+                    <p:nvSpPr>
+                      <p:cNvPr id="74" name="テキスト ボックス 73">
+                        <a:extLst>
+                          <a:ext uri="{FF2B5EF4-FFF2-40B4-BE49-F238E27FC236}">
+                            <a16:creationId xmlns:a16="http://schemas.microsoft.com/office/drawing/2014/main" id="{06E47995-6AB6-2441-9CA9-3A546E3D6F3D}"/>
+                          </a:ext>
+                        </a:extLst>
+                      </p:cNvPr>
+                      <p:cNvSpPr txBox="1"/>
+                      <p:nvPr/>
+                    </p:nvSpPr>
+                    <p:spPr>
+                      <a:xfrm>
+                        <a:off x="21042302" y="23025370"/>
+                        <a:ext cx="6651383" cy="889282"/>
+                      </a:xfrm>
+                      <a:prstGeom prst="rect">
+                        <a:avLst/>
+                      </a:prstGeom>
+                      <a:noFill/>
+                    </p:spPr>
+                    <p:txBody>
+                      <a:bodyPr wrap="square" rtlCol="0">
+                        <a:spAutoFit/>
+                      </a:bodyPr>
+                      <a:lstStyle/>
+                      <a:p>
+                        <a:pPr algn="ctr"/>
+                        <a:r>
+                          <a:rPr kumimoji="1" lang="en-US" altLang="ja-JP" sz="4800" b="0" u="sng" dirty="0"/>
+                          <a:t>Input:</a:t>
+                        </a:r>
+                        <a:r>
+                          <a:rPr kumimoji="1" lang="en-US" altLang="ja-JP" sz="4800" b="0" dirty="0"/>
+                          <a:t> </a:t>
+                        </a:r>
+                        <a14:m>
+                          <m:oMath xmlns:m="http://schemas.openxmlformats.org/officeDocument/2006/math">
+                            <m:d>
+                              <m:dPr>
+                                <m:begChr m:val="["/>
+                                <m:endChr m:val="]"/>
+                                <m:ctrlPr>
+                                  <a:rPr kumimoji="1" lang="en-US" altLang="ja-JP" sz="4800" b="0" i="1" smtClean="0">
+                                    <a:latin typeface="Cambria Math" panose="02040503050406030204" pitchFamily="18" charset="0"/>
+                                  </a:rPr>
+                                </m:ctrlPr>
+                              </m:dPr>
+                              <m:e>
+                                <m:r>
+                                  <m:rPr>
+                                    <m:sty m:val="p"/>
+                                  </m:rPr>
+                                  <a:rPr kumimoji="1" lang="en-US" altLang="ja-JP" sz="4800" b="0" i="0" smtClean="0">
+                                    <a:latin typeface="Cambria Math" panose="02040503050406030204" pitchFamily="18" charset="0"/>
+                                  </a:rPr>
+                                  <m:t>CLS</m:t>
+                                </m:r>
+                              </m:e>
+                            </m:d>
+                            <m:r>
+                              <a:rPr kumimoji="1" lang="en-US" altLang="ja-JP" sz="4800" b="0" i="0" smtClean="0">
+                                <a:latin typeface="Cambria Math" panose="02040503050406030204" pitchFamily="18" charset="0"/>
+                              </a:rPr>
+                              <m:t> </m:t>
+                            </m:r>
+                            <m:sSub>
+                              <m:sSubPr>
+                                <m:ctrlPr>
+                                  <a:rPr kumimoji="1" lang="en-US" altLang="ja-JP" sz="4800" b="0" i="1" smtClean="0">
+                                    <a:latin typeface="Cambria Math" panose="02040503050406030204" pitchFamily="18" charset="0"/>
+                                  </a:rPr>
+                                </m:ctrlPr>
+                              </m:sSubPr>
+                              <m:e>
+                                <m:r>
+                                  <a:rPr kumimoji="1" lang="en-US" altLang="ja-JP" sz="4800" b="0" i="1" smtClean="0">
+                                    <a:latin typeface="Cambria Math" panose="02040503050406030204" pitchFamily="18" charset="0"/>
+                                  </a:rPr>
+                                  <m:t>𝐷</m:t>
+                                </m:r>
+                              </m:e>
+                              <m:sub>
+                                <m:r>
+                                  <a:rPr kumimoji="1" lang="en-US" altLang="ja-JP" sz="4800" b="0" i="1" smtClean="0">
+                                    <a:latin typeface="Cambria Math" panose="02040503050406030204" pitchFamily="18" charset="0"/>
+                                  </a:rPr>
+                                  <m:t>𝑠𝑢𝑚𝑚𝑎𝑟𝑦</m:t>
+                                </m:r>
+                              </m:sub>
+                            </m:sSub>
+                          </m:oMath>
+                        </a14:m>
+                        <a:endParaRPr kumimoji="1" lang="ja-JP" altLang="en-US" sz="4800" dirty="0"/>
+                      </a:p>
+                    </p:txBody>
+                  </p:sp>
+                </mc:Choice>
+                <mc:Fallback xmlns="">
+                  <p:sp>
+                    <p:nvSpPr>
+                      <p:cNvPr id="74" name="テキスト ボックス 73">
+                        <a:extLst>
+                          <a:ext uri="{FF2B5EF4-FFF2-40B4-BE49-F238E27FC236}">
+                            <a16:creationId xmlns:a16="http://schemas.microsoft.com/office/drawing/2014/main" id="{06E47995-6AB6-2441-9CA9-3A546E3D6F3D}"/>
+                          </a:ext>
+                        </a:extLst>
+                      </p:cNvPr>
+                      <p:cNvSpPr txBox="1">
+                        <a:spLocks noRot="1" noChangeAspect="1" noMove="1" noResize="1" noEditPoints="1" noAdjustHandles="1" noChangeArrowheads="1" noChangeShapeType="1" noTextEdit="1"/>
+                      </p:cNvSpPr>
+                      <p:nvPr/>
+                    </p:nvSpPr>
+                    <p:spPr>
+                      <a:xfrm>
+                        <a:off x="21042302" y="23025370"/>
+                        <a:ext cx="6651383" cy="889282"/>
+                      </a:xfrm>
+                      <a:prstGeom prst="rect">
+                        <a:avLst/>
+                      </a:prstGeom>
+                      <a:blipFill>
+                        <a:blip r:embed="rId5"/>
+                        <a:stretch>
+                          <a:fillRect t="-17123" b="-27397"/>
+                        </a:stretch>
+                      </a:blipFill>
+                    </p:spPr>
+                    <p:txBody>
+                      <a:bodyPr/>
+                      <a:lstStyle/>
+                      <a:p>
+                        <a:r>
+                          <a:rPr lang="ja-JP" altLang="en-US">
+                            <a:noFill/>
+                          </a:rPr>
+                          <a:t> </a:t>
+                        </a:r>
+                      </a:p>
+                    </p:txBody>
+                  </p:sp>
+                </mc:Fallback>
+              </mc:AlternateContent>
               <p:sp>
                 <p:nvSpPr>
-                  <p:cNvPr id="47" name="正方形/長方形 46">
+                  <p:cNvPr id="75" name="矢印: 右 74">
                     <a:extLst>
                       <a:ext uri="{FF2B5EF4-FFF2-40B4-BE49-F238E27FC236}">
-                        <a16:creationId xmlns:a16="http://schemas.microsoft.com/office/drawing/2014/main" id="{069D0023-AA21-577F-FFA3-1D035B24C13B}"/>
-                      </a:ext>
-                    </a:extLst>
-                  </p:cNvPr>
-                  <p:cNvSpPr/>
-                  <p:nvPr/>
-                </p:nvSpPr>
-                <p:spPr>
-                  <a:xfrm>
-                    <a:off x="9583616" y="1767760"/>
-                    <a:ext cx="1600200" cy="1019908"/>
-                  </a:xfrm>
-                  <a:prstGeom prst="rect">
-                    <a:avLst/>
-                  </a:prstGeom>
-                  <a:solidFill>
-                    <a:schemeClr val="accent6">
-                      <a:lumMod val="20000"/>
-                      <a:lumOff val="80000"/>
-                    </a:schemeClr>
-                  </a:solidFill>
-                  <a:ln>
-                    <a:solidFill>
-                      <a:schemeClr val="tx1"/>
-                    </a:solidFill>
-                  </a:ln>
-                </p:spPr>
-                <p:style>
-                  <a:lnRef idx="2">
-                    <a:schemeClr val="accent6"/>
-                  </a:lnRef>
-                  <a:fillRef idx="1">
-                    <a:schemeClr val="lt1"/>
-                  </a:fillRef>
-                  <a:effectRef idx="0">
-                    <a:schemeClr val="accent6"/>
-                  </a:effectRef>
-                  <a:fontRef idx="minor">
-                    <a:schemeClr val="dk1"/>
-                  </a:fontRef>
-                </p:style>
-                <p:txBody>
-                  <a:bodyPr rtlCol="0" anchor="ctr"/>
-                  <a:lstStyle/>
-                  <a:p>
-                    <a:pPr algn="ctr"/>
-                    <a:r>
-                      <a:rPr kumimoji="1" lang="en-US" altLang="ja-JP" sz="4000" dirty="0">
-                        <a:solidFill>
-                          <a:schemeClr val="tx1"/>
-                        </a:solidFill>
-                      </a:rPr>
-                      <a:t>E</a:t>
-                    </a:r>
-                    <a:r>
-                      <a:rPr kumimoji="1" lang="en-US" altLang="ja-JP" sz="4000" baseline="-25000" dirty="0">
-                        <a:solidFill>
-                          <a:schemeClr val="tx1"/>
-                        </a:solidFill>
-                      </a:rPr>
-                      <a:t>N</a:t>
-                    </a:r>
-                    <a:endParaRPr kumimoji="1" lang="ja-JP" altLang="en-US" sz="4000" dirty="0">
-                      <a:solidFill>
-                        <a:schemeClr val="tx1"/>
-                      </a:solidFill>
-                    </a:endParaRPr>
-                  </a:p>
-                </p:txBody>
-              </p:sp>
-              <p:sp>
-                <p:nvSpPr>
-                  <p:cNvPr id="48" name="四角形: 上の 2 つの角を切り取る 47">
-                    <a:extLst>
-                      <a:ext uri="{FF2B5EF4-FFF2-40B4-BE49-F238E27FC236}">
-                        <a16:creationId xmlns:a16="http://schemas.microsoft.com/office/drawing/2014/main" id="{E64ED78C-F912-418E-3E1B-A8B83A44DC93}"/>
-                      </a:ext>
-                    </a:extLst>
-                  </p:cNvPr>
-                  <p:cNvSpPr/>
-                  <p:nvPr/>
-                </p:nvSpPr>
-                <p:spPr>
-                  <a:xfrm>
-                    <a:off x="7789985" y="1767760"/>
-                    <a:ext cx="1600200" cy="1019908"/>
-                  </a:xfrm>
-                  <a:prstGeom prst="snip2SameRect">
-                    <a:avLst/>
-                  </a:prstGeom>
-                  <a:noFill/>
-                  <a:ln>
-                    <a:noFill/>
-                  </a:ln>
-                </p:spPr>
-                <p:style>
-                  <a:lnRef idx="2">
-                    <a:schemeClr val="accent4">
-                      <a:shade val="15000"/>
-                    </a:schemeClr>
-                  </a:lnRef>
-                  <a:fillRef idx="1">
-                    <a:schemeClr val="accent4"/>
-                  </a:fillRef>
-                  <a:effectRef idx="0">
-                    <a:schemeClr val="accent4"/>
-                  </a:effectRef>
-                  <a:fontRef idx="minor">
-                    <a:schemeClr val="lt1"/>
-                  </a:fontRef>
-                </p:style>
-                <p:txBody>
-                  <a:bodyPr rtlCol="0" anchor="ctr"/>
-                  <a:lstStyle/>
-                  <a:p>
-                    <a:pPr algn="ctr"/>
-                    <a:r>
-                      <a:rPr kumimoji="1" lang="ja-JP" altLang="en-US" sz="3600" dirty="0">
-                        <a:solidFill>
-                          <a:schemeClr val="tx1"/>
-                        </a:solidFill>
-                      </a:rPr>
-                      <a:t>・・・</a:t>
-                    </a:r>
-                  </a:p>
-                </p:txBody>
-              </p:sp>
-              <p:sp>
-                <p:nvSpPr>
-                  <p:cNvPr id="49" name="右中かっこ 48">
-                    <a:extLst>
-                      <a:ext uri="{FF2B5EF4-FFF2-40B4-BE49-F238E27FC236}">
-                        <a16:creationId xmlns:a16="http://schemas.microsoft.com/office/drawing/2014/main" id="{7B118F00-160C-D0EA-CA06-7F5375B2B469}"/>
+                        <a16:creationId xmlns:a16="http://schemas.microsoft.com/office/drawing/2014/main" id="{86B37596-0127-720D-C905-BF35E225A6BA}"/>
                       </a:ext>
                     </a:extLst>
                   </p:cNvPr>
@@ -17886,695 +18985,8 @@
                 </p:nvSpPr>
                 <p:spPr>
                   <a:xfrm rot="16200000">
-                    <a:off x="7327232" y="-2172030"/>
-                    <a:ext cx="732077" cy="6981095"/>
-                  </a:xfrm>
-                  <a:prstGeom prst="rightBrace">
-                    <a:avLst>
-                      <a:gd name="adj1" fmla="val 8333"/>
-                      <a:gd name="adj2" fmla="val 50026"/>
-                    </a:avLst>
-                  </a:prstGeom>
-                </p:spPr>
-                <p:style>
-                  <a:lnRef idx="1">
-                    <a:schemeClr val="dk1"/>
-                  </a:lnRef>
-                  <a:fillRef idx="0">
-                    <a:schemeClr val="dk1"/>
-                  </a:fillRef>
-                  <a:effectRef idx="0">
-                    <a:schemeClr val="dk1"/>
-                  </a:effectRef>
-                  <a:fontRef idx="minor">
-                    <a:schemeClr val="tx1"/>
-                  </a:fontRef>
-                </p:style>
-                <p:txBody>
-                  <a:bodyPr rtlCol="0" anchor="ctr"/>
-                  <a:lstStyle/>
-                  <a:p>
-                    <a:pPr algn="ctr"/>
-                    <a:endParaRPr kumimoji="1" lang="ja-JP" altLang="en-US"/>
-                  </a:p>
-                </p:txBody>
-              </p:sp>
-            </p:grpSp>
-            <mc:AlternateContent xmlns:mc="http://schemas.openxmlformats.org/markup-compatibility/2006">
-              <mc:Choice xmlns:a14="http://schemas.microsoft.com/office/drawing/2010/main" Requires="a14">
-                <p:sp>
-                  <p:nvSpPr>
-                    <p:cNvPr id="51" name="テキスト ボックス 50">
-                      <a:extLst>
-                        <a:ext uri="{FF2B5EF4-FFF2-40B4-BE49-F238E27FC236}">
-                          <a16:creationId xmlns:a16="http://schemas.microsoft.com/office/drawing/2014/main" id="{E957008A-D55C-F1D6-A84F-8A2C5A50053A}"/>
-                        </a:ext>
-                      </a:extLst>
-                    </p:cNvPr>
-                    <p:cNvSpPr txBox="1"/>
-                    <p:nvPr/>
-                  </p:nvSpPr>
-                  <p:spPr>
-                    <a:xfrm>
-                      <a:off x="11812577" y="23025370"/>
-                      <a:ext cx="8774724" cy="889282"/>
-                    </a:xfrm>
-                    <a:prstGeom prst="rect">
-                      <a:avLst/>
-                    </a:prstGeom>
-                    <a:noFill/>
-                  </p:spPr>
-                  <p:txBody>
-                    <a:bodyPr wrap="square" rtlCol="0">
-                      <a:spAutoFit/>
-                    </a:bodyPr>
-                    <a:lstStyle/>
-                    <a:p>
-                      <a:pPr algn="ctr"/>
-                      <a:r>
-                        <a:rPr kumimoji="1" lang="en-US" altLang="ja-JP" sz="4800" b="0" u="sng" dirty="0"/>
-                        <a:t>Input:</a:t>
-                      </a:r>
-                      <a:r>
-                        <a:rPr kumimoji="1" lang="en-US" altLang="ja-JP" sz="4800" b="0" dirty="0"/>
-                        <a:t> </a:t>
-                      </a:r>
-                      <a14:m>
-                        <m:oMath xmlns:m="http://schemas.openxmlformats.org/officeDocument/2006/math">
-                          <m:d>
-                            <m:dPr>
-                              <m:begChr m:val="["/>
-                              <m:endChr m:val="]"/>
-                              <m:ctrlPr>
-                                <a:rPr kumimoji="1" lang="en-US" altLang="ja-JP" sz="4800" b="0" smtClean="0">
-                                  <a:latin typeface="Cambria Math" panose="02040503050406030204" pitchFamily="18" charset="0"/>
-                                </a:rPr>
-                              </m:ctrlPr>
-                            </m:dPr>
-                            <m:e>
-                              <m:r>
-                                <m:rPr>
-                                  <m:sty m:val="p"/>
-                                </m:rPr>
-                                <a:rPr kumimoji="1" lang="en-US" altLang="ja-JP" sz="4800" b="0" i="0" smtClean="0">
-                                  <a:latin typeface="Cambria Math" panose="02040503050406030204" pitchFamily="18" charset="0"/>
-                                </a:rPr>
-                                <m:t>CLS</m:t>
-                              </m:r>
-                            </m:e>
-                          </m:d>
-                          <m:r>
-                            <a:rPr kumimoji="1" lang="en-US" altLang="ja-JP" sz="4800" b="0" i="0" smtClean="0">
-                              <a:latin typeface="Cambria Math" panose="02040503050406030204" pitchFamily="18" charset="0"/>
-                            </a:rPr>
-                            <m:t> </m:t>
-                          </m:r>
-                          <m:sSub>
-                            <m:sSubPr>
-                              <m:ctrlPr>
-                                <a:rPr kumimoji="1" lang="en-US" altLang="ja-JP" sz="4800" b="0" i="1" smtClean="0">
-                                  <a:latin typeface="Cambria Math" panose="02040503050406030204" pitchFamily="18" charset="0"/>
-                                </a:rPr>
-                              </m:ctrlPr>
-                            </m:sSubPr>
-                            <m:e>
-                              <m:r>
-                                <a:rPr kumimoji="1" lang="en-US" altLang="ja-JP" sz="4800" b="0" i="1" smtClean="0">
-                                  <a:latin typeface="Cambria Math" panose="02040503050406030204" pitchFamily="18" charset="0"/>
-                                </a:rPr>
-                                <m:t>𝐷</m:t>
-                              </m:r>
-                            </m:e>
-                            <m:sub>
-                              <m:r>
-                                <a:rPr kumimoji="1" lang="en-US" altLang="ja-JP" sz="4800" b="0" i="1" smtClean="0">
-                                  <a:latin typeface="Cambria Math" panose="02040503050406030204" pitchFamily="18" charset="0"/>
-                                </a:rPr>
-                                <m:t>𝑡𝑖𝑡𝑙𝑒</m:t>
-                              </m:r>
-                            </m:sub>
-                          </m:sSub>
-                          <m:r>
-                            <a:rPr kumimoji="1" lang="en-US" altLang="ja-JP" sz="4800" b="0" i="1" smtClean="0">
-                              <a:latin typeface="Cambria Math" panose="02040503050406030204" pitchFamily="18" charset="0"/>
-                            </a:rPr>
-                            <m:t> </m:t>
-                          </m:r>
-                          <m:d>
-                            <m:dPr>
-                              <m:begChr m:val="["/>
-                              <m:endChr m:val="]"/>
-                              <m:ctrlPr>
-                                <a:rPr kumimoji="1" lang="en-US" altLang="ja-JP" sz="4800" b="0" smtClean="0">
-                                  <a:latin typeface="Cambria Math" panose="02040503050406030204" pitchFamily="18" charset="0"/>
-                                </a:rPr>
-                              </m:ctrlPr>
-                            </m:dPr>
-                            <m:e>
-                              <m:r>
-                                <m:rPr>
-                                  <m:sty m:val="p"/>
-                                </m:rPr>
-                                <a:rPr kumimoji="1" lang="en-US" altLang="ja-JP" sz="4800" b="0" i="0" smtClean="0">
-                                  <a:latin typeface="Cambria Math" panose="02040503050406030204" pitchFamily="18" charset="0"/>
-                                </a:rPr>
-                                <m:t>SEP</m:t>
-                              </m:r>
-                            </m:e>
-                          </m:d>
-                          <m:r>
-                            <a:rPr kumimoji="1" lang="en-US" altLang="ja-JP" sz="4800" b="0" i="0" smtClean="0">
-                              <a:latin typeface="Cambria Math" panose="02040503050406030204" pitchFamily="18" charset="0"/>
-                            </a:rPr>
-                            <m:t> </m:t>
-                          </m:r>
-                          <m:sSub>
-                            <m:sSubPr>
-                              <m:ctrlPr>
-                                <a:rPr kumimoji="1" lang="en-US" altLang="ja-JP" sz="4800" b="0" i="1" smtClean="0">
-                                  <a:latin typeface="Cambria Math" panose="02040503050406030204" pitchFamily="18" charset="0"/>
-                                </a:rPr>
-                              </m:ctrlPr>
-                            </m:sSubPr>
-                            <m:e>
-                              <m:r>
-                                <a:rPr kumimoji="1" lang="en-US" altLang="ja-JP" sz="4800" b="0" i="1" smtClean="0">
-                                  <a:latin typeface="Cambria Math" panose="02040503050406030204" pitchFamily="18" charset="0"/>
-                                </a:rPr>
-                                <m:t>𝐷</m:t>
-                              </m:r>
-                            </m:e>
-                            <m:sub>
-                              <m:r>
-                                <a:rPr kumimoji="1" lang="en-US" altLang="ja-JP" sz="4800" b="0" i="1" smtClean="0">
-                                  <a:latin typeface="Cambria Math" panose="02040503050406030204" pitchFamily="18" charset="0"/>
-                                </a:rPr>
-                                <m:t>𝑏𝑜𝑑𝑦</m:t>
-                              </m:r>
-                            </m:sub>
-                          </m:sSub>
-                        </m:oMath>
-                      </a14:m>
-                      <a:endParaRPr kumimoji="1" lang="ja-JP" altLang="en-US" sz="4800" dirty="0"/>
-                    </a:p>
-                  </p:txBody>
-                </p:sp>
-              </mc:Choice>
-              <mc:Fallback>
-                <p:sp>
-                  <p:nvSpPr>
-                    <p:cNvPr id="51" name="テキスト ボックス 50">
-                      <a:extLst>
-                        <a:ext uri="{FF2B5EF4-FFF2-40B4-BE49-F238E27FC236}">
-                          <a16:creationId xmlns:a16="http://schemas.microsoft.com/office/drawing/2014/main" id="{E957008A-D55C-F1D6-A84F-8A2C5A50053A}"/>
-                        </a:ext>
-                      </a:extLst>
-                    </p:cNvPr>
-                    <p:cNvSpPr txBox="1">
-                      <a:spLocks noRot="1" noChangeAspect="1" noMove="1" noResize="1" noEditPoints="1" noAdjustHandles="1" noChangeArrowheads="1" noChangeShapeType="1" noTextEdit="1"/>
-                    </p:cNvSpPr>
-                    <p:nvPr/>
-                  </p:nvSpPr>
-                  <p:spPr>
-                    <a:xfrm>
-                      <a:off x="11812577" y="23025370"/>
-                      <a:ext cx="8774724" cy="889282"/>
-                    </a:xfrm>
-                    <a:prstGeom prst="rect">
-                      <a:avLst/>
-                    </a:prstGeom>
-                    <a:blipFill>
-                      <a:blip r:embed="rId4"/>
-                      <a:stretch>
-                        <a:fillRect t="-17123" b="-27397"/>
-                      </a:stretch>
-                    </a:blipFill>
-                  </p:spPr>
-                  <p:txBody>
-                    <a:bodyPr/>
-                    <a:lstStyle/>
-                    <a:p>
-                      <a:r>
-                        <a:rPr lang="ja-JP" altLang="en-US">
-                          <a:noFill/>
-                        </a:rPr>
-                        <a:t> </a:t>
-                      </a:r>
-                    </a:p>
-                  </p:txBody>
-                </p:sp>
-              </mc:Fallback>
-            </mc:AlternateContent>
-            <p:sp>
-              <p:nvSpPr>
-                <p:cNvPr id="52" name="正方形/長方形 51">
-                  <a:extLst>
-                    <a:ext uri="{FF2B5EF4-FFF2-40B4-BE49-F238E27FC236}">
-                      <a16:creationId xmlns:a16="http://schemas.microsoft.com/office/drawing/2014/main" id="{0CCA43D9-EDA9-C81E-0085-B864591D5FE1}"/>
-                    </a:ext>
-                  </a:extLst>
-                </p:cNvPr>
-                <p:cNvSpPr/>
-                <p:nvPr/>
-              </p:nvSpPr>
-              <p:spPr>
-                <a:xfrm>
-                  <a:off x="16296655" y="16509533"/>
-                  <a:ext cx="1600200" cy="1019908"/>
-                </a:xfrm>
-                <a:prstGeom prst="rect">
-                  <a:avLst/>
-                </a:prstGeom>
-                <a:solidFill>
-                  <a:schemeClr val="accent6">
-                    <a:lumMod val="20000"/>
-                    <a:lumOff val="80000"/>
-                  </a:schemeClr>
-                </a:solidFill>
-                <a:ln>
-                  <a:solidFill>
-                    <a:schemeClr val="tx1"/>
-                  </a:solidFill>
-                </a:ln>
-              </p:spPr>
-              <p:style>
-                <a:lnRef idx="2">
-                  <a:schemeClr val="accent6"/>
-                </a:lnRef>
-                <a:fillRef idx="1">
-                  <a:schemeClr val="lt1"/>
-                </a:fillRef>
-                <a:effectRef idx="0">
-                  <a:schemeClr val="accent6"/>
-                </a:effectRef>
-                <a:fontRef idx="minor">
-                  <a:schemeClr val="dk1"/>
-                </a:fontRef>
-              </p:style>
-              <p:txBody>
-                <a:bodyPr rtlCol="0" anchor="ctr"/>
-                <a:lstStyle/>
-                <a:p>
-                  <a:pPr algn="ctr"/>
-                  <a:r>
-                    <a:rPr kumimoji="1" lang="en-US" altLang="ja-JP" sz="4000" dirty="0" err="1">
-                      <a:solidFill>
-                        <a:schemeClr val="tx1"/>
-                      </a:solidFill>
-                    </a:rPr>
-                    <a:t>E</a:t>
-                  </a:r>
-                  <a:r>
-                    <a:rPr kumimoji="1" lang="en-US" altLang="ja-JP" sz="4000" baseline="-25000" dirty="0" err="1">
-                      <a:solidFill>
-                        <a:schemeClr val="tx1"/>
-                      </a:solidFill>
-                    </a:rPr>
-                    <a:t>Avg</a:t>
-                  </a:r>
-                  <a:endParaRPr kumimoji="1" lang="ja-JP" altLang="en-US" sz="4000" dirty="0">
-                    <a:solidFill>
-                      <a:schemeClr val="tx1"/>
-                    </a:solidFill>
-                  </a:endParaRPr>
-                </a:p>
-              </p:txBody>
-            </p:sp>
-            <p:grpSp>
-              <p:nvGrpSpPr>
-                <p:cNvPr id="53" name="グループ化 52">
-                  <a:extLst>
-                    <a:ext uri="{FF2B5EF4-FFF2-40B4-BE49-F238E27FC236}">
-                      <a16:creationId xmlns:a16="http://schemas.microsoft.com/office/drawing/2014/main" id="{A38821BF-FEB0-C22A-4493-A0D830956BC1}"/>
-                    </a:ext>
-                  </a:extLst>
-                </p:cNvPr>
-                <p:cNvGrpSpPr/>
-                <p:nvPr/>
-              </p:nvGrpSpPr>
-              <p:grpSpPr>
-                <a:xfrm>
-                  <a:off x="20780732" y="18427926"/>
-                  <a:ext cx="6981094" cy="4175840"/>
-                  <a:chOff x="2409092" y="1767760"/>
-                  <a:chExt cx="6981094" cy="4175840"/>
-                </a:xfrm>
-              </p:grpSpPr>
-              <p:sp>
-                <p:nvSpPr>
-                  <p:cNvPr id="54" name="四角形: 上の 2 つの角を切り取る 53">
-                    <a:extLst>
-                      <a:ext uri="{FF2B5EF4-FFF2-40B4-BE49-F238E27FC236}">
-                        <a16:creationId xmlns:a16="http://schemas.microsoft.com/office/drawing/2014/main" id="{F0C70D1D-9BC2-093A-68B9-2018F4E5E601}"/>
-                      </a:ext>
-                    </a:extLst>
-                  </p:cNvPr>
-                  <p:cNvSpPr/>
-                  <p:nvPr/>
-                </p:nvSpPr>
-                <p:spPr>
-                  <a:xfrm>
-                    <a:off x="2409092" y="4923692"/>
-                    <a:ext cx="1600200" cy="1019908"/>
-                  </a:xfrm>
-                  <a:prstGeom prst="snip2SameRect">
-                    <a:avLst/>
-                  </a:prstGeom>
-                  <a:solidFill>
-                    <a:schemeClr val="accent4">
-                      <a:lumMod val="40000"/>
-                      <a:lumOff val="60000"/>
-                    </a:schemeClr>
-                  </a:solidFill>
-                  <a:ln>
-                    <a:solidFill>
-                      <a:schemeClr val="bg2"/>
-                    </a:solidFill>
-                  </a:ln>
-                </p:spPr>
-                <p:style>
-                  <a:lnRef idx="2">
-                    <a:schemeClr val="accent4">
-                      <a:shade val="15000"/>
-                    </a:schemeClr>
-                  </a:lnRef>
-                  <a:fillRef idx="1">
-                    <a:schemeClr val="accent4"/>
-                  </a:fillRef>
-                  <a:effectRef idx="0">
-                    <a:schemeClr val="accent4"/>
-                  </a:effectRef>
-                  <a:fontRef idx="minor">
-                    <a:schemeClr val="lt1"/>
-                  </a:fontRef>
-                </p:style>
-                <p:txBody>
-                  <a:bodyPr rtlCol="0" anchor="ctr"/>
-                  <a:lstStyle/>
-                  <a:p>
-                    <a:pPr algn="ctr"/>
-                    <a:r>
-                      <a:rPr kumimoji="1" lang="en-US" altLang="ja-JP" sz="3600" dirty="0">
-                        <a:solidFill>
-                          <a:schemeClr val="tx1"/>
-                        </a:solidFill>
-                      </a:rPr>
-                      <a:t>[CLS]</a:t>
-                    </a:r>
-                    <a:endParaRPr kumimoji="1" lang="ja-JP" altLang="en-US" sz="3600" dirty="0">
-                      <a:solidFill>
-                        <a:schemeClr val="tx1"/>
-                      </a:solidFill>
-                    </a:endParaRPr>
-                  </a:p>
-                </p:txBody>
-              </p:sp>
-              <p:sp>
-                <p:nvSpPr>
-                  <p:cNvPr id="55" name="四角形: 上の 2 つの角を切り取る 54">
-                    <a:extLst>
-                      <a:ext uri="{FF2B5EF4-FFF2-40B4-BE49-F238E27FC236}">
-                        <a16:creationId xmlns:a16="http://schemas.microsoft.com/office/drawing/2014/main" id="{23F2FA83-D31A-D31B-6B6A-C8DAECB950DD}"/>
-                      </a:ext>
-                    </a:extLst>
-                  </p:cNvPr>
-                  <p:cNvSpPr/>
-                  <p:nvPr/>
-                </p:nvSpPr>
-                <p:spPr>
-                  <a:xfrm>
-                    <a:off x="4202723" y="4923692"/>
-                    <a:ext cx="1600200" cy="1019908"/>
-                  </a:xfrm>
-                  <a:prstGeom prst="snip2SameRect">
-                    <a:avLst/>
-                  </a:prstGeom>
-                  <a:solidFill>
-                    <a:schemeClr val="accent4">
-                      <a:lumMod val="40000"/>
-                      <a:lumOff val="60000"/>
-                    </a:schemeClr>
-                  </a:solidFill>
-                  <a:ln>
-                    <a:solidFill>
-                      <a:schemeClr val="bg2"/>
-                    </a:solidFill>
-                  </a:ln>
-                </p:spPr>
-                <p:style>
-                  <a:lnRef idx="2">
-                    <a:schemeClr val="accent4">
-                      <a:shade val="15000"/>
-                    </a:schemeClr>
-                  </a:lnRef>
-                  <a:fillRef idx="1">
-                    <a:schemeClr val="accent4"/>
-                  </a:fillRef>
-                  <a:effectRef idx="0">
-                    <a:schemeClr val="accent4"/>
-                  </a:effectRef>
-                  <a:fontRef idx="minor">
-                    <a:schemeClr val="lt1"/>
-                  </a:fontRef>
-                </p:style>
-                <p:txBody>
-                  <a:bodyPr rtlCol="0" anchor="ctr"/>
-                  <a:lstStyle/>
-                  <a:p>
-                    <a:pPr algn="ctr"/>
-                    <a:r>
-                      <a:rPr kumimoji="1" lang="en-US" altLang="ja-JP" sz="3600" dirty="0">
-                        <a:solidFill>
-                          <a:schemeClr val="tx1"/>
-                        </a:solidFill>
-                      </a:rPr>
-                      <a:t>Tok</a:t>
-                    </a:r>
-                    <a:r>
-                      <a:rPr kumimoji="1" lang="en-US" altLang="ja-JP" sz="3600" baseline="-25000" dirty="0">
-                        <a:solidFill>
-                          <a:schemeClr val="tx1"/>
-                        </a:solidFill>
-                      </a:rPr>
-                      <a:t>1</a:t>
-                    </a:r>
-                    <a:endParaRPr kumimoji="1" lang="ja-JP" altLang="en-US" sz="3600" dirty="0">
-                      <a:solidFill>
-                        <a:schemeClr val="tx1"/>
-                      </a:solidFill>
-                    </a:endParaRPr>
-                  </a:p>
-                </p:txBody>
-              </p:sp>
-              <p:sp>
-                <p:nvSpPr>
-                  <p:cNvPr id="57" name="四角形: 上の 2 つの角を切り取る 56">
-                    <a:extLst>
-                      <a:ext uri="{FF2B5EF4-FFF2-40B4-BE49-F238E27FC236}">
-                        <a16:creationId xmlns:a16="http://schemas.microsoft.com/office/drawing/2014/main" id="{DF445540-1D3B-B298-8EBE-FCA48387EE1D}"/>
-                      </a:ext>
-                    </a:extLst>
-                  </p:cNvPr>
-                  <p:cNvSpPr/>
-                  <p:nvPr/>
-                </p:nvSpPr>
-                <p:spPr>
-                  <a:xfrm>
-                    <a:off x="7789986" y="4923692"/>
-                    <a:ext cx="1600200" cy="1019908"/>
-                  </a:xfrm>
-                  <a:prstGeom prst="snip2SameRect">
-                    <a:avLst/>
-                  </a:prstGeom>
-                  <a:solidFill>
-                    <a:schemeClr val="accent4">
-                      <a:lumMod val="40000"/>
-                      <a:lumOff val="60000"/>
-                    </a:schemeClr>
-                  </a:solidFill>
-                  <a:ln>
-                    <a:solidFill>
-                      <a:schemeClr val="bg2"/>
-                    </a:solidFill>
-                  </a:ln>
-                </p:spPr>
-                <p:style>
-                  <a:lnRef idx="2">
-                    <a:schemeClr val="accent4">
-                      <a:shade val="15000"/>
-                    </a:schemeClr>
-                  </a:lnRef>
-                  <a:fillRef idx="1">
-                    <a:schemeClr val="accent4"/>
-                  </a:fillRef>
-                  <a:effectRef idx="0">
-                    <a:schemeClr val="accent4"/>
-                  </a:effectRef>
-                  <a:fontRef idx="minor">
-                    <a:schemeClr val="lt1"/>
-                  </a:fontRef>
-                </p:style>
-                <p:txBody>
-                  <a:bodyPr rtlCol="0" anchor="ctr"/>
-                  <a:lstStyle/>
-                  <a:p>
-                    <a:pPr algn="ctr"/>
-                    <a:r>
-                      <a:rPr kumimoji="1" lang="en-US" altLang="ja-JP" sz="3600" dirty="0" err="1">
-                        <a:solidFill>
-                          <a:schemeClr val="tx1"/>
-                        </a:solidFill>
-                      </a:rPr>
-                      <a:t>Tok</a:t>
-                    </a:r>
-                    <a:r>
-                      <a:rPr kumimoji="1" lang="en-US" altLang="ja-JP" sz="3600" baseline="-25000" dirty="0" err="1">
-                        <a:solidFill>
-                          <a:schemeClr val="tx1"/>
-                        </a:solidFill>
-                      </a:rPr>
-                      <a:t>N</a:t>
-                    </a:r>
-                    <a:endParaRPr kumimoji="1" lang="ja-JP" altLang="en-US" sz="3600" dirty="0">
-                      <a:solidFill>
-                        <a:schemeClr val="tx1"/>
-                      </a:solidFill>
-                    </a:endParaRPr>
-                  </a:p>
-                </p:txBody>
-              </p:sp>
-              <p:sp>
-                <p:nvSpPr>
-                  <p:cNvPr id="58" name="四角形: 上の 2 つの角を切り取る 57">
-                    <a:extLst>
-                      <a:ext uri="{FF2B5EF4-FFF2-40B4-BE49-F238E27FC236}">
-                        <a16:creationId xmlns:a16="http://schemas.microsoft.com/office/drawing/2014/main" id="{599D4B7C-6129-976D-A86E-EC2CCB130803}"/>
-                      </a:ext>
-                    </a:extLst>
-                  </p:cNvPr>
-                  <p:cNvSpPr/>
-                  <p:nvPr/>
-                </p:nvSpPr>
-                <p:spPr>
-                  <a:xfrm>
-                    <a:off x="5996354" y="4923692"/>
-                    <a:ext cx="1600200" cy="1019908"/>
-                  </a:xfrm>
-                  <a:prstGeom prst="snip2SameRect">
-                    <a:avLst/>
-                  </a:prstGeom>
-                  <a:noFill/>
-                  <a:ln>
-                    <a:noFill/>
-                  </a:ln>
-                </p:spPr>
-                <p:style>
-                  <a:lnRef idx="2">
-                    <a:schemeClr val="accent4">
-                      <a:shade val="15000"/>
-                    </a:schemeClr>
-                  </a:lnRef>
-                  <a:fillRef idx="1">
-                    <a:schemeClr val="accent4"/>
-                  </a:fillRef>
-                  <a:effectRef idx="0">
-                    <a:schemeClr val="accent4"/>
-                  </a:effectRef>
-                  <a:fontRef idx="minor">
-                    <a:schemeClr val="lt1"/>
-                  </a:fontRef>
-                </p:style>
-                <p:txBody>
-                  <a:bodyPr rtlCol="0" anchor="ctr"/>
-                  <a:lstStyle/>
-                  <a:p>
-                    <a:pPr algn="ctr"/>
-                    <a:r>
-                      <a:rPr kumimoji="1" lang="ja-JP" altLang="en-US" sz="3600" dirty="0">
-                        <a:solidFill>
-                          <a:schemeClr val="tx1"/>
-                        </a:solidFill>
-                      </a:rPr>
-                      <a:t>・・・</a:t>
-                    </a:r>
-                  </a:p>
-                </p:txBody>
-              </p:sp>
-              <p:sp>
-                <p:nvSpPr>
-                  <p:cNvPr id="59" name="正方形/長方形 58">
-                    <a:extLst>
-                      <a:ext uri="{FF2B5EF4-FFF2-40B4-BE49-F238E27FC236}">
-                        <a16:creationId xmlns:a16="http://schemas.microsoft.com/office/drawing/2014/main" id="{9526E383-795E-90D1-DD1F-6412CB0DD27A}"/>
-                      </a:ext>
-                    </a:extLst>
-                  </p:cNvPr>
-                  <p:cNvSpPr/>
-                  <p:nvPr/>
-                </p:nvSpPr>
-                <p:spPr>
-                  <a:xfrm>
-                    <a:off x="2409092" y="3094892"/>
-                    <a:ext cx="6981094" cy="1459523"/>
-                  </a:xfrm>
-                  <a:prstGeom prst="rect">
-                    <a:avLst/>
-                  </a:prstGeom>
-                  <a:solidFill>
-                    <a:schemeClr val="bg2">
-                      <a:lumMod val="40000"/>
-                      <a:lumOff val="60000"/>
-                    </a:schemeClr>
-                  </a:solidFill>
-                </p:spPr>
-                <p:style>
-                  <a:lnRef idx="2">
-                    <a:schemeClr val="accent1">
-                      <a:shade val="15000"/>
-                    </a:schemeClr>
-                  </a:lnRef>
-                  <a:fillRef idx="1">
-                    <a:schemeClr val="accent1"/>
-                  </a:fillRef>
-                  <a:effectRef idx="0">
-                    <a:schemeClr val="accent1"/>
-                  </a:effectRef>
-                  <a:fontRef idx="minor">
-                    <a:schemeClr val="lt1"/>
-                  </a:fontRef>
-                </p:style>
-                <p:txBody>
-                  <a:bodyPr rtlCol="0" anchor="ctr"/>
-                  <a:lstStyle/>
-                  <a:p>
-                    <a:pPr algn="ctr"/>
-                    <a:r>
-                      <a:rPr kumimoji="1" lang="en-US" altLang="ja-JP" sz="6600" dirty="0">
-                        <a:solidFill>
-                          <a:schemeClr val="tx1"/>
-                        </a:solidFill>
-                      </a:rPr>
-                      <a:t>BERT (2)</a:t>
-                    </a:r>
-                  </a:p>
-                </p:txBody>
-              </p:sp>
-              <p:sp>
-                <p:nvSpPr>
-                  <p:cNvPr id="60" name="矢印: 右 59">
-                    <a:extLst>
-                      <a:ext uri="{FF2B5EF4-FFF2-40B4-BE49-F238E27FC236}">
-                        <a16:creationId xmlns:a16="http://schemas.microsoft.com/office/drawing/2014/main" id="{77242BED-7336-4859-9D5B-C8D5F1CB8E4F}"/>
-                      </a:ext>
-                    </a:extLst>
-                  </p:cNvPr>
-                  <p:cNvSpPr/>
-                  <p:nvPr/>
-                </p:nvSpPr>
-                <p:spPr>
-                  <a:xfrm rot="16200000">
-                    <a:off x="2945423" y="4510453"/>
-                    <a:ext cx="527539" cy="298938"/>
+                    <a:off x="11387013" y="17052792"/>
+                    <a:ext cx="2451329" cy="298937"/>
                   </a:xfrm>
                   <a:prstGeom prst="rightArrow">
                     <a:avLst/>
@@ -18607,10 +19019,10 @@
               </p:sp>
               <p:sp>
                 <p:nvSpPr>
-                  <p:cNvPr id="61" name="矢印: 右 60">
+                  <p:cNvPr id="76" name="矢印: 右 75">
                     <a:extLst>
                       <a:ext uri="{FF2B5EF4-FFF2-40B4-BE49-F238E27FC236}">
-                        <a16:creationId xmlns:a16="http://schemas.microsoft.com/office/drawing/2014/main" id="{4260C73F-F55E-66F1-5872-54366379E9D3}"/>
+                        <a16:creationId xmlns:a16="http://schemas.microsoft.com/office/drawing/2014/main" id="{99FC19EC-A931-47F4-26FB-319B55AA0EDD}"/>
                       </a:ext>
                     </a:extLst>
                   </p:cNvPr>
@@ -18619,8 +19031,8 @@
                 </p:nvSpPr>
                 <p:spPr>
                   <a:xfrm rot="16200000">
-                    <a:off x="4739054" y="4510452"/>
-                    <a:ext cx="527539" cy="298938"/>
+                    <a:off x="20355169" y="17052793"/>
+                    <a:ext cx="2451327" cy="298938"/>
                   </a:xfrm>
                   <a:prstGeom prst="rightArrow">
                     <a:avLst/>
@@ -18653,10 +19065,10 @@
               </p:sp>
               <p:sp>
                 <p:nvSpPr>
-                  <p:cNvPr id="63" name="矢印: 右 62">
+                  <p:cNvPr id="77" name="矢印: 右 76">
                     <a:extLst>
                       <a:ext uri="{FF2B5EF4-FFF2-40B4-BE49-F238E27FC236}">
-                        <a16:creationId xmlns:a16="http://schemas.microsoft.com/office/drawing/2014/main" id="{5891A4C0-4E73-7B3F-C88F-7A010FF17B76}"/>
+                        <a16:creationId xmlns:a16="http://schemas.microsoft.com/office/drawing/2014/main" id="{FCDC00DA-E0CA-8D26-B9F7-0392176671D4}"/>
                       </a:ext>
                     </a:extLst>
                   </p:cNvPr>
@@ -18665,8 +19077,8 @@
                 </p:nvSpPr>
                 <p:spPr>
                   <a:xfrm rot="16200000">
-                    <a:off x="8326317" y="4510451"/>
-                    <a:ext cx="527539" cy="298938"/>
+                    <a:off x="16830288" y="16093597"/>
+                    <a:ext cx="532933" cy="298938"/>
                   </a:xfrm>
                   <a:prstGeom prst="rightArrow">
                     <a:avLst/>
@@ -18697,12 +19109,320 @@
                   </a:p>
                 </p:txBody>
               </p:sp>
+              <mc:AlternateContent xmlns:mc="http://schemas.openxmlformats.org/markup-compatibility/2006" xmlns:a14="http://schemas.microsoft.com/office/drawing/2010/main">
+                <mc:Choice Requires="a14">
+                  <p:sp>
+                    <p:nvSpPr>
+                      <p:cNvPr id="78" name="正方形/長方形 77">
+                        <a:extLst>
+                          <a:ext uri="{FF2B5EF4-FFF2-40B4-BE49-F238E27FC236}">
+                            <a16:creationId xmlns:a16="http://schemas.microsoft.com/office/drawing/2014/main" id="{BBC27076-0251-839E-19BA-551BB676D1E5}"/>
+                          </a:ext>
+                        </a:extLst>
+                      </p:cNvPr>
+                      <p:cNvSpPr/>
+                      <p:nvPr/>
+                    </p:nvSpPr>
+                    <p:spPr>
+                      <a:xfrm>
+                        <a:off x="11812576" y="14895210"/>
+                        <a:ext cx="10568356" cy="1019908"/>
+                      </a:xfrm>
+                      <a:prstGeom prst="rect">
+                        <a:avLst/>
+                      </a:prstGeom>
+                      <a:solidFill>
+                        <a:schemeClr val="accent5">
+                          <a:lumMod val="75000"/>
+                        </a:schemeClr>
+                      </a:solidFill>
+                    </p:spPr>
+                    <p:style>
+                      <a:lnRef idx="2">
+                        <a:schemeClr val="accent1">
+                          <a:shade val="15000"/>
+                        </a:schemeClr>
+                      </a:lnRef>
+                      <a:fillRef idx="1">
+                        <a:schemeClr val="accent1"/>
+                      </a:fillRef>
+                      <a:effectRef idx="0">
+                        <a:schemeClr val="accent1"/>
+                      </a:effectRef>
+                      <a:fontRef idx="minor">
+                        <a:schemeClr val="lt1"/>
+                      </a:fontRef>
+                    </p:style>
+                    <p:txBody>
+                      <a:bodyPr rtlCol="0" anchor="ctr"/>
+                      <a:lstStyle/>
+                      <a:p>
+                        <a:pPr algn="ctr"/>
+                        <a:r>
+                          <a:rPr lang="en-US" altLang="ja-JP" sz="4400" b="0" i="0" u="none" strike="noStrike" baseline="0" dirty="0">
+                            <a:latin typeface="+mn-ea"/>
+                          </a:rPr>
+                          <a:t>CLS-Average Pooling (CAP) with </a:t>
+                        </a:r>
+                        <a14:m>
+                          <m:oMath xmlns:m="http://schemas.openxmlformats.org/officeDocument/2006/math">
+                            <m:sSub>
+                              <m:sSubPr>
+                                <m:ctrlPr>
+                                  <a:rPr kumimoji="1" lang="en-US" altLang="ja-JP" sz="4400" b="0" i="1" smtClean="0">
+                                    <a:solidFill>
+                                      <a:schemeClr val="bg1"/>
+                                    </a:solidFill>
+                                    <a:latin typeface="Cambria Math" panose="02040503050406030204" pitchFamily="18" charset="0"/>
+                                  </a:rPr>
+                                </m:ctrlPr>
+                              </m:sSubPr>
+                              <m:e>
+                                <m:r>
+                                  <a:rPr kumimoji="1" lang="en-US" altLang="ja-JP" sz="4400" b="0" i="1" smtClean="0">
+                                    <a:solidFill>
+                                      <a:schemeClr val="bg1"/>
+                                    </a:solidFill>
+                                    <a:latin typeface="Cambria Math" panose="02040503050406030204" pitchFamily="18" charset="0"/>
+                                  </a:rPr>
+                                  <m:t>𝐸</m:t>
+                                </m:r>
+                              </m:e>
+                              <m:sub>
+                                <m:r>
+                                  <a:rPr kumimoji="1" lang="en-US" altLang="ja-JP" sz="4400" b="0" i="1" smtClean="0">
+                                    <a:solidFill>
+                                      <a:schemeClr val="bg1"/>
+                                    </a:solidFill>
+                                    <a:latin typeface="Cambria Math" panose="02040503050406030204" pitchFamily="18" charset="0"/>
+                                  </a:rPr>
+                                  <m:t>𝑠𝑢𝑚</m:t>
+                                </m:r>
+                              </m:sub>
+                            </m:sSub>
+                          </m:oMath>
+                        </a14:m>
+                        <a:r>
+                          <a:rPr lang="en-US" altLang="ja-JP" sz="4400" b="0" i="0" u="none" strike="noStrike" baseline="0" dirty="0">
+                            <a:latin typeface="+mn-ea"/>
+                          </a:rPr>
+                          <a:t> </a:t>
+                        </a:r>
+                        <a:endParaRPr kumimoji="1" lang="ja-JP" altLang="en-US" sz="7200" dirty="0">
+                          <a:latin typeface="+mn-ea"/>
+                        </a:endParaRPr>
+                      </a:p>
+                    </p:txBody>
+                  </p:sp>
+                </mc:Choice>
+                <mc:Fallback xmlns="">
+                  <p:sp>
+                    <p:nvSpPr>
+                      <p:cNvPr id="78" name="正方形/長方形 77">
+                        <a:extLst>
+                          <a:ext uri="{FF2B5EF4-FFF2-40B4-BE49-F238E27FC236}">
+                            <a16:creationId xmlns:a16="http://schemas.microsoft.com/office/drawing/2014/main" id="{BBC27076-0251-839E-19BA-551BB676D1E5}"/>
+                          </a:ext>
+                        </a:extLst>
+                      </p:cNvPr>
+                      <p:cNvSpPr>
+                        <a:spLocks noRot="1" noChangeAspect="1" noMove="1" noResize="1" noEditPoints="1" noAdjustHandles="1" noChangeArrowheads="1" noChangeShapeType="1" noTextEdit="1"/>
+                      </p:cNvSpPr>
+                      <p:nvPr/>
+                    </p:nvSpPr>
+                    <p:spPr>
+                      <a:xfrm>
+                        <a:off x="11812576" y="14895210"/>
+                        <a:ext cx="10568356" cy="1019908"/>
+                      </a:xfrm>
+                      <a:prstGeom prst="rect">
+                        <a:avLst/>
+                      </a:prstGeom>
+                      <a:blipFill>
+                        <a:blip r:embed="rId6"/>
+                        <a:stretch>
+                          <a:fillRect b="-12791"/>
+                        </a:stretch>
+                      </a:blipFill>
+                    </p:spPr>
+                    <p:txBody>
+                      <a:bodyPr/>
+                      <a:lstStyle/>
+                      <a:p>
+                        <a:r>
+                          <a:rPr lang="ja-JP" altLang="en-US">
+                            <a:noFill/>
+                          </a:rPr>
+                          <a:t> </a:t>
+                        </a:r>
+                      </a:p>
+                    </p:txBody>
+                  </p:sp>
+                </mc:Fallback>
+              </mc:AlternateContent>
+              <mc:AlternateContent xmlns:mc="http://schemas.openxmlformats.org/markup-compatibility/2006" xmlns:a14="http://schemas.microsoft.com/office/drawing/2010/main">
+                <mc:Choice Requires="a14">
+                  <p:sp>
+                    <p:nvSpPr>
+                      <p:cNvPr id="79" name="四角形: 上の 2 つの角を切り取る 78">
+                        <a:extLst>
+                          <a:ext uri="{FF2B5EF4-FFF2-40B4-BE49-F238E27FC236}">
+                            <a16:creationId xmlns:a16="http://schemas.microsoft.com/office/drawing/2014/main" id="{D1982DDF-6752-A4D2-F22F-3A12AFC4AF35}"/>
+                          </a:ext>
+                        </a:extLst>
+                      </p:cNvPr>
+                      <p:cNvSpPr/>
+                      <p:nvPr/>
+                    </p:nvSpPr>
+                    <p:spPr>
+                      <a:xfrm>
+                        <a:off x="22574362" y="18360433"/>
+                        <a:ext cx="1600200" cy="1019908"/>
+                      </a:xfrm>
+                      <a:prstGeom prst="snip2SameRect">
+                        <a:avLst/>
+                      </a:prstGeom>
+                      <a:noFill/>
+                      <a:ln>
+                        <a:noFill/>
+                      </a:ln>
+                    </p:spPr>
+                    <p:style>
+                      <a:lnRef idx="2">
+                        <a:schemeClr val="accent4">
+                          <a:shade val="15000"/>
+                        </a:schemeClr>
+                      </a:lnRef>
+                      <a:fillRef idx="1">
+                        <a:schemeClr val="accent4"/>
+                      </a:fillRef>
+                      <a:effectRef idx="0">
+                        <a:schemeClr val="accent4"/>
+                      </a:effectRef>
+                      <a:fontRef idx="minor">
+                        <a:schemeClr val="lt1"/>
+                      </a:fontRef>
+                    </p:style>
+                    <p:txBody>
+                      <a:bodyPr rtlCol="0" anchor="ctr"/>
+                      <a:lstStyle/>
+                      <a:p>
+                        <a:pPr algn="ctr"/>
+                        <a14:m>
+                          <m:oMathPara xmlns:m="http://schemas.openxmlformats.org/officeDocument/2006/math">
+                            <m:oMathParaPr>
+                              <m:jc m:val="centerGroup"/>
+                            </m:oMathParaPr>
+                            <m:oMath xmlns:m="http://schemas.openxmlformats.org/officeDocument/2006/math">
+                              <m:r>
+                                <a:rPr kumimoji="1" lang="en-US" altLang="ja-JP" sz="5400" b="0" i="1" smtClean="0">
+                                  <a:solidFill>
+                                    <a:schemeClr val="tx1"/>
+                                  </a:solidFill>
+                                  <a:latin typeface="Cambria Math" panose="02040503050406030204" pitchFamily="18" charset="0"/>
+                                </a:rPr>
+                                <m:t>=</m:t>
+                              </m:r>
+                              <m:sSub>
+                                <m:sSubPr>
+                                  <m:ctrlPr>
+                                    <a:rPr kumimoji="1" lang="en-US" altLang="ja-JP" sz="5400" b="0" i="1" smtClean="0">
+                                      <a:solidFill>
+                                        <a:schemeClr val="tx1"/>
+                                      </a:solidFill>
+                                      <a:latin typeface="Cambria Math" panose="02040503050406030204" pitchFamily="18" charset="0"/>
+                                    </a:rPr>
+                                  </m:ctrlPr>
+                                </m:sSubPr>
+                                <m:e>
+                                  <m:r>
+                                    <a:rPr kumimoji="1" lang="en-US" altLang="ja-JP" sz="5400" b="0" i="1" smtClean="0">
+                                      <a:solidFill>
+                                        <a:schemeClr val="tx1"/>
+                                      </a:solidFill>
+                                      <a:latin typeface="Cambria Math" panose="02040503050406030204" pitchFamily="18" charset="0"/>
+                                    </a:rPr>
+                                    <m:t>𝐸</m:t>
+                                  </m:r>
+                                </m:e>
+                                <m:sub>
+                                  <m:r>
+                                    <a:rPr kumimoji="1" lang="en-US" altLang="ja-JP" sz="5400" b="0" i="1" smtClean="0">
+                                      <a:solidFill>
+                                        <a:schemeClr val="tx1"/>
+                                      </a:solidFill>
+                                      <a:latin typeface="Cambria Math" panose="02040503050406030204" pitchFamily="18" charset="0"/>
+                                    </a:rPr>
+                                    <m:t>𝑠𝑢𝑚</m:t>
+                                  </m:r>
+                                </m:sub>
+                              </m:sSub>
+                            </m:oMath>
+                          </m:oMathPara>
+                        </a14:m>
+                        <a:endParaRPr kumimoji="1" lang="ja-JP" altLang="en-US" sz="5400" dirty="0">
+                          <a:solidFill>
+                            <a:schemeClr val="tx1"/>
+                          </a:solidFill>
+                        </a:endParaRPr>
+                      </a:p>
+                    </p:txBody>
+                  </p:sp>
+                </mc:Choice>
+                <mc:Fallback xmlns="">
+                  <p:sp>
+                    <p:nvSpPr>
+                      <p:cNvPr id="79" name="四角形: 上の 2 つの角を切り取る 78">
+                        <a:extLst>
+                          <a:ext uri="{FF2B5EF4-FFF2-40B4-BE49-F238E27FC236}">
+                            <a16:creationId xmlns:a16="http://schemas.microsoft.com/office/drawing/2014/main" id="{D1982DDF-6752-A4D2-F22F-3A12AFC4AF35}"/>
+                          </a:ext>
+                        </a:extLst>
+                      </p:cNvPr>
+                      <p:cNvSpPr>
+                        <a:spLocks noRot="1" noChangeAspect="1" noMove="1" noResize="1" noEditPoints="1" noAdjustHandles="1" noChangeArrowheads="1" noChangeShapeType="1" noTextEdit="1"/>
+                      </p:cNvSpPr>
+                      <p:nvPr/>
+                    </p:nvSpPr>
+                    <p:spPr>
+                      <a:xfrm>
+                        <a:off x="22574362" y="18360433"/>
+                        <a:ext cx="1600200" cy="1019908"/>
+                      </a:xfrm>
+                      <a:prstGeom prst="snip2SameRect">
+                        <a:avLst/>
+                      </a:prstGeom>
+                      <a:blipFill>
+                        <a:blip r:embed="rId7"/>
+                        <a:stretch>
+                          <a:fillRect l="-20532" r="-9125"/>
+                        </a:stretch>
+                      </a:blipFill>
+                      <a:ln>
+                        <a:noFill/>
+                      </a:ln>
+                    </p:spPr>
+                    <p:txBody>
+                      <a:bodyPr/>
+                      <a:lstStyle/>
+                      <a:p>
+                        <a:r>
+                          <a:rPr lang="ja-JP" altLang="en-US">
+                            <a:noFill/>
+                          </a:rPr>
+                          <a:t> </a:t>
+                        </a:r>
+                      </a:p>
+                    </p:txBody>
+                  </p:sp>
+                </mc:Fallback>
+              </mc:AlternateContent>
               <p:sp>
                 <p:nvSpPr>
-                  <p:cNvPr id="64" name="矢印: 右 63">
+                  <p:cNvPr id="80" name="矢印: 右 79">
                     <a:extLst>
                       <a:ext uri="{FF2B5EF4-FFF2-40B4-BE49-F238E27FC236}">
-                        <a16:creationId xmlns:a16="http://schemas.microsoft.com/office/drawing/2014/main" id="{370080DF-DED9-A723-264E-F2AD9F8ED171}"/>
+                        <a16:creationId xmlns:a16="http://schemas.microsoft.com/office/drawing/2014/main" id="{809C45F8-FE37-9B3D-709C-C1EB636F4234}"/>
                       </a:ext>
                     </a:extLst>
                   </p:cNvPr>
@@ -18711,8 +19431,8 @@
                 </p:nvSpPr>
                 <p:spPr>
                   <a:xfrm rot="16200000">
-                    <a:off x="2945423" y="2945422"/>
-                    <a:ext cx="527539" cy="298938"/>
+                    <a:off x="16830289" y="14479274"/>
+                    <a:ext cx="532933" cy="298938"/>
                   </a:xfrm>
                   <a:prstGeom prst="rightArrow">
                     <a:avLst/>
@@ -18743,234 +19463,13 @@
                   </a:p>
                 </p:txBody>
               </p:sp>
-              <p:sp>
-                <p:nvSpPr>
-                  <p:cNvPr id="68" name="正方形/長方形 67">
-                    <a:extLst>
-                      <a:ext uri="{FF2B5EF4-FFF2-40B4-BE49-F238E27FC236}">
-                        <a16:creationId xmlns:a16="http://schemas.microsoft.com/office/drawing/2014/main" id="{5E11962B-CA7A-8548-7217-74BE22B34912}"/>
-                      </a:ext>
-                    </a:extLst>
-                  </p:cNvPr>
-                  <p:cNvSpPr/>
-                  <p:nvPr/>
-                </p:nvSpPr>
-                <p:spPr>
-                  <a:xfrm>
-                    <a:off x="2409092" y="1767760"/>
-                    <a:ext cx="1600200" cy="1019908"/>
-                  </a:xfrm>
-                  <a:prstGeom prst="rect">
-                    <a:avLst/>
-                  </a:prstGeom>
-                  <a:solidFill>
-                    <a:schemeClr val="accent6">
-                      <a:lumMod val="60000"/>
-                      <a:lumOff val="40000"/>
-                    </a:schemeClr>
-                  </a:solidFill>
-                  <a:ln>
-                    <a:solidFill>
-                      <a:schemeClr val="tx1"/>
-                    </a:solidFill>
-                  </a:ln>
-                </p:spPr>
-                <p:style>
-                  <a:lnRef idx="2">
-                    <a:schemeClr val="accent6"/>
-                  </a:lnRef>
-                  <a:fillRef idx="1">
-                    <a:schemeClr val="lt1"/>
-                  </a:fillRef>
-                  <a:effectRef idx="0">
-                    <a:schemeClr val="accent6"/>
-                  </a:effectRef>
-                  <a:fontRef idx="minor">
-                    <a:schemeClr val="dk1"/>
-                  </a:fontRef>
-                </p:style>
-                <p:txBody>
-                  <a:bodyPr rtlCol="0" anchor="ctr"/>
-                  <a:lstStyle/>
-                  <a:p>
-                    <a:pPr algn="ctr"/>
-                    <a:r>
-                      <a:rPr kumimoji="1" lang="en-US" altLang="ja-JP" sz="4000" dirty="0">
-                        <a:solidFill>
-                          <a:schemeClr val="tx1"/>
-                        </a:solidFill>
-                      </a:rPr>
-                      <a:t>E</a:t>
-                    </a:r>
-                    <a:r>
-                      <a:rPr kumimoji="1" lang="en-US" altLang="ja-JP" sz="4000" baseline="-25000" dirty="0">
-                        <a:solidFill>
-                          <a:schemeClr val="tx1"/>
-                        </a:solidFill>
-                      </a:rPr>
-                      <a:t>[CLS]</a:t>
-                    </a:r>
-                    <a:endParaRPr kumimoji="1" lang="ja-JP" altLang="en-US" sz="4000" dirty="0">
-                      <a:solidFill>
-                        <a:schemeClr val="tx1"/>
-                      </a:solidFill>
-                    </a:endParaRPr>
-                  </a:p>
-                </p:txBody>
-              </p:sp>
             </p:grpSp>
-            <mc:AlternateContent xmlns:mc="http://schemas.openxmlformats.org/markup-compatibility/2006">
-              <mc:Choice xmlns:a14="http://schemas.microsoft.com/office/drawing/2010/main" Requires="a14">
-                <p:sp>
-                  <p:nvSpPr>
-                    <p:cNvPr id="74" name="テキスト ボックス 73">
-                      <a:extLst>
-                        <a:ext uri="{FF2B5EF4-FFF2-40B4-BE49-F238E27FC236}">
-                          <a16:creationId xmlns:a16="http://schemas.microsoft.com/office/drawing/2014/main" id="{06E47995-6AB6-2441-9CA9-3A546E3D6F3D}"/>
-                        </a:ext>
-                      </a:extLst>
-                    </p:cNvPr>
-                    <p:cNvSpPr txBox="1"/>
-                    <p:nvPr/>
-                  </p:nvSpPr>
-                  <p:spPr>
-                    <a:xfrm>
-                      <a:off x="21042302" y="23025370"/>
-                      <a:ext cx="6651383" cy="889282"/>
-                    </a:xfrm>
-                    <a:prstGeom prst="rect">
-                      <a:avLst/>
-                    </a:prstGeom>
-                    <a:noFill/>
-                  </p:spPr>
-                  <p:txBody>
-                    <a:bodyPr wrap="square" rtlCol="0">
-                      <a:spAutoFit/>
-                    </a:bodyPr>
-                    <a:lstStyle/>
-                    <a:p>
-                      <a:pPr algn="ctr"/>
-                      <a:r>
-                        <a:rPr kumimoji="1" lang="en-US" altLang="ja-JP" sz="4800" b="0" u="sng" dirty="0"/>
-                        <a:t>Input:</a:t>
-                      </a:r>
-                      <a:r>
-                        <a:rPr kumimoji="1" lang="en-US" altLang="ja-JP" sz="4800" b="0" dirty="0"/>
-                        <a:t> </a:t>
-                      </a:r>
-                      <a14:m>
-                        <m:oMath xmlns:m="http://schemas.openxmlformats.org/officeDocument/2006/math">
-                          <m:d>
-                            <m:dPr>
-                              <m:begChr m:val="["/>
-                              <m:endChr m:val="]"/>
-                              <m:ctrlPr>
-                                <a:rPr kumimoji="1" lang="en-US" altLang="ja-JP" sz="4800" b="0" smtClean="0">
-                                  <a:latin typeface="Cambria Math" panose="02040503050406030204" pitchFamily="18" charset="0"/>
-                                </a:rPr>
-                              </m:ctrlPr>
-                            </m:dPr>
-                            <m:e>
-                              <m:r>
-                                <m:rPr>
-                                  <m:sty m:val="p"/>
-                                </m:rPr>
-                                <a:rPr kumimoji="1" lang="en-US" altLang="ja-JP" sz="4800" b="0" i="0" smtClean="0">
-                                  <a:latin typeface="Cambria Math" panose="02040503050406030204" pitchFamily="18" charset="0"/>
-                                </a:rPr>
-                                <m:t>CLS</m:t>
-                              </m:r>
-                            </m:e>
-                          </m:d>
-                          <m:r>
-                            <a:rPr kumimoji="1" lang="en-US" altLang="ja-JP" sz="4800" b="0" i="0" smtClean="0">
-                              <a:latin typeface="Cambria Math" panose="02040503050406030204" pitchFamily="18" charset="0"/>
-                            </a:rPr>
-                            <m:t> </m:t>
-                          </m:r>
-                          <m:sSub>
-                            <m:sSubPr>
-                              <m:ctrlPr>
-                                <a:rPr kumimoji="1" lang="en-US" altLang="ja-JP" sz="4800" b="0" i="1" smtClean="0">
-                                  <a:latin typeface="Cambria Math" panose="02040503050406030204" pitchFamily="18" charset="0"/>
-                                </a:rPr>
-                              </m:ctrlPr>
-                            </m:sSubPr>
-                            <m:e>
-                              <m:r>
-                                <a:rPr kumimoji="1" lang="en-US" altLang="ja-JP" sz="4800" b="0" i="1" smtClean="0">
-                                  <a:latin typeface="Cambria Math" panose="02040503050406030204" pitchFamily="18" charset="0"/>
-                                </a:rPr>
-                                <m:t>𝐷</m:t>
-                              </m:r>
-                            </m:e>
-                            <m:sub>
-                              <m:r>
-                                <a:rPr kumimoji="1" lang="en-US" altLang="ja-JP" sz="4800" b="0" i="1" smtClean="0">
-                                  <a:latin typeface="Cambria Math" panose="02040503050406030204" pitchFamily="18" charset="0"/>
-                                </a:rPr>
-                                <m:t>𝑠𝑢𝑚𝑚𝑎𝑟𝑦</m:t>
-                              </m:r>
-                            </m:sub>
-                          </m:sSub>
-                        </m:oMath>
-                      </a14:m>
-                      <a:endParaRPr kumimoji="1" lang="ja-JP" altLang="en-US" sz="4800" dirty="0"/>
-                    </a:p>
-                  </p:txBody>
-                </p:sp>
-              </mc:Choice>
-              <mc:Fallback>
-                <p:sp>
-                  <p:nvSpPr>
-                    <p:cNvPr id="74" name="テキスト ボックス 73">
-                      <a:extLst>
-                        <a:ext uri="{FF2B5EF4-FFF2-40B4-BE49-F238E27FC236}">
-                          <a16:creationId xmlns:a16="http://schemas.microsoft.com/office/drawing/2014/main" id="{06E47995-6AB6-2441-9CA9-3A546E3D6F3D}"/>
-                        </a:ext>
-                      </a:extLst>
-                    </p:cNvPr>
-                    <p:cNvSpPr txBox="1">
-                      <a:spLocks noRot="1" noChangeAspect="1" noMove="1" noResize="1" noEditPoints="1" noAdjustHandles="1" noChangeArrowheads="1" noChangeShapeType="1" noTextEdit="1"/>
-                    </p:cNvSpPr>
-                    <p:nvPr/>
-                  </p:nvSpPr>
-                  <p:spPr>
-                    <a:xfrm>
-                      <a:off x="21042302" y="23025370"/>
-                      <a:ext cx="6651383" cy="889282"/>
-                    </a:xfrm>
-                    <a:prstGeom prst="rect">
-                      <a:avLst/>
-                    </a:prstGeom>
-                    <a:blipFill>
-                      <a:blip r:embed="rId5"/>
-                      <a:stretch>
-                        <a:fillRect t="-17123" b="-27397"/>
-                      </a:stretch>
-                    </a:blipFill>
-                  </p:spPr>
-                  <p:txBody>
-                    <a:bodyPr/>
-                    <a:lstStyle/>
-                    <a:p>
-                      <a:r>
-                        <a:rPr lang="ja-JP" altLang="en-US">
-                          <a:noFill/>
-                        </a:rPr>
-                        <a:t> </a:t>
-                      </a:r>
-                    </a:p>
-                  </p:txBody>
-                </p:sp>
-              </mc:Fallback>
-            </mc:AlternateContent>
             <p:sp>
               <p:nvSpPr>
-                <p:cNvPr id="75" name="矢印: 右 74">
+                <p:cNvPr id="24" name="正方形/長方形 23">
                   <a:extLst>
                     <a:ext uri="{FF2B5EF4-FFF2-40B4-BE49-F238E27FC236}">
-                      <a16:creationId xmlns:a16="http://schemas.microsoft.com/office/drawing/2014/main" id="{86B37596-0127-720D-C905-BF35E225A6BA}"/>
+                      <a16:creationId xmlns:a16="http://schemas.microsoft.com/office/drawing/2014/main" id="{F058F5FE-FB4E-8A6C-1DE9-D97515A5574B}"/>
                     </a:ext>
                   </a:extLst>
                 </p:cNvPr>
@@ -18978,25 +19477,32 @@
                 <p:nvPr/>
               </p:nvSpPr>
               <p:spPr>
-                <a:xfrm rot="16200000">
-                  <a:off x="11387013" y="17052792"/>
-                  <a:ext cx="2451329" cy="298937"/>
+                <a:xfrm>
+                  <a:off x="20670775" y="16509530"/>
+                  <a:ext cx="7370825" cy="7866303"/>
                 </a:xfrm>
-                <a:prstGeom prst="rightArrow">
+                <a:prstGeom prst="rect">
                   <a:avLst/>
                 </a:prstGeom>
+                <a:noFill/>
+                <a:ln w="57150">
+                  <a:solidFill>
+                    <a:srgbClr val="FF0000"/>
+                  </a:solidFill>
+                  <a:prstDash val="lgDash"/>
+                </a:ln>
               </p:spPr>
               <p:style>
                 <a:lnRef idx="2">
-                  <a:schemeClr val="accent2">
+                  <a:schemeClr val="accent1">
                     <a:shade val="15000"/>
                   </a:schemeClr>
                 </a:lnRef>
                 <a:fillRef idx="1">
-                  <a:schemeClr val="accent2"/>
+                  <a:schemeClr val="accent1"/>
                 </a:fillRef>
                 <a:effectRef idx="0">
-                  <a:schemeClr val="accent2"/>
+                  <a:schemeClr val="accent1"/>
                 </a:effectRef>
                 <a:fontRef idx="minor">
                   <a:schemeClr val="lt1"/>
@@ -19013,510 +19519,254 @@
             </p:sp>
             <p:sp>
               <p:nvSpPr>
-                <p:cNvPr id="76" name="矢印: 右 75">
+                <p:cNvPr id="50" name="テキスト ボックス 49">
                   <a:extLst>
                     <a:ext uri="{FF2B5EF4-FFF2-40B4-BE49-F238E27FC236}">
-                      <a16:creationId xmlns:a16="http://schemas.microsoft.com/office/drawing/2014/main" id="{99FC19EC-A931-47F4-26FB-319B55AA0EDD}"/>
+                      <a16:creationId xmlns:a16="http://schemas.microsoft.com/office/drawing/2014/main" id="{D2A6EC5D-33D3-C1A5-8D73-1E23DD96CA8D}"/>
                     </a:ext>
                   </a:extLst>
                 </p:cNvPr>
-                <p:cNvSpPr/>
+                <p:cNvSpPr txBox="1"/>
                 <p:nvPr/>
               </p:nvSpPr>
               <p:spPr>
-                <a:xfrm rot="16200000">
-                  <a:off x="20355169" y="17052793"/>
-                  <a:ext cx="2451327" cy="298938"/>
+                <a:xfrm>
+                  <a:off x="24618462" y="15608203"/>
+                  <a:ext cx="3423138" cy="769441"/>
                 </a:xfrm>
-                <a:prstGeom prst="rightArrow">
+                <a:prstGeom prst="rect">
                   <a:avLst/>
                 </a:prstGeom>
+                <a:noFill/>
               </p:spPr>
-              <p:style>
-                <a:lnRef idx="2">
-                  <a:schemeClr val="accent2">
-                    <a:shade val="15000"/>
-                  </a:schemeClr>
-                </a:lnRef>
-                <a:fillRef idx="1">
-                  <a:schemeClr val="accent2"/>
-                </a:fillRef>
-                <a:effectRef idx="0">
-                  <a:schemeClr val="accent2"/>
-                </a:effectRef>
-                <a:fontRef idx="minor">
-                  <a:schemeClr val="lt1"/>
-                </a:fontRef>
-              </p:style>
               <p:txBody>
-                <a:bodyPr rtlCol="0" anchor="ctr"/>
+                <a:bodyPr wrap="square" rtlCol="0">
+                  <a:spAutoFit/>
+                </a:bodyPr>
                 <a:lstStyle/>
                 <a:p>
                   <a:pPr algn="ctr"/>
-                  <a:endParaRPr kumimoji="1" lang="ja-JP" altLang="en-US"/>
-                </a:p>
-              </p:txBody>
-            </p:sp>
-            <p:sp>
-              <p:nvSpPr>
-                <p:cNvPr id="77" name="矢印: 右 76">
-                  <a:extLst>
-                    <a:ext uri="{FF2B5EF4-FFF2-40B4-BE49-F238E27FC236}">
-                      <a16:creationId xmlns:a16="http://schemas.microsoft.com/office/drawing/2014/main" id="{FCDC00DA-E0CA-8D26-B9F7-0392176671D4}"/>
-                    </a:ext>
-                  </a:extLst>
-                </p:cNvPr>
-                <p:cNvSpPr/>
-                <p:nvPr/>
-              </p:nvSpPr>
-              <p:spPr>
-                <a:xfrm rot="16200000">
-                  <a:off x="16830288" y="16093597"/>
-                  <a:ext cx="532933" cy="298938"/>
-                </a:xfrm>
-                <a:prstGeom prst="rightArrow">
-                  <a:avLst/>
-                </a:prstGeom>
-              </p:spPr>
-              <p:style>
-                <a:lnRef idx="2">
-                  <a:schemeClr val="accent2">
-                    <a:shade val="15000"/>
-                  </a:schemeClr>
-                </a:lnRef>
-                <a:fillRef idx="1">
-                  <a:schemeClr val="accent2"/>
-                </a:fillRef>
-                <a:effectRef idx="0">
-                  <a:schemeClr val="accent2"/>
-                </a:effectRef>
-                <a:fontRef idx="minor">
-                  <a:schemeClr val="lt1"/>
-                </a:fontRef>
-              </p:style>
-              <p:txBody>
-                <a:bodyPr rtlCol="0" anchor="ctr"/>
-                <a:lstStyle/>
-                <a:p>
-                  <a:pPr algn="ctr"/>
-                  <a:endParaRPr kumimoji="1" lang="ja-JP" altLang="en-US"/>
-                </a:p>
-              </p:txBody>
-            </p:sp>
-            <mc:AlternateContent xmlns:mc="http://schemas.openxmlformats.org/markup-compatibility/2006">
-              <mc:Choice xmlns:a14="http://schemas.microsoft.com/office/drawing/2010/main" Requires="a14">
-                <p:sp>
-                  <p:nvSpPr>
-                    <p:cNvPr id="78" name="正方形/長方形 77">
-                      <a:extLst>
-                        <a:ext uri="{FF2B5EF4-FFF2-40B4-BE49-F238E27FC236}">
-                          <a16:creationId xmlns:a16="http://schemas.microsoft.com/office/drawing/2014/main" id="{BBC27076-0251-839E-19BA-551BB676D1E5}"/>
-                        </a:ext>
-                      </a:extLst>
-                    </p:cNvPr>
-                    <p:cNvSpPr/>
-                    <p:nvPr/>
-                  </p:nvSpPr>
-                  <p:spPr>
-                    <a:xfrm>
-                      <a:off x="11812576" y="14895210"/>
-                      <a:ext cx="10568356" cy="1019908"/>
-                    </a:xfrm>
-                    <a:prstGeom prst="rect">
-                      <a:avLst/>
-                    </a:prstGeom>
-                    <a:solidFill>
-                      <a:schemeClr val="accent5">
-                        <a:lumMod val="75000"/>
-                      </a:schemeClr>
-                    </a:solidFill>
-                  </p:spPr>
-                  <p:style>
-                    <a:lnRef idx="2">
-                      <a:schemeClr val="accent1">
-                        <a:shade val="15000"/>
-                      </a:schemeClr>
-                    </a:lnRef>
-                    <a:fillRef idx="1">
-                      <a:schemeClr val="accent1"/>
-                    </a:fillRef>
-                    <a:effectRef idx="0">
-                      <a:schemeClr val="accent1"/>
-                    </a:effectRef>
-                    <a:fontRef idx="minor">
-                      <a:schemeClr val="lt1"/>
-                    </a:fontRef>
-                  </p:style>
-                  <p:txBody>
-                    <a:bodyPr rtlCol="0" anchor="ctr"/>
-                    <a:lstStyle/>
-                    <a:p>
-                      <a:pPr algn="ctr"/>
-                      <a:r>
-                        <a:rPr lang="en-US" altLang="ja-JP" sz="4400" b="0" i="0" u="none" strike="noStrike" baseline="0" dirty="0">
-                          <a:latin typeface="+mn-ea"/>
-                        </a:rPr>
-                        <a:t>CLS-Average Pooling (CAP) with </a:t>
-                      </a:r>
-                      <a14:m>
-                        <m:oMath xmlns:m="http://schemas.openxmlformats.org/officeDocument/2006/math">
-                          <m:sSub>
-                            <m:sSubPr>
-                              <m:ctrlPr>
-                                <a:rPr kumimoji="1" lang="en-US" altLang="ja-JP" sz="4400" b="0" i="1" smtClean="0">
-                                  <a:solidFill>
-                                    <a:schemeClr val="bg1"/>
-                                  </a:solidFill>
-                                  <a:latin typeface="Cambria Math" panose="02040503050406030204" pitchFamily="18" charset="0"/>
-                                </a:rPr>
-                              </m:ctrlPr>
-                            </m:sSubPr>
-                            <m:e>
-                              <m:r>
-                                <a:rPr kumimoji="1" lang="en-US" altLang="ja-JP" sz="4400" b="0" i="1" smtClean="0">
-                                  <a:solidFill>
-                                    <a:schemeClr val="bg1"/>
-                                  </a:solidFill>
-                                  <a:latin typeface="Cambria Math" panose="02040503050406030204" pitchFamily="18" charset="0"/>
-                                </a:rPr>
-                                <m:t>𝐸</m:t>
-                              </m:r>
-                            </m:e>
-                            <m:sub>
-                              <m:r>
-                                <a:rPr kumimoji="1" lang="en-US" altLang="ja-JP" sz="4400" b="0" i="1" smtClean="0">
-                                  <a:solidFill>
-                                    <a:schemeClr val="bg1"/>
-                                  </a:solidFill>
-                                  <a:latin typeface="Cambria Math" panose="02040503050406030204" pitchFamily="18" charset="0"/>
-                                </a:rPr>
-                                <m:t>𝑠𝑢𝑚</m:t>
-                              </m:r>
-                            </m:sub>
-                          </m:sSub>
-                        </m:oMath>
-                      </a14:m>
-                      <a:r>
-                        <a:rPr lang="en-US" altLang="ja-JP" sz="4400" b="0" i="0" u="none" strike="noStrike" baseline="0" dirty="0">
-                          <a:latin typeface="+mn-ea"/>
-                        </a:rPr>
-                        <a:t> </a:t>
-                      </a:r>
-                      <a:endParaRPr kumimoji="1" lang="ja-JP" altLang="en-US" sz="7200" dirty="0">
-                        <a:latin typeface="+mn-ea"/>
-                      </a:endParaRPr>
-                    </a:p>
-                  </p:txBody>
-                </p:sp>
-              </mc:Choice>
-              <mc:Fallback>
-                <p:sp>
-                  <p:nvSpPr>
-                    <p:cNvPr id="78" name="正方形/長方形 77">
-                      <a:extLst>
-                        <a:ext uri="{FF2B5EF4-FFF2-40B4-BE49-F238E27FC236}">
-                          <a16:creationId xmlns:a16="http://schemas.microsoft.com/office/drawing/2014/main" id="{BBC27076-0251-839E-19BA-551BB676D1E5}"/>
-                        </a:ext>
-                      </a:extLst>
-                    </p:cNvPr>
-                    <p:cNvSpPr>
-                      <a:spLocks noRot="1" noChangeAspect="1" noMove="1" noResize="1" noEditPoints="1" noAdjustHandles="1" noChangeArrowheads="1" noChangeShapeType="1" noTextEdit="1"/>
-                    </p:cNvSpPr>
-                    <p:nvPr/>
-                  </p:nvSpPr>
-                  <p:spPr>
-                    <a:xfrm>
-                      <a:off x="11812576" y="14895210"/>
-                      <a:ext cx="10568356" cy="1019908"/>
-                    </a:xfrm>
-                    <a:prstGeom prst="rect">
-                      <a:avLst/>
-                    </a:prstGeom>
-                    <a:blipFill>
-                      <a:blip r:embed="rId6"/>
-                      <a:stretch>
-                        <a:fillRect b="-12791"/>
-                      </a:stretch>
-                    </a:blipFill>
-                  </p:spPr>
-                  <p:txBody>
-                    <a:bodyPr/>
-                    <a:lstStyle/>
-                    <a:p>
-                      <a:r>
-                        <a:rPr lang="ja-JP" altLang="en-US">
-                          <a:noFill/>
-                        </a:rPr>
-                        <a:t> </a:t>
-                      </a:r>
-                    </a:p>
-                  </p:txBody>
-                </p:sp>
-              </mc:Fallback>
-            </mc:AlternateContent>
-            <mc:AlternateContent xmlns:mc="http://schemas.openxmlformats.org/markup-compatibility/2006" xmlns:a14="http://schemas.microsoft.com/office/drawing/2010/main">
-              <mc:Choice Requires="a14">
-                <p:sp>
-                  <p:nvSpPr>
-                    <p:cNvPr id="79" name="四角形: 上の 2 つの角を切り取る 78">
-                      <a:extLst>
-                        <a:ext uri="{FF2B5EF4-FFF2-40B4-BE49-F238E27FC236}">
-                          <a16:creationId xmlns:a16="http://schemas.microsoft.com/office/drawing/2014/main" id="{D1982DDF-6752-A4D2-F22F-3A12AFC4AF35}"/>
-                        </a:ext>
-                      </a:extLst>
-                    </p:cNvPr>
-                    <p:cNvSpPr/>
-                    <p:nvPr/>
-                  </p:nvSpPr>
-                  <p:spPr>
-                    <a:xfrm>
-                      <a:off x="22574362" y="18360433"/>
-                      <a:ext cx="1600200" cy="1019908"/>
-                    </a:xfrm>
-                    <a:prstGeom prst="snip2SameRect">
-                      <a:avLst/>
-                    </a:prstGeom>
-                    <a:noFill/>
-                    <a:ln>
-                      <a:noFill/>
-                    </a:ln>
-                  </p:spPr>
-                  <p:style>
-                    <a:lnRef idx="2">
-                      <a:schemeClr val="accent4">
-                        <a:shade val="15000"/>
-                      </a:schemeClr>
-                    </a:lnRef>
-                    <a:fillRef idx="1">
-                      <a:schemeClr val="accent4"/>
-                    </a:fillRef>
-                    <a:effectRef idx="0">
-                      <a:schemeClr val="accent4"/>
-                    </a:effectRef>
-                    <a:fontRef idx="minor">
-                      <a:schemeClr val="lt1"/>
-                    </a:fontRef>
-                  </p:style>
-                  <p:txBody>
-                    <a:bodyPr rtlCol="0" anchor="ctr"/>
-                    <a:lstStyle/>
-                    <a:p>
-                      <a:pPr algn="ctr"/>
-                      <a14:m>
-                        <m:oMathPara xmlns:m="http://schemas.openxmlformats.org/officeDocument/2006/math">
-                          <m:oMathParaPr>
-                            <m:jc m:val="centerGroup"/>
-                          </m:oMathParaPr>
-                          <m:oMath xmlns:m="http://schemas.openxmlformats.org/officeDocument/2006/math">
-                            <m:r>
-                              <a:rPr kumimoji="1" lang="en-US" altLang="ja-JP" sz="5400" b="0" i="1" smtClean="0">
-                                <a:solidFill>
-                                  <a:schemeClr val="tx1"/>
-                                </a:solidFill>
-                                <a:latin typeface="Cambria Math" panose="02040503050406030204" pitchFamily="18" charset="0"/>
-                              </a:rPr>
-                              <m:t>=</m:t>
-                            </m:r>
-                            <m:sSub>
-                              <m:sSubPr>
-                                <m:ctrlPr>
-                                  <a:rPr kumimoji="1" lang="en-US" altLang="ja-JP" sz="5400" b="0" i="1" smtClean="0">
-                                    <a:solidFill>
-                                      <a:schemeClr val="tx1"/>
-                                    </a:solidFill>
-                                    <a:latin typeface="Cambria Math" panose="02040503050406030204" pitchFamily="18" charset="0"/>
-                                  </a:rPr>
-                                </m:ctrlPr>
-                              </m:sSubPr>
-                              <m:e>
-                                <m:r>
-                                  <a:rPr kumimoji="1" lang="en-US" altLang="ja-JP" sz="5400" b="0" i="1" smtClean="0">
-                                    <a:solidFill>
-                                      <a:schemeClr val="tx1"/>
-                                    </a:solidFill>
-                                    <a:latin typeface="Cambria Math" panose="02040503050406030204" pitchFamily="18" charset="0"/>
-                                  </a:rPr>
-                                  <m:t>𝐸</m:t>
-                                </m:r>
-                              </m:e>
-                              <m:sub>
-                                <m:r>
-                                  <a:rPr kumimoji="1" lang="en-US" altLang="ja-JP" sz="5400" b="0" i="1" smtClean="0">
-                                    <a:solidFill>
-                                      <a:schemeClr val="tx1"/>
-                                    </a:solidFill>
-                                    <a:latin typeface="Cambria Math" panose="02040503050406030204" pitchFamily="18" charset="0"/>
-                                  </a:rPr>
-                                  <m:t>𝑠𝑢𝑚</m:t>
-                                </m:r>
-                              </m:sub>
-                            </m:sSub>
-                          </m:oMath>
-                        </m:oMathPara>
-                      </a14:m>
-                      <a:endParaRPr kumimoji="1" lang="ja-JP" altLang="en-US" sz="5400" dirty="0">
-                        <a:solidFill>
-                          <a:schemeClr val="tx1"/>
-                        </a:solidFill>
-                      </a:endParaRPr>
-                    </a:p>
-                  </p:txBody>
-                </p:sp>
-              </mc:Choice>
-              <mc:Fallback xmlns="">
-                <p:sp>
-                  <p:nvSpPr>
-                    <p:cNvPr id="79" name="四角形: 上の 2 つの角を切り取る 78">
-                      <a:extLst>
-                        <a:ext uri="{FF2B5EF4-FFF2-40B4-BE49-F238E27FC236}">
-                          <a16:creationId xmlns:a16="http://schemas.microsoft.com/office/drawing/2014/main" id="{D1982DDF-6752-A4D2-F22F-3A12AFC4AF35}"/>
-                        </a:ext>
-                      </a:extLst>
-                    </p:cNvPr>
-                    <p:cNvSpPr>
-                      <a:spLocks noRot="1" noChangeAspect="1" noMove="1" noResize="1" noEditPoints="1" noAdjustHandles="1" noChangeArrowheads="1" noChangeShapeType="1" noTextEdit="1"/>
-                    </p:cNvSpPr>
-                    <p:nvPr/>
-                  </p:nvSpPr>
-                  <p:spPr>
-                    <a:xfrm>
-                      <a:off x="22574362" y="18360433"/>
-                      <a:ext cx="1600200" cy="1019908"/>
-                    </a:xfrm>
-                    <a:prstGeom prst="snip2SameRect">
-                      <a:avLst/>
-                    </a:prstGeom>
-                    <a:blipFill>
-                      <a:blip r:embed="rId7"/>
-                      <a:stretch>
-                        <a:fillRect l="-20532" r="-9125"/>
-                      </a:stretch>
-                    </a:blipFill>
-                    <a:ln>
-                      <a:noFill/>
-                    </a:ln>
-                  </p:spPr>
-                  <p:txBody>
-                    <a:bodyPr/>
-                    <a:lstStyle/>
-                    <a:p>
-                      <a:r>
-                        <a:rPr lang="ja-JP" altLang="en-US">
-                          <a:noFill/>
-                        </a:rPr>
-                        <a:t> </a:t>
-                      </a:r>
-                    </a:p>
-                  </p:txBody>
-                </p:sp>
-              </mc:Fallback>
-            </mc:AlternateContent>
-            <p:sp>
-              <p:nvSpPr>
-                <p:cNvPr id="80" name="矢印: 右 79">
-                  <a:extLst>
-                    <a:ext uri="{FF2B5EF4-FFF2-40B4-BE49-F238E27FC236}">
-                      <a16:creationId xmlns:a16="http://schemas.microsoft.com/office/drawing/2014/main" id="{809C45F8-FE37-9B3D-709C-C1EB636F4234}"/>
-                    </a:ext>
-                  </a:extLst>
-                </p:cNvPr>
-                <p:cNvSpPr/>
-                <p:nvPr/>
-              </p:nvSpPr>
-              <p:spPr>
-                <a:xfrm rot="16200000">
-                  <a:off x="16830289" y="14479274"/>
-                  <a:ext cx="532933" cy="298938"/>
-                </a:xfrm>
-                <a:prstGeom prst="rightArrow">
-                  <a:avLst/>
-                </a:prstGeom>
-              </p:spPr>
-              <p:style>
-                <a:lnRef idx="2">
-                  <a:schemeClr val="accent2">
-                    <a:shade val="15000"/>
-                  </a:schemeClr>
-                </a:lnRef>
-                <a:fillRef idx="1">
-                  <a:schemeClr val="accent2"/>
-                </a:fillRef>
-                <a:effectRef idx="0">
-                  <a:schemeClr val="accent2"/>
-                </a:effectRef>
-                <a:fontRef idx="minor">
-                  <a:schemeClr val="lt1"/>
-                </a:fontRef>
-              </p:style>
-              <p:txBody>
-                <a:bodyPr rtlCol="0" anchor="ctr"/>
-                <a:lstStyle/>
-                <a:p>
-                  <a:pPr algn="ctr"/>
-                  <a:endParaRPr kumimoji="1" lang="ja-JP" altLang="en-US"/>
+                  <a:r>
+                    <a:rPr kumimoji="1" lang="ja-JP" altLang="en-US" sz="4400" dirty="0">
+                      <a:latin typeface="+mn-ea"/>
+                      <a:ea typeface="+mn-ea"/>
+                    </a:rPr>
+                    <a:t>提案部分</a:t>
+                  </a:r>
                 </a:p>
               </p:txBody>
             </p:sp>
           </p:grpSp>
-          <p:sp>
-            <p:nvSpPr>
-              <p:cNvPr id="24" name="正方形/長方形 23">
+          <p:cxnSp>
+            <p:nvCxnSpPr>
+              <p:cNvPr id="62" name="直線コネクタ 61">
                 <a:extLst>
                   <a:ext uri="{FF2B5EF4-FFF2-40B4-BE49-F238E27FC236}">
-                    <a16:creationId xmlns:a16="http://schemas.microsoft.com/office/drawing/2014/main" id="{F058F5FE-FB4E-8A6C-1DE9-D97515A5574B}"/>
+                    <a16:creationId xmlns:a16="http://schemas.microsoft.com/office/drawing/2014/main" id="{3639B89F-7409-FB78-8206-3539CC250268}"/>
                   </a:ext>
                 </a:extLst>
               </p:cNvPr>
-              <p:cNvSpPr/>
+              <p:cNvCxnSpPr>
+                <a:cxnSpLocks/>
+              </p:cNvCxnSpPr>
               <p:nvPr/>
-            </p:nvSpPr>
+            </p:nvCxnSpPr>
             <p:spPr>
               <a:xfrm>
-                <a:off x="20670775" y="16509530"/>
-                <a:ext cx="7370825" cy="7866303"/>
+                <a:off x="15568863" y="23914652"/>
+                <a:ext cx="4508485" cy="0"/>
               </a:xfrm>
-              <a:prstGeom prst="rect">
+              <a:prstGeom prst="line">
                 <a:avLst/>
               </a:prstGeom>
-              <a:noFill/>
+              <a:ln w="57150"/>
+            </p:spPr>
+            <p:style>
+              <a:lnRef idx="1">
+                <a:schemeClr val="accent5"/>
+              </a:lnRef>
+              <a:fillRef idx="0">
+                <a:schemeClr val="accent5"/>
+              </a:fillRef>
+              <a:effectRef idx="0">
+                <a:schemeClr val="accent5"/>
+              </a:effectRef>
+              <a:fontRef idx="minor">
+                <a:schemeClr val="tx1"/>
+              </a:fontRef>
+            </p:style>
+          </p:cxnSp>
+          <p:cxnSp>
+            <p:nvCxnSpPr>
+              <p:cNvPr id="72" name="直線コネクタ 71">
+                <a:extLst>
+                  <a:ext uri="{FF2B5EF4-FFF2-40B4-BE49-F238E27FC236}">
+                    <a16:creationId xmlns:a16="http://schemas.microsoft.com/office/drawing/2014/main" id="{7591BBD4-BEB5-3914-D143-001075D37F4E}"/>
+                  </a:ext>
+                </a:extLst>
+              </p:cNvPr>
+              <p:cNvCxnSpPr/>
+              <p:nvPr/>
+            </p:nvCxnSpPr>
+            <p:spPr>
+              <a:xfrm>
+                <a:off x="17896855" y="23914652"/>
+                <a:ext cx="0" cy="1078948"/>
+              </a:xfrm>
+              <a:prstGeom prst="line">
+                <a:avLst/>
+              </a:prstGeom>
               <a:ln w="57150">
                 <a:solidFill>
-                  <a:srgbClr val="FF0000"/>
+                  <a:schemeClr val="tx1"/>
                 </a:solidFill>
-                <a:prstDash val="lgDash"/>
               </a:ln>
             </p:spPr>
             <p:style>
-              <a:lnRef idx="2">
-                <a:schemeClr val="accent1">
-                  <a:shade val="15000"/>
-                </a:schemeClr>
+              <a:lnRef idx="1">
+                <a:schemeClr val="dk1"/>
               </a:lnRef>
-              <a:fillRef idx="1">
+              <a:fillRef idx="0">
+                <a:schemeClr val="dk1"/>
+              </a:fillRef>
+              <a:effectRef idx="0">
+                <a:schemeClr val="dk1"/>
+              </a:effectRef>
+              <a:fontRef idx="minor">
+                <a:schemeClr val="tx1"/>
+              </a:fontRef>
+            </p:style>
+          </p:cxnSp>
+          <p:cxnSp>
+            <p:nvCxnSpPr>
+              <p:cNvPr id="73" name="直線コネクタ 72">
+                <a:extLst>
+                  <a:ext uri="{FF2B5EF4-FFF2-40B4-BE49-F238E27FC236}">
+                    <a16:creationId xmlns:a16="http://schemas.microsoft.com/office/drawing/2014/main" id="{BF66BBA1-69A1-6A60-20A6-3BC659E3E99A}"/>
+                  </a:ext>
+                </a:extLst>
+              </p:cNvPr>
+              <p:cNvCxnSpPr>
+                <a:cxnSpLocks/>
+              </p:cNvCxnSpPr>
+              <p:nvPr/>
+            </p:nvCxnSpPr>
+            <p:spPr>
+              <a:xfrm>
+                <a:off x="17896855" y="24993600"/>
+                <a:ext cx="8071339" cy="0"/>
+              </a:xfrm>
+              <a:prstGeom prst="line">
+                <a:avLst/>
+              </a:prstGeom>
+              <a:ln w="57150">
+                <a:solidFill>
+                  <a:schemeClr val="tx1"/>
+                </a:solidFill>
+              </a:ln>
+            </p:spPr>
+            <p:style>
+              <a:lnRef idx="1">
+                <a:schemeClr val="dk1"/>
+              </a:lnRef>
+              <a:fillRef idx="0">
+                <a:schemeClr val="dk1"/>
+              </a:fillRef>
+              <a:effectRef idx="0">
+                <a:schemeClr val="dk1"/>
+              </a:effectRef>
+              <a:fontRef idx="minor">
+                <a:schemeClr val="tx1"/>
+              </a:fontRef>
+            </p:style>
+          </p:cxnSp>
+          <p:cxnSp>
+            <p:nvCxnSpPr>
+              <p:cNvPr id="87" name="直線矢印コネクタ 86">
+                <a:extLst>
+                  <a:ext uri="{FF2B5EF4-FFF2-40B4-BE49-F238E27FC236}">
+                    <a16:creationId xmlns:a16="http://schemas.microsoft.com/office/drawing/2014/main" id="{94F46EC2-7FA3-D349-CA38-B5EED494CD7D}"/>
+                  </a:ext>
+                </a:extLst>
+              </p:cNvPr>
+              <p:cNvCxnSpPr/>
+              <p:nvPr/>
+            </p:nvCxnSpPr>
+            <p:spPr>
+              <a:xfrm flipV="1">
+                <a:off x="25968194" y="23914652"/>
+                <a:ext cx="0" cy="1078948"/>
+              </a:xfrm>
+              <a:prstGeom prst="straightConnector1">
+                <a:avLst/>
+              </a:prstGeom>
+              <a:ln w="57150">
+                <a:solidFill>
+                  <a:schemeClr val="tx1"/>
+                </a:solidFill>
+                <a:tailEnd type="triangle"/>
+              </a:ln>
+            </p:spPr>
+            <p:style>
+              <a:lnRef idx="1">
+                <a:schemeClr val="accent1"/>
+              </a:lnRef>
+              <a:fillRef idx="0">
                 <a:schemeClr val="accent1"/>
               </a:fillRef>
               <a:effectRef idx="0">
                 <a:schemeClr val="accent1"/>
               </a:effectRef>
               <a:fontRef idx="minor">
-                <a:schemeClr val="lt1"/>
+                <a:schemeClr val="tx1"/>
               </a:fontRef>
             </p:style>
-            <p:txBody>
-              <a:bodyPr rtlCol="0" anchor="ctr"/>
-              <a:lstStyle/>
-              <a:p>
-                <a:pPr algn="ctr"/>
-                <a:endParaRPr kumimoji="1" lang="ja-JP" altLang="en-US"/>
-              </a:p>
-            </p:txBody>
-          </p:sp>
+          </p:cxnSp>
+          <p:cxnSp>
+            <p:nvCxnSpPr>
+              <p:cNvPr id="88" name="直線コネクタ 87">
+                <a:extLst>
+                  <a:ext uri="{FF2B5EF4-FFF2-40B4-BE49-F238E27FC236}">
+                    <a16:creationId xmlns:a16="http://schemas.microsoft.com/office/drawing/2014/main" id="{B14A19D6-7302-BB66-6700-8580880CDE0A}"/>
+                  </a:ext>
+                </a:extLst>
+              </p:cNvPr>
+              <p:cNvCxnSpPr>
+                <a:cxnSpLocks/>
+              </p:cNvCxnSpPr>
+              <p:nvPr/>
+            </p:nvCxnSpPr>
+            <p:spPr>
+              <a:xfrm>
+                <a:off x="24712863" y="23914652"/>
+                <a:ext cx="2514600" cy="0"/>
+              </a:xfrm>
+              <a:prstGeom prst="line">
+                <a:avLst/>
+              </a:prstGeom>
+              <a:ln w="57150"/>
+            </p:spPr>
+            <p:style>
+              <a:lnRef idx="1">
+                <a:schemeClr val="accent5"/>
+              </a:lnRef>
+              <a:fillRef idx="0">
+                <a:schemeClr val="accent5"/>
+              </a:fillRef>
+              <a:effectRef idx="0">
+                <a:schemeClr val="accent5"/>
+              </a:effectRef>
+              <a:fontRef idx="minor">
+                <a:schemeClr val="tx1"/>
+              </a:fontRef>
+            </p:style>
+          </p:cxnSp>
           <p:sp>
             <p:nvSpPr>
-              <p:cNvPr id="50" name="テキスト ボックス 49">
+              <p:cNvPr id="96" name="テキスト ボックス 95">
                 <a:extLst>
                   <a:ext uri="{FF2B5EF4-FFF2-40B4-BE49-F238E27FC236}">
-                    <a16:creationId xmlns:a16="http://schemas.microsoft.com/office/drawing/2014/main" id="{D2A6EC5D-33D3-C1A5-8D73-1E23DD96CA8D}"/>
+                    <a16:creationId xmlns:a16="http://schemas.microsoft.com/office/drawing/2014/main" id="{99619921-FC81-8564-21AB-27252D4879F8}"/>
                   </a:ext>
                 </a:extLst>
               </p:cNvPr>
@@ -19525,8 +19775,8 @@
             </p:nvSpPr>
             <p:spPr>
               <a:xfrm>
-                <a:off x="24618462" y="15608203"/>
-                <a:ext cx="3423138" cy="769441"/>
+                <a:off x="20052435" y="24955999"/>
+                <a:ext cx="3760177" cy="769441"/>
               </a:xfrm>
               <a:prstGeom prst="rect">
                 <a:avLst/>
@@ -19545,255 +19795,239 @@
                     <a:latin typeface="+mn-ea"/>
                     <a:ea typeface="+mn-ea"/>
                   </a:rPr>
-                  <a:t>提案部分</a:t>
+                  <a:t>要約文の生成</a:t>
                 </a:r>
               </a:p>
             </p:txBody>
           </p:sp>
         </p:grpSp>
-        <p:cxnSp>
-          <p:nvCxnSpPr>
-            <p:cNvPr id="62" name="直線コネクタ 61">
-              <a:extLst>
-                <a:ext uri="{FF2B5EF4-FFF2-40B4-BE49-F238E27FC236}">
-                  <a16:creationId xmlns:a16="http://schemas.microsoft.com/office/drawing/2014/main" id="{3639B89F-7409-FB78-8206-3539CC250268}"/>
-                </a:ext>
-              </a:extLst>
-            </p:cNvPr>
-            <p:cNvCxnSpPr>
-              <a:cxnSpLocks/>
-            </p:cNvCxnSpPr>
-            <p:nvPr/>
-          </p:nvCxnSpPr>
-          <p:spPr>
-            <a:xfrm>
-              <a:off x="15568863" y="23914652"/>
-              <a:ext cx="4508485" cy="0"/>
-            </a:xfrm>
-            <a:prstGeom prst="line">
-              <a:avLst/>
-            </a:prstGeom>
-            <a:ln w="57150"/>
-          </p:spPr>
-          <p:style>
-            <a:lnRef idx="1">
-              <a:schemeClr val="accent5"/>
-            </a:lnRef>
-            <a:fillRef idx="0">
-              <a:schemeClr val="accent5"/>
-            </a:fillRef>
-            <a:effectRef idx="0">
-              <a:schemeClr val="accent5"/>
-            </a:effectRef>
-            <a:fontRef idx="minor">
-              <a:schemeClr val="tx1"/>
-            </a:fontRef>
-          </p:style>
-        </p:cxnSp>
-        <p:cxnSp>
-          <p:nvCxnSpPr>
-            <p:cNvPr id="72" name="直線コネクタ 71">
-              <a:extLst>
-                <a:ext uri="{FF2B5EF4-FFF2-40B4-BE49-F238E27FC236}">
-                  <a16:creationId xmlns:a16="http://schemas.microsoft.com/office/drawing/2014/main" id="{7591BBD4-BEB5-3914-D143-001075D37F4E}"/>
-                </a:ext>
-              </a:extLst>
-            </p:cNvPr>
-            <p:cNvCxnSpPr/>
-            <p:nvPr/>
-          </p:nvCxnSpPr>
-          <p:spPr>
-            <a:xfrm>
-              <a:off x="17896855" y="23914652"/>
-              <a:ext cx="0" cy="1078948"/>
-            </a:xfrm>
-            <a:prstGeom prst="line">
-              <a:avLst/>
-            </a:prstGeom>
-            <a:ln w="57150">
-              <a:solidFill>
-                <a:schemeClr val="tx1"/>
-              </a:solidFill>
-            </a:ln>
-          </p:spPr>
-          <p:style>
-            <a:lnRef idx="1">
-              <a:schemeClr val="dk1"/>
-            </a:lnRef>
-            <a:fillRef idx="0">
-              <a:schemeClr val="dk1"/>
-            </a:fillRef>
-            <a:effectRef idx="0">
-              <a:schemeClr val="dk1"/>
-            </a:effectRef>
-            <a:fontRef idx="minor">
-              <a:schemeClr val="tx1"/>
-            </a:fontRef>
-          </p:style>
-        </p:cxnSp>
-        <p:cxnSp>
-          <p:nvCxnSpPr>
-            <p:cNvPr id="73" name="直線コネクタ 72">
-              <a:extLst>
-                <a:ext uri="{FF2B5EF4-FFF2-40B4-BE49-F238E27FC236}">
-                  <a16:creationId xmlns:a16="http://schemas.microsoft.com/office/drawing/2014/main" id="{BF66BBA1-69A1-6A60-20A6-3BC659E3E99A}"/>
-                </a:ext>
-              </a:extLst>
-            </p:cNvPr>
-            <p:cNvCxnSpPr>
-              <a:cxnSpLocks/>
-            </p:cNvCxnSpPr>
-            <p:nvPr/>
-          </p:nvCxnSpPr>
-          <p:spPr>
-            <a:xfrm>
-              <a:off x="17896855" y="24993600"/>
-              <a:ext cx="8071339" cy="0"/>
-            </a:xfrm>
-            <a:prstGeom prst="line">
-              <a:avLst/>
-            </a:prstGeom>
-            <a:ln w="57150">
-              <a:solidFill>
-                <a:schemeClr val="tx1"/>
-              </a:solidFill>
-            </a:ln>
-          </p:spPr>
-          <p:style>
-            <a:lnRef idx="1">
-              <a:schemeClr val="dk1"/>
-            </a:lnRef>
-            <a:fillRef idx="0">
-              <a:schemeClr val="dk1"/>
-            </a:fillRef>
-            <a:effectRef idx="0">
-              <a:schemeClr val="dk1"/>
-            </a:effectRef>
-            <a:fontRef idx="minor">
-              <a:schemeClr val="tx1"/>
-            </a:fontRef>
-          </p:style>
-        </p:cxnSp>
-        <p:cxnSp>
-          <p:nvCxnSpPr>
-            <p:cNvPr id="87" name="直線矢印コネクタ 86">
-              <a:extLst>
-                <a:ext uri="{FF2B5EF4-FFF2-40B4-BE49-F238E27FC236}">
-                  <a16:creationId xmlns:a16="http://schemas.microsoft.com/office/drawing/2014/main" id="{94F46EC2-7FA3-D349-CA38-B5EED494CD7D}"/>
-                </a:ext>
-              </a:extLst>
-            </p:cNvPr>
-            <p:cNvCxnSpPr/>
-            <p:nvPr/>
-          </p:nvCxnSpPr>
-          <p:spPr>
-            <a:xfrm flipV="1">
-              <a:off x="25968194" y="23914652"/>
-              <a:ext cx="0" cy="1078948"/>
-            </a:xfrm>
-            <a:prstGeom prst="straightConnector1">
-              <a:avLst/>
-            </a:prstGeom>
-            <a:ln w="57150">
-              <a:solidFill>
-                <a:schemeClr val="tx1"/>
-              </a:solidFill>
-              <a:tailEnd type="triangle"/>
-            </a:ln>
-          </p:spPr>
-          <p:style>
-            <a:lnRef idx="1">
-              <a:schemeClr val="accent1"/>
-            </a:lnRef>
-            <a:fillRef idx="0">
-              <a:schemeClr val="accent1"/>
-            </a:fillRef>
-            <a:effectRef idx="0">
-              <a:schemeClr val="accent1"/>
-            </a:effectRef>
-            <a:fontRef idx="minor">
-              <a:schemeClr val="tx1"/>
-            </a:fontRef>
-          </p:style>
-        </p:cxnSp>
-        <p:cxnSp>
-          <p:nvCxnSpPr>
-            <p:cNvPr id="88" name="直線コネクタ 87">
-              <a:extLst>
-                <a:ext uri="{FF2B5EF4-FFF2-40B4-BE49-F238E27FC236}">
-                  <a16:creationId xmlns:a16="http://schemas.microsoft.com/office/drawing/2014/main" id="{B14A19D6-7302-BB66-6700-8580880CDE0A}"/>
-                </a:ext>
-              </a:extLst>
-            </p:cNvPr>
-            <p:cNvCxnSpPr>
-              <a:cxnSpLocks/>
-            </p:cNvCxnSpPr>
-            <p:nvPr/>
-          </p:nvCxnSpPr>
-          <p:spPr>
-            <a:xfrm>
-              <a:off x="24712863" y="23914652"/>
-              <a:ext cx="2514600" cy="0"/>
-            </a:xfrm>
-            <a:prstGeom prst="line">
-              <a:avLst/>
-            </a:prstGeom>
-            <a:ln w="57150"/>
-          </p:spPr>
-          <p:style>
-            <a:lnRef idx="1">
-              <a:schemeClr val="accent5"/>
-            </a:lnRef>
-            <a:fillRef idx="0">
-              <a:schemeClr val="accent5"/>
-            </a:fillRef>
-            <a:effectRef idx="0">
-              <a:schemeClr val="accent5"/>
-            </a:effectRef>
-            <a:fontRef idx="minor">
-              <a:schemeClr val="tx1"/>
-            </a:fontRef>
-          </p:style>
-        </p:cxnSp>
-        <p:sp>
-          <p:nvSpPr>
-            <p:cNvPr id="96" name="テキスト ボックス 95">
-              <a:extLst>
-                <a:ext uri="{FF2B5EF4-FFF2-40B4-BE49-F238E27FC236}">
-                  <a16:creationId xmlns:a16="http://schemas.microsoft.com/office/drawing/2014/main" id="{99619921-FC81-8564-21AB-27252D4879F8}"/>
-                </a:ext>
-              </a:extLst>
-            </p:cNvPr>
-            <p:cNvSpPr txBox="1"/>
-            <p:nvPr/>
-          </p:nvSpPr>
-          <p:spPr>
-            <a:xfrm>
-              <a:off x="20052435" y="24955999"/>
-              <a:ext cx="3760177" cy="769441"/>
-            </a:xfrm>
-            <a:prstGeom prst="rect">
-              <a:avLst/>
-            </a:prstGeom>
-            <a:noFill/>
-          </p:spPr>
-          <p:txBody>
-            <a:bodyPr wrap="square" rtlCol="0">
-              <a:spAutoFit/>
-            </a:bodyPr>
-            <a:lstStyle/>
-            <a:p>
-              <a:pPr algn="ctr"/>
-              <a:r>
-                <a:rPr kumimoji="1" lang="ja-JP" altLang="en-US" sz="4400" dirty="0">
-                  <a:latin typeface="+mn-ea"/>
-                  <a:ea typeface="+mn-ea"/>
-                </a:rPr>
-                <a:t>要約文の生成</a:t>
-              </a:r>
-            </a:p>
-          </p:txBody>
-        </p:sp>
+        <mc:AlternateContent xmlns:mc="http://schemas.openxmlformats.org/markup-compatibility/2006">
+          <mc:Choice xmlns:a14="http://schemas.microsoft.com/office/drawing/2010/main" Requires="a14">
+            <p:sp>
+              <p:nvSpPr>
+                <p:cNvPr id="27" name="テキスト ボックス 26">
+                  <a:extLst>
+                    <a:ext uri="{FF2B5EF4-FFF2-40B4-BE49-F238E27FC236}">
+                      <a16:creationId xmlns:a16="http://schemas.microsoft.com/office/drawing/2014/main" id="{49223E86-69DE-B19C-C8EF-43C1B0AFC234}"/>
+                    </a:ext>
+                  </a:extLst>
+                </p:cNvPr>
+                <p:cNvSpPr txBox="1"/>
+                <p:nvPr/>
+              </p:nvSpPr>
+              <p:spPr>
+                <a:xfrm>
+                  <a:off x="14827104" y="13715764"/>
+                  <a:ext cx="4539299" cy="624786"/>
+                </a:xfrm>
+                <a:prstGeom prst="rect">
+                  <a:avLst/>
+                </a:prstGeom>
+                <a:solidFill>
+                  <a:schemeClr val="accent6">
+                    <a:lumMod val="20000"/>
+                    <a:lumOff val="80000"/>
+                  </a:schemeClr>
+                </a:solidFill>
+                <a:ln>
+                  <a:solidFill>
+                    <a:schemeClr val="tx1"/>
+                  </a:solidFill>
+                </a:ln>
+              </p:spPr>
+              <p:txBody>
+                <a:bodyPr wrap="square">
+                  <a:spAutoFit/>
+                </a:bodyPr>
+                <a:lstStyle/>
+                <a:p>
+                  <a:pPr/>
+                  <a14:m>
+                    <m:oMathPara xmlns:m="http://schemas.openxmlformats.org/officeDocument/2006/math">
+                      <m:oMathParaPr>
+                        <m:jc m:val="centerGroup"/>
+                      </m:oMathParaPr>
+                      <m:oMath xmlns:m="http://schemas.openxmlformats.org/officeDocument/2006/math">
+                        <m:r>
+                          <a:rPr lang="en-US" altLang="ja-JP" sz="3200" b="0" i="1" smtClean="0">
+                            <a:latin typeface="Cambria Math" panose="02040503050406030204" pitchFamily="18" charset="0"/>
+                            <a:ea typeface="+mn-ea"/>
+                          </a:rPr>
+                          <m:t>𝑝</m:t>
+                        </m:r>
+                        <m:sSub>
+                          <m:sSubPr>
+                            <m:ctrlPr>
+                              <a:rPr kumimoji="1" lang="en-US" altLang="ja-JP" sz="3200" i="1">
+                                <a:latin typeface="Cambria Math" panose="02040503050406030204" pitchFamily="18" charset="0"/>
+                              </a:rPr>
+                            </m:ctrlPr>
+                          </m:sSubPr>
+                          <m:e>
+                            <m:r>
+                              <a:rPr kumimoji="1" lang="en-US" altLang="ja-JP" sz="3200" i="1">
+                                <a:latin typeface="Cambria Math" panose="02040503050406030204" pitchFamily="18" charset="0"/>
+                              </a:rPr>
+                              <m:t>𝐸</m:t>
+                            </m:r>
+                          </m:e>
+                          <m:sub>
+                            <m:d>
+                              <m:dPr>
+                                <m:begChr m:val="["/>
+                                <m:endChr m:val="]"/>
+                                <m:ctrlPr>
+                                  <a:rPr kumimoji="1" lang="en-US" altLang="ja-JP" sz="3200" i="1">
+                                    <a:latin typeface="Cambria Math" panose="02040503050406030204" pitchFamily="18" charset="0"/>
+                                  </a:rPr>
+                                </m:ctrlPr>
+                              </m:dPr>
+                              <m:e>
+                                <m:r>
+                                  <m:rPr>
+                                    <m:sty m:val="p"/>
+                                  </m:rPr>
+                                  <a:rPr kumimoji="1" lang="en-US" altLang="ja-JP" sz="3200" i="0">
+                                    <a:latin typeface="Cambria Math" panose="02040503050406030204" pitchFamily="18" charset="0"/>
+                                  </a:rPr>
+                                  <m:t>CLS</m:t>
+                                </m:r>
+                              </m:e>
+                            </m:d>
+                          </m:sub>
+                        </m:sSub>
+                        <m:r>
+                          <a:rPr kumimoji="1" lang="en-US" altLang="ja-JP" sz="3200" b="0" i="1" smtClean="0">
+                            <a:latin typeface="Cambria Math" panose="02040503050406030204" pitchFamily="18" charset="0"/>
+                          </a:rPr>
+                          <m:t>+</m:t>
+                        </m:r>
+                        <m:r>
+                          <a:rPr kumimoji="1" lang="en-US" altLang="ja-JP" sz="3200" b="0" i="1" smtClean="0">
+                            <a:latin typeface="Cambria Math" panose="02040503050406030204" pitchFamily="18" charset="0"/>
+                          </a:rPr>
+                          <m:t>𝑞</m:t>
+                        </m:r>
+                        <m:sSub>
+                          <m:sSubPr>
+                            <m:ctrlPr>
+                              <a:rPr kumimoji="1" lang="en-US" altLang="ja-JP" sz="3200" i="1">
+                                <a:latin typeface="Cambria Math" panose="02040503050406030204" pitchFamily="18" charset="0"/>
+                              </a:rPr>
+                            </m:ctrlPr>
+                          </m:sSubPr>
+                          <m:e>
+                            <m:r>
+                              <a:rPr kumimoji="1" lang="en-US" altLang="ja-JP" sz="3200" i="1">
+                                <a:latin typeface="Cambria Math" panose="02040503050406030204" pitchFamily="18" charset="0"/>
+                              </a:rPr>
+                              <m:t>𝐸</m:t>
+                            </m:r>
+                          </m:e>
+                          <m:sub>
+                            <m:r>
+                              <a:rPr kumimoji="1" lang="en-US" altLang="ja-JP" sz="3200" i="1">
+                                <a:latin typeface="Cambria Math" panose="02040503050406030204" pitchFamily="18" charset="0"/>
+                              </a:rPr>
+                              <m:t>𝐴𝑣𝑔</m:t>
+                            </m:r>
+                          </m:sub>
+                        </m:sSub>
+                        <m:r>
+                          <a:rPr kumimoji="1" lang="en-US" altLang="ja-JP" sz="3200" b="0" i="1" smtClean="0">
+                            <a:latin typeface="Cambria Math" panose="02040503050406030204" pitchFamily="18" charset="0"/>
+                          </a:rPr>
+                          <m:t>+</m:t>
+                        </m:r>
+                        <m:r>
+                          <a:rPr kumimoji="1" lang="en-US" altLang="ja-JP" sz="3200" b="0" i="1" smtClean="0">
+                            <a:latin typeface="Cambria Math" panose="02040503050406030204" pitchFamily="18" charset="0"/>
+                          </a:rPr>
+                          <m:t>𝑟</m:t>
+                        </m:r>
+                        <m:sSub>
+                          <m:sSubPr>
+                            <m:ctrlPr>
+                              <a:rPr kumimoji="1" lang="en-US" altLang="ja-JP" sz="3200" i="1">
+                                <a:latin typeface="Cambria Math" panose="02040503050406030204" pitchFamily="18" charset="0"/>
+                              </a:rPr>
+                            </m:ctrlPr>
+                          </m:sSubPr>
+                          <m:e>
+                            <m:r>
+                              <a:rPr kumimoji="1" lang="en-US" altLang="ja-JP" sz="3200" i="1">
+                                <a:latin typeface="Cambria Math" panose="02040503050406030204" pitchFamily="18" charset="0"/>
+                              </a:rPr>
+                              <m:t>𝐸</m:t>
+                            </m:r>
+                          </m:e>
+                          <m:sub>
+                            <m:r>
+                              <a:rPr kumimoji="1" lang="en-US" altLang="ja-JP" sz="3200" i="1">
+                                <a:latin typeface="Cambria Math" panose="02040503050406030204" pitchFamily="18" charset="0"/>
+                              </a:rPr>
+                              <m:t>𝑠𝑢𝑚</m:t>
+                            </m:r>
+                          </m:sub>
+                        </m:sSub>
+                      </m:oMath>
+                    </m:oMathPara>
+                  </a14:m>
+                  <a:endParaRPr lang="ja-JP" altLang="en-US" sz="3200" dirty="0"/>
+                </a:p>
+              </p:txBody>
+            </p:sp>
+          </mc:Choice>
+          <mc:Fallback>
+            <p:sp>
+              <p:nvSpPr>
+                <p:cNvPr id="27" name="テキスト ボックス 26">
+                  <a:extLst>
+                    <a:ext uri="{FF2B5EF4-FFF2-40B4-BE49-F238E27FC236}">
+                      <a16:creationId xmlns:a16="http://schemas.microsoft.com/office/drawing/2014/main" id="{49223E86-69DE-B19C-C8EF-43C1B0AFC234}"/>
+                    </a:ext>
+                  </a:extLst>
+                </p:cNvPr>
+                <p:cNvSpPr txBox="1">
+                  <a:spLocks noRot="1" noChangeAspect="1" noMove="1" noResize="1" noEditPoints="1" noAdjustHandles="1" noChangeArrowheads="1" noChangeShapeType="1" noTextEdit="1"/>
+                </p:cNvSpPr>
+                <p:nvPr/>
+              </p:nvSpPr>
+              <p:spPr>
+                <a:xfrm>
+                  <a:off x="14827104" y="13715764"/>
+                  <a:ext cx="4539299" cy="624786"/>
+                </a:xfrm>
+                <a:prstGeom prst="rect">
+                  <a:avLst/>
+                </a:prstGeom>
+                <a:blipFill>
+                  <a:blip r:embed="rId8"/>
+                  <a:stretch>
+                    <a:fillRect/>
+                  </a:stretch>
+                </a:blipFill>
+                <a:ln>
+                  <a:solidFill>
+                    <a:schemeClr val="tx1"/>
+                  </a:solidFill>
+                </a:ln>
+              </p:spPr>
+              <p:txBody>
+                <a:bodyPr/>
+                <a:lstStyle/>
+                <a:p>
+                  <a:r>
+                    <a:rPr lang="ja-JP" altLang="en-US">
+                      <a:noFill/>
+                    </a:rPr>
+                    <a:t> </a:t>
+                  </a:r>
+                </a:p>
+              </p:txBody>
+            </p:sp>
+          </mc:Fallback>
+        </mc:AlternateContent>
       </p:grpSp>
     </p:spTree>
     <p:extLst>
@@ -25529,7 +25763,7 @@
                   <a:latin typeface="+mn-ea"/>
                   <a:ea typeface="+mn-ea"/>
                 </a:rPr>
-                <a:t>	</a:t>
+                <a:t>	Generative Pre-trained Transformer (</a:t>
               </a:r>
               <a:r>
                 <a:rPr lang="en-US" sz="4400" u="sng" dirty="0">
@@ -25543,7 +25777,7 @@
                   <a:latin typeface="+mn-ea"/>
                   <a:ea typeface="+mn-ea"/>
                 </a:rPr>
-                <a:t> (Generative Pre-trained Transformer) </a:t>
+                <a:t>) </a:t>
               </a:r>
               <a:r>
                 <a:rPr lang="ja-JP" altLang="en-US" sz="4400" dirty="0">
@@ -25639,7 +25873,7 @@
                   <a:latin typeface="+mn-ea"/>
                   <a:ea typeface="+mn-ea"/>
                 </a:rPr>
-                <a:t>文章全体の適切な分散表現を得るための</a:t>
+                <a:t>文章全体の分散表現を適切に得るための</a:t>
               </a:r>
               <a:endParaRPr lang="en-US" altLang="ja-JP" sz="4400" dirty="0">
                 <a:latin typeface="+mn-ea"/>
@@ -26463,15 +26697,7 @@
                   </a:r>
                 </a:p>
                 <a:p>
-                  <a:pPr marL="0" lvl="0" indent="0" algn="l" rtl="0">
-                    <a:spcBef>
-                      <a:spcPts val="0"/>
-                    </a:spcBef>
-                    <a:spcAft>
-                      <a:spcPts val="0"/>
-                    </a:spcAft>
-                    <a:buNone/>
-                  </a:pPr>
+                  <a:pPr lvl="0"/>
                   <a:r>
                     <a:rPr lang="en-US" altLang="ja-JP" sz="4000" dirty="0">
                       <a:latin typeface="+mn-ea"/>
@@ -26484,7 +26710,25 @@
                       <a:latin typeface="+mn-ea"/>
                       <a:ea typeface="+mn-ea"/>
                     </a:rPr>
-                    <a:t>学習可能なパラメータ </a:t>
+                    <a:t>学習可能な和が </a:t>
+                  </a:r>
+                  <a14:m>
+                    <m:oMath xmlns:m="http://schemas.openxmlformats.org/officeDocument/2006/math">
+                      <m:r>
+                        <a:rPr lang="en-US" altLang="ja-JP" sz="4400" i="1">
+                          <a:latin typeface="+mn-ea"/>
+                          <a:ea typeface="+mn-ea"/>
+                        </a:rPr>
+                        <m:t>1</m:t>
+                      </m:r>
+                    </m:oMath>
+                  </a14:m>
+                  <a:r>
+                    <a:rPr lang="ja-JP" altLang="en-US" sz="4400" dirty="0">
+                      <a:latin typeface="+mn-ea"/>
+                      <a:ea typeface="+mn-ea"/>
+                    </a:rPr>
+                    <a:t> となるパラメータ </a:t>
                   </a:r>
                   <a14:m>
                     <m:oMath xmlns:m="http://schemas.openxmlformats.org/officeDocument/2006/math">
@@ -26525,17 +26769,6 @@
                     </a:rPr>
                     <a:t> </a:t>
                   </a:r>
-                  <a:r>
-                    <a:rPr lang="ja-JP" altLang="en-US" sz="4400" dirty="0">
-                      <a:latin typeface="+mn-ea"/>
-                      <a:ea typeface="+mn-ea"/>
-                    </a:rPr>
-                    <a:t>を用いて</a:t>
-                  </a:r>
-                  <a:endParaRPr lang="en-US" altLang="ja-JP" sz="4400" dirty="0">
-                    <a:latin typeface="+mn-ea"/>
-                    <a:ea typeface="+mn-ea"/>
-                  </a:endParaRPr>
                 </a:p>
                 <a:p>
                   <a:pPr lvl="0"/>
@@ -26545,6 +26778,20 @@
                       <a:ea typeface="+mn-ea"/>
                     </a:rPr>
                     <a:t>	</a:t>
+                  </a:r>
+                  <a:r>
+                    <a:rPr lang="ja-JP" altLang="en-US" sz="4400" dirty="0">
+                      <a:latin typeface="+mn-ea"/>
+                      <a:ea typeface="+mn-ea"/>
+                    </a:rPr>
+                    <a:t>を用いて</a:t>
+                  </a:r>
+                  <a:r>
+                    <a:rPr lang="en-US" altLang="ja-JP" sz="4400" dirty="0">
+                      <a:latin typeface="+mn-ea"/>
+                      <a:ea typeface="+mn-ea"/>
+                    </a:rPr>
+                    <a:t> </a:t>
                   </a:r>
                   <a14:m>
                     <m:oMath xmlns:m="http://schemas.openxmlformats.org/officeDocument/2006/math">
@@ -26572,7 +26819,7 @@
                               <m:begChr m:val="["/>
                               <m:endChr m:val="]"/>
                               <m:ctrlPr>
-                                <a:rPr kumimoji="1" lang="en-US" altLang="ja-JP" sz="4400" b="0" smtClean="0">
+                                <a:rPr kumimoji="1" lang="en-US" altLang="ja-JP" sz="4400" b="0" i="1" smtClean="0">
                                   <a:latin typeface="Cambria Math" panose="02040503050406030204" pitchFamily="18" charset="0"/>
                                   <a:ea typeface="+mn-ea"/>
                                 </a:rPr>
@@ -26600,14 +26847,28 @@
                       <a:latin typeface="+mn-ea"/>
                       <a:ea typeface="+mn-ea"/>
                     </a:rPr>
-                    <a:t> </a:t>
+                    <a:t> (</a:t>
                   </a:r>
                   <a:r>
                     <a:rPr lang="ja-JP" altLang="en-US" sz="4400" dirty="0">
                       <a:latin typeface="+mn-ea"/>
                       <a:ea typeface="+mn-ea"/>
                     </a:rPr>
-                    <a:t>及び</a:t>
+                    <a:t>文ベクトル項</a:t>
+                  </a:r>
+                  <a:r>
+                    <a:rPr lang="en-US" altLang="ja-JP" sz="4400" dirty="0">
+                      <a:latin typeface="+mn-ea"/>
+                      <a:ea typeface="+mn-ea"/>
+                    </a:rPr>
+                    <a:t>)</a:t>
+                  </a:r>
+                  <a:r>
+                    <a:rPr lang="ja-JP" altLang="en-US" sz="4400" dirty="0">
+                      <a:latin typeface="+mn-ea"/>
+                      <a:ea typeface="+mn-ea"/>
+                    </a:rPr>
+                    <a:t> 及び</a:t>
                   </a:r>
                   <a:r>
                     <a:rPr lang="en-US" altLang="ja-JP" sz="4400" dirty="0">
@@ -26615,6 +26876,16 @@
                       <a:ea typeface="+mn-ea"/>
                     </a:rPr>
                     <a:t>, </a:t>
+                  </a:r>
+                </a:p>
+                <a:p>
+                  <a:pPr lvl="0"/>
+                  <a:r>
+                    <a:rPr kumimoji="1" lang="en-US" altLang="ja-JP" sz="4400" dirty="0">
+                      <a:latin typeface="+mn-ea"/>
+                      <a:ea typeface="+mn-ea"/>
+                    </a:rPr>
+                    <a:t>	</a:t>
                   </a:r>
                   <a14:m>
                     <m:oMath xmlns:m="http://schemas.openxmlformats.org/officeDocument/2006/math">
@@ -26650,7 +26921,21 @@
                       <a:latin typeface="+mn-ea"/>
                       <a:ea typeface="+mn-ea"/>
                     </a:rPr>
-                    <a:t> </a:t>
+                    <a:t> (</a:t>
+                  </a:r>
+                  <a:r>
+                    <a:rPr lang="ja-JP" altLang="en-US" sz="4400" dirty="0">
+                      <a:latin typeface="+mn-ea"/>
+                      <a:ea typeface="+mn-ea"/>
+                    </a:rPr>
+                    <a:t>平均単語ベクトル項</a:t>
+                  </a:r>
+                  <a:r>
+                    <a:rPr lang="en-US" altLang="ja-JP" sz="4400" dirty="0">
+                      <a:latin typeface="+mn-ea"/>
+                      <a:ea typeface="+mn-ea"/>
+                    </a:rPr>
+                    <a:t>)</a:t>
                   </a:r>
                   <a:r>
                     <a:rPr lang="ja-JP" altLang="en-US" sz="4400" dirty="0">
@@ -26659,12 +26944,6 @@
                     </a:rPr>
                     <a:t>の重み付き和</a:t>
                   </a:r>
-                  <a:br>
-                    <a:rPr lang="en-US" altLang="ja-JP" sz="4400" dirty="0">
-                      <a:latin typeface="+mn-ea"/>
-                      <a:ea typeface="+mn-ea"/>
-                    </a:rPr>
-                  </a:br>
                   <a:endParaRPr lang="en-US" altLang="ja-JP" sz="4400" dirty="0">
                     <a:latin typeface="+mn-ea"/>
                     <a:ea typeface="+mn-ea"/>
@@ -26710,7 +26989,7 @@
                               <m:begChr m:val="["/>
                               <m:endChr m:val="]"/>
                               <m:ctrlPr>
-                                <a:rPr kumimoji="1" lang="en-US" altLang="ja-JP" sz="4400">
+                                <a:rPr kumimoji="1" lang="en-US" altLang="ja-JP" sz="4400" i="1">
                                   <a:latin typeface="Cambria Math" panose="02040503050406030204" pitchFamily="18" charset="0"/>
                                 </a:rPr>
                               </m:ctrlPr>
@@ -26770,23 +27049,11 @@
                   </a14:m>
                   <a:endParaRPr kumimoji="1" lang="en-US" altLang="ja-JP" sz="4400" dirty="0">
                     <a:latin typeface="+mn-ea"/>
+                    <a:ea typeface="+mn-ea"/>
                   </a:endParaRPr>
                 </a:p>
                 <a:p>
                   <a:pPr lvl="0"/>
-                  <a:r>
-                    <a:rPr lang="en-US" altLang="ja-JP" sz="4400" dirty="0">
-                      <a:latin typeface="+mn-ea"/>
-                      <a:ea typeface="+mn-ea"/>
-                    </a:rPr>
-                    <a:t>	</a:t>
-                  </a:r>
-                  <a:br>
-                    <a:rPr lang="en-US" altLang="ja-JP" sz="4400" dirty="0">
-                      <a:latin typeface="+mn-ea"/>
-                      <a:ea typeface="+mn-ea"/>
-                    </a:rPr>
-                  </a:br>
                   <a:r>
                     <a:rPr lang="en-US" altLang="ja-JP" sz="4400" dirty="0">
                       <a:latin typeface="+mn-ea"/>
@@ -26869,7 +27136,7 @@
                               <m:begChr m:val="["/>
                               <m:endChr m:val="]"/>
                               <m:ctrlPr>
-                                <a:rPr kumimoji="1" lang="en-US" altLang="ja-JP" sz="4400" b="0" smtClean="0">
+                                <a:rPr kumimoji="1" lang="en-US" altLang="ja-JP" sz="4400" b="0" i="1" smtClean="0">
                                   <a:latin typeface="Cambria Math" panose="02040503050406030204" pitchFamily="18" charset="0"/>
                                   <a:ea typeface="+mn-ea"/>
                                 </a:rPr>
@@ -26997,7 +27264,7 @@
                 <a:blipFill>
                   <a:blip r:embed="rId3"/>
                   <a:stretch>
-                    <a:fillRect l="-1787" t="-2496" b="-90455"/>
+                    <a:fillRect l="-1787" t="-2496" b="-75477"/>
                   </a:stretch>
                 </a:blipFill>
                 <a:ln>
@@ -27519,7 +27786,7 @@
                   </a:p>
                   <a:p>
                     <a:pPr lvl="0"/>
-                    <a:endParaRPr lang="en-US" altLang="ja-JP" sz="4000" dirty="0">
+                    <a:endParaRPr lang="en-US" altLang="ja-JP" dirty="0">
                       <a:latin typeface="+mn-ea"/>
                       <a:ea typeface="+mn-ea"/>
                     </a:endParaRPr>
@@ -27529,6 +27796,33 @@
                       <a:buFont typeface="Arial" panose="020B0604020202020204" pitchFamily="34" charset="0"/>
                       <a:buChar char="•"/>
                     </a:pPr>
+                    <a:r>
+                      <a:rPr lang="en-US" altLang="ja-JP" sz="4000" dirty="0">
+                        <a:latin typeface="+mn-ea"/>
+                        <a:ea typeface="+mn-ea"/>
+                      </a:rPr>
+                      <a:t>Accuracy, F1 </a:t>
+                    </a:r>
+                    <a:r>
+                      <a:rPr lang="ja-JP" altLang="en-US" sz="4000" dirty="0">
+                        <a:latin typeface="+mn-ea"/>
+                        <a:ea typeface="+mn-ea"/>
+                      </a:rPr>
+                      <a:t>値において</a:t>
+                    </a:r>
+                    <a:r>
+                      <a:rPr lang="en-US" altLang="ja-JP" sz="4000" dirty="0">
+                        <a:latin typeface="+mn-ea"/>
+                        <a:ea typeface="+mn-ea"/>
+                      </a:rPr>
+                      <a:t>,</a:t>
+                    </a:r>
+                    <a:br>
+                      <a:rPr lang="en-US" altLang="ja-JP" sz="4000" dirty="0">
+                        <a:latin typeface="+mn-ea"/>
+                        <a:ea typeface="+mn-ea"/>
+                      </a:rPr>
+                    </a:br>
                     <a:r>
                       <a:rPr lang="ja-JP" altLang="en-US" sz="4000" dirty="0">
                         <a:latin typeface="+mn-ea"/>
@@ -27666,7 +27960,7 @@
                   <a:blipFill>
                     <a:blip r:embed="rId5"/>
                     <a:stretch>
-                      <a:fillRect l="-1422" b="-144493"/>
+                      <a:fillRect l="-1422" b="-149633"/>
                     </a:stretch>
                   </a:blipFill>
                   <a:ln>
@@ -28231,28 +28525,14 @@
                         <a:latin typeface="+mn-ea"/>
                         <a:ea typeface="+mn-ea"/>
                       </a:rPr>
-                      <a:t>層に</a:t>
-                    </a:r>
-                    <a:r>
-                      <a:rPr lang="ja-JP" altLang="en-US" sz="4400">
-                        <a:latin typeface="+mn-ea"/>
-                        <a:ea typeface="+mn-ea"/>
-                      </a:rPr>
-                      <a:t>おける</a:t>
-                    </a:r>
-                    <a:r>
-                      <a:rPr lang="ja-JP" altLang="en-US" sz="4400" u="sng">
-                        <a:latin typeface="+mn-ea"/>
-                        <a:ea typeface="+mn-ea"/>
-                      </a:rPr>
-                      <a:t>要約文ベクトル</a:t>
+                      <a:t>層における</a:t>
                     </a:r>
                     <a:r>
                       <a:rPr lang="ja-JP" altLang="en-US" sz="4400" u="sng" dirty="0">
                         <a:latin typeface="+mn-ea"/>
                         <a:ea typeface="+mn-ea"/>
                       </a:rPr>
-                      <a:t>項</a:t>
+                      <a:t>要約文ベクトル項</a:t>
                     </a:r>
                     <a:r>
                       <a:rPr lang="ja-JP" altLang="en-US" sz="4400" dirty="0">
@@ -28306,15 +28586,7 @@
                     </a:endParaRPr>
                   </a:p>
                   <a:p>
-                    <a:pPr marL="0" lvl="0" indent="0" algn="l" rtl="0">
-                      <a:spcBef>
-                        <a:spcPts val="0"/>
-                      </a:spcBef>
-                      <a:spcAft>
-                        <a:spcPts val="0"/>
-                      </a:spcAft>
-                      <a:buNone/>
-                    </a:pPr>
+                    <a:pPr lvl="0"/>
                     <a:r>
                       <a:rPr lang="en-US" sz="4400" dirty="0">
                         <a:latin typeface="+mn-ea"/>
@@ -28340,7 +28612,25 @@
                         <a:latin typeface="+mn-ea"/>
                         <a:ea typeface="+mn-ea"/>
                       </a:rPr>
-                      <a:t>学習可能なパラメータ </a:t>
+                      <a:t>学習可能な和が </a:t>
+                    </a:r>
+                    <a14:m>
+                      <m:oMath xmlns:m="http://schemas.openxmlformats.org/officeDocument/2006/math">
+                        <m:r>
+                          <a:rPr lang="en-US" altLang="ja-JP" sz="4400" i="1">
+                            <a:latin typeface="+mn-ea"/>
+                            <a:ea typeface="+mn-ea"/>
+                          </a:rPr>
+                          <m:t>1</m:t>
+                        </m:r>
+                      </m:oMath>
+                    </a14:m>
+                    <a:r>
+                      <a:rPr lang="ja-JP" altLang="en-US" sz="4400" dirty="0">
+                        <a:latin typeface="+mn-ea"/>
+                        <a:ea typeface="+mn-ea"/>
+                      </a:rPr>
+                      <a:t> となるパラメータ </a:t>
                     </a:r>
                     <a14:m>
                       <m:oMath xmlns:m="http://schemas.openxmlformats.org/officeDocument/2006/math">
@@ -28384,6 +28674,13 @@
                             <a:latin typeface="Cambria Math" panose="02040503050406030204" pitchFamily="18" charset="0"/>
                             <a:ea typeface="+mn-ea"/>
                           </a:rPr>
+                          <m:t> </m:t>
+                        </m:r>
+                        <m:r>
+                          <a:rPr lang="en-US" altLang="ja-JP" sz="4400" b="0" i="1" smtClean="0">
+                            <a:latin typeface="Cambria Math" panose="02040503050406030204" pitchFamily="18" charset="0"/>
+                            <a:ea typeface="+mn-ea"/>
+                          </a:rPr>
                           <m:t>(≥0)</m:t>
                         </m:r>
                       </m:oMath>
@@ -28395,17 +28692,6 @@
                       </a:rPr>
                       <a:t> </a:t>
                     </a:r>
-                    <a:r>
-                      <a:rPr lang="ja-JP" altLang="en-US" sz="4400" dirty="0">
-                        <a:latin typeface="+mn-ea"/>
-                        <a:ea typeface="+mn-ea"/>
-                      </a:rPr>
-                      <a:t>を用いて</a:t>
-                    </a:r>
-                    <a:endParaRPr lang="en-US" altLang="ja-JP" sz="4400" dirty="0">
-                      <a:latin typeface="+mn-ea"/>
-                      <a:ea typeface="+mn-ea"/>
-                    </a:endParaRPr>
                   </a:p>
                   <a:p>
                     <a:pPr lvl="0"/>
@@ -28415,6 +28701,20 @@
                         <a:ea typeface="+mn-ea"/>
                       </a:rPr>
                       <a:t>	</a:t>
+                    </a:r>
+                    <a:r>
+                      <a:rPr lang="ja-JP" altLang="en-US" sz="4400" dirty="0">
+                        <a:latin typeface="+mn-ea"/>
+                        <a:ea typeface="+mn-ea"/>
+                      </a:rPr>
+                      <a:t>を用いて</a:t>
+                    </a:r>
+                    <a:r>
+                      <a:rPr lang="en-US" altLang="ja-JP" sz="4400" dirty="0">
+                        <a:latin typeface="+mn-ea"/>
+                        <a:ea typeface="+mn-ea"/>
+                      </a:rPr>
+                      <a:t> </a:t>
                     </a:r>
                     <a14:m>
                       <m:oMath xmlns:m="http://schemas.openxmlformats.org/officeDocument/2006/math">
@@ -28602,7 +28902,7 @@
                                 <m:begChr m:val="["/>
                                 <m:endChr m:val="]"/>
                                 <m:ctrlPr>
-                                  <a:rPr kumimoji="1" lang="en-US" altLang="ja-JP" sz="4400">
+                                  <a:rPr kumimoji="1" lang="en-US" altLang="ja-JP" sz="4400" i="1">
                                     <a:latin typeface="Cambria Math" panose="02040503050406030204" pitchFamily="18" charset="0"/>
                                   </a:rPr>
                                 </m:ctrlPr>
@@ -29471,8 +29771,8 @@
           </p:blipFill>
           <p:spPr>
             <a:xfrm>
-              <a:off x="1934766" y="27750665"/>
-              <a:ext cx="11562681" cy="8244508"/>
+              <a:off x="2231846" y="27931932"/>
+              <a:ext cx="10968521" cy="8244508"/>
             </a:xfrm>
             <a:prstGeom prst="rect">
               <a:avLst/>
@@ -29879,12 +30179,43 @@
                     <a:latin typeface="+mn-ea"/>
                     <a:ea typeface="+mn-ea"/>
                   </a:rPr>
-                  <a:t> の生成</a:t>
+                  <a:t> の生成 </a:t>
                 </a:r>
-                <a:endParaRPr lang="en-US" altLang="ja-JP" sz="4400" dirty="0">
-                  <a:latin typeface="+mn-ea"/>
-                  <a:ea typeface="+mn-ea"/>
-                </a:endParaRPr>
+                <a:r>
+                  <a:rPr lang="en-US" altLang="ja-JP" sz="4400" dirty="0">
+                    <a:latin typeface="+mn-ea"/>
+                    <a:ea typeface="+mn-ea"/>
+                  </a:rPr>
+                  <a:t>(PLaMo API</a:t>
+                </a:r>
+                <a:r>
+                  <a:rPr lang="en-US" altLang="ja-JP" sz="4400" baseline="30000" dirty="0">
+                    <a:latin typeface="+mn-ea"/>
+                    <a:ea typeface="+mn-ea"/>
+                  </a:rPr>
+                  <a:t>[2]</a:t>
+                </a:r>
+                <a:r>
+                  <a:rPr lang="en-US" altLang="ja-JP" sz="4400" dirty="0">
+                    <a:latin typeface="+mn-ea"/>
+                    <a:ea typeface="+mn-ea"/>
+                  </a:rPr>
+                  <a:t> </a:t>
+                </a:r>
+                <a:r>
+                  <a:rPr lang="ja-JP" altLang="en-US" sz="4400" dirty="0">
+                    <a:latin typeface="+mn-ea"/>
+                    <a:ea typeface="+mn-ea"/>
+                  </a:rPr>
+                  <a:t>を利用</a:t>
+                </a:r>
+                <a:r>
+                  <a:rPr lang="en-US" altLang="ja-JP" sz="4400" dirty="0">
+                    <a:latin typeface="+mn-ea"/>
+                    <a:ea typeface="+mn-ea"/>
+                  </a:rPr>
+                  <a:t>)</a:t>
+                </a:r>
               </a:p>
               <a:p>
                 <a:pPr lvl="2"/>
@@ -29979,99 +30310,35 @@
           </p:sp>
         </mc:Fallback>
       </mc:AlternateContent>
-      <p:grpSp>
-        <p:nvGrpSpPr>
-          <p:cNvPr id="117" name="グループ化 116">
+      <p:pic>
+        <p:nvPicPr>
+          <p:cNvPr id="113" name="図 112" descr="図形&#10;&#10;中程度の精度で自動的に生成された説明">
             <a:extLst>
               <a:ext uri="{FF2B5EF4-FFF2-40B4-BE49-F238E27FC236}">
-                <a16:creationId xmlns:a16="http://schemas.microsoft.com/office/drawing/2014/main" id="{C945B0D1-4439-5F1F-9E36-C0932FC0C497}"/>
+                <a16:creationId xmlns:a16="http://schemas.microsoft.com/office/drawing/2014/main" id="{474D39A9-C577-D495-1F79-F05EC019E7AD}"/>
               </a:ext>
             </a:extLst>
           </p:cNvPr>
-          <p:cNvGrpSpPr/>
+          <p:cNvPicPr>
+            <a:picLocks noChangeAspect="1"/>
+          </p:cNvPicPr>
           <p:nvPr/>
-        </p:nvGrpSpPr>
-        <p:grpSpPr>
+        </p:nvPicPr>
+        <p:blipFill rotWithShape="1">
+          <a:blip r:embed="rId17"/>
+          <a:srcRect l="2521" t="-1120" b="73489"/>
+          <a:stretch/>
+        </p:blipFill>
+        <p:spPr>
           <a:xfrm>
             <a:off x="21047250" y="14565773"/>
             <a:ext cx="8329798" cy="366718"/>
-            <a:chOff x="20726400" y="14519471"/>
-            <a:chExt cx="8329798" cy="366718"/>
           </a:xfrm>
-        </p:grpSpPr>
-        <p:pic>
-          <p:nvPicPr>
-            <p:cNvPr id="113" name="図 112" descr="図形&#10;&#10;中程度の精度で自動的に生成された説明">
-              <a:extLst>
-                <a:ext uri="{FF2B5EF4-FFF2-40B4-BE49-F238E27FC236}">
-                  <a16:creationId xmlns:a16="http://schemas.microsoft.com/office/drawing/2014/main" id="{474D39A9-C577-D495-1F79-F05EC019E7AD}"/>
-                </a:ext>
-              </a:extLst>
-            </p:cNvPr>
-            <p:cNvPicPr>
-              <a:picLocks noChangeAspect="1"/>
-            </p:cNvPicPr>
-            <p:nvPr/>
-          </p:nvPicPr>
-          <p:blipFill rotWithShape="1">
-            <a:blip r:embed="rId17"/>
-            <a:srcRect l="2521" t="-1120" b="73489"/>
-            <a:stretch/>
-          </p:blipFill>
-          <p:spPr>
-            <a:xfrm>
-              <a:off x="20726400" y="14519471"/>
-              <a:ext cx="8329798" cy="366718"/>
-            </a:xfrm>
-            <a:prstGeom prst="rect">
-              <a:avLst/>
-            </a:prstGeom>
-          </p:spPr>
-        </p:pic>
-        <p:cxnSp>
-          <p:nvCxnSpPr>
-            <p:cNvPr id="114" name="直線コネクタ 113">
-              <a:extLst>
-                <a:ext uri="{FF2B5EF4-FFF2-40B4-BE49-F238E27FC236}">
-                  <a16:creationId xmlns:a16="http://schemas.microsoft.com/office/drawing/2014/main" id="{22C460EF-FC99-2F14-C86E-D480AABDDB1F}"/>
-                </a:ext>
-              </a:extLst>
-            </p:cNvPr>
-            <p:cNvCxnSpPr>
-              <a:cxnSpLocks/>
-            </p:cNvCxnSpPr>
-            <p:nvPr/>
-          </p:nvCxnSpPr>
-          <p:spPr>
-            <a:xfrm>
-              <a:off x="27333524" y="14886189"/>
-              <a:ext cx="1613767" cy="0"/>
-            </a:xfrm>
-            <a:prstGeom prst="line">
-              <a:avLst/>
-            </a:prstGeom>
-            <a:ln w="28575">
-              <a:solidFill>
-                <a:srgbClr val="FF0000"/>
-              </a:solidFill>
-            </a:ln>
-          </p:spPr>
-          <p:style>
-            <a:lnRef idx="1">
-              <a:schemeClr val="accent2"/>
-            </a:lnRef>
-            <a:fillRef idx="0">
-              <a:schemeClr val="accent2"/>
-            </a:fillRef>
-            <a:effectRef idx="0">
-              <a:schemeClr val="accent2"/>
-            </a:effectRef>
-            <a:fontRef idx="minor">
-              <a:schemeClr val="tx1"/>
-            </a:fontRef>
-          </p:style>
-        </p:cxnSp>
-      </p:grpSp>
+          <a:prstGeom prst="rect">
+            <a:avLst/>
+          </a:prstGeom>
+        </p:spPr>
+      </p:pic>
       <p:grpSp>
         <p:nvGrpSpPr>
           <p:cNvPr id="119" name="グループ化 118">
@@ -30086,8 +30353,8 @@
         </p:nvGrpSpPr>
         <p:grpSpPr>
           <a:xfrm>
-            <a:off x="15621132" y="40059943"/>
-            <a:ext cx="14030467" cy="1505737"/>
+            <a:off x="15621132" y="39911542"/>
+            <a:ext cx="14030467" cy="1409571"/>
             <a:chOff x="791997" y="31364635"/>
             <a:chExt cx="14030467" cy="4529056"/>
           </a:xfrm>
@@ -30234,6 +30501,30 @@
                 <a:t>, 2024.</a:t>
               </a:r>
             </a:p>
+            <a:p>
+              <a:r>
+                <a:rPr lang="en-US" altLang="ja-JP" sz="2800" dirty="0">
+                  <a:latin typeface="+mn-ea"/>
+                  <a:ea typeface="+mn-ea"/>
+                </a:rPr>
+                <a:t>[2] Preferred Elements, </a:t>
+              </a:r>
+              <a:r>
+                <a:rPr lang="en-US" altLang="ja-JP" sz="2800" dirty="0">
+                  <a:latin typeface="+mn-ea"/>
+                  <a:ea typeface="+mn-ea"/>
+                  <a:hlinkClick r:id="rId18"/>
+                </a:rPr>
+                <a:t>https://plamo.preferredai.jp/</a:t>
+              </a:r>
+              <a:r>
+                <a:rPr lang="en-US" altLang="ja-JP" sz="2800" dirty="0">
+                  <a:latin typeface="+mn-ea"/>
+                  <a:ea typeface="+mn-ea"/>
+                </a:rPr>
+                <a:t>, 2024.</a:t>
+              </a:r>
+            </a:p>
           </p:txBody>
         </p:sp>
       </p:grpSp>
@@ -30301,7 +30592,7 @@
             <p:nvPr/>
           </p:nvPicPr>
           <p:blipFill>
-            <a:blip r:embed="rId18"/>
+            <a:blip r:embed="rId19"/>
             <a:srcRect/>
             <a:stretch/>
           </p:blipFill>
@@ -30330,7 +30621,7 @@
             <p:nvPr/>
           </p:nvPicPr>
           <p:blipFill>
-            <a:blip r:embed="rId19"/>
+            <a:blip r:embed="rId20"/>
             <a:stretch>
               <a:fillRect/>
             </a:stretch>
@@ -30361,7 +30652,7 @@
           <p:nvPr/>
         </p:nvPicPr>
         <p:blipFill>
-          <a:blip r:embed="rId20"/>
+          <a:blip r:embed="rId21"/>
           <a:srcRect/>
           <a:stretch/>
         </p:blipFill>
@@ -30373,53 +30664,6 @@
           <a:prstGeom prst="rect">
             <a:avLst/>
           </a:prstGeom>
-        </p:spPr>
-      </p:pic>
-      <p:pic>
-        <p:nvPicPr>
-          <p:cNvPr id="1026" name="Picture 2" descr="学習曲線 ($p, q$)">
-            <a:extLst>
-              <a:ext uri="{FF2B5EF4-FFF2-40B4-BE49-F238E27FC236}">
-                <a16:creationId xmlns:a16="http://schemas.microsoft.com/office/drawing/2014/main" id="{DE71979C-D6DF-3F00-B3A7-40D9D3D1C433}"/>
-              </a:ext>
-            </a:extLst>
-          </p:cNvPr>
-          <p:cNvPicPr>
-            <a:picLocks noChangeAspect="1" noChangeArrowheads="1"/>
-          </p:cNvPicPr>
-          <p:nvPr/>
-        </p:nvPicPr>
-        <p:blipFill>
-          <a:blip r:embed="rId21">
-            <a:extLst>
-              <a:ext uri="{28A0092B-C50C-407E-A947-70E740481C1C}">
-                <a14:useLocalDpi xmlns:a14="http://schemas.microsoft.com/office/drawing/2010/main" val="0"/>
-              </a:ext>
-            </a:extLst>
-          </a:blip>
-          <a:srcRect/>
-          <a:stretch>
-            <a:fillRect/>
-          </a:stretch>
-        </p:blipFill>
-        <p:spPr bwMode="auto">
-          <a:xfrm>
-            <a:off x="18105757" y="22826246"/>
-            <a:ext cx="2524125" cy="428625"/>
-          </a:xfrm>
-          <a:prstGeom prst="rect">
-            <a:avLst/>
-          </a:prstGeom>
-          <a:noFill/>
-          <a:extLst>
-            <a:ext uri="{909E8E84-426E-40DD-AFC4-6F175D3DCCD1}">
-              <a14:hiddenFill xmlns:a14="http://schemas.microsoft.com/office/drawing/2010/main">
-                <a:solidFill>
-                  <a:srgbClr val="FFFFFF"/>
-                </a:solidFill>
-              </a14:hiddenFill>
-            </a:ext>
-          </a:extLst>
         </p:spPr>
       </p:pic>
       <p:pic>
@@ -30449,53 +30693,6 @@
           <a:prstGeom prst="rect">
             <a:avLst/>
           </a:prstGeom>
-        </p:spPr>
-      </p:pic>
-      <p:pic>
-        <p:nvPicPr>
-          <p:cNvPr id="1028" name="Picture 4" descr="学習曲線 ($p, q, r$)">
-            <a:extLst>
-              <a:ext uri="{FF2B5EF4-FFF2-40B4-BE49-F238E27FC236}">
-                <a16:creationId xmlns:a16="http://schemas.microsoft.com/office/drawing/2014/main" id="{7C8EEA1C-DB08-E2B7-B350-29241731F1D5}"/>
-              </a:ext>
-            </a:extLst>
-          </p:cNvPr>
-          <p:cNvPicPr>
-            <a:picLocks noChangeAspect="1" noChangeArrowheads="1"/>
-          </p:cNvPicPr>
-          <p:nvPr/>
-        </p:nvPicPr>
-        <p:blipFill>
-          <a:blip r:embed="rId22">
-            <a:extLst>
-              <a:ext uri="{28A0092B-C50C-407E-A947-70E740481C1C}">
-                <a14:useLocalDpi xmlns:a14="http://schemas.microsoft.com/office/drawing/2010/main" val="0"/>
-              </a:ext>
-            </a:extLst>
-          </a:blip>
-          <a:srcRect/>
-          <a:stretch>
-            <a:fillRect/>
-          </a:stretch>
-        </p:blipFill>
-        <p:spPr bwMode="auto">
-          <a:xfrm>
-            <a:off x="24768299" y="22829726"/>
-            <a:ext cx="2886075" cy="428625"/>
-          </a:xfrm>
-          <a:prstGeom prst="rect">
-            <a:avLst/>
-          </a:prstGeom>
-          <a:noFill/>
-          <a:extLst>
-            <a:ext uri="{909E8E84-426E-40DD-AFC4-6F175D3DCCD1}">
-              <a14:hiddenFill xmlns:a14="http://schemas.microsoft.com/office/drawing/2010/main">
-                <a:solidFill>
-                  <a:srgbClr val="FFFFFF"/>
-                </a:solidFill>
-              </a14:hiddenFill>
-            </a:ext>
-          </a:extLst>
         </p:spPr>
       </p:pic>
       <p:pic>
@@ -30562,7 +30759,7 @@
             <p:nvPr/>
           </p:nvPicPr>
           <p:blipFill>
-            <a:blip r:embed="rId23">
+            <a:blip r:embed="rId22">
               <a:extLst>
                 <a:ext uri="{28A0092B-C50C-407E-A947-70E740481C1C}">
                   <a14:useLocalDpi xmlns:a14="http://schemas.microsoft.com/office/drawing/2010/main" val="0"/>
@@ -30609,7 +30806,7 @@
             <p:nvPr/>
           </p:nvPicPr>
           <p:blipFill>
-            <a:blip r:embed="rId24">
+            <a:blip r:embed="rId23">
               <a:extLst>
                 <a:ext uri="{28A0092B-C50C-407E-A947-70E740481C1C}">
                   <a14:useLocalDpi xmlns:a14="http://schemas.microsoft.com/office/drawing/2010/main" val="0"/>
@@ -30657,7 +30854,7 @@
           <p:nvPr/>
         </p:nvPicPr>
         <p:blipFill>
-          <a:blip r:embed="rId25">
+          <a:blip r:embed="rId24">
             <a:extLst>
               <a:ext uri="{28A0092B-C50C-407E-A947-70E740481C1C}">
                 <a14:useLocalDpi xmlns:a14="http://schemas.microsoft.com/office/drawing/2010/main" val="0"/>
@@ -30704,7 +30901,7 @@
           <p:nvPr/>
         </p:nvPicPr>
         <p:blipFill>
-          <a:blip r:embed="rId26">
+          <a:blip r:embed="rId25">
             <a:extLst>
               <a:ext uri="{28A0092B-C50C-407E-A947-70E740481C1C}">
                 <a14:useLocalDpi xmlns:a14="http://schemas.microsoft.com/office/drawing/2010/main" val="0"/>
@@ -30751,7 +30948,7 @@
           <p:nvPr/>
         </p:nvPicPr>
         <p:blipFill>
-          <a:blip r:embed="rId26">
+          <a:blip r:embed="rId25">
             <a:extLst>
               <a:ext uri="{28A0092B-C50C-407E-A947-70E740481C1C}">
                 <a14:useLocalDpi xmlns:a14="http://schemas.microsoft.com/office/drawing/2010/main" val="0"/>
@@ -30798,7 +30995,7 @@
           <p:nvPr/>
         </p:nvPicPr>
         <p:blipFill>
-          <a:blip r:embed="rId27">
+          <a:blip r:embed="rId26">
             <a:extLst>
               <a:ext uri="{28A0092B-C50C-407E-A947-70E740481C1C}">
                 <a14:useLocalDpi xmlns:a14="http://schemas.microsoft.com/office/drawing/2010/main" val="0"/>
@@ -30814,6 +31011,100 @@
           <a:xfrm>
             <a:off x="24378417" y="33029237"/>
             <a:ext cx="3143250" cy="285750"/>
+          </a:xfrm>
+          <a:prstGeom prst="rect">
+            <a:avLst/>
+          </a:prstGeom>
+          <a:noFill/>
+          <a:extLst>
+            <a:ext uri="{909E8E84-426E-40DD-AFC4-6F175D3DCCD1}">
+              <a14:hiddenFill xmlns:a14="http://schemas.microsoft.com/office/drawing/2010/main">
+                <a:solidFill>
+                  <a:srgbClr val="FFFFFF"/>
+                </a:solidFill>
+              </a14:hiddenFill>
+            </a:ext>
+          </a:extLst>
+        </p:spPr>
+      </p:pic>
+      <p:pic>
+        <p:nvPicPr>
+          <p:cNvPr id="3" name="Picture 2" descr="パラメータ $(p, q)$ の変化">
+            <a:extLst>
+              <a:ext uri="{FF2B5EF4-FFF2-40B4-BE49-F238E27FC236}">
+                <a16:creationId xmlns:a16="http://schemas.microsoft.com/office/drawing/2014/main" id="{F8AE97BD-B3D1-6181-B3B8-CEAEE8C25457}"/>
+              </a:ext>
+            </a:extLst>
+          </p:cNvPr>
+          <p:cNvPicPr>
+            <a:picLocks noChangeAspect="1" noChangeArrowheads="1"/>
+          </p:cNvPicPr>
+          <p:nvPr/>
+        </p:nvPicPr>
+        <p:blipFill>
+          <a:blip r:embed="rId27">
+            <a:extLst>
+              <a:ext uri="{28A0092B-C50C-407E-A947-70E740481C1C}">
+                <a14:useLocalDpi xmlns:a14="http://schemas.microsoft.com/office/drawing/2010/main" val="0"/>
+              </a:ext>
+            </a:extLst>
+          </a:blip>
+          <a:srcRect/>
+          <a:stretch>
+            <a:fillRect/>
+          </a:stretch>
+        </p:blipFill>
+        <p:spPr bwMode="auto">
+          <a:xfrm>
+            <a:off x="17064000" y="22768380"/>
+            <a:ext cx="4267200" cy="428625"/>
+          </a:xfrm>
+          <a:prstGeom prst="rect">
+            <a:avLst/>
+          </a:prstGeom>
+          <a:noFill/>
+          <a:extLst>
+            <a:ext uri="{909E8E84-426E-40DD-AFC4-6F175D3DCCD1}">
+              <a14:hiddenFill xmlns:a14="http://schemas.microsoft.com/office/drawing/2010/main">
+                <a:solidFill>
+                  <a:srgbClr val="FFFFFF"/>
+                </a:solidFill>
+              </a14:hiddenFill>
+            </a:ext>
+          </a:extLst>
+        </p:spPr>
+      </p:pic>
+      <p:pic>
+        <p:nvPicPr>
+          <p:cNvPr id="4" name="Picture 4" descr="パラメータ $(p, q, r)$ の変化">
+            <a:extLst>
+              <a:ext uri="{FF2B5EF4-FFF2-40B4-BE49-F238E27FC236}">
+                <a16:creationId xmlns:a16="http://schemas.microsoft.com/office/drawing/2014/main" id="{97DB779D-347D-44DC-96AE-D78B21917151}"/>
+              </a:ext>
+            </a:extLst>
+          </p:cNvPr>
+          <p:cNvPicPr>
+            <a:picLocks noChangeAspect="1" noChangeArrowheads="1"/>
+          </p:cNvPicPr>
+          <p:nvPr/>
+        </p:nvPicPr>
+        <p:blipFill>
+          <a:blip r:embed="rId28">
+            <a:extLst>
+              <a:ext uri="{28A0092B-C50C-407E-A947-70E740481C1C}">
+                <a14:useLocalDpi xmlns:a14="http://schemas.microsoft.com/office/drawing/2010/main" val="0"/>
+              </a:ext>
+            </a:extLst>
+          </a:blip>
+          <a:srcRect/>
+          <a:stretch>
+            <a:fillRect/>
+          </a:stretch>
+        </p:blipFill>
+        <p:spPr bwMode="auto">
+          <a:xfrm>
+            <a:off x="24000027" y="22773264"/>
+            <a:ext cx="4638675" cy="428625"/>
           </a:xfrm>
           <a:prstGeom prst="rect">
             <a:avLst/>

--- a/Weekly_Report/2024_poster/2024_takayama_poster.pptx
+++ b/Weekly_Report/2024_poster/2024_takayama_poster.pptx
@@ -22971,8 +22971,8 @@
                   </p:txBody>
                 </p:sp>
               </p:grpSp>
-              <mc:AlternateContent xmlns:mc="http://schemas.openxmlformats.org/markup-compatibility/2006">
-                <mc:Choice xmlns:a14="http://schemas.microsoft.com/office/drawing/2010/main" Requires="a14">
+              <mc:AlternateContent xmlns:mc="http://schemas.openxmlformats.org/markup-compatibility/2006" xmlns:a14="http://schemas.microsoft.com/office/drawing/2010/main">
+                <mc:Choice Requires="a14">
                   <p:sp>
                     <p:nvSpPr>
                       <p:cNvPr id="51" name="テキスト ボックス 50">
@@ -23182,7 +23182,7 @@
                     </p:txBody>
                   </p:sp>
                 </mc:Choice>
-                <mc:Fallback>
+                <mc:Fallback xmlns="">
                   <p:sp>
                     <p:nvSpPr>
                       <p:cNvPr id="51" name="テキスト ボックス 50">
@@ -23921,8 +23921,8 @@
                   </p:txBody>
                 </p:sp>
               </p:grpSp>
-              <mc:AlternateContent xmlns:mc="http://schemas.openxmlformats.org/markup-compatibility/2006">
-                <mc:Choice xmlns:a14="http://schemas.microsoft.com/office/drawing/2010/main" Requires="a14">
+              <mc:AlternateContent xmlns:mc="http://schemas.openxmlformats.org/markup-compatibility/2006" xmlns:a14="http://schemas.microsoft.com/office/drawing/2010/main">
+                <mc:Choice Requires="a14">
                   <p:sp>
                     <p:nvSpPr>
                       <p:cNvPr id="74" name="テキスト ボックス 73">
@@ -24052,7 +24052,7 @@
                     </p:txBody>
                   </p:sp>
                 </mc:Choice>
-                <mc:Fallback>
+                <mc:Fallback xmlns="">
                   <p:sp>
                     <p:nvSpPr>
                       <p:cNvPr id="74" name="テキスト ボックス 73">
@@ -24235,8 +24235,8 @@
                   </a:p>
                 </p:txBody>
               </p:sp>
-              <mc:AlternateContent xmlns:mc="http://schemas.openxmlformats.org/markup-compatibility/2006">
-                <mc:Choice xmlns:a14="http://schemas.microsoft.com/office/drawing/2010/main" Requires="a14">
+              <mc:AlternateContent xmlns:mc="http://schemas.openxmlformats.org/markup-compatibility/2006" xmlns:a14="http://schemas.microsoft.com/office/drawing/2010/main">
+                <mc:Choice Requires="a14">
                   <p:sp>
                     <p:nvSpPr>
                       <p:cNvPr id="78" name="正方形/長方形 77">
@@ -24341,7 +24341,7 @@
                     </p:txBody>
                   </p:sp>
                 </mc:Choice>
-                <mc:Fallback>
+                <mc:Fallback xmlns="">
                   <p:sp>
                     <p:nvSpPr>
                       <p:cNvPr id="78" name="正方形/長方形 77">
@@ -24386,8 +24386,8 @@
                   </p:sp>
                 </mc:Fallback>
               </mc:AlternateContent>
-              <mc:AlternateContent xmlns:mc="http://schemas.openxmlformats.org/markup-compatibility/2006">
-                <mc:Choice xmlns:a14="http://schemas.microsoft.com/office/drawing/2010/main" Requires="a14">
+              <mc:AlternateContent xmlns:mc="http://schemas.openxmlformats.org/markup-compatibility/2006" xmlns:a14="http://schemas.microsoft.com/office/drawing/2010/main">
+                <mc:Choice Requires="a14">
                   <p:sp>
                     <p:nvSpPr>
                       <p:cNvPr id="79" name="四角形: 上の 2 つの角を切り取る 78">
@@ -24495,7 +24495,7 @@
                     </p:txBody>
                   </p:sp>
                 </mc:Choice>
-                <mc:Fallback>
+                <mc:Fallback xmlns="">
                   <p:sp>
                     <p:nvSpPr>
                       <p:cNvPr id="79" name="四角形: 上の 2 つの角を切り取る 78">
@@ -24933,8 +24933,8 @@
             </p:txBody>
           </p:sp>
         </p:grpSp>
-        <mc:AlternateContent xmlns:mc="http://schemas.openxmlformats.org/markup-compatibility/2006">
-          <mc:Choice xmlns:a14="http://schemas.microsoft.com/office/drawing/2010/main" Requires="a14">
+        <mc:AlternateContent xmlns:mc="http://schemas.openxmlformats.org/markup-compatibility/2006" xmlns:a14="http://schemas.microsoft.com/office/drawing/2010/main">
+          <mc:Choice Requires="a14">
             <p:sp>
               <p:nvSpPr>
                 <p:cNvPr id="27" name="テキスト ボックス 26">
@@ -25110,7 +25110,7 @@
               </p:txBody>
             </p:sp>
           </mc:Choice>
-          <mc:Fallback>
+          <mc:Fallback xmlns="">
             <p:sp>
               <p:nvSpPr>
                 <p:cNvPr id="27" name="テキスト ボックス 26">
@@ -28174,8 +28174,8 @@
             </p:txBody>
           </p:sp>
         </p:grpSp>
-        <mc:AlternateContent xmlns:mc="http://schemas.openxmlformats.org/markup-compatibility/2006">
-          <mc:Choice xmlns:a14="http://schemas.microsoft.com/office/drawing/2010/main" Requires="a14">
+        <mc:AlternateContent xmlns:mc="http://schemas.openxmlformats.org/markup-compatibility/2006" xmlns:a14="http://schemas.microsoft.com/office/drawing/2010/main">
+          <mc:Choice Requires="a14">
             <p:sp>
               <p:nvSpPr>
                 <p:cNvPr id="27" name="テキスト ボックス 26">
@@ -28351,7 +28351,7 @@
               </p:txBody>
             </p:sp>
           </mc:Choice>
-          <mc:Fallback>
+          <mc:Fallback xmlns="">
             <p:sp>
               <p:nvSpPr>
                 <p:cNvPr id="27" name="テキスト ボックス 26">
@@ -31079,8 +31079,8 @@
               </a:p>
             </p:txBody>
           </p:sp>
-          <mc:AlternateContent xmlns:mc="http://schemas.openxmlformats.org/markup-compatibility/2006">
-            <mc:Choice xmlns:a14="http://schemas.microsoft.com/office/drawing/2010/main" Requires="a14">
+          <mc:AlternateContent xmlns:mc="http://schemas.openxmlformats.org/markup-compatibility/2006" xmlns:a14="http://schemas.microsoft.com/office/drawing/2010/main">
+            <mc:Choice Requires="a14">
               <p:sp>
                 <p:nvSpPr>
                   <p:cNvPr id="78" name="正方形/長方形 77">
@@ -31185,7 +31185,7 @@
                 </p:txBody>
               </p:sp>
             </mc:Choice>
-            <mc:Fallback>
+            <mc:Fallback xmlns="">
               <p:sp>
                 <p:nvSpPr>
                   <p:cNvPr id="78" name="正方形/長方形 77">
@@ -31277,8 +31277,8 @@
             </p:txBody>
           </p:sp>
         </p:grpSp>
-        <mc:AlternateContent xmlns:mc="http://schemas.openxmlformats.org/markup-compatibility/2006">
-          <mc:Choice xmlns:a14="http://schemas.microsoft.com/office/drawing/2010/main" Requires="a14">
+        <mc:AlternateContent xmlns:mc="http://schemas.openxmlformats.org/markup-compatibility/2006" xmlns:a14="http://schemas.microsoft.com/office/drawing/2010/main">
+          <mc:Choice Requires="a14">
             <p:sp>
               <p:nvSpPr>
                 <p:cNvPr id="27" name="テキスト ボックス 26">
@@ -31417,7 +31417,7 @@
               </p:txBody>
             </p:sp>
           </mc:Choice>
-          <mc:Fallback>
+          <mc:Fallback xmlns="">
             <p:sp>
               <p:nvSpPr>
                 <p:cNvPr id="27" name="テキスト ボックス 26">
@@ -39713,10 +39713,10 @@
             <p:nvPr/>
           </p:nvPicPr>
           <p:blipFill>
-            <a:blip r:embed="rId3">
+            <a:blip r:embed="rId11">
               <a:extLst>
                 <a:ext uri="{96DAC541-7B7A-43D3-8B79-37D633B846F1}">
-                  <asvg:svgBlip xmlns:asvg="http://schemas.microsoft.com/office/drawing/2016/SVG/main" r:embed="rId11"/>
+                  <asvg:svgBlip xmlns:asvg="http://schemas.microsoft.com/office/drawing/2016/SVG/main" r:embed="rId12"/>
                 </a:ext>
               </a:extLst>
             </a:blip>
@@ -42553,35 +42553,6 @@
           </a:extLst>
         </p:spPr>
       </p:pic>
-      <p:pic>
-        <p:nvPicPr>
-          <p:cNvPr id="9" name="図 8" descr="図形&#10;&#10;中程度の精度で自動的に生成された説明">
-            <a:extLst>
-              <a:ext uri="{FF2B5EF4-FFF2-40B4-BE49-F238E27FC236}">
-                <a16:creationId xmlns:a16="http://schemas.microsoft.com/office/drawing/2014/main" id="{B594C3E4-9D8F-1599-85C8-6C30CD5312B2}"/>
-              </a:ext>
-            </a:extLst>
-          </p:cNvPr>
-          <p:cNvPicPr>
-            <a:picLocks noChangeAspect="1"/>
-          </p:cNvPicPr>
-          <p:nvPr/>
-        </p:nvPicPr>
-        <p:blipFill rotWithShape="1">
-          <a:blip r:embed="rId17"/>
-          <a:srcRect l="2521" t="-1120" b="73489"/>
-          <a:stretch/>
-        </p:blipFill>
-        <p:spPr>
-          <a:xfrm>
-            <a:off x="29974262" y="13326814"/>
-            <a:ext cx="8329798" cy="366718"/>
-          </a:xfrm>
-          <a:prstGeom prst="rect">
-            <a:avLst/>
-          </a:prstGeom>
-        </p:spPr>
-      </p:pic>
     </p:spTree>
     <p:extLst>
       <p:ext uri="{BB962C8B-B14F-4D97-AF65-F5344CB8AC3E}">

--- a/Weekly_Report/2024_poster/2024_takayama_poster.pptx
+++ b/Weekly_Report/2024_poster/2024_takayama_poster.pptx
@@ -5,17 +5,18 @@
     <p:sldMasterId id="2147483660" r:id="rId1"/>
   </p:sldMasterIdLst>
   <p:notesMasterIdLst>
-    <p:notesMasterId r:id="rId10"/>
+    <p:notesMasterId r:id="rId11"/>
   </p:notesMasterIdLst>
   <p:sldIdLst>
     <p:sldId id="256" r:id="rId2"/>
     <p:sldId id="262" r:id="rId3"/>
-    <p:sldId id="267" r:id="rId4"/>
-    <p:sldId id="266" r:id="rId5"/>
-    <p:sldId id="265" r:id="rId6"/>
-    <p:sldId id="261" r:id="rId7"/>
-    <p:sldId id="264" r:id="rId8"/>
-    <p:sldId id="263" r:id="rId9"/>
+    <p:sldId id="268" r:id="rId4"/>
+    <p:sldId id="267" r:id="rId5"/>
+    <p:sldId id="266" r:id="rId6"/>
+    <p:sldId id="265" r:id="rId7"/>
+    <p:sldId id="261" r:id="rId8"/>
+    <p:sldId id="264" r:id="rId9"/>
+    <p:sldId id="263" r:id="rId10"/>
   </p:sldIdLst>
   <p:sldSz cx="30275213" cy="42803763"/>
   <p:notesSz cx="7559675" cy="10691813"/>
@@ -918,6 +919,133 @@
         <p:cNvPr id="1" name="Shape 108">
           <a:extLst>
             <a:ext uri="{FF2B5EF4-FFF2-40B4-BE49-F238E27FC236}">
+              <a16:creationId xmlns:a16="http://schemas.microsoft.com/office/drawing/2014/main" id="{D41BD1BD-491B-370F-45D0-6A8F73FA4378}"/>
+            </a:ext>
+          </a:extLst>
+        </p:cNvPr>
+        <p:cNvGrpSpPr/>
+        <p:nvPr/>
+      </p:nvGrpSpPr>
+      <p:grpSpPr>
+        <a:xfrm>
+          <a:off x="0" y="0"/>
+          <a:ext cx="0" cy="0"/>
+          <a:chOff x="0" y="0"/>
+          <a:chExt cx="0" cy="0"/>
+        </a:xfrm>
+      </p:grpSpPr>
+      <p:sp>
+        <p:nvSpPr>
+          <p:cNvPr id="109" name="Google Shape;109;g23ed9f84928_0_14:notes">
+            <a:extLst>
+              <a:ext uri="{FF2B5EF4-FFF2-40B4-BE49-F238E27FC236}">
+                <a16:creationId xmlns:a16="http://schemas.microsoft.com/office/drawing/2014/main" id="{F21869E5-1C4D-B69A-8A6D-24F679DD32A9}"/>
+              </a:ext>
+            </a:extLst>
+          </p:cNvPr>
+          <p:cNvSpPr>
+            <a:spLocks noGrp="1" noRot="1" noChangeAspect="1"/>
+          </p:cNvSpPr>
+          <p:nvPr>
+            <p:ph type="sldImg" idx="2"/>
+          </p:nvPr>
+        </p:nvSpPr>
+        <p:spPr>
+          <a:xfrm>
+            <a:off x="2362200" y="801688"/>
+            <a:ext cx="2836863" cy="4010025"/>
+          </a:xfrm>
+          <a:custGeom>
+            <a:avLst/>
+            <a:gdLst/>
+            <a:ahLst/>
+            <a:cxnLst/>
+            <a:rect l="l" t="t" r="r" b="b"/>
+            <a:pathLst>
+              <a:path w="120000" h="120000" extrusionOk="0">
+                <a:moveTo>
+                  <a:pt x="0" y="0"/>
+                </a:moveTo>
+                <a:lnTo>
+                  <a:pt x="120000" y="0"/>
+                </a:lnTo>
+                <a:lnTo>
+                  <a:pt x="120000" y="120000"/>
+                </a:lnTo>
+                <a:lnTo>
+                  <a:pt x="0" y="120000"/>
+                </a:lnTo>
+                <a:close/>
+              </a:path>
+            </a:pathLst>
+          </a:custGeom>
+        </p:spPr>
+      </p:sp>
+      <p:sp>
+        <p:nvSpPr>
+          <p:cNvPr id="110" name="Google Shape;110;g23ed9f84928_0_14:notes">
+            <a:extLst>
+              <a:ext uri="{FF2B5EF4-FFF2-40B4-BE49-F238E27FC236}">
+                <a16:creationId xmlns:a16="http://schemas.microsoft.com/office/drawing/2014/main" id="{BE6F9A91-8297-5A2D-4F2B-81C6BEC11258}"/>
+              </a:ext>
+            </a:extLst>
+          </p:cNvPr>
+          <p:cNvSpPr txBox="1">
+            <a:spLocks noGrp="1"/>
+          </p:cNvSpPr>
+          <p:nvPr>
+            <p:ph type="body" idx="1"/>
+          </p:nvPr>
+        </p:nvSpPr>
+        <p:spPr>
+          <a:xfrm>
+            <a:off x="755950" y="5078600"/>
+            <a:ext cx="6047700" cy="4811400"/>
+          </a:xfrm>
+          <a:prstGeom prst="rect">
+            <a:avLst/>
+          </a:prstGeom>
+        </p:spPr>
+        <p:txBody>
+          <a:bodyPr spcFirstLastPara="1" wrap="square" lIns="91425" tIns="91425" rIns="91425" bIns="91425" anchor="t" anchorCtr="0">
+            <a:noAutofit/>
+          </a:bodyPr>
+          <a:lstStyle/>
+          <a:p>
+            <a:pPr marL="0" lvl="0" indent="0" algn="l" rtl="0">
+              <a:spcBef>
+                <a:spcPts val="0"/>
+              </a:spcBef>
+              <a:spcAft>
+                <a:spcPts val="0"/>
+              </a:spcAft>
+              <a:buNone/>
+            </a:pPr>
+            <a:endParaRPr dirty="0"/>
+          </a:p>
+        </p:txBody>
+      </p:sp>
+    </p:spTree>
+    <p:extLst>
+      <p:ext uri="{BB962C8B-B14F-4D97-AF65-F5344CB8AC3E}">
+        <p14:creationId xmlns:p14="http://schemas.microsoft.com/office/powerpoint/2010/main" val="1178139162"/>
+      </p:ext>
+    </p:extLst>
+  </p:cSld>
+  <p:clrMapOvr>
+    <a:masterClrMapping/>
+  </p:clrMapOvr>
+</p:notes>
+</file>
+
+<file path=ppt/notesSlides/notesSlide4.xml><?xml version="1.0" encoding="utf-8"?>
+<p:notes xmlns:a="http://schemas.openxmlformats.org/drawingml/2006/main" xmlns:r="http://schemas.openxmlformats.org/officeDocument/2006/relationships" xmlns:p="http://schemas.openxmlformats.org/presentationml/2006/main" showMasterSp="0" showMasterPhAnim="0">
+  <p:cSld>
+    <p:spTree>
+      <p:nvGrpSpPr>
+        <p:cNvPr id="1" name="Shape 108">
+          <a:extLst>
+            <a:ext uri="{FF2B5EF4-FFF2-40B4-BE49-F238E27FC236}">
               <a16:creationId xmlns:a16="http://schemas.microsoft.com/office/drawing/2014/main" id="{DF64A498-55F2-F35C-C015-857F76A2E6D3}"/>
             </a:ext>
           </a:extLst>
@@ -1037,7 +1165,7 @@
 </p:notes>
 </file>
 
-<file path=ppt/notesSlides/notesSlide4.xml><?xml version="1.0" encoding="utf-8"?>
+<file path=ppt/notesSlides/notesSlide5.xml><?xml version="1.0" encoding="utf-8"?>
 <p:notes xmlns:a="http://schemas.openxmlformats.org/drawingml/2006/main" xmlns:r="http://schemas.openxmlformats.org/officeDocument/2006/relationships" xmlns:p="http://schemas.openxmlformats.org/presentationml/2006/main" showMasterSp="0" showMasterPhAnim="0">
   <p:cSld>
     <p:spTree>
@@ -1164,7 +1292,7 @@
 </p:notes>
 </file>
 
-<file path=ppt/notesSlides/notesSlide5.xml><?xml version="1.0" encoding="utf-8"?>
+<file path=ppt/notesSlides/notesSlide6.xml><?xml version="1.0" encoding="utf-8"?>
 <p:notes xmlns:a="http://schemas.openxmlformats.org/drawingml/2006/main" xmlns:r="http://schemas.openxmlformats.org/officeDocument/2006/relationships" xmlns:p="http://schemas.openxmlformats.org/presentationml/2006/main" showMasterSp="0" showMasterPhAnim="0">
   <p:cSld>
     <p:spTree>
@@ -1291,7 +1419,7 @@
 </p:notes>
 </file>
 
-<file path=ppt/notesSlides/notesSlide6.xml><?xml version="1.0" encoding="utf-8"?>
+<file path=ppt/notesSlides/notesSlide7.xml><?xml version="1.0" encoding="utf-8"?>
 <p:notes xmlns:a="http://schemas.openxmlformats.org/drawingml/2006/main" xmlns:r="http://schemas.openxmlformats.org/officeDocument/2006/relationships" xmlns:p="http://schemas.openxmlformats.org/presentationml/2006/main" showMasterSp="0" showMasterPhAnim="0">
   <p:cSld>
     <p:spTree>
@@ -3668,7 +3796,7 @@
 </p:notes>
 </file>
 
-<file path=ppt/notesSlides/notesSlide7.xml><?xml version="1.0" encoding="utf-8"?>
+<file path=ppt/notesSlides/notesSlide8.xml><?xml version="1.0" encoding="utf-8"?>
 <p:notes xmlns:a="http://schemas.openxmlformats.org/drawingml/2006/main" xmlns:r="http://schemas.openxmlformats.org/officeDocument/2006/relationships" xmlns:p="http://schemas.openxmlformats.org/presentationml/2006/main" showMasterSp="0" showMasterPhAnim="0">
   <p:cSld>
     <p:spTree>
@@ -20442,6 +20570,4489 @@
         <p:cNvPr id="1" name="Shape 111">
           <a:extLst>
             <a:ext uri="{FF2B5EF4-FFF2-40B4-BE49-F238E27FC236}">
+              <a16:creationId xmlns:a16="http://schemas.microsoft.com/office/drawing/2014/main" id="{A06E9687-AE22-9EFA-05CB-1F1210ED7E36}"/>
+            </a:ext>
+          </a:extLst>
+        </p:cNvPr>
+        <p:cNvGrpSpPr/>
+        <p:nvPr/>
+      </p:nvGrpSpPr>
+      <p:grpSpPr>
+        <a:xfrm>
+          <a:off x="0" y="0"/>
+          <a:ext cx="0" cy="0"/>
+          <a:chOff x="0" y="0"/>
+          <a:chExt cx="0" cy="0"/>
+        </a:xfrm>
+      </p:grpSpPr>
+      <p:grpSp>
+        <p:nvGrpSpPr>
+          <p:cNvPr id="26" name="グループ化 25">
+            <a:extLst>
+              <a:ext uri="{FF2B5EF4-FFF2-40B4-BE49-F238E27FC236}">
+                <a16:creationId xmlns:a16="http://schemas.microsoft.com/office/drawing/2014/main" id="{F3EFBF84-803C-0B15-861A-DEE7BCA0AB56}"/>
+              </a:ext>
+            </a:extLst>
+          </p:cNvPr>
+          <p:cNvGrpSpPr/>
+          <p:nvPr/>
+        </p:nvGrpSpPr>
+        <p:grpSpPr>
+          <a:xfrm>
+            <a:off x="2409092" y="697968"/>
+            <a:ext cx="8774726" cy="6226707"/>
+            <a:chOff x="2409092" y="697968"/>
+            <a:chExt cx="8774726" cy="6226707"/>
+          </a:xfrm>
+        </p:grpSpPr>
+        <p:grpSp>
+          <p:nvGrpSpPr>
+            <p:cNvPr id="22" name="グループ化 21">
+              <a:extLst>
+                <a:ext uri="{FF2B5EF4-FFF2-40B4-BE49-F238E27FC236}">
+                  <a16:creationId xmlns:a16="http://schemas.microsoft.com/office/drawing/2014/main" id="{A1AA15F5-9B80-BD7F-E9AC-C09492379334}"/>
+                </a:ext>
+              </a:extLst>
+            </p:cNvPr>
+            <p:cNvGrpSpPr/>
+            <p:nvPr/>
+          </p:nvGrpSpPr>
+          <p:grpSpPr>
+            <a:xfrm>
+              <a:off x="2409092" y="1933554"/>
+              <a:ext cx="8774726" cy="4991121"/>
+              <a:chOff x="2409092" y="952479"/>
+              <a:chExt cx="8774726" cy="4991121"/>
+            </a:xfrm>
+          </p:grpSpPr>
+          <p:sp>
+            <p:nvSpPr>
+              <p:cNvPr id="2" name="四角形: 上の 2 つの角を切り取る 1">
+                <a:extLst>
+                  <a:ext uri="{FF2B5EF4-FFF2-40B4-BE49-F238E27FC236}">
+                    <a16:creationId xmlns:a16="http://schemas.microsoft.com/office/drawing/2014/main" id="{BDB8288C-F5EA-1312-ADFE-792D2A743EA7}"/>
+                  </a:ext>
+                </a:extLst>
+              </p:cNvPr>
+              <p:cNvSpPr/>
+              <p:nvPr/>
+            </p:nvSpPr>
+            <p:spPr>
+              <a:xfrm>
+                <a:off x="2409092" y="4923692"/>
+                <a:ext cx="1600200" cy="1019908"/>
+              </a:xfrm>
+              <a:prstGeom prst="snip2SameRect">
+                <a:avLst/>
+              </a:prstGeom>
+              <a:ln>
+                <a:solidFill>
+                  <a:schemeClr val="bg2"/>
+                </a:solidFill>
+              </a:ln>
+            </p:spPr>
+            <p:style>
+              <a:lnRef idx="2">
+                <a:schemeClr val="accent4">
+                  <a:shade val="15000"/>
+                </a:schemeClr>
+              </a:lnRef>
+              <a:fillRef idx="1">
+                <a:schemeClr val="accent4"/>
+              </a:fillRef>
+              <a:effectRef idx="0">
+                <a:schemeClr val="accent4"/>
+              </a:effectRef>
+              <a:fontRef idx="minor">
+                <a:schemeClr val="lt1"/>
+              </a:fontRef>
+            </p:style>
+            <p:txBody>
+              <a:bodyPr rtlCol="0" anchor="ctr"/>
+              <a:lstStyle/>
+              <a:p>
+                <a:pPr algn="ctr"/>
+                <a:r>
+                  <a:rPr kumimoji="1" lang="en-US" altLang="ja-JP" sz="3600" dirty="0">
+                    <a:solidFill>
+                      <a:schemeClr val="tx1"/>
+                    </a:solidFill>
+                  </a:rPr>
+                  <a:t>[CLS]</a:t>
+                </a:r>
+                <a:endParaRPr kumimoji="1" lang="ja-JP" altLang="en-US" sz="3600" dirty="0">
+                  <a:solidFill>
+                    <a:schemeClr val="tx1"/>
+                  </a:solidFill>
+                </a:endParaRPr>
+              </a:p>
+            </p:txBody>
+          </p:sp>
+          <p:sp>
+            <p:nvSpPr>
+              <p:cNvPr id="3" name="四角形: 上の 2 つの角を切り取る 2">
+                <a:extLst>
+                  <a:ext uri="{FF2B5EF4-FFF2-40B4-BE49-F238E27FC236}">
+                    <a16:creationId xmlns:a16="http://schemas.microsoft.com/office/drawing/2014/main" id="{42F191A6-4BC0-ED6F-3E39-FFF050EB80BB}"/>
+                  </a:ext>
+                </a:extLst>
+              </p:cNvPr>
+              <p:cNvSpPr/>
+              <p:nvPr/>
+            </p:nvSpPr>
+            <p:spPr>
+              <a:xfrm>
+                <a:off x="4202723" y="4923692"/>
+                <a:ext cx="1600200" cy="1019908"/>
+              </a:xfrm>
+              <a:prstGeom prst="snip2SameRect">
+                <a:avLst/>
+              </a:prstGeom>
+              <a:ln>
+                <a:solidFill>
+                  <a:schemeClr val="bg2"/>
+                </a:solidFill>
+              </a:ln>
+            </p:spPr>
+            <p:style>
+              <a:lnRef idx="2">
+                <a:schemeClr val="accent4">
+                  <a:shade val="15000"/>
+                </a:schemeClr>
+              </a:lnRef>
+              <a:fillRef idx="1">
+                <a:schemeClr val="accent4"/>
+              </a:fillRef>
+              <a:effectRef idx="0">
+                <a:schemeClr val="accent4"/>
+              </a:effectRef>
+              <a:fontRef idx="minor">
+                <a:schemeClr val="lt1"/>
+              </a:fontRef>
+            </p:style>
+            <p:txBody>
+              <a:bodyPr rtlCol="0" anchor="ctr"/>
+              <a:lstStyle/>
+              <a:p>
+                <a:pPr algn="ctr"/>
+                <a:r>
+                  <a:rPr kumimoji="1" lang="en-US" altLang="ja-JP" sz="3600" dirty="0">
+                    <a:solidFill>
+                      <a:schemeClr val="tx1"/>
+                    </a:solidFill>
+                  </a:rPr>
+                  <a:t>Tok</a:t>
+                </a:r>
+                <a:r>
+                  <a:rPr kumimoji="1" lang="en-US" altLang="ja-JP" sz="3600" baseline="-25000" dirty="0">
+                    <a:solidFill>
+                      <a:schemeClr val="tx1"/>
+                    </a:solidFill>
+                  </a:rPr>
+                  <a:t>1</a:t>
+                </a:r>
+                <a:endParaRPr kumimoji="1" lang="ja-JP" altLang="en-US" sz="3600" dirty="0">
+                  <a:solidFill>
+                    <a:schemeClr val="tx1"/>
+                  </a:solidFill>
+                </a:endParaRPr>
+              </a:p>
+            </p:txBody>
+          </p:sp>
+          <p:sp>
+            <p:nvSpPr>
+              <p:cNvPr id="4" name="四角形: 上の 2 つの角を切り取る 3">
+                <a:extLst>
+                  <a:ext uri="{FF2B5EF4-FFF2-40B4-BE49-F238E27FC236}">
+                    <a16:creationId xmlns:a16="http://schemas.microsoft.com/office/drawing/2014/main" id="{DE4C55A6-7026-EEEC-92DF-0B9CA76EB307}"/>
+                  </a:ext>
+                </a:extLst>
+              </p:cNvPr>
+              <p:cNvSpPr/>
+              <p:nvPr/>
+            </p:nvSpPr>
+            <p:spPr>
+              <a:xfrm>
+                <a:off x="5996354" y="4923692"/>
+                <a:ext cx="1600200" cy="1019908"/>
+              </a:xfrm>
+              <a:prstGeom prst="snip2SameRect">
+                <a:avLst/>
+              </a:prstGeom>
+              <a:ln>
+                <a:solidFill>
+                  <a:schemeClr val="bg2"/>
+                </a:solidFill>
+              </a:ln>
+            </p:spPr>
+            <p:style>
+              <a:lnRef idx="2">
+                <a:schemeClr val="accent4">
+                  <a:shade val="15000"/>
+                </a:schemeClr>
+              </a:lnRef>
+              <a:fillRef idx="1">
+                <a:schemeClr val="accent4"/>
+              </a:fillRef>
+              <a:effectRef idx="0">
+                <a:schemeClr val="accent4"/>
+              </a:effectRef>
+              <a:fontRef idx="minor">
+                <a:schemeClr val="lt1"/>
+              </a:fontRef>
+            </p:style>
+            <p:txBody>
+              <a:bodyPr rtlCol="0" anchor="ctr"/>
+              <a:lstStyle/>
+              <a:p>
+                <a:pPr algn="ctr"/>
+                <a:r>
+                  <a:rPr kumimoji="1" lang="en-US" altLang="ja-JP" sz="3600" dirty="0">
+                    <a:solidFill>
+                      <a:schemeClr val="tx1"/>
+                    </a:solidFill>
+                  </a:rPr>
+                  <a:t>Tok</a:t>
+                </a:r>
+                <a:r>
+                  <a:rPr kumimoji="1" lang="en-US" altLang="ja-JP" sz="3600" baseline="-25000" dirty="0">
+                    <a:solidFill>
+                      <a:schemeClr val="tx1"/>
+                    </a:solidFill>
+                  </a:rPr>
+                  <a:t>2</a:t>
+                </a:r>
+                <a:endParaRPr kumimoji="1" lang="ja-JP" altLang="en-US" sz="3600" dirty="0">
+                  <a:solidFill>
+                    <a:schemeClr val="tx1"/>
+                  </a:solidFill>
+                </a:endParaRPr>
+              </a:p>
+            </p:txBody>
+          </p:sp>
+          <p:sp>
+            <p:nvSpPr>
+              <p:cNvPr id="5" name="四角形: 上の 2 つの角を切り取る 4">
+                <a:extLst>
+                  <a:ext uri="{FF2B5EF4-FFF2-40B4-BE49-F238E27FC236}">
+                    <a16:creationId xmlns:a16="http://schemas.microsoft.com/office/drawing/2014/main" id="{BF24A122-80E6-C568-F189-0AA565B9F502}"/>
+                  </a:ext>
+                </a:extLst>
+              </p:cNvPr>
+              <p:cNvSpPr/>
+              <p:nvPr/>
+            </p:nvSpPr>
+            <p:spPr>
+              <a:xfrm>
+                <a:off x="9583616" y="4923692"/>
+                <a:ext cx="1600200" cy="1019908"/>
+              </a:xfrm>
+              <a:prstGeom prst="snip2SameRect">
+                <a:avLst/>
+              </a:prstGeom>
+              <a:ln>
+                <a:solidFill>
+                  <a:schemeClr val="bg2"/>
+                </a:solidFill>
+              </a:ln>
+            </p:spPr>
+            <p:style>
+              <a:lnRef idx="2">
+                <a:schemeClr val="accent4">
+                  <a:shade val="15000"/>
+                </a:schemeClr>
+              </a:lnRef>
+              <a:fillRef idx="1">
+                <a:schemeClr val="accent4"/>
+              </a:fillRef>
+              <a:effectRef idx="0">
+                <a:schemeClr val="accent4"/>
+              </a:effectRef>
+              <a:fontRef idx="minor">
+                <a:schemeClr val="lt1"/>
+              </a:fontRef>
+            </p:style>
+            <p:txBody>
+              <a:bodyPr rtlCol="0" anchor="ctr"/>
+              <a:lstStyle/>
+              <a:p>
+                <a:pPr algn="ctr"/>
+                <a:r>
+                  <a:rPr kumimoji="1" lang="en-US" altLang="ja-JP" sz="3600" dirty="0" err="1">
+                    <a:solidFill>
+                      <a:schemeClr val="tx1"/>
+                    </a:solidFill>
+                  </a:rPr>
+                  <a:t>Tok</a:t>
+                </a:r>
+                <a:r>
+                  <a:rPr kumimoji="1" lang="en-US" altLang="ja-JP" sz="3600" baseline="-25000" dirty="0" err="1">
+                    <a:solidFill>
+                      <a:schemeClr val="tx1"/>
+                    </a:solidFill>
+                  </a:rPr>
+                  <a:t>N</a:t>
+                </a:r>
+                <a:endParaRPr kumimoji="1" lang="ja-JP" altLang="en-US" sz="3600" dirty="0">
+                  <a:solidFill>
+                    <a:schemeClr val="tx1"/>
+                  </a:solidFill>
+                </a:endParaRPr>
+              </a:p>
+            </p:txBody>
+          </p:sp>
+          <p:sp>
+            <p:nvSpPr>
+              <p:cNvPr id="6" name="四角形: 上の 2 つの角を切り取る 5">
+                <a:extLst>
+                  <a:ext uri="{FF2B5EF4-FFF2-40B4-BE49-F238E27FC236}">
+                    <a16:creationId xmlns:a16="http://schemas.microsoft.com/office/drawing/2014/main" id="{369445DE-7A16-093D-479E-FDACB904058A}"/>
+                  </a:ext>
+                </a:extLst>
+              </p:cNvPr>
+              <p:cNvSpPr/>
+              <p:nvPr/>
+            </p:nvSpPr>
+            <p:spPr>
+              <a:xfrm>
+                <a:off x="7789985" y="4923692"/>
+                <a:ext cx="1600200" cy="1019908"/>
+              </a:xfrm>
+              <a:prstGeom prst="snip2SameRect">
+                <a:avLst/>
+              </a:prstGeom>
+              <a:noFill/>
+              <a:ln>
+                <a:noFill/>
+              </a:ln>
+            </p:spPr>
+            <p:style>
+              <a:lnRef idx="2">
+                <a:schemeClr val="accent4">
+                  <a:shade val="15000"/>
+                </a:schemeClr>
+              </a:lnRef>
+              <a:fillRef idx="1">
+                <a:schemeClr val="accent4"/>
+              </a:fillRef>
+              <a:effectRef idx="0">
+                <a:schemeClr val="accent4"/>
+              </a:effectRef>
+              <a:fontRef idx="minor">
+                <a:schemeClr val="lt1"/>
+              </a:fontRef>
+            </p:style>
+            <p:txBody>
+              <a:bodyPr rtlCol="0" anchor="ctr"/>
+              <a:lstStyle/>
+              <a:p>
+                <a:pPr algn="ctr"/>
+                <a:r>
+                  <a:rPr kumimoji="1" lang="ja-JP" altLang="en-US" sz="3600" dirty="0">
+                    <a:solidFill>
+                      <a:schemeClr val="tx1"/>
+                    </a:solidFill>
+                  </a:rPr>
+                  <a:t>・・・</a:t>
+                </a:r>
+              </a:p>
+            </p:txBody>
+          </p:sp>
+          <p:sp>
+            <p:nvSpPr>
+              <p:cNvPr id="7" name="正方形/長方形 6">
+                <a:extLst>
+                  <a:ext uri="{FF2B5EF4-FFF2-40B4-BE49-F238E27FC236}">
+                    <a16:creationId xmlns:a16="http://schemas.microsoft.com/office/drawing/2014/main" id="{D4EDEBC3-9C97-F161-1888-D3ECF462C81A}"/>
+                  </a:ext>
+                </a:extLst>
+              </p:cNvPr>
+              <p:cNvSpPr/>
+              <p:nvPr/>
+            </p:nvSpPr>
+            <p:spPr>
+              <a:xfrm>
+                <a:off x="2409092" y="3094892"/>
+                <a:ext cx="8774724" cy="1459523"/>
+              </a:xfrm>
+              <a:prstGeom prst="rect">
+                <a:avLst/>
+              </a:prstGeom>
+              <a:solidFill>
+                <a:schemeClr val="accent1">
+                  <a:lumMod val="60000"/>
+                  <a:lumOff val="40000"/>
+                </a:schemeClr>
+              </a:solidFill>
+            </p:spPr>
+            <p:style>
+              <a:lnRef idx="2">
+                <a:schemeClr val="accent1">
+                  <a:shade val="15000"/>
+                </a:schemeClr>
+              </a:lnRef>
+              <a:fillRef idx="1">
+                <a:schemeClr val="accent1"/>
+              </a:fillRef>
+              <a:effectRef idx="0">
+                <a:schemeClr val="accent1"/>
+              </a:effectRef>
+              <a:fontRef idx="minor">
+                <a:schemeClr val="lt1"/>
+              </a:fontRef>
+            </p:style>
+            <p:txBody>
+              <a:bodyPr rtlCol="0" anchor="ctr"/>
+              <a:lstStyle/>
+              <a:p>
+                <a:pPr algn="ctr"/>
+                <a:r>
+                  <a:rPr kumimoji="1" lang="en-US" altLang="ja-JP" sz="6600" dirty="0">
+                    <a:solidFill>
+                      <a:schemeClr val="tx1"/>
+                    </a:solidFill>
+                  </a:rPr>
+                  <a:t>BERT</a:t>
+                </a:r>
+              </a:p>
+            </p:txBody>
+          </p:sp>
+          <p:sp>
+            <p:nvSpPr>
+              <p:cNvPr id="8" name="矢印: 右 7">
+                <a:extLst>
+                  <a:ext uri="{FF2B5EF4-FFF2-40B4-BE49-F238E27FC236}">
+                    <a16:creationId xmlns:a16="http://schemas.microsoft.com/office/drawing/2014/main" id="{A75710AC-55BC-A920-D410-C786CD851957}"/>
+                  </a:ext>
+                </a:extLst>
+              </p:cNvPr>
+              <p:cNvSpPr/>
+              <p:nvPr/>
+            </p:nvSpPr>
+            <p:spPr>
+              <a:xfrm rot="16200000">
+                <a:off x="2945423" y="4510453"/>
+                <a:ext cx="527539" cy="298938"/>
+              </a:xfrm>
+              <a:prstGeom prst="rightArrow">
+                <a:avLst/>
+              </a:prstGeom>
+            </p:spPr>
+            <p:style>
+              <a:lnRef idx="2">
+                <a:schemeClr val="accent2">
+                  <a:shade val="15000"/>
+                </a:schemeClr>
+              </a:lnRef>
+              <a:fillRef idx="1">
+                <a:schemeClr val="accent2"/>
+              </a:fillRef>
+              <a:effectRef idx="0">
+                <a:schemeClr val="accent2"/>
+              </a:effectRef>
+              <a:fontRef idx="minor">
+                <a:schemeClr val="lt1"/>
+              </a:fontRef>
+            </p:style>
+            <p:txBody>
+              <a:bodyPr rtlCol="0" anchor="ctr"/>
+              <a:lstStyle/>
+              <a:p>
+                <a:pPr algn="ctr"/>
+                <a:endParaRPr kumimoji="1" lang="ja-JP" altLang="en-US"/>
+              </a:p>
+            </p:txBody>
+          </p:sp>
+          <p:sp>
+            <p:nvSpPr>
+              <p:cNvPr id="9" name="矢印: 右 8">
+                <a:extLst>
+                  <a:ext uri="{FF2B5EF4-FFF2-40B4-BE49-F238E27FC236}">
+                    <a16:creationId xmlns:a16="http://schemas.microsoft.com/office/drawing/2014/main" id="{F1E2F74D-3154-EB9A-C267-99FF7FADF24D}"/>
+                  </a:ext>
+                </a:extLst>
+              </p:cNvPr>
+              <p:cNvSpPr/>
+              <p:nvPr/>
+            </p:nvSpPr>
+            <p:spPr>
+              <a:xfrm rot="16200000">
+                <a:off x="4739054" y="4510452"/>
+                <a:ext cx="527539" cy="298938"/>
+              </a:xfrm>
+              <a:prstGeom prst="rightArrow">
+                <a:avLst/>
+              </a:prstGeom>
+            </p:spPr>
+            <p:style>
+              <a:lnRef idx="2">
+                <a:schemeClr val="accent2">
+                  <a:shade val="15000"/>
+                </a:schemeClr>
+              </a:lnRef>
+              <a:fillRef idx="1">
+                <a:schemeClr val="accent2"/>
+              </a:fillRef>
+              <a:effectRef idx="0">
+                <a:schemeClr val="accent2"/>
+              </a:effectRef>
+              <a:fontRef idx="minor">
+                <a:schemeClr val="lt1"/>
+              </a:fontRef>
+            </p:style>
+            <p:txBody>
+              <a:bodyPr rtlCol="0" anchor="ctr"/>
+              <a:lstStyle/>
+              <a:p>
+                <a:pPr algn="ctr"/>
+                <a:endParaRPr kumimoji="1" lang="ja-JP" altLang="en-US"/>
+              </a:p>
+            </p:txBody>
+          </p:sp>
+          <p:sp>
+            <p:nvSpPr>
+              <p:cNvPr id="10" name="矢印: 右 9">
+                <a:extLst>
+                  <a:ext uri="{FF2B5EF4-FFF2-40B4-BE49-F238E27FC236}">
+                    <a16:creationId xmlns:a16="http://schemas.microsoft.com/office/drawing/2014/main" id="{DDDB8E65-8258-4EF4-BADD-38D8452AF88F}"/>
+                  </a:ext>
+                </a:extLst>
+              </p:cNvPr>
+              <p:cNvSpPr/>
+              <p:nvPr/>
+            </p:nvSpPr>
+            <p:spPr>
+              <a:xfrm rot="16200000">
+                <a:off x="6532685" y="4510451"/>
+                <a:ext cx="527539" cy="298938"/>
+              </a:xfrm>
+              <a:prstGeom prst="rightArrow">
+                <a:avLst/>
+              </a:prstGeom>
+            </p:spPr>
+            <p:style>
+              <a:lnRef idx="2">
+                <a:schemeClr val="accent2">
+                  <a:shade val="15000"/>
+                </a:schemeClr>
+              </a:lnRef>
+              <a:fillRef idx="1">
+                <a:schemeClr val="accent2"/>
+              </a:fillRef>
+              <a:effectRef idx="0">
+                <a:schemeClr val="accent2"/>
+              </a:effectRef>
+              <a:fontRef idx="minor">
+                <a:schemeClr val="lt1"/>
+              </a:fontRef>
+            </p:style>
+            <p:txBody>
+              <a:bodyPr rtlCol="0" anchor="ctr"/>
+              <a:lstStyle/>
+              <a:p>
+                <a:pPr algn="ctr"/>
+                <a:endParaRPr kumimoji="1" lang="ja-JP" altLang="en-US"/>
+              </a:p>
+            </p:txBody>
+          </p:sp>
+          <p:sp>
+            <p:nvSpPr>
+              <p:cNvPr id="11" name="矢印: 右 10">
+                <a:extLst>
+                  <a:ext uri="{FF2B5EF4-FFF2-40B4-BE49-F238E27FC236}">
+                    <a16:creationId xmlns:a16="http://schemas.microsoft.com/office/drawing/2014/main" id="{460604B5-B668-6E03-DE2B-64047754AF95}"/>
+                  </a:ext>
+                </a:extLst>
+              </p:cNvPr>
+              <p:cNvSpPr/>
+              <p:nvPr/>
+            </p:nvSpPr>
+            <p:spPr>
+              <a:xfrm rot="16200000">
+                <a:off x="10119947" y="4510451"/>
+                <a:ext cx="527539" cy="298938"/>
+              </a:xfrm>
+              <a:prstGeom prst="rightArrow">
+                <a:avLst/>
+              </a:prstGeom>
+            </p:spPr>
+            <p:style>
+              <a:lnRef idx="2">
+                <a:schemeClr val="accent2">
+                  <a:shade val="15000"/>
+                </a:schemeClr>
+              </a:lnRef>
+              <a:fillRef idx="1">
+                <a:schemeClr val="accent2"/>
+              </a:fillRef>
+              <a:effectRef idx="0">
+                <a:schemeClr val="accent2"/>
+              </a:effectRef>
+              <a:fontRef idx="minor">
+                <a:schemeClr val="lt1"/>
+              </a:fontRef>
+            </p:style>
+            <p:txBody>
+              <a:bodyPr rtlCol="0" anchor="ctr"/>
+              <a:lstStyle/>
+              <a:p>
+                <a:pPr algn="ctr"/>
+                <a:endParaRPr kumimoji="1" lang="ja-JP" altLang="en-US"/>
+              </a:p>
+            </p:txBody>
+          </p:sp>
+          <p:sp>
+            <p:nvSpPr>
+              <p:cNvPr id="12" name="矢印: 右 11">
+                <a:extLst>
+                  <a:ext uri="{FF2B5EF4-FFF2-40B4-BE49-F238E27FC236}">
+                    <a16:creationId xmlns:a16="http://schemas.microsoft.com/office/drawing/2014/main" id="{704A9993-8CE3-617B-513D-CFBFE023AADA}"/>
+                  </a:ext>
+                </a:extLst>
+              </p:cNvPr>
+              <p:cNvSpPr/>
+              <p:nvPr/>
+            </p:nvSpPr>
+            <p:spPr>
+              <a:xfrm rot="16200000">
+                <a:off x="2945423" y="2945422"/>
+                <a:ext cx="527539" cy="298938"/>
+              </a:xfrm>
+              <a:prstGeom prst="rightArrow">
+                <a:avLst/>
+              </a:prstGeom>
+            </p:spPr>
+            <p:style>
+              <a:lnRef idx="2">
+                <a:schemeClr val="accent2">
+                  <a:shade val="15000"/>
+                </a:schemeClr>
+              </a:lnRef>
+              <a:fillRef idx="1">
+                <a:schemeClr val="accent2"/>
+              </a:fillRef>
+              <a:effectRef idx="0">
+                <a:schemeClr val="accent2"/>
+              </a:effectRef>
+              <a:fontRef idx="minor">
+                <a:schemeClr val="lt1"/>
+              </a:fontRef>
+            </p:style>
+            <p:txBody>
+              <a:bodyPr rtlCol="0" anchor="ctr"/>
+              <a:lstStyle/>
+              <a:p>
+                <a:pPr algn="ctr"/>
+                <a:endParaRPr kumimoji="1" lang="ja-JP" altLang="en-US"/>
+              </a:p>
+            </p:txBody>
+          </p:sp>
+          <p:sp>
+            <p:nvSpPr>
+              <p:cNvPr id="13" name="矢印: 右 12">
+                <a:extLst>
+                  <a:ext uri="{FF2B5EF4-FFF2-40B4-BE49-F238E27FC236}">
+                    <a16:creationId xmlns:a16="http://schemas.microsoft.com/office/drawing/2014/main" id="{7D970CAF-C0E0-A645-EC72-A351C9B7C354}"/>
+                  </a:ext>
+                </a:extLst>
+              </p:cNvPr>
+              <p:cNvSpPr/>
+              <p:nvPr/>
+            </p:nvSpPr>
+            <p:spPr>
+              <a:xfrm rot="16200000">
+                <a:off x="4739054" y="2945423"/>
+                <a:ext cx="527539" cy="298938"/>
+              </a:xfrm>
+              <a:prstGeom prst="rightArrow">
+                <a:avLst/>
+              </a:prstGeom>
+            </p:spPr>
+            <p:style>
+              <a:lnRef idx="2">
+                <a:schemeClr val="accent2">
+                  <a:shade val="15000"/>
+                </a:schemeClr>
+              </a:lnRef>
+              <a:fillRef idx="1">
+                <a:schemeClr val="accent2"/>
+              </a:fillRef>
+              <a:effectRef idx="0">
+                <a:schemeClr val="accent2"/>
+              </a:effectRef>
+              <a:fontRef idx="minor">
+                <a:schemeClr val="lt1"/>
+              </a:fontRef>
+            </p:style>
+            <p:txBody>
+              <a:bodyPr rtlCol="0" anchor="ctr"/>
+              <a:lstStyle/>
+              <a:p>
+                <a:pPr algn="ctr"/>
+                <a:endParaRPr kumimoji="1" lang="ja-JP" altLang="en-US"/>
+              </a:p>
+            </p:txBody>
+          </p:sp>
+          <p:sp>
+            <p:nvSpPr>
+              <p:cNvPr id="14" name="矢印: 右 13">
+                <a:extLst>
+                  <a:ext uri="{FF2B5EF4-FFF2-40B4-BE49-F238E27FC236}">
+                    <a16:creationId xmlns:a16="http://schemas.microsoft.com/office/drawing/2014/main" id="{607898A1-9E90-3190-FD72-370538449CCB}"/>
+                  </a:ext>
+                </a:extLst>
+              </p:cNvPr>
+              <p:cNvSpPr/>
+              <p:nvPr/>
+            </p:nvSpPr>
+            <p:spPr>
+              <a:xfrm rot="16200000">
+                <a:off x="6532686" y="2945422"/>
+                <a:ext cx="527539" cy="298938"/>
+              </a:xfrm>
+              <a:prstGeom prst="rightArrow">
+                <a:avLst/>
+              </a:prstGeom>
+            </p:spPr>
+            <p:style>
+              <a:lnRef idx="2">
+                <a:schemeClr val="accent2">
+                  <a:shade val="15000"/>
+                </a:schemeClr>
+              </a:lnRef>
+              <a:fillRef idx="1">
+                <a:schemeClr val="accent2"/>
+              </a:fillRef>
+              <a:effectRef idx="0">
+                <a:schemeClr val="accent2"/>
+              </a:effectRef>
+              <a:fontRef idx="minor">
+                <a:schemeClr val="lt1"/>
+              </a:fontRef>
+            </p:style>
+            <p:txBody>
+              <a:bodyPr rtlCol="0" anchor="ctr"/>
+              <a:lstStyle/>
+              <a:p>
+                <a:pPr algn="ctr"/>
+                <a:endParaRPr kumimoji="1" lang="ja-JP" altLang="en-US"/>
+              </a:p>
+            </p:txBody>
+          </p:sp>
+          <p:sp>
+            <p:nvSpPr>
+              <p:cNvPr id="15" name="矢印: 右 14">
+                <a:extLst>
+                  <a:ext uri="{FF2B5EF4-FFF2-40B4-BE49-F238E27FC236}">
+                    <a16:creationId xmlns:a16="http://schemas.microsoft.com/office/drawing/2014/main" id="{96D36CE4-CAD8-D24D-A4BA-FE0F9FFFD2B1}"/>
+                  </a:ext>
+                </a:extLst>
+              </p:cNvPr>
+              <p:cNvSpPr/>
+              <p:nvPr/>
+            </p:nvSpPr>
+            <p:spPr>
+              <a:xfrm rot="16200000">
+                <a:off x="10119947" y="2945421"/>
+                <a:ext cx="527539" cy="298938"/>
+              </a:xfrm>
+              <a:prstGeom prst="rightArrow">
+                <a:avLst/>
+              </a:prstGeom>
+            </p:spPr>
+            <p:style>
+              <a:lnRef idx="2">
+                <a:schemeClr val="accent2">
+                  <a:shade val="15000"/>
+                </a:schemeClr>
+              </a:lnRef>
+              <a:fillRef idx="1">
+                <a:schemeClr val="accent2"/>
+              </a:fillRef>
+              <a:effectRef idx="0">
+                <a:schemeClr val="accent2"/>
+              </a:effectRef>
+              <a:fontRef idx="minor">
+                <a:schemeClr val="lt1"/>
+              </a:fontRef>
+            </p:style>
+            <p:txBody>
+              <a:bodyPr rtlCol="0" anchor="ctr"/>
+              <a:lstStyle/>
+              <a:p>
+                <a:pPr algn="ctr"/>
+                <a:endParaRPr kumimoji="1" lang="ja-JP" altLang="en-US"/>
+              </a:p>
+            </p:txBody>
+          </p:sp>
+          <p:sp>
+            <p:nvSpPr>
+              <p:cNvPr id="16" name="正方形/長方形 15">
+                <a:extLst>
+                  <a:ext uri="{FF2B5EF4-FFF2-40B4-BE49-F238E27FC236}">
+                    <a16:creationId xmlns:a16="http://schemas.microsoft.com/office/drawing/2014/main" id="{4A149BF8-7D89-D25F-81F9-13D42AA21B26}"/>
+                  </a:ext>
+                </a:extLst>
+              </p:cNvPr>
+              <p:cNvSpPr/>
+              <p:nvPr/>
+            </p:nvSpPr>
+            <p:spPr>
+              <a:xfrm>
+                <a:off x="2409092" y="1767760"/>
+                <a:ext cx="1600200" cy="1019908"/>
+              </a:xfrm>
+              <a:prstGeom prst="rect">
+                <a:avLst/>
+              </a:prstGeom>
+              <a:solidFill>
+                <a:schemeClr val="accent6">
+                  <a:lumMod val="20000"/>
+                  <a:lumOff val="80000"/>
+                </a:schemeClr>
+              </a:solidFill>
+              <a:ln>
+                <a:solidFill>
+                  <a:schemeClr val="tx1"/>
+                </a:solidFill>
+              </a:ln>
+            </p:spPr>
+            <p:style>
+              <a:lnRef idx="2">
+                <a:schemeClr val="accent6"/>
+              </a:lnRef>
+              <a:fillRef idx="1">
+                <a:schemeClr val="lt1"/>
+              </a:fillRef>
+              <a:effectRef idx="0">
+                <a:schemeClr val="accent6"/>
+              </a:effectRef>
+              <a:fontRef idx="minor">
+                <a:schemeClr val="dk1"/>
+              </a:fontRef>
+            </p:style>
+            <p:txBody>
+              <a:bodyPr rtlCol="0" anchor="ctr"/>
+              <a:lstStyle/>
+              <a:p>
+                <a:pPr algn="ctr"/>
+                <a:r>
+                  <a:rPr kumimoji="1" lang="en-US" altLang="ja-JP" sz="3600" dirty="0">
+                    <a:solidFill>
+                      <a:schemeClr val="tx1"/>
+                    </a:solidFill>
+                  </a:rPr>
+                  <a:t>E</a:t>
+                </a:r>
+                <a:r>
+                  <a:rPr kumimoji="1" lang="en-US" altLang="ja-JP" sz="3600" baseline="-25000" dirty="0">
+                    <a:solidFill>
+                      <a:schemeClr val="tx1"/>
+                    </a:solidFill>
+                  </a:rPr>
+                  <a:t>[CLS]</a:t>
+                </a:r>
+                <a:endParaRPr kumimoji="1" lang="ja-JP" altLang="en-US" sz="3600" dirty="0">
+                  <a:solidFill>
+                    <a:schemeClr val="tx1"/>
+                  </a:solidFill>
+                </a:endParaRPr>
+              </a:p>
+            </p:txBody>
+          </p:sp>
+          <p:sp>
+            <p:nvSpPr>
+              <p:cNvPr id="17" name="正方形/長方形 16">
+                <a:extLst>
+                  <a:ext uri="{FF2B5EF4-FFF2-40B4-BE49-F238E27FC236}">
+                    <a16:creationId xmlns:a16="http://schemas.microsoft.com/office/drawing/2014/main" id="{7D1BC6D2-09F2-8EB8-0051-69C271519B94}"/>
+                  </a:ext>
+                </a:extLst>
+              </p:cNvPr>
+              <p:cNvSpPr/>
+              <p:nvPr/>
+            </p:nvSpPr>
+            <p:spPr>
+              <a:xfrm>
+                <a:off x="4202723" y="1767760"/>
+                <a:ext cx="1600200" cy="1019908"/>
+              </a:xfrm>
+              <a:prstGeom prst="rect">
+                <a:avLst/>
+              </a:prstGeom>
+              <a:solidFill>
+                <a:schemeClr val="accent6">
+                  <a:lumMod val="20000"/>
+                  <a:lumOff val="80000"/>
+                </a:schemeClr>
+              </a:solidFill>
+              <a:ln>
+                <a:solidFill>
+                  <a:schemeClr val="tx1"/>
+                </a:solidFill>
+              </a:ln>
+            </p:spPr>
+            <p:style>
+              <a:lnRef idx="2">
+                <a:schemeClr val="accent6"/>
+              </a:lnRef>
+              <a:fillRef idx="1">
+                <a:schemeClr val="lt1"/>
+              </a:fillRef>
+              <a:effectRef idx="0">
+                <a:schemeClr val="accent6"/>
+              </a:effectRef>
+              <a:fontRef idx="minor">
+                <a:schemeClr val="dk1"/>
+              </a:fontRef>
+            </p:style>
+            <p:txBody>
+              <a:bodyPr rtlCol="0" anchor="ctr"/>
+              <a:lstStyle/>
+              <a:p>
+                <a:pPr algn="ctr"/>
+                <a:r>
+                  <a:rPr kumimoji="1" lang="en-US" altLang="ja-JP" sz="3600" dirty="0">
+                    <a:solidFill>
+                      <a:schemeClr val="tx1"/>
+                    </a:solidFill>
+                  </a:rPr>
+                  <a:t>E</a:t>
+                </a:r>
+                <a:r>
+                  <a:rPr kumimoji="1" lang="en-US" altLang="ja-JP" sz="3600" baseline="-25000" dirty="0">
+                    <a:solidFill>
+                      <a:schemeClr val="tx1"/>
+                    </a:solidFill>
+                  </a:rPr>
+                  <a:t>1</a:t>
+                </a:r>
+                <a:endParaRPr kumimoji="1" lang="ja-JP" altLang="en-US" sz="3600" dirty="0">
+                  <a:solidFill>
+                    <a:schemeClr val="tx1"/>
+                  </a:solidFill>
+                </a:endParaRPr>
+              </a:p>
+            </p:txBody>
+          </p:sp>
+          <p:sp>
+            <p:nvSpPr>
+              <p:cNvPr id="18" name="正方形/長方形 17">
+                <a:extLst>
+                  <a:ext uri="{FF2B5EF4-FFF2-40B4-BE49-F238E27FC236}">
+                    <a16:creationId xmlns:a16="http://schemas.microsoft.com/office/drawing/2014/main" id="{BB126202-1B1C-8366-4A2E-74069CC7085D}"/>
+                  </a:ext>
+                </a:extLst>
+              </p:cNvPr>
+              <p:cNvSpPr/>
+              <p:nvPr/>
+            </p:nvSpPr>
+            <p:spPr>
+              <a:xfrm>
+                <a:off x="5996354" y="1767760"/>
+                <a:ext cx="1600200" cy="1019908"/>
+              </a:xfrm>
+              <a:prstGeom prst="rect">
+                <a:avLst/>
+              </a:prstGeom>
+              <a:solidFill>
+                <a:schemeClr val="accent6">
+                  <a:lumMod val="20000"/>
+                  <a:lumOff val="80000"/>
+                </a:schemeClr>
+              </a:solidFill>
+              <a:ln>
+                <a:solidFill>
+                  <a:schemeClr val="tx1"/>
+                </a:solidFill>
+              </a:ln>
+            </p:spPr>
+            <p:style>
+              <a:lnRef idx="2">
+                <a:schemeClr val="accent6"/>
+              </a:lnRef>
+              <a:fillRef idx="1">
+                <a:schemeClr val="lt1"/>
+              </a:fillRef>
+              <a:effectRef idx="0">
+                <a:schemeClr val="accent6"/>
+              </a:effectRef>
+              <a:fontRef idx="minor">
+                <a:schemeClr val="dk1"/>
+              </a:fontRef>
+            </p:style>
+            <p:txBody>
+              <a:bodyPr rtlCol="0" anchor="ctr"/>
+              <a:lstStyle/>
+              <a:p>
+                <a:pPr algn="ctr"/>
+                <a:r>
+                  <a:rPr kumimoji="1" lang="en-US" altLang="ja-JP" sz="3600" dirty="0">
+                    <a:solidFill>
+                      <a:schemeClr val="tx1"/>
+                    </a:solidFill>
+                  </a:rPr>
+                  <a:t>E</a:t>
+                </a:r>
+                <a:r>
+                  <a:rPr kumimoji="1" lang="en-US" altLang="ja-JP" sz="3600" baseline="-25000" dirty="0">
+                    <a:solidFill>
+                      <a:schemeClr val="tx1"/>
+                    </a:solidFill>
+                  </a:rPr>
+                  <a:t>2</a:t>
+                </a:r>
+                <a:endParaRPr kumimoji="1" lang="ja-JP" altLang="en-US" sz="3600" dirty="0">
+                  <a:solidFill>
+                    <a:schemeClr val="tx1"/>
+                  </a:solidFill>
+                </a:endParaRPr>
+              </a:p>
+            </p:txBody>
+          </p:sp>
+          <p:sp>
+            <p:nvSpPr>
+              <p:cNvPr id="19" name="正方形/長方形 18">
+                <a:extLst>
+                  <a:ext uri="{FF2B5EF4-FFF2-40B4-BE49-F238E27FC236}">
+                    <a16:creationId xmlns:a16="http://schemas.microsoft.com/office/drawing/2014/main" id="{DD964DE1-881B-E2E3-4AAD-BC3DFE9E573A}"/>
+                  </a:ext>
+                </a:extLst>
+              </p:cNvPr>
+              <p:cNvSpPr/>
+              <p:nvPr/>
+            </p:nvSpPr>
+            <p:spPr>
+              <a:xfrm>
+                <a:off x="9583616" y="1767760"/>
+                <a:ext cx="1600200" cy="1019908"/>
+              </a:xfrm>
+              <a:prstGeom prst="rect">
+                <a:avLst/>
+              </a:prstGeom>
+              <a:solidFill>
+                <a:schemeClr val="accent6">
+                  <a:lumMod val="20000"/>
+                  <a:lumOff val="80000"/>
+                </a:schemeClr>
+              </a:solidFill>
+              <a:ln>
+                <a:solidFill>
+                  <a:schemeClr val="tx1"/>
+                </a:solidFill>
+              </a:ln>
+            </p:spPr>
+            <p:style>
+              <a:lnRef idx="2">
+                <a:schemeClr val="accent6"/>
+              </a:lnRef>
+              <a:fillRef idx="1">
+                <a:schemeClr val="lt1"/>
+              </a:fillRef>
+              <a:effectRef idx="0">
+                <a:schemeClr val="accent6"/>
+              </a:effectRef>
+              <a:fontRef idx="minor">
+                <a:schemeClr val="dk1"/>
+              </a:fontRef>
+            </p:style>
+            <p:txBody>
+              <a:bodyPr rtlCol="0" anchor="ctr"/>
+              <a:lstStyle/>
+              <a:p>
+                <a:pPr algn="ctr"/>
+                <a:r>
+                  <a:rPr kumimoji="1" lang="en-US" altLang="ja-JP" sz="3600" dirty="0">
+                    <a:solidFill>
+                      <a:schemeClr val="tx1"/>
+                    </a:solidFill>
+                  </a:rPr>
+                  <a:t>E</a:t>
+                </a:r>
+                <a:r>
+                  <a:rPr kumimoji="1" lang="en-US" altLang="ja-JP" sz="3600" baseline="-25000" dirty="0">
+                    <a:solidFill>
+                      <a:schemeClr val="tx1"/>
+                    </a:solidFill>
+                  </a:rPr>
+                  <a:t>N</a:t>
+                </a:r>
+                <a:endParaRPr kumimoji="1" lang="ja-JP" altLang="en-US" sz="3600" dirty="0">
+                  <a:solidFill>
+                    <a:schemeClr val="tx1"/>
+                  </a:solidFill>
+                </a:endParaRPr>
+              </a:p>
+            </p:txBody>
+          </p:sp>
+          <p:sp>
+            <p:nvSpPr>
+              <p:cNvPr id="20" name="四角形: 上の 2 つの角を切り取る 19">
+                <a:extLst>
+                  <a:ext uri="{FF2B5EF4-FFF2-40B4-BE49-F238E27FC236}">
+                    <a16:creationId xmlns:a16="http://schemas.microsoft.com/office/drawing/2014/main" id="{DA5A21F2-2FF1-CB27-BF18-24DE7E728E1C}"/>
+                  </a:ext>
+                </a:extLst>
+              </p:cNvPr>
+              <p:cNvSpPr/>
+              <p:nvPr/>
+            </p:nvSpPr>
+            <p:spPr>
+              <a:xfrm>
+                <a:off x="7789985" y="1767760"/>
+                <a:ext cx="1600200" cy="1019908"/>
+              </a:xfrm>
+              <a:prstGeom prst="snip2SameRect">
+                <a:avLst/>
+              </a:prstGeom>
+              <a:noFill/>
+              <a:ln>
+                <a:noFill/>
+              </a:ln>
+            </p:spPr>
+            <p:style>
+              <a:lnRef idx="2">
+                <a:schemeClr val="accent4">
+                  <a:shade val="15000"/>
+                </a:schemeClr>
+              </a:lnRef>
+              <a:fillRef idx="1">
+                <a:schemeClr val="accent4"/>
+              </a:fillRef>
+              <a:effectRef idx="0">
+                <a:schemeClr val="accent4"/>
+              </a:effectRef>
+              <a:fontRef idx="minor">
+                <a:schemeClr val="lt1"/>
+              </a:fontRef>
+            </p:style>
+            <p:txBody>
+              <a:bodyPr rtlCol="0" anchor="ctr"/>
+              <a:lstStyle/>
+              <a:p>
+                <a:pPr algn="ctr"/>
+                <a:r>
+                  <a:rPr kumimoji="1" lang="ja-JP" altLang="en-US" sz="3600" dirty="0">
+                    <a:solidFill>
+                      <a:schemeClr val="tx1"/>
+                    </a:solidFill>
+                  </a:rPr>
+                  <a:t>・・・</a:t>
+                </a:r>
+              </a:p>
+            </p:txBody>
+          </p:sp>
+          <p:sp>
+            <p:nvSpPr>
+              <p:cNvPr id="21" name="右中かっこ 20">
+                <a:extLst>
+                  <a:ext uri="{FF2B5EF4-FFF2-40B4-BE49-F238E27FC236}">
+                    <a16:creationId xmlns:a16="http://schemas.microsoft.com/office/drawing/2014/main" id="{04155F1C-6040-E711-28C3-D76F33547AA7}"/>
+                  </a:ext>
+                </a:extLst>
+              </p:cNvPr>
+              <p:cNvSpPr/>
+              <p:nvPr/>
+            </p:nvSpPr>
+            <p:spPr>
+              <a:xfrm rot="16200000">
+                <a:off x="7327232" y="-2172030"/>
+                <a:ext cx="732077" cy="6981095"/>
+              </a:xfrm>
+              <a:prstGeom prst="rightBrace">
+                <a:avLst>
+                  <a:gd name="adj1" fmla="val 8333"/>
+                  <a:gd name="adj2" fmla="val 50026"/>
+                </a:avLst>
+              </a:prstGeom>
+            </p:spPr>
+            <p:style>
+              <a:lnRef idx="1">
+                <a:schemeClr val="dk1"/>
+              </a:lnRef>
+              <a:fillRef idx="0">
+                <a:schemeClr val="dk1"/>
+              </a:fillRef>
+              <a:effectRef idx="0">
+                <a:schemeClr val="dk1"/>
+              </a:effectRef>
+              <a:fontRef idx="minor">
+                <a:schemeClr val="tx1"/>
+              </a:fontRef>
+            </p:style>
+            <p:txBody>
+              <a:bodyPr rtlCol="0" anchor="ctr"/>
+              <a:lstStyle/>
+              <a:p>
+                <a:pPr algn="ctr"/>
+                <a:endParaRPr kumimoji="1" lang="ja-JP" altLang="en-US"/>
+              </a:p>
+            </p:txBody>
+          </p:sp>
+        </p:grpSp>
+        <p:pic>
+          <p:nvPicPr>
+            <p:cNvPr id="25" name="図 24" descr="図形&#10;&#10;中程度の精度で自動的に生成された説明">
+              <a:extLst>
+                <a:ext uri="{FF2B5EF4-FFF2-40B4-BE49-F238E27FC236}">
+                  <a16:creationId xmlns:a16="http://schemas.microsoft.com/office/drawing/2014/main" id="{7997CEEC-81F7-CC2D-A256-96782560A8BC}"/>
+                </a:ext>
+              </a:extLst>
+            </p:cNvPr>
+            <p:cNvPicPr>
+              <a:picLocks noChangeAspect="1"/>
+            </p:cNvPicPr>
+            <p:nvPr/>
+          </p:nvPicPr>
+          <p:blipFill>
+            <a:blip r:embed="rId3">
+              <a:duotone>
+                <a:prstClr val="black"/>
+                <a:schemeClr val="bg1">
+                  <a:tint val="45000"/>
+                  <a:satMod val="400000"/>
+                </a:schemeClr>
+              </a:duotone>
+            </a:blip>
+            <a:stretch>
+              <a:fillRect/>
+            </a:stretch>
+          </p:blipFill>
+          <p:spPr>
+            <a:xfrm>
+              <a:off x="6221841" y="697968"/>
+              <a:ext cx="2942857" cy="1152381"/>
+            </a:xfrm>
+            <a:prstGeom prst="rect">
+              <a:avLst/>
+            </a:prstGeom>
+          </p:spPr>
+        </p:pic>
+      </p:grpSp>
+      <p:grpSp>
+        <p:nvGrpSpPr>
+          <p:cNvPr id="29" name="グループ化 28">
+            <a:extLst>
+              <a:ext uri="{FF2B5EF4-FFF2-40B4-BE49-F238E27FC236}">
+                <a16:creationId xmlns:a16="http://schemas.microsoft.com/office/drawing/2014/main" id="{58674F5F-D4DD-2B54-6ED1-86C3B7036D55}"/>
+              </a:ext>
+            </a:extLst>
+          </p:cNvPr>
+          <p:cNvGrpSpPr/>
+          <p:nvPr/>
+        </p:nvGrpSpPr>
+        <p:grpSpPr>
+          <a:xfrm>
+            <a:off x="10383716" y="13115263"/>
+            <a:ext cx="16229024" cy="10660069"/>
+            <a:chOff x="11812576" y="13715764"/>
+            <a:chExt cx="16229024" cy="10660069"/>
+          </a:xfrm>
+        </p:grpSpPr>
+        <p:grpSp>
+          <p:nvGrpSpPr>
+            <p:cNvPr id="97" name="グループ化 96">
+              <a:extLst>
+                <a:ext uri="{FF2B5EF4-FFF2-40B4-BE49-F238E27FC236}">
+                  <a16:creationId xmlns:a16="http://schemas.microsoft.com/office/drawing/2014/main" id="{4C3C7A15-F04E-99C6-96DA-267CDFF3A907}"/>
+                </a:ext>
+              </a:extLst>
+            </p:cNvPr>
+            <p:cNvGrpSpPr/>
+            <p:nvPr/>
+          </p:nvGrpSpPr>
+          <p:grpSpPr>
+            <a:xfrm>
+              <a:off x="11812576" y="14362276"/>
+              <a:ext cx="16229024" cy="10013557"/>
+              <a:chOff x="11812576" y="14362276"/>
+              <a:chExt cx="16229024" cy="10013557"/>
+            </a:xfrm>
+          </p:grpSpPr>
+          <p:grpSp>
+            <p:nvGrpSpPr>
+              <p:cNvPr id="56" name="グループ化 55">
+                <a:extLst>
+                  <a:ext uri="{FF2B5EF4-FFF2-40B4-BE49-F238E27FC236}">
+                    <a16:creationId xmlns:a16="http://schemas.microsoft.com/office/drawing/2014/main" id="{EAB8D498-AA42-5995-E043-95718B410F43}"/>
+                  </a:ext>
+                </a:extLst>
+              </p:cNvPr>
+              <p:cNvGrpSpPr/>
+              <p:nvPr/>
+            </p:nvGrpSpPr>
+            <p:grpSpPr>
+              <a:xfrm>
+                <a:off x="11812576" y="14362276"/>
+                <a:ext cx="16229024" cy="10013557"/>
+                <a:chOff x="11812576" y="14362276"/>
+                <a:chExt cx="16229024" cy="10013557"/>
+              </a:xfrm>
+            </p:grpSpPr>
+            <p:grpSp>
+              <p:nvGrpSpPr>
+                <p:cNvPr id="81" name="グループ化 80">
+                  <a:extLst>
+                    <a:ext uri="{FF2B5EF4-FFF2-40B4-BE49-F238E27FC236}">
+                      <a16:creationId xmlns:a16="http://schemas.microsoft.com/office/drawing/2014/main" id="{879A342B-86A4-A023-BECF-7F5F4D90E80B}"/>
+                    </a:ext>
+                  </a:extLst>
+                </p:cNvPr>
+                <p:cNvGrpSpPr/>
+                <p:nvPr/>
+              </p:nvGrpSpPr>
+              <p:grpSpPr>
+                <a:xfrm>
+                  <a:off x="11812576" y="14362276"/>
+                  <a:ext cx="15949250" cy="9552376"/>
+                  <a:chOff x="11812576" y="14362276"/>
+                  <a:chExt cx="15949250" cy="9552376"/>
+                </a:xfrm>
+              </p:grpSpPr>
+              <p:grpSp>
+                <p:nvGrpSpPr>
+                  <p:cNvPr id="28" name="グループ化 27">
+                    <a:extLst>
+                      <a:ext uri="{FF2B5EF4-FFF2-40B4-BE49-F238E27FC236}">
+                        <a16:creationId xmlns:a16="http://schemas.microsoft.com/office/drawing/2014/main" id="{E2FC7E39-D3C0-B5B2-83AE-946DAA1F135E}"/>
+                      </a:ext>
+                    </a:extLst>
+                  </p:cNvPr>
+                  <p:cNvGrpSpPr/>
+                  <p:nvPr/>
+                </p:nvGrpSpPr>
+                <p:grpSpPr>
+                  <a:xfrm>
+                    <a:off x="11812577" y="17612646"/>
+                    <a:ext cx="8774726" cy="4991121"/>
+                    <a:chOff x="2409092" y="952479"/>
+                    <a:chExt cx="8774726" cy="4991121"/>
+                  </a:xfrm>
+                </p:grpSpPr>
+                <p:sp>
+                  <p:nvSpPr>
+                    <p:cNvPr id="30" name="四角形: 上の 2 つの角を切り取る 29">
+                      <a:extLst>
+                        <a:ext uri="{FF2B5EF4-FFF2-40B4-BE49-F238E27FC236}">
+                          <a16:creationId xmlns:a16="http://schemas.microsoft.com/office/drawing/2014/main" id="{8334E4AF-8B94-6190-9CD5-D39C2A4BC2F1}"/>
+                        </a:ext>
+                      </a:extLst>
+                    </p:cNvPr>
+                    <p:cNvSpPr/>
+                    <p:nvPr/>
+                  </p:nvSpPr>
+                  <p:spPr>
+                    <a:xfrm>
+                      <a:off x="2409092" y="4923692"/>
+                      <a:ext cx="1600200" cy="1019908"/>
+                    </a:xfrm>
+                    <a:prstGeom prst="snip2SameRect">
+                      <a:avLst/>
+                    </a:prstGeom>
+                    <a:ln>
+                      <a:solidFill>
+                        <a:schemeClr val="bg2"/>
+                      </a:solidFill>
+                    </a:ln>
+                  </p:spPr>
+                  <p:style>
+                    <a:lnRef idx="2">
+                      <a:schemeClr val="accent4">
+                        <a:shade val="15000"/>
+                      </a:schemeClr>
+                    </a:lnRef>
+                    <a:fillRef idx="1">
+                      <a:schemeClr val="accent4"/>
+                    </a:fillRef>
+                    <a:effectRef idx="0">
+                      <a:schemeClr val="accent4"/>
+                    </a:effectRef>
+                    <a:fontRef idx="minor">
+                      <a:schemeClr val="lt1"/>
+                    </a:fontRef>
+                  </p:style>
+                  <p:txBody>
+                    <a:bodyPr rtlCol="0" anchor="ctr"/>
+                    <a:lstStyle/>
+                    <a:p>
+                      <a:pPr algn="ctr"/>
+                      <a:r>
+                        <a:rPr kumimoji="1" lang="en-US" altLang="ja-JP" sz="3600" dirty="0">
+                          <a:solidFill>
+                            <a:schemeClr val="tx1"/>
+                          </a:solidFill>
+                        </a:rPr>
+                        <a:t>[CLS]</a:t>
+                      </a:r>
+                      <a:endParaRPr kumimoji="1" lang="ja-JP" altLang="en-US" sz="3600" dirty="0">
+                        <a:solidFill>
+                          <a:schemeClr val="tx1"/>
+                        </a:solidFill>
+                      </a:endParaRPr>
+                    </a:p>
+                  </p:txBody>
+                </p:sp>
+                <p:sp>
+                  <p:nvSpPr>
+                    <p:cNvPr id="31" name="四角形: 上の 2 つの角を切り取る 30">
+                      <a:extLst>
+                        <a:ext uri="{FF2B5EF4-FFF2-40B4-BE49-F238E27FC236}">
+                          <a16:creationId xmlns:a16="http://schemas.microsoft.com/office/drawing/2014/main" id="{D6E6B81E-8E85-7993-98B3-36B1A3DF5C7B}"/>
+                        </a:ext>
+                      </a:extLst>
+                    </p:cNvPr>
+                    <p:cNvSpPr/>
+                    <p:nvPr/>
+                  </p:nvSpPr>
+                  <p:spPr>
+                    <a:xfrm>
+                      <a:off x="4202723" y="4923692"/>
+                      <a:ext cx="1600200" cy="1019908"/>
+                    </a:xfrm>
+                    <a:prstGeom prst="snip2SameRect">
+                      <a:avLst/>
+                    </a:prstGeom>
+                    <a:ln>
+                      <a:solidFill>
+                        <a:schemeClr val="bg2"/>
+                      </a:solidFill>
+                    </a:ln>
+                  </p:spPr>
+                  <p:style>
+                    <a:lnRef idx="2">
+                      <a:schemeClr val="accent4">
+                        <a:shade val="15000"/>
+                      </a:schemeClr>
+                    </a:lnRef>
+                    <a:fillRef idx="1">
+                      <a:schemeClr val="accent4"/>
+                    </a:fillRef>
+                    <a:effectRef idx="0">
+                      <a:schemeClr val="accent4"/>
+                    </a:effectRef>
+                    <a:fontRef idx="minor">
+                      <a:schemeClr val="lt1"/>
+                    </a:fontRef>
+                  </p:style>
+                  <p:txBody>
+                    <a:bodyPr rtlCol="0" anchor="ctr"/>
+                    <a:lstStyle/>
+                    <a:p>
+                      <a:pPr algn="ctr"/>
+                      <a:r>
+                        <a:rPr kumimoji="1" lang="en-US" altLang="ja-JP" sz="3600" dirty="0">
+                          <a:solidFill>
+                            <a:schemeClr val="tx1"/>
+                          </a:solidFill>
+                        </a:rPr>
+                        <a:t>Tok</a:t>
+                      </a:r>
+                      <a:r>
+                        <a:rPr kumimoji="1" lang="en-US" altLang="ja-JP" sz="3600" baseline="-25000" dirty="0">
+                          <a:solidFill>
+                            <a:schemeClr val="tx1"/>
+                          </a:solidFill>
+                        </a:rPr>
+                        <a:t>1</a:t>
+                      </a:r>
+                      <a:endParaRPr kumimoji="1" lang="ja-JP" altLang="en-US" sz="3600" dirty="0">
+                        <a:solidFill>
+                          <a:schemeClr val="tx1"/>
+                        </a:solidFill>
+                      </a:endParaRPr>
+                    </a:p>
+                  </p:txBody>
+                </p:sp>
+                <p:sp>
+                  <p:nvSpPr>
+                    <p:cNvPr id="32" name="四角形: 上の 2 つの角を切り取る 31">
+                      <a:extLst>
+                        <a:ext uri="{FF2B5EF4-FFF2-40B4-BE49-F238E27FC236}">
+                          <a16:creationId xmlns:a16="http://schemas.microsoft.com/office/drawing/2014/main" id="{94B338D9-FEA1-24D8-C572-99085520EB90}"/>
+                        </a:ext>
+                      </a:extLst>
+                    </p:cNvPr>
+                    <p:cNvSpPr/>
+                    <p:nvPr/>
+                  </p:nvSpPr>
+                  <p:spPr>
+                    <a:xfrm>
+                      <a:off x="5996354" y="4923692"/>
+                      <a:ext cx="1600200" cy="1019908"/>
+                    </a:xfrm>
+                    <a:prstGeom prst="snip2SameRect">
+                      <a:avLst/>
+                    </a:prstGeom>
+                    <a:ln>
+                      <a:solidFill>
+                        <a:schemeClr val="bg2"/>
+                      </a:solidFill>
+                    </a:ln>
+                  </p:spPr>
+                  <p:style>
+                    <a:lnRef idx="2">
+                      <a:schemeClr val="accent4">
+                        <a:shade val="15000"/>
+                      </a:schemeClr>
+                    </a:lnRef>
+                    <a:fillRef idx="1">
+                      <a:schemeClr val="accent4"/>
+                    </a:fillRef>
+                    <a:effectRef idx="0">
+                      <a:schemeClr val="accent4"/>
+                    </a:effectRef>
+                    <a:fontRef idx="minor">
+                      <a:schemeClr val="lt1"/>
+                    </a:fontRef>
+                  </p:style>
+                  <p:txBody>
+                    <a:bodyPr rtlCol="0" anchor="ctr"/>
+                    <a:lstStyle/>
+                    <a:p>
+                      <a:pPr algn="ctr"/>
+                      <a:r>
+                        <a:rPr kumimoji="1" lang="en-US" altLang="ja-JP" sz="3600" dirty="0">
+                          <a:solidFill>
+                            <a:schemeClr val="tx1"/>
+                          </a:solidFill>
+                        </a:rPr>
+                        <a:t>Tok</a:t>
+                      </a:r>
+                      <a:r>
+                        <a:rPr kumimoji="1" lang="en-US" altLang="ja-JP" sz="3600" baseline="-25000" dirty="0">
+                          <a:solidFill>
+                            <a:schemeClr val="tx1"/>
+                          </a:solidFill>
+                        </a:rPr>
+                        <a:t>2</a:t>
+                      </a:r>
+                      <a:endParaRPr kumimoji="1" lang="ja-JP" altLang="en-US" sz="3600" dirty="0">
+                        <a:solidFill>
+                          <a:schemeClr val="tx1"/>
+                        </a:solidFill>
+                      </a:endParaRPr>
+                    </a:p>
+                  </p:txBody>
+                </p:sp>
+                <p:sp>
+                  <p:nvSpPr>
+                    <p:cNvPr id="33" name="四角形: 上の 2 つの角を切り取る 32">
+                      <a:extLst>
+                        <a:ext uri="{FF2B5EF4-FFF2-40B4-BE49-F238E27FC236}">
+                          <a16:creationId xmlns:a16="http://schemas.microsoft.com/office/drawing/2014/main" id="{47216A61-CC3F-A35C-0D0F-22693B8B29EF}"/>
+                        </a:ext>
+                      </a:extLst>
+                    </p:cNvPr>
+                    <p:cNvSpPr/>
+                    <p:nvPr/>
+                  </p:nvSpPr>
+                  <p:spPr>
+                    <a:xfrm>
+                      <a:off x="9583616" y="4923692"/>
+                      <a:ext cx="1600200" cy="1019908"/>
+                    </a:xfrm>
+                    <a:prstGeom prst="snip2SameRect">
+                      <a:avLst/>
+                    </a:prstGeom>
+                    <a:ln>
+                      <a:solidFill>
+                        <a:schemeClr val="bg2"/>
+                      </a:solidFill>
+                    </a:ln>
+                  </p:spPr>
+                  <p:style>
+                    <a:lnRef idx="2">
+                      <a:schemeClr val="accent4">
+                        <a:shade val="15000"/>
+                      </a:schemeClr>
+                    </a:lnRef>
+                    <a:fillRef idx="1">
+                      <a:schemeClr val="accent4"/>
+                    </a:fillRef>
+                    <a:effectRef idx="0">
+                      <a:schemeClr val="accent4"/>
+                    </a:effectRef>
+                    <a:fontRef idx="minor">
+                      <a:schemeClr val="lt1"/>
+                    </a:fontRef>
+                  </p:style>
+                  <p:txBody>
+                    <a:bodyPr rtlCol="0" anchor="ctr"/>
+                    <a:lstStyle/>
+                    <a:p>
+                      <a:pPr algn="ctr"/>
+                      <a:r>
+                        <a:rPr kumimoji="1" lang="en-US" altLang="ja-JP" sz="3600" dirty="0" err="1">
+                          <a:solidFill>
+                            <a:schemeClr val="tx1"/>
+                          </a:solidFill>
+                        </a:rPr>
+                        <a:t>Tok</a:t>
+                      </a:r>
+                      <a:r>
+                        <a:rPr kumimoji="1" lang="en-US" altLang="ja-JP" sz="3600" baseline="-25000" dirty="0" err="1">
+                          <a:solidFill>
+                            <a:schemeClr val="tx1"/>
+                          </a:solidFill>
+                        </a:rPr>
+                        <a:t>N</a:t>
+                      </a:r>
+                      <a:endParaRPr kumimoji="1" lang="ja-JP" altLang="en-US" sz="3600" dirty="0">
+                        <a:solidFill>
+                          <a:schemeClr val="tx1"/>
+                        </a:solidFill>
+                      </a:endParaRPr>
+                    </a:p>
+                  </p:txBody>
+                </p:sp>
+                <p:sp>
+                  <p:nvSpPr>
+                    <p:cNvPr id="34" name="四角形: 上の 2 つの角を切り取る 33">
+                      <a:extLst>
+                        <a:ext uri="{FF2B5EF4-FFF2-40B4-BE49-F238E27FC236}">
+                          <a16:creationId xmlns:a16="http://schemas.microsoft.com/office/drawing/2014/main" id="{E90CCB32-8DF7-557F-3090-76789BCDED97}"/>
+                        </a:ext>
+                      </a:extLst>
+                    </p:cNvPr>
+                    <p:cNvSpPr/>
+                    <p:nvPr/>
+                  </p:nvSpPr>
+                  <p:spPr>
+                    <a:xfrm>
+                      <a:off x="7789985" y="4923692"/>
+                      <a:ext cx="1600200" cy="1019908"/>
+                    </a:xfrm>
+                    <a:prstGeom prst="snip2SameRect">
+                      <a:avLst/>
+                    </a:prstGeom>
+                    <a:noFill/>
+                    <a:ln>
+                      <a:noFill/>
+                    </a:ln>
+                  </p:spPr>
+                  <p:style>
+                    <a:lnRef idx="2">
+                      <a:schemeClr val="accent4">
+                        <a:shade val="15000"/>
+                      </a:schemeClr>
+                    </a:lnRef>
+                    <a:fillRef idx="1">
+                      <a:schemeClr val="accent4"/>
+                    </a:fillRef>
+                    <a:effectRef idx="0">
+                      <a:schemeClr val="accent4"/>
+                    </a:effectRef>
+                    <a:fontRef idx="minor">
+                      <a:schemeClr val="lt1"/>
+                    </a:fontRef>
+                  </p:style>
+                  <p:txBody>
+                    <a:bodyPr rtlCol="0" anchor="ctr"/>
+                    <a:lstStyle/>
+                    <a:p>
+                      <a:pPr algn="ctr"/>
+                      <a:r>
+                        <a:rPr kumimoji="1" lang="ja-JP" altLang="en-US" sz="3600" dirty="0">
+                          <a:solidFill>
+                            <a:schemeClr val="tx1"/>
+                          </a:solidFill>
+                        </a:rPr>
+                        <a:t>・・・</a:t>
+                      </a:r>
+                    </a:p>
+                  </p:txBody>
+                </p:sp>
+                <p:sp>
+                  <p:nvSpPr>
+                    <p:cNvPr id="35" name="正方形/長方形 34">
+                      <a:extLst>
+                        <a:ext uri="{FF2B5EF4-FFF2-40B4-BE49-F238E27FC236}">
+                          <a16:creationId xmlns:a16="http://schemas.microsoft.com/office/drawing/2014/main" id="{2A6E9147-4409-46C1-5D89-E1C3BA455278}"/>
+                        </a:ext>
+                      </a:extLst>
+                    </p:cNvPr>
+                    <p:cNvSpPr/>
+                    <p:nvPr/>
+                  </p:nvSpPr>
+                  <p:spPr>
+                    <a:xfrm>
+                      <a:off x="2409092" y="3094892"/>
+                      <a:ext cx="8774724" cy="1459523"/>
+                    </a:xfrm>
+                    <a:prstGeom prst="rect">
+                      <a:avLst/>
+                    </a:prstGeom>
+                    <a:solidFill>
+                      <a:schemeClr val="accent1">
+                        <a:lumMod val="60000"/>
+                        <a:lumOff val="40000"/>
+                      </a:schemeClr>
+                    </a:solidFill>
+                  </p:spPr>
+                  <p:style>
+                    <a:lnRef idx="2">
+                      <a:schemeClr val="accent1">
+                        <a:shade val="15000"/>
+                      </a:schemeClr>
+                    </a:lnRef>
+                    <a:fillRef idx="1">
+                      <a:schemeClr val="accent1"/>
+                    </a:fillRef>
+                    <a:effectRef idx="0">
+                      <a:schemeClr val="accent1"/>
+                    </a:effectRef>
+                    <a:fontRef idx="minor">
+                      <a:schemeClr val="lt1"/>
+                    </a:fontRef>
+                  </p:style>
+                  <p:txBody>
+                    <a:bodyPr rtlCol="0" anchor="ctr"/>
+                    <a:lstStyle/>
+                    <a:p>
+                      <a:pPr algn="ctr"/>
+                      <a:r>
+                        <a:rPr kumimoji="1" lang="en-US" altLang="ja-JP" sz="6600" dirty="0">
+                          <a:solidFill>
+                            <a:schemeClr val="tx1"/>
+                          </a:solidFill>
+                        </a:rPr>
+                        <a:t>BERT (1)</a:t>
+                      </a:r>
+                    </a:p>
+                  </p:txBody>
+                </p:sp>
+                <p:sp>
+                  <p:nvSpPr>
+                    <p:cNvPr id="36" name="矢印: 右 35">
+                      <a:extLst>
+                        <a:ext uri="{FF2B5EF4-FFF2-40B4-BE49-F238E27FC236}">
+                          <a16:creationId xmlns:a16="http://schemas.microsoft.com/office/drawing/2014/main" id="{FACACB4B-7A28-B098-C8CD-032263738BBE}"/>
+                        </a:ext>
+                      </a:extLst>
+                    </p:cNvPr>
+                    <p:cNvSpPr/>
+                    <p:nvPr/>
+                  </p:nvSpPr>
+                  <p:spPr>
+                    <a:xfrm rot="16200000">
+                      <a:off x="2945423" y="4510453"/>
+                      <a:ext cx="527539" cy="298938"/>
+                    </a:xfrm>
+                    <a:prstGeom prst="rightArrow">
+                      <a:avLst/>
+                    </a:prstGeom>
+                  </p:spPr>
+                  <p:style>
+                    <a:lnRef idx="2">
+                      <a:schemeClr val="accent2">
+                        <a:shade val="15000"/>
+                      </a:schemeClr>
+                    </a:lnRef>
+                    <a:fillRef idx="1">
+                      <a:schemeClr val="accent2"/>
+                    </a:fillRef>
+                    <a:effectRef idx="0">
+                      <a:schemeClr val="accent2"/>
+                    </a:effectRef>
+                    <a:fontRef idx="minor">
+                      <a:schemeClr val="lt1"/>
+                    </a:fontRef>
+                  </p:style>
+                  <p:txBody>
+                    <a:bodyPr rtlCol="0" anchor="ctr"/>
+                    <a:lstStyle/>
+                    <a:p>
+                      <a:pPr algn="ctr"/>
+                      <a:endParaRPr kumimoji="1" lang="ja-JP" altLang="en-US"/>
+                    </a:p>
+                  </p:txBody>
+                </p:sp>
+                <p:sp>
+                  <p:nvSpPr>
+                    <p:cNvPr id="37" name="矢印: 右 36">
+                      <a:extLst>
+                        <a:ext uri="{FF2B5EF4-FFF2-40B4-BE49-F238E27FC236}">
+                          <a16:creationId xmlns:a16="http://schemas.microsoft.com/office/drawing/2014/main" id="{0B9EC081-765C-FF74-D1E6-C0579A28DFCC}"/>
+                        </a:ext>
+                      </a:extLst>
+                    </p:cNvPr>
+                    <p:cNvSpPr/>
+                    <p:nvPr/>
+                  </p:nvSpPr>
+                  <p:spPr>
+                    <a:xfrm rot="16200000">
+                      <a:off x="4739054" y="4510452"/>
+                      <a:ext cx="527539" cy="298938"/>
+                    </a:xfrm>
+                    <a:prstGeom prst="rightArrow">
+                      <a:avLst/>
+                    </a:prstGeom>
+                  </p:spPr>
+                  <p:style>
+                    <a:lnRef idx="2">
+                      <a:schemeClr val="accent2">
+                        <a:shade val="15000"/>
+                      </a:schemeClr>
+                    </a:lnRef>
+                    <a:fillRef idx="1">
+                      <a:schemeClr val="accent2"/>
+                    </a:fillRef>
+                    <a:effectRef idx="0">
+                      <a:schemeClr val="accent2"/>
+                    </a:effectRef>
+                    <a:fontRef idx="minor">
+                      <a:schemeClr val="lt1"/>
+                    </a:fontRef>
+                  </p:style>
+                  <p:txBody>
+                    <a:bodyPr rtlCol="0" anchor="ctr"/>
+                    <a:lstStyle/>
+                    <a:p>
+                      <a:pPr algn="ctr"/>
+                      <a:endParaRPr kumimoji="1" lang="ja-JP" altLang="en-US"/>
+                    </a:p>
+                  </p:txBody>
+                </p:sp>
+                <p:sp>
+                  <p:nvSpPr>
+                    <p:cNvPr id="38" name="矢印: 右 37">
+                      <a:extLst>
+                        <a:ext uri="{FF2B5EF4-FFF2-40B4-BE49-F238E27FC236}">
+                          <a16:creationId xmlns:a16="http://schemas.microsoft.com/office/drawing/2014/main" id="{B74A6633-4D06-70BA-BB30-5DEEE8ABF4E3}"/>
+                        </a:ext>
+                      </a:extLst>
+                    </p:cNvPr>
+                    <p:cNvSpPr/>
+                    <p:nvPr/>
+                  </p:nvSpPr>
+                  <p:spPr>
+                    <a:xfrm rot="16200000">
+                      <a:off x="6532685" y="4510451"/>
+                      <a:ext cx="527539" cy="298938"/>
+                    </a:xfrm>
+                    <a:prstGeom prst="rightArrow">
+                      <a:avLst/>
+                    </a:prstGeom>
+                  </p:spPr>
+                  <p:style>
+                    <a:lnRef idx="2">
+                      <a:schemeClr val="accent2">
+                        <a:shade val="15000"/>
+                      </a:schemeClr>
+                    </a:lnRef>
+                    <a:fillRef idx="1">
+                      <a:schemeClr val="accent2"/>
+                    </a:fillRef>
+                    <a:effectRef idx="0">
+                      <a:schemeClr val="accent2"/>
+                    </a:effectRef>
+                    <a:fontRef idx="minor">
+                      <a:schemeClr val="lt1"/>
+                    </a:fontRef>
+                  </p:style>
+                  <p:txBody>
+                    <a:bodyPr rtlCol="0" anchor="ctr"/>
+                    <a:lstStyle/>
+                    <a:p>
+                      <a:pPr algn="ctr"/>
+                      <a:endParaRPr kumimoji="1" lang="ja-JP" altLang="en-US"/>
+                    </a:p>
+                  </p:txBody>
+                </p:sp>
+                <p:sp>
+                  <p:nvSpPr>
+                    <p:cNvPr id="39" name="矢印: 右 38">
+                      <a:extLst>
+                        <a:ext uri="{FF2B5EF4-FFF2-40B4-BE49-F238E27FC236}">
+                          <a16:creationId xmlns:a16="http://schemas.microsoft.com/office/drawing/2014/main" id="{9336CCED-5C00-8023-5FE9-DAEE4B7BF754}"/>
+                        </a:ext>
+                      </a:extLst>
+                    </p:cNvPr>
+                    <p:cNvSpPr/>
+                    <p:nvPr/>
+                  </p:nvSpPr>
+                  <p:spPr>
+                    <a:xfrm rot="16200000">
+                      <a:off x="10119947" y="4510451"/>
+                      <a:ext cx="527539" cy="298938"/>
+                    </a:xfrm>
+                    <a:prstGeom prst="rightArrow">
+                      <a:avLst/>
+                    </a:prstGeom>
+                  </p:spPr>
+                  <p:style>
+                    <a:lnRef idx="2">
+                      <a:schemeClr val="accent2">
+                        <a:shade val="15000"/>
+                      </a:schemeClr>
+                    </a:lnRef>
+                    <a:fillRef idx="1">
+                      <a:schemeClr val="accent2"/>
+                    </a:fillRef>
+                    <a:effectRef idx="0">
+                      <a:schemeClr val="accent2"/>
+                    </a:effectRef>
+                    <a:fontRef idx="minor">
+                      <a:schemeClr val="lt1"/>
+                    </a:fontRef>
+                  </p:style>
+                  <p:txBody>
+                    <a:bodyPr rtlCol="0" anchor="ctr"/>
+                    <a:lstStyle/>
+                    <a:p>
+                      <a:pPr algn="ctr"/>
+                      <a:endParaRPr kumimoji="1" lang="ja-JP" altLang="en-US"/>
+                    </a:p>
+                  </p:txBody>
+                </p:sp>
+                <p:sp>
+                  <p:nvSpPr>
+                    <p:cNvPr id="40" name="矢印: 右 39">
+                      <a:extLst>
+                        <a:ext uri="{FF2B5EF4-FFF2-40B4-BE49-F238E27FC236}">
+                          <a16:creationId xmlns:a16="http://schemas.microsoft.com/office/drawing/2014/main" id="{12B4D63A-6589-5FFD-812E-440755989A0D}"/>
+                        </a:ext>
+                      </a:extLst>
+                    </p:cNvPr>
+                    <p:cNvSpPr/>
+                    <p:nvPr/>
+                  </p:nvSpPr>
+                  <p:spPr>
+                    <a:xfrm rot="16200000">
+                      <a:off x="2945423" y="2945422"/>
+                      <a:ext cx="527539" cy="298938"/>
+                    </a:xfrm>
+                    <a:prstGeom prst="rightArrow">
+                      <a:avLst/>
+                    </a:prstGeom>
+                  </p:spPr>
+                  <p:style>
+                    <a:lnRef idx="2">
+                      <a:schemeClr val="accent2">
+                        <a:shade val="15000"/>
+                      </a:schemeClr>
+                    </a:lnRef>
+                    <a:fillRef idx="1">
+                      <a:schemeClr val="accent2"/>
+                    </a:fillRef>
+                    <a:effectRef idx="0">
+                      <a:schemeClr val="accent2"/>
+                    </a:effectRef>
+                    <a:fontRef idx="minor">
+                      <a:schemeClr val="lt1"/>
+                    </a:fontRef>
+                  </p:style>
+                  <p:txBody>
+                    <a:bodyPr rtlCol="0" anchor="ctr"/>
+                    <a:lstStyle/>
+                    <a:p>
+                      <a:pPr algn="ctr"/>
+                      <a:endParaRPr kumimoji="1" lang="ja-JP" altLang="en-US"/>
+                    </a:p>
+                  </p:txBody>
+                </p:sp>
+                <p:sp>
+                  <p:nvSpPr>
+                    <p:cNvPr id="41" name="矢印: 右 40">
+                      <a:extLst>
+                        <a:ext uri="{FF2B5EF4-FFF2-40B4-BE49-F238E27FC236}">
+                          <a16:creationId xmlns:a16="http://schemas.microsoft.com/office/drawing/2014/main" id="{A9449CAB-D7C6-C583-CAE5-42CE3F3D8733}"/>
+                        </a:ext>
+                      </a:extLst>
+                    </p:cNvPr>
+                    <p:cNvSpPr/>
+                    <p:nvPr/>
+                  </p:nvSpPr>
+                  <p:spPr>
+                    <a:xfrm rot="16200000">
+                      <a:off x="4739054" y="2945423"/>
+                      <a:ext cx="527539" cy="298938"/>
+                    </a:xfrm>
+                    <a:prstGeom prst="rightArrow">
+                      <a:avLst/>
+                    </a:prstGeom>
+                  </p:spPr>
+                  <p:style>
+                    <a:lnRef idx="2">
+                      <a:schemeClr val="accent2">
+                        <a:shade val="15000"/>
+                      </a:schemeClr>
+                    </a:lnRef>
+                    <a:fillRef idx="1">
+                      <a:schemeClr val="accent2"/>
+                    </a:fillRef>
+                    <a:effectRef idx="0">
+                      <a:schemeClr val="accent2"/>
+                    </a:effectRef>
+                    <a:fontRef idx="minor">
+                      <a:schemeClr val="lt1"/>
+                    </a:fontRef>
+                  </p:style>
+                  <p:txBody>
+                    <a:bodyPr rtlCol="0" anchor="ctr"/>
+                    <a:lstStyle/>
+                    <a:p>
+                      <a:pPr algn="ctr"/>
+                      <a:endParaRPr kumimoji="1" lang="ja-JP" altLang="en-US"/>
+                    </a:p>
+                  </p:txBody>
+                </p:sp>
+                <p:sp>
+                  <p:nvSpPr>
+                    <p:cNvPr id="42" name="矢印: 右 41">
+                      <a:extLst>
+                        <a:ext uri="{FF2B5EF4-FFF2-40B4-BE49-F238E27FC236}">
+                          <a16:creationId xmlns:a16="http://schemas.microsoft.com/office/drawing/2014/main" id="{E8519537-A4A0-F13D-5463-20F1BF078FB8}"/>
+                        </a:ext>
+                      </a:extLst>
+                    </p:cNvPr>
+                    <p:cNvSpPr/>
+                    <p:nvPr/>
+                  </p:nvSpPr>
+                  <p:spPr>
+                    <a:xfrm rot="16200000">
+                      <a:off x="6532686" y="2945422"/>
+                      <a:ext cx="527539" cy="298938"/>
+                    </a:xfrm>
+                    <a:prstGeom prst="rightArrow">
+                      <a:avLst/>
+                    </a:prstGeom>
+                  </p:spPr>
+                  <p:style>
+                    <a:lnRef idx="2">
+                      <a:schemeClr val="accent2">
+                        <a:shade val="15000"/>
+                      </a:schemeClr>
+                    </a:lnRef>
+                    <a:fillRef idx="1">
+                      <a:schemeClr val="accent2"/>
+                    </a:fillRef>
+                    <a:effectRef idx="0">
+                      <a:schemeClr val="accent2"/>
+                    </a:effectRef>
+                    <a:fontRef idx="minor">
+                      <a:schemeClr val="lt1"/>
+                    </a:fontRef>
+                  </p:style>
+                  <p:txBody>
+                    <a:bodyPr rtlCol="0" anchor="ctr"/>
+                    <a:lstStyle/>
+                    <a:p>
+                      <a:pPr algn="ctr"/>
+                      <a:endParaRPr kumimoji="1" lang="ja-JP" altLang="en-US"/>
+                    </a:p>
+                  </p:txBody>
+                </p:sp>
+                <p:sp>
+                  <p:nvSpPr>
+                    <p:cNvPr id="43" name="矢印: 右 42">
+                      <a:extLst>
+                        <a:ext uri="{FF2B5EF4-FFF2-40B4-BE49-F238E27FC236}">
+                          <a16:creationId xmlns:a16="http://schemas.microsoft.com/office/drawing/2014/main" id="{097BB0D3-7440-5C06-8AD6-BD2118A594F1}"/>
+                        </a:ext>
+                      </a:extLst>
+                    </p:cNvPr>
+                    <p:cNvSpPr/>
+                    <p:nvPr/>
+                  </p:nvSpPr>
+                  <p:spPr>
+                    <a:xfrm rot="16200000">
+                      <a:off x="10119947" y="2945421"/>
+                      <a:ext cx="527539" cy="298938"/>
+                    </a:xfrm>
+                    <a:prstGeom prst="rightArrow">
+                      <a:avLst/>
+                    </a:prstGeom>
+                  </p:spPr>
+                  <p:style>
+                    <a:lnRef idx="2">
+                      <a:schemeClr val="accent2">
+                        <a:shade val="15000"/>
+                      </a:schemeClr>
+                    </a:lnRef>
+                    <a:fillRef idx="1">
+                      <a:schemeClr val="accent2"/>
+                    </a:fillRef>
+                    <a:effectRef idx="0">
+                      <a:schemeClr val="accent2"/>
+                    </a:effectRef>
+                    <a:fontRef idx="minor">
+                      <a:schemeClr val="lt1"/>
+                    </a:fontRef>
+                  </p:style>
+                  <p:txBody>
+                    <a:bodyPr rtlCol="0" anchor="ctr"/>
+                    <a:lstStyle/>
+                    <a:p>
+                      <a:pPr algn="ctr"/>
+                      <a:endParaRPr kumimoji="1" lang="ja-JP" altLang="en-US"/>
+                    </a:p>
+                  </p:txBody>
+                </p:sp>
+                <p:sp>
+                  <p:nvSpPr>
+                    <p:cNvPr id="44" name="正方形/長方形 43">
+                      <a:extLst>
+                        <a:ext uri="{FF2B5EF4-FFF2-40B4-BE49-F238E27FC236}">
+                          <a16:creationId xmlns:a16="http://schemas.microsoft.com/office/drawing/2014/main" id="{B43AB712-AF28-76E8-1ED9-44119975922F}"/>
+                        </a:ext>
+                      </a:extLst>
+                    </p:cNvPr>
+                    <p:cNvSpPr/>
+                    <p:nvPr/>
+                  </p:nvSpPr>
+                  <p:spPr>
+                    <a:xfrm>
+                      <a:off x="2409092" y="1767760"/>
+                      <a:ext cx="1600200" cy="1019908"/>
+                    </a:xfrm>
+                    <a:prstGeom prst="rect">
+                      <a:avLst/>
+                    </a:prstGeom>
+                    <a:solidFill>
+                      <a:schemeClr val="accent6">
+                        <a:lumMod val="20000"/>
+                        <a:lumOff val="80000"/>
+                      </a:schemeClr>
+                    </a:solidFill>
+                    <a:ln>
+                      <a:solidFill>
+                        <a:schemeClr val="tx1"/>
+                      </a:solidFill>
+                    </a:ln>
+                  </p:spPr>
+                  <p:style>
+                    <a:lnRef idx="2">
+                      <a:schemeClr val="accent6"/>
+                    </a:lnRef>
+                    <a:fillRef idx="1">
+                      <a:schemeClr val="lt1"/>
+                    </a:fillRef>
+                    <a:effectRef idx="0">
+                      <a:schemeClr val="accent6"/>
+                    </a:effectRef>
+                    <a:fontRef idx="minor">
+                      <a:schemeClr val="dk1"/>
+                    </a:fontRef>
+                  </p:style>
+                  <p:txBody>
+                    <a:bodyPr rtlCol="0" anchor="ctr"/>
+                    <a:lstStyle/>
+                    <a:p>
+                      <a:pPr algn="ctr"/>
+                      <a:r>
+                        <a:rPr kumimoji="1" lang="en-US" altLang="ja-JP" sz="4000" dirty="0">
+                          <a:solidFill>
+                            <a:schemeClr val="tx1"/>
+                          </a:solidFill>
+                        </a:rPr>
+                        <a:t>E</a:t>
+                      </a:r>
+                      <a:r>
+                        <a:rPr kumimoji="1" lang="en-US" altLang="ja-JP" sz="4000" baseline="-25000" dirty="0">
+                          <a:solidFill>
+                            <a:schemeClr val="tx1"/>
+                          </a:solidFill>
+                        </a:rPr>
+                        <a:t>[CLS]</a:t>
+                      </a:r>
+                      <a:endParaRPr kumimoji="1" lang="ja-JP" altLang="en-US" sz="4000" dirty="0">
+                        <a:solidFill>
+                          <a:schemeClr val="tx1"/>
+                        </a:solidFill>
+                      </a:endParaRPr>
+                    </a:p>
+                  </p:txBody>
+                </p:sp>
+                <p:sp>
+                  <p:nvSpPr>
+                    <p:cNvPr id="45" name="正方形/長方形 44">
+                      <a:extLst>
+                        <a:ext uri="{FF2B5EF4-FFF2-40B4-BE49-F238E27FC236}">
+                          <a16:creationId xmlns:a16="http://schemas.microsoft.com/office/drawing/2014/main" id="{56A50A2B-40B6-02E3-0C7C-1306074EF3DC}"/>
+                        </a:ext>
+                      </a:extLst>
+                    </p:cNvPr>
+                    <p:cNvSpPr/>
+                    <p:nvPr/>
+                  </p:nvSpPr>
+                  <p:spPr>
+                    <a:xfrm>
+                      <a:off x="4202723" y="1767760"/>
+                      <a:ext cx="1600200" cy="1019908"/>
+                    </a:xfrm>
+                    <a:prstGeom prst="rect">
+                      <a:avLst/>
+                    </a:prstGeom>
+                    <a:solidFill>
+                      <a:schemeClr val="accent6">
+                        <a:lumMod val="20000"/>
+                        <a:lumOff val="80000"/>
+                      </a:schemeClr>
+                    </a:solidFill>
+                    <a:ln>
+                      <a:solidFill>
+                        <a:schemeClr val="tx1"/>
+                      </a:solidFill>
+                    </a:ln>
+                  </p:spPr>
+                  <p:style>
+                    <a:lnRef idx="2">
+                      <a:schemeClr val="accent6"/>
+                    </a:lnRef>
+                    <a:fillRef idx="1">
+                      <a:schemeClr val="lt1"/>
+                    </a:fillRef>
+                    <a:effectRef idx="0">
+                      <a:schemeClr val="accent6"/>
+                    </a:effectRef>
+                    <a:fontRef idx="minor">
+                      <a:schemeClr val="dk1"/>
+                    </a:fontRef>
+                  </p:style>
+                  <p:txBody>
+                    <a:bodyPr rtlCol="0" anchor="ctr"/>
+                    <a:lstStyle/>
+                    <a:p>
+                      <a:pPr algn="ctr"/>
+                      <a:r>
+                        <a:rPr kumimoji="1" lang="en-US" altLang="ja-JP" sz="4000" dirty="0">
+                          <a:solidFill>
+                            <a:schemeClr val="tx1"/>
+                          </a:solidFill>
+                        </a:rPr>
+                        <a:t>E</a:t>
+                      </a:r>
+                      <a:r>
+                        <a:rPr kumimoji="1" lang="en-US" altLang="ja-JP" sz="4000" baseline="-25000" dirty="0">
+                          <a:solidFill>
+                            <a:schemeClr val="tx1"/>
+                          </a:solidFill>
+                        </a:rPr>
+                        <a:t>1</a:t>
+                      </a:r>
+                      <a:endParaRPr kumimoji="1" lang="ja-JP" altLang="en-US" sz="4000" dirty="0">
+                        <a:solidFill>
+                          <a:schemeClr val="tx1"/>
+                        </a:solidFill>
+                      </a:endParaRPr>
+                    </a:p>
+                  </p:txBody>
+                </p:sp>
+                <p:sp>
+                  <p:nvSpPr>
+                    <p:cNvPr id="46" name="正方形/長方形 45">
+                      <a:extLst>
+                        <a:ext uri="{FF2B5EF4-FFF2-40B4-BE49-F238E27FC236}">
+                          <a16:creationId xmlns:a16="http://schemas.microsoft.com/office/drawing/2014/main" id="{2C5D63EB-F68D-D2EF-20A7-53878B259B2A}"/>
+                        </a:ext>
+                      </a:extLst>
+                    </p:cNvPr>
+                    <p:cNvSpPr/>
+                    <p:nvPr/>
+                  </p:nvSpPr>
+                  <p:spPr>
+                    <a:xfrm>
+                      <a:off x="5996354" y="1767760"/>
+                      <a:ext cx="1600200" cy="1019908"/>
+                    </a:xfrm>
+                    <a:prstGeom prst="rect">
+                      <a:avLst/>
+                    </a:prstGeom>
+                    <a:solidFill>
+                      <a:schemeClr val="accent6">
+                        <a:lumMod val="20000"/>
+                        <a:lumOff val="80000"/>
+                      </a:schemeClr>
+                    </a:solidFill>
+                    <a:ln>
+                      <a:solidFill>
+                        <a:schemeClr val="tx1"/>
+                      </a:solidFill>
+                    </a:ln>
+                  </p:spPr>
+                  <p:style>
+                    <a:lnRef idx="2">
+                      <a:schemeClr val="accent6"/>
+                    </a:lnRef>
+                    <a:fillRef idx="1">
+                      <a:schemeClr val="lt1"/>
+                    </a:fillRef>
+                    <a:effectRef idx="0">
+                      <a:schemeClr val="accent6"/>
+                    </a:effectRef>
+                    <a:fontRef idx="minor">
+                      <a:schemeClr val="dk1"/>
+                    </a:fontRef>
+                  </p:style>
+                  <p:txBody>
+                    <a:bodyPr rtlCol="0" anchor="ctr"/>
+                    <a:lstStyle/>
+                    <a:p>
+                      <a:pPr algn="ctr"/>
+                      <a:r>
+                        <a:rPr kumimoji="1" lang="en-US" altLang="ja-JP" sz="4000" dirty="0">
+                          <a:solidFill>
+                            <a:schemeClr val="tx1"/>
+                          </a:solidFill>
+                        </a:rPr>
+                        <a:t>E</a:t>
+                      </a:r>
+                      <a:r>
+                        <a:rPr kumimoji="1" lang="en-US" altLang="ja-JP" sz="4000" baseline="-25000" dirty="0">
+                          <a:solidFill>
+                            <a:schemeClr val="tx1"/>
+                          </a:solidFill>
+                        </a:rPr>
+                        <a:t>2</a:t>
+                      </a:r>
+                      <a:endParaRPr kumimoji="1" lang="ja-JP" altLang="en-US" sz="4000" dirty="0">
+                        <a:solidFill>
+                          <a:schemeClr val="tx1"/>
+                        </a:solidFill>
+                      </a:endParaRPr>
+                    </a:p>
+                  </p:txBody>
+                </p:sp>
+                <p:sp>
+                  <p:nvSpPr>
+                    <p:cNvPr id="47" name="正方形/長方形 46">
+                      <a:extLst>
+                        <a:ext uri="{FF2B5EF4-FFF2-40B4-BE49-F238E27FC236}">
+                          <a16:creationId xmlns:a16="http://schemas.microsoft.com/office/drawing/2014/main" id="{59351399-6590-372A-E0E8-F307EC2F3762}"/>
+                        </a:ext>
+                      </a:extLst>
+                    </p:cNvPr>
+                    <p:cNvSpPr/>
+                    <p:nvPr/>
+                  </p:nvSpPr>
+                  <p:spPr>
+                    <a:xfrm>
+                      <a:off x="9583616" y="1767760"/>
+                      <a:ext cx="1600200" cy="1019908"/>
+                    </a:xfrm>
+                    <a:prstGeom prst="rect">
+                      <a:avLst/>
+                    </a:prstGeom>
+                    <a:solidFill>
+                      <a:schemeClr val="accent6">
+                        <a:lumMod val="20000"/>
+                        <a:lumOff val="80000"/>
+                      </a:schemeClr>
+                    </a:solidFill>
+                    <a:ln>
+                      <a:solidFill>
+                        <a:schemeClr val="tx1"/>
+                      </a:solidFill>
+                    </a:ln>
+                  </p:spPr>
+                  <p:style>
+                    <a:lnRef idx="2">
+                      <a:schemeClr val="accent6"/>
+                    </a:lnRef>
+                    <a:fillRef idx="1">
+                      <a:schemeClr val="lt1"/>
+                    </a:fillRef>
+                    <a:effectRef idx="0">
+                      <a:schemeClr val="accent6"/>
+                    </a:effectRef>
+                    <a:fontRef idx="minor">
+                      <a:schemeClr val="dk1"/>
+                    </a:fontRef>
+                  </p:style>
+                  <p:txBody>
+                    <a:bodyPr rtlCol="0" anchor="ctr"/>
+                    <a:lstStyle/>
+                    <a:p>
+                      <a:pPr algn="ctr"/>
+                      <a:r>
+                        <a:rPr kumimoji="1" lang="en-US" altLang="ja-JP" sz="4000" dirty="0">
+                          <a:solidFill>
+                            <a:schemeClr val="tx1"/>
+                          </a:solidFill>
+                        </a:rPr>
+                        <a:t>E</a:t>
+                      </a:r>
+                      <a:r>
+                        <a:rPr kumimoji="1" lang="en-US" altLang="ja-JP" sz="4000" baseline="-25000" dirty="0">
+                          <a:solidFill>
+                            <a:schemeClr val="tx1"/>
+                          </a:solidFill>
+                        </a:rPr>
+                        <a:t>N</a:t>
+                      </a:r>
+                      <a:endParaRPr kumimoji="1" lang="ja-JP" altLang="en-US" sz="4000" dirty="0">
+                        <a:solidFill>
+                          <a:schemeClr val="tx1"/>
+                        </a:solidFill>
+                      </a:endParaRPr>
+                    </a:p>
+                  </p:txBody>
+                </p:sp>
+                <p:sp>
+                  <p:nvSpPr>
+                    <p:cNvPr id="48" name="四角形: 上の 2 つの角を切り取る 47">
+                      <a:extLst>
+                        <a:ext uri="{FF2B5EF4-FFF2-40B4-BE49-F238E27FC236}">
+                          <a16:creationId xmlns:a16="http://schemas.microsoft.com/office/drawing/2014/main" id="{72E1FC4F-50B3-AE63-E447-CA0E3FE04209}"/>
+                        </a:ext>
+                      </a:extLst>
+                    </p:cNvPr>
+                    <p:cNvSpPr/>
+                    <p:nvPr/>
+                  </p:nvSpPr>
+                  <p:spPr>
+                    <a:xfrm>
+                      <a:off x="7789985" y="1767760"/>
+                      <a:ext cx="1600200" cy="1019908"/>
+                    </a:xfrm>
+                    <a:prstGeom prst="snip2SameRect">
+                      <a:avLst/>
+                    </a:prstGeom>
+                    <a:noFill/>
+                    <a:ln>
+                      <a:noFill/>
+                    </a:ln>
+                  </p:spPr>
+                  <p:style>
+                    <a:lnRef idx="2">
+                      <a:schemeClr val="accent4">
+                        <a:shade val="15000"/>
+                      </a:schemeClr>
+                    </a:lnRef>
+                    <a:fillRef idx="1">
+                      <a:schemeClr val="accent4"/>
+                    </a:fillRef>
+                    <a:effectRef idx="0">
+                      <a:schemeClr val="accent4"/>
+                    </a:effectRef>
+                    <a:fontRef idx="minor">
+                      <a:schemeClr val="lt1"/>
+                    </a:fontRef>
+                  </p:style>
+                  <p:txBody>
+                    <a:bodyPr rtlCol="0" anchor="ctr"/>
+                    <a:lstStyle/>
+                    <a:p>
+                      <a:pPr algn="ctr"/>
+                      <a:r>
+                        <a:rPr kumimoji="1" lang="ja-JP" altLang="en-US" sz="3600" dirty="0">
+                          <a:solidFill>
+                            <a:schemeClr val="tx1"/>
+                          </a:solidFill>
+                        </a:rPr>
+                        <a:t>・・・</a:t>
+                      </a:r>
+                    </a:p>
+                  </p:txBody>
+                </p:sp>
+                <p:sp>
+                  <p:nvSpPr>
+                    <p:cNvPr id="49" name="右中かっこ 48">
+                      <a:extLst>
+                        <a:ext uri="{FF2B5EF4-FFF2-40B4-BE49-F238E27FC236}">
+                          <a16:creationId xmlns:a16="http://schemas.microsoft.com/office/drawing/2014/main" id="{57D089D0-646E-6AA7-E391-F70F7B7A8557}"/>
+                        </a:ext>
+                      </a:extLst>
+                    </p:cNvPr>
+                    <p:cNvSpPr/>
+                    <p:nvPr/>
+                  </p:nvSpPr>
+                  <p:spPr>
+                    <a:xfrm rot="16200000">
+                      <a:off x="7327232" y="-2172030"/>
+                      <a:ext cx="732077" cy="6981095"/>
+                    </a:xfrm>
+                    <a:prstGeom prst="rightBrace">
+                      <a:avLst>
+                        <a:gd name="adj1" fmla="val 8333"/>
+                        <a:gd name="adj2" fmla="val 50026"/>
+                      </a:avLst>
+                    </a:prstGeom>
+                  </p:spPr>
+                  <p:style>
+                    <a:lnRef idx="1">
+                      <a:schemeClr val="dk1"/>
+                    </a:lnRef>
+                    <a:fillRef idx="0">
+                      <a:schemeClr val="dk1"/>
+                    </a:fillRef>
+                    <a:effectRef idx="0">
+                      <a:schemeClr val="dk1"/>
+                    </a:effectRef>
+                    <a:fontRef idx="minor">
+                      <a:schemeClr val="tx1"/>
+                    </a:fontRef>
+                  </p:style>
+                  <p:txBody>
+                    <a:bodyPr rtlCol="0" anchor="ctr"/>
+                    <a:lstStyle/>
+                    <a:p>
+                      <a:pPr algn="ctr"/>
+                      <a:endParaRPr kumimoji="1" lang="ja-JP" altLang="en-US"/>
+                    </a:p>
+                  </p:txBody>
+                </p:sp>
+              </p:grpSp>
+              <mc:AlternateContent xmlns:mc="http://schemas.openxmlformats.org/markup-compatibility/2006">
+                <mc:Choice xmlns:a14="http://schemas.microsoft.com/office/drawing/2010/main" Requires="a14">
+                  <p:sp>
+                    <p:nvSpPr>
+                      <p:cNvPr id="51" name="テキスト ボックス 50">
+                        <a:extLst>
+                          <a:ext uri="{FF2B5EF4-FFF2-40B4-BE49-F238E27FC236}">
+                            <a16:creationId xmlns:a16="http://schemas.microsoft.com/office/drawing/2014/main" id="{3A1B2A34-A1F1-3F1A-26B4-3368B7310AC7}"/>
+                          </a:ext>
+                        </a:extLst>
+                      </p:cNvPr>
+                      <p:cNvSpPr txBox="1"/>
+                      <p:nvPr/>
+                    </p:nvSpPr>
+                    <p:spPr>
+                      <a:xfrm>
+                        <a:off x="11812577" y="23025370"/>
+                        <a:ext cx="8774724" cy="889282"/>
+                      </a:xfrm>
+                      <a:prstGeom prst="rect">
+                        <a:avLst/>
+                      </a:prstGeom>
+                      <a:noFill/>
+                    </p:spPr>
+                    <p:txBody>
+                      <a:bodyPr wrap="square" rtlCol="0">
+                        <a:spAutoFit/>
+                      </a:bodyPr>
+                      <a:lstStyle/>
+                      <a:p>
+                        <a:pPr algn="ctr"/>
+                        <a:r>
+                          <a:rPr kumimoji="1" lang="en-US" altLang="ja-JP" sz="4800" b="0" u="sng" dirty="0"/>
+                          <a:t>Input:</a:t>
+                        </a:r>
+                        <a:r>
+                          <a:rPr kumimoji="1" lang="en-US" altLang="ja-JP" sz="4800" b="0" dirty="0"/>
+                          <a:t> </a:t>
+                        </a:r>
+                        <a14:m>
+                          <m:oMath xmlns:m="http://schemas.openxmlformats.org/officeDocument/2006/math">
+                            <m:d>
+                              <m:dPr>
+                                <m:begChr m:val="["/>
+                                <m:endChr m:val="]"/>
+                                <m:ctrlPr>
+                                  <a:rPr kumimoji="1" lang="en-US" altLang="ja-JP" sz="4800" b="0" i="1" smtClean="0">
+                                    <a:latin typeface="Cambria Math" panose="02040503050406030204" pitchFamily="18" charset="0"/>
+                                  </a:rPr>
+                                </m:ctrlPr>
+                              </m:dPr>
+                              <m:e>
+                                <m:r>
+                                  <m:rPr>
+                                    <m:sty m:val="p"/>
+                                  </m:rPr>
+                                  <a:rPr kumimoji="1" lang="en-US" altLang="ja-JP" sz="4800" b="0" i="0" smtClean="0">
+                                    <a:latin typeface="Cambria Math" panose="02040503050406030204" pitchFamily="18" charset="0"/>
+                                  </a:rPr>
+                                  <m:t>CLS</m:t>
+                                </m:r>
+                              </m:e>
+                            </m:d>
+                            <m:r>
+                              <a:rPr kumimoji="1" lang="en-US" altLang="ja-JP" sz="4800" b="0" i="0" smtClean="0">
+                                <a:latin typeface="Cambria Math" panose="02040503050406030204" pitchFamily="18" charset="0"/>
+                              </a:rPr>
+                              <m:t> </m:t>
+                            </m:r>
+                            <m:sSub>
+                              <m:sSubPr>
+                                <m:ctrlPr>
+                                  <a:rPr kumimoji="1" lang="en-US" altLang="ja-JP" sz="4800" b="0" i="1" smtClean="0">
+                                    <a:latin typeface="Cambria Math" panose="02040503050406030204" pitchFamily="18" charset="0"/>
+                                  </a:rPr>
+                                </m:ctrlPr>
+                              </m:sSubPr>
+                              <m:e>
+                                <m:r>
+                                  <a:rPr kumimoji="1" lang="en-US" altLang="ja-JP" sz="4800" b="0" i="1" smtClean="0">
+                                    <a:latin typeface="Cambria Math" panose="02040503050406030204" pitchFamily="18" charset="0"/>
+                                  </a:rPr>
+                                  <m:t>𝐷</m:t>
+                                </m:r>
+                              </m:e>
+                              <m:sub>
+                                <m:r>
+                                  <a:rPr kumimoji="1" lang="en-US" altLang="ja-JP" sz="4800" b="0" i="1" smtClean="0">
+                                    <a:latin typeface="Cambria Math" panose="02040503050406030204" pitchFamily="18" charset="0"/>
+                                  </a:rPr>
+                                  <m:t>𝑡𝑖𝑡𝑙𝑒</m:t>
+                                </m:r>
+                              </m:sub>
+                            </m:sSub>
+                            <m:r>
+                              <a:rPr kumimoji="1" lang="en-US" altLang="ja-JP" sz="4800" b="0" i="1" smtClean="0">
+                                <a:latin typeface="Cambria Math" panose="02040503050406030204" pitchFamily="18" charset="0"/>
+                              </a:rPr>
+                              <m:t> </m:t>
+                            </m:r>
+                            <m:d>
+                              <m:dPr>
+                                <m:begChr m:val="["/>
+                                <m:endChr m:val="]"/>
+                                <m:ctrlPr>
+                                  <a:rPr kumimoji="1" lang="en-US" altLang="ja-JP" sz="4800" b="0" i="1" smtClean="0">
+                                    <a:latin typeface="Cambria Math" panose="02040503050406030204" pitchFamily="18" charset="0"/>
+                                  </a:rPr>
+                                </m:ctrlPr>
+                              </m:dPr>
+                              <m:e>
+                                <m:r>
+                                  <m:rPr>
+                                    <m:sty m:val="p"/>
+                                  </m:rPr>
+                                  <a:rPr kumimoji="1" lang="en-US" altLang="ja-JP" sz="4800" b="0" i="0" smtClean="0">
+                                    <a:latin typeface="Cambria Math" panose="02040503050406030204" pitchFamily="18" charset="0"/>
+                                  </a:rPr>
+                                  <m:t>SEP</m:t>
+                                </m:r>
+                              </m:e>
+                            </m:d>
+                            <m:r>
+                              <a:rPr kumimoji="1" lang="en-US" altLang="ja-JP" sz="4800" b="0" i="0" smtClean="0">
+                                <a:latin typeface="Cambria Math" panose="02040503050406030204" pitchFamily="18" charset="0"/>
+                              </a:rPr>
+                              <m:t> </m:t>
+                            </m:r>
+                            <m:sSub>
+                              <m:sSubPr>
+                                <m:ctrlPr>
+                                  <a:rPr kumimoji="1" lang="en-US" altLang="ja-JP" sz="4800" b="0" i="1" smtClean="0">
+                                    <a:latin typeface="Cambria Math" panose="02040503050406030204" pitchFamily="18" charset="0"/>
+                                  </a:rPr>
+                                </m:ctrlPr>
+                              </m:sSubPr>
+                              <m:e>
+                                <m:r>
+                                  <a:rPr kumimoji="1" lang="en-US" altLang="ja-JP" sz="4800" b="0" i="1" smtClean="0">
+                                    <a:latin typeface="Cambria Math" panose="02040503050406030204" pitchFamily="18" charset="0"/>
+                                  </a:rPr>
+                                  <m:t>𝐷</m:t>
+                                </m:r>
+                              </m:e>
+                              <m:sub>
+                                <m:r>
+                                  <a:rPr kumimoji="1" lang="en-US" altLang="ja-JP" sz="4800" b="0" i="1" smtClean="0">
+                                    <a:latin typeface="Cambria Math" panose="02040503050406030204" pitchFamily="18" charset="0"/>
+                                  </a:rPr>
+                                  <m:t>𝑏𝑜𝑑𝑦</m:t>
+                                </m:r>
+                              </m:sub>
+                            </m:sSub>
+                          </m:oMath>
+                        </a14:m>
+                        <a:endParaRPr kumimoji="1" lang="ja-JP" altLang="en-US" sz="4800" dirty="0"/>
+                      </a:p>
+                    </p:txBody>
+                  </p:sp>
+                </mc:Choice>
+                <mc:Fallback>
+                  <p:sp>
+                    <p:nvSpPr>
+                      <p:cNvPr id="51" name="テキスト ボックス 50">
+                        <a:extLst>
+                          <a:ext uri="{FF2B5EF4-FFF2-40B4-BE49-F238E27FC236}">
+                            <a16:creationId xmlns:a16="http://schemas.microsoft.com/office/drawing/2014/main" id="{3A1B2A34-A1F1-3F1A-26B4-3368B7310AC7}"/>
+                          </a:ext>
+                        </a:extLst>
+                      </p:cNvPr>
+                      <p:cNvSpPr txBox="1">
+                        <a:spLocks noRot="1" noChangeAspect="1" noMove="1" noResize="1" noEditPoints="1" noAdjustHandles="1" noChangeArrowheads="1" noChangeShapeType="1" noTextEdit="1"/>
+                      </p:cNvSpPr>
+                      <p:nvPr/>
+                    </p:nvSpPr>
+                    <p:spPr>
+                      <a:xfrm>
+                        <a:off x="11812577" y="23025370"/>
+                        <a:ext cx="8774724" cy="889282"/>
+                      </a:xfrm>
+                      <a:prstGeom prst="rect">
+                        <a:avLst/>
+                      </a:prstGeom>
+                      <a:blipFill>
+                        <a:blip r:embed="rId4"/>
+                        <a:stretch>
+                          <a:fillRect t="-17241" b="-28276"/>
+                        </a:stretch>
+                      </a:blipFill>
+                    </p:spPr>
+                    <p:txBody>
+                      <a:bodyPr/>
+                      <a:lstStyle/>
+                      <a:p>
+                        <a:r>
+                          <a:rPr lang="ja-JP" altLang="en-US">
+                            <a:noFill/>
+                          </a:rPr>
+                          <a:t> </a:t>
+                        </a:r>
+                      </a:p>
+                    </p:txBody>
+                  </p:sp>
+                </mc:Fallback>
+              </mc:AlternateContent>
+              <p:sp>
+                <p:nvSpPr>
+                  <p:cNvPr id="52" name="正方形/長方形 51">
+                    <a:extLst>
+                      <a:ext uri="{FF2B5EF4-FFF2-40B4-BE49-F238E27FC236}">
+                        <a16:creationId xmlns:a16="http://schemas.microsoft.com/office/drawing/2014/main" id="{0F5ADD16-CF1B-51DD-4954-A3D626739C10}"/>
+                      </a:ext>
+                    </a:extLst>
+                  </p:cNvPr>
+                  <p:cNvSpPr/>
+                  <p:nvPr/>
+                </p:nvSpPr>
+                <p:spPr>
+                  <a:xfrm>
+                    <a:off x="16296655" y="16509533"/>
+                    <a:ext cx="1600200" cy="1019908"/>
+                  </a:xfrm>
+                  <a:prstGeom prst="rect">
+                    <a:avLst/>
+                  </a:prstGeom>
+                  <a:solidFill>
+                    <a:schemeClr val="accent6">
+                      <a:lumMod val="20000"/>
+                      <a:lumOff val="80000"/>
+                    </a:schemeClr>
+                  </a:solidFill>
+                  <a:ln>
+                    <a:solidFill>
+                      <a:schemeClr val="tx1"/>
+                    </a:solidFill>
+                  </a:ln>
+                </p:spPr>
+                <p:style>
+                  <a:lnRef idx="2">
+                    <a:schemeClr val="accent6"/>
+                  </a:lnRef>
+                  <a:fillRef idx="1">
+                    <a:schemeClr val="lt1"/>
+                  </a:fillRef>
+                  <a:effectRef idx="0">
+                    <a:schemeClr val="accent6"/>
+                  </a:effectRef>
+                  <a:fontRef idx="minor">
+                    <a:schemeClr val="dk1"/>
+                  </a:fontRef>
+                </p:style>
+                <p:txBody>
+                  <a:bodyPr rtlCol="0" anchor="ctr"/>
+                  <a:lstStyle/>
+                  <a:p>
+                    <a:pPr algn="ctr"/>
+                    <a:r>
+                      <a:rPr kumimoji="1" lang="en-US" altLang="ja-JP" sz="4000" dirty="0" err="1">
+                        <a:solidFill>
+                          <a:schemeClr val="tx1"/>
+                        </a:solidFill>
+                      </a:rPr>
+                      <a:t>E</a:t>
+                    </a:r>
+                    <a:r>
+                      <a:rPr kumimoji="1" lang="en-US" altLang="ja-JP" sz="4000" baseline="-25000" dirty="0" err="1">
+                        <a:solidFill>
+                          <a:schemeClr val="tx1"/>
+                        </a:solidFill>
+                      </a:rPr>
+                      <a:t>Avg</a:t>
+                    </a:r>
+                    <a:endParaRPr kumimoji="1" lang="ja-JP" altLang="en-US" sz="4000" dirty="0">
+                      <a:solidFill>
+                        <a:schemeClr val="tx1"/>
+                      </a:solidFill>
+                    </a:endParaRPr>
+                  </a:p>
+                </p:txBody>
+              </p:sp>
+              <p:grpSp>
+                <p:nvGrpSpPr>
+                  <p:cNvPr id="53" name="グループ化 52">
+                    <a:extLst>
+                      <a:ext uri="{FF2B5EF4-FFF2-40B4-BE49-F238E27FC236}">
+                        <a16:creationId xmlns:a16="http://schemas.microsoft.com/office/drawing/2014/main" id="{05A1DE37-2009-8948-007C-FCC1962EFE51}"/>
+                      </a:ext>
+                    </a:extLst>
+                  </p:cNvPr>
+                  <p:cNvGrpSpPr/>
+                  <p:nvPr/>
+                </p:nvGrpSpPr>
+                <p:grpSpPr>
+                  <a:xfrm>
+                    <a:off x="20780732" y="18427926"/>
+                    <a:ext cx="6981094" cy="4175840"/>
+                    <a:chOff x="2409092" y="1767760"/>
+                    <a:chExt cx="6981094" cy="4175840"/>
+                  </a:xfrm>
+                </p:grpSpPr>
+                <p:sp>
+                  <p:nvSpPr>
+                    <p:cNvPr id="54" name="四角形: 上の 2 つの角を切り取る 53">
+                      <a:extLst>
+                        <a:ext uri="{FF2B5EF4-FFF2-40B4-BE49-F238E27FC236}">
+                          <a16:creationId xmlns:a16="http://schemas.microsoft.com/office/drawing/2014/main" id="{2BA3B1E8-AB29-3FFE-1960-43318B3E64CD}"/>
+                        </a:ext>
+                      </a:extLst>
+                    </p:cNvPr>
+                    <p:cNvSpPr/>
+                    <p:nvPr/>
+                  </p:nvSpPr>
+                  <p:spPr>
+                    <a:xfrm>
+                      <a:off x="2409092" y="4923692"/>
+                      <a:ext cx="1600200" cy="1019908"/>
+                    </a:xfrm>
+                    <a:prstGeom prst="snip2SameRect">
+                      <a:avLst/>
+                    </a:prstGeom>
+                    <a:solidFill>
+                      <a:schemeClr val="accent4">
+                        <a:lumMod val="40000"/>
+                        <a:lumOff val="60000"/>
+                      </a:schemeClr>
+                    </a:solidFill>
+                    <a:ln>
+                      <a:solidFill>
+                        <a:schemeClr val="bg2"/>
+                      </a:solidFill>
+                    </a:ln>
+                  </p:spPr>
+                  <p:style>
+                    <a:lnRef idx="2">
+                      <a:schemeClr val="accent4">
+                        <a:shade val="15000"/>
+                      </a:schemeClr>
+                    </a:lnRef>
+                    <a:fillRef idx="1">
+                      <a:schemeClr val="accent4"/>
+                    </a:fillRef>
+                    <a:effectRef idx="0">
+                      <a:schemeClr val="accent4"/>
+                    </a:effectRef>
+                    <a:fontRef idx="minor">
+                      <a:schemeClr val="lt1"/>
+                    </a:fontRef>
+                  </p:style>
+                  <p:txBody>
+                    <a:bodyPr rtlCol="0" anchor="ctr"/>
+                    <a:lstStyle/>
+                    <a:p>
+                      <a:pPr algn="ctr"/>
+                      <a:r>
+                        <a:rPr kumimoji="1" lang="en-US" altLang="ja-JP" sz="3600" dirty="0">
+                          <a:solidFill>
+                            <a:schemeClr val="tx1"/>
+                          </a:solidFill>
+                        </a:rPr>
+                        <a:t>[CLS]</a:t>
+                      </a:r>
+                      <a:endParaRPr kumimoji="1" lang="ja-JP" altLang="en-US" sz="3600" dirty="0">
+                        <a:solidFill>
+                          <a:schemeClr val="tx1"/>
+                        </a:solidFill>
+                      </a:endParaRPr>
+                    </a:p>
+                  </p:txBody>
+                </p:sp>
+                <p:sp>
+                  <p:nvSpPr>
+                    <p:cNvPr id="55" name="四角形: 上の 2 つの角を切り取る 54">
+                      <a:extLst>
+                        <a:ext uri="{FF2B5EF4-FFF2-40B4-BE49-F238E27FC236}">
+                          <a16:creationId xmlns:a16="http://schemas.microsoft.com/office/drawing/2014/main" id="{CA9FEE2E-0CB0-DE3E-BA21-B7D2CCB4A1F9}"/>
+                        </a:ext>
+                      </a:extLst>
+                    </p:cNvPr>
+                    <p:cNvSpPr/>
+                    <p:nvPr/>
+                  </p:nvSpPr>
+                  <p:spPr>
+                    <a:xfrm>
+                      <a:off x="4202723" y="4923692"/>
+                      <a:ext cx="1600200" cy="1019908"/>
+                    </a:xfrm>
+                    <a:prstGeom prst="snip2SameRect">
+                      <a:avLst/>
+                    </a:prstGeom>
+                    <a:solidFill>
+                      <a:schemeClr val="accent4">
+                        <a:lumMod val="40000"/>
+                        <a:lumOff val="60000"/>
+                      </a:schemeClr>
+                    </a:solidFill>
+                    <a:ln>
+                      <a:solidFill>
+                        <a:schemeClr val="bg2"/>
+                      </a:solidFill>
+                    </a:ln>
+                  </p:spPr>
+                  <p:style>
+                    <a:lnRef idx="2">
+                      <a:schemeClr val="accent4">
+                        <a:shade val="15000"/>
+                      </a:schemeClr>
+                    </a:lnRef>
+                    <a:fillRef idx="1">
+                      <a:schemeClr val="accent4"/>
+                    </a:fillRef>
+                    <a:effectRef idx="0">
+                      <a:schemeClr val="accent4"/>
+                    </a:effectRef>
+                    <a:fontRef idx="minor">
+                      <a:schemeClr val="lt1"/>
+                    </a:fontRef>
+                  </p:style>
+                  <p:txBody>
+                    <a:bodyPr rtlCol="0" anchor="ctr"/>
+                    <a:lstStyle/>
+                    <a:p>
+                      <a:pPr algn="ctr"/>
+                      <a:r>
+                        <a:rPr kumimoji="1" lang="en-US" altLang="ja-JP" sz="3600" dirty="0">
+                          <a:solidFill>
+                            <a:schemeClr val="tx1"/>
+                          </a:solidFill>
+                        </a:rPr>
+                        <a:t>Tok</a:t>
+                      </a:r>
+                      <a:r>
+                        <a:rPr kumimoji="1" lang="en-US" altLang="ja-JP" sz="3600" baseline="-25000" dirty="0">
+                          <a:solidFill>
+                            <a:schemeClr val="tx1"/>
+                          </a:solidFill>
+                        </a:rPr>
+                        <a:t>1</a:t>
+                      </a:r>
+                      <a:endParaRPr kumimoji="1" lang="ja-JP" altLang="en-US" sz="3600" dirty="0">
+                        <a:solidFill>
+                          <a:schemeClr val="tx1"/>
+                        </a:solidFill>
+                      </a:endParaRPr>
+                    </a:p>
+                  </p:txBody>
+                </p:sp>
+                <p:sp>
+                  <p:nvSpPr>
+                    <p:cNvPr id="57" name="四角形: 上の 2 つの角を切り取る 56">
+                      <a:extLst>
+                        <a:ext uri="{FF2B5EF4-FFF2-40B4-BE49-F238E27FC236}">
+                          <a16:creationId xmlns:a16="http://schemas.microsoft.com/office/drawing/2014/main" id="{9B092C06-8EEE-040E-AA8A-53A6E1455C8F}"/>
+                        </a:ext>
+                      </a:extLst>
+                    </p:cNvPr>
+                    <p:cNvSpPr/>
+                    <p:nvPr/>
+                  </p:nvSpPr>
+                  <p:spPr>
+                    <a:xfrm>
+                      <a:off x="7789986" y="4923692"/>
+                      <a:ext cx="1600200" cy="1019908"/>
+                    </a:xfrm>
+                    <a:prstGeom prst="snip2SameRect">
+                      <a:avLst/>
+                    </a:prstGeom>
+                    <a:solidFill>
+                      <a:schemeClr val="accent4">
+                        <a:lumMod val="40000"/>
+                        <a:lumOff val="60000"/>
+                      </a:schemeClr>
+                    </a:solidFill>
+                    <a:ln>
+                      <a:solidFill>
+                        <a:schemeClr val="bg2"/>
+                      </a:solidFill>
+                    </a:ln>
+                  </p:spPr>
+                  <p:style>
+                    <a:lnRef idx="2">
+                      <a:schemeClr val="accent4">
+                        <a:shade val="15000"/>
+                      </a:schemeClr>
+                    </a:lnRef>
+                    <a:fillRef idx="1">
+                      <a:schemeClr val="accent4"/>
+                    </a:fillRef>
+                    <a:effectRef idx="0">
+                      <a:schemeClr val="accent4"/>
+                    </a:effectRef>
+                    <a:fontRef idx="minor">
+                      <a:schemeClr val="lt1"/>
+                    </a:fontRef>
+                  </p:style>
+                  <p:txBody>
+                    <a:bodyPr rtlCol="0" anchor="ctr"/>
+                    <a:lstStyle/>
+                    <a:p>
+                      <a:pPr algn="ctr"/>
+                      <a:r>
+                        <a:rPr kumimoji="1" lang="en-US" altLang="ja-JP" sz="3600" dirty="0" err="1">
+                          <a:solidFill>
+                            <a:schemeClr val="tx1"/>
+                          </a:solidFill>
+                        </a:rPr>
+                        <a:t>Tok</a:t>
+                      </a:r>
+                      <a:r>
+                        <a:rPr kumimoji="1" lang="en-US" altLang="ja-JP" sz="3600" baseline="-25000" dirty="0" err="1">
+                          <a:solidFill>
+                            <a:schemeClr val="tx1"/>
+                          </a:solidFill>
+                        </a:rPr>
+                        <a:t>N</a:t>
+                      </a:r>
+                      <a:endParaRPr kumimoji="1" lang="ja-JP" altLang="en-US" sz="3600" dirty="0">
+                        <a:solidFill>
+                          <a:schemeClr val="tx1"/>
+                        </a:solidFill>
+                      </a:endParaRPr>
+                    </a:p>
+                  </p:txBody>
+                </p:sp>
+                <p:sp>
+                  <p:nvSpPr>
+                    <p:cNvPr id="58" name="四角形: 上の 2 つの角を切り取る 57">
+                      <a:extLst>
+                        <a:ext uri="{FF2B5EF4-FFF2-40B4-BE49-F238E27FC236}">
+                          <a16:creationId xmlns:a16="http://schemas.microsoft.com/office/drawing/2014/main" id="{2785F542-1C58-9A33-6B41-D6B9D656F349}"/>
+                        </a:ext>
+                      </a:extLst>
+                    </p:cNvPr>
+                    <p:cNvSpPr/>
+                    <p:nvPr/>
+                  </p:nvSpPr>
+                  <p:spPr>
+                    <a:xfrm>
+                      <a:off x="5996354" y="4923692"/>
+                      <a:ext cx="1600200" cy="1019908"/>
+                    </a:xfrm>
+                    <a:prstGeom prst="snip2SameRect">
+                      <a:avLst/>
+                    </a:prstGeom>
+                    <a:noFill/>
+                    <a:ln>
+                      <a:noFill/>
+                    </a:ln>
+                  </p:spPr>
+                  <p:style>
+                    <a:lnRef idx="2">
+                      <a:schemeClr val="accent4">
+                        <a:shade val="15000"/>
+                      </a:schemeClr>
+                    </a:lnRef>
+                    <a:fillRef idx="1">
+                      <a:schemeClr val="accent4"/>
+                    </a:fillRef>
+                    <a:effectRef idx="0">
+                      <a:schemeClr val="accent4"/>
+                    </a:effectRef>
+                    <a:fontRef idx="minor">
+                      <a:schemeClr val="lt1"/>
+                    </a:fontRef>
+                  </p:style>
+                  <p:txBody>
+                    <a:bodyPr rtlCol="0" anchor="ctr"/>
+                    <a:lstStyle/>
+                    <a:p>
+                      <a:pPr algn="ctr"/>
+                      <a:r>
+                        <a:rPr kumimoji="1" lang="ja-JP" altLang="en-US" sz="3600" dirty="0">
+                          <a:solidFill>
+                            <a:schemeClr val="tx1"/>
+                          </a:solidFill>
+                        </a:rPr>
+                        <a:t>・・・</a:t>
+                      </a:r>
+                    </a:p>
+                  </p:txBody>
+                </p:sp>
+                <p:sp>
+                  <p:nvSpPr>
+                    <p:cNvPr id="59" name="正方形/長方形 58">
+                      <a:extLst>
+                        <a:ext uri="{FF2B5EF4-FFF2-40B4-BE49-F238E27FC236}">
+                          <a16:creationId xmlns:a16="http://schemas.microsoft.com/office/drawing/2014/main" id="{D4F888D8-BC6E-600A-7384-8918CDABA170}"/>
+                        </a:ext>
+                      </a:extLst>
+                    </p:cNvPr>
+                    <p:cNvSpPr/>
+                    <p:nvPr/>
+                  </p:nvSpPr>
+                  <p:spPr>
+                    <a:xfrm>
+                      <a:off x="2409092" y="3094892"/>
+                      <a:ext cx="6981094" cy="1459523"/>
+                    </a:xfrm>
+                    <a:prstGeom prst="rect">
+                      <a:avLst/>
+                    </a:prstGeom>
+                    <a:solidFill>
+                      <a:schemeClr val="bg2">
+                        <a:lumMod val="40000"/>
+                        <a:lumOff val="60000"/>
+                      </a:schemeClr>
+                    </a:solidFill>
+                  </p:spPr>
+                  <p:style>
+                    <a:lnRef idx="2">
+                      <a:schemeClr val="accent1">
+                        <a:shade val="15000"/>
+                      </a:schemeClr>
+                    </a:lnRef>
+                    <a:fillRef idx="1">
+                      <a:schemeClr val="accent1"/>
+                    </a:fillRef>
+                    <a:effectRef idx="0">
+                      <a:schemeClr val="accent1"/>
+                    </a:effectRef>
+                    <a:fontRef idx="minor">
+                      <a:schemeClr val="lt1"/>
+                    </a:fontRef>
+                  </p:style>
+                  <p:txBody>
+                    <a:bodyPr rtlCol="0" anchor="ctr"/>
+                    <a:lstStyle/>
+                    <a:p>
+                      <a:pPr algn="ctr"/>
+                      <a:r>
+                        <a:rPr kumimoji="1" lang="en-US" altLang="ja-JP" sz="6600" dirty="0">
+                          <a:solidFill>
+                            <a:schemeClr val="tx1"/>
+                          </a:solidFill>
+                        </a:rPr>
+                        <a:t>BERT (2)</a:t>
+                      </a:r>
+                    </a:p>
+                  </p:txBody>
+                </p:sp>
+                <p:sp>
+                  <p:nvSpPr>
+                    <p:cNvPr id="60" name="矢印: 右 59">
+                      <a:extLst>
+                        <a:ext uri="{FF2B5EF4-FFF2-40B4-BE49-F238E27FC236}">
+                          <a16:creationId xmlns:a16="http://schemas.microsoft.com/office/drawing/2014/main" id="{9329E389-2172-E1B1-46D2-78B339430D1B}"/>
+                        </a:ext>
+                      </a:extLst>
+                    </p:cNvPr>
+                    <p:cNvSpPr/>
+                    <p:nvPr/>
+                  </p:nvSpPr>
+                  <p:spPr>
+                    <a:xfrm rot="16200000">
+                      <a:off x="2945423" y="4510453"/>
+                      <a:ext cx="527539" cy="298938"/>
+                    </a:xfrm>
+                    <a:prstGeom prst="rightArrow">
+                      <a:avLst/>
+                    </a:prstGeom>
+                  </p:spPr>
+                  <p:style>
+                    <a:lnRef idx="2">
+                      <a:schemeClr val="accent2">
+                        <a:shade val="15000"/>
+                      </a:schemeClr>
+                    </a:lnRef>
+                    <a:fillRef idx="1">
+                      <a:schemeClr val="accent2"/>
+                    </a:fillRef>
+                    <a:effectRef idx="0">
+                      <a:schemeClr val="accent2"/>
+                    </a:effectRef>
+                    <a:fontRef idx="minor">
+                      <a:schemeClr val="lt1"/>
+                    </a:fontRef>
+                  </p:style>
+                  <p:txBody>
+                    <a:bodyPr rtlCol="0" anchor="ctr"/>
+                    <a:lstStyle/>
+                    <a:p>
+                      <a:pPr algn="ctr"/>
+                      <a:endParaRPr kumimoji="1" lang="ja-JP" altLang="en-US"/>
+                    </a:p>
+                  </p:txBody>
+                </p:sp>
+                <p:sp>
+                  <p:nvSpPr>
+                    <p:cNvPr id="61" name="矢印: 右 60">
+                      <a:extLst>
+                        <a:ext uri="{FF2B5EF4-FFF2-40B4-BE49-F238E27FC236}">
+                          <a16:creationId xmlns:a16="http://schemas.microsoft.com/office/drawing/2014/main" id="{A5A5AB3F-1E00-B96F-AB84-8DBFF2C7E878}"/>
+                        </a:ext>
+                      </a:extLst>
+                    </p:cNvPr>
+                    <p:cNvSpPr/>
+                    <p:nvPr/>
+                  </p:nvSpPr>
+                  <p:spPr>
+                    <a:xfrm rot="16200000">
+                      <a:off x="4739054" y="4510452"/>
+                      <a:ext cx="527539" cy="298938"/>
+                    </a:xfrm>
+                    <a:prstGeom prst="rightArrow">
+                      <a:avLst/>
+                    </a:prstGeom>
+                  </p:spPr>
+                  <p:style>
+                    <a:lnRef idx="2">
+                      <a:schemeClr val="accent2">
+                        <a:shade val="15000"/>
+                      </a:schemeClr>
+                    </a:lnRef>
+                    <a:fillRef idx="1">
+                      <a:schemeClr val="accent2"/>
+                    </a:fillRef>
+                    <a:effectRef idx="0">
+                      <a:schemeClr val="accent2"/>
+                    </a:effectRef>
+                    <a:fontRef idx="minor">
+                      <a:schemeClr val="lt1"/>
+                    </a:fontRef>
+                  </p:style>
+                  <p:txBody>
+                    <a:bodyPr rtlCol="0" anchor="ctr"/>
+                    <a:lstStyle/>
+                    <a:p>
+                      <a:pPr algn="ctr"/>
+                      <a:endParaRPr kumimoji="1" lang="ja-JP" altLang="en-US"/>
+                    </a:p>
+                  </p:txBody>
+                </p:sp>
+                <p:sp>
+                  <p:nvSpPr>
+                    <p:cNvPr id="63" name="矢印: 右 62">
+                      <a:extLst>
+                        <a:ext uri="{FF2B5EF4-FFF2-40B4-BE49-F238E27FC236}">
+                          <a16:creationId xmlns:a16="http://schemas.microsoft.com/office/drawing/2014/main" id="{3DB4B732-F285-494E-FA3A-4AFC2A810981}"/>
+                        </a:ext>
+                      </a:extLst>
+                    </p:cNvPr>
+                    <p:cNvSpPr/>
+                    <p:nvPr/>
+                  </p:nvSpPr>
+                  <p:spPr>
+                    <a:xfrm rot="16200000">
+                      <a:off x="8326317" y="4510451"/>
+                      <a:ext cx="527539" cy="298938"/>
+                    </a:xfrm>
+                    <a:prstGeom prst="rightArrow">
+                      <a:avLst/>
+                    </a:prstGeom>
+                  </p:spPr>
+                  <p:style>
+                    <a:lnRef idx="2">
+                      <a:schemeClr val="accent2">
+                        <a:shade val="15000"/>
+                      </a:schemeClr>
+                    </a:lnRef>
+                    <a:fillRef idx="1">
+                      <a:schemeClr val="accent2"/>
+                    </a:fillRef>
+                    <a:effectRef idx="0">
+                      <a:schemeClr val="accent2"/>
+                    </a:effectRef>
+                    <a:fontRef idx="minor">
+                      <a:schemeClr val="lt1"/>
+                    </a:fontRef>
+                  </p:style>
+                  <p:txBody>
+                    <a:bodyPr rtlCol="0" anchor="ctr"/>
+                    <a:lstStyle/>
+                    <a:p>
+                      <a:pPr algn="ctr"/>
+                      <a:endParaRPr kumimoji="1" lang="ja-JP" altLang="en-US"/>
+                    </a:p>
+                  </p:txBody>
+                </p:sp>
+                <p:sp>
+                  <p:nvSpPr>
+                    <p:cNvPr id="64" name="矢印: 右 63">
+                      <a:extLst>
+                        <a:ext uri="{FF2B5EF4-FFF2-40B4-BE49-F238E27FC236}">
+                          <a16:creationId xmlns:a16="http://schemas.microsoft.com/office/drawing/2014/main" id="{F2ABA81F-E509-E6BE-C714-F1B87B61738D}"/>
+                        </a:ext>
+                      </a:extLst>
+                    </p:cNvPr>
+                    <p:cNvSpPr/>
+                    <p:nvPr/>
+                  </p:nvSpPr>
+                  <p:spPr>
+                    <a:xfrm rot="16200000">
+                      <a:off x="2945423" y="2945422"/>
+                      <a:ext cx="527539" cy="298938"/>
+                    </a:xfrm>
+                    <a:prstGeom prst="rightArrow">
+                      <a:avLst/>
+                    </a:prstGeom>
+                  </p:spPr>
+                  <p:style>
+                    <a:lnRef idx="2">
+                      <a:schemeClr val="accent2">
+                        <a:shade val="15000"/>
+                      </a:schemeClr>
+                    </a:lnRef>
+                    <a:fillRef idx="1">
+                      <a:schemeClr val="accent2"/>
+                    </a:fillRef>
+                    <a:effectRef idx="0">
+                      <a:schemeClr val="accent2"/>
+                    </a:effectRef>
+                    <a:fontRef idx="minor">
+                      <a:schemeClr val="lt1"/>
+                    </a:fontRef>
+                  </p:style>
+                  <p:txBody>
+                    <a:bodyPr rtlCol="0" anchor="ctr"/>
+                    <a:lstStyle/>
+                    <a:p>
+                      <a:pPr algn="ctr"/>
+                      <a:endParaRPr kumimoji="1" lang="ja-JP" altLang="en-US"/>
+                    </a:p>
+                  </p:txBody>
+                </p:sp>
+                <p:sp>
+                  <p:nvSpPr>
+                    <p:cNvPr id="68" name="正方形/長方形 67">
+                      <a:extLst>
+                        <a:ext uri="{FF2B5EF4-FFF2-40B4-BE49-F238E27FC236}">
+                          <a16:creationId xmlns:a16="http://schemas.microsoft.com/office/drawing/2014/main" id="{E721A936-DAEA-3BA6-87B2-BEE709CC8A76}"/>
+                        </a:ext>
+                      </a:extLst>
+                    </p:cNvPr>
+                    <p:cNvSpPr/>
+                    <p:nvPr/>
+                  </p:nvSpPr>
+                  <p:spPr>
+                    <a:xfrm>
+                      <a:off x="2409092" y="1767760"/>
+                      <a:ext cx="1600200" cy="1019908"/>
+                    </a:xfrm>
+                    <a:prstGeom prst="rect">
+                      <a:avLst/>
+                    </a:prstGeom>
+                    <a:solidFill>
+                      <a:schemeClr val="accent6">
+                        <a:lumMod val="60000"/>
+                        <a:lumOff val="40000"/>
+                      </a:schemeClr>
+                    </a:solidFill>
+                    <a:ln>
+                      <a:solidFill>
+                        <a:schemeClr val="tx1"/>
+                      </a:solidFill>
+                    </a:ln>
+                  </p:spPr>
+                  <p:style>
+                    <a:lnRef idx="2">
+                      <a:schemeClr val="accent6"/>
+                    </a:lnRef>
+                    <a:fillRef idx="1">
+                      <a:schemeClr val="lt1"/>
+                    </a:fillRef>
+                    <a:effectRef idx="0">
+                      <a:schemeClr val="accent6"/>
+                    </a:effectRef>
+                    <a:fontRef idx="minor">
+                      <a:schemeClr val="dk1"/>
+                    </a:fontRef>
+                  </p:style>
+                  <p:txBody>
+                    <a:bodyPr rtlCol="0" anchor="ctr"/>
+                    <a:lstStyle/>
+                    <a:p>
+                      <a:pPr algn="ctr"/>
+                      <a:r>
+                        <a:rPr kumimoji="1" lang="en-US" altLang="ja-JP" sz="4000" dirty="0">
+                          <a:solidFill>
+                            <a:schemeClr val="tx1"/>
+                          </a:solidFill>
+                        </a:rPr>
+                        <a:t>E</a:t>
+                      </a:r>
+                      <a:r>
+                        <a:rPr kumimoji="1" lang="en-US" altLang="ja-JP" sz="4000" baseline="-25000" dirty="0">
+                          <a:solidFill>
+                            <a:schemeClr val="tx1"/>
+                          </a:solidFill>
+                        </a:rPr>
+                        <a:t>[CLS]</a:t>
+                      </a:r>
+                      <a:endParaRPr kumimoji="1" lang="ja-JP" altLang="en-US" sz="4000" dirty="0">
+                        <a:solidFill>
+                          <a:schemeClr val="tx1"/>
+                        </a:solidFill>
+                      </a:endParaRPr>
+                    </a:p>
+                  </p:txBody>
+                </p:sp>
+              </p:grpSp>
+              <mc:AlternateContent xmlns:mc="http://schemas.openxmlformats.org/markup-compatibility/2006">
+                <mc:Choice xmlns:a14="http://schemas.microsoft.com/office/drawing/2010/main" Requires="a14">
+                  <p:sp>
+                    <p:nvSpPr>
+                      <p:cNvPr id="74" name="テキスト ボックス 73">
+                        <a:extLst>
+                          <a:ext uri="{FF2B5EF4-FFF2-40B4-BE49-F238E27FC236}">
+                            <a16:creationId xmlns:a16="http://schemas.microsoft.com/office/drawing/2014/main" id="{814C116E-5728-1066-B953-E7C425F24524}"/>
+                          </a:ext>
+                        </a:extLst>
+                      </p:cNvPr>
+                      <p:cNvSpPr txBox="1"/>
+                      <p:nvPr/>
+                    </p:nvSpPr>
+                    <p:spPr>
+                      <a:xfrm>
+                        <a:off x="21042302" y="23025370"/>
+                        <a:ext cx="6651383" cy="889282"/>
+                      </a:xfrm>
+                      <a:prstGeom prst="rect">
+                        <a:avLst/>
+                      </a:prstGeom>
+                      <a:noFill/>
+                    </p:spPr>
+                    <p:txBody>
+                      <a:bodyPr wrap="square" rtlCol="0">
+                        <a:spAutoFit/>
+                      </a:bodyPr>
+                      <a:lstStyle/>
+                      <a:p>
+                        <a:pPr algn="ctr"/>
+                        <a:r>
+                          <a:rPr kumimoji="1" lang="en-US" altLang="ja-JP" sz="4800" b="0" u="sng" dirty="0"/>
+                          <a:t>Input:</a:t>
+                        </a:r>
+                        <a:r>
+                          <a:rPr kumimoji="1" lang="en-US" altLang="ja-JP" sz="4800" b="0" dirty="0"/>
+                          <a:t> </a:t>
+                        </a:r>
+                        <a14:m>
+                          <m:oMath xmlns:m="http://schemas.openxmlformats.org/officeDocument/2006/math">
+                            <m:d>
+                              <m:dPr>
+                                <m:begChr m:val="["/>
+                                <m:endChr m:val="]"/>
+                                <m:ctrlPr>
+                                  <a:rPr kumimoji="1" lang="en-US" altLang="ja-JP" sz="4800" b="0" i="1" smtClean="0">
+                                    <a:latin typeface="Cambria Math" panose="02040503050406030204" pitchFamily="18" charset="0"/>
+                                  </a:rPr>
+                                </m:ctrlPr>
+                              </m:dPr>
+                              <m:e>
+                                <m:r>
+                                  <m:rPr>
+                                    <m:sty m:val="p"/>
+                                  </m:rPr>
+                                  <a:rPr kumimoji="1" lang="en-US" altLang="ja-JP" sz="4800" b="0" i="0" smtClean="0">
+                                    <a:latin typeface="Cambria Math" panose="02040503050406030204" pitchFamily="18" charset="0"/>
+                                  </a:rPr>
+                                  <m:t>CLS</m:t>
+                                </m:r>
+                              </m:e>
+                            </m:d>
+                            <m:r>
+                              <a:rPr kumimoji="1" lang="en-US" altLang="ja-JP" sz="4800" b="0" i="0" smtClean="0">
+                                <a:latin typeface="Cambria Math" panose="02040503050406030204" pitchFamily="18" charset="0"/>
+                              </a:rPr>
+                              <m:t> </m:t>
+                            </m:r>
+                            <m:sSub>
+                              <m:sSubPr>
+                                <m:ctrlPr>
+                                  <a:rPr kumimoji="1" lang="en-US" altLang="ja-JP" sz="4800" b="0" i="1" smtClean="0">
+                                    <a:latin typeface="Cambria Math" panose="02040503050406030204" pitchFamily="18" charset="0"/>
+                                  </a:rPr>
+                                </m:ctrlPr>
+                              </m:sSubPr>
+                              <m:e>
+                                <m:r>
+                                  <a:rPr kumimoji="1" lang="en-US" altLang="ja-JP" sz="4800" b="0" i="1" smtClean="0">
+                                    <a:latin typeface="Cambria Math" panose="02040503050406030204" pitchFamily="18" charset="0"/>
+                                  </a:rPr>
+                                  <m:t>𝐷</m:t>
+                                </m:r>
+                              </m:e>
+                              <m:sub>
+                                <m:r>
+                                  <a:rPr kumimoji="1" lang="en-US" altLang="ja-JP" sz="4800" b="0" i="1" smtClean="0">
+                                    <a:latin typeface="Cambria Math" panose="02040503050406030204" pitchFamily="18" charset="0"/>
+                                  </a:rPr>
+                                  <m:t>𝑠𝑢𝑚𝑚𝑎𝑟𝑦</m:t>
+                                </m:r>
+                              </m:sub>
+                            </m:sSub>
+                          </m:oMath>
+                        </a14:m>
+                        <a:endParaRPr kumimoji="1" lang="ja-JP" altLang="en-US" sz="4800" dirty="0"/>
+                      </a:p>
+                    </p:txBody>
+                  </p:sp>
+                </mc:Choice>
+                <mc:Fallback>
+                  <p:sp>
+                    <p:nvSpPr>
+                      <p:cNvPr id="74" name="テキスト ボックス 73">
+                        <a:extLst>
+                          <a:ext uri="{FF2B5EF4-FFF2-40B4-BE49-F238E27FC236}">
+                            <a16:creationId xmlns:a16="http://schemas.microsoft.com/office/drawing/2014/main" id="{814C116E-5728-1066-B953-E7C425F24524}"/>
+                          </a:ext>
+                        </a:extLst>
+                      </p:cNvPr>
+                      <p:cNvSpPr txBox="1">
+                        <a:spLocks noRot="1" noChangeAspect="1" noMove="1" noResize="1" noEditPoints="1" noAdjustHandles="1" noChangeArrowheads="1" noChangeShapeType="1" noTextEdit="1"/>
+                      </p:cNvSpPr>
+                      <p:nvPr/>
+                    </p:nvSpPr>
+                    <p:spPr>
+                      <a:xfrm>
+                        <a:off x="21042302" y="23025370"/>
+                        <a:ext cx="6651383" cy="889282"/>
+                      </a:xfrm>
+                      <a:prstGeom prst="rect">
+                        <a:avLst/>
+                      </a:prstGeom>
+                      <a:blipFill>
+                        <a:blip r:embed="rId5"/>
+                        <a:stretch>
+                          <a:fillRect t="-17241" b="-28276"/>
+                        </a:stretch>
+                      </a:blipFill>
+                    </p:spPr>
+                    <p:txBody>
+                      <a:bodyPr/>
+                      <a:lstStyle/>
+                      <a:p>
+                        <a:r>
+                          <a:rPr lang="ja-JP" altLang="en-US">
+                            <a:noFill/>
+                          </a:rPr>
+                          <a:t> </a:t>
+                        </a:r>
+                      </a:p>
+                    </p:txBody>
+                  </p:sp>
+                </mc:Fallback>
+              </mc:AlternateContent>
+              <p:sp>
+                <p:nvSpPr>
+                  <p:cNvPr id="75" name="矢印: 右 74">
+                    <a:extLst>
+                      <a:ext uri="{FF2B5EF4-FFF2-40B4-BE49-F238E27FC236}">
+                        <a16:creationId xmlns:a16="http://schemas.microsoft.com/office/drawing/2014/main" id="{9C8D5773-7769-3016-8794-F015E3290587}"/>
+                      </a:ext>
+                    </a:extLst>
+                  </p:cNvPr>
+                  <p:cNvSpPr/>
+                  <p:nvPr/>
+                </p:nvSpPr>
+                <p:spPr>
+                  <a:xfrm rot="16200000">
+                    <a:off x="11387013" y="17052792"/>
+                    <a:ext cx="2451329" cy="298937"/>
+                  </a:xfrm>
+                  <a:prstGeom prst="rightArrow">
+                    <a:avLst/>
+                  </a:prstGeom>
+                </p:spPr>
+                <p:style>
+                  <a:lnRef idx="2">
+                    <a:schemeClr val="accent2">
+                      <a:shade val="15000"/>
+                    </a:schemeClr>
+                  </a:lnRef>
+                  <a:fillRef idx="1">
+                    <a:schemeClr val="accent2"/>
+                  </a:fillRef>
+                  <a:effectRef idx="0">
+                    <a:schemeClr val="accent2"/>
+                  </a:effectRef>
+                  <a:fontRef idx="minor">
+                    <a:schemeClr val="lt1"/>
+                  </a:fontRef>
+                </p:style>
+                <p:txBody>
+                  <a:bodyPr rtlCol="0" anchor="ctr"/>
+                  <a:lstStyle/>
+                  <a:p>
+                    <a:pPr algn="ctr"/>
+                    <a:endParaRPr kumimoji="1" lang="ja-JP" altLang="en-US"/>
+                  </a:p>
+                </p:txBody>
+              </p:sp>
+              <p:sp>
+                <p:nvSpPr>
+                  <p:cNvPr id="76" name="矢印: 右 75">
+                    <a:extLst>
+                      <a:ext uri="{FF2B5EF4-FFF2-40B4-BE49-F238E27FC236}">
+                        <a16:creationId xmlns:a16="http://schemas.microsoft.com/office/drawing/2014/main" id="{18CECB5B-92C0-1692-629E-53F22951AD7B}"/>
+                      </a:ext>
+                    </a:extLst>
+                  </p:cNvPr>
+                  <p:cNvSpPr/>
+                  <p:nvPr/>
+                </p:nvSpPr>
+                <p:spPr>
+                  <a:xfrm rot="16200000">
+                    <a:off x="20355169" y="17052793"/>
+                    <a:ext cx="2451327" cy="298938"/>
+                  </a:xfrm>
+                  <a:prstGeom prst="rightArrow">
+                    <a:avLst/>
+                  </a:prstGeom>
+                </p:spPr>
+                <p:style>
+                  <a:lnRef idx="2">
+                    <a:schemeClr val="accent2">
+                      <a:shade val="15000"/>
+                    </a:schemeClr>
+                  </a:lnRef>
+                  <a:fillRef idx="1">
+                    <a:schemeClr val="accent2"/>
+                  </a:fillRef>
+                  <a:effectRef idx="0">
+                    <a:schemeClr val="accent2"/>
+                  </a:effectRef>
+                  <a:fontRef idx="minor">
+                    <a:schemeClr val="lt1"/>
+                  </a:fontRef>
+                </p:style>
+                <p:txBody>
+                  <a:bodyPr rtlCol="0" anchor="ctr"/>
+                  <a:lstStyle/>
+                  <a:p>
+                    <a:pPr algn="ctr"/>
+                    <a:endParaRPr kumimoji="1" lang="ja-JP" altLang="en-US"/>
+                  </a:p>
+                </p:txBody>
+              </p:sp>
+              <p:sp>
+                <p:nvSpPr>
+                  <p:cNvPr id="77" name="矢印: 右 76">
+                    <a:extLst>
+                      <a:ext uri="{FF2B5EF4-FFF2-40B4-BE49-F238E27FC236}">
+                        <a16:creationId xmlns:a16="http://schemas.microsoft.com/office/drawing/2014/main" id="{03EAA9AD-2ABD-9C04-6CE8-6C5A3676BBEF}"/>
+                      </a:ext>
+                    </a:extLst>
+                  </p:cNvPr>
+                  <p:cNvSpPr/>
+                  <p:nvPr/>
+                </p:nvSpPr>
+                <p:spPr>
+                  <a:xfrm rot="16200000">
+                    <a:off x="16830288" y="16093597"/>
+                    <a:ext cx="532933" cy="298938"/>
+                  </a:xfrm>
+                  <a:prstGeom prst="rightArrow">
+                    <a:avLst/>
+                  </a:prstGeom>
+                </p:spPr>
+                <p:style>
+                  <a:lnRef idx="2">
+                    <a:schemeClr val="accent2">
+                      <a:shade val="15000"/>
+                    </a:schemeClr>
+                  </a:lnRef>
+                  <a:fillRef idx="1">
+                    <a:schemeClr val="accent2"/>
+                  </a:fillRef>
+                  <a:effectRef idx="0">
+                    <a:schemeClr val="accent2"/>
+                  </a:effectRef>
+                  <a:fontRef idx="minor">
+                    <a:schemeClr val="lt1"/>
+                  </a:fontRef>
+                </p:style>
+                <p:txBody>
+                  <a:bodyPr rtlCol="0" anchor="ctr"/>
+                  <a:lstStyle/>
+                  <a:p>
+                    <a:pPr algn="ctr"/>
+                    <a:endParaRPr kumimoji="1" lang="ja-JP" altLang="en-US"/>
+                  </a:p>
+                </p:txBody>
+              </p:sp>
+              <mc:AlternateContent xmlns:mc="http://schemas.openxmlformats.org/markup-compatibility/2006">
+                <mc:Choice xmlns:a14="http://schemas.microsoft.com/office/drawing/2010/main" Requires="a14">
+                  <p:sp>
+                    <p:nvSpPr>
+                      <p:cNvPr id="78" name="正方形/長方形 77">
+                        <a:extLst>
+                          <a:ext uri="{FF2B5EF4-FFF2-40B4-BE49-F238E27FC236}">
+                            <a16:creationId xmlns:a16="http://schemas.microsoft.com/office/drawing/2014/main" id="{584320CA-43C8-69AF-5467-ADE3D7EDE114}"/>
+                          </a:ext>
+                        </a:extLst>
+                      </p:cNvPr>
+                      <p:cNvSpPr/>
+                      <p:nvPr/>
+                    </p:nvSpPr>
+                    <p:spPr>
+                      <a:xfrm>
+                        <a:off x="11812576" y="14895210"/>
+                        <a:ext cx="10568356" cy="1019908"/>
+                      </a:xfrm>
+                      <a:prstGeom prst="rect">
+                        <a:avLst/>
+                      </a:prstGeom>
+                      <a:solidFill>
+                        <a:schemeClr val="accent5">
+                          <a:lumMod val="75000"/>
+                        </a:schemeClr>
+                      </a:solidFill>
+                    </p:spPr>
+                    <p:style>
+                      <a:lnRef idx="2">
+                        <a:schemeClr val="accent1">
+                          <a:shade val="15000"/>
+                        </a:schemeClr>
+                      </a:lnRef>
+                      <a:fillRef idx="1">
+                        <a:schemeClr val="accent1"/>
+                      </a:fillRef>
+                      <a:effectRef idx="0">
+                        <a:schemeClr val="accent1"/>
+                      </a:effectRef>
+                      <a:fontRef idx="minor">
+                        <a:schemeClr val="lt1"/>
+                      </a:fontRef>
+                    </p:style>
+                    <p:txBody>
+                      <a:bodyPr rtlCol="0" anchor="ctr"/>
+                      <a:lstStyle/>
+                      <a:p>
+                        <a:pPr algn="ctr"/>
+                        <a:r>
+                          <a:rPr lang="en-US" altLang="ja-JP" sz="4400" b="0" i="0" u="none" strike="noStrike" baseline="0" dirty="0">
+                            <a:latin typeface="+mn-ea"/>
+                          </a:rPr>
+                          <a:t>CLS-Average Pooling (CAP) with </a:t>
+                        </a:r>
+                        <a14:m>
+                          <m:oMath xmlns:m="http://schemas.openxmlformats.org/officeDocument/2006/math">
+                            <m:sSub>
+                              <m:sSubPr>
+                                <m:ctrlPr>
+                                  <a:rPr kumimoji="1" lang="en-US" altLang="ja-JP" sz="4400" b="0" i="1" smtClean="0">
+                                    <a:solidFill>
+                                      <a:schemeClr val="bg1"/>
+                                    </a:solidFill>
+                                    <a:latin typeface="Cambria Math" panose="02040503050406030204" pitchFamily="18" charset="0"/>
+                                  </a:rPr>
+                                </m:ctrlPr>
+                              </m:sSubPr>
+                              <m:e>
+                                <m:r>
+                                  <a:rPr kumimoji="1" lang="en-US" altLang="ja-JP" sz="4400" b="0" i="1" smtClean="0">
+                                    <a:solidFill>
+                                      <a:schemeClr val="bg1"/>
+                                    </a:solidFill>
+                                    <a:latin typeface="Cambria Math" panose="02040503050406030204" pitchFamily="18" charset="0"/>
+                                  </a:rPr>
+                                  <m:t>𝐸</m:t>
+                                </m:r>
+                              </m:e>
+                              <m:sub>
+                                <m:r>
+                                  <a:rPr kumimoji="1" lang="en-US" altLang="ja-JP" sz="4400" b="0" i="1" smtClean="0">
+                                    <a:solidFill>
+                                      <a:schemeClr val="bg1"/>
+                                    </a:solidFill>
+                                    <a:latin typeface="Cambria Math" panose="02040503050406030204" pitchFamily="18" charset="0"/>
+                                  </a:rPr>
+                                  <m:t>𝑠𝑢𝑚</m:t>
+                                </m:r>
+                              </m:sub>
+                            </m:sSub>
+                          </m:oMath>
+                        </a14:m>
+                        <a:r>
+                          <a:rPr lang="en-US" altLang="ja-JP" sz="4400" b="0" i="0" u="none" strike="noStrike" baseline="0" dirty="0">
+                            <a:latin typeface="+mn-ea"/>
+                          </a:rPr>
+                          <a:t> </a:t>
+                        </a:r>
+                        <a:endParaRPr kumimoji="1" lang="ja-JP" altLang="en-US" sz="7200" dirty="0">
+                          <a:latin typeface="+mn-ea"/>
+                        </a:endParaRPr>
+                      </a:p>
+                    </p:txBody>
+                  </p:sp>
+                </mc:Choice>
+                <mc:Fallback>
+                  <p:sp>
+                    <p:nvSpPr>
+                      <p:cNvPr id="78" name="正方形/長方形 77">
+                        <a:extLst>
+                          <a:ext uri="{FF2B5EF4-FFF2-40B4-BE49-F238E27FC236}">
+                            <a16:creationId xmlns:a16="http://schemas.microsoft.com/office/drawing/2014/main" id="{584320CA-43C8-69AF-5467-ADE3D7EDE114}"/>
+                          </a:ext>
+                        </a:extLst>
+                      </p:cNvPr>
+                      <p:cNvSpPr>
+                        <a:spLocks noRot="1" noChangeAspect="1" noMove="1" noResize="1" noEditPoints="1" noAdjustHandles="1" noChangeArrowheads="1" noChangeShapeType="1" noTextEdit="1"/>
+                      </p:cNvSpPr>
+                      <p:nvPr/>
+                    </p:nvSpPr>
+                    <p:spPr>
+                      <a:xfrm>
+                        <a:off x="11812576" y="14895210"/>
+                        <a:ext cx="10568356" cy="1019908"/>
+                      </a:xfrm>
+                      <a:prstGeom prst="rect">
+                        <a:avLst/>
+                      </a:prstGeom>
+                      <a:blipFill>
+                        <a:blip r:embed="rId6"/>
+                        <a:stretch>
+                          <a:fillRect b="-12865"/>
+                        </a:stretch>
+                      </a:blipFill>
+                    </p:spPr>
+                    <p:txBody>
+                      <a:bodyPr/>
+                      <a:lstStyle/>
+                      <a:p>
+                        <a:r>
+                          <a:rPr lang="ja-JP" altLang="en-US">
+                            <a:noFill/>
+                          </a:rPr>
+                          <a:t> </a:t>
+                        </a:r>
+                      </a:p>
+                    </p:txBody>
+                  </p:sp>
+                </mc:Fallback>
+              </mc:AlternateContent>
+              <mc:AlternateContent xmlns:mc="http://schemas.openxmlformats.org/markup-compatibility/2006">
+                <mc:Choice xmlns:a14="http://schemas.microsoft.com/office/drawing/2010/main" Requires="a14">
+                  <p:sp>
+                    <p:nvSpPr>
+                      <p:cNvPr id="79" name="四角形: 上の 2 つの角を切り取る 78">
+                        <a:extLst>
+                          <a:ext uri="{FF2B5EF4-FFF2-40B4-BE49-F238E27FC236}">
+                            <a16:creationId xmlns:a16="http://schemas.microsoft.com/office/drawing/2014/main" id="{5303B8C5-EAE0-4697-D638-D040B5DC5B76}"/>
+                          </a:ext>
+                        </a:extLst>
+                      </p:cNvPr>
+                      <p:cNvSpPr/>
+                      <p:nvPr/>
+                    </p:nvSpPr>
+                    <p:spPr>
+                      <a:xfrm>
+                        <a:off x="22574362" y="18360433"/>
+                        <a:ext cx="1600200" cy="1019908"/>
+                      </a:xfrm>
+                      <a:prstGeom prst="snip2SameRect">
+                        <a:avLst/>
+                      </a:prstGeom>
+                      <a:noFill/>
+                      <a:ln>
+                        <a:noFill/>
+                      </a:ln>
+                    </p:spPr>
+                    <p:style>
+                      <a:lnRef idx="2">
+                        <a:schemeClr val="accent4">
+                          <a:shade val="15000"/>
+                        </a:schemeClr>
+                      </a:lnRef>
+                      <a:fillRef idx="1">
+                        <a:schemeClr val="accent4"/>
+                      </a:fillRef>
+                      <a:effectRef idx="0">
+                        <a:schemeClr val="accent4"/>
+                      </a:effectRef>
+                      <a:fontRef idx="minor">
+                        <a:schemeClr val="lt1"/>
+                      </a:fontRef>
+                    </p:style>
+                    <p:txBody>
+                      <a:bodyPr rtlCol="0" anchor="ctr"/>
+                      <a:lstStyle/>
+                      <a:p>
+                        <a:pPr algn="ctr"/>
+                        <a14:m>
+                          <m:oMathPara xmlns:m="http://schemas.openxmlformats.org/officeDocument/2006/math">
+                            <m:oMathParaPr>
+                              <m:jc m:val="centerGroup"/>
+                            </m:oMathParaPr>
+                            <m:oMath xmlns:m="http://schemas.openxmlformats.org/officeDocument/2006/math">
+                              <m:r>
+                                <a:rPr kumimoji="1" lang="en-US" altLang="ja-JP" sz="5400" b="0" i="1" smtClean="0">
+                                  <a:solidFill>
+                                    <a:schemeClr val="tx1"/>
+                                  </a:solidFill>
+                                  <a:latin typeface="Cambria Math" panose="02040503050406030204" pitchFamily="18" charset="0"/>
+                                </a:rPr>
+                                <m:t>=</m:t>
+                              </m:r>
+                              <m:sSub>
+                                <m:sSubPr>
+                                  <m:ctrlPr>
+                                    <a:rPr kumimoji="1" lang="en-US" altLang="ja-JP" sz="5400" b="0" i="1" smtClean="0">
+                                      <a:solidFill>
+                                        <a:schemeClr val="tx1"/>
+                                      </a:solidFill>
+                                      <a:latin typeface="Cambria Math" panose="02040503050406030204" pitchFamily="18" charset="0"/>
+                                    </a:rPr>
+                                  </m:ctrlPr>
+                                </m:sSubPr>
+                                <m:e>
+                                  <m:r>
+                                    <a:rPr kumimoji="1" lang="en-US" altLang="ja-JP" sz="5400" b="0" i="1" smtClean="0">
+                                      <a:solidFill>
+                                        <a:schemeClr val="tx1"/>
+                                      </a:solidFill>
+                                      <a:latin typeface="Cambria Math" panose="02040503050406030204" pitchFamily="18" charset="0"/>
+                                    </a:rPr>
+                                    <m:t>𝐸</m:t>
+                                  </m:r>
+                                </m:e>
+                                <m:sub>
+                                  <m:r>
+                                    <a:rPr kumimoji="1" lang="en-US" altLang="ja-JP" sz="5400" b="0" i="1" smtClean="0">
+                                      <a:solidFill>
+                                        <a:schemeClr val="tx1"/>
+                                      </a:solidFill>
+                                      <a:latin typeface="Cambria Math" panose="02040503050406030204" pitchFamily="18" charset="0"/>
+                                    </a:rPr>
+                                    <m:t>𝑠𝑢𝑚</m:t>
+                                  </m:r>
+                                </m:sub>
+                              </m:sSub>
+                            </m:oMath>
+                          </m:oMathPara>
+                        </a14:m>
+                        <a:endParaRPr kumimoji="1" lang="ja-JP" altLang="en-US" sz="5400" dirty="0">
+                          <a:solidFill>
+                            <a:schemeClr val="tx1"/>
+                          </a:solidFill>
+                        </a:endParaRPr>
+                      </a:p>
+                    </p:txBody>
+                  </p:sp>
+                </mc:Choice>
+                <mc:Fallback>
+                  <p:sp>
+                    <p:nvSpPr>
+                      <p:cNvPr id="79" name="四角形: 上の 2 つの角を切り取る 78">
+                        <a:extLst>
+                          <a:ext uri="{FF2B5EF4-FFF2-40B4-BE49-F238E27FC236}">
+                            <a16:creationId xmlns:a16="http://schemas.microsoft.com/office/drawing/2014/main" id="{5303B8C5-EAE0-4697-D638-D040B5DC5B76}"/>
+                          </a:ext>
+                        </a:extLst>
+                      </p:cNvPr>
+                      <p:cNvSpPr>
+                        <a:spLocks noRot="1" noChangeAspect="1" noMove="1" noResize="1" noEditPoints="1" noAdjustHandles="1" noChangeArrowheads="1" noChangeShapeType="1" noTextEdit="1"/>
+                      </p:cNvSpPr>
+                      <p:nvPr/>
+                    </p:nvSpPr>
+                    <p:spPr>
+                      <a:xfrm>
+                        <a:off x="22574362" y="18360433"/>
+                        <a:ext cx="1600200" cy="1019908"/>
+                      </a:xfrm>
+                      <a:prstGeom prst="snip2SameRect">
+                        <a:avLst/>
+                      </a:prstGeom>
+                      <a:blipFill>
+                        <a:blip r:embed="rId7"/>
+                        <a:stretch>
+                          <a:fillRect l="-20992" r="-9160"/>
+                        </a:stretch>
+                      </a:blipFill>
+                      <a:ln>
+                        <a:noFill/>
+                      </a:ln>
+                    </p:spPr>
+                    <p:txBody>
+                      <a:bodyPr/>
+                      <a:lstStyle/>
+                      <a:p>
+                        <a:r>
+                          <a:rPr lang="ja-JP" altLang="en-US">
+                            <a:noFill/>
+                          </a:rPr>
+                          <a:t> </a:t>
+                        </a:r>
+                      </a:p>
+                    </p:txBody>
+                  </p:sp>
+                </mc:Fallback>
+              </mc:AlternateContent>
+              <p:sp>
+                <p:nvSpPr>
+                  <p:cNvPr id="80" name="矢印: 右 79">
+                    <a:extLst>
+                      <a:ext uri="{FF2B5EF4-FFF2-40B4-BE49-F238E27FC236}">
+                        <a16:creationId xmlns:a16="http://schemas.microsoft.com/office/drawing/2014/main" id="{CBDAB29D-66EB-2B8A-DCB4-CB785B598C6C}"/>
+                      </a:ext>
+                    </a:extLst>
+                  </p:cNvPr>
+                  <p:cNvSpPr/>
+                  <p:nvPr/>
+                </p:nvSpPr>
+                <p:spPr>
+                  <a:xfrm rot="16200000">
+                    <a:off x="16830289" y="14479274"/>
+                    <a:ext cx="532933" cy="298938"/>
+                  </a:xfrm>
+                  <a:prstGeom prst="rightArrow">
+                    <a:avLst/>
+                  </a:prstGeom>
+                </p:spPr>
+                <p:style>
+                  <a:lnRef idx="2">
+                    <a:schemeClr val="accent2">
+                      <a:shade val="15000"/>
+                    </a:schemeClr>
+                  </a:lnRef>
+                  <a:fillRef idx="1">
+                    <a:schemeClr val="accent2"/>
+                  </a:fillRef>
+                  <a:effectRef idx="0">
+                    <a:schemeClr val="accent2"/>
+                  </a:effectRef>
+                  <a:fontRef idx="minor">
+                    <a:schemeClr val="lt1"/>
+                  </a:fontRef>
+                </p:style>
+                <p:txBody>
+                  <a:bodyPr rtlCol="0" anchor="ctr"/>
+                  <a:lstStyle/>
+                  <a:p>
+                    <a:pPr algn="ctr"/>
+                    <a:endParaRPr kumimoji="1" lang="ja-JP" altLang="en-US"/>
+                  </a:p>
+                </p:txBody>
+              </p:sp>
+            </p:grpSp>
+            <p:sp>
+              <p:nvSpPr>
+                <p:cNvPr id="24" name="正方形/長方形 23">
+                  <a:extLst>
+                    <a:ext uri="{FF2B5EF4-FFF2-40B4-BE49-F238E27FC236}">
+                      <a16:creationId xmlns:a16="http://schemas.microsoft.com/office/drawing/2014/main" id="{0D626E2F-F012-E3A4-6197-86A0AA038DEC}"/>
+                    </a:ext>
+                  </a:extLst>
+                </p:cNvPr>
+                <p:cNvSpPr/>
+                <p:nvPr/>
+              </p:nvSpPr>
+              <p:spPr>
+                <a:xfrm>
+                  <a:off x="20670775" y="16509530"/>
+                  <a:ext cx="7370825" cy="7866303"/>
+                </a:xfrm>
+                <a:prstGeom prst="rect">
+                  <a:avLst/>
+                </a:prstGeom>
+                <a:noFill/>
+                <a:ln w="57150">
+                  <a:solidFill>
+                    <a:srgbClr val="FF0000"/>
+                  </a:solidFill>
+                  <a:prstDash val="lgDash"/>
+                </a:ln>
+              </p:spPr>
+              <p:style>
+                <a:lnRef idx="2">
+                  <a:schemeClr val="accent1">
+                    <a:shade val="15000"/>
+                  </a:schemeClr>
+                </a:lnRef>
+                <a:fillRef idx="1">
+                  <a:schemeClr val="accent1"/>
+                </a:fillRef>
+                <a:effectRef idx="0">
+                  <a:schemeClr val="accent1"/>
+                </a:effectRef>
+                <a:fontRef idx="minor">
+                  <a:schemeClr val="lt1"/>
+                </a:fontRef>
+              </p:style>
+              <p:txBody>
+                <a:bodyPr rtlCol="0" anchor="ctr"/>
+                <a:lstStyle/>
+                <a:p>
+                  <a:pPr algn="ctr"/>
+                  <a:endParaRPr kumimoji="1" lang="ja-JP" altLang="en-US"/>
+                </a:p>
+              </p:txBody>
+            </p:sp>
+            <p:sp>
+              <p:nvSpPr>
+                <p:cNvPr id="50" name="テキスト ボックス 49">
+                  <a:extLst>
+                    <a:ext uri="{FF2B5EF4-FFF2-40B4-BE49-F238E27FC236}">
+                      <a16:creationId xmlns:a16="http://schemas.microsoft.com/office/drawing/2014/main" id="{7E54BF6B-D673-BFDF-0D07-41A6430169CD}"/>
+                    </a:ext>
+                  </a:extLst>
+                </p:cNvPr>
+                <p:cNvSpPr txBox="1"/>
+                <p:nvPr/>
+              </p:nvSpPr>
+              <p:spPr>
+                <a:xfrm>
+                  <a:off x="24618462" y="15608203"/>
+                  <a:ext cx="3423138" cy="769441"/>
+                </a:xfrm>
+                <a:prstGeom prst="rect">
+                  <a:avLst/>
+                </a:prstGeom>
+                <a:noFill/>
+              </p:spPr>
+              <p:txBody>
+                <a:bodyPr wrap="square" rtlCol="0">
+                  <a:spAutoFit/>
+                </a:bodyPr>
+                <a:lstStyle/>
+                <a:p>
+                  <a:pPr algn="ctr"/>
+                  <a:r>
+                    <a:rPr kumimoji="1" lang="ja-JP" altLang="en-US" sz="4400" dirty="0">
+                      <a:latin typeface="+mn-ea"/>
+                      <a:ea typeface="+mn-ea"/>
+                    </a:rPr>
+                    <a:t>提案部分</a:t>
+                  </a:r>
+                </a:p>
+              </p:txBody>
+            </p:sp>
+          </p:grpSp>
+          <p:cxnSp>
+            <p:nvCxnSpPr>
+              <p:cNvPr id="62" name="直線コネクタ 61">
+                <a:extLst>
+                  <a:ext uri="{FF2B5EF4-FFF2-40B4-BE49-F238E27FC236}">
+                    <a16:creationId xmlns:a16="http://schemas.microsoft.com/office/drawing/2014/main" id="{E5C241A0-0B07-7341-EB8C-57B765D366FD}"/>
+                  </a:ext>
+                </a:extLst>
+              </p:cNvPr>
+              <p:cNvCxnSpPr>
+                <a:cxnSpLocks/>
+              </p:cNvCxnSpPr>
+              <p:nvPr/>
+            </p:nvCxnSpPr>
+            <p:spPr>
+              <a:xfrm>
+                <a:off x="15568863" y="23914652"/>
+                <a:ext cx="4508485" cy="0"/>
+              </a:xfrm>
+              <a:prstGeom prst="line">
+                <a:avLst/>
+              </a:prstGeom>
+              <a:ln w="57150"/>
+            </p:spPr>
+            <p:style>
+              <a:lnRef idx="1">
+                <a:schemeClr val="accent5"/>
+              </a:lnRef>
+              <a:fillRef idx="0">
+                <a:schemeClr val="accent5"/>
+              </a:fillRef>
+              <a:effectRef idx="0">
+                <a:schemeClr val="accent5"/>
+              </a:effectRef>
+              <a:fontRef idx="minor">
+                <a:schemeClr val="tx1"/>
+              </a:fontRef>
+            </p:style>
+          </p:cxnSp>
+          <p:cxnSp>
+            <p:nvCxnSpPr>
+              <p:cNvPr id="88" name="直線コネクタ 87">
+                <a:extLst>
+                  <a:ext uri="{FF2B5EF4-FFF2-40B4-BE49-F238E27FC236}">
+                    <a16:creationId xmlns:a16="http://schemas.microsoft.com/office/drawing/2014/main" id="{4E307E8F-3751-0E19-9029-4CFE275542C9}"/>
+                  </a:ext>
+                </a:extLst>
+              </p:cNvPr>
+              <p:cNvCxnSpPr>
+                <a:cxnSpLocks/>
+              </p:cNvCxnSpPr>
+              <p:nvPr/>
+            </p:nvCxnSpPr>
+            <p:spPr>
+              <a:xfrm>
+                <a:off x="24712863" y="23914652"/>
+                <a:ext cx="2514600" cy="0"/>
+              </a:xfrm>
+              <a:prstGeom prst="line">
+                <a:avLst/>
+              </a:prstGeom>
+              <a:ln w="57150"/>
+            </p:spPr>
+            <p:style>
+              <a:lnRef idx="1">
+                <a:schemeClr val="accent5"/>
+              </a:lnRef>
+              <a:fillRef idx="0">
+                <a:schemeClr val="accent5"/>
+              </a:fillRef>
+              <a:effectRef idx="0">
+                <a:schemeClr val="accent5"/>
+              </a:effectRef>
+              <a:fontRef idx="minor">
+                <a:schemeClr val="tx1"/>
+              </a:fontRef>
+            </p:style>
+          </p:cxnSp>
+        </p:grpSp>
+        <mc:AlternateContent xmlns:mc="http://schemas.openxmlformats.org/markup-compatibility/2006">
+          <mc:Choice xmlns:a14="http://schemas.microsoft.com/office/drawing/2010/main" Requires="a14">
+            <p:sp>
+              <p:nvSpPr>
+                <p:cNvPr id="27" name="テキスト ボックス 26">
+                  <a:extLst>
+                    <a:ext uri="{FF2B5EF4-FFF2-40B4-BE49-F238E27FC236}">
+                      <a16:creationId xmlns:a16="http://schemas.microsoft.com/office/drawing/2014/main" id="{A64AAC1D-9CDA-CD84-7048-5AC73E6FC976}"/>
+                    </a:ext>
+                  </a:extLst>
+                </p:cNvPr>
+                <p:cNvSpPr txBox="1"/>
+                <p:nvPr/>
+              </p:nvSpPr>
+              <p:spPr>
+                <a:xfrm>
+                  <a:off x="14827104" y="13715764"/>
+                  <a:ext cx="4539299" cy="624786"/>
+                </a:xfrm>
+                <a:prstGeom prst="rect">
+                  <a:avLst/>
+                </a:prstGeom>
+                <a:solidFill>
+                  <a:schemeClr val="accent6">
+                    <a:lumMod val="20000"/>
+                    <a:lumOff val="80000"/>
+                  </a:schemeClr>
+                </a:solidFill>
+                <a:ln>
+                  <a:solidFill>
+                    <a:schemeClr val="tx1"/>
+                  </a:solidFill>
+                </a:ln>
+              </p:spPr>
+              <p:txBody>
+                <a:bodyPr wrap="square">
+                  <a:spAutoFit/>
+                </a:bodyPr>
+                <a:lstStyle/>
+                <a:p>
+                  <a:pPr/>
+                  <a14:m>
+                    <m:oMathPara xmlns:m="http://schemas.openxmlformats.org/officeDocument/2006/math">
+                      <m:oMathParaPr>
+                        <m:jc m:val="centerGroup"/>
+                      </m:oMathParaPr>
+                      <m:oMath xmlns:m="http://schemas.openxmlformats.org/officeDocument/2006/math">
+                        <m:r>
+                          <a:rPr lang="en-US" altLang="ja-JP" sz="3200" b="0" i="1" smtClean="0">
+                            <a:latin typeface="Cambria Math" panose="02040503050406030204" pitchFamily="18" charset="0"/>
+                            <a:ea typeface="+mn-ea"/>
+                          </a:rPr>
+                          <m:t>𝑝</m:t>
+                        </m:r>
+                        <m:sSub>
+                          <m:sSubPr>
+                            <m:ctrlPr>
+                              <a:rPr kumimoji="1" lang="en-US" altLang="ja-JP" sz="3200" i="1">
+                                <a:latin typeface="Cambria Math" panose="02040503050406030204" pitchFamily="18" charset="0"/>
+                              </a:rPr>
+                            </m:ctrlPr>
+                          </m:sSubPr>
+                          <m:e>
+                            <m:r>
+                              <a:rPr kumimoji="1" lang="en-US" altLang="ja-JP" sz="3200" i="1">
+                                <a:latin typeface="Cambria Math" panose="02040503050406030204" pitchFamily="18" charset="0"/>
+                              </a:rPr>
+                              <m:t>𝐸</m:t>
+                            </m:r>
+                          </m:e>
+                          <m:sub>
+                            <m:d>
+                              <m:dPr>
+                                <m:begChr m:val="["/>
+                                <m:endChr m:val="]"/>
+                                <m:ctrlPr>
+                                  <a:rPr kumimoji="1" lang="en-US" altLang="ja-JP" sz="3200" i="1">
+                                    <a:latin typeface="Cambria Math" panose="02040503050406030204" pitchFamily="18" charset="0"/>
+                                  </a:rPr>
+                                </m:ctrlPr>
+                              </m:dPr>
+                              <m:e>
+                                <m:r>
+                                  <m:rPr>
+                                    <m:sty m:val="p"/>
+                                  </m:rPr>
+                                  <a:rPr kumimoji="1" lang="en-US" altLang="ja-JP" sz="3200" i="0">
+                                    <a:latin typeface="Cambria Math" panose="02040503050406030204" pitchFamily="18" charset="0"/>
+                                  </a:rPr>
+                                  <m:t>CLS</m:t>
+                                </m:r>
+                              </m:e>
+                            </m:d>
+                          </m:sub>
+                        </m:sSub>
+                        <m:r>
+                          <a:rPr kumimoji="1" lang="en-US" altLang="ja-JP" sz="3200" b="0" i="1" smtClean="0">
+                            <a:latin typeface="Cambria Math" panose="02040503050406030204" pitchFamily="18" charset="0"/>
+                          </a:rPr>
+                          <m:t>+</m:t>
+                        </m:r>
+                        <m:r>
+                          <a:rPr kumimoji="1" lang="en-US" altLang="ja-JP" sz="3200" b="0" i="1" smtClean="0">
+                            <a:latin typeface="Cambria Math" panose="02040503050406030204" pitchFamily="18" charset="0"/>
+                          </a:rPr>
+                          <m:t>𝑞</m:t>
+                        </m:r>
+                        <m:sSub>
+                          <m:sSubPr>
+                            <m:ctrlPr>
+                              <a:rPr kumimoji="1" lang="en-US" altLang="ja-JP" sz="3200" i="1">
+                                <a:latin typeface="Cambria Math" panose="02040503050406030204" pitchFamily="18" charset="0"/>
+                              </a:rPr>
+                            </m:ctrlPr>
+                          </m:sSubPr>
+                          <m:e>
+                            <m:r>
+                              <a:rPr kumimoji="1" lang="en-US" altLang="ja-JP" sz="3200" i="1">
+                                <a:latin typeface="Cambria Math" panose="02040503050406030204" pitchFamily="18" charset="0"/>
+                              </a:rPr>
+                              <m:t>𝐸</m:t>
+                            </m:r>
+                          </m:e>
+                          <m:sub>
+                            <m:r>
+                              <a:rPr kumimoji="1" lang="en-US" altLang="ja-JP" sz="3200" i="1">
+                                <a:latin typeface="Cambria Math" panose="02040503050406030204" pitchFamily="18" charset="0"/>
+                              </a:rPr>
+                              <m:t>𝐴𝑣𝑔</m:t>
+                            </m:r>
+                          </m:sub>
+                        </m:sSub>
+                        <m:r>
+                          <a:rPr kumimoji="1" lang="en-US" altLang="ja-JP" sz="3200" b="0" i="1" smtClean="0">
+                            <a:latin typeface="Cambria Math" panose="02040503050406030204" pitchFamily="18" charset="0"/>
+                          </a:rPr>
+                          <m:t>+</m:t>
+                        </m:r>
+                        <m:r>
+                          <a:rPr kumimoji="1" lang="en-US" altLang="ja-JP" sz="3200" b="0" i="1" smtClean="0">
+                            <a:latin typeface="Cambria Math" panose="02040503050406030204" pitchFamily="18" charset="0"/>
+                          </a:rPr>
+                          <m:t>𝑟</m:t>
+                        </m:r>
+                        <m:sSub>
+                          <m:sSubPr>
+                            <m:ctrlPr>
+                              <a:rPr kumimoji="1" lang="en-US" altLang="ja-JP" sz="3200" i="1">
+                                <a:latin typeface="Cambria Math" panose="02040503050406030204" pitchFamily="18" charset="0"/>
+                              </a:rPr>
+                            </m:ctrlPr>
+                          </m:sSubPr>
+                          <m:e>
+                            <m:r>
+                              <a:rPr kumimoji="1" lang="en-US" altLang="ja-JP" sz="3200" i="1">
+                                <a:latin typeface="Cambria Math" panose="02040503050406030204" pitchFamily="18" charset="0"/>
+                              </a:rPr>
+                              <m:t>𝐸</m:t>
+                            </m:r>
+                          </m:e>
+                          <m:sub>
+                            <m:r>
+                              <a:rPr kumimoji="1" lang="en-US" altLang="ja-JP" sz="3200" i="1">
+                                <a:latin typeface="Cambria Math" panose="02040503050406030204" pitchFamily="18" charset="0"/>
+                              </a:rPr>
+                              <m:t>𝑠𝑢𝑚</m:t>
+                            </m:r>
+                          </m:sub>
+                        </m:sSub>
+                      </m:oMath>
+                    </m:oMathPara>
+                  </a14:m>
+                  <a:endParaRPr lang="ja-JP" altLang="en-US" sz="3200" dirty="0"/>
+                </a:p>
+              </p:txBody>
+            </p:sp>
+          </mc:Choice>
+          <mc:Fallback>
+            <p:sp>
+              <p:nvSpPr>
+                <p:cNvPr id="27" name="テキスト ボックス 26">
+                  <a:extLst>
+                    <a:ext uri="{FF2B5EF4-FFF2-40B4-BE49-F238E27FC236}">
+                      <a16:creationId xmlns:a16="http://schemas.microsoft.com/office/drawing/2014/main" id="{A64AAC1D-9CDA-CD84-7048-5AC73E6FC976}"/>
+                    </a:ext>
+                  </a:extLst>
+                </p:cNvPr>
+                <p:cNvSpPr txBox="1">
+                  <a:spLocks noRot="1" noChangeAspect="1" noMove="1" noResize="1" noEditPoints="1" noAdjustHandles="1" noChangeArrowheads="1" noChangeShapeType="1" noTextEdit="1"/>
+                </p:cNvSpPr>
+                <p:nvPr/>
+              </p:nvSpPr>
+              <p:spPr>
+                <a:xfrm>
+                  <a:off x="14827104" y="13715764"/>
+                  <a:ext cx="4539299" cy="624786"/>
+                </a:xfrm>
+                <a:prstGeom prst="rect">
+                  <a:avLst/>
+                </a:prstGeom>
+                <a:blipFill>
+                  <a:blip r:embed="rId8"/>
+                  <a:stretch>
+                    <a:fillRect/>
+                  </a:stretch>
+                </a:blipFill>
+                <a:ln>
+                  <a:solidFill>
+                    <a:schemeClr val="tx1"/>
+                  </a:solidFill>
+                </a:ln>
+              </p:spPr>
+              <p:txBody>
+                <a:bodyPr/>
+                <a:lstStyle/>
+                <a:p>
+                  <a:r>
+                    <a:rPr lang="ja-JP" altLang="en-US">
+                      <a:noFill/>
+                    </a:rPr>
+                    <a:t> </a:t>
+                  </a:r>
+                </a:p>
+              </p:txBody>
+            </p:sp>
+          </mc:Fallback>
+        </mc:AlternateContent>
+      </p:grpSp>
+    </p:spTree>
+    <p:extLst>
+      <p:ext uri="{BB962C8B-B14F-4D97-AF65-F5344CB8AC3E}">
+        <p14:creationId xmlns:p14="http://schemas.microsoft.com/office/powerpoint/2010/main" val="2950718941"/>
+      </p:ext>
+    </p:extLst>
+  </p:cSld>
+  <p:clrMapOvr>
+    <a:masterClrMapping/>
+  </p:clrMapOvr>
+</p:sld>
+</file>
+
+<file path=ppt/slides/slide4.xml><?xml version="1.0" encoding="utf-8"?>
+<p:sld xmlns:a="http://schemas.openxmlformats.org/drawingml/2006/main" xmlns:r="http://schemas.openxmlformats.org/officeDocument/2006/relationships" xmlns:p="http://schemas.openxmlformats.org/presentationml/2006/main">
+  <p:cSld>
+    <p:spTree>
+      <p:nvGrpSpPr>
+        <p:cNvPr id="1" name="Shape 111">
+          <a:extLst>
+            <a:ext uri="{FF2B5EF4-FFF2-40B4-BE49-F238E27FC236}">
               <a16:creationId xmlns:a16="http://schemas.microsoft.com/office/drawing/2014/main" id="{57CA3E3F-328C-2350-3A53-27DE7A30FE44}"/>
             </a:ext>
           </a:extLst>
@@ -25174,7 +29785,7 @@
 </p:sld>
 </file>
 
-<file path=ppt/slides/slide4.xml><?xml version="1.0" encoding="utf-8"?>
+<file path=ppt/slides/slide5.xml><?xml version="1.0" encoding="utf-8"?>
 <p:sld xmlns:a="http://schemas.openxmlformats.org/drawingml/2006/main" xmlns:r="http://schemas.openxmlformats.org/officeDocument/2006/relationships" xmlns:p="http://schemas.openxmlformats.org/presentationml/2006/main">
   <p:cSld>
     <p:spTree>
@@ -28402,6 +33013,505 @@
           </mc:Fallback>
         </mc:AlternateContent>
       </p:grpSp>
+      <p:grpSp>
+        <p:nvGrpSpPr>
+          <p:cNvPr id="61" name="グループ化 60">
+            <a:extLst>
+              <a:ext uri="{FF2B5EF4-FFF2-40B4-BE49-F238E27FC236}">
+                <a16:creationId xmlns:a16="http://schemas.microsoft.com/office/drawing/2014/main" id="{CF23241D-C367-9503-9ECA-C99B1C53532B}"/>
+              </a:ext>
+            </a:extLst>
+          </p:cNvPr>
+          <p:cNvGrpSpPr/>
+          <p:nvPr/>
+        </p:nvGrpSpPr>
+        <p:grpSpPr>
+          <a:xfrm>
+            <a:off x="15421709" y="959640"/>
+            <a:ext cx="11550428" cy="11094752"/>
+            <a:chOff x="16050470" y="754715"/>
+            <a:chExt cx="11550428" cy="11094752"/>
+          </a:xfrm>
+        </p:grpSpPr>
+        <p:sp>
+          <p:nvSpPr>
+            <p:cNvPr id="23" name="正方形/長方形 22">
+              <a:extLst>
+                <a:ext uri="{FF2B5EF4-FFF2-40B4-BE49-F238E27FC236}">
+                  <a16:creationId xmlns:a16="http://schemas.microsoft.com/office/drawing/2014/main" id="{7E33A3C2-38E3-DB88-235B-788518AAEA73}"/>
+                </a:ext>
+              </a:extLst>
+            </p:cNvPr>
+            <p:cNvSpPr/>
+            <p:nvPr/>
+          </p:nvSpPr>
+          <p:spPr>
+            <a:xfrm>
+              <a:off x="21027392" y="3715622"/>
+              <a:ext cx="4019995" cy="1925373"/>
+            </a:xfrm>
+            <a:prstGeom prst="rect">
+              <a:avLst/>
+            </a:prstGeom>
+            <a:solidFill>
+              <a:schemeClr val="accent3">
+                <a:lumMod val="20000"/>
+                <a:lumOff val="80000"/>
+              </a:schemeClr>
+            </a:solidFill>
+            <a:ln>
+              <a:solidFill>
+                <a:schemeClr val="accent6">
+                  <a:lumMod val="75000"/>
+                </a:schemeClr>
+              </a:solidFill>
+            </a:ln>
+          </p:spPr>
+          <p:style>
+            <a:lnRef idx="2">
+              <a:schemeClr val="accent6"/>
+            </a:lnRef>
+            <a:fillRef idx="1">
+              <a:schemeClr val="lt1"/>
+            </a:fillRef>
+            <a:effectRef idx="0">
+              <a:schemeClr val="accent6"/>
+            </a:effectRef>
+            <a:fontRef idx="minor">
+              <a:schemeClr val="dk1"/>
+            </a:fontRef>
+          </p:style>
+          <p:txBody>
+            <a:bodyPr rtlCol="0" anchor="ctr"/>
+            <a:lstStyle/>
+            <a:p>
+              <a:pPr algn="ctr"/>
+              <a:endParaRPr kumimoji="1" lang="ja-JP" altLang="en-US" sz="3600" dirty="0">
+                <a:solidFill>
+                  <a:schemeClr val="tx1"/>
+                </a:solidFill>
+              </a:endParaRPr>
+            </a:p>
+          </p:txBody>
+        </p:sp>
+        <p:pic>
+          <p:nvPicPr>
+            <p:cNvPr id="51" name="図 50" descr="ダイアグラム&#10;&#10;自動的に生成された説明">
+              <a:extLst>
+                <a:ext uri="{FF2B5EF4-FFF2-40B4-BE49-F238E27FC236}">
+                  <a16:creationId xmlns:a16="http://schemas.microsoft.com/office/drawing/2014/main" id="{4B1AB75A-F98B-2DBD-E943-3D9FA7087B2E}"/>
+                </a:ext>
+              </a:extLst>
+            </p:cNvPr>
+            <p:cNvPicPr>
+              <a:picLocks noChangeAspect="1"/>
+            </p:cNvPicPr>
+            <p:nvPr/>
+          </p:nvPicPr>
+          <p:blipFill>
+            <a:blip r:embed="rId5"/>
+            <a:stretch>
+              <a:fillRect/>
+            </a:stretch>
+          </p:blipFill>
+          <p:spPr>
+            <a:xfrm>
+              <a:off x="16050470" y="3942064"/>
+              <a:ext cx="11550428" cy="7907403"/>
+            </a:xfrm>
+            <a:prstGeom prst="rect">
+              <a:avLst/>
+            </a:prstGeom>
+          </p:spPr>
+        </p:pic>
+        <p:sp>
+          <p:nvSpPr>
+            <p:cNvPr id="53" name="矢印: 右 52">
+              <a:extLst>
+                <a:ext uri="{FF2B5EF4-FFF2-40B4-BE49-F238E27FC236}">
+                  <a16:creationId xmlns:a16="http://schemas.microsoft.com/office/drawing/2014/main" id="{E2E09237-3083-ABEF-6E9F-346CDFE30F26}"/>
+                </a:ext>
+              </a:extLst>
+            </p:cNvPr>
+            <p:cNvSpPr/>
+            <p:nvPr/>
+          </p:nvSpPr>
+          <p:spPr>
+            <a:xfrm rot="16200000">
+              <a:off x="15417195" y="4590790"/>
+              <a:ext cx="3466594" cy="406414"/>
+            </a:xfrm>
+            <a:prstGeom prst="rightArrow">
+              <a:avLst/>
+            </a:prstGeom>
+          </p:spPr>
+          <p:style>
+            <a:lnRef idx="2">
+              <a:schemeClr val="accent2">
+                <a:shade val="15000"/>
+              </a:schemeClr>
+            </a:lnRef>
+            <a:fillRef idx="1">
+              <a:schemeClr val="accent2"/>
+            </a:fillRef>
+            <a:effectRef idx="0">
+              <a:schemeClr val="accent2"/>
+            </a:effectRef>
+            <a:fontRef idx="minor">
+              <a:schemeClr val="lt1"/>
+            </a:fontRef>
+          </p:style>
+          <p:txBody>
+            <a:bodyPr rtlCol="0" anchor="ctr"/>
+            <a:lstStyle/>
+            <a:p>
+              <a:pPr algn="ctr"/>
+              <a:endParaRPr kumimoji="1" lang="ja-JP" altLang="en-US"/>
+            </a:p>
+          </p:txBody>
+        </p:sp>
+        <p:sp>
+          <p:nvSpPr>
+            <p:cNvPr id="54" name="矢印: 右 53">
+              <a:extLst>
+                <a:ext uri="{FF2B5EF4-FFF2-40B4-BE49-F238E27FC236}">
+                  <a16:creationId xmlns:a16="http://schemas.microsoft.com/office/drawing/2014/main" id="{42062BB3-A42A-0539-B488-2C140EA381A0}"/>
+                </a:ext>
+              </a:extLst>
+            </p:cNvPr>
+            <p:cNvSpPr/>
+            <p:nvPr/>
+          </p:nvSpPr>
+          <p:spPr>
+            <a:xfrm rot="16200000">
+              <a:off x="22706422" y="3189922"/>
+              <a:ext cx="654921" cy="396478"/>
+            </a:xfrm>
+            <a:prstGeom prst="rightArrow">
+              <a:avLst/>
+            </a:prstGeom>
+          </p:spPr>
+          <p:style>
+            <a:lnRef idx="2">
+              <a:schemeClr val="accent2">
+                <a:shade val="15000"/>
+              </a:schemeClr>
+            </a:lnRef>
+            <a:fillRef idx="1">
+              <a:schemeClr val="accent2"/>
+            </a:fillRef>
+            <a:effectRef idx="0">
+              <a:schemeClr val="accent2"/>
+            </a:effectRef>
+            <a:fontRef idx="minor">
+              <a:schemeClr val="lt1"/>
+            </a:fontRef>
+          </p:style>
+          <p:txBody>
+            <a:bodyPr rtlCol="0" anchor="ctr"/>
+            <a:lstStyle/>
+            <a:p>
+              <a:pPr algn="ctr"/>
+              <a:endParaRPr kumimoji="1" lang="ja-JP" altLang="en-US"/>
+            </a:p>
+          </p:txBody>
+        </p:sp>
+        <p:sp>
+          <p:nvSpPr>
+            <p:cNvPr id="55" name="正方形/長方形 54">
+              <a:extLst>
+                <a:ext uri="{FF2B5EF4-FFF2-40B4-BE49-F238E27FC236}">
+                  <a16:creationId xmlns:a16="http://schemas.microsoft.com/office/drawing/2014/main" id="{2C2DD4E1-B914-B986-0807-9DD0AA0C420D}"/>
+                </a:ext>
+              </a:extLst>
+            </p:cNvPr>
+            <p:cNvSpPr/>
+            <p:nvPr/>
+          </p:nvSpPr>
+          <p:spPr>
+            <a:xfrm>
+              <a:off x="16541506" y="2029929"/>
+              <a:ext cx="10568356" cy="1019908"/>
+            </a:xfrm>
+            <a:prstGeom prst="rect">
+              <a:avLst/>
+            </a:prstGeom>
+            <a:solidFill>
+              <a:schemeClr val="accent5">
+                <a:lumMod val="75000"/>
+              </a:schemeClr>
+            </a:solidFill>
+          </p:spPr>
+          <p:style>
+            <a:lnRef idx="2">
+              <a:schemeClr val="accent1">
+                <a:shade val="15000"/>
+              </a:schemeClr>
+            </a:lnRef>
+            <a:fillRef idx="1">
+              <a:schemeClr val="accent1"/>
+            </a:fillRef>
+            <a:effectRef idx="0">
+              <a:schemeClr val="accent1"/>
+            </a:effectRef>
+            <a:fontRef idx="minor">
+              <a:schemeClr val="lt1"/>
+            </a:fontRef>
+          </p:style>
+          <p:txBody>
+            <a:bodyPr rtlCol="0" anchor="ctr"/>
+            <a:lstStyle/>
+            <a:p>
+              <a:pPr algn="ctr"/>
+              <a:r>
+                <a:rPr lang="en-US" altLang="ja-JP" sz="4400" b="0" i="0" u="none" strike="noStrike" baseline="0" dirty="0">
+                  <a:latin typeface="+mn-ea"/>
+                </a:rPr>
+                <a:t>CLS-Average Pooling (CAP)</a:t>
+              </a:r>
+              <a:endParaRPr kumimoji="1" lang="ja-JP" altLang="en-US" sz="7200" dirty="0">
+                <a:latin typeface="+mn-ea"/>
+              </a:endParaRPr>
+            </a:p>
+          </p:txBody>
+        </p:sp>
+        <mc:AlternateContent xmlns:mc="http://schemas.openxmlformats.org/markup-compatibility/2006">
+          <mc:Choice xmlns:a14="http://schemas.microsoft.com/office/drawing/2010/main" Requires="a14">
+            <p:sp>
+              <p:nvSpPr>
+                <p:cNvPr id="58" name="テキスト ボックス 57">
+                  <a:extLst>
+                    <a:ext uri="{FF2B5EF4-FFF2-40B4-BE49-F238E27FC236}">
+                      <a16:creationId xmlns:a16="http://schemas.microsoft.com/office/drawing/2014/main" id="{09E2350F-0BEC-16F4-FDA5-A407FA8E0FA2}"/>
+                    </a:ext>
+                  </a:extLst>
+                </p:cNvPr>
+                <p:cNvSpPr txBox="1"/>
+                <p:nvPr/>
+              </p:nvSpPr>
+              <p:spPr>
+                <a:xfrm>
+                  <a:off x="20009276" y="754715"/>
+                  <a:ext cx="3632815" cy="624786"/>
+                </a:xfrm>
+                <a:prstGeom prst="rect">
+                  <a:avLst/>
+                </a:prstGeom>
+                <a:solidFill>
+                  <a:schemeClr val="accent6">
+                    <a:lumMod val="20000"/>
+                    <a:lumOff val="80000"/>
+                  </a:schemeClr>
+                </a:solidFill>
+                <a:ln>
+                  <a:solidFill>
+                    <a:schemeClr val="tx1"/>
+                  </a:solidFill>
+                </a:ln>
+              </p:spPr>
+              <p:txBody>
+                <a:bodyPr wrap="square">
+                  <a:spAutoFit/>
+                </a:bodyPr>
+                <a:lstStyle/>
+                <a:p>
+                  <a:pPr/>
+                  <a14:m>
+                    <m:oMathPara xmlns:m="http://schemas.openxmlformats.org/officeDocument/2006/math">
+                      <m:oMathParaPr>
+                        <m:jc m:val="centerGroup"/>
+                      </m:oMathParaPr>
+                      <m:oMath xmlns:m="http://schemas.openxmlformats.org/officeDocument/2006/math">
+                        <m:r>
+                          <a:rPr lang="en-US" altLang="ja-JP" sz="3200" b="0" i="1" smtClean="0">
+                            <a:latin typeface="Cambria Math" panose="02040503050406030204" pitchFamily="18" charset="0"/>
+                            <a:ea typeface="+mn-ea"/>
+                          </a:rPr>
+                          <m:t>𝑝</m:t>
+                        </m:r>
+                        <m:sSub>
+                          <m:sSubPr>
+                            <m:ctrlPr>
+                              <a:rPr kumimoji="1" lang="en-US" altLang="ja-JP" sz="3200" i="1">
+                                <a:latin typeface="Cambria Math" panose="02040503050406030204" pitchFamily="18" charset="0"/>
+                              </a:rPr>
+                            </m:ctrlPr>
+                          </m:sSubPr>
+                          <m:e>
+                            <m:r>
+                              <a:rPr kumimoji="1" lang="en-US" altLang="ja-JP" sz="3200" i="1">
+                                <a:latin typeface="Cambria Math" panose="02040503050406030204" pitchFamily="18" charset="0"/>
+                              </a:rPr>
+                              <m:t>𝐸</m:t>
+                            </m:r>
+                          </m:e>
+                          <m:sub>
+                            <m:d>
+                              <m:dPr>
+                                <m:begChr m:val="["/>
+                                <m:endChr m:val="]"/>
+                                <m:ctrlPr>
+                                  <a:rPr kumimoji="1" lang="en-US" altLang="ja-JP" sz="3200" i="1">
+                                    <a:latin typeface="Cambria Math" panose="02040503050406030204" pitchFamily="18" charset="0"/>
+                                  </a:rPr>
+                                </m:ctrlPr>
+                              </m:dPr>
+                              <m:e>
+                                <m:r>
+                                  <m:rPr>
+                                    <m:sty m:val="p"/>
+                                  </m:rPr>
+                                  <a:rPr kumimoji="1" lang="en-US" altLang="ja-JP" sz="3200" i="0">
+                                    <a:latin typeface="Cambria Math" panose="02040503050406030204" pitchFamily="18" charset="0"/>
+                                  </a:rPr>
+                                  <m:t>CLS</m:t>
+                                </m:r>
+                              </m:e>
+                            </m:d>
+                          </m:sub>
+                        </m:sSub>
+                        <m:r>
+                          <a:rPr kumimoji="1" lang="en-US" altLang="ja-JP" sz="3200" b="0" i="1" smtClean="0">
+                            <a:latin typeface="Cambria Math" panose="02040503050406030204" pitchFamily="18" charset="0"/>
+                          </a:rPr>
+                          <m:t>+</m:t>
+                        </m:r>
+                        <m:r>
+                          <a:rPr kumimoji="1" lang="en-US" altLang="ja-JP" sz="3200" b="0" i="1" smtClean="0">
+                            <a:latin typeface="Cambria Math" panose="02040503050406030204" pitchFamily="18" charset="0"/>
+                          </a:rPr>
+                          <m:t>𝑞</m:t>
+                        </m:r>
+                        <m:sSub>
+                          <m:sSubPr>
+                            <m:ctrlPr>
+                              <a:rPr kumimoji="1" lang="en-US" altLang="ja-JP" sz="3200" i="1">
+                                <a:latin typeface="Cambria Math" panose="02040503050406030204" pitchFamily="18" charset="0"/>
+                              </a:rPr>
+                            </m:ctrlPr>
+                          </m:sSubPr>
+                          <m:e>
+                            <m:r>
+                              <a:rPr kumimoji="1" lang="en-US" altLang="ja-JP" sz="3200" i="1">
+                                <a:latin typeface="Cambria Math" panose="02040503050406030204" pitchFamily="18" charset="0"/>
+                              </a:rPr>
+                              <m:t>𝐸</m:t>
+                            </m:r>
+                          </m:e>
+                          <m:sub>
+                            <m:r>
+                              <a:rPr kumimoji="1" lang="en-US" altLang="ja-JP" sz="3200" i="1">
+                                <a:latin typeface="Cambria Math" panose="02040503050406030204" pitchFamily="18" charset="0"/>
+                              </a:rPr>
+                              <m:t>𝐴𝑣𝑔</m:t>
+                            </m:r>
+                          </m:sub>
+                        </m:sSub>
+                      </m:oMath>
+                    </m:oMathPara>
+                  </a14:m>
+                  <a:endParaRPr lang="ja-JP" altLang="en-US" sz="3200" dirty="0"/>
+                </a:p>
+              </p:txBody>
+            </p:sp>
+          </mc:Choice>
+          <mc:Fallback>
+            <p:sp>
+              <p:nvSpPr>
+                <p:cNvPr id="58" name="テキスト ボックス 57">
+                  <a:extLst>
+                    <a:ext uri="{FF2B5EF4-FFF2-40B4-BE49-F238E27FC236}">
+                      <a16:creationId xmlns:a16="http://schemas.microsoft.com/office/drawing/2014/main" id="{09E2350F-0BEC-16F4-FDA5-A407FA8E0FA2}"/>
+                    </a:ext>
+                  </a:extLst>
+                </p:cNvPr>
+                <p:cNvSpPr txBox="1">
+                  <a:spLocks noRot="1" noChangeAspect="1" noMove="1" noResize="1" noEditPoints="1" noAdjustHandles="1" noChangeArrowheads="1" noChangeShapeType="1" noTextEdit="1"/>
+                </p:cNvSpPr>
+                <p:nvPr/>
+              </p:nvSpPr>
+              <p:spPr>
+                <a:xfrm>
+                  <a:off x="20009276" y="754715"/>
+                  <a:ext cx="3632815" cy="624786"/>
+                </a:xfrm>
+                <a:prstGeom prst="rect">
+                  <a:avLst/>
+                </a:prstGeom>
+                <a:blipFill>
+                  <a:blip r:embed="rId6"/>
+                  <a:stretch>
+                    <a:fillRect/>
+                  </a:stretch>
+                </a:blipFill>
+                <a:ln>
+                  <a:solidFill>
+                    <a:schemeClr val="tx1"/>
+                  </a:solidFill>
+                </a:ln>
+              </p:spPr>
+              <p:txBody>
+                <a:bodyPr/>
+                <a:lstStyle/>
+                <a:p>
+                  <a:r>
+                    <a:rPr lang="ja-JP" altLang="en-US">
+                      <a:noFill/>
+                    </a:rPr>
+                    <a:t> </a:t>
+                  </a:r>
+                </a:p>
+              </p:txBody>
+            </p:sp>
+          </mc:Fallback>
+        </mc:AlternateContent>
+        <p:sp>
+          <p:nvSpPr>
+            <p:cNvPr id="59" name="矢印: 右 58">
+              <a:extLst>
+                <a:ext uri="{FF2B5EF4-FFF2-40B4-BE49-F238E27FC236}">
+                  <a16:creationId xmlns:a16="http://schemas.microsoft.com/office/drawing/2014/main" id="{0940C4A7-060F-9710-67DA-AA5A1F9134A7}"/>
+                </a:ext>
+              </a:extLst>
+            </p:cNvPr>
+            <p:cNvSpPr/>
+            <p:nvPr/>
+          </p:nvSpPr>
+          <p:spPr>
+            <a:xfrm rot="16200000">
+              <a:off x="21498224" y="1514154"/>
+              <a:ext cx="654921" cy="396478"/>
+            </a:xfrm>
+            <a:prstGeom prst="rightArrow">
+              <a:avLst/>
+            </a:prstGeom>
+          </p:spPr>
+          <p:style>
+            <a:lnRef idx="2">
+              <a:schemeClr val="accent2">
+                <a:shade val="15000"/>
+              </a:schemeClr>
+            </a:lnRef>
+            <a:fillRef idx="1">
+              <a:schemeClr val="accent2"/>
+            </a:fillRef>
+            <a:effectRef idx="0">
+              <a:schemeClr val="accent2"/>
+            </a:effectRef>
+            <a:fontRef idx="minor">
+              <a:schemeClr val="lt1"/>
+            </a:fontRef>
+          </p:style>
+          <p:txBody>
+            <a:bodyPr rtlCol="0" anchor="ctr"/>
+            <a:lstStyle/>
+            <a:p>
+              <a:pPr algn="ctr"/>
+              <a:endParaRPr kumimoji="1" lang="ja-JP" altLang="en-US"/>
+            </a:p>
+          </p:txBody>
+        </p:sp>
+      </p:grpSp>
     </p:spTree>
     <p:extLst>
       <p:ext uri="{BB962C8B-B14F-4D97-AF65-F5344CB8AC3E}">
@@ -28415,7 +33525,7 @@
 </p:sld>
 </file>
 
-<file path=ppt/slides/slide5.xml><?xml version="1.0" encoding="utf-8"?>
+<file path=ppt/slides/slide6.xml><?xml version="1.0" encoding="utf-8"?>
 <p:sld xmlns:a="http://schemas.openxmlformats.org/drawingml/2006/main" xmlns:r="http://schemas.openxmlformats.org/officeDocument/2006/relationships" xmlns:p="http://schemas.openxmlformats.org/presentationml/2006/main">
   <p:cSld>
     <p:spTree>
@@ -31481,7 +36591,7 @@
 </p:sld>
 </file>
 
-<file path=ppt/slides/slide6.xml><?xml version="1.0" encoding="utf-8"?>
+<file path=ppt/slides/slide7.xml><?xml version="1.0" encoding="utf-8"?>
 <p:sld xmlns:a="http://schemas.openxmlformats.org/drawingml/2006/main" xmlns:r="http://schemas.openxmlformats.org/officeDocument/2006/relationships" xmlns:p="http://schemas.openxmlformats.org/presentationml/2006/main">
   <p:cSld>
     <p:spTree>
@@ -36725,7 +41835,7 @@
 </p:sld>
 </file>
 
-<file path=ppt/slides/slide7.xml><?xml version="1.0" encoding="utf-8"?>
+<file path=ppt/slides/slide8.xml><?xml version="1.0" encoding="utf-8"?>
 <p:sld xmlns:a="http://schemas.openxmlformats.org/drawingml/2006/main" xmlns:r="http://schemas.openxmlformats.org/officeDocument/2006/relationships" xmlns:p="http://schemas.openxmlformats.org/presentationml/2006/main">
   <p:cSld>
     <p:spTree>
@@ -36864,7 +41974,7 @@
 </p:sld>
 </file>
 
-<file path=ppt/slides/slide8.xml><?xml version="1.0" encoding="utf-8"?>
+<file path=ppt/slides/slide9.xml><?xml version="1.0" encoding="utf-8"?>
 <p:sld xmlns:a="http://schemas.openxmlformats.org/drawingml/2006/main" xmlns:r="http://schemas.openxmlformats.org/officeDocument/2006/relationships" xmlns:p="http://schemas.openxmlformats.org/presentationml/2006/main">
   <p:cSld>
     <p:spTree>

--- a/Weekly_Report/2024_poster/2024_takayama_poster.pptx
+++ b/Weekly_Report/2024_poster/2024_takayama_poster.pptx
@@ -5,7 +5,7 @@
     <p:sldMasterId id="2147483660" r:id="rId1"/>
   </p:sldMasterIdLst>
   <p:notesMasterIdLst>
-    <p:notesMasterId r:id="rId11"/>
+    <p:notesMasterId r:id="rId12"/>
   </p:notesMasterIdLst>
   <p:sldIdLst>
     <p:sldId id="256" r:id="rId2"/>
@@ -17,6 +17,7 @@
     <p:sldId id="261" r:id="rId8"/>
     <p:sldId id="264" r:id="rId9"/>
     <p:sldId id="263" r:id="rId10"/>
+    <p:sldId id="269" r:id="rId11"/>
   </p:sldIdLst>
   <p:sldSz cx="30275213" cy="42803763"/>
   <p:notesSz cx="7559675" cy="10691813"/>
@@ -6164,6 +6165,2401 @@
     <p:extLst>
       <p:ext uri="{BB962C8B-B14F-4D97-AF65-F5344CB8AC3E}">
         <p14:creationId xmlns:p14="http://schemas.microsoft.com/office/powerpoint/2010/main" val="1337858033"/>
+      </p:ext>
+    </p:extLst>
+  </p:cSld>
+  <p:clrMapOvr>
+    <a:masterClrMapping/>
+  </p:clrMapOvr>
+</p:notes>
+</file>
+
+<file path=ppt/notesSlides/notesSlide9.xml><?xml version="1.0" encoding="utf-8"?>
+<p:notes xmlns:a="http://schemas.openxmlformats.org/drawingml/2006/main" xmlns:r="http://schemas.openxmlformats.org/officeDocument/2006/relationships" xmlns:p="http://schemas.openxmlformats.org/presentationml/2006/main" showMasterSp="0" showMasterPhAnim="0">
+  <p:cSld>
+    <p:spTree>
+      <p:nvGrpSpPr>
+        <p:cNvPr id="1" name="Shape 59">
+          <a:extLst>
+            <a:ext uri="{FF2B5EF4-FFF2-40B4-BE49-F238E27FC236}">
+              <a16:creationId xmlns:a16="http://schemas.microsoft.com/office/drawing/2014/main" id="{EF08BC6A-950D-B84A-8F00-681837CE8CBE}"/>
+            </a:ext>
+          </a:extLst>
+        </p:cNvPr>
+        <p:cNvGrpSpPr/>
+        <p:nvPr/>
+      </p:nvGrpSpPr>
+      <p:grpSpPr>
+        <a:xfrm>
+          <a:off x="0" y="0"/>
+          <a:ext cx="0" cy="0"/>
+          <a:chOff x="0" y="0"/>
+          <a:chExt cx="0" cy="0"/>
+        </a:xfrm>
+      </p:grpSpPr>
+      <p:sp>
+        <p:nvSpPr>
+          <p:cNvPr id="60" name="Google Shape;60;p1:notes">
+            <a:extLst>
+              <a:ext uri="{FF2B5EF4-FFF2-40B4-BE49-F238E27FC236}">
+                <a16:creationId xmlns:a16="http://schemas.microsoft.com/office/drawing/2014/main" id="{0A951087-0364-2F17-FF6E-4C4837B440F3}"/>
+              </a:ext>
+            </a:extLst>
+          </p:cNvPr>
+          <p:cNvSpPr txBox="1">
+            <a:spLocks noGrp="1"/>
+          </p:cNvSpPr>
+          <p:nvPr>
+            <p:ph type="body" idx="1"/>
+          </p:nvPr>
+        </p:nvSpPr>
+        <p:spPr>
+          <a:xfrm>
+            <a:off x="755950" y="5078600"/>
+            <a:ext cx="6047725" cy="4811300"/>
+          </a:xfrm>
+          <a:prstGeom prst="rect">
+            <a:avLst/>
+          </a:prstGeom>
+        </p:spPr>
+        <p:txBody>
+          <a:bodyPr spcFirstLastPara="1" wrap="square" lIns="91425" tIns="91425" rIns="91425" bIns="91425" anchor="t" anchorCtr="0">
+            <a:noAutofit/>
+          </a:bodyPr>
+          <a:lstStyle/>
+          <a:p>
+            <a:pPr marL="0" marR="0" lvl="0" indent="0" algn="l" rtl="0">
+              <a:lnSpc>
+                <a:spcPct val="100000"/>
+              </a:lnSpc>
+              <a:spcBef>
+                <a:spcPts val="0"/>
+              </a:spcBef>
+              <a:spcAft>
+                <a:spcPts val="0"/>
+              </a:spcAft>
+              <a:buNone/>
+            </a:pPr>
+            <a:r>
+              <a:rPr lang="ja-JP" altLang="en-US" dirty="0"/>
+              <a:t>それでは「</a:t>
+            </a:r>
+            <a:r>
+              <a:rPr lang="en-US" altLang="ja-JP" sz="1100" b="0" i="0" u="none" strike="noStrike" cap="none" dirty="0">
+                <a:solidFill>
+                  <a:srgbClr val="FFFFFF"/>
+                </a:solidFill>
+                <a:latin typeface="+mj-ea"/>
+                <a:ea typeface="+mj-ea"/>
+                <a:cs typeface="Arial"/>
+                <a:sym typeface="Arial"/>
+              </a:rPr>
+              <a:t>BERT </a:t>
+            </a:r>
+            <a:r>
+              <a:rPr lang="ja-JP" altLang="en-US" sz="1100" b="0" i="0" u="none" strike="noStrike" cap="none" dirty="0">
+                <a:solidFill>
+                  <a:srgbClr val="FFFFFF"/>
+                </a:solidFill>
+                <a:latin typeface="+mj-ea"/>
+                <a:ea typeface="+mj-ea"/>
+                <a:cs typeface="Arial"/>
+                <a:sym typeface="Arial"/>
+              </a:rPr>
+              <a:t>を用いた原文と要約文の分散表現の最適な統合手法の検討</a:t>
+            </a:r>
+            <a:r>
+              <a:rPr lang="ja-JP" altLang="en-US" dirty="0"/>
+              <a:t>」と題しまして創発ソフトウェア研究室の高山が発表させていただきます。</a:t>
+            </a:r>
+            <a:endParaRPr lang="en-US" altLang="ja-JP" dirty="0"/>
+          </a:p>
+          <a:p>
+            <a:pPr marL="0" lvl="0" indent="0" algn="l" rtl="0">
+              <a:spcBef>
+                <a:spcPts val="0"/>
+              </a:spcBef>
+              <a:spcAft>
+                <a:spcPts val="0"/>
+              </a:spcAft>
+              <a:buNone/>
+            </a:pPr>
+            <a:r>
+              <a:rPr lang="ja-JP" altLang="en-US" dirty="0"/>
+              <a:t>ーーーーーーーーーーーーーーー</a:t>
+            </a:r>
+            <a:endParaRPr lang="en-US" altLang="ja-JP" dirty="0"/>
+          </a:p>
+          <a:p>
+            <a:pPr marL="0" lvl="0" indent="0" algn="l" rtl="0">
+              <a:spcBef>
+                <a:spcPts val="0"/>
+              </a:spcBef>
+              <a:spcAft>
+                <a:spcPts val="0"/>
+              </a:spcAft>
+              <a:buNone/>
+            </a:pPr>
+            <a:r>
+              <a:rPr lang="ja-JP" altLang="en-US" dirty="0"/>
+              <a:t>近年</a:t>
+            </a:r>
+            <a:r>
+              <a:rPr lang="en-US" altLang="ja-JP" dirty="0"/>
+              <a:t>, </a:t>
+            </a:r>
+            <a:r>
+              <a:rPr lang="ja-JP" altLang="en-US" dirty="0"/>
+              <a:t>深層学習をはじめとする機械学習手法は目覚ましい発展を遂げており</a:t>
+            </a:r>
+            <a:r>
+              <a:rPr lang="en-US" altLang="ja-JP" dirty="0"/>
+              <a:t>,</a:t>
+            </a:r>
+          </a:p>
+          <a:p>
+            <a:pPr marL="0" lvl="0" indent="0" algn="l" rtl="0">
+              <a:spcBef>
+                <a:spcPts val="0"/>
+              </a:spcBef>
+              <a:spcAft>
+                <a:spcPts val="0"/>
+              </a:spcAft>
+              <a:buNone/>
+            </a:pPr>
+            <a:r>
+              <a:rPr lang="ja-JP" altLang="en-US" dirty="0"/>
+              <a:t>特に</a:t>
+            </a:r>
+            <a:r>
+              <a:rPr lang="en-US" altLang="ja-JP" dirty="0"/>
+              <a:t>, </a:t>
+            </a:r>
+            <a:r>
+              <a:rPr lang="ja-JP" altLang="en-US" dirty="0"/>
+              <a:t>自然言語処理の分野では</a:t>
+            </a:r>
+            <a:r>
+              <a:rPr lang="en-US" altLang="ja-JP" dirty="0"/>
+              <a:t>, Transformer </a:t>
+            </a:r>
+            <a:r>
+              <a:rPr lang="ja-JP" altLang="en-US" dirty="0"/>
+              <a:t>を用いた </a:t>
+            </a:r>
+            <a:r>
+              <a:rPr lang="en-US" altLang="ja-JP" dirty="0"/>
+              <a:t>BERT </a:t>
+            </a:r>
+            <a:r>
+              <a:rPr lang="ja-JP" altLang="en-US" dirty="0"/>
+              <a:t>や </a:t>
+            </a:r>
+            <a:r>
+              <a:rPr lang="en-US" altLang="ja-JP" dirty="0"/>
+              <a:t>GPT </a:t>
+            </a:r>
+            <a:r>
+              <a:rPr lang="ja-JP" altLang="en-US" dirty="0"/>
+              <a:t>といった大規模言語モデルが様々なタスクにおいて大きな成果を上げており、</a:t>
+            </a:r>
+            <a:endParaRPr lang="en-US" altLang="ja-JP" dirty="0"/>
+          </a:p>
+          <a:p>
+            <a:pPr marL="0" lvl="0" indent="0" algn="l" rtl="0">
+              <a:spcBef>
+                <a:spcPts val="0"/>
+              </a:spcBef>
+              <a:spcAft>
+                <a:spcPts val="0"/>
+              </a:spcAft>
+              <a:buNone/>
+            </a:pPr>
+            <a:r>
+              <a:rPr lang="ja-JP" altLang="en-US" dirty="0"/>
+              <a:t>テキスト分類や情報検索</a:t>
+            </a:r>
+            <a:r>
+              <a:rPr lang="en-US" altLang="ja-JP" dirty="0"/>
+              <a:t>, </a:t>
+            </a:r>
+            <a:r>
+              <a:rPr lang="ja-JP" altLang="en-US" dirty="0"/>
+              <a:t>感情分析</a:t>
+            </a:r>
+            <a:r>
+              <a:rPr lang="en-US" altLang="ja-JP" dirty="0"/>
+              <a:t>, </a:t>
+            </a:r>
+            <a:r>
+              <a:rPr lang="ja-JP" altLang="en-US" dirty="0"/>
+              <a:t>推薦システムなど</a:t>
+            </a:r>
+            <a:r>
+              <a:rPr lang="en-US" altLang="ja-JP" dirty="0"/>
+              <a:t>, </a:t>
+            </a:r>
+            <a:r>
+              <a:rPr lang="ja-JP" altLang="en-US" dirty="0"/>
+              <a:t>多くのアプリケーションにおいて</a:t>
+            </a:r>
+            <a:r>
+              <a:rPr lang="en-US" altLang="ja-JP" dirty="0"/>
+              <a:t>LLM</a:t>
+            </a:r>
+            <a:r>
+              <a:rPr lang="ja-JP" altLang="en-US" dirty="0"/>
+              <a:t>の活用が期待されています。</a:t>
+            </a:r>
+            <a:endParaRPr lang="en-US" altLang="ja-JP" dirty="0"/>
+          </a:p>
+          <a:p>
+            <a:pPr marL="0" marR="0" lvl="0" indent="0" algn="l" defTabSz="914400" rtl="0" eaLnBrk="1" fontAlgn="auto" latinLnBrk="0" hangingPunct="1">
+              <a:lnSpc>
+                <a:spcPct val="100000"/>
+              </a:lnSpc>
+              <a:spcBef>
+                <a:spcPts val="0"/>
+              </a:spcBef>
+              <a:spcAft>
+                <a:spcPts val="0"/>
+              </a:spcAft>
+              <a:buClr>
+                <a:srgbClr val="000000"/>
+              </a:buClr>
+              <a:buSzPts val="1100"/>
+              <a:buFont typeface="Arial"/>
+              <a:buNone/>
+              <a:tabLst/>
+              <a:defRPr/>
+            </a:pPr>
+            <a:r>
+              <a:rPr lang="ja-JP" altLang="en-US" dirty="0"/>
+              <a:t>よって、より高精度なモデルを作るためには</a:t>
+            </a:r>
+            <a:r>
+              <a:rPr lang="ja-JP" altLang="en-US" sz="1100" dirty="0">
+                <a:latin typeface="+mn-ea"/>
+                <a:ea typeface="+mn-ea"/>
+              </a:rPr>
+              <a:t>文章全体の適切な分散表現を得るためのプーリング戦略が重要となります。</a:t>
+            </a:r>
+            <a:endParaRPr lang="en-US" altLang="ja-JP" sz="1100" dirty="0">
+              <a:latin typeface="+mn-ea"/>
+              <a:ea typeface="+mn-ea"/>
+            </a:endParaRPr>
+          </a:p>
+          <a:p>
+            <a:pPr marL="0" marR="0" lvl="0" indent="0" algn="l" defTabSz="914400" rtl="0" eaLnBrk="1" fontAlgn="auto" latinLnBrk="0" hangingPunct="1">
+              <a:lnSpc>
+                <a:spcPct val="100000"/>
+              </a:lnSpc>
+              <a:spcBef>
+                <a:spcPts val="0"/>
+              </a:spcBef>
+              <a:spcAft>
+                <a:spcPts val="0"/>
+              </a:spcAft>
+              <a:buClr>
+                <a:srgbClr val="000000"/>
+              </a:buClr>
+              <a:buSzPts val="1100"/>
+              <a:buFont typeface="Arial"/>
+              <a:buNone/>
+              <a:tabLst/>
+              <a:defRPr/>
+            </a:pPr>
+            <a:endParaRPr lang="en-US" altLang="ja-JP" sz="1100" dirty="0">
+              <a:latin typeface="+mn-ea"/>
+              <a:ea typeface="+mn-ea"/>
+            </a:endParaRPr>
+          </a:p>
+          <a:p>
+            <a:pPr marL="0" marR="0" lvl="0" indent="0" algn="l" defTabSz="914400" rtl="0" eaLnBrk="1" fontAlgn="auto" latinLnBrk="0" hangingPunct="1">
+              <a:lnSpc>
+                <a:spcPct val="100000"/>
+              </a:lnSpc>
+              <a:spcBef>
+                <a:spcPts val="0"/>
+              </a:spcBef>
+              <a:spcAft>
+                <a:spcPts val="0"/>
+              </a:spcAft>
+              <a:buClr>
+                <a:srgbClr val="000000"/>
+              </a:buClr>
+              <a:buSzPts val="1100"/>
+              <a:buFont typeface="Arial"/>
+              <a:buNone/>
+              <a:tabLst/>
+              <a:defRPr/>
+            </a:pPr>
+            <a:r>
+              <a:rPr lang="ja-JP" altLang="en-US" sz="1100" dirty="0">
+                <a:latin typeface="+mn-ea"/>
+                <a:ea typeface="+mn-ea"/>
+              </a:rPr>
+              <a:t>一般に</a:t>
+            </a:r>
+            <a:r>
+              <a:rPr lang="en-US" altLang="ja-JP" sz="1100" dirty="0">
+                <a:latin typeface="+mn-ea"/>
+                <a:ea typeface="+mn-ea"/>
+              </a:rPr>
+              <a:t>BERT</a:t>
+            </a:r>
+            <a:r>
+              <a:rPr lang="ja-JP" altLang="en-US" sz="1100" dirty="0">
+                <a:latin typeface="+mn-ea"/>
+                <a:ea typeface="+mn-ea"/>
+              </a:rPr>
+              <a:t>を用いたテキスト分類タスクなどでは、図のような 文頭を表す</a:t>
+            </a:r>
+            <a:r>
+              <a:rPr lang="en-US" altLang="ja-JP" sz="1100" dirty="0">
+                <a:latin typeface="+mn-ea"/>
+                <a:ea typeface="+mn-ea"/>
+              </a:rPr>
+              <a:t>CLS</a:t>
+            </a:r>
+            <a:r>
+              <a:rPr lang="ja-JP" altLang="en-US" sz="1100" dirty="0">
+                <a:latin typeface="+mn-ea"/>
+                <a:ea typeface="+mn-ea"/>
+              </a:rPr>
+              <a:t>トークンに対応するベクトル</a:t>
+            </a:r>
+            <a:r>
+              <a:rPr lang="en-US" altLang="ja-JP" sz="1100" dirty="0">
+                <a:latin typeface="+mn-ea"/>
+                <a:ea typeface="+mn-ea"/>
+              </a:rPr>
+              <a:t>E_{CLS}</a:t>
+            </a:r>
+            <a:r>
+              <a:rPr lang="ja-JP" altLang="en-US" sz="1100" dirty="0">
+                <a:latin typeface="+mn-ea"/>
+                <a:ea typeface="+mn-ea"/>
+              </a:rPr>
+              <a:t>を文の分散表現としてそのまま用いたり</a:t>
+            </a:r>
+            <a:endParaRPr lang="en-US" altLang="ja-JP" sz="1100" dirty="0">
+              <a:latin typeface="+mn-ea"/>
+              <a:ea typeface="+mn-ea"/>
+            </a:endParaRPr>
+          </a:p>
+          <a:p>
+            <a:pPr marL="0" marR="0" lvl="0" indent="0" algn="l" defTabSz="914400" rtl="0" eaLnBrk="1" fontAlgn="auto" latinLnBrk="0" hangingPunct="1">
+              <a:lnSpc>
+                <a:spcPct val="100000"/>
+              </a:lnSpc>
+              <a:spcBef>
+                <a:spcPts val="0"/>
+              </a:spcBef>
+              <a:spcAft>
+                <a:spcPts val="0"/>
+              </a:spcAft>
+              <a:buClr>
+                <a:srgbClr val="000000"/>
+              </a:buClr>
+              <a:buSzPts val="1100"/>
+              <a:buFont typeface="Arial"/>
+              <a:buNone/>
+              <a:tabLst/>
+              <a:defRPr/>
+            </a:pPr>
+            <a:r>
+              <a:rPr lang="ja-JP" altLang="en-US" sz="1100" dirty="0">
+                <a:latin typeface="+mn-ea"/>
+                <a:ea typeface="+mn-ea"/>
+              </a:rPr>
+              <a:t>各トークンに対応するベクトル集合の平均 </a:t>
+            </a:r>
+            <a:r>
+              <a:rPr lang="en-US" altLang="ja-JP" sz="1100" dirty="0">
+                <a:latin typeface="+mn-ea"/>
+                <a:ea typeface="+mn-ea"/>
+              </a:rPr>
+              <a:t>E_{Avg} </a:t>
+            </a:r>
+            <a:r>
+              <a:rPr lang="ja-JP" altLang="en-US" sz="1100" dirty="0">
+                <a:latin typeface="+mn-ea"/>
+                <a:ea typeface="+mn-ea"/>
+              </a:rPr>
+              <a:t>を文の分散表現として用いることが多いですが</a:t>
+            </a:r>
+            <a:endParaRPr lang="en-US" altLang="ja-JP" sz="1100" dirty="0">
+              <a:latin typeface="+mn-ea"/>
+              <a:ea typeface="+mn-ea"/>
+            </a:endParaRPr>
+          </a:p>
+          <a:p>
+            <a:pPr marL="0" marR="0" lvl="0" indent="0" algn="l" defTabSz="914400" rtl="0" eaLnBrk="1" fontAlgn="auto" latinLnBrk="0" hangingPunct="1">
+              <a:lnSpc>
+                <a:spcPct val="100000"/>
+              </a:lnSpc>
+              <a:spcBef>
+                <a:spcPts val="0"/>
+              </a:spcBef>
+              <a:spcAft>
+                <a:spcPts val="0"/>
+              </a:spcAft>
+              <a:buClr>
+                <a:srgbClr val="000000"/>
+              </a:buClr>
+              <a:buSzPts val="1100"/>
+              <a:buFont typeface="Arial"/>
+              <a:buNone/>
+              <a:tabLst/>
+              <a:defRPr/>
+            </a:pPr>
+            <a:r>
+              <a:rPr lang="ja-JP" altLang="en-US" sz="1100" dirty="0">
+                <a:latin typeface="+mn-ea"/>
+                <a:ea typeface="+mn-ea"/>
+              </a:rPr>
+              <a:t>これらの手法はコンピュータヴィジョンの領域で提案されたものをなぞらえたものであり</a:t>
+            </a:r>
+            <a:r>
+              <a:rPr lang="en-US" altLang="ja-JP" sz="1100" dirty="0">
+                <a:latin typeface="+mn-ea"/>
+                <a:ea typeface="+mn-ea"/>
+              </a:rPr>
+              <a:t>, </a:t>
+            </a:r>
+          </a:p>
+          <a:p>
+            <a:pPr marL="0" marR="0" lvl="0" indent="0" algn="l" defTabSz="914400" rtl="0" eaLnBrk="1" fontAlgn="auto" latinLnBrk="0" hangingPunct="1">
+              <a:lnSpc>
+                <a:spcPct val="100000"/>
+              </a:lnSpc>
+              <a:spcBef>
+                <a:spcPts val="0"/>
+              </a:spcBef>
+              <a:spcAft>
+                <a:spcPts val="0"/>
+              </a:spcAft>
+              <a:buClr>
+                <a:srgbClr val="000000"/>
+              </a:buClr>
+              <a:buSzPts val="1100"/>
+              <a:buFont typeface="Arial"/>
+              <a:buNone/>
+              <a:tabLst/>
+              <a:defRPr/>
+            </a:pPr>
+            <a:r>
+              <a:rPr lang="ja-JP" altLang="en-US" sz="1100" dirty="0">
+                <a:latin typeface="+mn-ea"/>
+                <a:ea typeface="+mn-ea"/>
+              </a:rPr>
+              <a:t>自然言語処理分野におけるプーリング手法は数少なく</a:t>
+            </a:r>
+            <a:r>
+              <a:rPr lang="en-US" altLang="ja-JP" sz="1100" dirty="0">
+                <a:latin typeface="+mn-ea"/>
+                <a:ea typeface="+mn-ea"/>
+              </a:rPr>
+              <a:t>, </a:t>
+            </a:r>
+            <a:r>
+              <a:rPr lang="ja-JP" altLang="en-US" sz="1100" dirty="0">
+                <a:latin typeface="+mn-ea"/>
+                <a:ea typeface="+mn-ea"/>
+              </a:rPr>
+              <a:t>その効果に関する理解は不十分である事実があります。</a:t>
+            </a:r>
+            <a:endParaRPr lang="en-US" altLang="ja-JP" sz="1100" dirty="0">
+              <a:latin typeface="+mn-ea"/>
+              <a:ea typeface="+mn-ea"/>
+            </a:endParaRPr>
+          </a:p>
+          <a:p>
+            <a:pPr marL="0" marR="0" lvl="0" indent="0" algn="l" defTabSz="914400" rtl="0" eaLnBrk="1" fontAlgn="auto" latinLnBrk="0" hangingPunct="1">
+              <a:lnSpc>
+                <a:spcPct val="100000"/>
+              </a:lnSpc>
+              <a:spcBef>
+                <a:spcPts val="0"/>
+              </a:spcBef>
+              <a:spcAft>
+                <a:spcPts val="0"/>
+              </a:spcAft>
+              <a:buClr>
+                <a:srgbClr val="000000"/>
+              </a:buClr>
+              <a:buSzPts val="1100"/>
+              <a:buFont typeface="Arial"/>
+              <a:buNone/>
+              <a:tabLst/>
+              <a:defRPr/>
+            </a:pPr>
+            <a:r>
+              <a:rPr lang="ja-JP" altLang="en-US" sz="1100" dirty="0">
+                <a:latin typeface="+mn-ea"/>
+                <a:ea typeface="+mn-ea"/>
+              </a:rPr>
+              <a:t>よって、本研究では対話型の大規模言語モデル</a:t>
+            </a:r>
+            <a:r>
+              <a:rPr lang="en-US" altLang="ja-JP" sz="1100" dirty="0">
+                <a:latin typeface="+mn-ea"/>
+                <a:ea typeface="+mn-ea"/>
+              </a:rPr>
+              <a:t>API</a:t>
+            </a:r>
+            <a:r>
+              <a:rPr lang="ja-JP" altLang="en-US" sz="1100" dirty="0">
+                <a:latin typeface="+mn-ea"/>
+                <a:ea typeface="+mn-ea"/>
+              </a:rPr>
+              <a:t>を用いて生成した要約文を学習に組み込むことでより最適な分散表現を得る手法を提案します。</a:t>
+            </a:r>
+            <a:endParaRPr lang="en-US" altLang="ja-JP" sz="1100" dirty="0">
+              <a:latin typeface="+mn-ea"/>
+              <a:ea typeface="+mn-ea"/>
+            </a:endParaRPr>
+          </a:p>
+          <a:p>
+            <a:pPr marL="0" marR="0" lvl="0" indent="0" algn="l" defTabSz="914400" rtl="0" eaLnBrk="1" fontAlgn="auto" latinLnBrk="0" hangingPunct="1">
+              <a:lnSpc>
+                <a:spcPct val="100000"/>
+              </a:lnSpc>
+              <a:spcBef>
+                <a:spcPts val="0"/>
+              </a:spcBef>
+              <a:spcAft>
+                <a:spcPts val="0"/>
+              </a:spcAft>
+              <a:buClr>
+                <a:srgbClr val="000000"/>
+              </a:buClr>
+              <a:buSzPts val="1100"/>
+              <a:buFont typeface="Arial"/>
+              <a:buNone/>
+              <a:tabLst/>
+              <a:defRPr/>
+            </a:pPr>
+            <a:r>
+              <a:rPr lang="ja-JP" altLang="en-US" sz="1100" dirty="0">
+                <a:latin typeface="+mn-ea"/>
+                <a:ea typeface="+mn-ea"/>
+              </a:rPr>
+              <a:t>ーーーーーーーーーーー</a:t>
+            </a:r>
+            <a:endParaRPr lang="en-US" altLang="ja-JP" sz="1100" dirty="0">
+              <a:latin typeface="+mn-ea"/>
+              <a:ea typeface="+mn-ea"/>
+            </a:endParaRPr>
+          </a:p>
+          <a:p>
+            <a:pPr marL="0" marR="0" lvl="0" indent="0" algn="l" defTabSz="914400" rtl="0" eaLnBrk="1" fontAlgn="auto" latinLnBrk="0" hangingPunct="1">
+              <a:lnSpc>
+                <a:spcPct val="100000"/>
+              </a:lnSpc>
+              <a:spcBef>
+                <a:spcPts val="0"/>
+              </a:spcBef>
+              <a:spcAft>
+                <a:spcPts val="0"/>
+              </a:spcAft>
+              <a:buClr>
+                <a:srgbClr val="000000"/>
+              </a:buClr>
+              <a:buSzPts val="1100"/>
+              <a:buFont typeface="Arial"/>
+              <a:buNone/>
+              <a:tabLst/>
+              <a:defRPr/>
+            </a:pPr>
+            <a:r>
+              <a:rPr lang="ja-JP" altLang="en-US" sz="1100" dirty="0">
+                <a:latin typeface="+mn-ea"/>
+                <a:ea typeface="+mn-ea"/>
+              </a:rPr>
+              <a:t>従来研究として大和らによる</a:t>
+            </a:r>
+            <a:r>
+              <a:rPr lang="en-US" altLang="ja-JP" sz="1100" dirty="0">
+                <a:latin typeface="+mn-ea"/>
+                <a:ea typeface="+mn-ea"/>
+              </a:rPr>
+              <a:t>CLS-Average Pooling </a:t>
+            </a:r>
+            <a:r>
+              <a:rPr lang="ja-JP" altLang="en-US" sz="1100" dirty="0">
+                <a:latin typeface="+mn-ea"/>
+                <a:ea typeface="+mn-ea"/>
+              </a:rPr>
+              <a:t>層、</a:t>
+            </a:r>
+            <a:r>
+              <a:rPr lang="en-US" altLang="ja-JP" sz="1100" dirty="0">
+                <a:latin typeface="+mn-ea"/>
+                <a:ea typeface="+mn-ea"/>
+              </a:rPr>
+              <a:t>CAP</a:t>
+            </a:r>
+            <a:r>
+              <a:rPr lang="ja-JP" altLang="en-US" sz="1100" dirty="0">
+                <a:latin typeface="+mn-ea"/>
+                <a:ea typeface="+mn-ea"/>
+              </a:rPr>
+              <a:t>層の導入が提唱されており、これは</a:t>
+            </a:r>
+            <a:r>
+              <a:rPr lang="en-US" altLang="ja-JP" sz="1100" dirty="0">
+                <a:latin typeface="+mn-ea"/>
+                <a:ea typeface="+mn-ea"/>
+              </a:rPr>
+              <a:t>(</a:t>
+            </a:r>
+            <a:r>
+              <a:rPr lang="ja-JP" altLang="en-US" sz="1100" dirty="0">
+                <a:latin typeface="+mn-ea"/>
+                <a:ea typeface="+mn-ea"/>
+              </a:rPr>
+              <a:t>パーッという</a:t>
+            </a:r>
+            <a:r>
+              <a:rPr lang="en-US" altLang="ja-JP" sz="1100" dirty="0">
+                <a:latin typeface="+mn-ea"/>
+                <a:ea typeface="+mn-ea"/>
+              </a:rPr>
+              <a:t>)</a:t>
+            </a:r>
+          </a:p>
+          <a:p>
+            <a:pPr marL="0" marR="0" lvl="0" indent="0" algn="l" defTabSz="914400" rtl="0" eaLnBrk="1" fontAlgn="auto" latinLnBrk="0" hangingPunct="1">
+              <a:lnSpc>
+                <a:spcPct val="100000"/>
+              </a:lnSpc>
+              <a:spcBef>
+                <a:spcPts val="0"/>
+              </a:spcBef>
+              <a:spcAft>
+                <a:spcPts val="0"/>
+              </a:spcAft>
+              <a:buClr>
+                <a:srgbClr val="000000"/>
+              </a:buClr>
+              <a:buSzPts val="1100"/>
+              <a:buFont typeface="Arial"/>
+              <a:buNone/>
+              <a:tabLst/>
+              <a:defRPr/>
+            </a:pPr>
+            <a:r>
+              <a:rPr lang="ja-JP" altLang="en-US" sz="1100" dirty="0">
+                <a:latin typeface="+mn-ea"/>
+                <a:ea typeface="+mn-ea"/>
+              </a:rPr>
+              <a:t>ーーーーーーーーーーー</a:t>
+            </a:r>
+            <a:endParaRPr lang="en-US" altLang="ja-JP" sz="1100" dirty="0">
+              <a:latin typeface="+mn-ea"/>
+              <a:ea typeface="+mn-ea"/>
+            </a:endParaRPr>
+          </a:p>
+          <a:p>
+            <a:pPr marL="0" marR="0" lvl="0" indent="0" algn="l" defTabSz="914400" rtl="0" eaLnBrk="1" fontAlgn="auto" latinLnBrk="0" hangingPunct="1">
+              <a:lnSpc>
+                <a:spcPct val="100000"/>
+              </a:lnSpc>
+              <a:spcBef>
+                <a:spcPts val="0"/>
+              </a:spcBef>
+              <a:spcAft>
+                <a:spcPts val="0"/>
+              </a:spcAft>
+              <a:buClr>
+                <a:srgbClr val="000000"/>
+              </a:buClr>
+              <a:buSzPts val="1100"/>
+              <a:buFont typeface="Arial"/>
+              <a:buNone/>
+              <a:tabLst/>
+              <a:defRPr/>
+            </a:pPr>
+            <a:r>
+              <a:rPr lang="ja-JP" altLang="en-US" sz="1100" dirty="0">
+                <a:latin typeface="+mn-ea"/>
+                <a:ea typeface="+mn-ea"/>
+              </a:rPr>
+              <a:t>これをもとに、本研究では</a:t>
+            </a:r>
+            <a:r>
+              <a:rPr lang="en-US" altLang="ja-JP" sz="1100" dirty="0">
+                <a:latin typeface="+mn-ea"/>
+                <a:ea typeface="+mn-ea"/>
+              </a:rPr>
+              <a:t>CAP</a:t>
+            </a:r>
+            <a:r>
+              <a:rPr lang="ja-JP" altLang="en-US" sz="1100" dirty="0">
+                <a:latin typeface="+mn-ea"/>
+                <a:ea typeface="+mn-ea"/>
+              </a:rPr>
+              <a:t>層における要約ベクトル項</a:t>
+            </a:r>
+            <a:r>
+              <a:rPr lang="en-US" altLang="ja-JP" sz="1100" dirty="0">
+                <a:latin typeface="+mn-ea"/>
+                <a:ea typeface="+mn-ea"/>
+              </a:rPr>
+              <a:t>E_{sum} </a:t>
+            </a:r>
+            <a:r>
+              <a:rPr lang="ja-JP" altLang="en-US" sz="1100" dirty="0">
+                <a:latin typeface="+mn-ea"/>
+                <a:ea typeface="+mn-ea"/>
+              </a:rPr>
+              <a:t>の追加を行ったプーリング手法について検討します。</a:t>
+            </a:r>
+            <a:endParaRPr lang="en-US" altLang="ja-JP" sz="1100" dirty="0">
+              <a:latin typeface="+mn-ea"/>
+              <a:ea typeface="+mn-ea"/>
+            </a:endParaRPr>
+          </a:p>
+          <a:p>
+            <a:pPr marL="0" marR="0" lvl="0" indent="0" algn="l" defTabSz="914400" rtl="0" eaLnBrk="1" fontAlgn="auto" latinLnBrk="0" hangingPunct="1">
+              <a:lnSpc>
+                <a:spcPct val="100000"/>
+              </a:lnSpc>
+              <a:spcBef>
+                <a:spcPts val="0"/>
+              </a:spcBef>
+              <a:spcAft>
+                <a:spcPts val="0"/>
+              </a:spcAft>
+              <a:buClr>
+                <a:srgbClr val="000000"/>
+              </a:buClr>
+              <a:buSzPts val="1100"/>
+              <a:buFont typeface="Arial"/>
+              <a:buNone/>
+              <a:tabLst/>
+              <a:defRPr/>
+            </a:pPr>
+            <a:r>
+              <a:rPr lang="en-US" altLang="ja-JP" sz="1100" dirty="0">
+                <a:latin typeface="+mn-ea"/>
+                <a:ea typeface="+mn-ea"/>
+              </a:rPr>
+              <a:t>(</a:t>
+            </a:r>
+            <a:r>
+              <a:rPr lang="ja-JP" altLang="en-US" sz="1100" dirty="0">
+                <a:latin typeface="+mn-ea"/>
+                <a:ea typeface="+mn-ea"/>
+              </a:rPr>
+              <a:t>パーッと言って</a:t>
+            </a:r>
+            <a:r>
+              <a:rPr lang="en-US" altLang="ja-JP" sz="1100" dirty="0">
+                <a:latin typeface="+mn-ea"/>
+                <a:ea typeface="+mn-ea"/>
+              </a:rPr>
+              <a:t>) E_{sum} </a:t>
+            </a:r>
+            <a:r>
+              <a:rPr lang="ja-JP" altLang="en-US" sz="1100" dirty="0">
+                <a:latin typeface="+mn-ea"/>
+                <a:ea typeface="+mn-ea"/>
+              </a:rPr>
+              <a:t>の算出については後に説明します。</a:t>
+            </a:r>
+            <a:endParaRPr lang="en-US" altLang="ja-JP" sz="1100" dirty="0">
+              <a:latin typeface="+mn-ea"/>
+              <a:ea typeface="+mn-ea"/>
+            </a:endParaRPr>
+          </a:p>
+          <a:p>
+            <a:pPr marL="0" marR="0" lvl="0" indent="0" algn="l" defTabSz="914400" rtl="0" eaLnBrk="1" fontAlgn="auto" latinLnBrk="0" hangingPunct="1">
+              <a:lnSpc>
+                <a:spcPct val="100000"/>
+              </a:lnSpc>
+              <a:spcBef>
+                <a:spcPts val="0"/>
+              </a:spcBef>
+              <a:spcAft>
+                <a:spcPts val="0"/>
+              </a:spcAft>
+              <a:buClr>
+                <a:srgbClr val="000000"/>
+              </a:buClr>
+              <a:buSzPts val="1100"/>
+              <a:buFont typeface="Arial"/>
+              <a:buNone/>
+              <a:tabLst/>
+              <a:defRPr/>
+            </a:pPr>
+            <a:r>
+              <a:rPr lang="en-US" altLang="ja-JP" sz="1100" dirty="0">
+                <a:latin typeface="+mn-ea"/>
+                <a:ea typeface="+mn-ea"/>
+              </a:rPr>
+              <a:t>--------------------</a:t>
+            </a:r>
+          </a:p>
+          <a:p>
+            <a:pPr marL="0" marR="0" lvl="0" indent="0" algn="l" defTabSz="914400" rtl="0" eaLnBrk="1" fontAlgn="auto" latinLnBrk="0" hangingPunct="1">
+              <a:lnSpc>
+                <a:spcPct val="100000"/>
+              </a:lnSpc>
+              <a:spcBef>
+                <a:spcPts val="0"/>
+              </a:spcBef>
+              <a:spcAft>
+                <a:spcPts val="0"/>
+              </a:spcAft>
+              <a:buClr>
+                <a:srgbClr val="000000"/>
+              </a:buClr>
+              <a:buSzPts val="1100"/>
+              <a:buFont typeface="Arial"/>
+              <a:buNone/>
+              <a:tabLst/>
+              <a:defRPr/>
+            </a:pPr>
+            <a:endParaRPr lang="en-US" altLang="ja-JP" sz="1100" dirty="0">
+              <a:latin typeface="+mn-ea"/>
+              <a:ea typeface="+mn-ea"/>
+            </a:endParaRPr>
+          </a:p>
+          <a:p>
+            <a:pPr marL="0" marR="0" lvl="0" indent="0" algn="l" defTabSz="914400" rtl="0" eaLnBrk="1" fontAlgn="auto" latinLnBrk="0" hangingPunct="1">
+              <a:lnSpc>
+                <a:spcPct val="100000"/>
+              </a:lnSpc>
+              <a:spcBef>
+                <a:spcPts val="0"/>
+              </a:spcBef>
+              <a:spcAft>
+                <a:spcPts val="0"/>
+              </a:spcAft>
+              <a:buClr>
+                <a:srgbClr val="000000"/>
+              </a:buClr>
+              <a:buSzPts val="1100"/>
+              <a:buFont typeface="Arial"/>
+              <a:buNone/>
+              <a:tabLst/>
+              <a:defRPr/>
+            </a:pPr>
+            <a:r>
+              <a:rPr lang="ja-JP" altLang="en-US" sz="1100" dirty="0">
+                <a:latin typeface="+mn-ea"/>
+                <a:ea typeface="+mn-ea"/>
+              </a:rPr>
+              <a:t>本研究では</a:t>
+            </a:r>
+            <a:r>
+              <a:rPr lang="en-US" altLang="ja-JP" sz="1100" dirty="0">
+                <a:latin typeface="+mn-ea"/>
+                <a:ea typeface="+mn-ea"/>
+              </a:rPr>
+              <a:t>livedoor </a:t>
+            </a:r>
+            <a:r>
+              <a:rPr lang="ja-JP" altLang="en-US" sz="1100" dirty="0">
+                <a:latin typeface="+mn-ea"/>
+                <a:ea typeface="+mn-ea"/>
+              </a:rPr>
+              <a:t>ニュースコーパスデータセットを用いたテキスト分類を行います。</a:t>
+            </a:r>
+            <a:endParaRPr lang="en-US" altLang="ja-JP" sz="1100" dirty="0">
+              <a:latin typeface="+mn-ea"/>
+              <a:ea typeface="+mn-ea"/>
+            </a:endParaRPr>
+          </a:p>
+          <a:p>
+            <a:pPr marL="0" marR="0" lvl="0" indent="0" algn="l" defTabSz="914400" rtl="0" eaLnBrk="1" fontAlgn="auto" latinLnBrk="0" hangingPunct="1">
+              <a:lnSpc>
+                <a:spcPct val="100000"/>
+              </a:lnSpc>
+              <a:spcBef>
+                <a:spcPts val="0"/>
+              </a:spcBef>
+              <a:spcAft>
+                <a:spcPts val="0"/>
+              </a:spcAft>
+              <a:buClr>
+                <a:srgbClr val="000000"/>
+              </a:buClr>
+              <a:buSzPts val="1100"/>
+              <a:buFont typeface="Arial"/>
+              <a:buNone/>
+              <a:tabLst/>
+              <a:defRPr/>
+            </a:pPr>
+            <a:r>
+              <a:rPr lang="ja-JP" altLang="en-US" sz="1100" dirty="0">
+                <a:latin typeface="+mn-ea"/>
+                <a:ea typeface="+mn-ea"/>
+              </a:rPr>
+              <a:t>（パーッという）</a:t>
+            </a:r>
+            <a:endParaRPr lang="en-US" altLang="ja-JP" sz="1100" dirty="0">
+              <a:latin typeface="+mn-ea"/>
+              <a:ea typeface="+mn-ea"/>
+            </a:endParaRPr>
+          </a:p>
+          <a:p>
+            <a:pPr marL="0" marR="0" lvl="0" indent="0" algn="l" defTabSz="914400" rtl="0" eaLnBrk="1" fontAlgn="auto" latinLnBrk="0" hangingPunct="1">
+              <a:lnSpc>
+                <a:spcPct val="100000"/>
+              </a:lnSpc>
+              <a:spcBef>
+                <a:spcPts val="0"/>
+              </a:spcBef>
+              <a:spcAft>
+                <a:spcPts val="0"/>
+              </a:spcAft>
+              <a:buClr>
+                <a:srgbClr val="000000"/>
+              </a:buClr>
+              <a:buSzPts val="1100"/>
+              <a:buFont typeface="Arial"/>
+              <a:buNone/>
+              <a:tabLst/>
+              <a:defRPr/>
+            </a:pPr>
+            <a:endParaRPr lang="en-US" altLang="ja-JP" sz="1100" dirty="0">
+              <a:latin typeface="+mn-ea"/>
+              <a:ea typeface="+mn-ea"/>
+            </a:endParaRPr>
+          </a:p>
+          <a:p>
+            <a:pPr marL="0" marR="0" lvl="0" indent="0" algn="l" defTabSz="914400" rtl="0" eaLnBrk="1" fontAlgn="auto" latinLnBrk="0" hangingPunct="1">
+              <a:lnSpc>
+                <a:spcPct val="100000"/>
+              </a:lnSpc>
+              <a:spcBef>
+                <a:spcPts val="0"/>
+              </a:spcBef>
+              <a:spcAft>
+                <a:spcPts val="0"/>
+              </a:spcAft>
+              <a:buClr>
+                <a:srgbClr val="000000"/>
+              </a:buClr>
+              <a:buSzPts val="1100"/>
+              <a:buFont typeface="Arial"/>
+              <a:buNone/>
+              <a:tabLst/>
+              <a:defRPr/>
+            </a:pPr>
+            <a:r>
+              <a:rPr lang="ja-JP" altLang="en-US" sz="1100" dirty="0">
+                <a:latin typeface="+mn-ea"/>
+                <a:ea typeface="+mn-ea"/>
+              </a:rPr>
+              <a:t>事前準備として、まずデータセットに含まれるタイトルや本文の情報から記事本文の要約文を生成します。</a:t>
+            </a:r>
+            <a:endParaRPr lang="en-US" altLang="ja-JP" sz="1100" dirty="0">
+              <a:latin typeface="+mn-ea"/>
+              <a:ea typeface="+mn-ea"/>
+            </a:endParaRPr>
+          </a:p>
+          <a:p>
+            <a:pPr marL="0" marR="0" lvl="0" indent="0" algn="l" defTabSz="914400" rtl="0" eaLnBrk="1" fontAlgn="auto" latinLnBrk="0" hangingPunct="1">
+              <a:lnSpc>
+                <a:spcPct val="100000"/>
+              </a:lnSpc>
+              <a:spcBef>
+                <a:spcPts val="0"/>
+              </a:spcBef>
+              <a:spcAft>
+                <a:spcPts val="0"/>
+              </a:spcAft>
+              <a:buClr>
+                <a:srgbClr val="000000"/>
+              </a:buClr>
+              <a:buSzPts val="1100"/>
+              <a:buFont typeface="Arial"/>
+              <a:buNone/>
+              <a:tabLst/>
+              <a:defRPr/>
+            </a:pPr>
+            <a:r>
+              <a:rPr lang="ja-JP" altLang="en-US" sz="1100" dirty="0">
+                <a:latin typeface="+mn-ea"/>
+                <a:ea typeface="+mn-ea"/>
+              </a:rPr>
+              <a:t>生成方法は以下のようなプロンプトを作成し、大規模言語モデル</a:t>
+            </a:r>
+            <a:r>
+              <a:rPr lang="en-US" altLang="ja-JP" sz="1100" dirty="0">
+                <a:latin typeface="+mn-ea"/>
+                <a:ea typeface="+mn-ea"/>
+              </a:rPr>
+              <a:t>API</a:t>
+            </a:r>
+            <a:r>
+              <a:rPr lang="ja-JP" altLang="en-US" sz="1100" dirty="0">
+                <a:latin typeface="+mn-ea"/>
+                <a:ea typeface="+mn-ea"/>
+              </a:rPr>
+              <a:t>からの回答を要約文とします。</a:t>
+            </a:r>
+            <a:endParaRPr lang="en-US" altLang="ja-JP" sz="1100" dirty="0">
+              <a:latin typeface="+mn-ea"/>
+              <a:ea typeface="+mn-ea"/>
+            </a:endParaRPr>
+          </a:p>
+          <a:p>
+            <a:pPr marL="0" marR="0" lvl="0" indent="0" algn="l" defTabSz="914400" rtl="0" eaLnBrk="1" fontAlgn="auto" latinLnBrk="0" hangingPunct="1">
+              <a:lnSpc>
+                <a:spcPct val="100000"/>
+              </a:lnSpc>
+              <a:spcBef>
+                <a:spcPts val="0"/>
+              </a:spcBef>
+              <a:spcAft>
+                <a:spcPts val="0"/>
+              </a:spcAft>
+              <a:buClr>
+                <a:srgbClr val="000000"/>
+              </a:buClr>
+              <a:buSzPts val="1100"/>
+              <a:buFont typeface="Arial"/>
+              <a:buNone/>
+              <a:tabLst/>
+              <a:defRPr/>
+            </a:pPr>
+            <a:r>
+              <a:rPr lang="ja-JP" altLang="en-US" sz="1100" dirty="0">
+                <a:latin typeface="+mn-ea"/>
+                <a:ea typeface="+mn-ea"/>
+              </a:rPr>
+              <a:t>本研究では大規模言語モデル</a:t>
+            </a:r>
+            <a:r>
+              <a:rPr lang="en-US" altLang="ja-JP" sz="1100" dirty="0">
+                <a:latin typeface="+mn-ea"/>
+                <a:ea typeface="+mn-ea"/>
+              </a:rPr>
+              <a:t>API</a:t>
+            </a:r>
+            <a:r>
+              <a:rPr lang="ja-JP" altLang="en-US" sz="1100" dirty="0">
+                <a:latin typeface="+mn-ea"/>
+                <a:ea typeface="+mn-ea"/>
+              </a:rPr>
+              <a:t>として</a:t>
+            </a:r>
+            <a:r>
+              <a:rPr lang="en-US" altLang="ja-JP" sz="1100" dirty="0">
+                <a:latin typeface="+mn-ea"/>
+                <a:ea typeface="+mn-ea"/>
+              </a:rPr>
+              <a:t>Preferred </a:t>
+            </a:r>
+            <a:r>
+              <a:rPr lang="en-US" altLang="ja-JP" sz="1100" dirty="0" err="1">
+                <a:latin typeface="+mn-ea"/>
+                <a:ea typeface="+mn-ea"/>
+              </a:rPr>
+              <a:t>NetWorks</a:t>
+            </a:r>
+            <a:r>
+              <a:rPr lang="ja-JP" altLang="en-US" sz="1100" dirty="0">
+                <a:latin typeface="+mn-ea"/>
+                <a:ea typeface="+mn-ea"/>
+              </a:rPr>
+              <a:t>が提供している</a:t>
+            </a:r>
+            <a:r>
+              <a:rPr lang="en-US" altLang="ja-JP" sz="1100" dirty="0">
+                <a:latin typeface="+mn-ea"/>
+                <a:ea typeface="+mn-ea"/>
+              </a:rPr>
+              <a:t>PLaMo </a:t>
+            </a:r>
+            <a:r>
+              <a:rPr lang="ja-JP" altLang="en-US" sz="1100" dirty="0">
+                <a:latin typeface="+mn-ea"/>
+                <a:ea typeface="+mn-ea"/>
+              </a:rPr>
+              <a:t>を使用しました。</a:t>
+            </a:r>
+            <a:endParaRPr lang="en-US" altLang="ja-JP" sz="1100" dirty="0">
+              <a:latin typeface="+mn-ea"/>
+              <a:ea typeface="+mn-ea"/>
+            </a:endParaRPr>
+          </a:p>
+          <a:p>
+            <a:pPr marL="0" marR="0" lvl="0" indent="0" algn="l" defTabSz="914400" rtl="0" eaLnBrk="1" fontAlgn="auto" latinLnBrk="0" hangingPunct="1">
+              <a:lnSpc>
+                <a:spcPct val="100000"/>
+              </a:lnSpc>
+              <a:spcBef>
+                <a:spcPts val="0"/>
+              </a:spcBef>
+              <a:spcAft>
+                <a:spcPts val="0"/>
+              </a:spcAft>
+              <a:buClr>
+                <a:srgbClr val="000000"/>
+              </a:buClr>
+              <a:buSzPts val="1100"/>
+              <a:buFont typeface="Arial"/>
+              <a:buNone/>
+              <a:tabLst/>
+              <a:defRPr/>
+            </a:pPr>
+            <a:endParaRPr lang="en-US" altLang="ja-JP" sz="1100" dirty="0">
+              <a:latin typeface="+mn-ea"/>
+              <a:ea typeface="+mn-ea"/>
+            </a:endParaRPr>
+          </a:p>
+          <a:p>
+            <a:pPr marL="0" marR="0" lvl="0" indent="0" algn="l" defTabSz="914400" rtl="0" eaLnBrk="1" fontAlgn="auto" latinLnBrk="0" hangingPunct="1">
+              <a:lnSpc>
+                <a:spcPct val="100000"/>
+              </a:lnSpc>
+              <a:spcBef>
+                <a:spcPts val="0"/>
+              </a:spcBef>
+              <a:spcAft>
+                <a:spcPts val="0"/>
+              </a:spcAft>
+              <a:buClr>
+                <a:srgbClr val="000000"/>
+              </a:buClr>
+              <a:buSzPts val="1100"/>
+              <a:buFont typeface="Arial"/>
+              <a:buNone/>
+              <a:tabLst/>
+              <a:defRPr/>
+            </a:pPr>
+            <a:r>
+              <a:rPr lang="ja-JP" altLang="en-US" sz="1100" dirty="0">
+                <a:latin typeface="+mn-ea"/>
+                <a:ea typeface="+mn-ea"/>
+              </a:rPr>
+              <a:t>そして各カテゴリの記事を訓練、検証、テストデータに</a:t>
+            </a:r>
+            <a:r>
+              <a:rPr lang="en-US" altLang="ja-JP" sz="1100" dirty="0">
+                <a:latin typeface="+mn-ea"/>
+                <a:ea typeface="+mn-ea"/>
+              </a:rPr>
+              <a:t>8:1:1</a:t>
+            </a:r>
+            <a:r>
+              <a:rPr lang="ja-JP" altLang="en-US" sz="1100" dirty="0">
+                <a:latin typeface="+mn-ea"/>
+                <a:ea typeface="+mn-ea"/>
+              </a:rPr>
+              <a:t>になるように分割します。</a:t>
+            </a:r>
+            <a:endParaRPr lang="en-US" altLang="ja-JP" sz="1100" dirty="0">
+              <a:latin typeface="+mn-ea"/>
+              <a:ea typeface="+mn-ea"/>
+            </a:endParaRPr>
+          </a:p>
+          <a:p>
+            <a:pPr marL="0" marR="0" lvl="0" indent="0" algn="l" defTabSz="914400" rtl="0" eaLnBrk="1" fontAlgn="auto" latinLnBrk="0" hangingPunct="1">
+              <a:lnSpc>
+                <a:spcPct val="100000"/>
+              </a:lnSpc>
+              <a:spcBef>
+                <a:spcPts val="0"/>
+              </a:spcBef>
+              <a:spcAft>
+                <a:spcPts val="0"/>
+              </a:spcAft>
+              <a:buClr>
+                <a:srgbClr val="000000"/>
+              </a:buClr>
+              <a:buSzPts val="1100"/>
+              <a:buFont typeface="Arial"/>
+              <a:buNone/>
+              <a:tabLst/>
+              <a:defRPr/>
+            </a:pPr>
+            <a:r>
+              <a:rPr lang="ja-JP" altLang="en-US" sz="1100" dirty="0">
+                <a:latin typeface="+mn-ea"/>
+                <a:ea typeface="+mn-ea"/>
+              </a:rPr>
+              <a:t>データセットに関するメタ情報はこちらをご覧ください。</a:t>
+            </a:r>
+            <a:endParaRPr lang="en-US" altLang="ja-JP" sz="1100" dirty="0">
+              <a:latin typeface="+mn-ea"/>
+              <a:ea typeface="+mn-ea"/>
+            </a:endParaRPr>
+          </a:p>
+          <a:p>
+            <a:pPr marL="0" marR="0" lvl="0" indent="0" algn="l" defTabSz="914400" rtl="0" eaLnBrk="1" fontAlgn="auto" latinLnBrk="0" hangingPunct="1">
+              <a:lnSpc>
+                <a:spcPct val="100000"/>
+              </a:lnSpc>
+              <a:spcBef>
+                <a:spcPts val="0"/>
+              </a:spcBef>
+              <a:spcAft>
+                <a:spcPts val="0"/>
+              </a:spcAft>
+              <a:buClr>
+                <a:srgbClr val="000000"/>
+              </a:buClr>
+              <a:buSzPts val="1100"/>
+              <a:buFont typeface="Arial"/>
+              <a:buNone/>
+              <a:tabLst/>
+              <a:defRPr/>
+            </a:pPr>
+            <a:r>
+              <a:rPr lang="ja-JP" altLang="en-US" sz="1100" dirty="0">
+                <a:latin typeface="+mn-ea"/>
+                <a:ea typeface="+mn-ea"/>
+              </a:rPr>
+              <a:t>ーーーーーーーーーーー</a:t>
+            </a:r>
+            <a:endParaRPr lang="en-US" altLang="ja-JP" sz="1100" dirty="0">
+              <a:latin typeface="+mn-ea"/>
+              <a:ea typeface="+mn-ea"/>
+            </a:endParaRPr>
+          </a:p>
+          <a:p>
+            <a:pPr marL="0" marR="0" lvl="0" indent="0" algn="l" defTabSz="914400" rtl="0" eaLnBrk="1" fontAlgn="auto" latinLnBrk="0" hangingPunct="1">
+              <a:lnSpc>
+                <a:spcPct val="100000"/>
+              </a:lnSpc>
+              <a:spcBef>
+                <a:spcPts val="0"/>
+              </a:spcBef>
+              <a:spcAft>
+                <a:spcPts val="0"/>
+              </a:spcAft>
+              <a:buClr>
+                <a:srgbClr val="000000"/>
+              </a:buClr>
+              <a:buSzPts val="1100"/>
+              <a:buFont typeface="Arial"/>
+              <a:buNone/>
+              <a:tabLst/>
+              <a:defRPr/>
+            </a:pPr>
+            <a:r>
+              <a:rPr lang="ja-JP" altLang="en-US" sz="1100" dirty="0">
+                <a:latin typeface="+mn-ea"/>
+                <a:ea typeface="+mn-ea"/>
+              </a:rPr>
+              <a:t>提案手法の有効性を示すため、図のようなモデルでテキスト分類タスクを解きます。</a:t>
+            </a:r>
+            <a:endParaRPr lang="en-US" altLang="ja-JP" sz="1100" dirty="0">
+              <a:latin typeface="+mn-ea"/>
+              <a:ea typeface="+mn-ea"/>
+            </a:endParaRPr>
+          </a:p>
+          <a:p>
+            <a:pPr marL="0" marR="0" lvl="0" indent="0" algn="l" defTabSz="914400" rtl="0" eaLnBrk="1" fontAlgn="auto" latinLnBrk="0" hangingPunct="1">
+              <a:lnSpc>
+                <a:spcPct val="100000"/>
+              </a:lnSpc>
+              <a:spcBef>
+                <a:spcPts val="0"/>
+              </a:spcBef>
+              <a:spcAft>
+                <a:spcPts val="0"/>
+              </a:spcAft>
+              <a:buClr>
+                <a:srgbClr val="000000"/>
+              </a:buClr>
+              <a:buSzPts val="1100"/>
+              <a:buFont typeface="Arial"/>
+              <a:buNone/>
+              <a:tabLst/>
+              <a:defRPr/>
+            </a:pPr>
+            <a:endParaRPr lang="en-US" altLang="ja-JP" sz="1100" dirty="0">
+              <a:latin typeface="+mn-ea"/>
+              <a:ea typeface="+mn-ea"/>
+            </a:endParaRPr>
+          </a:p>
+          <a:p>
+            <a:pPr marL="0" marR="0" lvl="0" indent="0" algn="l" defTabSz="914400" rtl="0" eaLnBrk="1" fontAlgn="auto" latinLnBrk="0" hangingPunct="1">
+              <a:lnSpc>
+                <a:spcPct val="100000"/>
+              </a:lnSpc>
+              <a:spcBef>
+                <a:spcPts val="0"/>
+              </a:spcBef>
+              <a:spcAft>
+                <a:spcPts val="0"/>
+              </a:spcAft>
+              <a:buClr>
+                <a:srgbClr val="000000"/>
+              </a:buClr>
+              <a:buSzPts val="1100"/>
+              <a:buFont typeface="Arial"/>
+              <a:buNone/>
+              <a:tabLst/>
+              <a:defRPr/>
+            </a:pPr>
+            <a:r>
+              <a:rPr lang="ja-JP" altLang="en-US" sz="1100" dirty="0">
+                <a:latin typeface="+mn-ea"/>
+                <a:ea typeface="+mn-ea"/>
+              </a:rPr>
+              <a:t>元データを処理する</a:t>
+            </a:r>
+            <a:r>
+              <a:rPr lang="en-US" altLang="ja-JP" sz="1100" dirty="0">
+                <a:latin typeface="+mn-ea"/>
+                <a:ea typeface="+mn-ea"/>
+              </a:rPr>
+              <a:t>BERT 1 </a:t>
+            </a:r>
+            <a:r>
+              <a:rPr lang="ja-JP" altLang="en-US" sz="1100" dirty="0">
+                <a:latin typeface="+mn-ea"/>
+                <a:ea typeface="+mn-ea"/>
+              </a:rPr>
+              <a:t>と 要約文を処理する</a:t>
+            </a:r>
+            <a:r>
+              <a:rPr lang="en-US" altLang="ja-JP" sz="1100" dirty="0">
+                <a:latin typeface="+mn-ea"/>
+                <a:ea typeface="+mn-ea"/>
+              </a:rPr>
+              <a:t>BERT 2 </a:t>
+            </a:r>
+            <a:r>
+              <a:rPr lang="ja-JP" altLang="en-US" sz="1100" dirty="0">
+                <a:latin typeface="+mn-ea"/>
+                <a:ea typeface="+mn-ea"/>
+              </a:rPr>
+              <a:t>の独立した訓練済日本語</a:t>
+            </a:r>
+            <a:r>
+              <a:rPr lang="en-US" altLang="ja-JP" sz="1100" dirty="0">
+                <a:latin typeface="+mn-ea"/>
+                <a:ea typeface="+mn-ea"/>
+              </a:rPr>
+              <a:t>BERT</a:t>
+            </a:r>
+            <a:r>
+              <a:rPr lang="ja-JP" altLang="en-US" sz="1100" dirty="0">
+                <a:latin typeface="+mn-ea"/>
+                <a:ea typeface="+mn-ea"/>
+              </a:rPr>
+              <a:t>モデルを用意し</a:t>
+            </a:r>
+            <a:endParaRPr lang="en-US" altLang="ja-JP" sz="1100" dirty="0">
+              <a:latin typeface="+mn-ea"/>
+              <a:ea typeface="+mn-ea"/>
+            </a:endParaRPr>
+          </a:p>
+          <a:p>
+            <a:pPr marL="0" marR="0" lvl="0" indent="0" algn="l" defTabSz="914400" rtl="0" eaLnBrk="1" fontAlgn="auto" latinLnBrk="0" hangingPunct="1">
+              <a:lnSpc>
+                <a:spcPct val="100000"/>
+              </a:lnSpc>
+              <a:spcBef>
+                <a:spcPts val="0"/>
+              </a:spcBef>
+              <a:spcAft>
+                <a:spcPts val="0"/>
+              </a:spcAft>
+              <a:buClr>
+                <a:srgbClr val="000000"/>
+              </a:buClr>
+              <a:buSzPts val="1100"/>
+              <a:buFont typeface="Arial"/>
+              <a:buNone/>
+              <a:tabLst/>
+              <a:defRPr/>
+            </a:pPr>
+            <a:r>
+              <a:rPr lang="ja-JP" altLang="en-US" sz="1100" dirty="0">
+                <a:latin typeface="+mn-ea"/>
+                <a:ea typeface="+mn-ea"/>
+              </a:rPr>
+              <a:t>図のように入力形式を整えたものを </a:t>
+            </a:r>
+            <a:r>
+              <a:rPr lang="en-US" altLang="ja-JP" sz="1100" dirty="0">
+                <a:latin typeface="+mn-ea"/>
+                <a:ea typeface="+mn-ea"/>
+              </a:rPr>
+              <a:t>BERT </a:t>
+            </a:r>
+            <a:r>
+              <a:rPr lang="ja-JP" altLang="en-US" sz="1100" dirty="0">
+                <a:latin typeface="+mn-ea"/>
+                <a:ea typeface="+mn-ea"/>
+              </a:rPr>
+              <a:t>への入力とし、分散表現を得ます。</a:t>
+            </a:r>
+            <a:endParaRPr lang="en-US" altLang="ja-JP" sz="1100" dirty="0">
+              <a:latin typeface="+mn-ea"/>
+              <a:ea typeface="+mn-ea"/>
+            </a:endParaRPr>
+          </a:p>
+          <a:p>
+            <a:pPr marL="0" marR="0" lvl="0" indent="0" algn="l" defTabSz="914400" rtl="0" eaLnBrk="1" fontAlgn="auto" latinLnBrk="0" hangingPunct="1">
+              <a:lnSpc>
+                <a:spcPct val="100000"/>
+              </a:lnSpc>
+              <a:spcBef>
+                <a:spcPts val="0"/>
+              </a:spcBef>
+              <a:spcAft>
+                <a:spcPts val="0"/>
+              </a:spcAft>
+              <a:buClr>
+                <a:srgbClr val="000000"/>
+              </a:buClr>
+              <a:buSzPts val="1100"/>
+              <a:buFont typeface="Arial"/>
+              <a:buNone/>
+              <a:tabLst/>
+              <a:defRPr/>
+            </a:pPr>
+            <a:r>
+              <a:rPr lang="en-US" altLang="ja-JP" sz="1100" dirty="0">
+                <a:latin typeface="+mn-ea"/>
+                <a:ea typeface="+mn-ea"/>
+              </a:rPr>
+              <a:t>BERT 1 </a:t>
+            </a:r>
+            <a:r>
+              <a:rPr lang="ja-JP" altLang="en-US" sz="1100" dirty="0">
+                <a:latin typeface="+mn-ea"/>
+                <a:ea typeface="+mn-ea"/>
+              </a:rPr>
+              <a:t>からは従来手法と同様に元データに対する </a:t>
+            </a:r>
+            <a:r>
+              <a:rPr lang="en-US" altLang="ja-JP" sz="1100" dirty="0">
+                <a:latin typeface="+mn-ea"/>
+                <a:ea typeface="+mn-ea"/>
+              </a:rPr>
+              <a:t>E_{</a:t>
+            </a:r>
+            <a:r>
+              <a:rPr lang="en-US" altLang="ja-JP" sz="1100" dirty="0" err="1">
+                <a:latin typeface="+mn-ea"/>
+                <a:ea typeface="+mn-ea"/>
+              </a:rPr>
+              <a:t>cls</a:t>
+            </a:r>
+            <a:r>
+              <a:rPr lang="en-US" altLang="ja-JP" sz="1100" dirty="0">
+                <a:latin typeface="+mn-ea"/>
+                <a:ea typeface="+mn-ea"/>
+              </a:rPr>
+              <a:t>}</a:t>
+            </a:r>
+            <a:r>
+              <a:rPr lang="ja-JP" altLang="en-US" sz="1100" dirty="0">
+                <a:latin typeface="+mn-ea"/>
+                <a:ea typeface="+mn-ea"/>
+              </a:rPr>
+              <a:t>と</a:t>
+            </a:r>
+            <a:r>
+              <a:rPr lang="en-US" altLang="ja-JP" sz="1100" dirty="0">
+                <a:latin typeface="+mn-ea"/>
+                <a:ea typeface="+mn-ea"/>
+              </a:rPr>
+              <a:t>E_{Avg}</a:t>
+            </a:r>
+            <a:r>
+              <a:rPr lang="ja-JP" altLang="en-US" sz="1100" dirty="0">
+                <a:latin typeface="+mn-ea"/>
+                <a:ea typeface="+mn-ea"/>
+              </a:rPr>
+              <a:t>を算出し、</a:t>
+            </a:r>
+            <a:endParaRPr lang="en-US" altLang="ja-JP" sz="1100" dirty="0">
+              <a:latin typeface="+mn-ea"/>
+              <a:ea typeface="+mn-ea"/>
+            </a:endParaRPr>
+          </a:p>
+          <a:p>
+            <a:pPr marL="0" marR="0" lvl="0" indent="0" algn="l" defTabSz="914400" rtl="0" eaLnBrk="1" fontAlgn="auto" latinLnBrk="0" hangingPunct="1">
+              <a:lnSpc>
+                <a:spcPct val="100000"/>
+              </a:lnSpc>
+              <a:spcBef>
+                <a:spcPts val="0"/>
+              </a:spcBef>
+              <a:spcAft>
+                <a:spcPts val="0"/>
+              </a:spcAft>
+              <a:buClr>
+                <a:srgbClr val="000000"/>
+              </a:buClr>
+              <a:buSzPts val="1100"/>
+              <a:buFont typeface="Arial"/>
+              <a:buNone/>
+              <a:tabLst/>
+              <a:defRPr/>
+            </a:pPr>
+            <a:r>
+              <a:rPr lang="en-US" altLang="ja-JP" sz="1100" dirty="0">
+                <a:latin typeface="+mn-ea"/>
+                <a:ea typeface="+mn-ea"/>
+              </a:rPr>
+              <a:t>BERT 2 </a:t>
+            </a:r>
+            <a:r>
+              <a:rPr lang="ja-JP" altLang="en-US" sz="1100" dirty="0">
+                <a:latin typeface="+mn-ea"/>
+                <a:ea typeface="+mn-ea"/>
+              </a:rPr>
+              <a:t>からは </a:t>
+            </a:r>
+            <a:r>
+              <a:rPr lang="en-US" altLang="ja-JP" sz="1100" dirty="0">
+                <a:latin typeface="+mn-ea"/>
+                <a:ea typeface="+mn-ea"/>
+              </a:rPr>
+              <a:t>[CLS] </a:t>
+            </a:r>
+            <a:r>
+              <a:rPr lang="ja-JP" altLang="en-US" sz="1100" dirty="0">
+                <a:latin typeface="+mn-ea"/>
+                <a:ea typeface="+mn-ea"/>
+              </a:rPr>
+              <a:t>に対応するベクトルを </a:t>
+            </a:r>
+            <a:r>
+              <a:rPr lang="en-US" altLang="ja-JP" sz="1100" dirty="0">
+                <a:latin typeface="+mn-ea"/>
+                <a:ea typeface="+mn-ea"/>
+              </a:rPr>
+              <a:t>E_{sum} </a:t>
+            </a:r>
+            <a:r>
+              <a:rPr lang="ja-JP" altLang="en-US" sz="1100" dirty="0">
+                <a:latin typeface="+mn-ea"/>
+                <a:ea typeface="+mn-ea"/>
+              </a:rPr>
+              <a:t>とします。</a:t>
+            </a:r>
+            <a:endParaRPr lang="en-US" altLang="ja-JP" sz="1100" dirty="0">
+              <a:latin typeface="+mn-ea"/>
+              <a:ea typeface="+mn-ea"/>
+            </a:endParaRPr>
+          </a:p>
+          <a:p>
+            <a:pPr marL="0" marR="0" lvl="0" indent="0" algn="l" defTabSz="914400" rtl="0" eaLnBrk="1" fontAlgn="auto" latinLnBrk="0" hangingPunct="1">
+              <a:lnSpc>
+                <a:spcPct val="100000"/>
+              </a:lnSpc>
+              <a:spcBef>
+                <a:spcPts val="0"/>
+              </a:spcBef>
+              <a:spcAft>
+                <a:spcPts val="0"/>
+              </a:spcAft>
+              <a:buClr>
+                <a:srgbClr val="000000"/>
+              </a:buClr>
+              <a:buSzPts val="1100"/>
+              <a:buFont typeface="Arial"/>
+              <a:buNone/>
+              <a:tabLst/>
+              <a:defRPr/>
+            </a:pPr>
+            <a:r>
+              <a:rPr lang="ja-JP" altLang="en-US" sz="1100" dirty="0">
+                <a:latin typeface="+mn-ea"/>
+                <a:ea typeface="+mn-ea"/>
+              </a:rPr>
+              <a:t>そしてこれらを、</a:t>
+            </a:r>
+            <a:r>
+              <a:rPr lang="en-US" altLang="ja-JP" sz="1100" dirty="0">
+                <a:latin typeface="+mn-ea"/>
+                <a:ea typeface="+mn-ea"/>
+              </a:rPr>
+              <a:t>pooling </a:t>
+            </a:r>
+            <a:r>
+              <a:rPr lang="ja-JP" altLang="en-US" sz="1100" dirty="0">
+                <a:latin typeface="+mn-ea"/>
+                <a:ea typeface="+mn-ea"/>
+              </a:rPr>
+              <a:t>層へ入力し、 その後 </a:t>
+            </a:r>
+            <a:r>
+              <a:rPr lang="en-US" altLang="ja-JP" sz="1100" dirty="0">
+                <a:latin typeface="+mn-ea"/>
+                <a:ea typeface="+mn-ea"/>
+              </a:rPr>
+              <a:t>1 </a:t>
+            </a:r>
+            <a:r>
+              <a:rPr lang="ja-JP" altLang="en-US" sz="1100" dirty="0">
+                <a:latin typeface="+mn-ea"/>
+                <a:ea typeface="+mn-ea"/>
+              </a:rPr>
+              <a:t>層の分類器を通してラベルを推定します。</a:t>
+            </a:r>
+            <a:endParaRPr lang="en-US" altLang="ja-JP" sz="1100" dirty="0">
+              <a:latin typeface="+mn-ea"/>
+              <a:ea typeface="+mn-ea"/>
+            </a:endParaRPr>
+          </a:p>
+          <a:p>
+            <a:pPr marL="0" marR="0" lvl="0" indent="0" algn="l" defTabSz="914400" rtl="0" eaLnBrk="1" fontAlgn="auto" latinLnBrk="0" hangingPunct="1">
+              <a:lnSpc>
+                <a:spcPct val="100000"/>
+              </a:lnSpc>
+              <a:spcBef>
+                <a:spcPts val="0"/>
+              </a:spcBef>
+              <a:spcAft>
+                <a:spcPts val="0"/>
+              </a:spcAft>
+              <a:buClr>
+                <a:srgbClr val="000000"/>
+              </a:buClr>
+              <a:buSzPts val="1100"/>
+              <a:buFont typeface="Arial"/>
+              <a:buNone/>
+              <a:tabLst/>
+              <a:defRPr/>
+            </a:pPr>
+            <a:endParaRPr lang="en-US" altLang="ja-JP" sz="1100" dirty="0">
+              <a:latin typeface="+mn-ea"/>
+              <a:ea typeface="+mn-ea"/>
+            </a:endParaRPr>
+          </a:p>
+          <a:p>
+            <a:pPr marL="0" marR="0" lvl="0" indent="0" algn="l" defTabSz="914400" rtl="0" eaLnBrk="1" fontAlgn="auto" latinLnBrk="0" hangingPunct="1">
+              <a:lnSpc>
+                <a:spcPct val="100000"/>
+              </a:lnSpc>
+              <a:spcBef>
+                <a:spcPts val="0"/>
+              </a:spcBef>
+              <a:spcAft>
+                <a:spcPts val="0"/>
+              </a:spcAft>
+              <a:buClr>
+                <a:srgbClr val="000000"/>
+              </a:buClr>
+              <a:buSzPts val="1100"/>
+              <a:buFont typeface="Arial"/>
+              <a:buNone/>
+              <a:tabLst/>
+              <a:defRPr/>
+            </a:pPr>
+            <a:r>
+              <a:rPr lang="ja-JP" altLang="en-US" sz="1100" dirty="0">
+                <a:latin typeface="+mn-ea"/>
+                <a:ea typeface="+mn-ea"/>
+              </a:rPr>
+              <a:t>このような実験を従来手法と比較しました。</a:t>
+            </a:r>
+            <a:endParaRPr lang="en-US" altLang="ja-JP" sz="1100" dirty="0">
+              <a:latin typeface="+mn-ea"/>
+              <a:ea typeface="+mn-ea"/>
+            </a:endParaRPr>
+          </a:p>
+          <a:p>
+            <a:pPr marL="0" marR="0" lvl="0" indent="0" algn="l" defTabSz="914400" rtl="0" eaLnBrk="1" fontAlgn="auto" latinLnBrk="0" hangingPunct="1">
+              <a:lnSpc>
+                <a:spcPct val="100000"/>
+              </a:lnSpc>
+              <a:spcBef>
+                <a:spcPts val="0"/>
+              </a:spcBef>
+              <a:spcAft>
+                <a:spcPts val="0"/>
+              </a:spcAft>
+              <a:buClr>
+                <a:srgbClr val="000000"/>
+              </a:buClr>
+              <a:buSzPts val="1100"/>
+              <a:buFont typeface="Arial"/>
+              <a:buNone/>
+              <a:tabLst/>
+              <a:defRPr/>
+            </a:pPr>
+            <a:endParaRPr lang="en-US" altLang="ja-JP" sz="1100" dirty="0">
+              <a:latin typeface="+mn-ea"/>
+              <a:ea typeface="+mn-ea"/>
+            </a:endParaRPr>
+          </a:p>
+          <a:p>
+            <a:pPr marL="0" marR="0" lvl="0" indent="0" algn="l" defTabSz="914400" rtl="0" eaLnBrk="1" fontAlgn="auto" latinLnBrk="0" hangingPunct="1">
+              <a:lnSpc>
+                <a:spcPct val="100000"/>
+              </a:lnSpc>
+              <a:spcBef>
+                <a:spcPts val="0"/>
+              </a:spcBef>
+              <a:spcAft>
+                <a:spcPts val="0"/>
+              </a:spcAft>
+              <a:buClr>
+                <a:srgbClr val="000000"/>
+              </a:buClr>
+              <a:buSzPts val="1100"/>
+              <a:buFont typeface="Arial"/>
+              <a:buNone/>
+              <a:tabLst/>
+              <a:defRPr/>
+            </a:pPr>
+            <a:r>
+              <a:rPr lang="ja-JP" altLang="en-US" sz="1100" dirty="0">
+                <a:latin typeface="+mn-ea"/>
+                <a:ea typeface="+mn-ea"/>
+              </a:rPr>
+              <a:t>ーーーーーーーーーーー</a:t>
+            </a:r>
+            <a:endParaRPr lang="en-US" altLang="ja-JP" sz="1100" dirty="0">
+              <a:latin typeface="+mn-ea"/>
+              <a:ea typeface="+mn-ea"/>
+            </a:endParaRPr>
+          </a:p>
+          <a:p>
+            <a:pPr marL="0" marR="0" lvl="0" indent="0" algn="l" defTabSz="914400" rtl="0" eaLnBrk="1" fontAlgn="auto" latinLnBrk="0" hangingPunct="1">
+              <a:lnSpc>
+                <a:spcPct val="100000"/>
+              </a:lnSpc>
+              <a:spcBef>
+                <a:spcPts val="0"/>
+              </a:spcBef>
+              <a:spcAft>
+                <a:spcPts val="0"/>
+              </a:spcAft>
+              <a:buClr>
+                <a:srgbClr val="000000"/>
+              </a:buClr>
+              <a:buSzPts val="1100"/>
+              <a:buFont typeface="Arial"/>
+              <a:buNone/>
+              <a:tabLst/>
+              <a:defRPr/>
+            </a:pPr>
+            <a:r>
+              <a:rPr lang="ja-JP" altLang="en-US" sz="1100" dirty="0">
+                <a:latin typeface="+mn-ea"/>
+                <a:ea typeface="+mn-ea"/>
+              </a:rPr>
+              <a:t>実験結果がこちらのようになります。</a:t>
+            </a:r>
+            <a:endParaRPr lang="en-US" altLang="ja-JP" sz="1100" dirty="0">
+              <a:latin typeface="+mn-ea"/>
+              <a:ea typeface="+mn-ea"/>
+            </a:endParaRPr>
+          </a:p>
+          <a:p>
+            <a:pPr marL="0" marR="0" lvl="0" indent="0" algn="l" defTabSz="914400" rtl="0" eaLnBrk="1" fontAlgn="auto" latinLnBrk="0" hangingPunct="1">
+              <a:lnSpc>
+                <a:spcPct val="100000"/>
+              </a:lnSpc>
+              <a:spcBef>
+                <a:spcPts val="0"/>
+              </a:spcBef>
+              <a:spcAft>
+                <a:spcPts val="0"/>
+              </a:spcAft>
+              <a:buClr>
+                <a:srgbClr val="000000"/>
+              </a:buClr>
+              <a:buSzPts val="1100"/>
+              <a:buFont typeface="Arial"/>
+              <a:buNone/>
+              <a:tabLst/>
+              <a:defRPr/>
+            </a:pPr>
+            <a:r>
+              <a:rPr lang="en-US" altLang="ja-JP" sz="1100" dirty="0">
+                <a:latin typeface="+mn-ea"/>
+                <a:ea typeface="+mn-ea"/>
+              </a:rPr>
+              <a:t>Accuracy</a:t>
+            </a:r>
+            <a:r>
+              <a:rPr lang="ja-JP" altLang="en-US" sz="1100" dirty="0">
+                <a:latin typeface="+mn-ea"/>
+                <a:ea typeface="+mn-ea"/>
+              </a:rPr>
+              <a:t>及び、</a:t>
+            </a:r>
+            <a:r>
+              <a:rPr lang="en-US" altLang="ja-JP" sz="1100" dirty="0">
+                <a:latin typeface="+mn-ea"/>
+                <a:ea typeface="+mn-ea"/>
+              </a:rPr>
+              <a:t>F</a:t>
+            </a:r>
+            <a:r>
+              <a:rPr lang="ja-JP" altLang="en-US" sz="1100" dirty="0">
+                <a:latin typeface="+mn-ea"/>
+                <a:ea typeface="+mn-ea"/>
+              </a:rPr>
+              <a:t>値においてどちらも提案手法のほうが若干上回る結果となり、提案手法の有効性を確認できました。</a:t>
+            </a:r>
+            <a:endParaRPr lang="en-US" altLang="ja-JP" sz="1100" dirty="0">
+              <a:latin typeface="+mn-ea"/>
+              <a:ea typeface="+mn-ea"/>
+            </a:endParaRPr>
+          </a:p>
+          <a:p>
+            <a:pPr marL="0" marR="0" lvl="0" indent="0" algn="l" defTabSz="914400" rtl="0" eaLnBrk="1" fontAlgn="auto" latinLnBrk="0" hangingPunct="1">
+              <a:lnSpc>
+                <a:spcPct val="100000"/>
+              </a:lnSpc>
+              <a:spcBef>
+                <a:spcPts val="0"/>
+              </a:spcBef>
+              <a:spcAft>
+                <a:spcPts val="0"/>
+              </a:spcAft>
+              <a:buClr>
+                <a:srgbClr val="000000"/>
+              </a:buClr>
+              <a:buSzPts val="1100"/>
+              <a:buFont typeface="Arial"/>
+              <a:buNone/>
+              <a:tabLst/>
+              <a:defRPr/>
+            </a:pPr>
+            <a:r>
+              <a:rPr lang="ja-JP" altLang="en-US" sz="1100" dirty="0">
+                <a:latin typeface="+mn-ea"/>
+                <a:ea typeface="+mn-ea"/>
+              </a:rPr>
+              <a:t>またこのような結果が生まれた考察としては、</a:t>
+            </a:r>
+            <a:r>
+              <a:rPr lang="en-US" altLang="ja-JP" sz="1100" dirty="0">
+                <a:latin typeface="+mn-ea"/>
+                <a:ea typeface="+mn-ea"/>
+              </a:rPr>
+              <a:t>BERT </a:t>
+            </a:r>
+            <a:r>
+              <a:rPr lang="ja-JP" altLang="en-US" sz="1100" dirty="0">
+                <a:latin typeface="+mn-ea"/>
+                <a:ea typeface="+mn-ea"/>
+              </a:rPr>
+              <a:t>モデルの特性上、</a:t>
+            </a:r>
+            <a:r>
+              <a:rPr lang="en-US" altLang="ja-JP" sz="1100" dirty="0">
+                <a:latin typeface="+mn-ea"/>
+                <a:ea typeface="+mn-ea"/>
+              </a:rPr>
+              <a:t>512</a:t>
+            </a:r>
+            <a:r>
+              <a:rPr lang="ja-JP" altLang="en-US" sz="1100" dirty="0">
+                <a:latin typeface="+mn-ea"/>
+                <a:ea typeface="+mn-ea"/>
+              </a:rPr>
+              <a:t>トークンまでしか入力できず、</a:t>
+            </a:r>
+            <a:endParaRPr lang="en-US" altLang="ja-JP" sz="1100" dirty="0">
+              <a:latin typeface="+mn-ea"/>
+              <a:ea typeface="+mn-ea"/>
+            </a:endParaRPr>
+          </a:p>
+          <a:p>
+            <a:pPr marL="0" marR="0" lvl="0" indent="0" algn="l" defTabSz="914400" rtl="0" eaLnBrk="1" fontAlgn="auto" latinLnBrk="0" hangingPunct="1">
+              <a:lnSpc>
+                <a:spcPct val="100000"/>
+              </a:lnSpc>
+              <a:spcBef>
+                <a:spcPts val="0"/>
+              </a:spcBef>
+              <a:spcAft>
+                <a:spcPts val="0"/>
+              </a:spcAft>
+              <a:buClr>
+                <a:srgbClr val="000000"/>
+              </a:buClr>
+              <a:buSzPts val="1100"/>
+              <a:buFont typeface="Arial"/>
+              <a:buNone/>
+              <a:tabLst/>
+              <a:defRPr/>
+            </a:pPr>
+            <a:r>
+              <a:rPr lang="ja-JP" altLang="en-US" sz="1100" dirty="0">
+                <a:latin typeface="+mn-ea"/>
+                <a:ea typeface="+mn-ea"/>
+              </a:rPr>
+              <a:t>元データが十分に長い場合重要な情報が欠損してしまうことに由来すると考えられます。</a:t>
+            </a:r>
+            <a:endParaRPr lang="en-US" altLang="ja-JP" sz="1100" dirty="0">
+              <a:latin typeface="+mn-ea"/>
+              <a:ea typeface="+mn-ea"/>
+            </a:endParaRPr>
+          </a:p>
+          <a:p>
+            <a:pPr marL="0" marR="0" lvl="0" indent="0" algn="l" defTabSz="914400" rtl="0" eaLnBrk="1" fontAlgn="auto" latinLnBrk="0" hangingPunct="1">
+              <a:lnSpc>
+                <a:spcPct val="100000"/>
+              </a:lnSpc>
+              <a:spcBef>
+                <a:spcPts val="0"/>
+              </a:spcBef>
+              <a:spcAft>
+                <a:spcPts val="0"/>
+              </a:spcAft>
+              <a:buClr>
+                <a:srgbClr val="000000"/>
+              </a:buClr>
+              <a:buSzPts val="1100"/>
+              <a:buFont typeface="Arial"/>
+              <a:buNone/>
+              <a:tabLst/>
+              <a:defRPr/>
+            </a:pPr>
+            <a:r>
+              <a:rPr lang="en-US" altLang="ja-JP" sz="1100" dirty="0">
+                <a:latin typeface="+mn-ea"/>
+                <a:ea typeface="+mn-ea"/>
+              </a:rPr>
+              <a:t>(</a:t>
+            </a:r>
+            <a:r>
+              <a:rPr lang="ja-JP" altLang="en-US" sz="1100" dirty="0">
+                <a:latin typeface="+mn-ea"/>
+                <a:ea typeface="+mn-ea"/>
+              </a:rPr>
+              <a:t>ヒストグラムに関して</a:t>
+            </a:r>
+            <a:r>
+              <a:rPr lang="en-US" altLang="ja-JP" sz="1100" dirty="0">
+                <a:latin typeface="+mn-ea"/>
+                <a:ea typeface="+mn-ea"/>
+              </a:rPr>
+              <a:t>)</a:t>
+            </a:r>
+            <a:r>
+              <a:rPr lang="ja-JP" altLang="en-US" sz="1100" dirty="0">
+                <a:latin typeface="+mn-ea"/>
+                <a:ea typeface="+mn-ea"/>
+              </a:rPr>
+              <a:t>右図は訓練データにおける、元データと要約データのトークン数の分布です。</a:t>
+            </a:r>
+            <a:endParaRPr lang="en-US" altLang="ja-JP" sz="1100" dirty="0">
+              <a:latin typeface="+mn-ea"/>
+              <a:ea typeface="+mn-ea"/>
+            </a:endParaRPr>
+          </a:p>
+          <a:p>
+            <a:pPr marL="0" marR="0" lvl="0" indent="0" algn="l" defTabSz="914400" rtl="0" eaLnBrk="1" fontAlgn="auto" latinLnBrk="0" hangingPunct="1">
+              <a:lnSpc>
+                <a:spcPct val="100000"/>
+              </a:lnSpc>
+              <a:spcBef>
+                <a:spcPts val="0"/>
+              </a:spcBef>
+              <a:spcAft>
+                <a:spcPts val="0"/>
+              </a:spcAft>
+              <a:buClr>
+                <a:srgbClr val="000000"/>
+              </a:buClr>
+              <a:buSzPts val="1100"/>
+              <a:buFont typeface="Arial"/>
+              <a:buNone/>
+              <a:tabLst/>
+              <a:defRPr/>
+            </a:pPr>
+            <a:r>
+              <a:rPr lang="ja-JP" altLang="en-US" sz="1100" dirty="0">
+                <a:latin typeface="+mn-ea"/>
+                <a:ea typeface="+mn-ea"/>
+              </a:rPr>
+              <a:t>赤い線は </a:t>
+            </a:r>
+            <a:r>
+              <a:rPr lang="en-US" altLang="ja-JP" sz="1100" dirty="0">
+                <a:latin typeface="+mn-ea"/>
+                <a:ea typeface="+mn-ea"/>
+              </a:rPr>
+              <a:t>BERT </a:t>
+            </a:r>
+            <a:r>
+              <a:rPr lang="ja-JP" altLang="en-US" sz="1100" dirty="0">
+                <a:latin typeface="+mn-ea"/>
+                <a:ea typeface="+mn-ea"/>
+              </a:rPr>
+              <a:t>の最大長である</a:t>
+            </a:r>
+            <a:r>
+              <a:rPr lang="en-US" altLang="ja-JP" sz="1100" dirty="0">
+                <a:latin typeface="+mn-ea"/>
+                <a:ea typeface="+mn-ea"/>
+              </a:rPr>
+              <a:t>512</a:t>
+            </a:r>
+            <a:r>
+              <a:rPr lang="ja-JP" altLang="en-US" sz="1100" dirty="0">
+                <a:latin typeface="+mn-ea"/>
+                <a:ea typeface="+mn-ea"/>
+              </a:rPr>
+              <a:t>を表しています。図のように要約することによってトークン数が </a:t>
+            </a:r>
+            <a:r>
+              <a:rPr lang="en-US" altLang="ja-JP" sz="1100" dirty="0">
+                <a:latin typeface="+mn-ea"/>
+                <a:ea typeface="+mn-ea"/>
+              </a:rPr>
+              <a:t>512 </a:t>
+            </a:r>
+            <a:r>
+              <a:rPr lang="ja-JP" altLang="en-US" sz="1100" dirty="0">
+                <a:latin typeface="+mn-ea"/>
+                <a:ea typeface="+mn-ea"/>
+              </a:rPr>
+              <a:t>を</a:t>
+            </a:r>
+            <a:endParaRPr lang="en-US" altLang="ja-JP" sz="1100" dirty="0">
+              <a:latin typeface="+mn-ea"/>
+              <a:ea typeface="+mn-ea"/>
+            </a:endParaRPr>
+          </a:p>
+          <a:p>
+            <a:pPr marL="0" marR="0" lvl="0" indent="0" algn="l" defTabSz="914400" rtl="0" eaLnBrk="1" fontAlgn="auto" latinLnBrk="0" hangingPunct="1">
+              <a:lnSpc>
+                <a:spcPct val="100000"/>
+              </a:lnSpc>
+              <a:spcBef>
+                <a:spcPts val="0"/>
+              </a:spcBef>
+              <a:spcAft>
+                <a:spcPts val="0"/>
+              </a:spcAft>
+              <a:buClr>
+                <a:srgbClr val="000000"/>
+              </a:buClr>
+              <a:buSzPts val="1100"/>
+              <a:buFont typeface="Arial"/>
+              <a:buNone/>
+              <a:tabLst/>
+              <a:defRPr/>
+            </a:pPr>
+            <a:r>
+              <a:rPr lang="ja-JP" altLang="en-US" sz="1100" dirty="0">
+                <a:latin typeface="+mn-ea"/>
+                <a:ea typeface="+mn-ea"/>
+              </a:rPr>
+              <a:t>オーバーすることを回避することが出来、欠落した原文の重要な文脈情報を補完していると考えられます。</a:t>
+            </a:r>
+            <a:endParaRPr lang="en-US" altLang="ja-JP" sz="1100" dirty="0">
+              <a:latin typeface="+mn-ea"/>
+              <a:ea typeface="+mn-ea"/>
+            </a:endParaRPr>
+          </a:p>
+          <a:p>
+            <a:pPr marL="0" marR="0" lvl="0" indent="0" algn="l" defTabSz="914400" rtl="0" eaLnBrk="1" fontAlgn="auto" latinLnBrk="0" hangingPunct="1">
+              <a:lnSpc>
+                <a:spcPct val="100000"/>
+              </a:lnSpc>
+              <a:spcBef>
+                <a:spcPts val="0"/>
+              </a:spcBef>
+              <a:spcAft>
+                <a:spcPts val="0"/>
+              </a:spcAft>
+              <a:buClr>
+                <a:srgbClr val="000000"/>
+              </a:buClr>
+              <a:buSzPts val="1100"/>
+              <a:buFont typeface="Arial"/>
+              <a:buNone/>
+              <a:tabLst/>
+              <a:defRPr/>
+            </a:pPr>
+            <a:r>
+              <a:rPr lang="ja-JP" altLang="en-US" sz="1100" dirty="0">
+                <a:latin typeface="+mn-ea"/>
+                <a:ea typeface="+mn-ea"/>
+              </a:rPr>
+              <a:t>また、学習曲線においても、</a:t>
+            </a:r>
+            <a:r>
+              <a:rPr lang="en-US" altLang="ja-JP" sz="1100" dirty="0">
+                <a:latin typeface="+mn-ea"/>
+                <a:ea typeface="+mn-ea"/>
+              </a:rPr>
+              <a:t>E_{sum}</a:t>
+            </a:r>
+            <a:r>
+              <a:rPr lang="ja-JP" altLang="en-US" sz="1100" dirty="0">
+                <a:latin typeface="+mn-ea"/>
+                <a:ea typeface="+mn-ea"/>
+              </a:rPr>
+              <a:t>の係数</a:t>
+            </a:r>
+            <a:r>
+              <a:rPr lang="en-US" altLang="ja-JP" sz="1100" dirty="0">
+                <a:latin typeface="+mn-ea"/>
+                <a:ea typeface="+mn-ea"/>
+              </a:rPr>
+              <a:t>r</a:t>
+            </a:r>
+            <a:r>
+              <a:rPr lang="ja-JP" altLang="en-US" sz="1100" dirty="0">
+                <a:latin typeface="+mn-ea"/>
+                <a:ea typeface="+mn-ea"/>
+              </a:rPr>
+              <a:t>について一定の値を保っていることからも</a:t>
+            </a:r>
+            <a:endParaRPr lang="en-US" altLang="ja-JP" sz="1100" dirty="0">
+              <a:latin typeface="+mn-ea"/>
+              <a:ea typeface="+mn-ea"/>
+            </a:endParaRPr>
+          </a:p>
+          <a:p>
+            <a:pPr marL="0" marR="0" lvl="0" indent="0" algn="l" defTabSz="914400" rtl="0" eaLnBrk="1" fontAlgn="auto" latinLnBrk="0" hangingPunct="1">
+              <a:lnSpc>
+                <a:spcPct val="100000"/>
+              </a:lnSpc>
+              <a:spcBef>
+                <a:spcPts val="0"/>
+              </a:spcBef>
+              <a:spcAft>
+                <a:spcPts val="0"/>
+              </a:spcAft>
+              <a:buClr>
+                <a:srgbClr val="000000"/>
+              </a:buClr>
+              <a:buSzPts val="1100"/>
+              <a:buFont typeface="Arial"/>
+              <a:buNone/>
+              <a:tabLst/>
+              <a:defRPr/>
+            </a:pPr>
+            <a:r>
+              <a:rPr lang="ja-JP" altLang="en-US" sz="1100" dirty="0">
+                <a:latin typeface="+mn-ea"/>
+                <a:ea typeface="+mn-ea"/>
+              </a:rPr>
+              <a:t>学習においてある程度の貢献をしているとも考えられます。</a:t>
+            </a:r>
+            <a:endParaRPr lang="en-US" altLang="ja-JP" sz="1100" dirty="0">
+              <a:latin typeface="+mn-ea"/>
+              <a:ea typeface="+mn-ea"/>
+            </a:endParaRPr>
+          </a:p>
+          <a:p>
+            <a:pPr marL="0" marR="0" lvl="0" indent="0" algn="l" defTabSz="914400" rtl="0" eaLnBrk="1" fontAlgn="auto" latinLnBrk="0" hangingPunct="1">
+              <a:lnSpc>
+                <a:spcPct val="100000"/>
+              </a:lnSpc>
+              <a:spcBef>
+                <a:spcPts val="0"/>
+              </a:spcBef>
+              <a:spcAft>
+                <a:spcPts val="0"/>
+              </a:spcAft>
+              <a:buClr>
+                <a:srgbClr val="000000"/>
+              </a:buClr>
+              <a:buSzPts val="1100"/>
+              <a:buFont typeface="Arial"/>
+              <a:buNone/>
+              <a:tabLst/>
+              <a:defRPr/>
+            </a:pPr>
+            <a:r>
+              <a:rPr lang="en-US" altLang="ja-JP" sz="1100" dirty="0">
+                <a:latin typeface="+mn-ea"/>
+                <a:ea typeface="+mn-ea"/>
+              </a:rPr>
+              <a:t>---------------------</a:t>
+            </a:r>
+          </a:p>
+          <a:p>
+            <a:pPr marL="0" marR="0" lvl="0" indent="0" algn="l" defTabSz="914400" rtl="0" eaLnBrk="1" fontAlgn="auto" latinLnBrk="0" hangingPunct="1">
+              <a:lnSpc>
+                <a:spcPct val="100000"/>
+              </a:lnSpc>
+              <a:spcBef>
+                <a:spcPts val="0"/>
+              </a:spcBef>
+              <a:spcAft>
+                <a:spcPts val="0"/>
+              </a:spcAft>
+              <a:buClr>
+                <a:srgbClr val="000000"/>
+              </a:buClr>
+              <a:buSzPts val="1100"/>
+              <a:buFont typeface="Arial"/>
+              <a:buNone/>
+              <a:tabLst/>
+              <a:defRPr/>
+            </a:pPr>
+            <a:r>
+              <a:rPr lang="ja-JP" altLang="en-US" sz="1100" dirty="0">
+                <a:latin typeface="+mn-ea"/>
+                <a:ea typeface="+mn-ea"/>
+              </a:rPr>
+              <a:t>今後の課題としましては</a:t>
+            </a:r>
+            <a:r>
+              <a:rPr lang="en-US" altLang="ja-JP" sz="1100" dirty="0">
+                <a:latin typeface="+mn-ea"/>
+                <a:ea typeface="+mn-ea"/>
+              </a:rPr>
+              <a:t>(</a:t>
+            </a:r>
+            <a:r>
+              <a:rPr lang="ja-JP" altLang="en-US" sz="1100" dirty="0">
+                <a:latin typeface="+mn-ea"/>
+                <a:ea typeface="+mn-ea"/>
+              </a:rPr>
+              <a:t>パーッという</a:t>
+            </a:r>
+            <a:r>
+              <a:rPr lang="en-US" altLang="ja-JP" sz="1100" dirty="0">
+                <a:latin typeface="+mn-ea"/>
+                <a:ea typeface="+mn-ea"/>
+              </a:rPr>
+              <a:t>)</a:t>
+            </a:r>
+          </a:p>
+          <a:p>
+            <a:pPr marL="0" marR="0" lvl="0" indent="0" algn="l" defTabSz="914400" rtl="0" eaLnBrk="1" fontAlgn="auto" latinLnBrk="0" hangingPunct="1">
+              <a:lnSpc>
+                <a:spcPct val="100000"/>
+              </a:lnSpc>
+              <a:spcBef>
+                <a:spcPts val="0"/>
+              </a:spcBef>
+              <a:spcAft>
+                <a:spcPts val="0"/>
+              </a:spcAft>
+              <a:buClr>
+                <a:srgbClr val="000000"/>
+              </a:buClr>
+              <a:buSzPts val="1100"/>
+              <a:buFont typeface="Arial"/>
+              <a:buNone/>
+              <a:tabLst/>
+              <a:defRPr/>
+            </a:pPr>
+            <a:r>
+              <a:rPr lang="ja-JP" altLang="en-US" sz="1100" dirty="0">
+                <a:latin typeface="+mn-ea"/>
+                <a:ea typeface="+mn-ea"/>
+              </a:rPr>
+              <a:t>ご清聴ありがとうございました。</a:t>
+            </a:r>
+            <a:endParaRPr lang="en-US" altLang="ja-JP" sz="1100" dirty="0">
+              <a:latin typeface="+mn-ea"/>
+              <a:ea typeface="+mn-ea"/>
+            </a:endParaRPr>
+          </a:p>
+          <a:p>
+            <a:pPr marL="0" marR="0" lvl="0" indent="0" algn="l" defTabSz="914400" rtl="0" eaLnBrk="1" fontAlgn="auto" latinLnBrk="0" hangingPunct="1">
+              <a:lnSpc>
+                <a:spcPct val="100000"/>
+              </a:lnSpc>
+              <a:spcBef>
+                <a:spcPts val="0"/>
+              </a:spcBef>
+              <a:spcAft>
+                <a:spcPts val="0"/>
+              </a:spcAft>
+              <a:buClr>
+                <a:srgbClr val="000000"/>
+              </a:buClr>
+              <a:buSzPts val="1100"/>
+              <a:buFont typeface="Arial"/>
+              <a:buNone/>
+              <a:tabLst/>
+              <a:defRPr/>
+            </a:pPr>
+            <a:endParaRPr lang="en-US" altLang="ja-JP" dirty="0"/>
+          </a:p>
+          <a:p>
+            <a:pPr marL="0" lvl="0" indent="0" algn="l" rtl="0">
+              <a:spcBef>
+                <a:spcPts val="0"/>
+              </a:spcBef>
+              <a:spcAft>
+                <a:spcPts val="0"/>
+              </a:spcAft>
+              <a:buNone/>
+            </a:pPr>
+            <a:endParaRPr lang="en-US" altLang="ja-JP" dirty="0"/>
+          </a:p>
+          <a:p>
+            <a:pPr marL="0" lvl="0" indent="0" algn="l" rtl="0">
+              <a:spcBef>
+                <a:spcPts val="0"/>
+              </a:spcBef>
+              <a:spcAft>
+                <a:spcPts val="0"/>
+              </a:spcAft>
+              <a:buNone/>
+            </a:pPr>
+            <a:endParaRPr dirty="0"/>
+          </a:p>
+        </p:txBody>
+      </p:sp>
+      <p:sp>
+        <p:nvSpPr>
+          <p:cNvPr id="61" name="Google Shape;61;p1:notes">
+            <a:extLst>
+              <a:ext uri="{FF2B5EF4-FFF2-40B4-BE49-F238E27FC236}">
+                <a16:creationId xmlns:a16="http://schemas.microsoft.com/office/drawing/2014/main" id="{37BAFEE1-DE2D-1DF1-97CE-98C81B588306}"/>
+              </a:ext>
+            </a:extLst>
+          </p:cNvPr>
+          <p:cNvSpPr>
+            <a:spLocks noGrp="1" noRot="1" noChangeAspect="1"/>
+          </p:cNvSpPr>
+          <p:nvPr>
+            <p:ph type="sldImg" idx="2"/>
+          </p:nvPr>
+        </p:nvSpPr>
+        <p:spPr>
+          <a:xfrm>
+            <a:off x="2362200" y="801688"/>
+            <a:ext cx="2836863" cy="4010025"/>
+          </a:xfrm>
+          <a:custGeom>
+            <a:avLst/>
+            <a:gdLst/>
+            <a:ahLst/>
+            <a:cxnLst/>
+            <a:rect l="l" t="t" r="r" b="b"/>
+            <a:pathLst>
+              <a:path w="120000" h="120000" extrusionOk="0">
+                <a:moveTo>
+                  <a:pt x="0" y="0"/>
+                </a:moveTo>
+                <a:lnTo>
+                  <a:pt x="120000" y="0"/>
+                </a:lnTo>
+                <a:lnTo>
+                  <a:pt x="120000" y="120000"/>
+                </a:lnTo>
+                <a:lnTo>
+                  <a:pt x="0" y="120000"/>
+                </a:lnTo>
+                <a:close/>
+              </a:path>
+            </a:pathLst>
+          </a:custGeom>
+        </p:spPr>
+      </p:sp>
+    </p:spTree>
+    <p:extLst>
+      <p:ext uri="{BB962C8B-B14F-4D97-AF65-F5344CB8AC3E}">
+        <p14:creationId xmlns:p14="http://schemas.microsoft.com/office/powerpoint/2010/main" val="2113489117"/>
       </p:ext>
     </p:extLst>
   </p:cSld>
@@ -15913,6 +18309,5438 @@
         </p:txBody>
       </p:sp>
     </p:spTree>
+  </p:cSld>
+  <p:clrMapOvr>
+    <a:masterClrMapping/>
+  </p:clrMapOvr>
+</p:sld>
+</file>
+
+<file path=ppt/slides/slide10.xml><?xml version="1.0" encoding="utf-8"?>
+<p:sld xmlns:a="http://schemas.openxmlformats.org/drawingml/2006/main" xmlns:r="http://schemas.openxmlformats.org/officeDocument/2006/relationships" xmlns:p="http://schemas.openxmlformats.org/presentationml/2006/main">
+  <p:cSld>
+    <p:spTree>
+      <p:nvGrpSpPr>
+        <p:cNvPr id="1" name="Shape 62">
+          <a:extLst>
+            <a:ext uri="{FF2B5EF4-FFF2-40B4-BE49-F238E27FC236}">
+              <a16:creationId xmlns:a16="http://schemas.microsoft.com/office/drawing/2014/main" id="{EC5EFE73-0C0D-BD2D-9BAB-E668C23E6DB2}"/>
+            </a:ext>
+          </a:extLst>
+        </p:cNvPr>
+        <p:cNvGrpSpPr/>
+        <p:nvPr/>
+      </p:nvGrpSpPr>
+      <p:grpSpPr>
+        <a:xfrm>
+          <a:off x="0" y="0"/>
+          <a:ext cx="0" cy="0"/>
+          <a:chOff x="0" y="0"/>
+          <a:chExt cx="0" cy="0"/>
+        </a:xfrm>
+      </p:grpSpPr>
+      <p:sp>
+        <p:nvSpPr>
+          <p:cNvPr id="64" name="Google Shape;64;p14">
+            <a:extLst>
+              <a:ext uri="{FF2B5EF4-FFF2-40B4-BE49-F238E27FC236}">
+                <a16:creationId xmlns:a16="http://schemas.microsoft.com/office/drawing/2014/main" id="{C3724060-4318-65F2-6358-BC06E66C9D7A}"/>
+              </a:ext>
+            </a:extLst>
+          </p:cNvPr>
+          <p:cNvSpPr/>
+          <p:nvPr/>
+        </p:nvSpPr>
+        <p:spPr>
+          <a:xfrm>
+            <a:off x="0" y="0"/>
+            <a:ext cx="30274920" cy="4751640"/>
+          </a:xfrm>
+          <a:prstGeom prst="rect">
+            <a:avLst/>
+          </a:prstGeom>
+          <a:solidFill>
+            <a:srgbClr val="3F3F3F"/>
+          </a:solidFill>
+          <a:ln>
+            <a:noFill/>
+          </a:ln>
+        </p:spPr>
+        <p:txBody>
+          <a:bodyPr spcFirstLastPara="1" wrap="square" lIns="91425" tIns="91425" rIns="91425" bIns="91425" anchor="ctr" anchorCtr="0">
+            <a:noAutofit/>
+          </a:bodyPr>
+          <a:lstStyle/>
+          <a:p>
+            <a:pPr marL="0" lvl="0" indent="0" algn="l" rtl="0">
+              <a:spcBef>
+                <a:spcPts val="0"/>
+              </a:spcBef>
+              <a:spcAft>
+                <a:spcPts val="0"/>
+              </a:spcAft>
+              <a:buNone/>
+            </a:pPr>
+            <a:endParaRPr/>
+          </a:p>
+        </p:txBody>
+      </p:sp>
+      <p:sp>
+        <p:nvSpPr>
+          <p:cNvPr id="65" name="Google Shape;65;p14">
+            <a:extLst>
+              <a:ext uri="{FF2B5EF4-FFF2-40B4-BE49-F238E27FC236}">
+                <a16:creationId xmlns:a16="http://schemas.microsoft.com/office/drawing/2014/main" id="{D54959F9-9BBC-A539-A5FB-1EA9B232080F}"/>
+              </a:ext>
+            </a:extLst>
+          </p:cNvPr>
+          <p:cNvSpPr/>
+          <p:nvPr/>
+        </p:nvSpPr>
+        <p:spPr>
+          <a:xfrm>
+            <a:off x="5184000" y="147960"/>
+            <a:ext cx="24479640" cy="3015360"/>
+          </a:xfrm>
+          <a:prstGeom prst="rect">
+            <a:avLst/>
+          </a:prstGeom>
+          <a:noFill/>
+          <a:ln>
+            <a:noFill/>
+          </a:ln>
+        </p:spPr>
+        <p:txBody>
+          <a:bodyPr spcFirstLastPara="1" wrap="square" lIns="90000" tIns="45000" rIns="90000" bIns="45000" anchor="ctr" anchorCtr="0">
+            <a:noAutofit/>
+          </a:bodyPr>
+          <a:lstStyle/>
+          <a:p>
+            <a:pPr marL="0" marR="0" lvl="0" indent="0" algn="l" rtl="0">
+              <a:lnSpc>
+                <a:spcPct val="100000"/>
+              </a:lnSpc>
+              <a:spcBef>
+                <a:spcPts val="0"/>
+              </a:spcBef>
+              <a:spcAft>
+                <a:spcPts val="0"/>
+              </a:spcAft>
+              <a:buNone/>
+            </a:pPr>
+            <a:r>
+              <a:rPr lang="en-US" altLang="ja-JP" sz="9600" b="0" i="0" u="none" strike="noStrike" cap="none" dirty="0">
+                <a:solidFill>
+                  <a:srgbClr val="FFFFFF"/>
+                </a:solidFill>
+                <a:latin typeface="+mj-ea"/>
+                <a:ea typeface="+mj-ea"/>
+                <a:cs typeface="Arial"/>
+                <a:sym typeface="Arial"/>
+              </a:rPr>
+              <a:t>BERT </a:t>
+            </a:r>
+            <a:r>
+              <a:rPr lang="ja-JP" altLang="en-US" sz="9600" b="0" i="0" u="none" strike="noStrike" cap="none" dirty="0">
+                <a:solidFill>
+                  <a:srgbClr val="FFFFFF"/>
+                </a:solidFill>
+                <a:latin typeface="+mj-ea"/>
+                <a:ea typeface="+mj-ea"/>
+                <a:cs typeface="Arial"/>
+                <a:sym typeface="Arial"/>
+              </a:rPr>
+              <a:t>を用いた原文と要約文の</a:t>
+            </a:r>
+            <a:endParaRPr lang="en-US" altLang="ja-JP" sz="9600" b="0" i="0" u="none" strike="noStrike" cap="none" dirty="0">
+              <a:solidFill>
+                <a:srgbClr val="FFFFFF"/>
+              </a:solidFill>
+              <a:latin typeface="+mj-ea"/>
+              <a:ea typeface="+mj-ea"/>
+              <a:cs typeface="Arial"/>
+              <a:sym typeface="Arial"/>
+            </a:endParaRPr>
+          </a:p>
+          <a:p>
+            <a:pPr marL="0" marR="0" lvl="0" indent="0" algn="l" rtl="0">
+              <a:lnSpc>
+                <a:spcPct val="100000"/>
+              </a:lnSpc>
+              <a:spcBef>
+                <a:spcPts val="0"/>
+              </a:spcBef>
+              <a:spcAft>
+                <a:spcPts val="0"/>
+              </a:spcAft>
+              <a:buNone/>
+            </a:pPr>
+            <a:r>
+              <a:rPr lang="ja-JP" altLang="en-US" sz="9600" b="0" i="0" u="none" strike="noStrike" cap="none" dirty="0">
+                <a:solidFill>
+                  <a:srgbClr val="FFFFFF"/>
+                </a:solidFill>
+                <a:latin typeface="+mj-ea"/>
+                <a:ea typeface="+mj-ea"/>
+                <a:cs typeface="Arial"/>
+                <a:sym typeface="Arial"/>
+              </a:rPr>
+              <a:t>分散表現の最適な統合手法の検討</a:t>
+            </a:r>
+            <a:endParaRPr sz="9600" b="0" i="0" u="none" strike="noStrike" cap="none" dirty="0">
+              <a:latin typeface="+mj-ea"/>
+              <a:ea typeface="+mj-ea"/>
+              <a:cs typeface="Arial"/>
+              <a:sym typeface="Arial"/>
+            </a:endParaRPr>
+          </a:p>
+        </p:txBody>
+      </p:sp>
+      <p:grpSp>
+        <p:nvGrpSpPr>
+          <p:cNvPr id="108" name="研究背景">
+            <a:extLst>
+              <a:ext uri="{FF2B5EF4-FFF2-40B4-BE49-F238E27FC236}">
+                <a16:creationId xmlns:a16="http://schemas.microsoft.com/office/drawing/2014/main" id="{71B36DEB-8170-531B-3681-1E9B99B232F2}"/>
+              </a:ext>
+            </a:extLst>
+          </p:cNvPr>
+          <p:cNvGrpSpPr>
+            <a:grpSpLocks noGrp="1" noUngrp="1" noRot="1" noMove="1" noResize="1"/>
+          </p:cNvGrpSpPr>
+          <p:nvPr/>
+        </p:nvGrpSpPr>
+        <p:grpSpPr>
+          <a:xfrm>
+            <a:off x="792000" y="5393880"/>
+            <a:ext cx="13895700" cy="7236842"/>
+            <a:chOff x="792000" y="5393880"/>
+            <a:chExt cx="13895700" cy="7236842"/>
+          </a:xfrm>
+        </p:grpSpPr>
+        <p:sp>
+          <p:nvSpPr>
+            <p:cNvPr id="92" name="Google Shape;92;p14">
+              <a:extLst>
+                <a:ext uri="{FF2B5EF4-FFF2-40B4-BE49-F238E27FC236}">
+                  <a16:creationId xmlns:a16="http://schemas.microsoft.com/office/drawing/2014/main" id="{879D2B40-F47F-73B9-EE38-2973165043AF}"/>
+                </a:ext>
+              </a:extLst>
+            </p:cNvPr>
+            <p:cNvSpPr txBox="1">
+              <a:spLocks noGrp="1" noRot="1" noMove="1" noResize="1" noEditPoints="1" noAdjustHandles="1" noChangeArrowheads="1" noChangeShapeType="1"/>
+            </p:cNvSpPr>
+            <p:nvPr/>
+          </p:nvSpPr>
+          <p:spPr>
+            <a:xfrm>
+              <a:off x="898165" y="6777025"/>
+              <a:ext cx="13789533" cy="5339710"/>
+            </a:xfrm>
+            <a:prstGeom prst="rect">
+              <a:avLst/>
+            </a:prstGeom>
+            <a:noFill/>
+            <a:ln>
+              <a:noFill/>
+            </a:ln>
+          </p:spPr>
+          <p:txBody>
+            <a:bodyPr spcFirstLastPara="1" wrap="square" lIns="91425" tIns="91425" rIns="91425" bIns="91425" anchor="t" anchorCtr="0">
+              <a:noAutofit/>
+            </a:bodyPr>
+            <a:lstStyle/>
+            <a:p>
+              <a:pPr marL="0" lvl="0" indent="0" algn="l" rtl="0">
+                <a:spcBef>
+                  <a:spcPts val="0"/>
+                </a:spcBef>
+                <a:spcAft>
+                  <a:spcPts val="0"/>
+                </a:spcAft>
+                <a:buNone/>
+              </a:pPr>
+              <a:r>
+                <a:rPr lang="ja-JP" altLang="en-US" sz="4400" u="sng" dirty="0">
+                  <a:latin typeface="+mn-ea"/>
+                  <a:ea typeface="+mn-ea"/>
+                </a:rPr>
+                <a:t>大規模言語モデル</a:t>
+              </a:r>
+              <a:r>
+                <a:rPr lang="ja-JP" altLang="en-US" sz="4400" dirty="0">
+                  <a:latin typeface="+mn-ea"/>
+                  <a:ea typeface="+mn-ea"/>
+                </a:rPr>
+                <a:t> </a:t>
+              </a:r>
+              <a:r>
+                <a:rPr lang="en-US" altLang="ja-JP" sz="4400" dirty="0">
+                  <a:latin typeface="+mn-ea"/>
+                  <a:ea typeface="+mn-ea"/>
+                </a:rPr>
+                <a:t>(Large Language Models, LLM)</a:t>
+              </a:r>
+              <a:r>
+                <a:rPr lang="ja-JP" altLang="en-US" sz="4400" dirty="0">
+                  <a:latin typeface="+mn-ea"/>
+                  <a:ea typeface="+mn-ea"/>
+                </a:rPr>
+                <a:t> の進化</a:t>
+              </a:r>
+              <a:endParaRPr sz="4400" dirty="0">
+                <a:latin typeface="+mn-ea"/>
+                <a:ea typeface="+mn-ea"/>
+              </a:endParaRPr>
+            </a:p>
+            <a:p>
+              <a:pPr marL="0" lvl="0" indent="0" algn="l" rtl="0">
+                <a:spcBef>
+                  <a:spcPts val="0"/>
+                </a:spcBef>
+                <a:spcAft>
+                  <a:spcPts val="0"/>
+                </a:spcAft>
+                <a:buNone/>
+              </a:pPr>
+              <a:r>
+                <a:rPr lang="en-US" sz="4400" dirty="0">
+                  <a:latin typeface="+mn-ea"/>
+                  <a:ea typeface="+mn-ea"/>
+                </a:rPr>
+                <a:t>	</a:t>
+              </a:r>
+              <a:br>
+                <a:rPr lang="en-US" sz="4400" dirty="0">
+                  <a:latin typeface="+mn-ea"/>
+                  <a:ea typeface="+mn-ea"/>
+                </a:rPr>
+              </a:br>
+              <a:r>
+                <a:rPr lang="en-US" sz="4000" dirty="0">
+                  <a:latin typeface="+mn-ea"/>
+                  <a:ea typeface="+mn-ea"/>
+                </a:rPr>
+                <a:t>	</a:t>
+              </a:r>
+              <a:r>
+                <a:rPr lang="en-US" sz="4400" dirty="0">
+                  <a:latin typeface="+mn-ea"/>
+                  <a:ea typeface="+mn-ea"/>
+                </a:rPr>
+                <a:t>Transformer </a:t>
+              </a:r>
+              <a:r>
+                <a:rPr lang="ja-JP" altLang="en-US" sz="4400" dirty="0">
+                  <a:latin typeface="+mn-ea"/>
+                  <a:ea typeface="+mn-ea"/>
+                </a:rPr>
+                <a:t>構造を持つ </a:t>
+              </a:r>
+              <a:r>
+                <a:rPr lang="en-US" altLang="ja-JP" sz="4400" u="sng" dirty="0">
+                  <a:latin typeface="+mn-ea"/>
+                  <a:ea typeface="+mn-ea"/>
+                </a:rPr>
+                <a:t>BERT</a:t>
+              </a:r>
+              <a:r>
+                <a:rPr lang="en-US" altLang="ja-JP" sz="4400" dirty="0">
+                  <a:latin typeface="+mn-ea"/>
+                  <a:ea typeface="+mn-ea"/>
+                </a:rPr>
+                <a:t> </a:t>
+              </a:r>
+              <a:r>
+                <a:rPr lang="ja-JP" altLang="en-US" sz="4400" dirty="0">
+                  <a:latin typeface="+mn-ea"/>
+                  <a:ea typeface="+mn-ea"/>
+                </a:rPr>
+                <a:t>や </a:t>
+              </a:r>
+              <a:endParaRPr lang="en-US" altLang="ja-JP" sz="4400" dirty="0">
+                <a:latin typeface="+mn-ea"/>
+                <a:ea typeface="+mn-ea"/>
+              </a:endParaRPr>
+            </a:p>
+            <a:p>
+              <a:pPr marL="0" lvl="0" indent="0" algn="l" rtl="0">
+                <a:spcBef>
+                  <a:spcPts val="0"/>
+                </a:spcBef>
+                <a:spcAft>
+                  <a:spcPts val="0"/>
+                </a:spcAft>
+                <a:buNone/>
+              </a:pPr>
+              <a:r>
+                <a:rPr lang="en-US" sz="4400" dirty="0">
+                  <a:latin typeface="+mn-ea"/>
+                  <a:ea typeface="+mn-ea"/>
+                </a:rPr>
+                <a:t>	Generative Pre-trained Transformer (</a:t>
+              </a:r>
+              <a:r>
+                <a:rPr lang="en-US" sz="4400" u="sng" dirty="0">
+                  <a:latin typeface="+mn-ea"/>
+                  <a:ea typeface="+mn-ea"/>
+                </a:rPr>
+                <a:t>GPT</a:t>
+              </a:r>
+              <a:r>
+                <a:rPr lang="en-US" sz="4400" dirty="0">
+                  <a:latin typeface="+mn-ea"/>
+                  <a:ea typeface="+mn-ea"/>
+                </a:rPr>
+                <a:t>) </a:t>
+              </a:r>
+              <a:r>
+                <a:rPr lang="ja-JP" altLang="en-US" sz="4400" dirty="0">
+                  <a:latin typeface="+mn-ea"/>
+                  <a:ea typeface="+mn-ea"/>
+                </a:rPr>
+                <a:t>などを</a:t>
+              </a:r>
+              <a:endParaRPr lang="en-US" altLang="ja-JP" sz="4400" dirty="0">
+                <a:latin typeface="+mn-ea"/>
+                <a:ea typeface="+mn-ea"/>
+              </a:endParaRPr>
+            </a:p>
+            <a:p>
+              <a:pPr marL="0" lvl="0" indent="0" algn="l" rtl="0">
+                <a:spcBef>
+                  <a:spcPts val="0"/>
+                </a:spcBef>
+                <a:spcAft>
+                  <a:spcPts val="0"/>
+                </a:spcAft>
+                <a:buNone/>
+              </a:pPr>
+              <a:r>
+                <a:rPr lang="en-US" sz="4400" dirty="0">
+                  <a:latin typeface="+mn-ea"/>
+                  <a:ea typeface="+mn-ea"/>
+                </a:rPr>
+                <a:t>	</a:t>
+              </a:r>
+              <a:r>
+                <a:rPr lang="ja-JP" altLang="en-US" sz="4400" dirty="0">
+                  <a:latin typeface="+mn-ea"/>
+                  <a:ea typeface="+mn-ea"/>
+                </a:rPr>
+                <a:t>活用した </a:t>
+              </a:r>
+              <a:r>
+                <a:rPr lang="en-US" sz="4400" dirty="0">
+                  <a:latin typeface="+mn-ea"/>
+                  <a:ea typeface="+mn-ea"/>
+                </a:rPr>
+                <a:t>LLM </a:t>
+              </a:r>
+              <a:r>
+                <a:rPr lang="ja-JP" altLang="en-US" sz="4400" dirty="0">
+                  <a:latin typeface="+mn-ea"/>
+                  <a:ea typeface="+mn-ea"/>
+                </a:rPr>
+                <a:t>の商業利用への需要拡大</a:t>
+              </a:r>
+              <a:endParaRPr lang="en-US" altLang="ja-JP" sz="4400" dirty="0">
+                <a:latin typeface="+mn-ea"/>
+                <a:ea typeface="+mn-ea"/>
+              </a:endParaRPr>
+            </a:p>
+            <a:p>
+              <a:pPr marL="0" lvl="0" indent="0" algn="l" rtl="0">
+                <a:spcBef>
+                  <a:spcPts val="0"/>
+                </a:spcBef>
+                <a:spcAft>
+                  <a:spcPts val="0"/>
+                </a:spcAft>
+                <a:buNone/>
+              </a:pPr>
+              <a:endParaRPr lang="en-US" sz="4400" dirty="0">
+                <a:latin typeface="+mn-ea"/>
+                <a:ea typeface="+mn-ea"/>
+              </a:endParaRPr>
+            </a:p>
+            <a:p>
+              <a:pPr lvl="2"/>
+              <a:r>
+                <a:rPr lang="en-US" altLang="ja-JP" sz="4400" dirty="0">
+                  <a:latin typeface="+mn-ea"/>
+                  <a:ea typeface="+mn-ea"/>
+                </a:rPr>
+                <a:t>	</a:t>
+              </a:r>
+              <a:r>
+                <a:rPr lang="ja-JP" altLang="en-US" sz="4400" dirty="0">
+                  <a:solidFill>
+                    <a:schemeClr val="tx1"/>
+                  </a:solidFill>
+                  <a:latin typeface="+mn-ea"/>
+                  <a:ea typeface="+mn-ea"/>
+                </a:rPr>
+                <a:t>⇒</a:t>
+              </a:r>
+              <a:r>
+                <a:rPr lang="ja-JP" altLang="en-US" sz="4400" dirty="0">
+                  <a:latin typeface="+mn-ea"/>
+                  <a:ea typeface="+mn-ea"/>
+                </a:rPr>
+                <a:t>文章全体の分散表現を適切に得るための</a:t>
+              </a:r>
+              <a:endParaRPr lang="en-US" altLang="ja-JP" sz="4400" dirty="0">
+                <a:latin typeface="+mn-ea"/>
+                <a:ea typeface="+mn-ea"/>
+              </a:endParaRPr>
+            </a:p>
+            <a:p>
+              <a:pPr lvl="2"/>
+              <a:r>
+                <a:rPr lang="ja-JP" altLang="en-US" sz="4400" dirty="0">
+                  <a:latin typeface="+mn-ea"/>
+                  <a:ea typeface="+mn-ea"/>
+                </a:rPr>
+                <a:t>　　　　</a:t>
+              </a:r>
+              <a:r>
+                <a:rPr lang="ja-JP" altLang="en-US" sz="4400" u="sng" dirty="0">
+                  <a:latin typeface="+mn-ea"/>
+                  <a:ea typeface="+mn-ea"/>
+                </a:rPr>
+                <a:t>プーリング戦略</a:t>
+              </a:r>
+              <a:r>
+                <a:rPr lang="ja-JP" altLang="en-US" sz="4400" dirty="0">
+                  <a:latin typeface="+mn-ea"/>
+                  <a:ea typeface="+mn-ea"/>
+                </a:rPr>
+                <a:t>が重要</a:t>
+              </a:r>
+            </a:p>
+            <a:p>
+              <a:pPr lvl="2"/>
+              <a:endParaRPr lang="en-US" sz="4000" dirty="0">
+                <a:latin typeface="+mn-ea"/>
+                <a:ea typeface="+mn-ea"/>
+              </a:endParaRPr>
+            </a:p>
+            <a:p>
+              <a:pPr lvl="2"/>
+              <a:endParaRPr lang="en-US" sz="4000" dirty="0">
+                <a:latin typeface="+mn-ea"/>
+                <a:ea typeface="+mn-ea"/>
+              </a:endParaRPr>
+            </a:p>
+            <a:p>
+              <a:pPr lvl="2"/>
+              <a:endParaRPr lang="en-US" sz="4000" dirty="0">
+                <a:latin typeface="+mn-ea"/>
+                <a:ea typeface="+mn-ea"/>
+              </a:endParaRPr>
+            </a:p>
+            <a:p>
+              <a:pPr lvl="2"/>
+              <a:endParaRPr lang="en-US" sz="4000" dirty="0">
+                <a:latin typeface="+mn-ea"/>
+                <a:ea typeface="+mn-ea"/>
+              </a:endParaRPr>
+            </a:p>
+            <a:p>
+              <a:pPr lvl="2"/>
+              <a:endParaRPr lang="en-US" sz="4000" dirty="0">
+                <a:latin typeface="+mn-ea"/>
+                <a:ea typeface="+mn-ea"/>
+              </a:endParaRPr>
+            </a:p>
+            <a:p>
+              <a:pPr lvl="2"/>
+              <a:r>
+                <a:rPr lang="en-US" altLang="ja-JP" sz="4400" dirty="0">
+                  <a:latin typeface="+mn-ea"/>
+                  <a:ea typeface="+mn-ea"/>
+                </a:rPr>
+                <a:t>	</a:t>
+              </a:r>
+              <a:endParaRPr lang="en-US" sz="4400" dirty="0">
+                <a:latin typeface="+mn-ea"/>
+                <a:ea typeface="+mn-ea"/>
+              </a:endParaRPr>
+            </a:p>
+          </p:txBody>
+        </p:sp>
+        <p:sp>
+          <p:nvSpPr>
+            <p:cNvPr id="67" name="Google Shape;67;p14">
+              <a:extLst>
+                <a:ext uri="{FF2B5EF4-FFF2-40B4-BE49-F238E27FC236}">
+                  <a16:creationId xmlns:a16="http://schemas.microsoft.com/office/drawing/2014/main" id="{594B2A12-8BAC-971D-9693-81B2E367915B}"/>
+                </a:ext>
+              </a:extLst>
+            </p:cNvPr>
+            <p:cNvSpPr>
+              <a:spLocks noGrp="1" noRot="1" noMove="1" noResize="1" noEditPoints="1" noAdjustHandles="1" noChangeArrowheads="1" noChangeShapeType="1"/>
+            </p:cNvSpPr>
+            <p:nvPr/>
+          </p:nvSpPr>
+          <p:spPr>
+            <a:xfrm>
+              <a:off x="792000" y="6048002"/>
+              <a:ext cx="13895700" cy="6582720"/>
+            </a:xfrm>
+            <a:prstGeom prst="rect">
+              <a:avLst/>
+            </a:prstGeom>
+            <a:noFill/>
+            <a:ln w="25400" cap="flat" cmpd="sng">
+              <a:solidFill>
+                <a:srgbClr val="3F3F3F"/>
+              </a:solidFill>
+              <a:prstDash val="solid"/>
+              <a:miter lim="8000"/>
+              <a:headEnd type="none" w="sm" len="sm"/>
+              <a:tailEnd type="none" w="sm" len="sm"/>
+            </a:ln>
+          </p:spPr>
+          <p:txBody>
+            <a:bodyPr spcFirstLastPara="1" wrap="square" lIns="91425" tIns="91425" rIns="91425" bIns="91425" anchor="ctr" anchorCtr="0">
+              <a:noAutofit/>
+            </a:bodyPr>
+            <a:lstStyle/>
+            <a:p>
+              <a:pPr marL="0" lvl="0" indent="0" algn="l" rtl="0">
+                <a:spcBef>
+                  <a:spcPts val="0"/>
+                </a:spcBef>
+                <a:spcAft>
+                  <a:spcPts val="0"/>
+                </a:spcAft>
+                <a:buNone/>
+              </a:pPr>
+              <a:endParaRPr/>
+            </a:p>
+          </p:txBody>
+        </p:sp>
+        <p:sp>
+          <p:nvSpPr>
+            <p:cNvPr id="68" name="Google Shape;68;p14">
+              <a:extLst>
+                <a:ext uri="{FF2B5EF4-FFF2-40B4-BE49-F238E27FC236}">
+                  <a16:creationId xmlns:a16="http://schemas.microsoft.com/office/drawing/2014/main" id="{BE9A8752-FD2E-63EC-A7F7-CAB9AFA2CE71}"/>
+                </a:ext>
+              </a:extLst>
+            </p:cNvPr>
+            <p:cNvSpPr>
+              <a:spLocks noGrp="1" noRot="1" noMove="1" noResize="1" noEditPoints="1" noAdjustHandles="1" noChangeArrowheads="1" noChangeShapeType="1"/>
+            </p:cNvSpPr>
+            <p:nvPr/>
+          </p:nvSpPr>
+          <p:spPr>
+            <a:xfrm>
+              <a:off x="2232000" y="5393880"/>
+              <a:ext cx="4607640" cy="1308240"/>
+            </a:xfrm>
+            <a:prstGeom prst="rect">
+              <a:avLst/>
+            </a:prstGeom>
+            <a:solidFill>
+              <a:schemeClr val="lt1"/>
+            </a:solidFill>
+            <a:ln>
+              <a:noFill/>
+            </a:ln>
+          </p:spPr>
+          <p:txBody>
+            <a:bodyPr spcFirstLastPara="1" wrap="square" lIns="90000" tIns="45000" rIns="90000" bIns="45000" anchor="ctr" anchorCtr="0">
+              <a:noAutofit/>
+            </a:bodyPr>
+            <a:lstStyle/>
+            <a:p>
+              <a:pPr algn="ctr"/>
+              <a:r>
+                <a:rPr lang="ja-JP" altLang="en-US" sz="8000" dirty="0">
+                  <a:solidFill>
+                    <a:srgbClr val="404040"/>
+                  </a:solidFill>
+                  <a:latin typeface="+mj-ea"/>
+                  <a:ea typeface="+mj-ea"/>
+                </a:rPr>
+                <a:t>研究背景</a:t>
+              </a:r>
+              <a:endParaRPr lang="ja-JP" altLang="en-US" sz="8000" b="0" i="0" u="none" strike="noStrike" cap="none" dirty="0">
+                <a:latin typeface="+mj-ea"/>
+                <a:ea typeface="+mj-ea"/>
+                <a:sym typeface="Arial"/>
+              </a:endParaRPr>
+            </a:p>
+          </p:txBody>
+        </p:sp>
+      </p:grpSp>
+      <p:sp>
+        <p:nvSpPr>
+          <p:cNvPr id="69" name="Google Shape;69;p14">
+            <a:extLst>
+              <a:ext uri="{FF2B5EF4-FFF2-40B4-BE49-F238E27FC236}">
+                <a16:creationId xmlns:a16="http://schemas.microsoft.com/office/drawing/2014/main" id="{F7C3E43A-CF03-BB69-FD6A-318D0BFBF157}"/>
+              </a:ext>
+            </a:extLst>
+          </p:cNvPr>
+          <p:cNvSpPr/>
+          <p:nvPr/>
+        </p:nvSpPr>
+        <p:spPr>
+          <a:xfrm>
+            <a:off x="15624000" y="6048000"/>
+            <a:ext cx="13895700" cy="12742105"/>
+          </a:xfrm>
+          <a:prstGeom prst="rect">
+            <a:avLst/>
+          </a:prstGeom>
+          <a:noFill/>
+          <a:ln w="25400" cap="flat" cmpd="sng">
+            <a:solidFill>
+              <a:srgbClr val="3F3F3F"/>
+            </a:solidFill>
+            <a:prstDash val="solid"/>
+            <a:miter lim="8000"/>
+            <a:headEnd type="none" w="sm" len="sm"/>
+            <a:tailEnd type="none" w="sm" len="sm"/>
+          </a:ln>
+        </p:spPr>
+        <p:txBody>
+          <a:bodyPr spcFirstLastPara="1" wrap="square" lIns="91425" tIns="91425" rIns="91425" bIns="91425" anchor="ctr" anchorCtr="0">
+            <a:noAutofit/>
+          </a:bodyPr>
+          <a:lstStyle/>
+          <a:p>
+            <a:pPr marL="0" lvl="0" indent="0" algn="l" rtl="0">
+              <a:spcBef>
+                <a:spcPts val="0"/>
+              </a:spcBef>
+              <a:spcAft>
+                <a:spcPts val="0"/>
+              </a:spcAft>
+              <a:buNone/>
+            </a:pPr>
+            <a:endParaRPr/>
+          </a:p>
+        </p:txBody>
+      </p:sp>
+      <p:sp>
+        <p:nvSpPr>
+          <p:cNvPr id="70" name="Google Shape;70;p14">
+            <a:extLst>
+              <a:ext uri="{FF2B5EF4-FFF2-40B4-BE49-F238E27FC236}">
+                <a16:creationId xmlns:a16="http://schemas.microsoft.com/office/drawing/2014/main" id="{CBBCE8DA-6015-1545-ECA5-811ED56661AC}"/>
+              </a:ext>
+            </a:extLst>
+          </p:cNvPr>
+          <p:cNvSpPr/>
+          <p:nvPr/>
+        </p:nvSpPr>
+        <p:spPr>
+          <a:xfrm>
+            <a:off x="17064000" y="5393880"/>
+            <a:ext cx="4607640" cy="1308240"/>
+          </a:xfrm>
+          <a:prstGeom prst="rect">
+            <a:avLst/>
+          </a:prstGeom>
+          <a:solidFill>
+            <a:schemeClr val="lt1"/>
+          </a:solidFill>
+          <a:ln>
+            <a:noFill/>
+          </a:ln>
+        </p:spPr>
+        <p:txBody>
+          <a:bodyPr spcFirstLastPara="1" wrap="square" lIns="90000" tIns="45000" rIns="90000" bIns="45000" anchor="ctr" anchorCtr="0">
+            <a:noAutofit/>
+          </a:bodyPr>
+          <a:lstStyle/>
+          <a:p>
+            <a:pPr marL="0" marR="0" lvl="0" indent="0" algn="ctr" rtl="0">
+              <a:lnSpc>
+                <a:spcPct val="100000"/>
+              </a:lnSpc>
+              <a:spcBef>
+                <a:spcPts val="0"/>
+              </a:spcBef>
+              <a:spcAft>
+                <a:spcPts val="0"/>
+              </a:spcAft>
+              <a:buNone/>
+            </a:pPr>
+            <a:r>
+              <a:rPr lang="ja-JP" altLang="en-US" sz="8000" dirty="0">
+                <a:solidFill>
+                  <a:srgbClr val="404040"/>
+                </a:solidFill>
+                <a:latin typeface="+mj-ea"/>
+                <a:ea typeface="+mj-ea"/>
+              </a:rPr>
+              <a:t>実験設定</a:t>
+            </a:r>
+            <a:endParaRPr sz="8000" b="0" i="0" u="none" strike="noStrike" cap="none" dirty="0">
+              <a:latin typeface="+mj-ea"/>
+              <a:ea typeface="+mj-ea"/>
+              <a:cs typeface="Arial"/>
+              <a:sym typeface="Arial"/>
+            </a:endParaRPr>
+          </a:p>
+        </p:txBody>
+      </p:sp>
+      <p:sp>
+        <p:nvSpPr>
+          <p:cNvPr id="71" name="Google Shape;71;p14">
+            <a:extLst>
+              <a:ext uri="{FF2B5EF4-FFF2-40B4-BE49-F238E27FC236}">
+                <a16:creationId xmlns:a16="http://schemas.microsoft.com/office/drawing/2014/main" id="{FFFAAB1A-48AE-980E-CE9A-0925A7EB19CE}"/>
+              </a:ext>
+            </a:extLst>
+          </p:cNvPr>
+          <p:cNvSpPr/>
+          <p:nvPr/>
+        </p:nvSpPr>
+        <p:spPr>
+          <a:xfrm>
+            <a:off x="504000" y="720000"/>
+            <a:ext cx="3887640" cy="1727640"/>
+          </a:xfrm>
+          <a:prstGeom prst="rect">
+            <a:avLst/>
+          </a:prstGeom>
+          <a:solidFill>
+            <a:schemeClr val="accent1"/>
+          </a:solidFill>
+          <a:ln>
+            <a:noFill/>
+          </a:ln>
+        </p:spPr>
+        <p:txBody>
+          <a:bodyPr spcFirstLastPara="1" wrap="square" lIns="91425" tIns="91425" rIns="91425" bIns="91425" anchor="ctr" anchorCtr="0">
+            <a:noAutofit/>
+          </a:bodyPr>
+          <a:lstStyle/>
+          <a:p>
+            <a:pPr marL="0" lvl="0" indent="0" algn="l" rtl="0">
+              <a:spcBef>
+                <a:spcPts val="0"/>
+              </a:spcBef>
+              <a:spcAft>
+                <a:spcPts val="0"/>
+              </a:spcAft>
+              <a:buNone/>
+            </a:pPr>
+            <a:endParaRPr/>
+          </a:p>
+        </p:txBody>
+      </p:sp>
+      <p:sp>
+        <p:nvSpPr>
+          <p:cNvPr id="72" name="Google Shape;72;p14">
+            <a:extLst>
+              <a:ext uri="{FF2B5EF4-FFF2-40B4-BE49-F238E27FC236}">
+                <a16:creationId xmlns:a16="http://schemas.microsoft.com/office/drawing/2014/main" id="{0B59CAAD-5C7A-6E25-FE1F-75D3A0CF6D1B}"/>
+              </a:ext>
+            </a:extLst>
+          </p:cNvPr>
+          <p:cNvSpPr/>
+          <p:nvPr/>
+        </p:nvSpPr>
+        <p:spPr>
+          <a:xfrm>
+            <a:off x="1008000" y="843120"/>
+            <a:ext cx="4536000" cy="1553760"/>
+          </a:xfrm>
+          <a:prstGeom prst="rect">
+            <a:avLst/>
+          </a:prstGeom>
+          <a:noFill/>
+          <a:ln>
+            <a:noFill/>
+          </a:ln>
+        </p:spPr>
+        <p:txBody>
+          <a:bodyPr spcFirstLastPara="1" wrap="square" lIns="90000" tIns="45000" rIns="90000" bIns="45000" anchor="ctr" anchorCtr="0">
+            <a:noAutofit/>
+          </a:bodyPr>
+          <a:lstStyle/>
+          <a:p>
+            <a:pPr marL="0" marR="0" lvl="0" indent="0" algn="l" rtl="0">
+              <a:lnSpc>
+                <a:spcPct val="100000"/>
+              </a:lnSpc>
+              <a:spcBef>
+                <a:spcPts val="0"/>
+              </a:spcBef>
+              <a:spcAft>
+                <a:spcPts val="0"/>
+              </a:spcAft>
+              <a:buNone/>
+            </a:pPr>
+            <a:r>
+              <a:rPr lang="en-US" altLang="ja-JP" sz="9600" dirty="0">
+                <a:solidFill>
+                  <a:srgbClr val="FFFFFF"/>
+                </a:solidFill>
+              </a:rPr>
+              <a:t>C</a:t>
+            </a:r>
+            <a:r>
+              <a:rPr lang="ja-JP" sz="9600" b="0" i="0" u="none" strike="noStrike" cap="none" dirty="0">
+                <a:solidFill>
+                  <a:srgbClr val="FFFFFF"/>
+                </a:solidFill>
+                <a:latin typeface="Arial"/>
+                <a:ea typeface="Arial"/>
+                <a:cs typeface="Arial"/>
+                <a:sym typeface="Arial"/>
+              </a:rPr>
+              <a:t>-</a:t>
+            </a:r>
+            <a:r>
+              <a:rPr lang="en-US" altLang="ja-JP" sz="9600" dirty="0">
+                <a:solidFill>
+                  <a:srgbClr val="FFFFFF"/>
+                </a:solidFill>
+              </a:rPr>
+              <a:t>02</a:t>
+            </a:r>
+            <a:endParaRPr sz="9600" b="0" i="0" u="none" strike="noStrike" cap="none" dirty="0">
+              <a:latin typeface="Arial"/>
+              <a:ea typeface="Arial"/>
+              <a:cs typeface="Arial"/>
+              <a:sym typeface="Arial"/>
+            </a:endParaRPr>
+          </a:p>
+        </p:txBody>
+      </p:sp>
+      <p:sp>
+        <p:nvSpPr>
+          <p:cNvPr id="75" name="Google Shape;75;p14">
+            <a:extLst>
+              <a:ext uri="{FF2B5EF4-FFF2-40B4-BE49-F238E27FC236}">
+                <a16:creationId xmlns:a16="http://schemas.microsoft.com/office/drawing/2014/main" id="{7B93094B-D0AD-82BF-2A90-3B695D8565B0}"/>
+              </a:ext>
+            </a:extLst>
+          </p:cNvPr>
+          <p:cNvSpPr/>
+          <p:nvPr/>
+        </p:nvSpPr>
+        <p:spPr>
+          <a:xfrm>
+            <a:off x="1440000" y="15336000"/>
+            <a:ext cx="12815640" cy="1919160"/>
+          </a:xfrm>
+          <a:prstGeom prst="rect">
+            <a:avLst/>
+          </a:prstGeom>
+          <a:noFill/>
+          <a:ln>
+            <a:noFill/>
+          </a:ln>
+        </p:spPr>
+        <p:txBody>
+          <a:bodyPr spcFirstLastPara="1" wrap="square" lIns="91425" tIns="91425" rIns="91425" bIns="91425" anchor="ctr" anchorCtr="0">
+            <a:noAutofit/>
+          </a:bodyPr>
+          <a:lstStyle/>
+          <a:p>
+            <a:pPr marL="0" lvl="0" indent="0" algn="l" rtl="0">
+              <a:spcBef>
+                <a:spcPts val="0"/>
+              </a:spcBef>
+              <a:spcAft>
+                <a:spcPts val="0"/>
+              </a:spcAft>
+              <a:buNone/>
+            </a:pPr>
+            <a:endParaRPr/>
+          </a:p>
+        </p:txBody>
+      </p:sp>
+      <p:sp>
+        <p:nvSpPr>
+          <p:cNvPr id="100" name="Google Shape;100;p14">
+            <a:extLst>
+              <a:ext uri="{FF2B5EF4-FFF2-40B4-BE49-F238E27FC236}">
+                <a16:creationId xmlns:a16="http://schemas.microsoft.com/office/drawing/2014/main" id="{DEB216FB-4777-D085-D99C-4941BB10D098}"/>
+              </a:ext>
+            </a:extLst>
+          </p:cNvPr>
+          <p:cNvSpPr txBox="1"/>
+          <p:nvPr/>
+        </p:nvSpPr>
+        <p:spPr>
+          <a:xfrm>
+            <a:off x="35433000" y="8343900"/>
+            <a:ext cx="21945600" cy="400200"/>
+          </a:xfrm>
+          <a:prstGeom prst="rect">
+            <a:avLst/>
+          </a:prstGeom>
+          <a:noFill/>
+          <a:ln>
+            <a:noFill/>
+          </a:ln>
+        </p:spPr>
+        <p:txBody>
+          <a:bodyPr spcFirstLastPara="1" wrap="square" lIns="91425" tIns="91425" rIns="91425" bIns="91425" anchor="t" anchorCtr="0">
+            <a:spAutoFit/>
+          </a:bodyPr>
+          <a:lstStyle/>
+          <a:p>
+            <a:pPr marL="0" lvl="0" indent="0" algn="l" rtl="0">
+              <a:spcBef>
+                <a:spcPts val="0"/>
+              </a:spcBef>
+              <a:spcAft>
+                <a:spcPts val="0"/>
+              </a:spcAft>
+              <a:buNone/>
+            </a:pPr>
+            <a:endParaRPr/>
+          </a:p>
+        </p:txBody>
+      </p:sp>
+      <p:sp>
+        <p:nvSpPr>
+          <p:cNvPr id="2" name="Google Shape;66;p14">
+            <a:extLst>
+              <a:ext uri="{FF2B5EF4-FFF2-40B4-BE49-F238E27FC236}">
+                <a16:creationId xmlns:a16="http://schemas.microsoft.com/office/drawing/2014/main" id="{483A8FB3-799B-37B2-1271-247C9BA8DCCD}"/>
+              </a:ext>
+            </a:extLst>
+          </p:cNvPr>
+          <p:cNvSpPr/>
+          <p:nvPr/>
+        </p:nvSpPr>
+        <p:spPr>
+          <a:xfrm>
+            <a:off x="14748495" y="3311280"/>
+            <a:ext cx="19943640" cy="1186920"/>
+          </a:xfrm>
+          <a:prstGeom prst="rect">
+            <a:avLst/>
+          </a:prstGeom>
+          <a:noFill/>
+          <a:ln>
+            <a:noFill/>
+          </a:ln>
+        </p:spPr>
+        <p:txBody>
+          <a:bodyPr spcFirstLastPara="1" wrap="square" lIns="90000" tIns="45000" rIns="90000" bIns="45000" anchor="t" anchorCtr="0">
+            <a:noAutofit/>
+          </a:bodyPr>
+          <a:lstStyle/>
+          <a:p>
+            <a:pPr marL="0" marR="0" lvl="0" indent="0" algn="l" rtl="0">
+              <a:lnSpc>
+                <a:spcPct val="100000"/>
+              </a:lnSpc>
+              <a:spcBef>
+                <a:spcPts val="0"/>
+              </a:spcBef>
+              <a:spcAft>
+                <a:spcPts val="0"/>
+              </a:spcAft>
+              <a:buNone/>
+            </a:pPr>
+            <a:r>
+              <a:rPr lang="ja-JP" sz="7200" b="0" i="0" u="none" strike="noStrike" cap="none" dirty="0">
+                <a:solidFill>
+                  <a:srgbClr val="FFFFFF"/>
+                </a:solidFill>
+                <a:latin typeface="+mn-ea"/>
+                <a:ea typeface="+mn-ea"/>
+                <a:cs typeface="Arial"/>
+                <a:sym typeface="Arial"/>
+              </a:rPr>
+              <a:t>創発ソフトウェア研究</a:t>
+            </a:r>
+            <a:r>
+              <a:rPr lang="ja-JP" altLang="en-US" sz="7200" dirty="0">
+                <a:solidFill>
+                  <a:srgbClr val="FFFFFF"/>
+                </a:solidFill>
+                <a:latin typeface="+mn-ea"/>
+                <a:ea typeface="+mn-ea"/>
+              </a:rPr>
+              <a:t>室</a:t>
+            </a:r>
+            <a:r>
+              <a:rPr lang="ja-JP" sz="7200" b="0" i="0" u="none" strike="noStrike" cap="none" dirty="0">
+                <a:solidFill>
+                  <a:srgbClr val="FFFFFF"/>
+                </a:solidFill>
+                <a:latin typeface="+mn-ea"/>
+                <a:ea typeface="+mn-ea"/>
+                <a:cs typeface="Arial"/>
+                <a:sym typeface="Arial"/>
+              </a:rPr>
+              <a:t>    </a:t>
+            </a:r>
+            <a:r>
+              <a:rPr lang="ja-JP" altLang="en-US" sz="7200" dirty="0">
+                <a:solidFill>
+                  <a:srgbClr val="FFFFFF"/>
+                </a:solidFill>
+                <a:latin typeface="+mn-ea"/>
+                <a:ea typeface="+mn-ea"/>
+              </a:rPr>
+              <a:t>高山 裕成</a:t>
+            </a:r>
+            <a:endParaRPr sz="7200" b="0" i="0" u="none" strike="noStrike" cap="none" dirty="0">
+              <a:latin typeface="+mn-ea"/>
+              <a:ea typeface="+mn-ea"/>
+              <a:cs typeface="Arial"/>
+              <a:sym typeface="Arial"/>
+            </a:endParaRPr>
+          </a:p>
+        </p:txBody>
+      </p:sp>
+      <p:grpSp>
+        <p:nvGrpSpPr>
+          <p:cNvPr id="49" name="先行研究">
+            <a:extLst>
+              <a:ext uri="{FF2B5EF4-FFF2-40B4-BE49-F238E27FC236}">
+                <a16:creationId xmlns:a16="http://schemas.microsoft.com/office/drawing/2014/main" id="{CFC736A4-72F5-B010-8722-A0E3E5674861}"/>
+              </a:ext>
+            </a:extLst>
+          </p:cNvPr>
+          <p:cNvGrpSpPr>
+            <a:grpSpLocks noGrp="1" noUngrp="1" noRot="1" noMove="1" noResize="1"/>
+          </p:cNvGrpSpPr>
+          <p:nvPr/>
+        </p:nvGrpSpPr>
+        <p:grpSpPr>
+          <a:xfrm>
+            <a:off x="791998" y="13326814"/>
+            <a:ext cx="13895700" cy="9209157"/>
+            <a:chOff x="791998" y="17744911"/>
+            <a:chExt cx="13895700" cy="9209157"/>
+          </a:xfrm>
+        </p:grpSpPr>
+        <p:grpSp>
+          <p:nvGrpSpPr>
+            <p:cNvPr id="36" name="グループ化 35">
+              <a:extLst>
+                <a:ext uri="{FF2B5EF4-FFF2-40B4-BE49-F238E27FC236}">
+                  <a16:creationId xmlns:a16="http://schemas.microsoft.com/office/drawing/2014/main" id="{7A01A281-F9EF-7C07-DE64-6566C44B6874}"/>
+                </a:ext>
+              </a:extLst>
+            </p:cNvPr>
+            <p:cNvGrpSpPr>
+              <a:grpSpLocks noGrp="1" noUngrp="1" noRot="1" noMove="1" noResize="1"/>
+            </p:cNvGrpSpPr>
+            <p:nvPr/>
+          </p:nvGrpSpPr>
+          <p:grpSpPr>
+            <a:xfrm>
+              <a:off x="791998" y="17744911"/>
+              <a:ext cx="13895700" cy="9209157"/>
+              <a:chOff x="791998" y="18420028"/>
+              <a:chExt cx="13895700" cy="9209157"/>
+            </a:xfrm>
+          </p:grpSpPr>
+          <p:sp>
+            <p:nvSpPr>
+              <p:cNvPr id="33" name="Google Shape;67;p14">
+                <a:extLst>
+                  <a:ext uri="{FF2B5EF4-FFF2-40B4-BE49-F238E27FC236}">
+                    <a16:creationId xmlns:a16="http://schemas.microsoft.com/office/drawing/2014/main" id="{696D67D1-9E3F-2053-B20D-DCD12E6E59D3}"/>
+                  </a:ext>
+                </a:extLst>
+              </p:cNvPr>
+              <p:cNvSpPr>
+                <a:spLocks noGrp="1" noRot="1" noMove="1" noResize="1" noEditPoints="1" noAdjustHandles="1" noChangeArrowheads="1" noChangeShapeType="1"/>
+              </p:cNvSpPr>
+              <p:nvPr/>
+            </p:nvSpPr>
+            <p:spPr>
+              <a:xfrm>
+                <a:off x="791998" y="19070335"/>
+                <a:ext cx="13895700" cy="8558850"/>
+              </a:xfrm>
+              <a:prstGeom prst="rect">
+                <a:avLst/>
+              </a:prstGeom>
+              <a:noFill/>
+              <a:ln w="25400" cap="flat" cmpd="sng">
+                <a:solidFill>
+                  <a:srgbClr val="3F3F3F"/>
+                </a:solidFill>
+                <a:prstDash val="solid"/>
+                <a:miter lim="8000"/>
+                <a:headEnd type="none" w="sm" len="sm"/>
+                <a:tailEnd type="none" w="sm" len="sm"/>
+              </a:ln>
+            </p:spPr>
+            <p:txBody>
+              <a:bodyPr spcFirstLastPara="1" wrap="square" lIns="91425" tIns="91425" rIns="91425" bIns="91425" anchor="ctr" anchorCtr="0">
+                <a:noAutofit/>
+              </a:bodyPr>
+              <a:lstStyle/>
+              <a:p>
+                <a:pPr marL="0" lvl="0" indent="0" algn="l" rtl="0">
+                  <a:spcBef>
+                    <a:spcPts val="0"/>
+                  </a:spcBef>
+                  <a:spcAft>
+                    <a:spcPts val="0"/>
+                  </a:spcAft>
+                  <a:buNone/>
+                </a:pPr>
+                <a:endParaRPr dirty="0"/>
+              </a:p>
+            </p:txBody>
+          </p:sp>
+          <p:sp>
+            <p:nvSpPr>
+              <p:cNvPr id="34" name="Google Shape;68;p14">
+                <a:extLst>
+                  <a:ext uri="{FF2B5EF4-FFF2-40B4-BE49-F238E27FC236}">
+                    <a16:creationId xmlns:a16="http://schemas.microsoft.com/office/drawing/2014/main" id="{2B877ACD-1BAF-8DC8-890D-8CBED2C8EE05}"/>
+                  </a:ext>
+                </a:extLst>
+              </p:cNvPr>
+              <p:cNvSpPr>
+                <a:spLocks noGrp="1" noRot="1" noMove="1" noResize="1" noEditPoints="1" noAdjustHandles="1" noChangeArrowheads="1" noChangeShapeType="1"/>
+              </p:cNvSpPr>
+              <p:nvPr/>
+            </p:nvSpPr>
+            <p:spPr>
+              <a:xfrm>
+                <a:off x="2232000" y="18420028"/>
+                <a:ext cx="4607640" cy="1308240"/>
+              </a:xfrm>
+              <a:prstGeom prst="rect">
+                <a:avLst/>
+              </a:prstGeom>
+              <a:solidFill>
+                <a:schemeClr val="lt1"/>
+              </a:solidFill>
+              <a:ln>
+                <a:noFill/>
+              </a:ln>
+            </p:spPr>
+            <p:txBody>
+              <a:bodyPr spcFirstLastPara="1" wrap="square" lIns="90000" tIns="45000" rIns="90000" bIns="45000" anchor="ctr" anchorCtr="0">
+                <a:noAutofit/>
+              </a:bodyPr>
+              <a:lstStyle/>
+              <a:p>
+                <a:pPr algn="ctr"/>
+                <a:r>
+                  <a:rPr lang="ja-JP" altLang="en-US" sz="8000" dirty="0">
+                    <a:solidFill>
+                      <a:srgbClr val="404040"/>
+                    </a:solidFill>
+                    <a:latin typeface="+mj-ea"/>
+                    <a:ea typeface="+mj-ea"/>
+                  </a:rPr>
+                  <a:t>先行研究</a:t>
+                </a:r>
+                <a:endParaRPr lang="ja-JP" altLang="en-US" sz="8000" b="0" i="0" u="none" strike="noStrike" cap="none" dirty="0">
+                  <a:latin typeface="+mj-ea"/>
+                  <a:ea typeface="+mj-ea"/>
+                  <a:sym typeface="Arial"/>
+                </a:endParaRPr>
+              </a:p>
+            </p:txBody>
+          </p:sp>
+        </p:grpSp>
+        <mc:AlternateContent xmlns:mc="http://schemas.openxmlformats.org/markup-compatibility/2006">
+          <mc:Choice xmlns:a14="http://schemas.microsoft.com/office/drawing/2010/main" Requires="a14">
+            <p:sp>
+              <p:nvSpPr>
+                <p:cNvPr id="35" name="Google Shape;92;p14">
+                  <a:extLst>
+                    <a:ext uri="{FF2B5EF4-FFF2-40B4-BE49-F238E27FC236}">
+                      <a16:creationId xmlns:a16="http://schemas.microsoft.com/office/drawing/2014/main" id="{EEB4FC99-2C1A-872E-543E-670019060B15}"/>
+                    </a:ext>
+                  </a:extLst>
+                </p:cNvPr>
+                <p:cNvSpPr txBox="1">
+                  <a:spLocks noGrp="1" noRot="1" noMove="1" noResize="1" noEditPoints="1" noAdjustHandles="1" noChangeArrowheads="1" noChangeShapeType="1"/>
+                </p:cNvSpPr>
+                <p:nvPr/>
+              </p:nvSpPr>
+              <p:spPr>
+                <a:xfrm>
+                  <a:off x="1008000" y="19053152"/>
+                  <a:ext cx="13638712" cy="4155050"/>
+                </a:xfrm>
+                <a:prstGeom prst="rect">
+                  <a:avLst/>
+                </a:prstGeom>
+                <a:noFill/>
+                <a:ln>
+                  <a:noFill/>
+                </a:ln>
+              </p:spPr>
+              <p:txBody>
+                <a:bodyPr spcFirstLastPara="1" wrap="square" lIns="91425" tIns="91425" rIns="91425" bIns="91425" anchor="t" anchorCtr="0">
+                  <a:noAutofit/>
+                </a:bodyPr>
+                <a:lstStyle/>
+                <a:p>
+                  <a:pPr marL="0" lvl="0" indent="0" algn="l" rtl="0">
+                    <a:spcBef>
+                      <a:spcPts val="0"/>
+                    </a:spcBef>
+                    <a:spcAft>
+                      <a:spcPts val="0"/>
+                    </a:spcAft>
+                    <a:buNone/>
+                  </a:pPr>
+                  <a:r>
+                    <a:rPr lang="en-US" altLang="ja-JP" sz="4400" u="sng" dirty="0">
+                      <a:latin typeface="+mn-ea"/>
+                      <a:ea typeface="+mn-ea"/>
+                    </a:rPr>
+                    <a:t>CLS-Average Pooling (CAP)</a:t>
+                  </a:r>
+                  <a:r>
+                    <a:rPr lang="ja-JP" altLang="en-US" sz="4400" dirty="0">
+                      <a:latin typeface="+mn-ea"/>
+                      <a:ea typeface="+mn-ea"/>
+                    </a:rPr>
+                    <a:t> 層の導入 </a:t>
+                  </a:r>
+                  <a:r>
+                    <a:rPr lang="en-US" altLang="ja-JP" sz="4000" dirty="0">
+                      <a:latin typeface="+mn-ea"/>
+                      <a:ea typeface="+mn-ea"/>
+                    </a:rPr>
+                    <a:t>[</a:t>
+                  </a:r>
+                  <a:r>
+                    <a:rPr lang="ja-JP" altLang="en-US" sz="4000" dirty="0">
+                      <a:latin typeface="+mn-ea"/>
+                      <a:ea typeface="+mn-ea"/>
+                    </a:rPr>
+                    <a:t>大和</a:t>
+                  </a:r>
+                  <a:r>
+                    <a:rPr lang="en-US" altLang="ja-JP" sz="4000" dirty="0">
+                      <a:latin typeface="+mn-ea"/>
+                      <a:ea typeface="+mn-ea"/>
+                    </a:rPr>
+                    <a:t>, 2024]</a:t>
+                  </a:r>
+                  <a:r>
+                    <a:rPr lang="en-US" altLang="ja-JP" sz="4000" baseline="30000" dirty="0">
+                      <a:latin typeface="+mn-ea"/>
+                      <a:ea typeface="+mn-ea"/>
+                    </a:rPr>
+                    <a:t>[1]</a:t>
+                  </a:r>
+                  <a:r>
+                    <a:rPr lang="en-US" sz="4400" dirty="0">
+                      <a:latin typeface="+mn-ea"/>
+                      <a:ea typeface="+mn-ea"/>
+                    </a:rPr>
+                    <a:t>	</a:t>
+                  </a:r>
+                  <a:br>
+                    <a:rPr lang="en-US" sz="4400" dirty="0">
+                      <a:latin typeface="+mn-ea"/>
+                      <a:ea typeface="+mn-ea"/>
+                    </a:rPr>
+                  </a:br>
+                  <a:r>
+                    <a:rPr lang="en-US" sz="4000" dirty="0">
+                      <a:latin typeface="+mn-ea"/>
+                      <a:ea typeface="+mn-ea"/>
+                    </a:rPr>
+                    <a:t>	</a:t>
+                  </a:r>
+                </a:p>
+                <a:p>
+                  <a:pPr lvl="0"/>
+                  <a:r>
+                    <a:rPr lang="en-US" altLang="ja-JP" sz="4000" dirty="0">
+                      <a:latin typeface="+mn-ea"/>
+                      <a:ea typeface="+mn-ea"/>
+                    </a:rPr>
+                    <a:t>	</a:t>
+                  </a:r>
+                  <a:r>
+                    <a:rPr lang="ja-JP" altLang="en-US" sz="4400" dirty="0">
+                      <a:latin typeface="+mn-ea"/>
+                      <a:ea typeface="+mn-ea"/>
+                    </a:rPr>
+                    <a:t>学習可能な和が </a:t>
+                  </a:r>
+                  <a14:m>
+                    <m:oMath xmlns:m="http://schemas.openxmlformats.org/officeDocument/2006/math">
+                      <m:r>
+                        <a:rPr lang="en-US" altLang="ja-JP" sz="4400" i="1">
+                          <a:latin typeface="Cambria Math" panose="02040503050406030204" pitchFamily="18" charset="0"/>
+                          <a:ea typeface="+mn-ea"/>
+                        </a:rPr>
+                        <m:t>1</m:t>
+                      </m:r>
+                    </m:oMath>
+                  </a14:m>
+                  <a:r>
+                    <a:rPr lang="ja-JP" altLang="en-US" sz="4400" dirty="0">
+                      <a:latin typeface="+mn-ea"/>
+                      <a:ea typeface="+mn-ea"/>
+                    </a:rPr>
+                    <a:t> となるパラメータ </a:t>
+                  </a:r>
+                  <a14:m>
+                    <m:oMath xmlns:m="http://schemas.openxmlformats.org/officeDocument/2006/math">
+                      <m:r>
+                        <a:rPr lang="en-US" altLang="ja-JP" sz="4400" b="0" i="1" smtClean="0">
+                          <a:latin typeface="Cambria Math" panose="02040503050406030204" pitchFamily="18" charset="0"/>
+                          <a:ea typeface="+mn-ea"/>
+                        </a:rPr>
+                        <m:t>𝑝</m:t>
+                      </m:r>
+                      <m:r>
+                        <a:rPr lang="en-US" altLang="ja-JP" sz="4400" b="0" i="1" smtClean="0">
+                          <a:latin typeface="Cambria Math" panose="02040503050406030204" pitchFamily="18" charset="0"/>
+                          <a:ea typeface="+mn-ea"/>
+                        </a:rPr>
+                        <m:t>,  </m:t>
+                      </m:r>
+                      <m:r>
+                        <a:rPr lang="en-US" altLang="ja-JP" sz="4400" b="0" i="1" smtClean="0">
+                          <a:latin typeface="Cambria Math" panose="02040503050406030204" pitchFamily="18" charset="0"/>
+                          <a:ea typeface="+mn-ea"/>
+                        </a:rPr>
+                        <m:t>𝑞</m:t>
+                      </m:r>
+                      <m:r>
+                        <a:rPr lang="en-US" altLang="ja-JP" sz="4400" b="0" i="1" smtClean="0">
+                          <a:latin typeface="Cambria Math" panose="02040503050406030204" pitchFamily="18" charset="0"/>
+                          <a:ea typeface="+mn-ea"/>
+                        </a:rPr>
+                        <m:t> (≥0)</m:t>
+                      </m:r>
+                    </m:oMath>
+                  </a14:m>
+                  <a:r>
+                    <a:rPr lang="en-US" altLang="ja-JP" sz="4400" dirty="0">
+                      <a:latin typeface="+mn-ea"/>
+                      <a:ea typeface="+mn-ea"/>
+                    </a:rPr>
+                    <a:t> </a:t>
+                  </a:r>
+                </a:p>
+                <a:p>
+                  <a:pPr lvl="0"/>
+                  <a:r>
+                    <a:rPr lang="en-US" altLang="ja-JP" sz="4400" dirty="0">
+                      <a:latin typeface="+mn-ea"/>
+                      <a:ea typeface="+mn-ea"/>
+                    </a:rPr>
+                    <a:t>	</a:t>
+                  </a:r>
+                  <a:r>
+                    <a:rPr lang="ja-JP" altLang="en-US" sz="4400" dirty="0">
+                      <a:latin typeface="+mn-ea"/>
+                      <a:ea typeface="+mn-ea"/>
+                    </a:rPr>
+                    <a:t>を用いて</a:t>
+                  </a:r>
+                  <a:r>
+                    <a:rPr lang="en-US" altLang="ja-JP" sz="4400" dirty="0">
+                      <a:latin typeface="+mn-ea"/>
+                      <a:ea typeface="+mn-ea"/>
+                    </a:rPr>
+                    <a:t> </a:t>
+                  </a:r>
+                  <a14:m>
+                    <m:oMath xmlns:m="http://schemas.openxmlformats.org/officeDocument/2006/math">
+                      <m:sSub>
+                        <m:sSubPr>
+                          <m:ctrlPr>
+                            <a:rPr kumimoji="1" lang="en-US" altLang="ja-JP" sz="4400" i="1" smtClean="0">
+                              <a:latin typeface="Cambria Math" panose="02040503050406030204" pitchFamily="18" charset="0"/>
+                              <a:ea typeface="+mn-ea"/>
+                            </a:rPr>
+                          </m:ctrlPr>
+                        </m:sSubPr>
+                        <m:e>
+                          <m:r>
+                            <a:rPr kumimoji="1" lang="en-US" altLang="ja-JP" sz="4400" b="0" i="1" smtClean="0">
+                              <a:latin typeface="Cambria Math" panose="02040503050406030204" pitchFamily="18" charset="0"/>
+                              <a:ea typeface="+mn-ea"/>
+                            </a:rPr>
+                            <m:t>𝐸</m:t>
+                          </m:r>
+                        </m:e>
+                        <m:sub>
+                          <m:d>
+                            <m:dPr>
+                              <m:begChr m:val="["/>
+                              <m:endChr m:val="]"/>
+                              <m:ctrlPr>
+                                <a:rPr kumimoji="1" lang="en-US" altLang="ja-JP" sz="4400" b="0" i="1" smtClean="0">
+                                  <a:latin typeface="Cambria Math" panose="02040503050406030204" pitchFamily="18" charset="0"/>
+                                  <a:ea typeface="+mn-ea"/>
+                                </a:rPr>
+                              </m:ctrlPr>
+                            </m:dPr>
+                            <m:e>
+                              <m:r>
+                                <m:rPr>
+                                  <m:sty m:val="p"/>
+                                </m:rPr>
+                                <a:rPr kumimoji="1" lang="en-US" altLang="ja-JP" sz="4400" b="0" i="0" smtClean="0">
+                                  <a:latin typeface="Cambria Math" panose="02040503050406030204" pitchFamily="18" charset="0"/>
+                                  <a:ea typeface="+mn-ea"/>
+                                </a:rPr>
+                                <m:t>CLS</m:t>
+                              </m:r>
+                            </m:e>
+                          </m:d>
+                        </m:sub>
+                      </m:sSub>
+                    </m:oMath>
+                  </a14:m>
+                  <a:r>
+                    <a:rPr lang="en-US" altLang="ja-JP" sz="4400" dirty="0">
+                      <a:latin typeface="+mn-ea"/>
+                      <a:ea typeface="+mn-ea"/>
+                    </a:rPr>
+                    <a:t> (</a:t>
+                  </a:r>
+                  <a:r>
+                    <a:rPr lang="ja-JP" altLang="en-US" sz="4400" dirty="0">
+                      <a:latin typeface="+mn-ea"/>
+                      <a:ea typeface="+mn-ea"/>
+                    </a:rPr>
+                    <a:t>文ベクトル項</a:t>
+                  </a:r>
+                  <a:r>
+                    <a:rPr lang="en-US" altLang="ja-JP" sz="4400" dirty="0">
+                      <a:latin typeface="+mn-ea"/>
+                      <a:ea typeface="+mn-ea"/>
+                    </a:rPr>
+                    <a:t>)</a:t>
+                  </a:r>
+                  <a:r>
+                    <a:rPr lang="ja-JP" altLang="en-US" sz="4400" dirty="0">
+                      <a:latin typeface="+mn-ea"/>
+                      <a:ea typeface="+mn-ea"/>
+                    </a:rPr>
+                    <a:t> 及び</a:t>
+                  </a:r>
+                  <a:r>
+                    <a:rPr lang="en-US" altLang="ja-JP" sz="4400" dirty="0">
+                      <a:latin typeface="+mn-ea"/>
+                      <a:ea typeface="+mn-ea"/>
+                    </a:rPr>
+                    <a:t>, </a:t>
+                  </a:r>
+                </a:p>
+                <a:p>
+                  <a:pPr lvl="0"/>
+                  <a:r>
+                    <a:rPr kumimoji="1" lang="en-US" altLang="ja-JP" sz="4400" dirty="0">
+                      <a:latin typeface="+mn-ea"/>
+                      <a:ea typeface="+mn-ea"/>
+                    </a:rPr>
+                    <a:t>	</a:t>
+                  </a:r>
+                  <a14:m>
+                    <m:oMath xmlns:m="http://schemas.openxmlformats.org/officeDocument/2006/math">
+                      <m:sSub>
+                        <m:sSubPr>
+                          <m:ctrlPr>
+                            <a:rPr kumimoji="1" lang="en-US" altLang="ja-JP" sz="4400" i="1">
+                              <a:latin typeface="Cambria Math" panose="02040503050406030204" pitchFamily="18" charset="0"/>
+                            </a:rPr>
+                          </m:ctrlPr>
+                        </m:sSubPr>
+                        <m:e>
+                          <m:r>
+                            <a:rPr kumimoji="1" lang="en-US" altLang="ja-JP" sz="4400" i="1">
+                              <a:latin typeface="Cambria Math" panose="02040503050406030204" pitchFamily="18" charset="0"/>
+                            </a:rPr>
+                            <m:t>𝐸</m:t>
+                          </m:r>
+                        </m:e>
+                        <m:sub>
+                          <m:r>
+                            <a:rPr kumimoji="1" lang="en-US" altLang="ja-JP" sz="4400" i="1">
+                              <a:latin typeface="Cambria Math" panose="02040503050406030204" pitchFamily="18" charset="0"/>
+                            </a:rPr>
+                            <m:t>𝐴𝑣𝑔</m:t>
+                          </m:r>
+                        </m:sub>
+                      </m:sSub>
+                    </m:oMath>
+                  </a14:m>
+                  <a:r>
+                    <a:rPr lang="en-US" altLang="ja-JP" sz="4400" dirty="0">
+                      <a:latin typeface="+mn-ea"/>
+                      <a:ea typeface="+mn-ea"/>
+                    </a:rPr>
+                    <a:t> (</a:t>
+                  </a:r>
+                  <a:r>
+                    <a:rPr lang="ja-JP" altLang="en-US" sz="4400" dirty="0">
+                      <a:latin typeface="+mn-ea"/>
+                      <a:ea typeface="+mn-ea"/>
+                    </a:rPr>
+                    <a:t>平均単語ベクトル項</a:t>
+                  </a:r>
+                  <a:r>
+                    <a:rPr lang="en-US" altLang="ja-JP" sz="4400" dirty="0">
+                      <a:latin typeface="+mn-ea"/>
+                      <a:ea typeface="+mn-ea"/>
+                    </a:rPr>
+                    <a:t>)</a:t>
+                  </a:r>
+                  <a:r>
+                    <a:rPr lang="ja-JP" altLang="en-US" sz="4400" dirty="0">
+                      <a:latin typeface="+mn-ea"/>
+                      <a:ea typeface="+mn-ea"/>
+                    </a:rPr>
+                    <a:t>の重み付き和</a:t>
+                  </a:r>
+                  <a:endParaRPr lang="en-US" altLang="ja-JP" sz="4400" dirty="0">
+                    <a:latin typeface="+mn-ea"/>
+                    <a:ea typeface="+mn-ea"/>
+                  </a:endParaRPr>
+                </a:p>
+                <a:p>
+                  <a:pPr lvl="0" algn="ctr"/>
+                  <a:r>
+                    <a:rPr lang="en-US" altLang="ja-JP" sz="4400" dirty="0">
+                      <a:latin typeface="+mn-ea"/>
+                      <a:ea typeface="+mn-ea"/>
+                    </a:rPr>
+                    <a:t>	</a:t>
+                  </a:r>
+                  <a14:m>
+                    <m:oMath xmlns:m="http://schemas.openxmlformats.org/officeDocument/2006/math">
+                      <m:r>
+                        <a:rPr lang="en-US" altLang="ja-JP" sz="4400" b="0" i="1" smtClean="0">
+                          <a:latin typeface="Cambria Math" panose="02040503050406030204" pitchFamily="18" charset="0"/>
+                          <a:ea typeface="+mn-ea"/>
+                        </a:rPr>
+                        <m:t>𝑝</m:t>
+                      </m:r>
+                      <m:sSub>
+                        <m:sSubPr>
+                          <m:ctrlPr>
+                            <a:rPr kumimoji="1" lang="en-US" altLang="ja-JP" sz="4400" i="1">
+                              <a:latin typeface="Cambria Math" panose="02040503050406030204" pitchFamily="18" charset="0"/>
+                            </a:rPr>
+                          </m:ctrlPr>
+                        </m:sSubPr>
+                        <m:e>
+                          <m:r>
+                            <a:rPr kumimoji="1" lang="en-US" altLang="ja-JP" sz="4400" i="1">
+                              <a:latin typeface="Cambria Math" panose="02040503050406030204" pitchFamily="18" charset="0"/>
+                            </a:rPr>
+                            <m:t>𝐸</m:t>
+                          </m:r>
+                        </m:e>
+                        <m:sub>
+                          <m:d>
+                            <m:dPr>
+                              <m:begChr m:val="["/>
+                              <m:endChr m:val="]"/>
+                              <m:ctrlPr>
+                                <a:rPr kumimoji="1" lang="en-US" altLang="ja-JP" sz="4400" i="1">
+                                  <a:latin typeface="Cambria Math" panose="02040503050406030204" pitchFamily="18" charset="0"/>
+                                </a:rPr>
+                              </m:ctrlPr>
+                            </m:dPr>
+                            <m:e>
+                              <m:r>
+                                <m:rPr>
+                                  <m:sty m:val="p"/>
+                                </m:rPr>
+                                <a:rPr kumimoji="1" lang="en-US" altLang="ja-JP" sz="4400" i="0">
+                                  <a:latin typeface="Cambria Math" panose="02040503050406030204" pitchFamily="18" charset="0"/>
+                                </a:rPr>
+                                <m:t>CLS</m:t>
+                              </m:r>
+                            </m:e>
+                          </m:d>
+                        </m:sub>
+                      </m:sSub>
+                      <m:r>
+                        <a:rPr kumimoji="1" lang="en-US" altLang="ja-JP" sz="4400" b="0" i="1" smtClean="0">
+                          <a:latin typeface="Cambria Math" panose="02040503050406030204" pitchFamily="18" charset="0"/>
+                        </a:rPr>
+                        <m:t>+</m:t>
+                      </m:r>
+                      <m:r>
+                        <a:rPr kumimoji="1" lang="en-US" altLang="ja-JP" sz="4400" b="0" i="1" smtClean="0">
+                          <a:latin typeface="Cambria Math" panose="02040503050406030204" pitchFamily="18" charset="0"/>
+                        </a:rPr>
+                        <m:t>𝑞</m:t>
+                      </m:r>
+                      <m:sSub>
+                        <m:sSubPr>
+                          <m:ctrlPr>
+                            <a:rPr kumimoji="1" lang="en-US" altLang="ja-JP" sz="4400" i="1">
+                              <a:latin typeface="Cambria Math" panose="02040503050406030204" pitchFamily="18" charset="0"/>
+                            </a:rPr>
+                          </m:ctrlPr>
+                        </m:sSubPr>
+                        <m:e>
+                          <m:r>
+                            <a:rPr kumimoji="1" lang="en-US" altLang="ja-JP" sz="4400" i="1">
+                              <a:latin typeface="Cambria Math" panose="02040503050406030204" pitchFamily="18" charset="0"/>
+                            </a:rPr>
+                            <m:t>𝐸</m:t>
+                          </m:r>
+                        </m:e>
+                        <m:sub>
+                          <m:r>
+                            <a:rPr kumimoji="1" lang="en-US" altLang="ja-JP" sz="4400" i="1">
+                              <a:latin typeface="Cambria Math" panose="02040503050406030204" pitchFamily="18" charset="0"/>
+                            </a:rPr>
+                            <m:t>𝐴𝑣𝑔</m:t>
+                          </m:r>
+                        </m:sub>
+                      </m:sSub>
+                    </m:oMath>
+                  </a14:m>
+                  <a:endParaRPr kumimoji="1" lang="en-US" altLang="ja-JP" sz="4400" dirty="0">
+                    <a:latin typeface="+mn-ea"/>
+                    <a:ea typeface="+mn-ea"/>
+                  </a:endParaRPr>
+                </a:p>
+                <a:p>
+                  <a:pPr lvl="0"/>
+                  <a:r>
+                    <a:rPr lang="en-US" altLang="ja-JP" sz="4400" dirty="0">
+                      <a:latin typeface="+mn-ea"/>
+                      <a:ea typeface="+mn-ea"/>
+                    </a:rPr>
+                    <a:t>	</a:t>
+                  </a:r>
+                  <a:r>
+                    <a:rPr lang="ja-JP" altLang="en-US" sz="4400" dirty="0">
+                      <a:latin typeface="+mn-ea"/>
+                      <a:ea typeface="+mn-ea"/>
+                    </a:rPr>
+                    <a:t>を文の分散表現とする</a:t>
+                  </a:r>
+                  <a:endParaRPr lang="en-US" altLang="ja-JP" sz="4400" dirty="0">
+                    <a:latin typeface="+mn-ea"/>
+                    <a:ea typeface="+mn-ea"/>
+                  </a:endParaRPr>
+                </a:p>
+                <a:p>
+                  <a:pPr lvl="0"/>
+                  <a:endParaRPr lang="en-US" altLang="ja-JP" sz="4400" dirty="0">
+                    <a:latin typeface="+mn-ea"/>
+                    <a:ea typeface="+mn-ea"/>
+                  </a:endParaRPr>
+                </a:p>
+                <a:p>
+                  <a:pPr lvl="0"/>
+                  <a:r>
+                    <a:rPr lang="en-US" altLang="ja-JP" sz="4400" dirty="0">
+                      <a:latin typeface="+mn-ea"/>
+                      <a:ea typeface="+mn-ea"/>
+                    </a:rPr>
+                    <a:t>	</a:t>
+                  </a:r>
+                  <a:r>
+                    <a:rPr lang="ja-JP" altLang="en-US" sz="4400" dirty="0">
+                      <a:latin typeface="+mn-ea"/>
+                      <a:ea typeface="+mn-ea"/>
+                    </a:rPr>
+                    <a:t>⇒テキスト分類タスク</a:t>
+                  </a:r>
+                  <a14:m>
+                    <m:oMath xmlns:m="http://schemas.openxmlformats.org/officeDocument/2006/math">
+                      <m:r>
+                        <a:rPr kumimoji="1" lang="ja-JP" altLang="en-US" sz="4400" i="1" dirty="0">
+                          <a:latin typeface="Cambria Math" panose="02040503050406030204" pitchFamily="18" charset="0"/>
+                          <a:ea typeface="+mn-ea"/>
+                        </a:rPr>
+                        <m:t>において</m:t>
+                      </m:r>
+                      <m:r>
+                        <a:rPr kumimoji="1" lang="en-US" altLang="ja-JP" sz="4400" b="0" i="1" dirty="0" smtClean="0">
+                          <a:latin typeface="Cambria Math" panose="02040503050406030204" pitchFamily="18" charset="0"/>
+                          <a:ea typeface="+mn-ea"/>
+                        </a:rPr>
+                        <m:t>, </m:t>
+                      </m:r>
+                      <m:sSub>
+                        <m:sSubPr>
+                          <m:ctrlPr>
+                            <a:rPr kumimoji="1" lang="en-US" altLang="ja-JP" sz="4400" i="1" smtClean="0">
+                              <a:latin typeface="Cambria Math" panose="02040503050406030204" pitchFamily="18" charset="0"/>
+                              <a:ea typeface="+mn-ea"/>
+                            </a:rPr>
+                          </m:ctrlPr>
+                        </m:sSubPr>
+                        <m:e>
+                          <m:r>
+                            <a:rPr kumimoji="1" lang="en-US" altLang="ja-JP" sz="4400" b="0" i="1" smtClean="0">
+                              <a:latin typeface="Cambria Math" panose="02040503050406030204" pitchFamily="18" charset="0"/>
+                              <a:ea typeface="+mn-ea"/>
+                            </a:rPr>
+                            <m:t>𝐸</m:t>
+                          </m:r>
+                        </m:e>
+                        <m:sub>
+                          <m:d>
+                            <m:dPr>
+                              <m:begChr m:val="["/>
+                              <m:endChr m:val="]"/>
+                              <m:ctrlPr>
+                                <a:rPr kumimoji="1" lang="en-US" altLang="ja-JP" sz="4400" b="0" i="1" smtClean="0">
+                                  <a:latin typeface="Cambria Math" panose="02040503050406030204" pitchFamily="18" charset="0"/>
+                                  <a:ea typeface="+mn-ea"/>
+                                </a:rPr>
+                              </m:ctrlPr>
+                            </m:dPr>
+                            <m:e>
+                              <m:r>
+                                <m:rPr>
+                                  <m:sty m:val="p"/>
+                                </m:rPr>
+                                <a:rPr kumimoji="1" lang="en-US" altLang="ja-JP" sz="4400" b="0" i="0" smtClean="0">
+                                  <a:latin typeface="Cambria Math" panose="02040503050406030204" pitchFamily="18" charset="0"/>
+                                  <a:ea typeface="+mn-ea"/>
+                                </a:rPr>
+                                <m:t>CLS</m:t>
+                              </m:r>
+                            </m:e>
+                          </m:d>
+                        </m:sub>
+                      </m:sSub>
+                    </m:oMath>
+                  </a14:m>
+                  <a:r>
+                    <a:rPr lang="en-US" altLang="ja-JP" sz="4400" dirty="0">
+                      <a:latin typeface="+mn-ea"/>
+                      <a:ea typeface="+mn-ea"/>
+                    </a:rPr>
+                    <a:t>, </a:t>
+                  </a:r>
+                  <a14:m>
+                    <m:oMath xmlns:m="http://schemas.openxmlformats.org/officeDocument/2006/math">
+                      <m:sSub>
+                        <m:sSubPr>
+                          <m:ctrlPr>
+                            <a:rPr kumimoji="1" lang="en-US" altLang="ja-JP" sz="4400" i="1">
+                              <a:latin typeface="Cambria Math" panose="02040503050406030204" pitchFamily="18" charset="0"/>
+                            </a:rPr>
+                          </m:ctrlPr>
+                        </m:sSubPr>
+                        <m:e>
+                          <m:r>
+                            <a:rPr kumimoji="1" lang="en-US" altLang="ja-JP" sz="4400" i="1">
+                              <a:latin typeface="Cambria Math" panose="02040503050406030204" pitchFamily="18" charset="0"/>
+                            </a:rPr>
+                            <m:t>𝐸</m:t>
+                          </m:r>
+                        </m:e>
+                        <m:sub>
+                          <m:r>
+                            <a:rPr kumimoji="1" lang="en-US" altLang="ja-JP" sz="4400" i="1">
+                              <a:latin typeface="Cambria Math" panose="02040503050406030204" pitchFamily="18" charset="0"/>
+                            </a:rPr>
+                            <m:t>𝐴𝑣𝑔</m:t>
+                          </m:r>
+                        </m:sub>
+                      </m:sSub>
+                    </m:oMath>
+                  </a14:m>
+                  <a:r>
+                    <a:rPr lang="en-US" altLang="ja-JP" sz="4400" dirty="0">
+                      <a:latin typeface="+mn-ea"/>
+                      <a:ea typeface="+mn-ea"/>
+                    </a:rPr>
+                    <a:t> </a:t>
+                  </a:r>
+                  <a:r>
+                    <a:rPr lang="ja-JP" altLang="en-US" sz="4400" dirty="0">
+                      <a:latin typeface="+mn-ea"/>
+                      <a:ea typeface="+mn-ea"/>
+                    </a:rPr>
+                    <a:t>のみを</a:t>
+                  </a:r>
+                  <a:endParaRPr lang="en-US" altLang="ja-JP" sz="4400" dirty="0">
+                    <a:latin typeface="+mn-ea"/>
+                    <a:ea typeface="+mn-ea"/>
+                  </a:endParaRPr>
+                </a:p>
+                <a:p>
+                  <a:pPr lvl="0"/>
+                  <a:r>
+                    <a:rPr lang="ja-JP" altLang="en-US" sz="4400" dirty="0">
+                      <a:latin typeface="+mn-ea"/>
+                      <a:ea typeface="+mn-ea"/>
+                    </a:rPr>
+                    <a:t>　　　　用いた場合よりも高い性能を発揮</a:t>
+                  </a:r>
+                  <a:endParaRPr lang="en-US" altLang="ja-JP" sz="4400" dirty="0">
+                    <a:latin typeface="+mn-ea"/>
+                    <a:ea typeface="+mn-ea"/>
+                  </a:endParaRPr>
+                </a:p>
+                <a:p>
+                  <a:pPr lvl="2"/>
+                  <a:endParaRPr lang="en-US" sz="4400" dirty="0">
+                    <a:latin typeface="+mn-ea"/>
+                    <a:ea typeface="+mn-ea"/>
+                  </a:endParaRPr>
+                </a:p>
+              </p:txBody>
+            </p:sp>
+          </mc:Choice>
+          <mc:Fallback>
+            <p:sp>
+              <p:nvSpPr>
+                <p:cNvPr id="35" name="Google Shape;92;p14">
+                  <a:extLst>
+                    <a:ext uri="{FF2B5EF4-FFF2-40B4-BE49-F238E27FC236}">
+                      <a16:creationId xmlns:a16="http://schemas.microsoft.com/office/drawing/2014/main" id="{EEB4FC99-2C1A-872E-543E-670019060B15}"/>
+                    </a:ext>
+                  </a:extLst>
+                </p:cNvPr>
+                <p:cNvSpPr txBox="1">
+                  <a:spLocks noGrp="1" noRot="1" noChangeAspect="1" noMove="1" noResize="1" noEditPoints="1" noAdjustHandles="1" noChangeArrowheads="1" noChangeShapeType="1" noTextEdit="1"/>
+                </p:cNvSpPr>
+                <p:nvPr/>
+              </p:nvSpPr>
+              <p:spPr>
+                <a:xfrm>
+                  <a:off x="1008000" y="19053152"/>
+                  <a:ext cx="13638712" cy="4155050"/>
+                </a:xfrm>
+                <a:prstGeom prst="rect">
+                  <a:avLst/>
+                </a:prstGeom>
+                <a:blipFill>
+                  <a:blip r:embed="rId3"/>
+                  <a:stretch>
+                    <a:fillRect l="-1787" t="-2496" b="-75477"/>
+                  </a:stretch>
+                </a:blipFill>
+                <a:ln>
+                  <a:noFill/>
+                </a:ln>
+              </p:spPr>
+              <p:txBody>
+                <a:bodyPr/>
+                <a:lstStyle/>
+                <a:p>
+                  <a:r>
+                    <a:rPr lang="ja-JP" altLang="en-US">
+                      <a:noFill/>
+                    </a:rPr>
+                    <a:t> </a:t>
+                  </a:r>
+                </a:p>
+              </p:txBody>
+            </p:sp>
+          </mc:Fallback>
+        </mc:AlternateContent>
+      </p:grpSp>
+      <p:grpSp>
+        <p:nvGrpSpPr>
+          <p:cNvPr id="27" name="グループ化 26">
+            <a:extLst>
+              <a:ext uri="{FF2B5EF4-FFF2-40B4-BE49-F238E27FC236}">
+                <a16:creationId xmlns:a16="http://schemas.microsoft.com/office/drawing/2014/main" id="{3831BB00-69B8-A4F4-2D9B-A387E5DD3333}"/>
+              </a:ext>
+            </a:extLst>
+          </p:cNvPr>
+          <p:cNvGrpSpPr/>
+          <p:nvPr/>
+        </p:nvGrpSpPr>
+        <p:grpSpPr>
+          <a:xfrm>
+            <a:off x="15621132" y="34695261"/>
+            <a:ext cx="14030467" cy="4994952"/>
+            <a:chOff x="791997" y="30898739"/>
+            <a:chExt cx="14030467" cy="4994952"/>
+          </a:xfrm>
+        </p:grpSpPr>
+        <p:grpSp>
+          <p:nvGrpSpPr>
+            <p:cNvPr id="30" name="グループ化 29">
+              <a:extLst>
+                <a:ext uri="{FF2B5EF4-FFF2-40B4-BE49-F238E27FC236}">
+                  <a16:creationId xmlns:a16="http://schemas.microsoft.com/office/drawing/2014/main" id="{2CDB8FFD-1384-8380-3F2A-EEBA0416A31D}"/>
+                </a:ext>
+              </a:extLst>
+            </p:cNvPr>
+            <p:cNvGrpSpPr/>
+            <p:nvPr/>
+          </p:nvGrpSpPr>
+          <p:grpSpPr>
+            <a:xfrm>
+              <a:off x="791997" y="30898739"/>
+              <a:ext cx="13895700" cy="4994952"/>
+              <a:chOff x="791998" y="18420028"/>
+              <a:chExt cx="13895700" cy="6972043"/>
+            </a:xfrm>
+          </p:grpSpPr>
+          <p:sp>
+            <p:nvSpPr>
+              <p:cNvPr id="47" name="Google Shape;67;p14">
+                <a:extLst>
+                  <a:ext uri="{FF2B5EF4-FFF2-40B4-BE49-F238E27FC236}">
+                    <a16:creationId xmlns:a16="http://schemas.microsoft.com/office/drawing/2014/main" id="{E07CD62A-5178-4F78-27E1-37E79EAA0148}"/>
+                  </a:ext>
+                </a:extLst>
+              </p:cNvPr>
+              <p:cNvSpPr/>
+              <p:nvPr/>
+            </p:nvSpPr>
+            <p:spPr>
+              <a:xfrm>
+                <a:off x="791998" y="19070334"/>
+                <a:ext cx="13895700" cy="6321737"/>
+              </a:xfrm>
+              <a:prstGeom prst="rect">
+                <a:avLst/>
+              </a:prstGeom>
+              <a:noFill/>
+              <a:ln w="25400" cap="flat" cmpd="sng">
+                <a:solidFill>
+                  <a:srgbClr val="3F3F3F"/>
+                </a:solidFill>
+                <a:prstDash val="solid"/>
+                <a:miter lim="8000"/>
+                <a:headEnd type="none" w="sm" len="sm"/>
+                <a:tailEnd type="none" w="sm" len="sm"/>
+              </a:ln>
+            </p:spPr>
+            <p:txBody>
+              <a:bodyPr spcFirstLastPara="1" wrap="square" lIns="91425" tIns="91425" rIns="91425" bIns="91425" anchor="ctr" anchorCtr="0">
+                <a:noAutofit/>
+              </a:bodyPr>
+              <a:lstStyle/>
+              <a:p>
+                <a:pPr marL="0" lvl="0" indent="0" algn="l" rtl="0">
+                  <a:spcBef>
+                    <a:spcPts val="0"/>
+                  </a:spcBef>
+                  <a:spcAft>
+                    <a:spcPts val="0"/>
+                  </a:spcAft>
+                  <a:buNone/>
+                </a:pPr>
+                <a:endParaRPr/>
+              </a:p>
+            </p:txBody>
+          </p:sp>
+          <p:sp>
+            <p:nvSpPr>
+              <p:cNvPr id="52" name="Google Shape;68;p14">
+                <a:extLst>
+                  <a:ext uri="{FF2B5EF4-FFF2-40B4-BE49-F238E27FC236}">
+                    <a16:creationId xmlns:a16="http://schemas.microsoft.com/office/drawing/2014/main" id="{3A2F5FF7-EA7D-FA80-00E1-CC4B5CF966D4}"/>
+                  </a:ext>
+                </a:extLst>
+              </p:cNvPr>
+              <p:cNvSpPr/>
+              <p:nvPr/>
+            </p:nvSpPr>
+            <p:spPr>
+              <a:xfrm>
+                <a:off x="2234866" y="18420028"/>
+                <a:ext cx="5689320" cy="1308240"/>
+              </a:xfrm>
+              <a:prstGeom prst="rect">
+                <a:avLst/>
+              </a:prstGeom>
+              <a:solidFill>
+                <a:schemeClr val="lt1"/>
+              </a:solidFill>
+              <a:ln>
+                <a:noFill/>
+              </a:ln>
+            </p:spPr>
+            <p:txBody>
+              <a:bodyPr spcFirstLastPara="1" wrap="square" lIns="90000" tIns="45000" rIns="90000" bIns="45000" anchor="ctr" anchorCtr="0">
+                <a:noAutofit/>
+              </a:bodyPr>
+              <a:lstStyle/>
+              <a:p>
+                <a:pPr algn="ctr"/>
+                <a:r>
+                  <a:rPr lang="ja-JP" altLang="en-US" sz="8000" b="0" i="0" u="none" strike="noStrike" cap="none" dirty="0">
+                    <a:solidFill>
+                      <a:srgbClr val="404040"/>
+                    </a:solidFill>
+                    <a:latin typeface="+mj-ea"/>
+                    <a:ea typeface="+mj-ea"/>
+                    <a:sym typeface="Arial"/>
+                  </a:rPr>
+                  <a:t>今後の課題</a:t>
+                </a:r>
+                <a:endParaRPr lang="ja-JP" altLang="en-US" sz="8000" b="0" i="0" u="none" strike="noStrike" cap="none" dirty="0">
+                  <a:latin typeface="+mj-ea"/>
+                  <a:ea typeface="+mj-ea"/>
+                  <a:sym typeface="Arial"/>
+                </a:endParaRPr>
+              </a:p>
+            </p:txBody>
+          </p:sp>
+        </p:grpSp>
+        <p:sp>
+          <p:nvSpPr>
+            <p:cNvPr id="31" name="Google Shape;92;p14">
+              <a:extLst>
+                <a:ext uri="{FF2B5EF4-FFF2-40B4-BE49-F238E27FC236}">
+                  <a16:creationId xmlns:a16="http://schemas.microsoft.com/office/drawing/2014/main" id="{FC3BF9D0-0592-FDBA-9173-5E33A8662738}"/>
+                </a:ext>
+              </a:extLst>
+            </p:cNvPr>
+            <p:cNvSpPr txBox="1"/>
+            <p:nvPr/>
+          </p:nvSpPr>
+          <p:spPr>
+            <a:xfrm>
+              <a:off x="926765" y="32290750"/>
+              <a:ext cx="13895699" cy="3492936"/>
+            </a:xfrm>
+            <a:prstGeom prst="rect">
+              <a:avLst/>
+            </a:prstGeom>
+            <a:noFill/>
+            <a:ln>
+              <a:noFill/>
+            </a:ln>
+          </p:spPr>
+          <p:txBody>
+            <a:bodyPr spcFirstLastPara="1" wrap="square" lIns="91425" tIns="91425" rIns="91425" bIns="91425" anchor="t" anchorCtr="0">
+              <a:noAutofit/>
+            </a:bodyPr>
+            <a:lstStyle/>
+            <a:p>
+              <a:pPr marL="571500" indent="-571500">
+                <a:buFont typeface="Arial" panose="020B0604020202020204" pitchFamily="34" charset="0"/>
+                <a:buChar char="•"/>
+              </a:pPr>
+              <a:r>
+                <a:rPr lang="ja-JP" altLang="en-US" sz="4400" dirty="0">
+                  <a:latin typeface="+mn-ea"/>
+                  <a:ea typeface="+mn-ea"/>
+                </a:rPr>
+                <a:t>要約文の妥当性</a:t>
+              </a:r>
+              <a:r>
+                <a:rPr lang="en-US" altLang="ja-JP" sz="4400" dirty="0">
+                  <a:latin typeface="+mn-ea"/>
+                  <a:ea typeface="+mn-ea"/>
+                </a:rPr>
+                <a:t>, </a:t>
+              </a:r>
+              <a:r>
+                <a:rPr lang="ja-JP" altLang="en-US" sz="4400" dirty="0">
+                  <a:latin typeface="+mn-ea"/>
+                  <a:ea typeface="+mn-ea"/>
+                </a:rPr>
+                <a:t>生成手法改善の検討</a:t>
+              </a:r>
+              <a:br>
+                <a:rPr lang="en-US" altLang="ja-JP" sz="4000" dirty="0">
+                  <a:latin typeface="+mn-ea"/>
+                  <a:ea typeface="+mn-ea"/>
+                </a:rPr>
+              </a:br>
+              <a:endParaRPr lang="en-US" altLang="ja-JP" sz="4000" dirty="0">
+                <a:latin typeface="+mn-ea"/>
+                <a:ea typeface="+mn-ea"/>
+              </a:endParaRPr>
+            </a:p>
+            <a:p>
+              <a:pPr marL="571500" lvl="0" indent="-571500" algn="l" rtl="0">
+                <a:spcBef>
+                  <a:spcPts val="0"/>
+                </a:spcBef>
+                <a:spcAft>
+                  <a:spcPts val="0"/>
+                </a:spcAft>
+                <a:buFont typeface="Arial" panose="020B0604020202020204" pitchFamily="34" charset="0"/>
+                <a:buChar char="•"/>
+              </a:pPr>
+              <a:r>
+                <a:rPr lang="ja-JP" altLang="en-US" sz="4400" dirty="0">
+                  <a:latin typeface="+mn-ea"/>
+                  <a:ea typeface="+mn-ea"/>
+                </a:rPr>
+                <a:t>他のデータセットを用いた提案手法の有効性の確認</a:t>
+              </a:r>
+              <a:br>
+                <a:rPr lang="en-US" altLang="ja-JP" sz="4000" dirty="0">
+                  <a:latin typeface="+mn-ea"/>
+                  <a:ea typeface="+mn-ea"/>
+                </a:rPr>
+              </a:br>
+              <a:endParaRPr lang="en-US" altLang="ja-JP" sz="4000" dirty="0">
+                <a:latin typeface="+mn-ea"/>
+                <a:ea typeface="+mn-ea"/>
+              </a:endParaRPr>
+            </a:p>
+            <a:p>
+              <a:pPr marL="571500" lvl="0" indent="-571500" algn="l" rtl="0">
+                <a:spcBef>
+                  <a:spcPts val="0"/>
+                </a:spcBef>
+                <a:spcAft>
+                  <a:spcPts val="0"/>
+                </a:spcAft>
+                <a:buFont typeface="Arial" panose="020B0604020202020204" pitchFamily="34" charset="0"/>
+                <a:buChar char="•"/>
+              </a:pPr>
+              <a:r>
+                <a:rPr lang="ja-JP" altLang="en-US" sz="4400" dirty="0">
+                  <a:latin typeface="+mn-ea"/>
+                  <a:ea typeface="+mn-ea"/>
+                </a:rPr>
+                <a:t>最適な学習パラメータやアーキテクチャの探索</a:t>
+              </a:r>
+              <a:endParaRPr lang="en-US" altLang="ja-JP" sz="4400" dirty="0">
+                <a:latin typeface="+mn-ea"/>
+                <a:ea typeface="+mn-ea"/>
+              </a:endParaRPr>
+            </a:p>
+          </p:txBody>
+        </p:sp>
+      </p:grpSp>
+      <p:grpSp>
+        <p:nvGrpSpPr>
+          <p:cNvPr id="18" name="グループ化 17">
+            <a:extLst>
+              <a:ext uri="{FF2B5EF4-FFF2-40B4-BE49-F238E27FC236}">
+                <a16:creationId xmlns:a16="http://schemas.microsoft.com/office/drawing/2014/main" id="{4602E9CA-77F0-1561-A663-5A894A10291B}"/>
+              </a:ext>
+            </a:extLst>
+          </p:cNvPr>
+          <p:cNvGrpSpPr>
+            <a:grpSpLocks/>
+          </p:cNvGrpSpPr>
+          <p:nvPr/>
+        </p:nvGrpSpPr>
+        <p:grpSpPr>
+          <a:xfrm>
+            <a:off x="15624000" y="19348555"/>
+            <a:ext cx="13895700" cy="14559073"/>
+            <a:chOff x="791998" y="17744911"/>
+            <a:chExt cx="13895700" cy="14559073"/>
+          </a:xfrm>
+        </p:grpSpPr>
+        <mc:AlternateContent xmlns:mc="http://schemas.openxmlformats.org/markup-compatibility/2006">
+          <mc:Choice xmlns:a14="http://schemas.microsoft.com/office/drawing/2010/main" Requires="a14">
+            <p:sp>
+              <p:nvSpPr>
+                <p:cNvPr id="20" name="Google Shape;92;p14">
+                  <a:extLst>
+                    <a:ext uri="{FF2B5EF4-FFF2-40B4-BE49-F238E27FC236}">
+                      <a16:creationId xmlns:a16="http://schemas.microsoft.com/office/drawing/2014/main" id="{0D61CD88-CEFB-5DF2-E89E-012707C968A7}"/>
+                    </a:ext>
+                  </a:extLst>
+                </p:cNvPr>
+                <p:cNvSpPr txBox="1">
+                  <a:spLocks/>
+                </p:cNvSpPr>
+                <p:nvPr/>
+              </p:nvSpPr>
+              <p:spPr>
+                <a:xfrm>
+                  <a:off x="923898" y="19053152"/>
+                  <a:ext cx="13722814" cy="4155050"/>
+                </a:xfrm>
+                <a:prstGeom prst="rect">
+                  <a:avLst/>
+                </a:prstGeom>
+                <a:noFill/>
+                <a:ln>
+                  <a:noFill/>
+                </a:ln>
+              </p:spPr>
+              <p:txBody>
+                <a:bodyPr spcFirstLastPara="1" wrap="square" lIns="91425" tIns="91425" rIns="91425" bIns="91425" anchor="t" anchorCtr="0">
+                  <a:noAutofit/>
+                </a:bodyPr>
+                <a:lstStyle/>
+                <a:p>
+                  <a:pPr marL="0" lvl="0" indent="0" algn="l" rtl="0">
+                    <a:spcBef>
+                      <a:spcPts val="0"/>
+                    </a:spcBef>
+                    <a:spcAft>
+                      <a:spcPts val="0"/>
+                    </a:spcAft>
+                    <a:buNone/>
+                  </a:pPr>
+                  <a:endParaRPr lang="en-US" sz="4000" dirty="0">
+                    <a:latin typeface="+mn-ea"/>
+                    <a:ea typeface="+mn-ea"/>
+                  </a:endParaRPr>
+                </a:p>
+                <a:p>
+                  <a:pPr marL="0" lvl="0" indent="0" algn="l" rtl="0">
+                    <a:spcBef>
+                      <a:spcPts val="0"/>
+                    </a:spcBef>
+                    <a:spcAft>
+                      <a:spcPts val="0"/>
+                    </a:spcAft>
+                    <a:buNone/>
+                  </a:pPr>
+                  <a:endParaRPr lang="en-US" sz="4000" dirty="0">
+                    <a:latin typeface="+mn-ea"/>
+                    <a:ea typeface="+mn-ea"/>
+                  </a:endParaRPr>
+                </a:p>
+                <a:p>
+                  <a:pPr marL="0" lvl="0" indent="0" algn="l" rtl="0">
+                    <a:spcBef>
+                      <a:spcPts val="0"/>
+                    </a:spcBef>
+                    <a:spcAft>
+                      <a:spcPts val="0"/>
+                    </a:spcAft>
+                    <a:buNone/>
+                  </a:pPr>
+                  <a:endParaRPr lang="en-US" sz="4000" dirty="0">
+                    <a:latin typeface="+mn-ea"/>
+                    <a:ea typeface="+mn-ea"/>
+                  </a:endParaRPr>
+                </a:p>
+                <a:p>
+                  <a:pPr marL="0" lvl="0" indent="0" algn="l" rtl="0">
+                    <a:spcBef>
+                      <a:spcPts val="0"/>
+                    </a:spcBef>
+                    <a:spcAft>
+                      <a:spcPts val="0"/>
+                    </a:spcAft>
+                    <a:buNone/>
+                  </a:pPr>
+                  <a:endParaRPr lang="en-US" sz="4000" dirty="0">
+                    <a:latin typeface="+mn-ea"/>
+                    <a:ea typeface="+mn-ea"/>
+                  </a:endParaRPr>
+                </a:p>
+                <a:p>
+                  <a:pPr lvl="0"/>
+                  <a:r>
+                    <a:rPr lang="en-US" sz="4000" dirty="0">
+                      <a:latin typeface="+mn-ea"/>
+                      <a:ea typeface="+mn-ea"/>
+                    </a:rPr>
+                    <a:t>	</a:t>
+                  </a:r>
+                </a:p>
+                <a:p>
+                  <a:pPr lvl="0"/>
+                  <a:r>
+                    <a:rPr lang="en-US" altLang="ja-JP" sz="4000" dirty="0">
+                      <a:latin typeface="+mn-ea"/>
+                      <a:ea typeface="+mn-ea"/>
+                    </a:rPr>
+                    <a:t>	</a:t>
+                  </a:r>
+                </a:p>
+                <a:p>
+                  <a:pPr lvl="0"/>
+                  <a:endParaRPr lang="en-US" altLang="ja-JP" sz="4000" dirty="0">
+                    <a:latin typeface="+mn-ea"/>
+                    <a:ea typeface="+mn-ea"/>
+                  </a:endParaRPr>
+                </a:p>
+                <a:p>
+                  <a:pPr lvl="0"/>
+                  <a:endParaRPr lang="en-US" altLang="ja-JP" sz="4000" dirty="0">
+                    <a:latin typeface="+mn-ea"/>
+                    <a:ea typeface="+mn-ea"/>
+                  </a:endParaRPr>
+                </a:p>
+                <a:p>
+                  <a:pPr lvl="0"/>
+                  <a:r>
+                    <a:rPr lang="en-US" altLang="ja-JP" sz="4000" dirty="0">
+                      <a:latin typeface="+mn-ea"/>
+                      <a:ea typeface="+mn-ea"/>
+                    </a:rPr>
+                    <a:t>	</a:t>
+                  </a:r>
+                </a:p>
+                <a:p>
+                  <a:pPr lvl="0"/>
+                  <a:r>
+                    <a:rPr lang="en-US" altLang="ja-JP" sz="4000" dirty="0">
+                      <a:latin typeface="+mn-ea"/>
+                      <a:ea typeface="+mn-ea"/>
+                    </a:rPr>
+                    <a:t>	</a:t>
+                  </a:r>
+                </a:p>
+                <a:p>
+                  <a:pPr lvl="0"/>
+                  <a:endParaRPr lang="en-US" altLang="ja-JP" sz="4000" dirty="0">
+                    <a:latin typeface="+mn-ea"/>
+                    <a:ea typeface="+mn-ea"/>
+                  </a:endParaRPr>
+                </a:p>
+                <a:p>
+                  <a:pPr lvl="0"/>
+                  <a:endParaRPr lang="en-US" altLang="ja-JP" dirty="0">
+                    <a:latin typeface="+mn-ea"/>
+                    <a:ea typeface="+mn-ea"/>
+                  </a:endParaRPr>
+                </a:p>
+                <a:p>
+                  <a:pPr marL="571500" lvl="0" indent="-571500">
+                    <a:buFont typeface="Arial" panose="020B0604020202020204" pitchFamily="34" charset="0"/>
+                    <a:buChar char="•"/>
+                  </a:pPr>
+                  <a:r>
+                    <a:rPr lang="en-US" altLang="ja-JP" sz="4000" dirty="0">
+                      <a:latin typeface="+mn-ea"/>
+                      <a:ea typeface="+mn-ea"/>
+                    </a:rPr>
+                    <a:t>Accuracy, F1 </a:t>
+                  </a:r>
+                  <a:r>
+                    <a:rPr lang="ja-JP" altLang="en-US" sz="4000" dirty="0">
+                      <a:latin typeface="+mn-ea"/>
+                      <a:ea typeface="+mn-ea"/>
+                    </a:rPr>
+                    <a:t>値において</a:t>
+                  </a:r>
+                  <a:r>
+                    <a:rPr lang="en-US" altLang="ja-JP" sz="4000" dirty="0">
+                      <a:latin typeface="+mn-ea"/>
+                      <a:ea typeface="+mn-ea"/>
+                    </a:rPr>
+                    <a:t>,</a:t>
+                  </a:r>
+                  <a:br>
+                    <a:rPr lang="en-US" altLang="ja-JP" sz="4000" dirty="0">
+                      <a:latin typeface="+mn-ea"/>
+                      <a:ea typeface="+mn-ea"/>
+                    </a:rPr>
+                  </a:br>
+                  <a:r>
+                    <a:rPr lang="ja-JP" altLang="en-US" sz="4000" dirty="0">
+                      <a:latin typeface="+mn-ea"/>
+                      <a:ea typeface="+mn-ea"/>
+                    </a:rPr>
+                    <a:t>提案手法の有効性を確認</a:t>
+                  </a:r>
+                  <a:br>
+                    <a:rPr lang="en-US" altLang="ja-JP" sz="4000" dirty="0">
+                      <a:latin typeface="+mn-ea"/>
+                      <a:ea typeface="+mn-ea"/>
+                    </a:rPr>
+                  </a:br>
+                  <a:endParaRPr lang="en-US" altLang="ja-JP" sz="4000" dirty="0">
+                    <a:latin typeface="+mn-ea"/>
+                    <a:ea typeface="+mn-ea"/>
+                  </a:endParaRPr>
+                </a:p>
+                <a:p>
+                  <a:pPr marL="571500" lvl="0" indent="-571500">
+                    <a:buFont typeface="Arial" panose="020B0604020202020204" pitchFamily="34" charset="0"/>
+                    <a:buChar char="•"/>
+                  </a:pPr>
+                  <a14:m>
+                    <m:oMath xmlns:m="http://schemas.openxmlformats.org/officeDocument/2006/math">
+                      <m:sSub>
+                        <m:sSubPr>
+                          <m:ctrlPr>
+                            <a:rPr kumimoji="1" lang="en-US" altLang="ja-JP" sz="4000" i="1" smtClean="0">
+                              <a:latin typeface="Cambria Math" panose="02040503050406030204" pitchFamily="18" charset="0"/>
+                            </a:rPr>
+                          </m:ctrlPr>
+                        </m:sSubPr>
+                        <m:e>
+                          <m:r>
+                            <a:rPr kumimoji="1" lang="en-US" altLang="ja-JP" sz="4000" i="1">
+                              <a:latin typeface="Cambria Math" panose="02040503050406030204" pitchFamily="18" charset="0"/>
+                            </a:rPr>
+                            <m:t>𝐸</m:t>
+                          </m:r>
+                        </m:e>
+                        <m:sub>
+                          <m:r>
+                            <a:rPr kumimoji="1" lang="en-US" altLang="ja-JP" sz="4000" i="1">
+                              <a:latin typeface="Cambria Math" panose="02040503050406030204" pitchFamily="18" charset="0"/>
+                            </a:rPr>
+                            <m:t>𝑠𝑢𝑚</m:t>
+                          </m:r>
+                        </m:sub>
+                      </m:sSub>
+                    </m:oMath>
+                  </a14:m>
+                  <a:r>
+                    <a:rPr lang="en-US" altLang="ja-JP" sz="4000" dirty="0">
+                      <a:latin typeface="+mn-ea"/>
+                      <a:ea typeface="+mn-ea"/>
+                    </a:rPr>
+                    <a:t> </a:t>
+                  </a:r>
+                  <a:r>
+                    <a:rPr lang="ja-JP" altLang="en-US" sz="4000" dirty="0">
+                      <a:latin typeface="+mn-ea"/>
+                      <a:ea typeface="+mn-ea"/>
+                    </a:rPr>
+                    <a:t>による</a:t>
+                  </a:r>
+                  <a:r>
+                    <a:rPr lang="en-US" altLang="ja-JP" sz="4000" dirty="0">
+                      <a:latin typeface="+mn-ea"/>
+                      <a:ea typeface="+mn-ea"/>
+                    </a:rPr>
+                    <a:t>, </a:t>
+                  </a:r>
+                  <a:r>
+                    <a:rPr lang="ja-JP" altLang="en-US" sz="4000" dirty="0">
+                      <a:latin typeface="+mn-ea"/>
+                      <a:ea typeface="+mn-ea"/>
+                    </a:rPr>
+                    <a:t>欠損した原文の</a:t>
+                  </a:r>
+                  <a:br>
+                    <a:rPr lang="en-US" altLang="ja-JP" sz="4000" dirty="0">
+                      <a:latin typeface="+mn-ea"/>
+                      <a:ea typeface="+mn-ea"/>
+                    </a:rPr>
+                  </a:br>
+                  <a:r>
+                    <a:rPr lang="ja-JP" altLang="en-US" sz="4000" dirty="0">
+                      <a:latin typeface="+mn-ea"/>
+                      <a:ea typeface="+mn-ea"/>
+                    </a:rPr>
+                    <a:t>重要な文脈情報の補完可能性</a:t>
+                  </a:r>
+                  <a:endParaRPr lang="en-US" altLang="ja-JP" sz="4000" dirty="0">
+                    <a:latin typeface="+mn-ea"/>
+                    <a:ea typeface="+mn-ea"/>
+                  </a:endParaRPr>
+                </a:p>
+                <a:p>
+                  <a:pPr marL="571500" lvl="0" indent="-571500">
+                    <a:buFont typeface="Arial" panose="020B0604020202020204" pitchFamily="34" charset="0"/>
+                    <a:buChar char="•"/>
+                  </a:pPr>
+                  <a:endParaRPr lang="en-US" sz="4400" dirty="0">
+                    <a:latin typeface="+mn-ea"/>
+                    <a:ea typeface="+mn-ea"/>
+                  </a:endParaRPr>
+                </a:p>
+              </p:txBody>
+            </p:sp>
+          </mc:Choice>
+          <mc:Fallback>
+            <p:sp>
+              <p:nvSpPr>
+                <p:cNvPr id="20" name="Google Shape;92;p14">
+                  <a:extLst>
+                    <a:ext uri="{FF2B5EF4-FFF2-40B4-BE49-F238E27FC236}">
+                      <a16:creationId xmlns:a16="http://schemas.microsoft.com/office/drawing/2014/main" id="{0D61CD88-CEFB-5DF2-E89E-012707C968A7}"/>
+                    </a:ext>
+                  </a:extLst>
+                </p:cNvPr>
+                <p:cNvSpPr txBox="1">
+                  <a:spLocks noRot="1" noChangeAspect="1" noMove="1" noResize="1" noEditPoints="1" noAdjustHandles="1" noChangeArrowheads="1" noChangeShapeType="1" noTextEdit="1"/>
+                </p:cNvSpPr>
+                <p:nvPr/>
+              </p:nvSpPr>
+              <p:spPr>
+                <a:xfrm>
+                  <a:off x="923898" y="19053152"/>
+                  <a:ext cx="13722814" cy="4155050"/>
+                </a:xfrm>
+                <a:prstGeom prst="rect">
+                  <a:avLst/>
+                </a:prstGeom>
+                <a:blipFill>
+                  <a:blip r:embed="rId4"/>
+                  <a:stretch>
+                    <a:fillRect l="-1422" b="-149633"/>
+                  </a:stretch>
+                </a:blipFill>
+                <a:ln>
+                  <a:noFill/>
+                </a:ln>
+              </p:spPr>
+              <p:txBody>
+                <a:bodyPr/>
+                <a:lstStyle/>
+                <a:p>
+                  <a:r>
+                    <a:rPr lang="ja-JP" altLang="en-US">
+                      <a:noFill/>
+                    </a:rPr>
+                    <a:t> </a:t>
+                  </a:r>
+                </a:p>
+              </p:txBody>
+            </p:sp>
+          </mc:Fallback>
+        </mc:AlternateContent>
+        <p:grpSp>
+          <p:nvGrpSpPr>
+            <p:cNvPr id="19" name="グループ化 18">
+              <a:extLst>
+                <a:ext uri="{FF2B5EF4-FFF2-40B4-BE49-F238E27FC236}">
+                  <a16:creationId xmlns:a16="http://schemas.microsoft.com/office/drawing/2014/main" id="{FA056467-785C-71E2-2F35-6FF010F72D4E}"/>
+                </a:ext>
+              </a:extLst>
+            </p:cNvPr>
+            <p:cNvGrpSpPr>
+              <a:grpSpLocks/>
+            </p:cNvGrpSpPr>
+            <p:nvPr/>
+          </p:nvGrpSpPr>
+          <p:grpSpPr>
+            <a:xfrm>
+              <a:off x="791998" y="17744911"/>
+              <a:ext cx="13895700" cy="14559073"/>
+              <a:chOff x="791998" y="18420028"/>
+              <a:chExt cx="13895700" cy="14559073"/>
+            </a:xfrm>
+          </p:grpSpPr>
+          <p:sp>
+            <p:nvSpPr>
+              <p:cNvPr id="21" name="Google Shape;67;p14">
+                <a:extLst>
+                  <a:ext uri="{FF2B5EF4-FFF2-40B4-BE49-F238E27FC236}">
+                    <a16:creationId xmlns:a16="http://schemas.microsoft.com/office/drawing/2014/main" id="{A910320A-9710-61B0-F849-AC5F33CB7FC2}"/>
+                  </a:ext>
+                </a:extLst>
+              </p:cNvPr>
+              <p:cNvSpPr>
+                <a:spLocks/>
+              </p:cNvSpPr>
+              <p:nvPr/>
+            </p:nvSpPr>
+            <p:spPr>
+              <a:xfrm>
+                <a:off x="791998" y="19070336"/>
+                <a:ext cx="13895700" cy="13908765"/>
+              </a:xfrm>
+              <a:prstGeom prst="rect">
+                <a:avLst/>
+              </a:prstGeom>
+              <a:noFill/>
+              <a:ln w="25400" cap="flat" cmpd="sng">
+                <a:solidFill>
+                  <a:srgbClr val="3F3F3F"/>
+                </a:solidFill>
+                <a:prstDash val="solid"/>
+                <a:miter lim="8000"/>
+                <a:headEnd type="none" w="sm" len="sm"/>
+                <a:tailEnd type="none" w="sm" len="sm"/>
+              </a:ln>
+            </p:spPr>
+            <p:txBody>
+              <a:bodyPr spcFirstLastPara="1" wrap="square" lIns="91425" tIns="91425" rIns="91425" bIns="91425" anchor="ctr" anchorCtr="0">
+                <a:noAutofit/>
+              </a:bodyPr>
+              <a:lstStyle/>
+              <a:p>
+                <a:pPr marL="0" lvl="0" indent="0" algn="l" rtl="0">
+                  <a:spcBef>
+                    <a:spcPts val="0"/>
+                  </a:spcBef>
+                  <a:spcAft>
+                    <a:spcPts val="0"/>
+                  </a:spcAft>
+                  <a:buNone/>
+                </a:pPr>
+                <a:endParaRPr/>
+              </a:p>
+            </p:txBody>
+          </p:sp>
+          <p:sp>
+            <p:nvSpPr>
+              <p:cNvPr id="22" name="Google Shape;68;p14">
+                <a:extLst>
+                  <a:ext uri="{FF2B5EF4-FFF2-40B4-BE49-F238E27FC236}">
+                    <a16:creationId xmlns:a16="http://schemas.microsoft.com/office/drawing/2014/main" id="{E5B6EE78-775E-774B-82DA-AF93D93501E2}"/>
+                  </a:ext>
+                </a:extLst>
+              </p:cNvPr>
+              <p:cNvSpPr>
+                <a:spLocks/>
+              </p:cNvSpPr>
+              <p:nvPr/>
+            </p:nvSpPr>
+            <p:spPr>
+              <a:xfrm>
+                <a:off x="2232000" y="18420028"/>
+                <a:ext cx="4607640" cy="1308240"/>
+              </a:xfrm>
+              <a:prstGeom prst="rect">
+                <a:avLst/>
+              </a:prstGeom>
+              <a:solidFill>
+                <a:schemeClr val="lt1"/>
+              </a:solidFill>
+              <a:ln>
+                <a:noFill/>
+              </a:ln>
+            </p:spPr>
+            <p:txBody>
+              <a:bodyPr spcFirstLastPara="1" wrap="square" lIns="90000" tIns="45000" rIns="90000" bIns="45000" anchor="ctr" anchorCtr="0">
+                <a:noAutofit/>
+              </a:bodyPr>
+              <a:lstStyle/>
+              <a:p>
+                <a:pPr algn="ctr"/>
+                <a:r>
+                  <a:rPr lang="ja-JP" altLang="en-US" sz="8000" b="0" i="0" u="none" strike="noStrike" cap="none" dirty="0">
+                    <a:solidFill>
+                      <a:srgbClr val="404040"/>
+                    </a:solidFill>
+                    <a:latin typeface="+mj-ea"/>
+                    <a:ea typeface="+mj-ea"/>
+                    <a:sym typeface="Arial"/>
+                  </a:rPr>
+                  <a:t>実験結果</a:t>
+                </a:r>
+                <a:endParaRPr lang="ja-JP" altLang="en-US" sz="8000" b="0" i="0" u="none" strike="noStrike" cap="none" dirty="0">
+                  <a:latin typeface="+mj-ea"/>
+                  <a:ea typeface="+mj-ea"/>
+                  <a:sym typeface="Arial"/>
+                </a:endParaRPr>
+              </a:p>
+            </p:txBody>
+          </p:sp>
+        </p:grpSp>
+      </p:grpSp>
+      <p:pic>
+        <p:nvPicPr>
+          <p:cNvPr id="26" name="図 25">
+            <a:extLst>
+              <a:ext uri="{FF2B5EF4-FFF2-40B4-BE49-F238E27FC236}">
+                <a16:creationId xmlns:a16="http://schemas.microsoft.com/office/drawing/2014/main" id="{BB6A5F33-13DE-8856-B1AB-58A35D3BB555}"/>
+              </a:ext>
+            </a:extLst>
+          </p:cNvPr>
+          <p:cNvPicPr>
+            <a:picLocks noChangeAspect="1"/>
+          </p:cNvPicPr>
+          <p:nvPr/>
+        </p:nvPicPr>
+        <p:blipFill>
+          <a:blip r:embed="rId5"/>
+          <a:srcRect/>
+          <a:stretch/>
+        </p:blipFill>
+        <p:spPr>
+          <a:xfrm>
+            <a:off x="16001012" y="20752126"/>
+            <a:ext cx="13131176" cy="1786946"/>
+          </a:xfrm>
+          <a:prstGeom prst="rect">
+            <a:avLst/>
+          </a:prstGeom>
+        </p:spPr>
+      </p:pic>
+      <p:grpSp>
+        <p:nvGrpSpPr>
+          <p:cNvPr id="8" name="グループ化 7">
+            <a:extLst>
+              <a:ext uri="{FF2B5EF4-FFF2-40B4-BE49-F238E27FC236}">
+                <a16:creationId xmlns:a16="http://schemas.microsoft.com/office/drawing/2014/main" id="{4FAE24B4-2FCE-87F7-1FDA-1789F0E6D280}"/>
+              </a:ext>
+            </a:extLst>
+          </p:cNvPr>
+          <p:cNvGrpSpPr>
+            <a:grpSpLocks/>
+          </p:cNvGrpSpPr>
+          <p:nvPr/>
+        </p:nvGrpSpPr>
+        <p:grpSpPr>
+          <a:xfrm>
+            <a:off x="15664014" y="23248881"/>
+            <a:ext cx="13733700" cy="3887284"/>
+            <a:chOff x="36021980" y="16926456"/>
+            <a:chExt cx="15555559" cy="4484706"/>
+          </a:xfrm>
+        </p:grpSpPr>
+        <p:pic>
+          <p:nvPicPr>
+            <p:cNvPr id="5" name="図 4" descr="グラフ, 折れ線グラフ&#10;&#10;自動的に生成された説明">
+              <a:extLst>
+                <a:ext uri="{FF2B5EF4-FFF2-40B4-BE49-F238E27FC236}">
+                  <a16:creationId xmlns:a16="http://schemas.microsoft.com/office/drawing/2014/main" id="{8A7FCC4A-A6AA-22DC-53ED-2D419DAA7B16}"/>
+                </a:ext>
+              </a:extLst>
+            </p:cNvPr>
+            <p:cNvPicPr>
+              <a:picLocks noChangeAspect="1"/>
+            </p:cNvPicPr>
+            <p:nvPr/>
+          </p:nvPicPr>
+          <p:blipFill rotWithShape="1">
+            <a:blip r:embed="rId6"/>
+            <a:srcRect l="6188" t="11499" r="9106" b="6760"/>
+            <a:stretch/>
+          </p:blipFill>
+          <p:spPr>
+            <a:xfrm>
+              <a:off x="36021980" y="16926456"/>
+              <a:ext cx="7745507" cy="4484706"/>
+            </a:xfrm>
+            <a:prstGeom prst="rect">
+              <a:avLst/>
+            </a:prstGeom>
+          </p:spPr>
+        </p:pic>
+        <p:pic>
+          <p:nvPicPr>
+            <p:cNvPr id="7" name="図 6" descr="グラフ, 折れ線グラフ&#10;&#10;自動的に生成された説明">
+              <a:extLst>
+                <a:ext uri="{FF2B5EF4-FFF2-40B4-BE49-F238E27FC236}">
+                  <a16:creationId xmlns:a16="http://schemas.microsoft.com/office/drawing/2014/main" id="{AB08E444-D5B7-32D1-1980-2CEEFF25222E}"/>
+                </a:ext>
+              </a:extLst>
+            </p:cNvPr>
+            <p:cNvPicPr>
+              <a:picLocks noChangeAspect="1"/>
+            </p:cNvPicPr>
+            <p:nvPr/>
+          </p:nvPicPr>
+          <p:blipFill rotWithShape="1">
+            <a:blip r:embed="rId7"/>
+            <a:srcRect l="5307" t="11698" r="9282" b="6760"/>
+            <a:stretch/>
+          </p:blipFill>
+          <p:spPr>
+            <a:xfrm>
+              <a:off x="43767487" y="16937381"/>
+              <a:ext cx="7810052" cy="4473780"/>
+            </a:xfrm>
+            <a:prstGeom prst="rect">
+              <a:avLst/>
+            </a:prstGeom>
+          </p:spPr>
+        </p:pic>
+      </p:grpSp>
+      <p:pic>
+        <p:nvPicPr>
+          <p:cNvPr id="6" name="グラフィックス 5" descr="バッジ 1 枠線">
+            <a:extLst>
+              <a:ext uri="{FF2B5EF4-FFF2-40B4-BE49-F238E27FC236}">
+                <a16:creationId xmlns:a16="http://schemas.microsoft.com/office/drawing/2014/main" id="{76364D5C-8C38-8F7F-C154-990C6F877C8E}"/>
+              </a:ext>
+            </a:extLst>
+          </p:cNvPr>
+          <p:cNvPicPr>
+            <a:picLocks noChangeAspect="1"/>
+          </p:cNvPicPr>
+          <p:nvPr/>
+        </p:nvPicPr>
+        <p:blipFill>
+          <a:blip r:embed="rId8">
+            <a:extLst>
+              <a:ext uri="{96DAC541-7B7A-43D3-8B79-37D633B846F1}">
+                <asvg:svgBlip xmlns:asvg="http://schemas.microsoft.com/office/drawing/2016/SVG/main" r:embed="rId9"/>
+              </a:ext>
+            </a:extLst>
+          </a:blip>
+          <a:stretch>
+            <a:fillRect/>
+          </a:stretch>
+        </p:blipFill>
+        <p:spPr>
+          <a:xfrm>
+            <a:off x="16123134" y="22872442"/>
+            <a:ext cx="431616" cy="431616"/>
+          </a:xfrm>
+          <a:prstGeom prst="rect">
+            <a:avLst/>
+          </a:prstGeom>
+        </p:spPr>
+      </p:pic>
+      <p:pic>
+        <p:nvPicPr>
+          <p:cNvPr id="12" name="グラフィックス 11" descr="バッジ 枠線">
+            <a:extLst>
+              <a:ext uri="{FF2B5EF4-FFF2-40B4-BE49-F238E27FC236}">
+                <a16:creationId xmlns:a16="http://schemas.microsoft.com/office/drawing/2014/main" id="{FF124E02-63D8-703E-A5DD-150F18FA835F}"/>
+              </a:ext>
+            </a:extLst>
+          </p:cNvPr>
+          <p:cNvPicPr>
+            <a:picLocks noChangeAspect="1"/>
+          </p:cNvPicPr>
+          <p:nvPr/>
+        </p:nvPicPr>
+        <p:blipFill>
+          <a:blip r:embed="rId10">
+            <a:extLst>
+              <a:ext uri="{96DAC541-7B7A-43D3-8B79-37D633B846F1}">
+                <asvg:svgBlip xmlns:asvg="http://schemas.microsoft.com/office/drawing/2016/SVG/main" r:embed="rId11"/>
+              </a:ext>
+            </a:extLst>
+          </a:blip>
+          <a:stretch>
+            <a:fillRect/>
+          </a:stretch>
+        </p:blipFill>
+        <p:spPr>
+          <a:xfrm>
+            <a:off x="23061286" y="22870285"/>
+            <a:ext cx="431617" cy="431617"/>
+          </a:xfrm>
+          <a:prstGeom prst="rect">
+            <a:avLst/>
+          </a:prstGeom>
+        </p:spPr>
+      </p:pic>
+      <p:grpSp>
+        <p:nvGrpSpPr>
+          <p:cNvPr id="107" name="提案手法">
+            <a:extLst>
+              <a:ext uri="{FF2B5EF4-FFF2-40B4-BE49-F238E27FC236}">
+                <a16:creationId xmlns:a16="http://schemas.microsoft.com/office/drawing/2014/main" id="{85E9848E-DE94-C8C9-15F7-6FF065AAEF75}"/>
+              </a:ext>
+            </a:extLst>
+          </p:cNvPr>
+          <p:cNvGrpSpPr>
+            <a:grpSpLocks/>
+          </p:cNvGrpSpPr>
+          <p:nvPr/>
+        </p:nvGrpSpPr>
+        <p:grpSpPr>
+          <a:xfrm>
+            <a:off x="791998" y="23404480"/>
+            <a:ext cx="13895700" cy="18163650"/>
+            <a:chOff x="771153" y="20908303"/>
+            <a:chExt cx="13895700" cy="18163650"/>
+          </a:xfrm>
+        </p:grpSpPr>
+        <p:grpSp>
+          <p:nvGrpSpPr>
+            <p:cNvPr id="50" name="グループ化 49">
+              <a:extLst>
+                <a:ext uri="{FF2B5EF4-FFF2-40B4-BE49-F238E27FC236}">
+                  <a16:creationId xmlns:a16="http://schemas.microsoft.com/office/drawing/2014/main" id="{D77DAA48-C67C-2607-B3D7-6E1CC8719797}"/>
+                </a:ext>
+              </a:extLst>
+            </p:cNvPr>
+            <p:cNvGrpSpPr>
+              <a:grpSpLocks/>
+            </p:cNvGrpSpPr>
+            <p:nvPr/>
+          </p:nvGrpSpPr>
+          <p:grpSpPr>
+            <a:xfrm>
+              <a:off x="771153" y="20908303"/>
+              <a:ext cx="13895700" cy="18163650"/>
+              <a:chOff x="791998" y="25296092"/>
+              <a:chExt cx="13895700" cy="18163650"/>
+            </a:xfrm>
+          </p:grpSpPr>
+          <p:grpSp>
+            <p:nvGrpSpPr>
+              <p:cNvPr id="37" name="グループ化 36">
+                <a:extLst>
+                  <a:ext uri="{FF2B5EF4-FFF2-40B4-BE49-F238E27FC236}">
+                    <a16:creationId xmlns:a16="http://schemas.microsoft.com/office/drawing/2014/main" id="{E75E3C19-89E6-6007-DDCC-0D8E4C7A6B85}"/>
+                  </a:ext>
+                </a:extLst>
+              </p:cNvPr>
+              <p:cNvGrpSpPr>
+                <a:grpSpLocks/>
+              </p:cNvGrpSpPr>
+              <p:nvPr/>
+            </p:nvGrpSpPr>
+            <p:grpSpPr>
+              <a:xfrm>
+                <a:off x="791998" y="25296092"/>
+                <a:ext cx="13895700" cy="18163650"/>
+                <a:chOff x="791998" y="18420028"/>
+                <a:chExt cx="13895700" cy="25353148"/>
+              </a:xfrm>
+            </p:grpSpPr>
+            <p:sp>
+              <p:nvSpPr>
+                <p:cNvPr id="38" name="Google Shape;67;p14">
+                  <a:extLst>
+                    <a:ext uri="{FF2B5EF4-FFF2-40B4-BE49-F238E27FC236}">
+                      <a16:creationId xmlns:a16="http://schemas.microsoft.com/office/drawing/2014/main" id="{B830CFB2-B7CD-B4CC-1911-AEE38F3D91E9}"/>
+                    </a:ext>
+                  </a:extLst>
+                </p:cNvPr>
+                <p:cNvSpPr>
+                  <a:spLocks/>
+                </p:cNvSpPr>
+                <p:nvPr/>
+              </p:nvSpPr>
+              <p:spPr>
+                <a:xfrm>
+                  <a:off x="791998" y="19070333"/>
+                  <a:ext cx="13895700" cy="24702843"/>
+                </a:xfrm>
+                <a:prstGeom prst="rect">
+                  <a:avLst/>
+                </a:prstGeom>
+                <a:noFill/>
+                <a:ln w="76200" cap="flat" cmpd="sng">
+                  <a:solidFill>
+                    <a:srgbClr val="FA8A8A"/>
+                  </a:solidFill>
+                  <a:prstDash val="solid"/>
+                  <a:miter lim="8000"/>
+                  <a:headEnd type="none" w="sm" len="sm"/>
+                  <a:tailEnd type="none" w="sm" len="sm"/>
+                </a:ln>
+              </p:spPr>
+              <p:txBody>
+                <a:bodyPr spcFirstLastPara="1" wrap="square" lIns="91425" tIns="91425" rIns="91425" bIns="91425" anchor="ctr" anchorCtr="0">
+                  <a:noAutofit/>
+                </a:bodyPr>
+                <a:lstStyle/>
+                <a:p>
+                  <a:pPr marL="0" lvl="0" indent="0" algn="l" rtl="0">
+                    <a:spcBef>
+                      <a:spcPts val="0"/>
+                    </a:spcBef>
+                    <a:spcAft>
+                      <a:spcPts val="0"/>
+                    </a:spcAft>
+                    <a:buNone/>
+                  </a:pPr>
+                  <a:endParaRPr/>
+                </a:p>
+              </p:txBody>
+            </p:sp>
+            <p:sp>
+              <p:nvSpPr>
+                <p:cNvPr id="39" name="Google Shape;68;p14">
+                  <a:extLst>
+                    <a:ext uri="{FF2B5EF4-FFF2-40B4-BE49-F238E27FC236}">
+                      <a16:creationId xmlns:a16="http://schemas.microsoft.com/office/drawing/2014/main" id="{66EC404E-6070-E995-DFE1-98C55F9343AF}"/>
+                    </a:ext>
+                  </a:extLst>
+                </p:cNvPr>
+                <p:cNvSpPr>
+                  <a:spLocks/>
+                </p:cNvSpPr>
+                <p:nvPr/>
+              </p:nvSpPr>
+              <p:spPr>
+                <a:xfrm>
+                  <a:off x="2232000" y="18420028"/>
+                  <a:ext cx="4607640" cy="1308240"/>
+                </a:xfrm>
+                <a:prstGeom prst="rect">
+                  <a:avLst/>
+                </a:prstGeom>
+                <a:solidFill>
+                  <a:schemeClr val="lt1"/>
+                </a:solidFill>
+                <a:ln>
+                  <a:noFill/>
+                </a:ln>
+              </p:spPr>
+              <p:txBody>
+                <a:bodyPr spcFirstLastPara="1" wrap="square" lIns="90000" tIns="45000" rIns="90000" bIns="45000" anchor="ctr" anchorCtr="0">
+                  <a:noAutofit/>
+                </a:bodyPr>
+                <a:lstStyle/>
+                <a:p>
+                  <a:pPr algn="ctr"/>
+                  <a:r>
+                    <a:rPr lang="ja-JP" altLang="en-US" sz="8000" dirty="0">
+                      <a:solidFill>
+                        <a:srgbClr val="404040"/>
+                      </a:solidFill>
+                      <a:latin typeface="+mj-ea"/>
+                      <a:ea typeface="+mj-ea"/>
+                    </a:rPr>
+                    <a:t>提案手法</a:t>
+                  </a:r>
+                  <a:endParaRPr lang="ja-JP" altLang="en-US" sz="8000" b="0" i="0" u="none" strike="noStrike" cap="none" dirty="0">
+                    <a:latin typeface="+mj-ea"/>
+                    <a:ea typeface="+mj-ea"/>
+                    <a:sym typeface="Arial"/>
+                  </a:endParaRPr>
+                </a:p>
+              </p:txBody>
+            </p:sp>
+          </p:grpSp>
+          <mc:AlternateContent xmlns:mc="http://schemas.openxmlformats.org/markup-compatibility/2006">
+            <mc:Choice xmlns:a14="http://schemas.microsoft.com/office/drawing/2010/main" Requires="a14">
+              <p:sp>
+                <p:nvSpPr>
+                  <p:cNvPr id="40" name="Google Shape;92;p14">
+                    <a:extLst>
+                      <a:ext uri="{FF2B5EF4-FFF2-40B4-BE49-F238E27FC236}">
+                        <a16:creationId xmlns:a16="http://schemas.microsoft.com/office/drawing/2014/main" id="{BF948A47-1975-25BE-5328-2257C3EA0AF3}"/>
+                      </a:ext>
+                    </a:extLst>
+                  </p:cNvPr>
+                  <p:cNvSpPr txBox="1">
+                    <a:spLocks/>
+                  </p:cNvSpPr>
+                  <p:nvPr/>
+                </p:nvSpPr>
+                <p:spPr>
+                  <a:xfrm>
+                    <a:off x="1028845" y="26496925"/>
+                    <a:ext cx="13617165" cy="5822796"/>
+                  </a:xfrm>
+                  <a:prstGeom prst="rect">
+                    <a:avLst/>
+                  </a:prstGeom>
+                  <a:noFill/>
+                  <a:ln>
+                    <a:noFill/>
+                  </a:ln>
+                </p:spPr>
+                <p:txBody>
+                  <a:bodyPr spcFirstLastPara="1" wrap="square" lIns="91425" tIns="91425" rIns="91425" bIns="91425" anchor="t" anchorCtr="0">
+                    <a:noAutofit/>
+                  </a:bodyPr>
+                  <a:lstStyle/>
+                  <a:p>
+                    <a:pPr marL="0" lvl="0" indent="0" algn="l" rtl="0">
+                      <a:spcBef>
+                        <a:spcPts val="0"/>
+                      </a:spcBef>
+                      <a:spcAft>
+                        <a:spcPts val="0"/>
+                      </a:spcAft>
+                      <a:buNone/>
+                    </a:pPr>
+                    <a:r>
+                      <a:rPr lang="en-US" altLang="ja-JP" sz="4400" dirty="0">
+                        <a:latin typeface="+mn-ea"/>
+                        <a:ea typeface="+mn-ea"/>
+                      </a:rPr>
+                      <a:t>CAP </a:t>
+                    </a:r>
+                    <a:r>
+                      <a:rPr lang="ja-JP" altLang="en-US" sz="4400" dirty="0">
+                        <a:latin typeface="+mn-ea"/>
+                        <a:ea typeface="+mn-ea"/>
+                      </a:rPr>
+                      <a:t>層における</a:t>
+                    </a:r>
+                    <a:r>
+                      <a:rPr lang="ja-JP" altLang="en-US" sz="4400" u="sng" dirty="0">
+                        <a:latin typeface="+mn-ea"/>
+                        <a:ea typeface="+mn-ea"/>
+                      </a:rPr>
+                      <a:t>要約文ベクトル項</a:t>
+                    </a:r>
+                    <a:r>
+                      <a:rPr lang="ja-JP" altLang="en-US" sz="4400" dirty="0">
+                        <a:latin typeface="+mn-ea"/>
+                        <a:ea typeface="+mn-ea"/>
+                      </a:rPr>
+                      <a:t> </a:t>
+                    </a:r>
+                    <a14:m>
+                      <m:oMath xmlns:m="http://schemas.openxmlformats.org/officeDocument/2006/math">
+                        <m:sSub>
+                          <m:sSubPr>
+                            <m:ctrlPr>
+                              <a:rPr kumimoji="1" lang="en-US" altLang="ja-JP" sz="4400" i="1" smtClean="0">
+                                <a:latin typeface="Cambria Math" panose="02040503050406030204" pitchFamily="18" charset="0"/>
+                                <a:ea typeface="+mn-ea"/>
+                              </a:rPr>
+                            </m:ctrlPr>
+                          </m:sSubPr>
+                          <m:e>
+                            <m:r>
+                              <a:rPr kumimoji="1" lang="en-US" altLang="ja-JP" sz="4400" b="0" i="1" smtClean="0">
+                                <a:latin typeface="Cambria Math" panose="02040503050406030204" pitchFamily="18" charset="0"/>
+                                <a:ea typeface="+mn-ea"/>
+                              </a:rPr>
+                              <m:t>𝐸</m:t>
+                            </m:r>
+                          </m:e>
+                          <m:sub>
+                            <m:r>
+                              <a:rPr kumimoji="1" lang="en-US" altLang="ja-JP" sz="4400" b="0" i="1" smtClean="0">
+                                <a:latin typeface="Cambria Math" panose="02040503050406030204" pitchFamily="18" charset="0"/>
+                                <a:ea typeface="+mn-ea"/>
+                              </a:rPr>
+                              <m:t>𝑠𝑢𝑚</m:t>
+                            </m:r>
+                          </m:sub>
+                        </m:sSub>
+                      </m:oMath>
+                    </a14:m>
+                    <a:r>
+                      <a:rPr lang="ja-JP" altLang="en-US" sz="4400" dirty="0">
+                        <a:latin typeface="+mn-ea"/>
+                        <a:ea typeface="+mn-ea"/>
+                      </a:rPr>
+                      <a:t> の追加</a:t>
+                    </a:r>
+                    <a:endParaRPr lang="en-US" altLang="ja-JP" sz="4400" dirty="0">
+                      <a:latin typeface="+mn-ea"/>
+                      <a:ea typeface="+mn-ea"/>
+                    </a:endParaRPr>
+                  </a:p>
+                  <a:p>
+                    <a:pPr lvl="0"/>
+                    <a:r>
+                      <a:rPr lang="en-US" sz="4400" dirty="0">
+                        <a:latin typeface="+mn-ea"/>
+                        <a:ea typeface="+mn-ea"/>
+                      </a:rPr>
+                      <a:t>	</a:t>
+                    </a:r>
+                    <a:br>
+                      <a:rPr lang="en-US" sz="4400" dirty="0">
+                        <a:latin typeface="+mn-ea"/>
+                        <a:ea typeface="+mn-ea"/>
+                      </a:rPr>
+                    </a:br>
+                    <a:r>
+                      <a:rPr lang="en-US" sz="4400" dirty="0">
+                        <a:latin typeface="+mn-ea"/>
+                        <a:ea typeface="+mn-ea"/>
+                      </a:rPr>
+                      <a:t>	</a:t>
+                    </a:r>
+                    <a:r>
+                      <a:rPr lang="ja-JP" altLang="en-US" sz="4400" dirty="0">
+                        <a:latin typeface="+mn-ea"/>
+                        <a:ea typeface="+mn-ea"/>
+                      </a:rPr>
+                      <a:t>学習可能な和が </a:t>
+                    </a:r>
+                    <a14:m>
+                      <m:oMath xmlns:m="http://schemas.openxmlformats.org/officeDocument/2006/math">
+                        <m:r>
+                          <a:rPr lang="en-US" altLang="ja-JP" sz="4400" i="1">
+                            <a:latin typeface="Cambria Math" panose="02040503050406030204" pitchFamily="18" charset="0"/>
+                            <a:ea typeface="+mn-ea"/>
+                          </a:rPr>
+                          <m:t>1</m:t>
+                        </m:r>
+                      </m:oMath>
+                    </a14:m>
+                    <a:r>
+                      <a:rPr lang="ja-JP" altLang="en-US" sz="4400" dirty="0">
+                        <a:latin typeface="+mn-ea"/>
+                        <a:ea typeface="+mn-ea"/>
+                      </a:rPr>
+                      <a:t> となるパラメータ </a:t>
+                    </a:r>
+                    <a14:m>
+                      <m:oMath xmlns:m="http://schemas.openxmlformats.org/officeDocument/2006/math">
+                        <m:r>
+                          <a:rPr lang="en-US" altLang="ja-JP" sz="4400" b="0" i="1" smtClean="0">
+                            <a:latin typeface="Cambria Math" panose="02040503050406030204" pitchFamily="18" charset="0"/>
+                            <a:ea typeface="+mn-ea"/>
+                          </a:rPr>
+                          <m:t>𝑝</m:t>
+                        </m:r>
+                        <m:r>
+                          <a:rPr lang="en-US" altLang="ja-JP" sz="4400" b="0" i="1" smtClean="0">
+                            <a:latin typeface="Cambria Math" panose="02040503050406030204" pitchFamily="18" charset="0"/>
+                            <a:ea typeface="+mn-ea"/>
+                          </a:rPr>
+                          <m:t>,  </m:t>
+                        </m:r>
+                        <m:r>
+                          <a:rPr lang="en-US" altLang="ja-JP" sz="4400" b="0" i="1" smtClean="0">
+                            <a:latin typeface="Cambria Math" panose="02040503050406030204" pitchFamily="18" charset="0"/>
+                            <a:ea typeface="+mn-ea"/>
+                          </a:rPr>
+                          <m:t>𝑞</m:t>
+                        </m:r>
+                        <m:r>
+                          <a:rPr lang="en-US" altLang="ja-JP" sz="4400" b="0" i="1" smtClean="0">
+                            <a:latin typeface="Cambria Math" panose="02040503050406030204" pitchFamily="18" charset="0"/>
+                            <a:ea typeface="+mn-ea"/>
+                          </a:rPr>
+                          <m:t>,  </m:t>
+                        </m:r>
+                        <m:r>
+                          <a:rPr lang="en-US" altLang="ja-JP" sz="4400" b="0" i="1" smtClean="0">
+                            <a:latin typeface="Cambria Math" panose="02040503050406030204" pitchFamily="18" charset="0"/>
+                            <a:ea typeface="+mn-ea"/>
+                          </a:rPr>
+                          <m:t>𝑟</m:t>
+                        </m:r>
+                        <m:r>
+                          <a:rPr lang="en-US" altLang="ja-JP" sz="4400" b="0" i="1" smtClean="0">
+                            <a:latin typeface="Cambria Math" panose="02040503050406030204" pitchFamily="18" charset="0"/>
+                            <a:ea typeface="+mn-ea"/>
+                          </a:rPr>
+                          <m:t> (≥0)</m:t>
+                        </m:r>
+                      </m:oMath>
+                    </a14:m>
+                    <a:r>
+                      <a:rPr lang="en-US" altLang="ja-JP" sz="4400" dirty="0">
+                        <a:latin typeface="+mn-ea"/>
+                        <a:ea typeface="+mn-ea"/>
+                      </a:rPr>
+                      <a:t> </a:t>
+                    </a:r>
+                  </a:p>
+                  <a:p>
+                    <a:pPr lvl="0"/>
+                    <a:r>
+                      <a:rPr lang="en-US" altLang="ja-JP" sz="4400" dirty="0">
+                        <a:latin typeface="+mn-ea"/>
+                        <a:ea typeface="+mn-ea"/>
+                      </a:rPr>
+                      <a:t>	</a:t>
+                    </a:r>
+                    <a:r>
+                      <a:rPr lang="ja-JP" altLang="en-US" sz="4400" dirty="0">
+                        <a:latin typeface="+mn-ea"/>
+                        <a:ea typeface="+mn-ea"/>
+                      </a:rPr>
+                      <a:t>を用いて</a:t>
+                    </a:r>
+                    <a:r>
+                      <a:rPr lang="en-US" altLang="ja-JP" sz="4400" dirty="0">
+                        <a:latin typeface="+mn-ea"/>
+                        <a:ea typeface="+mn-ea"/>
+                      </a:rPr>
+                      <a:t> </a:t>
+                    </a:r>
+                    <a14:m>
+                      <m:oMath xmlns:m="http://schemas.openxmlformats.org/officeDocument/2006/math">
+                        <m:sSub>
+                          <m:sSubPr>
+                            <m:ctrlPr>
+                              <a:rPr kumimoji="1" lang="en-US" altLang="ja-JP" sz="4400" i="1" smtClean="0">
+                                <a:latin typeface="Cambria Math" panose="02040503050406030204" pitchFamily="18" charset="0"/>
+                                <a:ea typeface="+mn-ea"/>
+                              </a:rPr>
+                            </m:ctrlPr>
+                          </m:sSubPr>
+                          <m:e>
+                            <m:r>
+                              <a:rPr kumimoji="1" lang="en-US" altLang="ja-JP" sz="4400" b="0" i="1" smtClean="0">
+                                <a:latin typeface="Cambria Math" panose="02040503050406030204" pitchFamily="18" charset="0"/>
+                                <a:ea typeface="+mn-ea"/>
+                              </a:rPr>
+                              <m:t>𝐸</m:t>
+                            </m:r>
+                          </m:e>
+                          <m:sub>
+                            <m:d>
+                              <m:dPr>
+                                <m:begChr m:val="["/>
+                                <m:endChr m:val="]"/>
+                                <m:ctrlPr>
+                                  <a:rPr kumimoji="1" lang="en-US" altLang="ja-JP" sz="4400" b="0" i="1" smtClean="0">
+                                    <a:latin typeface="Cambria Math" panose="02040503050406030204" pitchFamily="18" charset="0"/>
+                                    <a:ea typeface="+mn-ea"/>
+                                  </a:rPr>
+                                </m:ctrlPr>
+                              </m:dPr>
+                              <m:e>
+                                <m:r>
+                                  <m:rPr>
+                                    <m:sty m:val="p"/>
+                                  </m:rPr>
+                                  <a:rPr kumimoji="1" lang="en-US" altLang="ja-JP" sz="4400" b="0" i="0" smtClean="0">
+                                    <a:latin typeface="Cambria Math" panose="02040503050406030204" pitchFamily="18" charset="0"/>
+                                    <a:ea typeface="+mn-ea"/>
+                                  </a:rPr>
+                                  <m:t>CLS</m:t>
+                                </m:r>
+                              </m:e>
+                            </m:d>
+                          </m:sub>
+                        </m:sSub>
+                      </m:oMath>
+                    </a14:m>
+                    <a:r>
+                      <a:rPr lang="en-US" altLang="ja-JP" sz="4400" dirty="0">
+                        <a:latin typeface="+mn-ea"/>
+                        <a:ea typeface="+mn-ea"/>
+                      </a:rPr>
+                      <a:t>, </a:t>
+                    </a:r>
+                    <a14:m>
+                      <m:oMath xmlns:m="http://schemas.openxmlformats.org/officeDocument/2006/math">
+                        <m:sSub>
+                          <m:sSubPr>
+                            <m:ctrlPr>
+                              <a:rPr kumimoji="1" lang="en-US" altLang="ja-JP" sz="4400" i="1">
+                                <a:latin typeface="Cambria Math" panose="02040503050406030204" pitchFamily="18" charset="0"/>
+                              </a:rPr>
+                            </m:ctrlPr>
+                          </m:sSubPr>
+                          <m:e>
+                            <m:r>
+                              <a:rPr kumimoji="1" lang="en-US" altLang="ja-JP" sz="4400" i="1">
+                                <a:latin typeface="Cambria Math" panose="02040503050406030204" pitchFamily="18" charset="0"/>
+                              </a:rPr>
+                              <m:t>𝐸</m:t>
+                            </m:r>
+                          </m:e>
+                          <m:sub>
+                            <m:r>
+                              <a:rPr kumimoji="1" lang="en-US" altLang="ja-JP" sz="4400" i="1">
+                                <a:latin typeface="Cambria Math" panose="02040503050406030204" pitchFamily="18" charset="0"/>
+                              </a:rPr>
+                              <m:t>𝐴𝑣𝑔</m:t>
+                            </m:r>
+                          </m:sub>
+                        </m:sSub>
+                      </m:oMath>
+                    </a14:m>
+                    <a:r>
+                      <a:rPr lang="en-US" altLang="ja-JP" sz="4400" dirty="0">
+                        <a:latin typeface="+mn-ea"/>
+                        <a:ea typeface="+mn-ea"/>
+                      </a:rPr>
+                      <a:t>, </a:t>
+                    </a:r>
+                    <a:r>
+                      <a:rPr lang="ja-JP" altLang="en-US" sz="4400" dirty="0">
+                        <a:latin typeface="+mn-ea"/>
+                        <a:ea typeface="+mn-ea"/>
+                      </a:rPr>
+                      <a:t>及び </a:t>
+                    </a:r>
+                    <a14:m>
+                      <m:oMath xmlns:m="http://schemas.openxmlformats.org/officeDocument/2006/math">
+                        <m:sSub>
+                          <m:sSubPr>
+                            <m:ctrlPr>
+                              <a:rPr kumimoji="1" lang="en-US" altLang="ja-JP" sz="4400" i="1">
+                                <a:latin typeface="Cambria Math" panose="02040503050406030204" pitchFamily="18" charset="0"/>
+                              </a:rPr>
+                            </m:ctrlPr>
+                          </m:sSubPr>
+                          <m:e>
+                            <m:r>
+                              <a:rPr kumimoji="1" lang="en-US" altLang="ja-JP" sz="4400" i="1">
+                                <a:latin typeface="Cambria Math" panose="02040503050406030204" pitchFamily="18" charset="0"/>
+                              </a:rPr>
+                              <m:t>𝐸</m:t>
+                            </m:r>
+                          </m:e>
+                          <m:sub>
+                            <m:r>
+                              <a:rPr kumimoji="1" lang="en-US" altLang="ja-JP" sz="4400" i="1">
+                                <a:latin typeface="Cambria Math" panose="02040503050406030204" pitchFamily="18" charset="0"/>
+                              </a:rPr>
+                              <m:t>𝑠𝑢𝑚</m:t>
+                            </m:r>
+                          </m:sub>
+                        </m:sSub>
+                      </m:oMath>
+                    </a14:m>
+                    <a:r>
+                      <a:rPr lang="ja-JP" altLang="en-US" sz="4400" dirty="0">
+                        <a:latin typeface="+mn-ea"/>
+                        <a:ea typeface="+mn-ea"/>
+                      </a:rPr>
+                      <a:t> の重み付き和</a:t>
+                    </a:r>
+                    <a:br>
+                      <a:rPr lang="en-US" altLang="ja-JP" sz="4400" dirty="0">
+                        <a:latin typeface="+mn-ea"/>
+                        <a:ea typeface="+mn-ea"/>
+                      </a:rPr>
+                    </a:br>
+                    <a:endParaRPr lang="en-US" altLang="ja-JP" sz="4400" dirty="0">
+                      <a:latin typeface="+mn-ea"/>
+                      <a:ea typeface="+mn-ea"/>
+                    </a:endParaRPr>
+                  </a:p>
+                  <a:p>
+                    <a:pPr lvl="0" algn="ctr"/>
+                    <a:r>
+                      <a:rPr lang="en-US" altLang="ja-JP" sz="4400" dirty="0">
+                        <a:latin typeface="+mn-ea"/>
+                        <a:ea typeface="+mn-ea"/>
+                      </a:rPr>
+                      <a:t>	</a:t>
+                    </a:r>
+                    <a14:m>
+                      <m:oMath xmlns:m="http://schemas.openxmlformats.org/officeDocument/2006/math">
+                        <m:r>
+                          <a:rPr lang="en-US" altLang="ja-JP" sz="4400" b="0" i="1" smtClean="0">
+                            <a:latin typeface="Cambria Math" panose="02040503050406030204" pitchFamily="18" charset="0"/>
+                            <a:ea typeface="+mn-ea"/>
+                          </a:rPr>
+                          <m:t>𝑝</m:t>
+                        </m:r>
+                        <m:sSub>
+                          <m:sSubPr>
+                            <m:ctrlPr>
+                              <a:rPr kumimoji="1" lang="en-US" altLang="ja-JP" sz="4400" i="1">
+                                <a:latin typeface="Cambria Math" panose="02040503050406030204" pitchFamily="18" charset="0"/>
+                              </a:rPr>
+                            </m:ctrlPr>
+                          </m:sSubPr>
+                          <m:e>
+                            <m:r>
+                              <a:rPr kumimoji="1" lang="en-US" altLang="ja-JP" sz="4400" i="1">
+                                <a:latin typeface="Cambria Math" panose="02040503050406030204" pitchFamily="18" charset="0"/>
+                              </a:rPr>
+                              <m:t>𝐸</m:t>
+                            </m:r>
+                          </m:e>
+                          <m:sub>
+                            <m:d>
+                              <m:dPr>
+                                <m:begChr m:val="["/>
+                                <m:endChr m:val="]"/>
+                                <m:ctrlPr>
+                                  <a:rPr kumimoji="1" lang="en-US" altLang="ja-JP" sz="4400" i="1">
+                                    <a:latin typeface="Cambria Math" panose="02040503050406030204" pitchFamily="18" charset="0"/>
+                                  </a:rPr>
+                                </m:ctrlPr>
+                              </m:dPr>
+                              <m:e>
+                                <m:r>
+                                  <m:rPr>
+                                    <m:sty m:val="p"/>
+                                  </m:rPr>
+                                  <a:rPr kumimoji="1" lang="en-US" altLang="ja-JP" sz="4400" i="0">
+                                    <a:latin typeface="Cambria Math" panose="02040503050406030204" pitchFamily="18" charset="0"/>
+                                  </a:rPr>
+                                  <m:t>CLS</m:t>
+                                </m:r>
+                              </m:e>
+                            </m:d>
+                          </m:sub>
+                        </m:sSub>
+                        <m:r>
+                          <a:rPr kumimoji="1" lang="en-US" altLang="ja-JP" sz="4400" b="0" i="1" smtClean="0">
+                            <a:latin typeface="Cambria Math" panose="02040503050406030204" pitchFamily="18" charset="0"/>
+                          </a:rPr>
+                          <m:t>+</m:t>
+                        </m:r>
+                        <m:r>
+                          <a:rPr kumimoji="1" lang="en-US" altLang="ja-JP" sz="4400" b="0" i="1" smtClean="0">
+                            <a:latin typeface="Cambria Math" panose="02040503050406030204" pitchFamily="18" charset="0"/>
+                          </a:rPr>
+                          <m:t>𝑞</m:t>
+                        </m:r>
+                        <m:sSub>
+                          <m:sSubPr>
+                            <m:ctrlPr>
+                              <a:rPr kumimoji="1" lang="en-US" altLang="ja-JP" sz="4400" i="1">
+                                <a:latin typeface="Cambria Math" panose="02040503050406030204" pitchFamily="18" charset="0"/>
+                              </a:rPr>
+                            </m:ctrlPr>
+                          </m:sSubPr>
+                          <m:e>
+                            <m:r>
+                              <a:rPr kumimoji="1" lang="en-US" altLang="ja-JP" sz="4400" i="1">
+                                <a:latin typeface="Cambria Math" panose="02040503050406030204" pitchFamily="18" charset="0"/>
+                              </a:rPr>
+                              <m:t>𝐸</m:t>
+                            </m:r>
+                          </m:e>
+                          <m:sub>
+                            <m:r>
+                              <a:rPr kumimoji="1" lang="en-US" altLang="ja-JP" sz="4400" i="1">
+                                <a:latin typeface="Cambria Math" panose="02040503050406030204" pitchFamily="18" charset="0"/>
+                              </a:rPr>
+                              <m:t>𝐴𝑣𝑔</m:t>
+                            </m:r>
+                          </m:sub>
+                        </m:sSub>
+                        <m:r>
+                          <a:rPr kumimoji="1" lang="en-US" altLang="ja-JP" sz="4400" b="0" i="1" smtClean="0">
+                            <a:latin typeface="Cambria Math" panose="02040503050406030204" pitchFamily="18" charset="0"/>
+                          </a:rPr>
+                          <m:t>+</m:t>
+                        </m:r>
+                        <m:r>
+                          <a:rPr kumimoji="1" lang="en-US" altLang="ja-JP" sz="4400" b="0" i="1" smtClean="0">
+                            <a:latin typeface="Cambria Math" panose="02040503050406030204" pitchFamily="18" charset="0"/>
+                          </a:rPr>
+                          <m:t>𝑟</m:t>
+                        </m:r>
+                        <m:sSub>
+                          <m:sSubPr>
+                            <m:ctrlPr>
+                              <a:rPr kumimoji="1" lang="en-US" altLang="ja-JP" sz="4400" i="1">
+                                <a:latin typeface="Cambria Math" panose="02040503050406030204" pitchFamily="18" charset="0"/>
+                              </a:rPr>
+                            </m:ctrlPr>
+                          </m:sSubPr>
+                          <m:e>
+                            <m:r>
+                              <a:rPr kumimoji="1" lang="en-US" altLang="ja-JP" sz="4400" i="1">
+                                <a:latin typeface="Cambria Math" panose="02040503050406030204" pitchFamily="18" charset="0"/>
+                              </a:rPr>
+                              <m:t>𝐸</m:t>
+                            </m:r>
+                          </m:e>
+                          <m:sub>
+                            <m:r>
+                              <a:rPr kumimoji="1" lang="en-US" altLang="ja-JP" sz="4400" i="1">
+                                <a:latin typeface="Cambria Math" panose="02040503050406030204" pitchFamily="18" charset="0"/>
+                              </a:rPr>
+                              <m:t>𝑠𝑢𝑚</m:t>
+                            </m:r>
+                          </m:sub>
+                        </m:sSub>
+                      </m:oMath>
+                    </a14:m>
+                    <a:endParaRPr lang="en-US" altLang="ja-JP" sz="4400" dirty="0">
+                      <a:latin typeface="+mn-ea"/>
+                      <a:ea typeface="+mn-ea"/>
+                    </a:endParaRPr>
+                  </a:p>
+                  <a:p>
+                    <a:pPr lvl="0"/>
+                    <a:r>
+                      <a:rPr lang="en-US" altLang="ja-JP" sz="4400" dirty="0">
+                        <a:latin typeface="+mn-ea"/>
+                        <a:ea typeface="+mn-ea"/>
+                      </a:rPr>
+                      <a:t>	</a:t>
+                    </a:r>
+                    <a:br>
+                      <a:rPr lang="en-US" altLang="ja-JP" sz="4400" dirty="0">
+                        <a:latin typeface="+mn-ea"/>
+                        <a:ea typeface="+mn-ea"/>
+                      </a:rPr>
+                    </a:br>
+                    <a:r>
+                      <a:rPr lang="en-US" altLang="ja-JP" sz="4400" dirty="0">
+                        <a:latin typeface="+mn-ea"/>
+                        <a:ea typeface="+mn-ea"/>
+                      </a:rPr>
+                      <a:t>	</a:t>
+                    </a:r>
+                    <a:r>
+                      <a:rPr lang="ja-JP" altLang="en-US" sz="4400" dirty="0">
+                        <a:latin typeface="+mn-ea"/>
+                        <a:ea typeface="+mn-ea"/>
+                      </a:rPr>
+                      <a:t>を文の分散表現とする</a:t>
+                    </a:r>
+                    <a:endParaRPr lang="en-US" altLang="ja-JP" sz="4400" dirty="0">
+                      <a:latin typeface="+mn-ea"/>
+                      <a:ea typeface="+mn-ea"/>
+                    </a:endParaRPr>
+                  </a:p>
+                  <a:p>
+                    <a:pPr lvl="0"/>
+                    <a:endParaRPr lang="en-US" altLang="ja-JP" sz="4400" dirty="0">
+                      <a:latin typeface="+mn-ea"/>
+                      <a:ea typeface="+mn-ea"/>
+                    </a:endParaRPr>
+                  </a:p>
+                  <a:p>
+                    <a:pPr lvl="0"/>
+                    <a:endParaRPr lang="en-US" altLang="ja-JP" sz="4400" dirty="0">
+                      <a:latin typeface="+mn-ea"/>
+                      <a:ea typeface="+mn-ea"/>
+                    </a:endParaRPr>
+                  </a:p>
+                  <a:p>
+                    <a:pPr lvl="0"/>
+                    <a:endParaRPr lang="en-US" altLang="ja-JP" sz="4400" dirty="0">
+                      <a:latin typeface="+mn-ea"/>
+                      <a:ea typeface="+mn-ea"/>
+                    </a:endParaRPr>
+                  </a:p>
+                  <a:p>
+                    <a:pPr lvl="0"/>
+                    <a:endParaRPr lang="en-US" altLang="ja-JP" sz="4400" dirty="0">
+                      <a:latin typeface="+mn-ea"/>
+                      <a:ea typeface="+mn-ea"/>
+                    </a:endParaRPr>
+                  </a:p>
+                  <a:p>
+                    <a:pPr lvl="0"/>
+                    <a:endParaRPr lang="en-US" altLang="ja-JP" sz="4400" dirty="0">
+                      <a:latin typeface="+mn-ea"/>
+                      <a:ea typeface="+mn-ea"/>
+                    </a:endParaRPr>
+                  </a:p>
+                  <a:p>
+                    <a:pPr lvl="0"/>
+                    <a:endParaRPr lang="en-US" altLang="ja-JP" sz="4400" dirty="0">
+                      <a:latin typeface="+mn-ea"/>
+                      <a:ea typeface="+mn-ea"/>
+                    </a:endParaRPr>
+                  </a:p>
+                  <a:p>
+                    <a:pPr lvl="0"/>
+                    <a:endParaRPr lang="en-US" altLang="ja-JP" sz="4400" dirty="0">
+                      <a:latin typeface="+mn-ea"/>
+                      <a:ea typeface="+mn-ea"/>
+                    </a:endParaRPr>
+                  </a:p>
+                  <a:p>
+                    <a:pPr lvl="0"/>
+                    <a:endParaRPr lang="en-US" altLang="ja-JP" sz="4400" dirty="0">
+                      <a:latin typeface="+mn-ea"/>
+                      <a:ea typeface="+mn-ea"/>
+                    </a:endParaRPr>
+                  </a:p>
+                  <a:p>
+                    <a:pPr lvl="0"/>
+                    <a:endParaRPr lang="en-US" altLang="ja-JP" sz="4400" dirty="0">
+                      <a:latin typeface="+mn-ea"/>
+                      <a:ea typeface="+mn-ea"/>
+                    </a:endParaRPr>
+                  </a:p>
+                  <a:p>
+                    <a:pPr lvl="0"/>
+                    <a:endParaRPr lang="en-US" altLang="ja-JP" sz="4400" dirty="0">
+                      <a:latin typeface="+mn-ea"/>
+                      <a:ea typeface="+mn-ea"/>
+                    </a:endParaRPr>
+                  </a:p>
+                  <a:p>
+                    <a:pPr lvl="0"/>
+                    <a:endParaRPr lang="en-US" altLang="ja-JP" sz="4400" dirty="0">
+                      <a:latin typeface="+mn-ea"/>
+                      <a:ea typeface="+mn-ea"/>
+                    </a:endParaRPr>
+                  </a:p>
+                  <a:p>
+                    <a:pPr lvl="0"/>
+                    <a:endParaRPr lang="en-US" altLang="ja-JP" sz="4400" dirty="0">
+                      <a:latin typeface="+mn-ea"/>
+                      <a:ea typeface="+mn-ea"/>
+                    </a:endParaRPr>
+                  </a:p>
+                  <a:p>
+                    <a:pPr lvl="0"/>
+                    <a:endParaRPr lang="en-US" altLang="ja-JP" sz="4400" dirty="0">
+                      <a:latin typeface="+mn-ea"/>
+                      <a:ea typeface="+mn-ea"/>
+                    </a:endParaRPr>
+                  </a:p>
+                  <a:p>
+                    <a:pPr marL="742950" marR="0" lvl="0" indent="-742950" algn="l" defTabSz="914400" rtl="0" eaLnBrk="1" fontAlgn="auto" latinLnBrk="0" hangingPunct="1">
+                      <a:lnSpc>
+                        <a:spcPct val="100000"/>
+                      </a:lnSpc>
+                      <a:spcBef>
+                        <a:spcPts val="0"/>
+                      </a:spcBef>
+                      <a:spcAft>
+                        <a:spcPts val="0"/>
+                      </a:spcAft>
+                      <a:buClr>
+                        <a:srgbClr val="000000"/>
+                      </a:buClr>
+                      <a:buSzTx/>
+                      <a:buFont typeface="+mj-lt"/>
+                      <a:buAutoNum type="arabicPeriod"/>
+                      <a:tabLst/>
+                      <a:defRPr/>
+                    </a:pPr>
+                    <a:r>
+                      <a:rPr kumimoji="1" lang="en-US" altLang="ja-JP" sz="3600" b="0" i="0" u="none" strike="noStrike" kern="0" cap="none" spc="0" normalizeH="0" baseline="0" noProof="0" dirty="0">
+                        <a:ln>
+                          <a:noFill/>
+                        </a:ln>
+                        <a:solidFill>
+                          <a:srgbClr val="000000"/>
+                        </a:solidFill>
+                        <a:effectLst/>
+                        <a:uLnTx/>
+                        <a:uFillTx/>
+                        <a:latin typeface="ＭＳ Ｐゴシック" panose="020B0600070205080204" pitchFamily="50" charset="-128"/>
+                        <a:ea typeface="ＭＳ Ｐゴシック" panose="020B0600070205080204" pitchFamily="50" charset="-128"/>
+                        <a:cs typeface="Arial"/>
+                        <a:sym typeface="Arial"/>
+                      </a:rPr>
+                      <a:t>2 </a:t>
+                    </a:r>
+                    <a:r>
+                      <a:rPr kumimoji="1" lang="ja-JP" altLang="en-US" sz="3600" b="0" i="0" u="none" strike="noStrike" kern="0" cap="none" spc="0" normalizeH="0" baseline="0" noProof="0" dirty="0">
+                        <a:ln>
+                          <a:noFill/>
+                        </a:ln>
+                        <a:solidFill>
+                          <a:srgbClr val="000000"/>
+                        </a:solidFill>
+                        <a:effectLst/>
+                        <a:uLnTx/>
+                        <a:uFillTx/>
+                        <a:latin typeface="ＭＳ Ｐゴシック" panose="020B0600070205080204" pitchFamily="50" charset="-128"/>
+                        <a:ea typeface="ＭＳ Ｐゴシック" panose="020B0600070205080204" pitchFamily="50" charset="-128"/>
+                        <a:cs typeface="Arial"/>
+                        <a:sym typeface="Arial"/>
+                      </a:rPr>
+                      <a:t>つの入力系列を独立した</a:t>
+                    </a:r>
+                    <a:r>
+                      <a:rPr kumimoji="1" lang="ja-JP" altLang="en-US" sz="3600" b="0" i="0" u="sng" strike="noStrike" kern="0" cap="none" spc="0" normalizeH="0" baseline="0" noProof="0" dirty="0">
+                        <a:ln>
+                          <a:noFill/>
+                        </a:ln>
+                        <a:solidFill>
+                          <a:srgbClr val="000000"/>
+                        </a:solidFill>
+                        <a:effectLst/>
+                        <a:uLnTx/>
+                        <a:uFillTx/>
+                        <a:latin typeface="ＭＳ Ｐゴシック" panose="020B0600070205080204" pitchFamily="50" charset="-128"/>
+                        <a:ea typeface="ＭＳ Ｐゴシック" panose="020B0600070205080204" pitchFamily="50" charset="-128"/>
+                        <a:cs typeface="Arial"/>
+                        <a:sym typeface="Arial"/>
+                      </a:rPr>
+                      <a:t>訓練済</a:t>
+                    </a:r>
+                    <a:r>
+                      <a:rPr kumimoji="1" lang="ja-JP" altLang="en-US" sz="3600" u="sng" dirty="0">
+                        <a:latin typeface="ＭＳ Ｐゴシック" panose="020B0600070205080204" pitchFamily="50" charset="-128"/>
+                        <a:ea typeface="ＭＳ Ｐゴシック" panose="020B0600070205080204" pitchFamily="50" charset="-128"/>
+                      </a:rPr>
+                      <a:t>み日本語</a:t>
+                    </a:r>
+                    <a:r>
+                      <a:rPr kumimoji="1" lang="ja-JP" altLang="en-US" sz="3600" b="0" i="0" u="sng" strike="noStrike" kern="0" cap="none" spc="0" normalizeH="0" baseline="0" noProof="0" dirty="0">
+                        <a:ln>
+                          <a:noFill/>
+                        </a:ln>
+                        <a:solidFill>
+                          <a:srgbClr val="000000"/>
+                        </a:solidFill>
+                        <a:effectLst/>
+                        <a:uLnTx/>
+                        <a:uFillTx/>
+                        <a:latin typeface="ＭＳ Ｐゴシック" panose="020B0600070205080204" pitchFamily="50" charset="-128"/>
+                        <a:ea typeface="ＭＳ Ｐゴシック" panose="020B0600070205080204" pitchFamily="50" charset="-128"/>
+                        <a:cs typeface="Arial"/>
+                        <a:sym typeface="Arial"/>
+                      </a:rPr>
+                      <a:t> </a:t>
+                    </a:r>
+                    <a:r>
+                      <a:rPr kumimoji="1" lang="en-US" altLang="ja-JP" sz="3600" b="0" i="0" u="sng" strike="noStrike" kern="0" cap="none" spc="0" normalizeH="0" baseline="0" noProof="0" dirty="0">
+                        <a:ln>
+                          <a:noFill/>
+                        </a:ln>
+                        <a:solidFill>
+                          <a:srgbClr val="000000"/>
+                        </a:solidFill>
+                        <a:effectLst/>
+                        <a:uLnTx/>
+                        <a:uFillTx/>
+                        <a:latin typeface="ＭＳ Ｐゴシック" panose="020B0600070205080204" pitchFamily="50" charset="-128"/>
+                        <a:ea typeface="ＭＳ Ｐゴシック" panose="020B0600070205080204" pitchFamily="50" charset="-128"/>
+                        <a:cs typeface="Arial"/>
+                        <a:sym typeface="Arial"/>
+                      </a:rPr>
+                      <a:t>BERT </a:t>
+                    </a:r>
+                    <a:r>
+                      <a:rPr kumimoji="1" lang="ja-JP" altLang="en-US" sz="3600" b="0" i="0" u="sng" strike="noStrike" kern="0" cap="none" spc="0" normalizeH="0" baseline="0" noProof="0" dirty="0">
+                        <a:ln>
+                          <a:noFill/>
+                        </a:ln>
+                        <a:solidFill>
+                          <a:srgbClr val="000000"/>
+                        </a:solidFill>
+                        <a:effectLst/>
+                        <a:uLnTx/>
+                        <a:uFillTx/>
+                        <a:latin typeface="ＭＳ Ｐゴシック" panose="020B0600070205080204" pitchFamily="50" charset="-128"/>
+                        <a:ea typeface="ＭＳ Ｐゴシック" panose="020B0600070205080204" pitchFamily="50" charset="-128"/>
+                        <a:cs typeface="Arial"/>
+                        <a:sym typeface="Arial"/>
+                      </a:rPr>
+                      <a:t>モデル</a:t>
+                    </a:r>
+                    <a:r>
+                      <a:rPr kumimoji="1" lang="ja-JP" altLang="en-US" sz="3600" b="0" i="0" u="none" strike="noStrike" kern="0" cap="none" spc="0" normalizeH="0" baseline="0" noProof="0" dirty="0">
+                        <a:ln>
+                          <a:noFill/>
+                        </a:ln>
+                        <a:solidFill>
+                          <a:srgbClr val="000000"/>
+                        </a:solidFill>
+                        <a:effectLst/>
+                        <a:uLnTx/>
+                        <a:uFillTx/>
+                        <a:latin typeface="ＭＳ Ｐゴシック" panose="020B0600070205080204" pitchFamily="50" charset="-128"/>
+                        <a:ea typeface="ＭＳ Ｐゴシック" panose="020B0600070205080204" pitchFamily="50" charset="-128"/>
+                        <a:cs typeface="Arial"/>
+                        <a:sym typeface="Arial"/>
+                      </a:rPr>
+                      <a:t>へ入力</a:t>
+                    </a:r>
+                    <a:br>
+                      <a:rPr kumimoji="1" lang="en-US" altLang="ja-JP" sz="3600" b="0" i="0" u="none" strike="noStrike" kern="0" cap="none" spc="0" normalizeH="0" baseline="0" noProof="0" dirty="0">
+                        <a:ln>
+                          <a:noFill/>
+                        </a:ln>
+                        <a:solidFill>
+                          <a:srgbClr val="000000"/>
+                        </a:solidFill>
+                        <a:effectLst/>
+                        <a:uLnTx/>
+                        <a:uFillTx/>
+                        <a:latin typeface="ＭＳ Ｐゴシック" panose="020B0600070205080204" pitchFamily="50" charset="-128"/>
+                        <a:ea typeface="ＭＳ Ｐゴシック" panose="020B0600070205080204" pitchFamily="50" charset="-128"/>
+                        <a:cs typeface="Arial"/>
+                        <a:sym typeface="Arial"/>
+                      </a:rPr>
+                    </a:br>
+                    <a:endParaRPr kumimoji="1" lang="en-US" altLang="ja-JP" sz="3600" b="0" i="0" u="none" strike="noStrike" kern="0" cap="none" spc="0" normalizeH="0" baseline="0" noProof="0" dirty="0">
+                      <a:ln>
+                        <a:noFill/>
+                      </a:ln>
+                      <a:solidFill>
+                        <a:srgbClr val="000000"/>
+                      </a:solidFill>
+                      <a:effectLst/>
+                      <a:uLnTx/>
+                      <a:uFillTx/>
+                      <a:latin typeface="ＭＳ Ｐゴシック" panose="020B0600070205080204" pitchFamily="50" charset="-128"/>
+                      <a:ea typeface="ＭＳ Ｐゴシック" panose="020B0600070205080204" pitchFamily="50" charset="-128"/>
+                      <a:cs typeface="Arial"/>
+                      <a:sym typeface="Arial"/>
+                    </a:endParaRPr>
+                  </a:p>
+                  <a:p>
+                    <a:pPr marL="742950" marR="0" lvl="0" indent="-742950" algn="l" defTabSz="914400" rtl="0" eaLnBrk="1" fontAlgn="auto" latinLnBrk="0" hangingPunct="1">
+                      <a:lnSpc>
+                        <a:spcPct val="100000"/>
+                      </a:lnSpc>
+                      <a:spcBef>
+                        <a:spcPts val="0"/>
+                      </a:spcBef>
+                      <a:spcAft>
+                        <a:spcPts val="0"/>
+                      </a:spcAft>
+                      <a:buClr>
+                        <a:srgbClr val="000000"/>
+                      </a:buClr>
+                      <a:buSzTx/>
+                      <a:buFont typeface="+mj-lt"/>
+                      <a:buAutoNum type="arabicPeriod"/>
+                      <a:tabLst/>
+                      <a:defRPr/>
+                    </a:pPr>
+                    <a:r>
+                      <a:rPr kumimoji="1" lang="ja-JP" altLang="en-US" sz="3600" dirty="0">
+                        <a:latin typeface="ＭＳ Ｐゴシック" panose="020B0600070205080204" pitchFamily="50" charset="-128"/>
+                        <a:ea typeface="ＭＳ Ｐゴシック" panose="020B0600070205080204" pitchFamily="50" charset="-128"/>
+                      </a:rPr>
+                      <a:t>各 </a:t>
+                    </a:r>
+                    <a:r>
+                      <a:rPr kumimoji="1" lang="en-US" altLang="ja-JP" sz="3600" dirty="0">
+                        <a:latin typeface="ＭＳ Ｐゴシック" panose="020B0600070205080204" pitchFamily="50" charset="-128"/>
+                        <a:ea typeface="ＭＳ Ｐゴシック" panose="020B0600070205080204" pitchFamily="50" charset="-128"/>
+                      </a:rPr>
+                      <a:t>BERT </a:t>
+                    </a:r>
+                    <a:r>
+                      <a:rPr kumimoji="1" lang="ja-JP" altLang="en-US" sz="3600" dirty="0">
+                        <a:latin typeface="ＭＳ Ｐゴシック" panose="020B0600070205080204" pitchFamily="50" charset="-128"/>
+                        <a:ea typeface="ＭＳ Ｐゴシック" panose="020B0600070205080204" pitchFamily="50" charset="-128"/>
+                      </a:rPr>
+                      <a:t>モデルの最終層の出力より </a:t>
+                    </a:r>
+                    <a14:m>
+                      <m:oMath xmlns:m="http://schemas.openxmlformats.org/officeDocument/2006/math">
+                        <m:sSub>
+                          <m:sSubPr>
+                            <m:ctrlPr>
+                              <a:rPr kumimoji="1" lang="en-US" altLang="ja-JP" sz="3600" b="0" i="1" u="none" strike="noStrike" kern="0" cap="none" spc="0" normalizeH="0" baseline="0" noProof="0" smtClean="0">
+                                <a:ln>
+                                  <a:noFill/>
+                                </a:ln>
+                                <a:solidFill>
+                                  <a:srgbClr val="000000"/>
+                                </a:solidFill>
+                                <a:effectLst/>
+                                <a:uLnTx/>
+                                <a:uFillTx/>
+                                <a:latin typeface="Cambria Math" panose="02040503050406030204" pitchFamily="18" charset="0"/>
+                                <a:ea typeface="+mn-ea"/>
+                                <a:sym typeface="Arial"/>
+                              </a:rPr>
+                            </m:ctrlPr>
+                          </m:sSubPr>
+                          <m:e>
+                            <m:r>
+                              <a:rPr kumimoji="1" lang="en-US" altLang="ja-JP" sz="3600" b="0" i="1" u="none" strike="noStrike" kern="0" cap="none" spc="0" normalizeH="0" baseline="0" noProof="0" smtClean="0">
+                                <a:ln>
+                                  <a:noFill/>
+                                </a:ln>
+                                <a:solidFill>
+                                  <a:srgbClr val="000000"/>
+                                </a:solidFill>
+                                <a:effectLst/>
+                                <a:uLnTx/>
+                                <a:uFillTx/>
+                                <a:latin typeface="Cambria Math" panose="02040503050406030204" pitchFamily="18" charset="0"/>
+                                <a:ea typeface="+mn-ea"/>
+                                <a:sym typeface="Arial"/>
+                              </a:rPr>
+                              <m:t>𝐸</m:t>
+                            </m:r>
+                          </m:e>
+                          <m:sub>
+                            <m:d>
+                              <m:dPr>
+                                <m:begChr m:val="["/>
+                                <m:endChr m:val="]"/>
+                                <m:ctrlPr>
+                                  <a:rPr kumimoji="1" lang="en-US" altLang="ja-JP" sz="3600" b="0" i="1" u="none" strike="noStrike" kern="0" cap="none" spc="0" normalizeH="0" baseline="0" noProof="0" smtClean="0">
+                                    <a:ln>
+                                      <a:noFill/>
+                                    </a:ln>
+                                    <a:solidFill>
+                                      <a:srgbClr val="000000"/>
+                                    </a:solidFill>
+                                    <a:effectLst/>
+                                    <a:uLnTx/>
+                                    <a:uFillTx/>
+                                    <a:latin typeface="Cambria Math" panose="02040503050406030204" pitchFamily="18" charset="0"/>
+                                    <a:ea typeface="+mn-ea"/>
+                                    <a:sym typeface="Arial"/>
+                                  </a:rPr>
+                                </m:ctrlPr>
+                              </m:dPr>
+                              <m:e>
+                                <m:r>
+                                  <m:rPr>
+                                    <m:sty m:val="p"/>
+                                  </m:rPr>
+                                  <a:rPr kumimoji="1" lang="en-US" altLang="ja-JP" sz="3600" b="0" i="0" u="none" strike="noStrike" kern="0" cap="none" spc="0" normalizeH="0" baseline="0" noProof="0" smtClean="0">
+                                    <a:ln>
+                                      <a:noFill/>
+                                    </a:ln>
+                                    <a:solidFill>
+                                      <a:srgbClr val="000000"/>
+                                    </a:solidFill>
+                                    <a:effectLst/>
+                                    <a:uLnTx/>
+                                    <a:uFillTx/>
+                                    <a:latin typeface="Cambria Math" panose="02040503050406030204" pitchFamily="18" charset="0"/>
+                                    <a:ea typeface="+mn-ea"/>
+                                    <a:sym typeface="Arial"/>
+                                  </a:rPr>
+                                  <m:t>CLS</m:t>
+                                </m:r>
+                              </m:e>
+                            </m:d>
+                          </m:sub>
+                        </m:sSub>
+                      </m:oMath>
+                    </a14:m>
+                    <a:r>
+                      <a:rPr kumimoji="0" lang="en-US" altLang="ja-JP" sz="3600" b="0" i="0" u="none" strike="noStrike" kern="0" cap="none" spc="0" normalizeH="0" baseline="0" noProof="0" dirty="0">
+                        <a:ln>
+                          <a:noFill/>
+                        </a:ln>
+                        <a:solidFill>
+                          <a:srgbClr val="000000"/>
+                        </a:solidFill>
+                        <a:effectLst/>
+                        <a:uLnTx/>
+                        <a:uFillTx/>
+                        <a:latin typeface="ＭＳ Ｐゴシック" panose="020B0600070205080204" pitchFamily="50" charset="-128"/>
+                        <a:ea typeface="ＭＳ Ｐゴシック" panose="020B0600070205080204" pitchFamily="50" charset="-128"/>
+                        <a:cs typeface="Arial"/>
+                        <a:sym typeface="Arial"/>
+                      </a:rPr>
+                      <a:t>, </a:t>
+                    </a:r>
+                    <a14:m>
+                      <m:oMath xmlns:m="http://schemas.openxmlformats.org/officeDocument/2006/math">
+                        <m:sSub>
+                          <m:sSubPr>
+                            <m:ctrlPr>
+                              <a:rPr kumimoji="1" lang="en-US" altLang="ja-JP" sz="3600" b="0" i="1" u="none" strike="noStrike" kern="0" cap="none" spc="0" normalizeH="0" baseline="0" noProof="0">
+                                <a:ln>
+                                  <a:noFill/>
+                                </a:ln>
+                                <a:solidFill>
+                                  <a:srgbClr val="000000"/>
+                                </a:solidFill>
+                                <a:effectLst/>
+                                <a:uLnTx/>
+                                <a:uFillTx/>
+                                <a:latin typeface="Cambria Math" panose="02040503050406030204" pitchFamily="18" charset="0"/>
+                                <a:sym typeface="Arial"/>
+                              </a:rPr>
+                            </m:ctrlPr>
+                          </m:sSubPr>
+                          <m:e>
+                            <m:r>
+                              <a:rPr kumimoji="1" lang="en-US" altLang="ja-JP" sz="3600" b="0" i="1" u="none" strike="noStrike" kern="0" cap="none" spc="0" normalizeH="0" baseline="0" noProof="0">
+                                <a:ln>
+                                  <a:noFill/>
+                                </a:ln>
+                                <a:solidFill>
+                                  <a:srgbClr val="000000"/>
+                                </a:solidFill>
+                                <a:effectLst/>
+                                <a:uLnTx/>
+                                <a:uFillTx/>
+                                <a:latin typeface="Cambria Math" panose="02040503050406030204" pitchFamily="18" charset="0"/>
+                                <a:sym typeface="Arial"/>
+                              </a:rPr>
+                              <m:t>𝐸</m:t>
+                            </m:r>
+                          </m:e>
+                          <m:sub>
+                            <m:r>
+                              <a:rPr kumimoji="1" lang="en-US" altLang="ja-JP" sz="3600" b="0" i="1" u="none" strike="noStrike" kern="0" cap="none" spc="0" normalizeH="0" baseline="0" noProof="0">
+                                <a:ln>
+                                  <a:noFill/>
+                                </a:ln>
+                                <a:solidFill>
+                                  <a:srgbClr val="000000"/>
+                                </a:solidFill>
+                                <a:effectLst/>
+                                <a:uLnTx/>
+                                <a:uFillTx/>
+                                <a:latin typeface="Cambria Math" panose="02040503050406030204" pitchFamily="18" charset="0"/>
+                                <a:sym typeface="Arial"/>
+                              </a:rPr>
+                              <m:t>𝐴𝑣𝑔</m:t>
+                            </m:r>
+                          </m:sub>
+                        </m:sSub>
+                      </m:oMath>
+                    </a14:m>
+                    <a:r>
+                      <a:rPr kumimoji="0" lang="en-US" altLang="ja-JP" sz="3600" b="0" i="0" u="none" strike="noStrike" kern="0" cap="none" spc="0" normalizeH="0" baseline="0" noProof="0" dirty="0">
+                        <a:ln>
+                          <a:noFill/>
+                        </a:ln>
+                        <a:solidFill>
+                          <a:srgbClr val="000000"/>
+                        </a:solidFill>
+                        <a:effectLst/>
+                        <a:uLnTx/>
+                        <a:uFillTx/>
+                        <a:latin typeface="ＭＳ Ｐゴシック" panose="020B0600070205080204" pitchFamily="50" charset="-128"/>
+                        <a:ea typeface="ＭＳ Ｐゴシック" panose="020B0600070205080204" pitchFamily="50" charset="-128"/>
+                        <a:cs typeface="Arial"/>
+                        <a:sym typeface="Arial"/>
+                      </a:rPr>
+                      <a:t>, </a:t>
+                    </a:r>
+                    <a:r>
+                      <a:rPr kumimoji="0" lang="ja-JP" altLang="en-US" sz="3600" b="0" i="0" u="none" strike="noStrike" kern="0" cap="none" spc="0" normalizeH="0" baseline="0" noProof="0" dirty="0">
+                        <a:ln>
+                          <a:noFill/>
+                        </a:ln>
+                        <a:solidFill>
+                          <a:srgbClr val="000000"/>
+                        </a:solidFill>
+                        <a:effectLst/>
+                        <a:uLnTx/>
+                        <a:uFillTx/>
+                        <a:latin typeface="ＭＳ Ｐゴシック" panose="020B0600070205080204" pitchFamily="50" charset="-128"/>
+                        <a:ea typeface="ＭＳ Ｐゴシック" panose="020B0600070205080204" pitchFamily="50" charset="-128"/>
+                        <a:cs typeface="Arial"/>
+                        <a:sym typeface="Arial"/>
+                      </a:rPr>
+                      <a:t>及び </a:t>
+                    </a:r>
+                    <a14:m>
+                      <m:oMath xmlns:m="http://schemas.openxmlformats.org/officeDocument/2006/math">
+                        <m:sSub>
+                          <m:sSubPr>
+                            <m:ctrlPr>
+                              <a:rPr kumimoji="1" lang="en-US" altLang="ja-JP" sz="3600" b="0" i="1" u="none" strike="noStrike" kern="0" cap="none" spc="0" normalizeH="0" baseline="0" noProof="0">
+                                <a:ln>
+                                  <a:noFill/>
+                                </a:ln>
+                                <a:solidFill>
+                                  <a:srgbClr val="000000"/>
+                                </a:solidFill>
+                                <a:effectLst/>
+                                <a:uLnTx/>
+                                <a:uFillTx/>
+                                <a:latin typeface="Cambria Math" panose="02040503050406030204" pitchFamily="18" charset="0"/>
+                                <a:sym typeface="Arial"/>
+                              </a:rPr>
+                            </m:ctrlPr>
+                          </m:sSubPr>
+                          <m:e>
+                            <m:r>
+                              <a:rPr kumimoji="1" lang="en-US" altLang="ja-JP" sz="3600" b="0" i="1" u="none" strike="noStrike" kern="0" cap="none" spc="0" normalizeH="0" baseline="0" noProof="0">
+                                <a:ln>
+                                  <a:noFill/>
+                                </a:ln>
+                                <a:solidFill>
+                                  <a:srgbClr val="000000"/>
+                                </a:solidFill>
+                                <a:effectLst/>
+                                <a:uLnTx/>
+                                <a:uFillTx/>
+                                <a:latin typeface="Cambria Math" panose="02040503050406030204" pitchFamily="18" charset="0"/>
+                                <a:sym typeface="Arial"/>
+                              </a:rPr>
+                              <m:t>𝐸</m:t>
+                            </m:r>
+                          </m:e>
+                          <m:sub>
+                            <m:r>
+                              <a:rPr kumimoji="1" lang="en-US" altLang="ja-JP" sz="3600" b="0" i="1" u="none" strike="noStrike" kern="0" cap="none" spc="0" normalizeH="0" baseline="0" noProof="0">
+                                <a:ln>
+                                  <a:noFill/>
+                                </a:ln>
+                                <a:solidFill>
+                                  <a:srgbClr val="000000"/>
+                                </a:solidFill>
+                                <a:effectLst/>
+                                <a:uLnTx/>
+                                <a:uFillTx/>
+                                <a:latin typeface="Cambria Math" panose="02040503050406030204" pitchFamily="18" charset="0"/>
+                                <a:sym typeface="Arial"/>
+                              </a:rPr>
+                              <m:t>𝑠𝑢𝑚</m:t>
+                            </m:r>
+                          </m:sub>
+                        </m:sSub>
+                      </m:oMath>
+                    </a14:m>
+                    <a:r>
+                      <a:rPr kumimoji="0" lang="ja-JP" altLang="en-US" sz="3600" b="0" i="0" u="none" strike="noStrike" kern="0" cap="none" spc="0" normalizeH="0" baseline="0" noProof="0" dirty="0">
+                        <a:ln>
+                          <a:noFill/>
+                        </a:ln>
+                        <a:solidFill>
+                          <a:srgbClr val="000000"/>
+                        </a:solidFill>
+                        <a:effectLst/>
+                        <a:uLnTx/>
+                        <a:uFillTx/>
+                        <a:latin typeface="ＭＳ Ｐゴシック" panose="020B0600070205080204" pitchFamily="50" charset="-128"/>
+                        <a:ea typeface="ＭＳ Ｐゴシック" panose="020B0600070205080204" pitchFamily="50" charset="-128"/>
+                        <a:cs typeface="Arial"/>
+                        <a:sym typeface="Arial"/>
+                      </a:rPr>
+                      <a:t> を算出し</a:t>
+                    </a:r>
+                    <a:r>
+                      <a:rPr kumimoji="0" lang="en-US" altLang="ja-JP" sz="3600" b="0" i="0" u="none" strike="noStrike" kern="0" cap="none" spc="0" normalizeH="0" baseline="0" noProof="0" dirty="0">
+                        <a:ln>
+                          <a:noFill/>
+                        </a:ln>
+                        <a:solidFill>
+                          <a:srgbClr val="000000"/>
+                        </a:solidFill>
+                        <a:effectLst/>
+                        <a:uLnTx/>
+                        <a:uFillTx/>
+                        <a:latin typeface="ＭＳ Ｐゴシック" panose="020B0600070205080204" pitchFamily="50" charset="-128"/>
+                        <a:ea typeface="ＭＳ Ｐゴシック" panose="020B0600070205080204" pitchFamily="50" charset="-128"/>
+                        <a:cs typeface="Arial"/>
+                        <a:sym typeface="Arial"/>
+                      </a:rPr>
+                      <a:t>, </a:t>
+                    </a:r>
+                    <a:r>
+                      <a:rPr kumimoji="0" lang="ja-JP" altLang="en-US" sz="3600" b="0" i="0" u="none" strike="noStrike" kern="0" cap="none" spc="0" normalizeH="0" baseline="0" noProof="0" dirty="0">
+                        <a:ln>
+                          <a:noFill/>
+                        </a:ln>
+                        <a:solidFill>
+                          <a:srgbClr val="000000"/>
+                        </a:solidFill>
+                        <a:effectLst/>
+                        <a:uLnTx/>
+                        <a:uFillTx/>
+                        <a:latin typeface="ＭＳ Ｐゴシック" panose="020B0600070205080204" pitchFamily="50" charset="-128"/>
+                        <a:ea typeface="ＭＳ Ｐゴシック" panose="020B0600070205080204" pitchFamily="50" charset="-128"/>
+                        <a:cs typeface="Arial"/>
+                        <a:sym typeface="Arial"/>
+                      </a:rPr>
+                      <a:t>提案手法であるプーリング層へ入力</a:t>
+                    </a:r>
+                    <a:endParaRPr kumimoji="0" lang="en-US" altLang="ja-JP" sz="3600" b="0" i="0" u="none" strike="noStrike" kern="0" cap="none" spc="0" normalizeH="0" baseline="0" noProof="0" dirty="0">
+                      <a:ln>
+                        <a:noFill/>
+                      </a:ln>
+                      <a:solidFill>
+                        <a:srgbClr val="000000"/>
+                      </a:solidFill>
+                      <a:effectLst/>
+                      <a:uLnTx/>
+                      <a:uFillTx/>
+                      <a:latin typeface="ＭＳ Ｐゴシック" panose="020B0600070205080204" pitchFamily="50" charset="-128"/>
+                      <a:ea typeface="ＭＳ Ｐゴシック" panose="020B0600070205080204" pitchFamily="50" charset="-128"/>
+                      <a:sym typeface="Arial"/>
+                    </a:endParaRPr>
+                  </a:p>
+                  <a:p>
+                    <a:pPr lvl="0"/>
+                    <a:endParaRPr lang="en-US" altLang="ja-JP" sz="4400" dirty="0">
+                      <a:latin typeface="+mn-ea"/>
+                      <a:ea typeface="+mn-ea"/>
+                    </a:endParaRPr>
+                  </a:p>
+                  <a:p>
+                    <a:pPr lvl="0"/>
+                    <a:endParaRPr lang="en-US" altLang="ja-JP" sz="4000" dirty="0">
+                      <a:latin typeface="+mn-ea"/>
+                      <a:ea typeface="+mn-ea"/>
+                    </a:endParaRPr>
+                  </a:p>
+                </p:txBody>
+              </p:sp>
+            </mc:Choice>
+            <mc:Fallback>
+              <p:sp>
+                <p:nvSpPr>
+                  <p:cNvPr id="40" name="Google Shape;92;p14">
+                    <a:extLst>
+                      <a:ext uri="{FF2B5EF4-FFF2-40B4-BE49-F238E27FC236}">
+                        <a16:creationId xmlns:a16="http://schemas.microsoft.com/office/drawing/2014/main" id="{BF948A47-1975-25BE-5328-2257C3EA0AF3}"/>
+                      </a:ext>
+                    </a:extLst>
+                  </p:cNvPr>
+                  <p:cNvSpPr txBox="1">
+                    <a:spLocks noRot="1" noChangeAspect="1" noMove="1" noResize="1" noEditPoints="1" noAdjustHandles="1" noChangeArrowheads="1" noChangeShapeType="1" noTextEdit="1"/>
+                  </p:cNvSpPr>
+                  <p:nvPr/>
+                </p:nvSpPr>
+                <p:spPr>
+                  <a:xfrm>
+                    <a:off x="1028845" y="26496925"/>
+                    <a:ext cx="13617165" cy="5822796"/>
+                  </a:xfrm>
+                  <a:prstGeom prst="rect">
+                    <a:avLst/>
+                  </a:prstGeom>
+                  <a:blipFill>
+                    <a:blip r:embed="rId12"/>
+                    <a:stretch>
+                      <a:fillRect l="-1835" t="-1675" b="-188691"/>
+                    </a:stretch>
+                  </a:blipFill>
+                  <a:ln>
+                    <a:noFill/>
+                  </a:ln>
+                </p:spPr>
+                <p:txBody>
+                  <a:bodyPr/>
+                  <a:lstStyle/>
+                  <a:p>
+                    <a:r>
+                      <a:rPr lang="ja-JP" altLang="en-US">
+                        <a:noFill/>
+                      </a:rPr>
+                      <a:t> </a:t>
+                    </a:r>
+                  </a:p>
+                </p:txBody>
+              </p:sp>
+            </mc:Fallback>
+          </mc:AlternateContent>
+        </p:grpSp>
+        <p:pic>
+          <p:nvPicPr>
+            <p:cNvPr id="106" name="図 105">
+              <a:extLst>
+                <a:ext uri="{FF2B5EF4-FFF2-40B4-BE49-F238E27FC236}">
+                  <a16:creationId xmlns:a16="http://schemas.microsoft.com/office/drawing/2014/main" id="{50950D03-F983-39C7-D244-3E421F949DCF}"/>
+                </a:ext>
+              </a:extLst>
+            </p:cNvPr>
+            <p:cNvPicPr>
+              <a:picLocks noChangeAspect="1"/>
+            </p:cNvPicPr>
+            <p:nvPr/>
+          </p:nvPicPr>
+          <p:blipFill>
+            <a:blip r:embed="rId13"/>
+            <a:srcRect/>
+            <a:stretch/>
+          </p:blipFill>
+          <p:spPr>
+            <a:xfrm>
+              <a:off x="2231846" y="27931932"/>
+              <a:ext cx="10968521" cy="8244508"/>
+            </a:xfrm>
+            <a:prstGeom prst="rect">
+              <a:avLst/>
+            </a:prstGeom>
+          </p:spPr>
+        </p:pic>
+      </p:grpSp>
+      <p:grpSp>
+        <p:nvGrpSpPr>
+          <p:cNvPr id="9" name="グループ化 8">
+            <a:extLst>
+              <a:ext uri="{FF2B5EF4-FFF2-40B4-BE49-F238E27FC236}">
+                <a16:creationId xmlns:a16="http://schemas.microsoft.com/office/drawing/2014/main" id="{AD91AAD1-795A-A121-AF7F-AF01FEAA060F}"/>
+              </a:ext>
+            </a:extLst>
+          </p:cNvPr>
+          <p:cNvGrpSpPr/>
+          <p:nvPr/>
+        </p:nvGrpSpPr>
+        <p:grpSpPr>
+          <a:xfrm>
+            <a:off x="15755900" y="11825608"/>
+            <a:ext cx="13635619" cy="2640987"/>
+            <a:chOff x="15755900" y="11825608"/>
+            <a:chExt cx="13635619" cy="2640987"/>
+          </a:xfrm>
+        </p:grpSpPr>
+        <p:pic>
+          <p:nvPicPr>
+            <p:cNvPr id="109" name="図 108">
+              <a:extLst>
+                <a:ext uri="{FF2B5EF4-FFF2-40B4-BE49-F238E27FC236}">
+                  <a16:creationId xmlns:a16="http://schemas.microsoft.com/office/drawing/2014/main" id="{FD0BB271-F714-3D92-E995-50A74A14D964}"/>
+                </a:ext>
+              </a:extLst>
+            </p:cNvPr>
+            <p:cNvPicPr>
+              <a:picLocks noChangeAspect="1"/>
+            </p:cNvPicPr>
+            <p:nvPr/>
+          </p:nvPicPr>
+          <p:blipFill>
+            <a:blip r:embed="rId14"/>
+            <a:srcRect/>
+            <a:stretch/>
+          </p:blipFill>
+          <p:spPr>
+            <a:xfrm>
+              <a:off x="15755900" y="11825608"/>
+              <a:ext cx="13635619" cy="2640987"/>
+            </a:xfrm>
+            <a:prstGeom prst="rect">
+              <a:avLst/>
+            </a:prstGeom>
+          </p:spPr>
+        </p:pic>
+        <p:pic>
+          <p:nvPicPr>
+            <p:cNvPr id="113" name="図 112" descr="図形&#10;&#10;中程度の精度で自動的に生成された説明">
+              <a:extLst>
+                <a:ext uri="{FF2B5EF4-FFF2-40B4-BE49-F238E27FC236}">
+                  <a16:creationId xmlns:a16="http://schemas.microsoft.com/office/drawing/2014/main" id="{EC6FC9D3-F15D-E7C4-16C7-DA6FA5C180A7}"/>
+                </a:ext>
+              </a:extLst>
+            </p:cNvPr>
+            <p:cNvPicPr>
+              <a:picLocks noChangeAspect="1"/>
+            </p:cNvPicPr>
+            <p:nvPr/>
+          </p:nvPicPr>
+          <p:blipFill rotWithShape="1">
+            <a:blip r:embed="rId15"/>
+            <a:srcRect l="2521" t="-1120" b="73489"/>
+            <a:stretch/>
+          </p:blipFill>
+          <p:spPr>
+            <a:xfrm>
+              <a:off x="20802390" y="11875758"/>
+              <a:ext cx="8329798" cy="366718"/>
+            </a:xfrm>
+            <a:prstGeom prst="rect">
+              <a:avLst/>
+            </a:prstGeom>
+          </p:spPr>
+        </p:pic>
+      </p:grpSp>
+      <p:grpSp>
+        <p:nvGrpSpPr>
+          <p:cNvPr id="119" name="グループ化 118">
+            <a:extLst>
+              <a:ext uri="{FF2B5EF4-FFF2-40B4-BE49-F238E27FC236}">
+                <a16:creationId xmlns:a16="http://schemas.microsoft.com/office/drawing/2014/main" id="{C61D5FE4-2990-6D68-F059-A8C54F0C1DC3}"/>
+              </a:ext>
+            </a:extLst>
+          </p:cNvPr>
+          <p:cNvGrpSpPr/>
+          <p:nvPr/>
+        </p:nvGrpSpPr>
+        <p:grpSpPr>
+          <a:xfrm>
+            <a:off x="15621132" y="39911542"/>
+            <a:ext cx="14030467" cy="1409571"/>
+            <a:chOff x="791997" y="31364635"/>
+            <a:chExt cx="14030467" cy="4529056"/>
+          </a:xfrm>
+        </p:grpSpPr>
+        <p:sp>
+          <p:nvSpPr>
+            <p:cNvPr id="122" name="Google Shape;67;p14">
+              <a:extLst>
+                <a:ext uri="{FF2B5EF4-FFF2-40B4-BE49-F238E27FC236}">
+                  <a16:creationId xmlns:a16="http://schemas.microsoft.com/office/drawing/2014/main" id="{4BCA9CA2-C759-362F-93C4-AEBCF670CDBC}"/>
+                </a:ext>
+              </a:extLst>
+            </p:cNvPr>
+            <p:cNvSpPr/>
+            <p:nvPr/>
+          </p:nvSpPr>
+          <p:spPr>
+            <a:xfrm>
+              <a:off x="791997" y="31364635"/>
+              <a:ext cx="13895700" cy="4529056"/>
+            </a:xfrm>
+            <a:prstGeom prst="rect">
+              <a:avLst/>
+            </a:prstGeom>
+            <a:noFill/>
+            <a:ln w="25400" cap="flat" cmpd="sng">
+              <a:noFill/>
+              <a:prstDash val="solid"/>
+              <a:miter lim="8000"/>
+              <a:headEnd type="none" w="sm" len="sm"/>
+              <a:tailEnd type="none" w="sm" len="sm"/>
+            </a:ln>
+          </p:spPr>
+          <p:txBody>
+            <a:bodyPr spcFirstLastPara="1" wrap="square" lIns="91425" tIns="91425" rIns="91425" bIns="91425" anchor="ctr" anchorCtr="0">
+              <a:noAutofit/>
+            </a:bodyPr>
+            <a:lstStyle/>
+            <a:p>
+              <a:pPr marL="0" lvl="0" indent="0" algn="l" rtl="0">
+                <a:spcBef>
+                  <a:spcPts val="0"/>
+                </a:spcBef>
+                <a:spcAft>
+                  <a:spcPts val="0"/>
+                </a:spcAft>
+                <a:buNone/>
+              </a:pPr>
+              <a:endParaRPr/>
+            </a:p>
+          </p:txBody>
+        </p:sp>
+        <p:sp>
+          <p:nvSpPr>
+            <p:cNvPr id="121" name="Google Shape;92;p14">
+              <a:extLst>
+                <a:ext uri="{FF2B5EF4-FFF2-40B4-BE49-F238E27FC236}">
+                  <a16:creationId xmlns:a16="http://schemas.microsoft.com/office/drawing/2014/main" id="{BC0721B8-6A72-CFFC-D216-3FFD27581994}"/>
+                </a:ext>
+              </a:extLst>
+            </p:cNvPr>
+            <p:cNvSpPr txBox="1"/>
+            <p:nvPr/>
+          </p:nvSpPr>
+          <p:spPr>
+            <a:xfrm>
+              <a:off x="926765" y="32290750"/>
+              <a:ext cx="13895699" cy="2463692"/>
+            </a:xfrm>
+            <a:prstGeom prst="rect">
+              <a:avLst/>
+            </a:prstGeom>
+            <a:noFill/>
+            <a:ln>
+              <a:noFill/>
+            </a:ln>
+          </p:spPr>
+          <p:txBody>
+            <a:bodyPr spcFirstLastPara="1" wrap="square" lIns="91425" tIns="91425" rIns="91425" bIns="91425" anchor="t" anchorCtr="0">
+              <a:noAutofit/>
+            </a:bodyPr>
+            <a:lstStyle/>
+            <a:p>
+              <a:r>
+                <a:rPr lang="en-US" altLang="ja-JP" sz="2800" dirty="0">
+                  <a:latin typeface="+mn-ea"/>
+                  <a:ea typeface="+mn-ea"/>
+                </a:rPr>
+                <a:t>[1] </a:t>
+              </a:r>
+              <a:r>
+                <a:rPr lang="ja-JP" altLang="en-US" sz="2800" dirty="0">
+                  <a:latin typeface="+mn-ea"/>
+                  <a:ea typeface="+mn-ea"/>
+                </a:rPr>
+                <a:t>大和秀徳</a:t>
+              </a:r>
+              <a:r>
+                <a:rPr lang="en-US" altLang="ja-JP" sz="2800" dirty="0">
+                  <a:latin typeface="+mn-ea"/>
+                  <a:ea typeface="+mn-ea"/>
+                </a:rPr>
+                <a:t>. BERT </a:t>
+              </a:r>
+              <a:r>
+                <a:rPr lang="ja-JP" altLang="en-US" sz="2800" dirty="0">
+                  <a:latin typeface="+mn-ea"/>
+                  <a:ea typeface="+mn-ea"/>
+                </a:rPr>
+                <a:t>の分散表現に対する学習可能な重みを持つプーリング手法の提案</a:t>
+              </a:r>
+              <a:r>
+                <a:rPr lang="en-US" altLang="ja-JP" sz="2800" dirty="0">
+                  <a:latin typeface="+mn-ea"/>
+                  <a:ea typeface="+mn-ea"/>
+                </a:rPr>
+                <a:t>, </a:t>
+              </a:r>
+              <a:br>
+                <a:rPr lang="en-US" altLang="ja-JP" sz="2800" dirty="0">
+                  <a:latin typeface="+mn-ea"/>
+                  <a:ea typeface="+mn-ea"/>
+                </a:rPr>
+              </a:br>
+              <a:r>
+                <a:rPr lang="en-US" altLang="ja-JP" sz="2800" dirty="0">
+                  <a:latin typeface="+mn-ea"/>
+                  <a:ea typeface="+mn-ea"/>
+                </a:rPr>
+                <a:t>     </a:t>
+              </a:r>
+              <a:r>
+                <a:rPr lang="ja-JP" altLang="en-US" sz="2800" dirty="0">
+                  <a:latin typeface="+mn-ea"/>
+                  <a:ea typeface="+mn-ea"/>
+                </a:rPr>
+                <a:t>大阪公立大学大学院情報学研究科 基幹情報学専攻 知能情報分野 修士論文</a:t>
+              </a:r>
+              <a:r>
+                <a:rPr lang="en-US" altLang="ja-JP" sz="2800" dirty="0">
+                  <a:latin typeface="+mn-ea"/>
+                  <a:ea typeface="+mn-ea"/>
+                </a:rPr>
+                <a:t>, 2024.</a:t>
+              </a:r>
+            </a:p>
+            <a:p>
+              <a:r>
+                <a:rPr lang="en-US" altLang="ja-JP" sz="2800" dirty="0">
+                  <a:latin typeface="+mn-ea"/>
+                  <a:ea typeface="+mn-ea"/>
+                </a:rPr>
+                <a:t>[2] Preferred Elements, </a:t>
+              </a:r>
+              <a:r>
+                <a:rPr lang="en-US" altLang="ja-JP" sz="2800" dirty="0">
+                  <a:latin typeface="+mn-ea"/>
+                  <a:ea typeface="+mn-ea"/>
+                  <a:hlinkClick r:id="rId16"/>
+                </a:rPr>
+                <a:t>https://plamo.preferredai.jp/</a:t>
+              </a:r>
+              <a:r>
+                <a:rPr lang="en-US" altLang="ja-JP" sz="2800" dirty="0">
+                  <a:latin typeface="+mn-ea"/>
+                  <a:ea typeface="+mn-ea"/>
+                </a:rPr>
+                <a:t>, 2024.</a:t>
+              </a:r>
+            </a:p>
+          </p:txBody>
+        </p:sp>
+      </p:grpSp>
+      <p:grpSp>
+        <p:nvGrpSpPr>
+          <p:cNvPr id="130" name="グループ化 129">
+            <a:extLst>
+              <a:ext uri="{FF2B5EF4-FFF2-40B4-BE49-F238E27FC236}">
+                <a16:creationId xmlns:a16="http://schemas.microsoft.com/office/drawing/2014/main" id="{44121006-A0D8-D70F-E95F-8F7E194A91F0}"/>
+              </a:ext>
+            </a:extLst>
+          </p:cNvPr>
+          <p:cNvGrpSpPr/>
+          <p:nvPr/>
+        </p:nvGrpSpPr>
+        <p:grpSpPr>
+          <a:xfrm>
+            <a:off x="15964075" y="15255920"/>
+            <a:ext cx="13034874" cy="3335895"/>
+            <a:chOff x="15964075" y="15079314"/>
+            <a:chExt cx="13034874" cy="3335895"/>
+          </a:xfrm>
+        </p:grpSpPr>
+        <p:pic>
+          <p:nvPicPr>
+            <p:cNvPr id="15" name="図 14">
+              <a:extLst>
+                <a:ext uri="{FF2B5EF4-FFF2-40B4-BE49-F238E27FC236}">
+                  <a16:creationId xmlns:a16="http://schemas.microsoft.com/office/drawing/2014/main" id="{DC70C330-217A-EB72-927E-603E2B3A708D}"/>
+                </a:ext>
+              </a:extLst>
+            </p:cNvPr>
+            <p:cNvPicPr>
+              <a:picLocks noChangeAspect="1"/>
+            </p:cNvPicPr>
+            <p:nvPr/>
+          </p:nvPicPr>
+          <p:blipFill>
+            <a:blip r:embed="rId17"/>
+            <a:srcRect/>
+            <a:stretch/>
+          </p:blipFill>
+          <p:spPr>
+            <a:xfrm>
+              <a:off x="15964075" y="15107160"/>
+              <a:ext cx="6789245" cy="3308049"/>
+            </a:xfrm>
+            <a:prstGeom prst="rect">
+              <a:avLst/>
+            </a:prstGeom>
+          </p:spPr>
+        </p:pic>
+        <p:pic>
+          <p:nvPicPr>
+            <p:cNvPr id="129" name="図 128" descr="図形&#10;&#10;中程度の精度で自動的に生成された説明">
+              <a:extLst>
+                <a:ext uri="{FF2B5EF4-FFF2-40B4-BE49-F238E27FC236}">
+                  <a16:creationId xmlns:a16="http://schemas.microsoft.com/office/drawing/2014/main" id="{525247D5-AFA1-4B3F-7E60-818554008100}"/>
+                </a:ext>
+              </a:extLst>
+            </p:cNvPr>
+            <p:cNvPicPr>
+              <a:picLocks noChangeAspect="1"/>
+            </p:cNvPicPr>
+            <p:nvPr/>
+          </p:nvPicPr>
+          <p:blipFill>
+            <a:blip r:embed="rId18"/>
+            <a:stretch>
+              <a:fillRect/>
+            </a:stretch>
+          </p:blipFill>
+          <p:spPr>
+            <a:xfrm>
+              <a:off x="23271203" y="15079314"/>
+              <a:ext cx="5727746" cy="1498761"/>
+            </a:xfrm>
+            <a:prstGeom prst="rect">
+              <a:avLst/>
+            </a:prstGeom>
+          </p:spPr>
+        </p:pic>
+      </p:grpSp>
+      <p:pic>
+        <p:nvPicPr>
+          <p:cNvPr id="131" name="図 130">
+            <a:extLst>
+              <a:ext uri="{FF2B5EF4-FFF2-40B4-BE49-F238E27FC236}">
+                <a16:creationId xmlns:a16="http://schemas.microsoft.com/office/drawing/2014/main" id="{9A6FB94B-95C3-7344-9E86-BBA621B5BB06}"/>
+              </a:ext>
+            </a:extLst>
+          </p:cNvPr>
+          <p:cNvPicPr>
+            <a:picLocks noChangeAspect="1"/>
+          </p:cNvPicPr>
+          <p:nvPr/>
+        </p:nvPicPr>
+        <p:blipFill>
+          <a:blip r:embed="rId19"/>
+          <a:srcRect/>
+          <a:stretch/>
+        </p:blipFill>
+        <p:spPr>
+          <a:xfrm>
+            <a:off x="8313908" y="39474998"/>
+            <a:ext cx="4528034" cy="304072"/>
+          </a:xfrm>
+          <a:prstGeom prst="rect">
+            <a:avLst/>
+          </a:prstGeom>
+        </p:spPr>
+      </p:pic>
+      <p:pic>
+        <p:nvPicPr>
+          <p:cNvPr id="132" name="図 131" descr="グラフ, 折れ線グラフ&#10;&#10;自動的に生成された説明">
+            <a:extLst>
+              <a:ext uri="{FF2B5EF4-FFF2-40B4-BE49-F238E27FC236}">
+                <a16:creationId xmlns:a16="http://schemas.microsoft.com/office/drawing/2014/main" id="{3A35C0AC-952B-C6F0-06FC-96D1663F49FE}"/>
+              </a:ext>
+            </a:extLst>
+          </p:cNvPr>
+          <p:cNvPicPr>
+            <a:picLocks noChangeAspect="1"/>
+          </p:cNvPicPr>
+          <p:nvPr/>
+        </p:nvPicPr>
+        <p:blipFill rotWithShape="1">
+          <a:blip r:embed="rId6"/>
+          <a:srcRect l="13098" t="13261" r="80783" b="78964"/>
+          <a:stretch/>
+        </p:blipFill>
+        <p:spPr>
+          <a:xfrm>
+            <a:off x="16196441" y="23298356"/>
+            <a:ext cx="1166649" cy="873191"/>
+          </a:xfrm>
+          <a:prstGeom prst="rect">
+            <a:avLst/>
+          </a:prstGeom>
+        </p:spPr>
+      </p:pic>
+      <p:pic>
+        <p:nvPicPr>
+          <p:cNvPr id="133" name="図 132" descr="グラフ, 折れ線グラフ&#10;&#10;自動的に生成された説明">
+            <a:extLst>
+              <a:ext uri="{FF2B5EF4-FFF2-40B4-BE49-F238E27FC236}">
+                <a16:creationId xmlns:a16="http://schemas.microsoft.com/office/drawing/2014/main" id="{C9FED6E3-951E-B289-2024-DF55BCBA0497}"/>
+              </a:ext>
+            </a:extLst>
+          </p:cNvPr>
+          <p:cNvPicPr>
+            <a:picLocks noChangeAspect="1"/>
+          </p:cNvPicPr>
+          <p:nvPr/>
+        </p:nvPicPr>
+        <p:blipFill rotWithShape="1">
+          <a:blip r:embed="rId7"/>
+          <a:srcRect l="13056" t="12988" r="80642" b="75228"/>
+          <a:stretch/>
+        </p:blipFill>
+        <p:spPr>
+          <a:xfrm>
+            <a:off x="23113460" y="23306826"/>
+            <a:ext cx="1076426" cy="1185633"/>
+          </a:xfrm>
+          <a:prstGeom prst="rect">
+            <a:avLst/>
+          </a:prstGeom>
+        </p:spPr>
+      </p:pic>
+      <p:grpSp>
+        <p:nvGrpSpPr>
+          <p:cNvPr id="135" name="グループ化 134">
+            <a:extLst>
+              <a:ext uri="{FF2B5EF4-FFF2-40B4-BE49-F238E27FC236}">
+                <a16:creationId xmlns:a16="http://schemas.microsoft.com/office/drawing/2014/main" id="{36B2C1A7-0962-B207-B982-26B1AFCD4485}"/>
+              </a:ext>
+            </a:extLst>
+          </p:cNvPr>
+          <p:cNvGrpSpPr/>
+          <p:nvPr/>
+        </p:nvGrpSpPr>
+        <p:grpSpPr>
+          <a:xfrm>
+            <a:off x="23572851" y="27910292"/>
+            <a:ext cx="5559337" cy="776810"/>
+            <a:chOff x="23572851" y="27363057"/>
+            <a:chExt cx="5559337" cy="776810"/>
+          </a:xfrm>
+        </p:grpSpPr>
+        <p:pic>
+          <p:nvPicPr>
+            <p:cNvPr id="1034" name="Picture 10" descr="訓練データのトークン数分布">
+              <a:extLst>
+                <a:ext uri="{FF2B5EF4-FFF2-40B4-BE49-F238E27FC236}">
+                  <a16:creationId xmlns:a16="http://schemas.microsoft.com/office/drawing/2014/main" id="{C5A9F122-FFFE-B5C6-0F9A-16465E3BD1A0}"/>
+                </a:ext>
+              </a:extLst>
+            </p:cNvPr>
+            <p:cNvPicPr>
+              <a:picLocks noChangeAspect="1" noChangeArrowheads="1"/>
+            </p:cNvPicPr>
+            <p:nvPr/>
+          </p:nvPicPr>
+          <p:blipFill>
+            <a:blip r:embed="rId20">
+              <a:extLst>
+                <a:ext uri="{28A0092B-C50C-407E-A947-70E740481C1C}">
+                  <a14:useLocalDpi xmlns:a14="http://schemas.microsoft.com/office/drawing/2010/main" val="0"/>
+                </a:ext>
+              </a:extLst>
+            </a:blip>
+            <a:srcRect/>
+            <a:stretch>
+              <a:fillRect/>
+            </a:stretch>
+          </p:blipFill>
+          <p:spPr bwMode="auto">
+            <a:xfrm>
+              <a:off x="23572851" y="27363057"/>
+              <a:ext cx="5124450" cy="371475"/>
+            </a:xfrm>
+            <a:prstGeom prst="rect">
+              <a:avLst/>
+            </a:prstGeom>
+            <a:noFill/>
+            <a:extLst>
+              <a:ext uri="{909E8E84-426E-40DD-AFC4-6F175D3DCCD1}">
+                <a14:hiddenFill xmlns:a14="http://schemas.microsoft.com/office/drawing/2010/main">
+                  <a:solidFill>
+                    <a:srgbClr val="FFFFFF"/>
+                  </a:solidFill>
+                </a14:hiddenFill>
+              </a:ext>
+            </a:extLst>
+          </p:spPr>
+        </p:pic>
+        <p:pic>
+          <p:nvPicPr>
+            <p:cNvPr id="1036" name="Picture 12" descr="(縦軸: 度数)">
+              <a:extLst>
+                <a:ext uri="{FF2B5EF4-FFF2-40B4-BE49-F238E27FC236}">
+                  <a16:creationId xmlns:a16="http://schemas.microsoft.com/office/drawing/2014/main" id="{98E72E49-9758-E9F4-F53F-54C88179D086}"/>
+                </a:ext>
+              </a:extLst>
+            </p:cNvPr>
+            <p:cNvPicPr>
+              <a:picLocks noChangeAspect="1" noChangeArrowheads="1"/>
+            </p:cNvPicPr>
+            <p:nvPr/>
+          </p:nvPicPr>
+          <p:blipFill>
+            <a:blip r:embed="rId21">
+              <a:extLst>
+                <a:ext uri="{28A0092B-C50C-407E-A947-70E740481C1C}">
+                  <a14:useLocalDpi xmlns:a14="http://schemas.microsoft.com/office/drawing/2010/main" val="0"/>
+                </a:ext>
+              </a:extLst>
+            </a:blip>
+            <a:srcRect/>
+            <a:stretch>
+              <a:fillRect/>
+            </a:stretch>
+          </p:blipFill>
+          <p:spPr bwMode="auto">
+            <a:xfrm>
+              <a:off x="27506927" y="27808932"/>
+              <a:ext cx="1625261" cy="330935"/>
+            </a:xfrm>
+            <a:prstGeom prst="rect">
+              <a:avLst/>
+            </a:prstGeom>
+            <a:noFill/>
+            <a:extLst>
+              <a:ext uri="{909E8E84-426E-40DD-AFC4-6F175D3DCCD1}">
+                <a14:hiddenFill xmlns:a14="http://schemas.microsoft.com/office/drawing/2010/main">
+                  <a:solidFill>
+                    <a:srgbClr val="FFFFFF"/>
+                  </a:solidFill>
+                </a14:hiddenFill>
+              </a:ext>
+            </a:extLst>
+          </p:spPr>
+        </p:pic>
+      </p:grpSp>
+      <p:pic>
+        <p:nvPicPr>
+          <p:cNvPr id="1038" name="Picture 14" descr="\begin{table}[]&#10;\begin{tabular}{c|cc}&#10;\multirow{}{}{} &amp; \multicolumn{2}{c}{トークン数} \\&#10;                  &amp; $\geq 512$    &amp; $&lt; 512$   \\ \hline&#10;Original          &amp; 3747          &amp; 2148      \\&#10;Summary           &amp; 11            &amp; 5884     &#10;\end{tabular}&#10;\end{table}">
+            <a:extLst>
+              <a:ext uri="{FF2B5EF4-FFF2-40B4-BE49-F238E27FC236}">
+                <a16:creationId xmlns:a16="http://schemas.microsoft.com/office/drawing/2014/main" id="{7A6800AD-6120-AD79-4526-1CB07A20424F}"/>
+              </a:ext>
+            </a:extLst>
+          </p:cNvPr>
+          <p:cNvPicPr>
+            <a:picLocks noChangeAspect="1" noChangeArrowheads="1"/>
+          </p:cNvPicPr>
+          <p:nvPr/>
+        </p:nvPicPr>
+        <p:blipFill>
+          <a:blip r:embed="rId22">
+            <a:extLst>
+              <a:ext uri="{28A0092B-C50C-407E-A947-70E740481C1C}">
+                <a14:useLocalDpi xmlns:a14="http://schemas.microsoft.com/office/drawing/2010/main" val="0"/>
+              </a:ext>
+            </a:extLst>
+          </a:blip>
+          <a:srcRect/>
+          <a:stretch>
+            <a:fillRect/>
+          </a:stretch>
+        </p:blipFill>
+        <p:spPr bwMode="auto">
+          <a:xfrm>
+            <a:off x="16001012" y="31078090"/>
+            <a:ext cx="5673951" cy="2148903"/>
+          </a:xfrm>
+          <a:prstGeom prst="rect">
+            <a:avLst/>
+          </a:prstGeom>
+          <a:noFill/>
+          <a:extLst>
+            <a:ext uri="{909E8E84-426E-40DD-AFC4-6F175D3DCCD1}">
+              <a14:hiddenFill xmlns:a14="http://schemas.microsoft.com/office/drawing/2010/main">
+                <a:solidFill>
+                  <a:srgbClr val="FFFFFF"/>
+                </a:solidFill>
+              </a14:hiddenFill>
+            </a:ext>
+          </a:extLst>
+        </p:spPr>
+      </p:pic>
+      <p:pic>
+        <p:nvPicPr>
+          <p:cNvPr id="1042" name="Picture 18" descr="epoch">
+            <a:extLst>
+              <a:ext uri="{FF2B5EF4-FFF2-40B4-BE49-F238E27FC236}">
+                <a16:creationId xmlns:a16="http://schemas.microsoft.com/office/drawing/2014/main" id="{E1D5DC89-4CD9-1170-9CB5-A81690D524E0}"/>
+              </a:ext>
+            </a:extLst>
+          </p:cNvPr>
+          <p:cNvPicPr>
+            <a:picLocks noChangeAspect="1" noChangeArrowheads="1"/>
+          </p:cNvPicPr>
+          <p:nvPr/>
+        </p:nvPicPr>
+        <p:blipFill>
+          <a:blip r:embed="rId23">
+            <a:extLst>
+              <a:ext uri="{28A0092B-C50C-407E-A947-70E740481C1C}">
+                <a14:useLocalDpi xmlns:a14="http://schemas.microsoft.com/office/drawing/2010/main" val="0"/>
+              </a:ext>
+            </a:extLst>
+          </a:blip>
+          <a:srcRect/>
+          <a:stretch>
+            <a:fillRect/>
+          </a:stretch>
+        </p:blipFill>
+        <p:spPr bwMode="auto">
+          <a:xfrm>
+            <a:off x="18592655" y="27116817"/>
+            <a:ext cx="981075" cy="342900"/>
+          </a:xfrm>
+          <a:prstGeom prst="rect">
+            <a:avLst/>
+          </a:prstGeom>
+          <a:noFill/>
+          <a:extLst>
+            <a:ext uri="{909E8E84-426E-40DD-AFC4-6F175D3DCCD1}">
+              <a14:hiddenFill xmlns:a14="http://schemas.microsoft.com/office/drawing/2010/main">
+                <a:solidFill>
+                  <a:srgbClr val="FFFFFF"/>
+                </a:solidFill>
+              </a14:hiddenFill>
+            </a:ext>
+          </a:extLst>
+        </p:spPr>
+      </p:pic>
+      <p:pic>
+        <p:nvPicPr>
+          <p:cNvPr id="136" name="Picture 18" descr="epoch">
+            <a:extLst>
+              <a:ext uri="{FF2B5EF4-FFF2-40B4-BE49-F238E27FC236}">
+                <a16:creationId xmlns:a16="http://schemas.microsoft.com/office/drawing/2014/main" id="{2C342DEA-6B69-8500-B46F-A7C53372EB62}"/>
+              </a:ext>
+            </a:extLst>
+          </p:cNvPr>
+          <p:cNvPicPr>
+            <a:picLocks noChangeAspect="1" noChangeArrowheads="1"/>
+          </p:cNvPicPr>
+          <p:nvPr/>
+        </p:nvPicPr>
+        <p:blipFill>
+          <a:blip r:embed="rId23">
+            <a:extLst>
+              <a:ext uri="{28A0092B-C50C-407E-A947-70E740481C1C}">
+                <a14:useLocalDpi xmlns:a14="http://schemas.microsoft.com/office/drawing/2010/main" val="0"/>
+              </a:ext>
+            </a:extLst>
+          </a:blip>
+          <a:srcRect/>
+          <a:stretch>
+            <a:fillRect/>
+          </a:stretch>
+        </p:blipFill>
+        <p:spPr bwMode="auto">
+          <a:xfrm>
+            <a:off x="25720798" y="27116817"/>
+            <a:ext cx="981075" cy="342900"/>
+          </a:xfrm>
+          <a:prstGeom prst="rect">
+            <a:avLst/>
+          </a:prstGeom>
+          <a:noFill/>
+          <a:extLst>
+            <a:ext uri="{909E8E84-426E-40DD-AFC4-6F175D3DCCD1}">
+              <a14:hiddenFill xmlns:a14="http://schemas.microsoft.com/office/drawing/2010/main">
+                <a:solidFill>
+                  <a:srgbClr val="FFFFFF"/>
+                </a:solidFill>
+              </a14:hiddenFill>
+            </a:ext>
+          </a:extLst>
+        </p:spPr>
+      </p:pic>
+      <p:pic>
+        <p:nvPicPr>
+          <p:cNvPr id="3" name="Picture 2" descr="パラメータ $(p, q)$ の変化">
+            <a:extLst>
+              <a:ext uri="{FF2B5EF4-FFF2-40B4-BE49-F238E27FC236}">
+                <a16:creationId xmlns:a16="http://schemas.microsoft.com/office/drawing/2014/main" id="{BA07409A-0C57-4145-522D-5E39919CC619}"/>
+              </a:ext>
+            </a:extLst>
+          </p:cNvPr>
+          <p:cNvPicPr>
+            <a:picLocks noChangeAspect="1" noChangeArrowheads="1"/>
+          </p:cNvPicPr>
+          <p:nvPr/>
+        </p:nvPicPr>
+        <p:blipFill>
+          <a:blip r:embed="rId24">
+            <a:extLst>
+              <a:ext uri="{28A0092B-C50C-407E-A947-70E740481C1C}">
+                <a14:useLocalDpi xmlns:a14="http://schemas.microsoft.com/office/drawing/2010/main" val="0"/>
+              </a:ext>
+            </a:extLst>
+          </a:blip>
+          <a:srcRect/>
+          <a:stretch>
+            <a:fillRect/>
+          </a:stretch>
+        </p:blipFill>
+        <p:spPr bwMode="auto">
+          <a:xfrm>
+            <a:off x="17064000" y="22768380"/>
+            <a:ext cx="4267200" cy="428625"/>
+          </a:xfrm>
+          <a:prstGeom prst="rect">
+            <a:avLst/>
+          </a:prstGeom>
+          <a:noFill/>
+          <a:extLst>
+            <a:ext uri="{909E8E84-426E-40DD-AFC4-6F175D3DCCD1}">
+              <a14:hiddenFill xmlns:a14="http://schemas.microsoft.com/office/drawing/2010/main">
+                <a:solidFill>
+                  <a:srgbClr val="FFFFFF"/>
+                </a:solidFill>
+              </a14:hiddenFill>
+            </a:ext>
+          </a:extLst>
+        </p:spPr>
+      </p:pic>
+      <p:pic>
+        <p:nvPicPr>
+          <p:cNvPr id="4" name="Picture 4" descr="パラメータ $(p, q, r)$ の変化">
+            <a:extLst>
+              <a:ext uri="{FF2B5EF4-FFF2-40B4-BE49-F238E27FC236}">
+                <a16:creationId xmlns:a16="http://schemas.microsoft.com/office/drawing/2014/main" id="{47273551-67F2-4716-A8F9-906743DCF679}"/>
+              </a:ext>
+            </a:extLst>
+          </p:cNvPr>
+          <p:cNvPicPr>
+            <a:picLocks noChangeAspect="1" noChangeArrowheads="1"/>
+          </p:cNvPicPr>
+          <p:nvPr/>
+        </p:nvPicPr>
+        <p:blipFill>
+          <a:blip r:embed="rId25">
+            <a:extLst>
+              <a:ext uri="{28A0092B-C50C-407E-A947-70E740481C1C}">
+                <a14:useLocalDpi xmlns:a14="http://schemas.microsoft.com/office/drawing/2010/main" val="0"/>
+              </a:ext>
+            </a:extLst>
+          </a:blip>
+          <a:srcRect/>
+          <a:stretch>
+            <a:fillRect/>
+          </a:stretch>
+        </p:blipFill>
+        <p:spPr bwMode="auto">
+          <a:xfrm>
+            <a:off x="24000027" y="22773264"/>
+            <a:ext cx="4638675" cy="428625"/>
+          </a:xfrm>
+          <a:prstGeom prst="rect">
+            <a:avLst/>
+          </a:prstGeom>
+          <a:noFill/>
+          <a:extLst>
+            <a:ext uri="{909E8E84-426E-40DD-AFC4-6F175D3DCCD1}">
+              <a14:hiddenFill xmlns:a14="http://schemas.microsoft.com/office/drawing/2010/main">
+                <a:solidFill>
+                  <a:srgbClr val="FFFFFF"/>
+                </a:solidFill>
+              </a14:hiddenFill>
+            </a:ext>
+          </a:extLst>
+        </p:spPr>
+      </p:pic>
+      <p:grpSp>
+        <p:nvGrpSpPr>
+          <p:cNvPr id="14" name="グループ化 13">
+            <a:extLst>
+              <a:ext uri="{FF2B5EF4-FFF2-40B4-BE49-F238E27FC236}">
+                <a16:creationId xmlns:a16="http://schemas.microsoft.com/office/drawing/2014/main" id="{D6D5CC4A-AFEC-7377-BC69-FECAD6C7A668}"/>
+              </a:ext>
+            </a:extLst>
+          </p:cNvPr>
+          <p:cNvGrpSpPr/>
+          <p:nvPr/>
+        </p:nvGrpSpPr>
+        <p:grpSpPr>
+          <a:xfrm>
+            <a:off x="35625782" y="23258351"/>
+            <a:ext cx="8390377" cy="5807619"/>
+            <a:chOff x="38015423" y="23513143"/>
+            <a:chExt cx="8390377" cy="5807619"/>
+          </a:xfrm>
+        </p:grpSpPr>
+        <p:sp>
+          <p:nvSpPr>
+            <p:cNvPr id="11" name="正方形/長方形 10">
+              <a:extLst>
+                <a:ext uri="{FF2B5EF4-FFF2-40B4-BE49-F238E27FC236}">
+                  <a16:creationId xmlns:a16="http://schemas.microsoft.com/office/drawing/2014/main" id="{2B6EDA92-35C1-2CCB-F4BD-DE54C8684A8C}"/>
+                </a:ext>
+              </a:extLst>
+            </p:cNvPr>
+            <p:cNvSpPr/>
+            <p:nvPr/>
+          </p:nvSpPr>
+          <p:spPr>
+            <a:xfrm>
+              <a:off x="38015424" y="23555078"/>
+              <a:ext cx="8390376" cy="5765684"/>
+            </a:xfrm>
+            <a:prstGeom prst="rect">
+              <a:avLst/>
+            </a:prstGeom>
+            <a:solidFill>
+              <a:schemeClr val="bg1"/>
+            </a:solidFill>
+            <a:ln>
+              <a:noFill/>
+            </a:ln>
+          </p:spPr>
+          <p:style>
+            <a:lnRef idx="2">
+              <a:schemeClr val="accent1">
+                <a:shade val="15000"/>
+              </a:schemeClr>
+            </a:lnRef>
+            <a:fillRef idx="1">
+              <a:schemeClr val="accent1"/>
+            </a:fillRef>
+            <a:effectRef idx="0">
+              <a:schemeClr val="accent1"/>
+            </a:effectRef>
+            <a:fontRef idx="minor">
+              <a:schemeClr val="lt1"/>
+            </a:fontRef>
+          </p:style>
+          <p:txBody>
+            <a:bodyPr rtlCol="0" anchor="ctr"/>
+            <a:lstStyle/>
+            <a:p>
+              <a:pPr algn="ctr"/>
+              <a:endParaRPr kumimoji="1" lang="ja-JP" altLang="en-US"/>
+            </a:p>
+          </p:txBody>
+        </p:sp>
+        <p:pic>
+          <p:nvPicPr>
+            <p:cNvPr id="56" name="図 55" descr="グラフ, ヒストグラム&#10;&#10;自動的に生成された説明">
+              <a:extLst>
+                <a:ext uri="{FF2B5EF4-FFF2-40B4-BE49-F238E27FC236}">
+                  <a16:creationId xmlns:a16="http://schemas.microsoft.com/office/drawing/2014/main" id="{A221E51A-EB97-811B-FE44-C81D683B1844}"/>
+                </a:ext>
+              </a:extLst>
+            </p:cNvPr>
+            <p:cNvPicPr>
+              <a:picLocks noChangeAspect="1"/>
+            </p:cNvPicPr>
+            <p:nvPr/>
+          </p:nvPicPr>
+          <p:blipFill rotWithShape="1">
+            <a:blip r:embed="rId26"/>
+            <a:srcRect l="6106" t="11701" r="18505" b="6192"/>
+            <a:stretch/>
+          </p:blipFill>
+          <p:spPr>
+            <a:xfrm>
+              <a:off x="38015423" y="23513143"/>
+              <a:ext cx="8390377" cy="5482926"/>
+            </a:xfrm>
+            <a:prstGeom prst="rect">
+              <a:avLst/>
+            </a:prstGeom>
+            <a:ln>
+              <a:noFill/>
+            </a:ln>
+          </p:spPr>
+        </p:pic>
+        <p:pic>
+          <p:nvPicPr>
+            <p:cNvPr id="126" name="図 125" descr="グラフ, ヒストグラム&#10;&#10;自動的に生成された説明">
+              <a:extLst>
+                <a:ext uri="{FF2B5EF4-FFF2-40B4-BE49-F238E27FC236}">
+                  <a16:creationId xmlns:a16="http://schemas.microsoft.com/office/drawing/2014/main" id="{310C558E-4388-A575-49FF-8EA48AD99B4C}"/>
+                </a:ext>
+              </a:extLst>
+            </p:cNvPr>
+            <p:cNvPicPr>
+              <a:picLocks noChangeAspect="1"/>
+            </p:cNvPicPr>
+            <p:nvPr/>
+          </p:nvPicPr>
+          <p:blipFill rotWithShape="1">
+            <a:blip r:embed="rId26"/>
+            <a:srcRect l="73443" t="12901" r="10486" b="75056"/>
+            <a:stretch/>
+          </p:blipFill>
+          <p:spPr>
+            <a:xfrm>
+              <a:off x="39142951" y="23837992"/>
+              <a:ext cx="2911172" cy="1308934"/>
+            </a:xfrm>
+            <a:prstGeom prst="rect">
+              <a:avLst/>
+            </a:prstGeom>
+          </p:spPr>
+        </p:pic>
+        <p:pic>
+          <p:nvPicPr>
+            <p:cNvPr id="1044" name="Picture 20" descr="Number of Tokens">
+              <a:extLst>
+                <a:ext uri="{FF2B5EF4-FFF2-40B4-BE49-F238E27FC236}">
+                  <a16:creationId xmlns:a16="http://schemas.microsoft.com/office/drawing/2014/main" id="{528E733D-59C4-8216-2281-9B11AE0012A3}"/>
+                </a:ext>
+              </a:extLst>
+            </p:cNvPr>
+            <p:cNvPicPr>
+              <a:picLocks noChangeAspect="1" noChangeArrowheads="1"/>
+            </p:cNvPicPr>
+            <p:nvPr/>
+          </p:nvPicPr>
+          <p:blipFill>
+            <a:blip r:embed="rId27">
+              <a:extLst>
+                <a:ext uri="{28A0092B-C50C-407E-A947-70E740481C1C}">
+                  <a14:useLocalDpi xmlns:a14="http://schemas.microsoft.com/office/drawing/2010/main" val="0"/>
+                </a:ext>
+              </a:extLst>
+            </a:blip>
+            <a:srcRect/>
+            <a:stretch>
+              <a:fillRect/>
+            </a:stretch>
+          </p:blipFill>
+          <p:spPr bwMode="auto">
+            <a:xfrm>
+              <a:off x="41015430" y="28993233"/>
+              <a:ext cx="3143250" cy="285750"/>
+            </a:xfrm>
+            <a:prstGeom prst="rect">
+              <a:avLst/>
+            </a:prstGeom>
+            <a:noFill/>
+            <a:extLst>
+              <a:ext uri="{909E8E84-426E-40DD-AFC4-6F175D3DCCD1}">
+                <a14:hiddenFill xmlns:a14="http://schemas.microsoft.com/office/drawing/2010/main">
+                  <a:solidFill>
+                    <a:srgbClr val="FFFFFF"/>
+                  </a:solidFill>
+                </a14:hiddenFill>
+              </a:ext>
+            </a:extLst>
+          </p:spPr>
+        </p:pic>
+        <p:sp>
+          <p:nvSpPr>
+            <p:cNvPr id="10" name="正方形/長方形 9">
+              <a:extLst>
+                <a:ext uri="{FF2B5EF4-FFF2-40B4-BE49-F238E27FC236}">
+                  <a16:creationId xmlns:a16="http://schemas.microsoft.com/office/drawing/2014/main" id="{382B9B9E-3F38-A574-7E4B-D8AE62D74C9B}"/>
+                </a:ext>
+              </a:extLst>
+            </p:cNvPr>
+            <p:cNvSpPr/>
+            <p:nvPr/>
+          </p:nvSpPr>
+          <p:spPr>
+            <a:xfrm>
+              <a:off x="45371656" y="23555078"/>
+              <a:ext cx="1034143" cy="979316"/>
+            </a:xfrm>
+            <a:prstGeom prst="rect">
+              <a:avLst/>
+            </a:prstGeom>
+            <a:solidFill>
+              <a:schemeClr val="bg1"/>
+            </a:solidFill>
+            <a:ln>
+              <a:noFill/>
+            </a:ln>
+          </p:spPr>
+          <p:style>
+            <a:lnRef idx="2">
+              <a:schemeClr val="accent1">
+                <a:shade val="15000"/>
+              </a:schemeClr>
+            </a:lnRef>
+            <a:fillRef idx="1">
+              <a:schemeClr val="accent1"/>
+            </a:fillRef>
+            <a:effectRef idx="0">
+              <a:schemeClr val="accent1"/>
+            </a:effectRef>
+            <a:fontRef idx="minor">
+              <a:schemeClr val="lt1"/>
+            </a:fontRef>
+          </p:style>
+          <p:txBody>
+            <a:bodyPr rtlCol="0" anchor="ctr"/>
+            <a:lstStyle/>
+            <a:p>
+              <a:pPr algn="ctr"/>
+              <a:endParaRPr kumimoji="1" lang="ja-JP" altLang="en-US"/>
+            </a:p>
+          </p:txBody>
+        </p:sp>
+      </p:grpSp>
+      <p:sp>
+        <p:nvSpPr>
+          <p:cNvPr id="13" name="テキスト ボックス 12">
+            <a:extLst>
+              <a:ext uri="{FF2B5EF4-FFF2-40B4-BE49-F238E27FC236}">
+                <a16:creationId xmlns:a16="http://schemas.microsoft.com/office/drawing/2014/main" id="{3C072718-D747-0482-2636-539B0062E165}"/>
+              </a:ext>
+            </a:extLst>
+          </p:cNvPr>
+          <p:cNvSpPr txBox="1"/>
+          <p:nvPr/>
+        </p:nvSpPr>
+        <p:spPr>
+          <a:xfrm>
+            <a:off x="40698295" y="21226072"/>
+            <a:ext cx="3777521" cy="307777"/>
+          </a:xfrm>
+          <a:prstGeom prst="rect">
+            <a:avLst/>
+          </a:prstGeom>
+          <a:noFill/>
+        </p:spPr>
+        <p:txBody>
+          <a:bodyPr wrap="square" rtlCol="0">
+            <a:spAutoFit/>
+          </a:bodyPr>
+          <a:lstStyle/>
+          <a:p>
+            <a:r>
+              <a:rPr kumimoji="1" lang="en-US" altLang="ja-JP" dirty="0"/>
+              <a:t>Number of Tokens</a:t>
+            </a:r>
+            <a:endParaRPr kumimoji="1" lang="ja-JP" altLang="en-US" dirty="0"/>
+          </a:p>
+        </p:txBody>
+      </p:sp>
+    </p:spTree>
+    <p:extLst>
+      <p:ext uri="{BB962C8B-B14F-4D97-AF65-F5344CB8AC3E}">
+        <p14:creationId xmlns:p14="http://schemas.microsoft.com/office/powerpoint/2010/main" val="384945632"/>
+      </p:ext>
+    </p:extLst>
   </p:cSld>
   <p:clrMapOvr>
     <a:masterClrMapping/>
@@ -21904,9 +29732,9 @@
               <p:grpSpPr>
                 <a:xfrm>
                   <a:off x="11812576" y="14362276"/>
-                  <a:ext cx="15949250" cy="9552376"/>
+                  <a:ext cx="15949250" cy="9562058"/>
                   <a:chOff x="11812576" y="14362276"/>
-                  <a:chExt cx="15949250" cy="9552376"/>
+                  <a:chExt cx="15949250" cy="9562058"/>
                 </a:xfrm>
               </p:grpSpPr>
               <p:grpSp>
@@ -22741,7 +30569,7 @@
                     <a:p>
                       <a:pPr algn="ctr"/>
                       <a:r>
-                        <a:rPr kumimoji="1" lang="en-US" altLang="ja-JP" sz="4000" dirty="0">
+                        <a:rPr kumimoji="1" lang="en-US" altLang="ja-JP" sz="4000" i="1" dirty="0">
                           <a:solidFill>
                             <a:schemeClr val="tx1"/>
                           </a:solidFill>
@@ -22816,7 +30644,7 @@
                     <a:p>
                       <a:pPr algn="ctr"/>
                       <a:r>
-                        <a:rPr kumimoji="1" lang="en-US" altLang="ja-JP" sz="4000" dirty="0">
+                        <a:rPr kumimoji="1" lang="en-US" altLang="ja-JP" sz="4000" i="1" dirty="0">
                           <a:solidFill>
                             <a:schemeClr val="tx1"/>
                           </a:solidFill>
@@ -22891,7 +30719,7 @@
                     <a:p>
                       <a:pPr algn="ctr"/>
                       <a:r>
-                        <a:rPr kumimoji="1" lang="en-US" altLang="ja-JP" sz="4000" dirty="0">
+                        <a:rPr kumimoji="1" lang="en-US" altLang="ja-JP" sz="4000" i="1" dirty="0">
                           <a:solidFill>
                             <a:schemeClr val="tx1"/>
                           </a:solidFill>
@@ -22966,7 +30794,7 @@
                     <a:p>
                       <a:pPr algn="ctr"/>
                       <a:r>
-                        <a:rPr kumimoji="1" lang="en-US" altLang="ja-JP" sz="4000" dirty="0">
+                        <a:rPr kumimoji="1" lang="en-US" altLang="ja-JP" sz="4000" i="1" dirty="0">
                           <a:solidFill>
                             <a:schemeClr val="tx1"/>
                           </a:solidFill>
@@ -23111,7 +30939,7 @@
                     <p:spPr>
                       <a:xfrm>
                         <a:off x="11812577" y="23025370"/>
-                        <a:ext cx="8774724" cy="889282"/>
+                        <a:ext cx="8774724" cy="898964"/>
                       </a:xfrm>
                       <a:prstGeom prst="rect">
                         <a:avLst/>
@@ -23166,25 +30994,31 @@
                             <m:sSub>
                               <m:sSubPr>
                                 <m:ctrlPr>
-                                  <a:rPr kumimoji="1" lang="en-US" altLang="ja-JP" sz="4800" b="0" i="1" smtClean="0">
+                                  <a:rPr kumimoji="1" lang="en-US" altLang="ja-JP" sz="4800" b="0" smtClean="0">
                                     <a:latin typeface="Cambria Math" panose="02040503050406030204" pitchFamily="18" charset="0"/>
                                   </a:rPr>
                                 </m:ctrlPr>
                               </m:sSubPr>
                               <m:e>
                                 <m:r>
-                                  <a:rPr kumimoji="1" lang="en-US" altLang="ja-JP" sz="4800" b="0" i="1" smtClean="0">
+                                  <m:rPr>
+                                    <m:sty m:val="p"/>
+                                  </m:rPr>
+                                  <a:rPr kumimoji="1" lang="en-US" altLang="ja-JP" sz="4800" b="0" i="0" smtClean="0">
                                     <a:latin typeface="Cambria Math" panose="02040503050406030204" pitchFamily="18" charset="0"/>
                                   </a:rPr>
-                                  <m:t>𝐷</m:t>
+                                  <m:t>D</m:t>
                                 </m:r>
                               </m:e>
                               <m:sub>
                                 <m:r>
-                                  <a:rPr kumimoji="1" lang="en-US" altLang="ja-JP" sz="4800" b="0" i="1" smtClean="0">
+                                  <m:rPr>
+                                    <m:sty m:val="p"/>
+                                  </m:rPr>
+                                  <a:rPr kumimoji="1" lang="en-US" altLang="ja-JP" sz="4800" b="0" i="0" smtClean="0">
                                     <a:latin typeface="Cambria Math" panose="02040503050406030204" pitchFamily="18" charset="0"/>
                                   </a:rPr>
-                                  <m:t>𝑡𝑖𝑡𝑙𝑒</m:t>
+                                  <m:t>title</m:t>
                                 </m:r>
                               </m:sub>
                             </m:sSub>
@@ -23225,25 +31059,31 @@
                             <m:sSub>
                               <m:sSubPr>
                                 <m:ctrlPr>
-                                  <a:rPr kumimoji="1" lang="en-US" altLang="ja-JP" sz="4800" b="0" i="1" smtClean="0">
+                                  <a:rPr kumimoji="1" lang="en-US" altLang="ja-JP" sz="4800" b="0" smtClean="0">
                                     <a:latin typeface="Cambria Math" panose="02040503050406030204" pitchFamily="18" charset="0"/>
                                   </a:rPr>
                                 </m:ctrlPr>
                               </m:sSubPr>
                               <m:e>
                                 <m:r>
-                                  <a:rPr kumimoji="1" lang="en-US" altLang="ja-JP" sz="4800" b="0" i="1" smtClean="0">
+                                  <m:rPr>
+                                    <m:sty m:val="p"/>
+                                  </m:rPr>
+                                  <a:rPr kumimoji="1" lang="en-US" altLang="ja-JP" sz="4800" b="0" i="0" smtClean="0">
                                     <a:latin typeface="Cambria Math" panose="02040503050406030204" pitchFamily="18" charset="0"/>
                                   </a:rPr>
-                                  <m:t>𝐷</m:t>
+                                  <m:t>D</m:t>
                                 </m:r>
                               </m:e>
                               <m:sub>
                                 <m:r>
-                                  <a:rPr kumimoji="1" lang="en-US" altLang="ja-JP" sz="4800" b="0" i="1" smtClean="0">
+                                  <m:rPr>
+                                    <m:sty m:val="p"/>
+                                  </m:rPr>
+                                  <a:rPr kumimoji="1" lang="en-US" altLang="ja-JP" sz="4800" b="0" i="0" smtClean="0">
                                     <a:latin typeface="Cambria Math" panose="02040503050406030204" pitchFamily="18" charset="0"/>
                                   </a:rPr>
-                                  <m:t>𝑏𝑜𝑑𝑦</m:t>
+                                  <m:t>body</m:t>
                                 </m:r>
                               </m:sub>
                             </m:sSub>
@@ -23272,7 +31112,7 @@
                     <p:spPr>
                       <a:xfrm>
                         <a:off x="11812577" y="23025370"/>
-                        <a:ext cx="8774724" cy="889282"/>
+                        <a:ext cx="8774724" cy="898964"/>
                       </a:xfrm>
                       <a:prstGeom prst="rect">
                         <a:avLst/>
@@ -23280,7 +31120,7 @@
                       <a:blipFill>
                         <a:blip r:embed="rId4"/>
                         <a:stretch>
-                          <a:fillRect t="-17241" b="-28276"/>
+                          <a:fillRect t="-17007" b="-26531"/>
                         </a:stretch>
                       </a:blipFill>
                     </p:spPr>
@@ -23351,7 +31191,7 @@
                   <a:p>
                     <a:pPr algn="ctr"/>
                     <a:r>
-                      <a:rPr kumimoji="1" lang="en-US" altLang="ja-JP" sz="4000" dirty="0" err="1">
+                      <a:rPr kumimoji="1" lang="en-US" altLang="ja-JP" sz="4000" i="1" dirty="0" err="1">
                         <a:solidFill>
                           <a:schemeClr val="tx1"/>
                         </a:solidFill>
@@ -23969,7 +31809,7 @@
                     <a:p>
                       <a:pPr algn="ctr"/>
                       <a:r>
-                        <a:rPr kumimoji="1" lang="en-US" altLang="ja-JP" sz="4000" dirty="0">
+                        <a:rPr kumimoji="1" lang="en-US" altLang="ja-JP" sz="4000" i="1" dirty="0">
                           <a:solidFill>
                             <a:schemeClr val="tx1"/>
                           </a:solidFill>
@@ -24010,7 +31850,7 @@
                     <p:spPr>
                       <a:xfrm>
                         <a:off x="21042302" y="23025370"/>
-                        <a:ext cx="6651383" cy="889282"/>
+                        <a:ext cx="6651383" cy="898964"/>
                       </a:xfrm>
                       <a:prstGeom prst="rect">
                         <a:avLst/>
@@ -24065,25 +31905,31 @@
                             <m:sSub>
                               <m:sSubPr>
                                 <m:ctrlPr>
-                                  <a:rPr kumimoji="1" lang="en-US" altLang="ja-JP" sz="4800" b="0" i="1" smtClean="0">
+                                  <a:rPr kumimoji="1" lang="en-US" altLang="ja-JP" sz="4800" b="0" smtClean="0">
                                     <a:latin typeface="Cambria Math" panose="02040503050406030204" pitchFamily="18" charset="0"/>
                                   </a:rPr>
                                 </m:ctrlPr>
                               </m:sSubPr>
                               <m:e>
                                 <m:r>
-                                  <a:rPr kumimoji="1" lang="en-US" altLang="ja-JP" sz="4800" b="0" i="1" smtClean="0">
+                                  <m:rPr>
+                                    <m:sty m:val="p"/>
+                                  </m:rPr>
+                                  <a:rPr kumimoji="1" lang="en-US" altLang="ja-JP" sz="4800" b="0" i="0" smtClean="0">
                                     <a:latin typeface="Cambria Math" panose="02040503050406030204" pitchFamily="18" charset="0"/>
                                   </a:rPr>
-                                  <m:t>𝐷</m:t>
+                                  <m:t>D</m:t>
                                 </m:r>
                               </m:e>
                               <m:sub>
                                 <m:r>
-                                  <a:rPr kumimoji="1" lang="en-US" altLang="ja-JP" sz="4800" b="0" i="1" smtClean="0">
+                                  <m:rPr>
+                                    <m:sty m:val="p"/>
+                                  </m:rPr>
+                                  <a:rPr kumimoji="1" lang="en-US" altLang="ja-JP" sz="4800" b="0" i="0" smtClean="0">
                                     <a:latin typeface="Cambria Math" panose="02040503050406030204" pitchFamily="18" charset="0"/>
                                   </a:rPr>
-                                  <m:t>𝑠𝑢𝑚𝑚𝑎𝑟𝑦</m:t>
+                                  <m:t>summary</m:t>
                                 </m:r>
                               </m:sub>
                             </m:sSub>
@@ -24112,7 +31958,7 @@
                     <p:spPr>
                       <a:xfrm>
                         <a:off x="21042302" y="23025370"/>
-                        <a:ext cx="6651383" cy="889282"/>
+                        <a:ext cx="6651383" cy="898964"/>
                       </a:xfrm>
                       <a:prstGeom prst="rect">
                         <a:avLst/>
@@ -24120,7 +31966,7 @@
                       <a:blipFill>
                         <a:blip r:embed="rId5"/>
                         <a:stretch>
-                          <a:fillRect t="-17241" b="-28276"/>
+                          <a:fillRect t="-17007" b="-26531"/>
                         </a:stretch>
                       </a:blipFill>
                     </p:spPr>
@@ -24337,7 +32183,7 @@
                             <m:sSub>
                               <m:sSubPr>
                                 <m:ctrlPr>
-                                  <a:rPr kumimoji="1" lang="en-US" altLang="ja-JP" sz="4400" b="0" i="1" smtClean="0">
+                                  <a:rPr kumimoji="1" lang="en-US" altLang="ja-JP" sz="4400" b="0" smtClean="0">
                                     <a:solidFill>
                                       <a:schemeClr val="bg1"/>
                                     </a:solidFill>
@@ -24358,20 +32204,23 @@
                               </m:e>
                               <m:sub>
                                 <m:r>
-                                  <a:rPr kumimoji="1" lang="en-US" altLang="ja-JP" sz="4400" b="0" i="1" smtClean="0">
+                                  <m:rPr>
+                                    <m:sty m:val="p"/>
+                                  </m:rPr>
+                                  <a:rPr kumimoji="1" lang="en-US" altLang="ja-JP" sz="4400" b="0" i="0" smtClean="0">
                                     <a:solidFill>
                                       <a:schemeClr val="bg1"/>
                                     </a:solidFill>
                                     <a:latin typeface="Cambria Math" panose="02040503050406030204" pitchFamily="18" charset="0"/>
                                   </a:rPr>
-                                  <m:t>𝑠𝑢𝑚</m:t>
+                                  <m:t>sum</m:t>
                                 </m:r>
                               </m:sub>
                             </m:sSub>
                           </m:oMath>
                         </a14:m>
                         <a:r>
-                          <a:rPr lang="en-US" altLang="ja-JP" sz="4400" b="0" i="0" u="none" strike="noStrike" baseline="0" dirty="0">
+                          <a:rPr lang="en-US" altLang="ja-JP" sz="4400" b="0" u="none" strike="noStrike" baseline="0" dirty="0">
                             <a:latin typeface="+mn-ea"/>
                           </a:rPr>
                           <a:t> </a:t>
@@ -24494,7 +32343,7 @@
                               <m:sSub>
                                 <m:sSubPr>
                                   <m:ctrlPr>
-                                    <a:rPr kumimoji="1" lang="en-US" altLang="ja-JP" sz="5400" b="0" i="1" smtClean="0">
+                                    <a:rPr kumimoji="1" lang="en-US" altLang="ja-JP" sz="5400" b="0" smtClean="0">
                                       <a:solidFill>
                                         <a:schemeClr val="tx1"/>
                                       </a:solidFill>
@@ -24515,13 +32364,16 @@
                                 </m:e>
                                 <m:sub>
                                   <m:r>
-                                    <a:rPr kumimoji="1" lang="en-US" altLang="ja-JP" sz="5400" b="0" i="1" smtClean="0">
+                                    <m:rPr>
+                                      <m:sty m:val="p"/>
+                                    </m:rPr>
+                                    <a:rPr kumimoji="1" lang="en-US" altLang="ja-JP" sz="5400" b="0" i="0" smtClean="0">
                                       <a:solidFill>
                                         <a:schemeClr val="tx1"/>
                                       </a:solidFill>
                                       <a:latin typeface="Cambria Math" panose="02040503050406030204" pitchFamily="18" charset="0"/>
                                     </a:rPr>
-                                    <m:t>𝑠𝑢𝑚</m:t>
+                                    <m:t>sum</m:t>
                                   </m:r>
                                 </m:sub>
                               </m:sSub>
@@ -24563,7 +32415,7 @@
                       <a:blipFill>
                         <a:blip r:embed="rId7"/>
                         <a:stretch>
-                          <a:fillRect l="-20992" r="-9160"/>
+                          <a:fillRect l="-20229" r="-8015"/>
                         </a:stretch>
                       </a:blipFill>
                       <a:ln>
@@ -24821,7 +32673,7 @@
               <p:spPr>
                 <a:xfrm>
                   <a:off x="14827104" y="13715764"/>
-                  <a:ext cx="4539299" cy="624786"/>
+                  <a:ext cx="4539299" cy="631263"/>
                 </a:xfrm>
                 <a:prstGeom prst="rect">
                   <a:avLst/>
@@ -24914,7 +32766,7 @@
                         <m:sSub>
                           <m:sSubPr>
                             <m:ctrlPr>
-                              <a:rPr kumimoji="1" lang="en-US" altLang="ja-JP" sz="3200" i="1">
+                              <a:rPr kumimoji="1" lang="en-US" altLang="ja-JP" sz="3200">
                                 <a:latin typeface="Cambria Math" panose="02040503050406030204" pitchFamily="18" charset="0"/>
                               </a:rPr>
                             </m:ctrlPr>
@@ -24929,10 +32781,13 @@
                           </m:e>
                           <m:sub>
                             <m:r>
-                              <a:rPr kumimoji="1" lang="en-US" altLang="ja-JP" sz="3200" i="1">
+                              <m:rPr>
+                                <m:sty m:val="p"/>
+                              </m:rPr>
+                              <a:rPr kumimoji="1" lang="en-US" altLang="ja-JP" sz="3200" i="0">
                                 <a:latin typeface="Cambria Math" panose="02040503050406030204" pitchFamily="18" charset="0"/>
                               </a:rPr>
-                              <m:t>𝐴𝑣𝑔</m:t>
+                              <m:t>Avg</m:t>
                             </m:r>
                           </m:sub>
                         </m:sSub>
@@ -24951,7 +32806,7 @@
                         <m:sSub>
                           <m:sSubPr>
                             <m:ctrlPr>
-                              <a:rPr kumimoji="1" lang="en-US" altLang="ja-JP" sz="3200" i="1">
+                              <a:rPr kumimoji="1" lang="en-US" altLang="ja-JP" sz="3200">
                                 <a:latin typeface="Cambria Math" panose="02040503050406030204" pitchFamily="18" charset="0"/>
                               </a:rPr>
                             </m:ctrlPr>
@@ -24966,10 +32821,13 @@
                           </m:e>
                           <m:sub>
                             <m:r>
-                              <a:rPr kumimoji="1" lang="en-US" altLang="ja-JP" sz="3200" i="1">
+                              <m:rPr>
+                                <m:sty m:val="p"/>
+                              </m:rPr>
+                              <a:rPr kumimoji="1" lang="en-US" altLang="ja-JP" sz="3200" i="0">
                                 <a:latin typeface="Cambria Math" panose="02040503050406030204" pitchFamily="18" charset="0"/>
                               </a:rPr>
-                              <m:t>𝑠𝑢𝑚</m:t>
+                              <m:t>sum</m:t>
                             </m:r>
                           </m:sub>
                         </m:sSub>
@@ -24999,7 +32857,7 @@
               <p:spPr>
                 <a:xfrm>
                   <a:off x="14827104" y="13715764"/>
-                  <a:ext cx="4539299" cy="624786"/>
+                  <a:ext cx="4539299" cy="631263"/>
                 </a:xfrm>
                 <a:prstGeom prst="rect">
                   <a:avLst/>
@@ -33275,8 +41133,8 @@
             </a:p>
           </p:txBody>
         </p:sp>
-        <mc:AlternateContent xmlns:mc="http://schemas.openxmlformats.org/markup-compatibility/2006">
-          <mc:Choice xmlns:a14="http://schemas.microsoft.com/office/drawing/2010/main" Requires="a14">
+        <mc:AlternateContent xmlns:mc="http://schemas.openxmlformats.org/markup-compatibility/2006" xmlns:a14="http://schemas.microsoft.com/office/drawing/2010/main">
+          <mc:Choice Requires="a14">
             <p:sp>
               <p:nvSpPr>
                 <p:cNvPr id="58" name="テキスト ボックス 57">
@@ -33415,7 +41273,7 @@
               </p:txBody>
             </p:sp>
           </mc:Choice>
-          <mc:Fallback>
+          <mc:Fallback xmlns="">
             <p:sp>
               <p:nvSpPr>
                 <p:cNvPr id="58" name="テキスト ボックス 57">
